--- a/docu/Kubernetes_Nexcloud.pptx
+++ b/docu/Kubernetes_Nexcloud.pptx
@@ -5,17 +5,20 @@
     <p:sldMasterId id="2147483648" r:id="rId1"/>
   </p:sldMasterIdLst>
   <p:notesMasterIdLst>
-    <p:notesMasterId r:id="rId10"/>
+    <p:notesMasterId r:id="rId13"/>
   </p:notesMasterIdLst>
   <p:sldIdLst>
     <p:sldId id="256" r:id="rId2"/>
     <p:sldId id="257" r:id="rId3"/>
     <p:sldId id="268" r:id="rId4"/>
-    <p:sldId id="269" r:id="rId5"/>
-    <p:sldId id="272" r:id="rId6"/>
-    <p:sldId id="270" r:id="rId7"/>
-    <p:sldId id="271" r:id="rId8"/>
-    <p:sldId id="267" r:id="rId9"/>
+    <p:sldId id="274" r:id="rId5"/>
+    <p:sldId id="269" r:id="rId6"/>
+    <p:sldId id="273" r:id="rId7"/>
+    <p:sldId id="272" r:id="rId8"/>
+    <p:sldId id="270" r:id="rId9"/>
+    <p:sldId id="271" r:id="rId10"/>
+    <p:sldId id="275" r:id="rId11"/>
+    <p:sldId id="267" r:id="rId12"/>
   </p:sldIdLst>
   <p:sldSz cx="12192000" cy="6858000"/>
   <p:notesSz cx="6858000" cy="9144000"/>
@@ -268,38 +271,37 @@
           <a:p>
             <a:pPr lvl="0"/>
             <a:r>
-              <a:rPr lang="de-DE" smtClean="0"/>
+              <a:rPr lang="de-DE"/>
               <a:t>Textmasterformat bearbeiten</a:t>
             </a:r>
           </a:p>
           <a:p>
             <a:pPr lvl="1"/>
             <a:r>
-              <a:rPr lang="de-DE" smtClean="0"/>
+              <a:rPr lang="de-DE"/>
               <a:t>Zweite Ebene</a:t>
             </a:r>
           </a:p>
           <a:p>
             <a:pPr lvl="2"/>
             <a:r>
-              <a:rPr lang="de-DE" smtClean="0"/>
+              <a:rPr lang="de-DE"/>
               <a:t>Dritte Ebene</a:t>
             </a:r>
           </a:p>
           <a:p>
             <a:pPr lvl="3"/>
             <a:r>
-              <a:rPr lang="de-DE" smtClean="0"/>
+              <a:rPr lang="de-DE"/>
               <a:t>Vierte Ebene</a:t>
             </a:r>
           </a:p>
           <a:p>
             <a:pPr lvl="4"/>
             <a:r>
-              <a:rPr lang="de-DE" smtClean="0"/>
+              <a:rPr lang="de-DE"/>
               <a:t>Fünfte Ebene</a:t>
             </a:r>
-            <a:endParaRPr lang="de-DE"/>
           </a:p>
         </p:txBody>
       </p:sp>
@@ -517,11 +519,11 @@
           <a:lstStyle/>
           <a:p>
             <a:r>
-              <a:rPr lang="de-DE" smtClean="0"/>
+              <a:rPr lang="de-DE"/>
               <a:t>disease</a:t>
             </a:r>
             <a:r>
-              <a:rPr lang="de-DE" baseline="0" smtClean="0"/>
+              <a:rPr lang="de-DE" baseline="0"/>
               <a:t> itself</a:t>
             </a:r>
             <a:endParaRPr lang="de-DE"/>
@@ -609,14 +611,841 @@
           <a:lstStyle/>
           <a:p>
             <a:r>
-              <a:rPr lang="de-DE" smtClean="0"/>
-              <a:t>disease</a:t>
-            </a:r>
-            <a:r>
-              <a:rPr lang="de-DE" baseline="0" smtClean="0"/>
-              <a:t> itself</a:t>
-            </a:r>
-            <a:endParaRPr lang="de-DE"/>
+              <a:rPr lang="de-DE" dirty="0" err="1"/>
+              <a:t>Nextcloud</a:t>
+            </a:r>
+            <a:r>
+              <a:rPr lang="de-DE" dirty="0"/>
+              <a:t> </a:t>
+            </a:r>
+            <a:r>
+              <a:rPr lang="de-DE" dirty="0" err="1"/>
+              <a:t>is</a:t>
+            </a:r>
+            <a:r>
+              <a:rPr lang="de-DE" dirty="0"/>
+              <a:t> an open source </a:t>
+            </a:r>
+            <a:r>
+              <a:rPr lang="de-DE" dirty="0" err="1"/>
+              <a:t>cloud</a:t>
+            </a:r>
+            <a:r>
+              <a:rPr lang="de-DE" dirty="0"/>
+              <a:t> </a:t>
+            </a:r>
+            <a:r>
+              <a:rPr lang="de-DE" dirty="0" err="1"/>
+              <a:t>solution</a:t>
+            </a:r>
+            <a:r>
+              <a:rPr lang="de-DE" dirty="0"/>
+              <a:t>. </a:t>
+            </a:r>
+            <a:r>
+              <a:rPr lang="de-DE" dirty="0" err="1"/>
+              <a:t>It</a:t>
+            </a:r>
+            <a:r>
+              <a:rPr lang="de-DE" dirty="0"/>
+              <a:t> was </a:t>
+            </a:r>
+            <a:r>
+              <a:rPr lang="de-DE" dirty="0" err="1"/>
+              <a:t>founded</a:t>
+            </a:r>
+            <a:r>
+              <a:rPr lang="de-DE" dirty="0"/>
+              <a:t> in 2016 </a:t>
+            </a:r>
+            <a:r>
+              <a:rPr lang="de-DE" dirty="0" err="1"/>
+              <a:t>as</a:t>
+            </a:r>
+            <a:r>
+              <a:rPr lang="de-DE" dirty="0"/>
+              <a:t> a </a:t>
+            </a:r>
+            <a:r>
+              <a:rPr lang="de-DE" dirty="0" err="1"/>
+              <a:t>fork</a:t>
+            </a:r>
+            <a:r>
+              <a:rPr lang="de-DE" dirty="0"/>
+              <a:t> </a:t>
+            </a:r>
+            <a:r>
+              <a:rPr lang="de-DE" dirty="0" err="1"/>
+              <a:t>of</a:t>
+            </a:r>
+            <a:r>
+              <a:rPr lang="de-DE" dirty="0"/>
+              <a:t> </a:t>
+            </a:r>
+            <a:r>
+              <a:rPr lang="de-DE" dirty="0" err="1"/>
+              <a:t>Owncloud</a:t>
+            </a:r>
+            <a:r>
+              <a:rPr lang="de-DE" dirty="0"/>
+              <a:t>. </a:t>
+            </a:r>
+            <a:r>
+              <a:rPr lang="de-DE" dirty="0" err="1"/>
+              <a:t>Its</a:t>
+            </a:r>
+            <a:r>
+              <a:rPr lang="de-DE" dirty="0"/>
+              <a:t> </a:t>
+            </a:r>
+            <a:r>
+              <a:rPr lang="de-DE" dirty="0" err="1"/>
+              <a:t>popularity</a:t>
+            </a:r>
+            <a:r>
+              <a:rPr lang="de-DE" dirty="0"/>
+              <a:t> </a:t>
+            </a:r>
+            <a:r>
+              <a:rPr lang="de-DE" dirty="0" err="1"/>
+              <a:t>grew</a:t>
+            </a:r>
+            <a:r>
+              <a:rPr lang="de-DE" dirty="0"/>
+              <a:t> </a:t>
+            </a:r>
+            <a:r>
+              <a:rPr lang="de-DE" dirty="0" err="1"/>
+              <a:t>steadily</a:t>
+            </a:r>
+            <a:r>
+              <a:rPr lang="de-DE" dirty="0"/>
+              <a:t> </a:t>
+            </a:r>
+            <a:r>
+              <a:rPr lang="de-DE" dirty="0" err="1"/>
+              <a:t>over</a:t>
+            </a:r>
+            <a:r>
+              <a:rPr lang="de-DE" dirty="0"/>
+              <a:t> </a:t>
+            </a:r>
+            <a:r>
+              <a:rPr lang="de-DE" dirty="0" err="1"/>
+              <a:t>the</a:t>
+            </a:r>
+            <a:r>
+              <a:rPr lang="de-DE" dirty="0"/>
+              <a:t> time. In 2019 </a:t>
+            </a:r>
+            <a:r>
+              <a:rPr lang="de-DE" dirty="0" err="1"/>
+              <a:t>some</a:t>
+            </a:r>
+            <a:r>
+              <a:rPr lang="de-DE" dirty="0"/>
+              <a:t> </a:t>
+            </a:r>
+            <a:r>
+              <a:rPr lang="de-DE" dirty="0" err="1"/>
+              <a:t>gouvernments</a:t>
+            </a:r>
+            <a:r>
+              <a:rPr lang="de-DE" dirty="0"/>
+              <a:t> </a:t>
+            </a:r>
+            <a:r>
+              <a:rPr lang="de-DE" dirty="0" err="1"/>
+              <a:t>made</a:t>
+            </a:r>
+            <a:r>
+              <a:rPr lang="de-DE" dirty="0"/>
+              <a:t> a </a:t>
+            </a:r>
+            <a:r>
+              <a:rPr lang="de-DE" dirty="0" err="1"/>
+              <a:t>contract</a:t>
+            </a:r>
+            <a:r>
+              <a:rPr lang="de-DE" dirty="0"/>
+              <a:t> </a:t>
+            </a:r>
+            <a:r>
+              <a:rPr lang="de-DE" dirty="0" err="1"/>
+              <a:t>with</a:t>
+            </a:r>
+            <a:r>
+              <a:rPr lang="de-DE" dirty="0"/>
+              <a:t> </a:t>
+            </a:r>
+            <a:r>
+              <a:rPr lang="de-DE" dirty="0" err="1"/>
+              <a:t>nextcloud</a:t>
+            </a:r>
+            <a:r>
+              <a:rPr lang="de-DE" dirty="0"/>
+              <a:t> </a:t>
+            </a:r>
+            <a:r>
+              <a:rPr lang="de-DE" dirty="0" err="1"/>
+              <a:t>as</a:t>
+            </a:r>
+            <a:r>
+              <a:rPr lang="de-DE" dirty="0"/>
+              <a:t> </a:t>
+            </a:r>
+            <a:r>
+              <a:rPr lang="de-DE" dirty="0" err="1"/>
+              <a:t>cloud</a:t>
+            </a:r>
+            <a:r>
+              <a:rPr lang="de-DE" dirty="0"/>
+              <a:t> </a:t>
+            </a:r>
+            <a:r>
+              <a:rPr lang="de-DE" dirty="0" err="1"/>
+              <a:t>solution</a:t>
+            </a:r>
+            <a:r>
+              <a:rPr lang="de-DE" dirty="0"/>
+              <a:t> </a:t>
+            </a:r>
+            <a:r>
+              <a:rPr lang="de-DE" dirty="0" err="1"/>
+              <a:t>including</a:t>
+            </a:r>
+            <a:r>
+              <a:rPr lang="de-DE" dirty="0"/>
+              <a:t> </a:t>
+            </a:r>
+            <a:r>
+              <a:rPr lang="de-DE" dirty="0" err="1"/>
+              <a:t>france</a:t>
+            </a:r>
+            <a:r>
+              <a:rPr lang="de-DE" dirty="0"/>
+              <a:t> and </a:t>
+            </a:r>
+            <a:r>
+              <a:rPr lang="de-DE" dirty="0" err="1"/>
+              <a:t>even</a:t>
+            </a:r>
+            <a:r>
+              <a:rPr lang="de-DE" dirty="0"/>
+              <a:t> </a:t>
+            </a:r>
+            <a:r>
+              <a:rPr lang="de-DE" dirty="0" err="1"/>
+              <a:t>germany</a:t>
+            </a:r>
+            <a:r>
+              <a:rPr lang="de-DE" dirty="0"/>
+              <a:t>. </a:t>
+            </a:r>
+            <a:r>
+              <a:rPr lang="de-DE" dirty="0" err="1"/>
+              <a:t>Nextcloud</a:t>
+            </a:r>
+            <a:r>
+              <a:rPr lang="de-DE" dirty="0"/>
+              <a:t> </a:t>
+            </a:r>
+            <a:r>
+              <a:rPr lang="de-DE" dirty="0" err="1"/>
+              <a:t>is</a:t>
+            </a:r>
+            <a:r>
+              <a:rPr lang="de-DE" dirty="0"/>
+              <a:t> also </a:t>
+            </a:r>
+            <a:r>
+              <a:rPr lang="de-DE" dirty="0" err="1"/>
+              <a:t>used</a:t>
+            </a:r>
+            <a:r>
+              <a:rPr lang="de-DE" dirty="0"/>
+              <a:t> in </a:t>
+            </a:r>
+            <a:r>
+              <a:rPr lang="de-DE" dirty="0" err="1"/>
+              <a:t>the</a:t>
+            </a:r>
+            <a:r>
+              <a:rPr lang="de-DE" dirty="0"/>
+              <a:t> UAS </a:t>
+            </a:r>
+            <a:r>
+              <a:rPr lang="de-DE" dirty="0" err="1"/>
+              <a:t>as</a:t>
+            </a:r>
+            <a:r>
+              <a:rPr lang="de-DE" dirty="0"/>
+              <a:t> </a:t>
+            </a:r>
+            <a:r>
+              <a:rPr lang="de-DE" dirty="0" err="1"/>
+              <a:t>the</a:t>
+            </a:r>
+            <a:r>
+              <a:rPr lang="de-DE" dirty="0"/>
+              <a:t> </a:t>
+            </a:r>
+            <a:r>
+              <a:rPr lang="de-DE" dirty="0" err="1"/>
+              <a:t>knowledge</a:t>
+            </a:r>
+            <a:r>
+              <a:rPr lang="de-DE" dirty="0"/>
+              <a:t> </a:t>
+            </a:r>
+            <a:r>
+              <a:rPr lang="de-DE" dirty="0" err="1"/>
+              <a:t>base</a:t>
+            </a:r>
+            <a:r>
+              <a:rPr lang="de-DE" dirty="0"/>
+              <a:t> </a:t>
+            </a:r>
+            <a:r>
+              <a:rPr lang="de-DE" dirty="0" err="1"/>
+              <a:t>foundation</a:t>
+            </a:r>
+            <a:r>
+              <a:rPr lang="de-DE" dirty="0"/>
+              <a:t>. The </a:t>
+            </a:r>
+            <a:r>
+              <a:rPr lang="de-DE" dirty="0" err="1"/>
+              <a:t>main</a:t>
+            </a:r>
+            <a:r>
+              <a:rPr lang="de-DE" dirty="0"/>
+              <a:t> </a:t>
+            </a:r>
+            <a:r>
+              <a:rPr lang="de-DE" dirty="0" err="1"/>
+              <a:t>functionality</a:t>
+            </a:r>
+            <a:r>
+              <a:rPr lang="de-DE" dirty="0"/>
+              <a:t> </a:t>
+            </a:r>
+            <a:r>
+              <a:rPr lang="de-DE" dirty="0" err="1"/>
+              <a:t>of</a:t>
+            </a:r>
+            <a:r>
+              <a:rPr lang="de-DE" dirty="0"/>
+              <a:t> </a:t>
+            </a:r>
+            <a:r>
+              <a:rPr lang="de-DE" dirty="0" err="1"/>
+              <a:t>nextcloud</a:t>
+            </a:r>
+            <a:r>
+              <a:rPr lang="de-DE" dirty="0"/>
+              <a:t> </a:t>
+            </a:r>
+            <a:r>
+              <a:rPr lang="de-DE" dirty="0" err="1"/>
+              <a:t>is</a:t>
+            </a:r>
+            <a:r>
+              <a:rPr lang="de-DE" dirty="0"/>
+              <a:t> </a:t>
+            </a:r>
+            <a:r>
+              <a:rPr lang="de-DE" dirty="0" err="1"/>
+              <a:t>to</a:t>
+            </a:r>
+            <a:r>
+              <a:rPr lang="de-DE" dirty="0"/>
+              <a:t> </a:t>
+            </a:r>
+            <a:r>
+              <a:rPr lang="de-DE" dirty="0" err="1"/>
+              <a:t>share</a:t>
+            </a:r>
+            <a:r>
+              <a:rPr lang="de-DE" dirty="0"/>
+              <a:t> </a:t>
+            </a:r>
+            <a:r>
+              <a:rPr lang="de-DE" dirty="0" err="1"/>
+              <a:t>files</a:t>
+            </a:r>
+            <a:r>
+              <a:rPr lang="de-DE" dirty="0"/>
+              <a:t>. </a:t>
+            </a:r>
+            <a:r>
+              <a:rPr lang="de-DE" dirty="0" err="1"/>
+              <a:t>With</a:t>
+            </a:r>
+            <a:r>
+              <a:rPr lang="de-DE" dirty="0"/>
+              <a:t> </a:t>
+            </a:r>
+            <a:r>
+              <a:rPr lang="de-DE" dirty="0" err="1"/>
+              <a:t>the</a:t>
+            </a:r>
+            <a:r>
+              <a:rPr lang="de-DE" dirty="0"/>
+              <a:t> time </a:t>
+            </a:r>
+            <a:r>
+              <a:rPr lang="de-DE" dirty="0" err="1"/>
+              <a:t>more</a:t>
+            </a:r>
+            <a:r>
+              <a:rPr lang="de-DE" dirty="0"/>
+              <a:t> </a:t>
+            </a:r>
+            <a:r>
+              <a:rPr lang="de-DE" dirty="0" err="1"/>
+              <a:t>functionalities</a:t>
+            </a:r>
+            <a:r>
+              <a:rPr lang="de-DE" dirty="0"/>
+              <a:t>, like </a:t>
+            </a:r>
+            <a:r>
+              <a:rPr lang="de-DE" dirty="0" err="1"/>
+              <a:t>the</a:t>
+            </a:r>
+            <a:r>
+              <a:rPr lang="de-DE" dirty="0"/>
+              <a:t> </a:t>
+            </a:r>
+            <a:r>
+              <a:rPr lang="de-DE" dirty="0" err="1"/>
+              <a:t>shared</a:t>
+            </a:r>
+            <a:r>
+              <a:rPr lang="de-DE" dirty="0"/>
+              <a:t> </a:t>
+            </a:r>
+            <a:r>
+              <a:rPr lang="de-DE" dirty="0" err="1"/>
+              <a:t>editing</a:t>
+            </a:r>
+            <a:r>
+              <a:rPr lang="de-DE" dirty="0"/>
+              <a:t> </a:t>
+            </a:r>
+            <a:r>
+              <a:rPr lang="de-DE" dirty="0" err="1"/>
+              <a:t>of</a:t>
+            </a:r>
+            <a:r>
+              <a:rPr lang="de-DE" dirty="0"/>
+              <a:t> </a:t>
+            </a:r>
+            <a:r>
+              <a:rPr lang="de-DE" dirty="0" err="1"/>
+              <a:t>documents</a:t>
+            </a:r>
+            <a:r>
+              <a:rPr lang="de-DE" dirty="0"/>
+              <a:t> and a </a:t>
+            </a:r>
+            <a:r>
+              <a:rPr lang="de-DE" dirty="0" err="1"/>
+              <a:t>video</a:t>
+            </a:r>
+            <a:r>
+              <a:rPr lang="de-DE" dirty="0"/>
+              <a:t> and </a:t>
+            </a:r>
+            <a:r>
+              <a:rPr lang="de-DE" dirty="0" err="1"/>
+              <a:t>text</a:t>
+            </a:r>
+            <a:r>
+              <a:rPr lang="de-DE" dirty="0"/>
+              <a:t> </a:t>
+            </a:r>
+            <a:r>
+              <a:rPr lang="de-DE" dirty="0" err="1"/>
+              <a:t>chat</a:t>
+            </a:r>
+            <a:r>
+              <a:rPr lang="de-DE" dirty="0"/>
+              <a:t> </a:t>
+            </a:r>
+            <a:r>
+              <a:rPr lang="de-DE" dirty="0" err="1"/>
+              <a:t>have</a:t>
+            </a:r>
+            <a:r>
+              <a:rPr lang="de-DE" dirty="0"/>
+              <a:t> </a:t>
+            </a:r>
+            <a:r>
+              <a:rPr lang="de-DE" dirty="0" err="1"/>
+              <a:t>been</a:t>
+            </a:r>
+            <a:r>
+              <a:rPr lang="de-DE" dirty="0"/>
+              <a:t> </a:t>
+            </a:r>
+            <a:r>
+              <a:rPr lang="de-DE" dirty="0" err="1"/>
+              <a:t>added</a:t>
+            </a:r>
+            <a:r>
+              <a:rPr lang="de-DE" dirty="0"/>
+              <a:t>. </a:t>
+            </a:r>
+          </a:p>
+          <a:p>
+            <a:r>
+              <a:rPr lang="de-DE" dirty="0"/>
+              <a:t>On </a:t>
+            </a:r>
+            <a:r>
+              <a:rPr lang="de-DE" dirty="0" err="1"/>
+              <a:t>the</a:t>
+            </a:r>
+            <a:r>
+              <a:rPr lang="de-DE" dirty="0"/>
+              <a:t> </a:t>
+            </a:r>
+            <a:r>
+              <a:rPr lang="de-DE" dirty="0" err="1"/>
+              <a:t>next</a:t>
+            </a:r>
+            <a:r>
+              <a:rPr lang="de-DE" dirty="0"/>
+              <a:t> </a:t>
+            </a:r>
+            <a:r>
+              <a:rPr lang="de-DE" dirty="0" err="1"/>
+              <a:t>slide</a:t>
+            </a:r>
+            <a:r>
+              <a:rPr lang="de-DE" dirty="0"/>
+              <a:t> </a:t>
+            </a:r>
+            <a:r>
+              <a:rPr lang="de-DE" dirty="0" err="1"/>
+              <a:t>you</a:t>
+            </a:r>
+            <a:r>
+              <a:rPr lang="de-DE" dirty="0"/>
+              <a:t> </a:t>
+            </a:r>
+            <a:r>
+              <a:rPr lang="de-DE" dirty="0" err="1"/>
+              <a:t>can</a:t>
+            </a:r>
+            <a:r>
+              <a:rPr lang="de-DE" dirty="0"/>
+              <a:t> </a:t>
+            </a:r>
+            <a:r>
+              <a:rPr lang="de-DE" dirty="0" err="1"/>
+              <a:t>see</a:t>
+            </a:r>
+            <a:r>
+              <a:rPr lang="de-DE" dirty="0"/>
+              <a:t> a </a:t>
+            </a:r>
+            <a:r>
+              <a:rPr lang="de-DE" dirty="0" err="1"/>
+              <a:t>picture</a:t>
+            </a:r>
+            <a:r>
+              <a:rPr lang="de-DE" dirty="0"/>
+              <a:t> </a:t>
+            </a:r>
+            <a:r>
+              <a:rPr lang="de-DE" dirty="0" err="1"/>
+              <a:t>of</a:t>
+            </a:r>
+            <a:r>
+              <a:rPr lang="de-DE" dirty="0"/>
+              <a:t> </a:t>
+            </a:r>
+            <a:r>
+              <a:rPr lang="de-DE" dirty="0" err="1"/>
+              <a:t>the</a:t>
+            </a:r>
+            <a:r>
+              <a:rPr lang="de-DE" dirty="0"/>
+              <a:t> </a:t>
+            </a:r>
+            <a:r>
+              <a:rPr lang="de-DE" dirty="0" err="1"/>
+              <a:t>deployed</a:t>
+            </a:r>
+            <a:r>
+              <a:rPr lang="de-DE" dirty="0"/>
+              <a:t> </a:t>
+            </a:r>
+            <a:r>
+              <a:rPr lang="de-DE" dirty="0" err="1"/>
+              <a:t>application</a:t>
+            </a:r>
+            <a:r>
+              <a:rPr lang="de-DE" dirty="0"/>
+              <a:t>. This screen </a:t>
+            </a:r>
+            <a:r>
+              <a:rPr lang="de-DE" dirty="0" err="1"/>
+              <a:t>is</a:t>
+            </a:r>
+            <a:r>
+              <a:rPr lang="de-DE" dirty="0"/>
+              <a:t> </a:t>
+            </a:r>
+            <a:r>
+              <a:rPr lang="de-DE" dirty="0" err="1"/>
+              <a:t>shown</a:t>
+            </a:r>
+            <a:r>
+              <a:rPr lang="de-DE" dirty="0"/>
+              <a:t> after </a:t>
+            </a:r>
+            <a:r>
+              <a:rPr lang="de-DE" dirty="0" err="1"/>
+              <a:t>the</a:t>
+            </a:r>
+            <a:r>
+              <a:rPr lang="de-DE" dirty="0"/>
+              <a:t> </a:t>
+            </a:r>
+            <a:r>
+              <a:rPr lang="de-DE" dirty="0" err="1"/>
+              <a:t>login</a:t>
+            </a:r>
+            <a:r>
+              <a:rPr lang="de-DE" dirty="0"/>
+              <a:t> </a:t>
+            </a:r>
+            <a:r>
+              <a:rPr lang="de-DE" dirty="0" err="1"/>
+              <a:t>to</a:t>
+            </a:r>
+            <a:r>
+              <a:rPr lang="de-DE" dirty="0"/>
+              <a:t> </a:t>
+            </a:r>
+            <a:r>
+              <a:rPr lang="de-DE" dirty="0" err="1"/>
+              <a:t>the</a:t>
+            </a:r>
+            <a:r>
+              <a:rPr lang="de-DE" dirty="0"/>
+              <a:t> </a:t>
+            </a:r>
+            <a:r>
+              <a:rPr lang="de-DE" dirty="0" err="1"/>
+              <a:t>system</a:t>
+            </a:r>
+            <a:r>
+              <a:rPr lang="de-DE" dirty="0"/>
+              <a:t>. </a:t>
+            </a:r>
+            <a:r>
+              <a:rPr lang="de-DE" dirty="0" err="1"/>
+              <a:t>It</a:t>
+            </a:r>
+            <a:r>
+              <a:rPr lang="de-DE" dirty="0"/>
+              <a:t> </a:t>
+            </a:r>
+            <a:r>
+              <a:rPr lang="de-DE" dirty="0" err="1"/>
+              <a:t>shows</a:t>
+            </a:r>
+            <a:r>
+              <a:rPr lang="de-DE" dirty="0"/>
+              <a:t> </a:t>
+            </a:r>
+            <a:r>
+              <a:rPr lang="de-DE" dirty="0" err="1"/>
+              <a:t>the</a:t>
+            </a:r>
+            <a:r>
+              <a:rPr lang="de-DE" dirty="0"/>
+              <a:t> </a:t>
+            </a:r>
+            <a:r>
+              <a:rPr lang="de-DE" dirty="0" err="1"/>
+              <a:t>recomended</a:t>
+            </a:r>
+            <a:r>
+              <a:rPr lang="de-DE" dirty="0"/>
+              <a:t> </a:t>
+            </a:r>
+            <a:r>
+              <a:rPr lang="de-DE" dirty="0" err="1"/>
+              <a:t>files</a:t>
+            </a:r>
+            <a:r>
+              <a:rPr lang="de-DE" dirty="0"/>
+              <a:t> </a:t>
+            </a:r>
+            <a:r>
+              <a:rPr lang="de-DE" dirty="0" err="1"/>
+              <a:t>as</a:t>
+            </a:r>
+            <a:r>
+              <a:rPr lang="de-DE" dirty="0"/>
+              <a:t> </a:t>
+            </a:r>
+            <a:r>
+              <a:rPr lang="de-DE" dirty="0" err="1"/>
+              <a:t>well</a:t>
+            </a:r>
+            <a:r>
+              <a:rPr lang="de-DE" dirty="0"/>
+              <a:t> </a:t>
+            </a:r>
+            <a:r>
+              <a:rPr lang="de-DE" dirty="0" err="1"/>
+              <a:t>as</a:t>
+            </a:r>
+            <a:r>
+              <a:rPr lang="de-DE" dirty="0"/>
+              <a:t> </a:t>
+            </a:r>
+            <a:r>
+              <a:rPr lang="de-DE" dirty="0" err="1"/>
+              <a:t>the</a:t>
+            </a:r>
+            <a:r>
+              <a:rPr lang="de-DE" dirty="0"/>
+              <a:t> </a:t>
+            </a:r>
+            <a:r>
+              <a:rPr lang="de-DE" dirty="0" err="1"/>
+              <a:t>chats</a:t>
+            </a:r>
+            <a:r>
+              <a:rPr lang="de-DE" dirty="0"/>
+              <a:t>. On </a:t>
+            </a:r>
+            <a:r>
+              <a:rPr lang="de-DE" dirty="0" err="1"/>
+              <a:t>the</a:t>
+            </a:r>
+            <a:r>
+              <a:rPr lang="de-DE" dirty="0"/>
+              <a:t> top </a:t>
+            </a:r>
+            <a:r>
+              <a:rPr lang="de-DE" dirty="0" err="1"/>
+              <a:t>you</a:t>
+            </a:r>
+            <a:r>
+              <a:rPr lang="de-DE" dirty="0"/>
+              <a:t> </a:t>
+            </a:r>
+            <a:r>
+              <a:rPr lang="de-DE" dirty="0" err="1"/>
+              <a:t>can</a:t>
+            </a:r>
+            <a:r>
+              <a:rPr lang="de-DE" dirty="0"/>
+              <a:t> </a:t>
+            </a:r>
+            <a:r>
+              <a:rPr lang="de-DE" dirty="0" err="1"/>
+              <a:t>navigate</a:t>
+            </a:r>
+            <a:r>
+              <a:rPr lang="de-DE" dirty="0"/>
+              <a:t> </a:t>
+            </a:r>
+            <a:r>
+              <a:rPr lang="de-DE" dirty="0" err="1"/>
+              <a:t>through</a:t>
+            </a:r>
+            <a:r>
+              <a:rPr lang="de-DE" dirty="0"/>
+              <a:t> </a:t>
+            </a:r>
+            <a:r>
+              <a:rPr lang="de-DE" dirty="0" err="1"/>
+              <a:t>the</a:t>
+            </a:r>
+            <a:r>
+              <a:rPr lang="de-DE" dirty="0"/>
+              <a:t> different </a:t>
+            </a:r>
+            <a:r>
+              <a:rPr lang="de-DE" dirty="0" err="1"/>
+              <a:t>functionalities</a:t>
+            </a:r>
+            <a:r>
+              <a:rPr lang="de-DE" dirty="0"/>
+              <a:t>.</a:t>
+            </a:r>
+          </a:p>
+          <a:p>
+            <a:r>
+              <a:rPr lang="de-DE" dirty="0"/>
+              <a:t>The </a:t>
+            </a:r>
+            <a:r>
+              <a:rPr lang="de-DE" dirty="0" err="1"/>
+              <a:t>application</a:t>
+            </a:r>
+            <a:r>
+              <a:rPr lang="de-DE" dirty="0"/>
+              <a:t> </a:t>
+            </a:r>
+            <a:r>
+              <a:rPr lang="de-DE" dirty="0" err="1"/>
+              <a:t>is</a:t>
+            </a:r>
+            <a:r>
+              <a:rPr lang="de-DE" dirty="0"/>
+              <a:t> </a:t>
+            </a:r>
+            <a:r>
+              <a:rPr lang="de-DE" dirty="0" err="1"/>
+              <a:t>deployed</a:t>
+            </a:r>
+            <a:r>
+              <a:rPr lang="de-DE" dirty="0"/>
+              <a:t> on </a:t>
+            </a:r>
+            <a:r>
+              <a:rPr lang="de-DE" dirty="0" err="1"/>
+              <a:t>kubernetes</a:t>
+            </a:r>
+            <a:r>
+              <a:rPr lang="de-DE" dirty="0"/>
+              <a:t> </a:t>
+            </a:r>
+            <a:r>
+              <a:rPr lang="de-DE" dirty="0" err="1"/>
+              <a:t>as</a:t>
+            </a:r>
+            <a:r>
+              <a:rPr lang="de-DE" dirty="0"/>
+              <a:t> </a:t>
+            </a:r>
+            <a:r>
+              <a:rPr lang="de-DE" dirty="0" err="1"/>
+              <a:t>the</a:t>
+            </a:r>
+            <a:r>
+              <a:rPr lang="de-DE" dirty="0"/>
+              <a:t> </a:t>
+            </a:r>
+            <a:r>
+              <a:rPr lang="de-DE" dirty="0" err="1"/>
+              <a:t>platform</a:t>
+            </a:r>
+            <a:r>
+              <a:rPr lang="de-DE" dirty="0"/>
+              <a:t>.</a:t>
+            </a:r>
           </a:p>
         </p:txBody>
       </p:sp>
@@ -701,14 +1530,351 @@
           <a:lstStyle/>
           <a:p>
             <a:r>
-              <a:rPr lang="de-DE" smtClean="0"/>
-              <a:t>disease</a:t>
-            </a:r>
-            <a:r>
-              <a:rPr lang="de-DE" baseline="0" smtClean="0"/>
-              <a:t> itself</a:t>
-            </a:r>
-            <a:endParaRPr lang="de-DE"/>
+              <a:rPr lang="de-DE" dirty="0"/>
+              <a:t>On </a:t>
+            </a:r>
+            <a:r>
+              <a:rPr lang="de-DE" dirty="0" err="1"/>
+              <a:t>the</a:t>
+            </a:r>
+            <a:r>
+              <a:rPr lang="de-DE" dirty="0"/>
+              <a:t> </a:t>
+            </a:r>
+            <a:r>
+              <a:rPr lang="de-DE" dirty="0" err="1"/>
+              <a:t>next</a:t>
+            </a:r>
+            <a:r>
+              <a:rPr lang="de-DE" dirty="0"/>
+              <a:t> </a:t>
+            </a:r>
+            <a:r>
+              <a:rPr lang="de-DE" dirty="0" err="1"/>
+              <a:t>slide</a:t>
+            </a:r>
+            <a:r>
+              <a:rPr lang="de-DE" dirty="0"/>
+              <a:t> </a:t>
+            </a:r>
+            <a:r>
+              <a:rPr lang="de-DE" dirty="0" err="1"/>
+              <a:t>you</a:t>
+            </a:r>
+            <a:r>
+              <a:rPr lang="de-DE" dirty="0"/>
+              <a:t> </a:t>
+            </a:r>
+            <a:r>
+              <a:rPr lang="de-DE" dirty="0" err="1"/>
+              <a:t>can</a:t>
+            </a:r>
+            <a:r>
+              <a:rPr lang="de-DE" dirty="0"/>
+              <a:t> </a:t>
+            </a:r>
+            <a:r>
+              <a:rPr lang="de-DE" dirty="0" err="1"/>
+              <a:t>see</a:t>
+            </a:r>
+            <a:r>
+              <a:rPr lang="de-DE" dirty="0"/>
+              <a:t> a </a:t>
+            </a:r>
+            <a:r>
+              <a:rPr lang="de-DE" dirty="0" err="1"/>
+              <a:t>picture</a:t>
+            </a:r>
+            <a:r>
+              <a:rPr lang="de-DE" dirty="0"/>
+              <a:t> </a:t>
+            </a:r>
+            <a:r>
+              <a:rPr lang="de-DE" dirty="0" err="1"/>
+              <a:t>of</a:t>
+            </a:r>
+            <a:r>
+              <a:rPr lang="de-DE" dirty="0"/>
+              <a:t> </a:t>
+            </a:r>
+            <a:r>
+              <a:rPr lang="de-DE" dirty="0" err="1"/>
+              <a:t>the</a:t>
+            </a:r>
+            <a:r>
+              <a:rPr lang="de-DE" dirty="0"/>
+              <a:t> </a:t>
+            </a:r>
+            <a:r>
+              <a:rPr lang="de-DE" dirty="0" err="1"/>
+              <a:t>deployed</a:t>
+            </a:r>
+            <a:r>
+              <a:rPr lang="de-DE" dirty="0"/>
+              <a:t> </a:t>
+            </a:r>
+            <a:r>
+              <a:rPr lang="de-DE" dirty="0" err="1"/>
+              <a:t>application</a:t>
+            </a:r>
+            <a:r>
+              <a:rPr lang="de-DE" dirty="0"/>
+              <a:t>. This screen </a:t>
+            </a:r>
+            <a:r>
+              <a:rPr lang="de-DE" dirty="0" err="1"/>
+              <a:t>is</a:t>
+            </a:r>
+            <a:r>
+              <a:rPr lang="de-DE" dirty="0"/>
+              <a:t> </a:t>
+            </a:r>
+            <a:r>
+              <a:rPr lang="de-DE" dirty="0" err="1"/>
+              <a:t>shown</a:t>
+            </a:r>
+            <a:r>
+              <a:rPr lang="de-DE" dirty="0"/>
+              <a:t> after </a:t>
+            </a:r>
+            <a:r>
+              <a:rPr lang="de-DE" dirty="0" err="1"/>
+              <a:t>the</a:t>
+            </a:r>
+            <a:r>
+              <a:rPr lang="de-DE" dirty="0"/>
+              <a:t> </a:t>
+            </a:r>
+            <a:r>
+              <a:rPr lang="de-DE" dirty="0" err="1"/>
+              <a:t>login</a:t>
+            </a:r>
+            <a:r>
+              <a:rPr lang="de-DE" dirty="0"/>
+              <a:t> </a:t>
+            </a:r>
+            <a:r>
+              <a:rPr lang="de-DE" dirty="0" err="1"/>
+              <a:t>to</a:t>
+            </a:r>
+            <a:r>
+              <a:rPr lang="de-DE" dirty="0"/>
+              <a:t> </a:t>
+            </a:r>
+            <a:r>
+              <a:rPr lang="de-DE" dirty="0" err="1"/>
+              <a:t>the</a:t>
+            </a:r>
+            <a:r>
+              <a:rPr lang="de-DE" dirty="0"/>
+              <a:t> </a:t>
+            </a:r>
+            <a:r>
+              <a:rPr lang="de-DE" dirty="0" err="1"/>
+              <a:t>system</a:t>
+            </a:r>
+            <a:r>
+              <a:rPr lang="de-DE" dirty="0"/>
+              <a:t>. </a:t>
+            </a:r>
+            <a:r>
+              <a:rPr lang="de-DE" dirty="0" err="1"/>
+              <a:t>It</a:t>
+            </a:r>
+            <a:r>
+              <a:rPr lang="de-DE" dirty="0"/>
+              <a:t> </a:t>
+            </a:r>
+            <a:r>
+              <a:rPr lang="de-DE" dirty="0" err="1"/>
+              <a:t>shows</a:t>
+            </a:r>
+            <a:r>
+              <a:rPr lang="de-DE" dirty="0"/>
+              <a:t> </a:t>
+            </a:r>
+            <a:r>
+              <a:rPr lang="de-DE" dirty="0" err="1"/>
+              <a:t>the</a:t>
+            </a:r>
+            <a:r>
+              <a:rPr lang="de-DE" dirty="0"/>
+              <a:t> </a:t>
+            </a:r>
+            <a:r>
+              <a:rPr lang="de-DE" dirty="0" err="1"/>
+              <a:t>recomended</a:t>
+            </a:r>
+            <a:r>
+              <a:rPr lang="de-DE" dirty="0"/>
+              <a:t> </a:t>
+            </a:r>
+            <a:r>
+              <a:rPr lang="de-DE" dirty="0" err="1"/>
+              <a:t>files</a:t>
+            </a:r>
+            <a:r>
+              <a:rPr lang="de-DE" dirty="0"/>
+              <a:t> </a:t>
+            </a:r>
+            <a:r>
+              <a:rPr lang="de-DE" dirty="0" err="1"/>
+              <a:t>as</a:t>
+            </a:r>
+            <a:r>
+              <a:rPr lang="de-DE" dirty="0"/>
+              <a:t> </a:t>
+            </a:r>
+            <a:r>
+              <a:rPr lang="de-DE" dirty="0" err="1"/>
+              <a:t>well</a:t>
+            </a:r>
+            <a:r>
+              <a:rPr lang="de-DE" dirty="0"/>
+              <a:t> </a:t>
+            </a:r>
+            <a:r>
+              <a:rPr lang="de-DE" dirty="0" err="1"/>
+              <a:t>as</a:t>
+            </a:r>
+            <a:r>
+              <a:rPr lang="de-DE" dirty="0"/>
+              <a:t> </a:t>
+            </a:r>
+            <a:r>
+              <a:rPr lang="de-DE" dirty="0" err="1"/>
+              <a:t>the</a:t>
+            </a:r>
+            <a:r>
+              <a:rPr lang="de-DE" dirty="0"/>
+              <a:t> </a:t>
+            </a:r>
+            <a:r>
+              <a:rPr lang="de-DE" dirty="0" err="1"/>
+              <a:t>chats</a:t>
+            </a:r>
+            <a:r>
+              <a:rPr lang="de-DE" dirty="0"/>
+              <a:t>. On </a:t>
+            </a:r>
+            <a:r>
+              <a:rPr lang="de-DE" dirty="0" err="1"/>
+              <a:t>the</a:t>
+            </a:r>
+            <a:r>
+              <a:rPr lang="de-DE" dirty="0"/>
+              <a:t> top </a:t>
+            </a:r>
+            <a:r>
+              <a:rPr lang="de-DE" dirty="0" err="1"/>
+              <a:t>you</a:t>
+            </a:r>
+            <a:r>
+              <a:rPr lang="de-DE" dirty="0"/>
+              <a:t> </a:t>
+            </a:r>
+            <a:r>
+              <a:rPr lang="de-DE" dirty="0" err="1"/>
+              <a:t>can</a:t>
+            </a:r>
+            <a:r>
+              <a:rPr lang="de-DE" dirty="0"/>
+              <a:t> </a:t>
+            </a:r>
+            <a:r>
+              <a:rPr lang="de-DE" dirty="0" err="1"/>
+              <a:t>navigate</a:t>
+            </a:r>
+            <a:r>
+              <a:rPr lang="de-DE" dirty="0"/>
+              <a:t> </a:t>
+            </a:r>
+            <a:r>
+              <a:rPr lang="de-DE" dirty="0" err="1"/>
+              <a:t>through</a:t>
+            </a:r>
+            <a:r>
+              <a:rPr lang="de-DE" dirty="0"/>
+              <a:t> </a:t>
+            </a:r>
+            <a:r>
+              <a:rPr lang="de-DE" dirty="0" err="1"/>
+              <a:t>the</a:t>
+            </a:r>
+            <a:r>
+              <a:rPr lang="de-DE" dirty="0"/>
+              <a:t> different </a:t>
+            </a:r>
+            <a:r>
+              <a:rPr lang="de-DE" dirty="0" err="1"/>
+              <a:t>functionalities</a:t>
+            </a:r>
+            <a:r>
+              <a:rPr lang="de-DE" dirty="0"/>
+              <a:t>.</a:t>
+            </a:r>
+          </a:p>
+          <a:p>
+            <a:r>
+              <a:rPr lang="de-DE" dirty="0"/>
+              <a:t>The </a:t>
+            </a:r>
+            <a:r>
+              <a:rPr lang="de-DE" dirty="0" err="1"/>
+              <a:t>application</a:t>
+            </a:r>
+            <a:r>
+              <a:rPr lang="de-DE" dirty="0"/>
+              <a:t> </a:t>
+            </a:r>
+            <a:r>
+              <a:rPr lang="de-DE" dirty="0" err="1"/>
+              <a:t>is</a:t>
+            </a:r>
+            <a:r>
+              <a:rPr lang="de-DE" dirty="0"/>
+              <a:t> </a:t>
+            </a:r>
+            <a:r>
+              <a:rPr lang="de-DE" dirty="0" err="1"/>
+              <a:t>deployed</a:t>
+            </a:r>
+            <a:r>
+              <a:rPr lang="de-DE" dirty="0"/>
+              <a:t> on </a:t>
+            </a:r>
+            <a:r>
+              <a:rPr lang="de-DE" dirty="0" err="1"/>
+              <a:t>kubernetes</a:t>
+            </a:r>
+            <a:r>
+              <a:rPr lang="de-DE" dirty="0"/>
+              <a:t> </a:t>
+            </a:r>
+            <a:r>
+              <a:rPr lang="de-DE" dirty="0" err="1"/>
+              <a:t>as</a:t>
+            </a:r>
+            <a:r>
+              <a:rPr lang="de-DE" dirty="0"/>
+              <a:t> </a:t>
+            </a:r>
+            <a:r>
+              <a:rPr lang="de-DE" dirty="0" err="1"/>
+              <a:t>the</a:t>
+            </a:r>
+            <a:r>
+              <a:rPr lang="de-DE" dirty="0"/>
+              <a:t> </a:t>
+            </a:r>
+            <a:r>
+              <a:rPr lang="de-DE" dirty="0" err="1"/>
+              <a:t>platform</a:t>
+            </a:r>
+            <a:r>
+              <a:rPr lang="de-DE" dirty="0"/>
+              <a:t>.</a:t>
+            </a:r>
           </a:p>
         </p:txBody>
       </p:sp>
@@ -738,7 +1904,7 @@
     </p:spTree>
     <p:extLst>
       <p:ext uri="{BB962C8B-B14F-4D97-AF65-F5344CB8AC3E}">
-        <p14:creationId xmlns:p14="http://schemas.microsoft.com/office/powerpoint/2010/main" val="2250166210"/>
+        <p14:creationId xmlns:p14="http://schemas.microsoft.com/office/powerpoint/2010/main" val="3456172425"/>
       </p:ext>
     </p:extLst>
   </p:cSld>
@@ -793,14 +1959,708 @@
           <a:lstStyle/>
           <a:p>
             <a:r>
-              <a:rPr lang="de-DE" smtClean="0"/>
-              <a:t>disease</a:t>
-            </a:r>
-            <a:r>
-              <a:rPr lang="de-DE" baseline="0" smtClean="0"/>
-              <a:t> itself</a:t>
-            </a:r>
-            <a:endParaRPr lang="de-DE"/>
+              <a:rPr lang="de-DE" dirty="0" err="1"/>
+              <a:t>Kubernetes</a:t>
+            </a:r>
+            <a:r>
+              <a:rPr lang="de-DE" dirty="0"/>
+              <a:t> </a:t>
+            </a:r>
+            <a:r>
+              <a:rPr lang="de-DE" dirty="0" err="1"/>
+              <a:t>is</a:t>
+            </a:r>
+            <a:r>
+              <a:rPr lang="de-DE" dirty="0"/>
+              <a:t> an open source </a:t>
+            </a:r>
+            <a:r>
+              <a:rPr lang="de-DE" dirty="0" err="1"/>
+              <a:t>platform</a:t>
+            </a:r>
+            <a:r>
+              <a:rPr lang="de-DE" dirty="0"/>
+              <a:t> </a:t>
+            </a:r>
+            <a:r>
+              <a:rPr lang="de-DE" dirty="0" err="1"/>
+              <a:t>to</a:t>
+            </a:r>
+            <a:r>
+              <a:rPr lang="de-DE" dirty="0"/>
+              <a:t> manage </a:t>
+            </a:r>
+            <a:r>
+              <a:rPr lang="de-DE" dirty="0" err="1"/>
+              <a:t>container</a:t>
+            </a:r>
+            <a:r>
+              <a:rPr lang="de-DE" dirty="0"/>
+              <a:t> </a:t>
+            </a:r>
+            <a:r>
+              <a:rPr lang="de-DE" dirty="0" err="1"/>
+              <a:t>based</a:t>
+            </a:r>
+            <a:r>
+              <a:rPr lang="de-DE" dirty="0"/>
+              <a:t> </a:t>
+            </a:r>
+            <a:r>
+              <a:rPr lang="de-DE" dirty="0" err="1"/>
+              <a:t>applications</a:t>
+            </a:r>
+            <a:r>
+              <a:rPr lang="de-DE" dirty="0"/>
+              <a:t> and </a:t>
+            </a:r>
+            <a:r>
+              <a:rPr lang="de-DE" dirty="0" err="1"/>
+              <a:t>services</a:t>
+            </a:r>
+            <a:r>
+              <a:rPr lang="de-DE" dirty="0"/>
+              <a:t>. </a:t>
+            </a:r>
+            <a:r>
+              <a:rPr lang="de-DE" dirty="0" err="1"/>
+              <a:t>It</a:t>
+            </a:r>
+            <a:r>
+              <a:rPr lang="de-DE" dirty="0"/>
+              <a:t> </a:t>
+            </a:r>
+            <a:r>
+              <a:rPr lang="de-DE" dirty="0" err="1"/>
+              <a:t>is</a:t>
+            </a:r>
+            <a:r>
+              <a:rPr lang="de-DE" dirty="0"/>
+              <a:t> portable </a:t>
+            </a:r>
+            <a:r>
+              <a:rPr lang="de-DE" dirty="0" err="1"/>
+              <a:t>as</a:t>
+            </a:r>
+            <a:r>
+              <a:rPr lang="de-DE" dirty="0"/>
+              <a:t> </a:t>
+            </a:r>
+            <a:r>
+              <a:rPr lang="de-DE" dirty="0" err="1"/>
+              <a:t>well</a:t>
+            </a:r>
+            <a:r>
+              <a:rPr lang="de-DE" dirty="0"/>
+              <a:t> </a:t>
+            </a:r>
+            <a:r>
+              <a:rPr lang="de-DE" dirty="0" err="1"/>
+              <a:t>as</a:t>
+            </a:r>
+            <a:r>
+              <a:rPr lang="de-DE" dirty="0"/>
+              <a:t> </a:t>
+            </a:r>
+            <a:r>
+              <a:rPr lang="de-DE" dirty="0" err="1"/>
+              <a:t>scalable</a:t>
+            </a:r>
+            <a:r>
+              <a:rPr lang="de-DE" dirty="0"/>
+              <a:t>. 20114 </a:t>
+            </a:r>
+            <a:r>
+              <a:rPr lang="de-DE" dirty="0" err="1"/>
+              <a:t>it</a:t>
+            </a:r>
+            <a:r>
+              <a:rPr lang="de-DE" dirty="0"/>
+              <a:t> was </a:t>
+            </a:r>
+            <a:r>
+              <a:rPr lang="de-DE" dirty="0" err="1"/>
+              <a:t>founded</a:t>
+            </a:r>
+            <a:r>
+              <a:rPr lang="de-DE" dirty="0"/>
+              <a:t> </a:t>
+            </a:r>
+            <a:r>
+              <a:rPr lang="de-DE" dirty="0" err="1"/>
+              <a:t>by</a:t>
+            </a:r>
+            <a:r>
+              <a:rPr lang="de-DE" dirty="0"/>
+              <a:t> </a:t>
+            </a:r>
+            <a:r>
+              <a:rPr lang="de-DE" dirty="0" err="1"/>
+              <a:t>former</a:t>
+            </a:r>
+            <a:r>
+              <a:rPr lang="de-DE" dirty="0"/>
+              <a:t> Google </a:t>
+            </a:r>
+            <a:r>
+              <a:rPr lang="de-DE" dirty="0" err="1"/>
+              <a:t>employes</a:t>
+            </a:r>
+            <a:r>
+              <a:rPr lang="de-DE" dirty="0"/>
+              <a:t>. The </a:t>
+            </a:r>
+            <a:r>
+              <a:rPr lang="de-DE" dirty="0" err="1"/>
+              <a:t>first</a:t>
+            </a:r>
+            <a:r>
+              <a:rPr lang="de-DE" dirty="0"/>
+              <a:t> </a:t>
+            </a:r>
+            <a:r>
+              <a:rPr lang="de-DE" dirty="0" err="1"/>
+              <a:t>version</a:t>
+            </a:r>
+            <a:r>
+              <a:rPr lang="de-DE" dirty="0"/>
+              <a:t> </a:t>
+            </a:r>
+            <a:r>
+              <a:rPr lang="de-DE" dirty="0" err="1"/>
+              <a:t>had</a:t>
+            </a:r>
+            <a:r>
+              <a:rPr lang="de-DE" dirty="0"/>
+              <a:t> </a:t>
+            </a:r>
+            <a:r>
+              <a:rPr lang="de-DE" dirty="0" err="1"/>
+              <a:t>been</a:t>
+            </a:r>
+            <a:r>
+              <a:rPr lang="de-DE" dirty="0"/>
+              <a:t> </a:t>
+            </a:r>
+            <a:r>
+              <a:rPr lang="de-DE" dirty="0" err="1"/>
+              <a:t>published</a:t>
+            </a:r>
+            <a:r>
+              <a:rPr lang="de-DE" dirty="0"/>
+              <a:t> 2015. </a:t>
+            </a:r>
+            <a:r>
+              <a:rPr lang="de-DE" dirty="0" err="1"/>
+              <a:t>Nextcloud</a:t>
+            </a:r>
+            <a:r>
+              <a:rPr lang="de-DE" dirty="0"/>
+              <a:t> </a:t>
+            </a:r>
+            <a:r>
+              <a:rPr lang="de-DE" dirty="0" err="1"/>
+              <a:t>has</a:t>
+            </a:r>
+            <a:r>
+              <a:rPr lang="de-DE" dirty="0"/>
+              <a:t> </a:t>
+            </a:r>
+            <a:r>
+              <a:rPr lang="de-DE" dirty="0" err="1"/>
+              <a:t>aspects</a:t>
+            </a:r>
+            <a:r>
+              <a:rPr lang="de-DE" dirty="0"/>
+              <a:t> </a:t>
+            </a:r>
+            <a:r>
+              <a:rPr lang="de-DE" dirty="0" err="1"/>
+              <a:t>of</a:t>
+            </a:r>
+            <a:r>
+              <a:rPr lang="de-DE" dirty="0"/>
+              <a:t> </a:t>
+            </a:r>
+            <a:r>
+              <a:rPr lang="de-DE" dirty="0" err="1"/>
+              <a:t>infrastructure</a:t>
+            </a:r>
+            <a:r>
+              <a:rPr lang="de-DE" dirty="0"/>
+              <a:t> </a:t>
+            </a:r>
+            <a:r>
+              <a:rPr lang="de-DE" dirty="0" err="1"/>
+              <a:t>as</a:t>
+            </a:r>
+            <a:r>
+              <a:rPr lang="de-DE" dirty="0"/>
+              <a:t> a </a:t>
+            </a:r>
+            <a:r>
+              <a:rPr lang="de-DE" dirty="0" err="1"/>
+              <a:t>service</a:t>
+            </a:r>
+            <a:r>
+              <a:rPr lang="de-DE" dirty="0"/>
+              <a:t> </a:t>
+            </a:r>
+            <a:r>
+              <a:rPr lang="de-DE" dirty="0" err="1"/>
+              <a:t>as</a:t>
+            </a:r>
+            <a:r>
+              <a:rPr lang="de-DE" dirty="0"/>
+              <a:t> </a:t>
+            </a:r>
+            <a:r>
+              <a:rPr lang="de-DE" dirty="0" err="1"/>
+              <a:t>well</a:t>
+            </a:r>
+            <a:r>
+              <a:rPr lang="de-DE" dirty="0"/>
+              <a:t> </a:t>
+            </a:r>
+            <a:r>
+              <a:rPr lang="de-DE" dirty="0" err="1"/>
+              <a:t>as</a:t>
+            </a:r>
+            <a:r>
+              <a:rPr lang="de-DE" dirty="0"/>
+              <a:t> </a:t>
+            </a:r>
+            <a:r>
+              <a:rPr lang="de-DE" dirty="0" err="1"/>
+              <a:t>platform</a:t>
+            </a:r>
+            <a:r>
+              <a:rPr lang="de-DE" dirty="0"/>
+              <a:t> </a:t>
+            </a:r>
+            <a:r>
+              <a:rPr lang="de-DE" dirty="0" err="1"/>
+              <a:t>as</a:t>
+            </a:r>
+            <a:r>
+              <a:rPr lang="de-DE" dirty="0"/>
+              <a:t> a </a:t>
+            </a:r>
+            <a:r>
+              <a:rPr lang="de-DE" dirty="0" err="1"/>
+              <a:t>service</a:t>
+            </a:r>
+            <a:r>
+              <a:rPr lang="de-DE" dirty="0"/>
+              <a:t>. </a:t>
+            </a:r>
+            <a:r>
+              <a:rPr lang="de-DE" dirty="0" err="1"/>
+              <a:t>It</a:t>
+            </a:r>
+            <a:r>
+              <a:rPr lang="de-DE" dirty="0"/>
+              <a:t> </a:t>
+            </a:r>
+            <a:r>
+              <a:rPr lang="de-DE" dirty="0" err="1"/>
+              <a:t>eases</a:t>
+            </a:r>
+            <a:r>
+              <a:rPr lang="de-DE" dirty="0"/>
+              <a:t> </a:t>
+            </a:r>
+            <a:r>
+              <a:rPr lang="de-DE" dirty="0" err="1"/>
+              <a:t>up</a:t>
+            </a:r>
+            <a:r>
+              <a:rPr lang="de-DE" dirty="0"/>
+              <a:t> </a:t>
+            </a:r>
+            <a:r>
+              <a:rPr lang="de-DE" dirty="0" err="1"/>
+              <a:t>the</a:t>
+            </a:r>
+            <a:r>
+              <a:rPr lang="de-DE" dirty="0"/>
+              <a:t> </a:t>
+            </a:r>
+            <a:r>
+              <a:rPr lang="de-DE" dirty="0" err="1"/>
+              <a:t>configuration</a:t>
+            </a:r>
+            <a:r>
+              <a:rPr lang="de-DE" dirty="0"/>
+              <a:t> </a:t>
+            </a:r>
+            <a:r>
+              <a:rPr lang="de-DE" dirty="0" err="1"/>
+              <a:t>as</a:t>
+            </a:r>
+            <a:r>
+              <a:rPr lang="de-DE" dirty="0"/>
+              <a:t> </a:t>
+            </a:r>
+            <a:r>
+              <a:rPr lang="de-DE" dirty="0" err="1"/>
+              <a:t>well</a:t>
+            </a:r>
+            <a:r>
+              <a:rPr lang="de-DE" dirty="0"/>
+              <a:t> </a:t>
+            </a:r>
+            <a:r>
+              <a:rPr lang="de-DE" dirty="0" err="1"/>
+              <a:t>as</a:t>
+            </a:r>
+            <a:r>
+              <a:rPr lang="de-DE" dirty="0"/>
+              <a:t> </a:t>
+            </a:r>
+            <a:r>
+              <a:rPr lang="de-DE" dirty="0" err="1"/>
+              <a:t>the</a:t>
+            </a:r>
+            <a:r>
+              <a:rPr lang="de-DE" dirty="0"/>
+              <a:t> </a:t>
+            </a:r>
+            <a:r>
+              <a:rPr lang="de-DE" dirty="0" err="1"/>
+              <a:t>automation</a:t>
+            </a:r>
+            <a:r>
+              <a:rPr lang="de-DE" dirty="0"/>
+              <a:t>.</a:t>
+            </a:r>
+          </a:p>
+          <a:p>
+            <a:endParaRPr lang="de-DE" dirty="0"/>
+          </a:p>
+          <a:p>
+            <a:r>
+              <a:rPr lang="de-DE" dirty="0"/>
+              <a:t>An </a:t>
+            </a:r>
+            <a:r>
+              <a:rPr lang="de-DE" dirty="0" err="1"/>
+              <a:t>exemplary</a:t>
+            </a:r>
+            <a:r>
+              <a:rPr lang="de-DE" dirty="0"/>
+              <a:t> </a:t>
+            </a:r>
+            <a:r>
+              <a:rPr lang="de-DE" dirty="0" err="1"/>
+              <a:t>architecture</a:t>
+            </a:r>
+            <a:r>
+              <a:rPr lang="de-DE" dirty="0"/>
+              <a:t> </a:t>
+            </a:r>
+            <a:r>
+              <a:rPr lang="de-DE" dirty="0" err="1"/>
+              <a:t>of</a:t>
+            </a:r>
+            <a:r>
+              <a:rPr lang="de-DE" dirty="0"/>
+              <a:t> </a:t>
+            </a:r>
+            <a:r>
+              <a:rPr lang="de-DE" dirty="0" err="1"/>
+              <a:t>kubernetes</a:t>
+            </a:r>
+            <a:r>
+              <a:rPr lang="de-DE" dirty="0"/>
+              <a:t> </a:t>
+            </a:r>
+            <a:r>
+              <a:rPr lang="de-DE" dirty="0" err="1"/>
+              <a:t>with</a:t>
+            </a:r>
+            <a:r>
+              <a:rPr lang="de-DE" dirty="0"/>
+              <a:t> </a:t>
+            </a:r>
+            <a:r>
+              <a:rPr lang="de-DE" dirty="0" err="1"/>
+              <a:t>its</a:t>
+            </a:r>
+            <a:r>
+              <a:rPr lang="de-DE" dirty="0"/>
+              <a:t> </a:t>
+            </a:r>
+            <a:r>
+              <a:rPr lang="de-DE" dirty="0" err="1"/>
+              <a:t>main</a:t>
+            </a:r>
+            <a:r>
+              <a:rPr lang="de-DE" dirty="0"/>
+              <a:t> </a:t>
+            </a:r>
+            <a:r>
+              <a:rPr lang="de-DE" dirty="0" err="1"/>
+              <a:t>components</a:t>
+            </a:r>
+            <a:r>
+              <a:rPr lang="de-DE" dirty="0"/>
+              <a:t> </a:t>
+            </a:r>
+            <a:r>
+              <a:rPr lang="de-DE" dirty="0" err="1"/>
+              <a:t>is</a:t>
+            </a:r>
+            <a:r>
+              <a:rPr lang="de-DE" dirty="0"/>
+              <a:t> </a:t>
+            </a:r>
+            <a:r>
+              <a:rPr lang="de-DE" dirty="0" err="1"/>
+              <a:t>shown</a:t>
+            </a:r>
+            <a:r>
+              <a:rPr lang="de-DE" dirty="0"/>
+              <a:t> on </a:t>
+            </a:r>
+            <a:r>
+              <a:rPr lang="de-DE" dirty="0" err="1"/>
+              <a:t>the</a:t>
+            </a:r>
+            <a:r>
+              <a:rPr lang="de-DE" dirty="0"/>
+              <a:t> </a:t>
+            </a:r>
+            <a:r>
+              <a:rPr lang="de-DE" dirty="0" err="1"/>
+              <a:t>next</a:t>
+            </a:r>
+            <a:r>
+              <a:rPr lang="de-DE" dirty="0"/>
+              <a:t> </a:t>
+            </a:r>
+            <a:r>
+              <a:rPr lang="de-DE" dirty="0" err="1"/>
+              <a:t>slide</a:t>
+            </a:r>
+            <a:r>
+              <a:rPr lang="de-DE" dirty="0"/>
+              <a:t>.</a:t>
+            </a:r>
+          </a:p>
+          <a:p>
+            <a:r>
+              <a:rPr lang="de-DE" dirty="0"/>
+              <a:t>In </a:t>
+            </a:r>
+            <a:r>
+              <a:rPr lang="de-DE" dirty="0" err="1"/>
+              <a:t>the</a:t>
+            </a:r>
+            <a:r>
+              <a:rPr lang="de-DE" dirty="0"/>
+              <a:t> </a:t>
+            </a:r>
+            <a:r>
+              <a:rPr lang="de-DE" dirty="0" err="1"/>
+              <a:t>architecture</a:t>
+            </a:r>
+            <a:r>
+              <a:rPr lang="de-DE" dirty="0"/>
+              <a:t> </a:t>
+            </a:r>
+            <a:r>
+              <a:rPr lang="de-DE" dirty="0" err="1"/>
+              <a:t>we</a:t>
+            </a:r>
+            <a:r>
+              <a:rPr lang="de-DE" dirty="0"/>
+              <a:t> </a:t>
+            </a:r>
+            <a:r>
+              <a:rPr lang="de-DE" dirty="0" err="1"/>
+              <a:t>can</a:t>
+            </a:r>
+            <a:r>
+              <a:rPr lang="de-DE" dirty="0"/>
+              <a:t> </a:t>
+            </a:r>
+            <a:r>
+              <a:rPr lang="de-DE" dirty="0" err="1"/>
+              <a:t>see</a:t>
+            </a:r>
+            <a:r>
+              <a:rPr lang="de-DE" dirty="0"/>
+              <a:t> </a:t>
+            </a:r>
+            <a:r>
+              <a:rPr lang="de-DE" dirty="0" err="1"/>
+              <a:t>that</a:t>
+            </a:r>
+            <a:r>
+              <a:rPr lang="de-DE" dirty="0"/>
+              <a:t> </a:t>
+            </a:r>
+            <a:r>
+              <a:rPr lang="de-DE" dirty="0" err="1"/>
+              <a:t>kubernetes</a:t>
+            </a:r>
+            <a:r>
+              <a:rPr lang="de-DE" dirty="0"/>
+              <a:t> </a:t>
+            </a:r>
+            <a:r>
+              <a:rPr lang="en-US" noProof="0" dirty="0"/>
+              <a:t>distinguishes</a:t>
+            </a:r>
+            <a:r>
+              <a:rPr lang="de-DE" dirty="0"/>
+              <a:t> </a:t>
+            </a:r>
+            <a:r>
+              <a:rPr lang="de-DE" dirty="0" err="1"/>
+              <a:t>between</a:t>
+            </a:r>
+            <a:r>
+              <a:rPr lang="de-DE" dirty="0"/>
+              <a:t> </a:t>
+            </a:r>
+            <a:r>
+              <a:rPr lang="de-DE" dirty="0" err="1"/>
+              <a:t>master</a:t>
+            </a:r>
+            <a:r>
+              <a:rPr lang="de-DE" dirty="0"/>
+              <a:t> and </a:t>
+            </a:r>
+            <a:r>
+              <a:rPr lang="de-DE" dirty="0" err="1"/>
+              <a:t>nodes</a:t>
+            </a:r>
+            <a:r>
+              <a:rPr lang="de-DE" dirty="0"/>
+              <a:t>. The </a:t>
+            </a:r>
+            <a:r>
+              <a:rPr lang="de-DE" dirty="0" err="1"/>
+              <a:t>master</a:t>
+            </a:r>
+            <a:r>
+              <a:rPr lang="de-DE" dirty="0"/>
+              <a:t> </a:t>
+            </a:r>
+            <a:r>
+              <a:rPr lang="de-DE" dirty="0" err="1"/>
+              <a:t>is</a:t>
+            </a:r>
+            <a:r>
+              <a:rPr lang="de-DE" dirty="0"/>
+              <a:t> </a:t>
+            </a:r>
+            <a:r>
+              <a:rPr lang="de-DE" dirty="0" err="1"/>
+              <a:t>used</a:t>
+            </a:r>
+            <a:r>
+              <a:rPr lang="de-DE" dirty="0"/>
+              <a:t> </a:t>
+            </a:r>
+            <a:r>
+              <a:rPr lang="de-DE" dirty="0" err="1"/>
+              <a:t>for</a:t>
+            </a:r>
+            <a:r>
+              <a:rPr lang="de-DE" dirty="0"/>
+              <a:t> </a:t>
+            </a:r>
+            <a:r>
+              <a:rPr lang="de-DE" dirty="0" err="1"/>
+              <a:t>managing</a:t>
+            </a:r>
+            <a:r>
+              <a:rPr lang="de-DE" dirty="0"/>
+              <a:t> </a:t>
+            </a:r>
+            <a:r>
+              <a:rPr lang="de-DE" dirty="0" err="1"/>
+              <a:t>the</a:t>
+            </a:r>
+            <a:r>
+              <a:rPr lang="de-DE" dirty="0"/>
+              <a:t> </a:t>
+            </a:r>
+            <a:r>
+              <a:rPr lang="de-DE" dirty="0" err="1"/>
+              <a:t>nodes</a:t>
+            </a:r>
+            <a:r>
+              <a:rPr lang="de-DE" dirty="0"/>
+              <a:t>, like time </a:t>
+            </a:r>
+            <a:r>
+              <a:rPr lang="de-DE" dirty="0" err="1"/>
+              <a:t>scheduling</a:t>
+            </a:r>
+            <a:r>
+              <a:rPr lang="de-DE" dirty="0"/>
+              <a:t> and </a:t>
+            </a:r>
+            <a:r>
+              <a:rPr lang="de-DE" dirty="0" err="1"/>
+              <a:t>reacts</a:t>
+            </a:r>
+            <a:r>
+              <a:rPr lang="de-DE" dirty="0"/>
+              <a:t> </a:t>
+            </a:r>
+            <a:r>
+              <a:rPr lang="de-DE" dirty="0" err="1"/>
+              <a:t>to</a:t>
+            </a:r>
+            <a:r>
+              <a:rPr lang="de-DE" dirty="0"/>
+              <a:t> </a:t>
+            </a:r>
+            <a:r>
+              <a:rPr lang="de-DE" dirty="0" err="1"/>
+              <a:t>actions</a:t>
+            </a:r>
+            <a:r>
+              <a:rPr lang="de-DE" dirty="0"/>
+              <a:t> like </a:t>
+            </a:r>
+            <a:r>
+              <a:rPr lang="de-DE" dirty="0" err="1"/>
+              <a:t>the</a:t>
+            </a:r>
+            <a:r>
+              <a:rPr lang="de-DE" dirty="0"/>
+              <a:t> </a:t>
+            </a:r>
+            <a:r>
+              <a:rPr lang="de-DE" dirty="0" err="1"/>
+              <a:t>shutdown</a:t>
+            </a:r>
+            <a:r>
+              <a:rPr lang="de-DE" dirty="0"/>
+              <a:t> </a:t>
+            </a:r>
+            <a:r>
+              <a:rPr lang="de-DE" dirty="0" err="1"/>
+              <a:t>of</a:t>
+            </a:r>
+            <a:r>
+              <a:rPr lang="de-DE" dirty="0"/>
+              <a:t> a </a:t>
+            </a:r>
+            <a:r>
+              <a:rPr lang="de-DE" dirty="0" err="1"/>
+              <a:t>node</a:t>
+            </a:r>
+            <a:r>
+              <a:rPr lang="de-DE" dirty="0"/>
+              <a:t>.</a:t>
+            </a:r>
           </a:p>
         </p:txBody>
       </p:sp>
@@ -830,7 +2690,7 @@
     </p:spTree>
     <p:extLst>
       <p:ext uri="{BB962C8B-B14F-4D97-AF65-F5344CB8AC3E}">
-        <p14:creationId xmlns:p14="http://schemas.microsoft.com/office/powerpoint/2010/main" val="2879886327"/>
+        <p14:creationId xmlns:p14="http://schemas.microsoft.com/office/powerpoint/2010/main" val="2250166210"/>
       </p:ext>
     </p:extLst>
   </p:cSld>
@@ -885,14 +2745,695 @@
           <a:lstStyle/>
           <a:p>
             <a:r>
-              <a:rPr lang="de-DE" smtClean="0"/>
-              <a:t>disease</a:t>
-            </a:r>
-            <a:r>
-              <a:rPr lang="de-DE" baseline="0" smtClean="0"/>
-              <a:t> itself</a:t>
-            </a:r>
-            <a:endParaRPr lang="de-DE"/>
+              <a:rPr lang="de-DE" dirty="0"/>
+              <a:t>An </a:t>
+            </a:r>
+            <a:r>
+              <a:rPr lang="de-DE" dirty="0" err="1"/>
+              <a:t>exemplary</a:t>
+            </a:r>
+            <a:r>
+              <a:rPr lang="de-DE" dirty="0"/>
+              <a:t> </a:t>
+            </a:r>
+            <a:r>
+              <a:rPr lang="de-DE" dirty="0" err="1"/>
+              <a:t>architecture</a:t>
+            </a:r>
+            <a:r>
+              <a:rPr lang="de-DE" dirty="0"/>
+              <a:t> </a:t>
+            </a:r>
+            <a:r>
+              <a:rPr lang="de-DE" dirty="0" err="1"/>
+              <a:t>of</a:t>
+            </a:r>
+            <a:r>
+              <a:rPr lang="de-DE" dirty="0"/>
+              <a:t> </a:t>
+            </a:r>
+            <a:r>
+              <a:rPr lang="de-DE" dirty="0" err="1"/>
+              <a:t>kubernetes</a:t>
+            </a:r>
+            <a:r>
+              <a:rPr lang="de-DE" dirty="0"/>
+              <a:t> </a:t>
+            </a:r>
+            <a:r>
+              <a:rPr lang="de-DE" dirty="0" err="1"/>
+              <a:t>with</a:t>
+            </a:r>
+            <a:r>
+              <a:rPr lang="de-DE" dirty="0"/>
+              <a:t> </a:t>
+            </a:r>
+            <a:r>
+              <a:rPr lang="de-DE" dirty="0" err="1"/>
+              <a:t>its</a:t>
+            </a:r>
+            <a:r>
+              <a:rPr lang="de-DE" dirty="0"/>
+              <a:t> </a:t>
+            </a:r>
+            <a:r>
+              <a:rPr lang="de-DE" dirty="0" err="1"/>
+              <a:t>main</a:t>
+            </a:r>
+            <a:r>
+              <a:rPr lang="de-DE" dirty="0"/>
+              <a:t> </a:t>
+            </a:r>
+            <a:r>
+              <a:rPr lang="de-DE" dirty="0" err="1"/>
+              <a:t>components</a:t>
+            </a:r>
+            <a:r>
+              <a:rPr lang="de-DE" dirty="0"/>
+              <a:t> </a:t>
+            </a:r>
+            <a:r>
+              <a:rPr lang="de-DE" dirty="0" err="1"/>
+              <a:t>is</a:t>
+            </a:r>
+            <a:r>
+              <a:rPr lang="de-DE" dirty="0"/>
+              <a:t> </a:t>
+            </a:r>
+            <a:r>
+              <a:rPr lang="de-DE" dirty="0" err="1"/>
+              <a:t>shown</a:t>
+            </a:r>
+            <a:r>
+              <a:rPr lang="de-DE" dirty="0"/>
+              <a:t> on </a:t>
+            </a:r>
+            <a:r>
+              <a:rPr lang="de-DE" dirty="0" err="1"/>
+              <a:t>the</a:t>
+            </a:r>
+            <a:r>
+              <a:rPr lang="de-DE" dirty="0"/>
+              <a:t> </a:t>
+            </a:r>
+            <a:r>
+              <a:rPr lang="de-DE" dirty="0" err="1"/>
+              <a:t>next</a:t>
+            </a:r>
+            <a:r>
+              <a:rPr lang="de-DE" dirty="0"/>
+              <a:t> </a:t>
+            </a:r>
+            <a:r>
+              <a:rPr lang="de-DE" dirty="0" err="1"/>
+              <a:t>slide</a:t>
+            </a:r>
+            <a:r>
+              <a:rPr lang="de-DE" dirty="0"/>
+              <a:t>.</a:t>
+            </a:r>
+          </a:p>
+          <a:p>
+            <a:r>
+              <a:rPr lang="de-DE" dirty="0"/>
+              <a:t>In </a:t>
+            </a:r>
+            <a:r>
+              <a:rPr lang="de-DE" dirty="0" err="1"/>
+              <a:t>the</a:t>
+            </a:r>
+            <a:r>
+              <a:rPr lang="de-DE" dirty="0"/>
+              <a:t> </a:t>
+            </a:r>
+            <a:r>
+              <a:rPr lang="de-DE" dirty="0" err="1"/>
+              <a:t>architecture</a:t>
+            </a:r>
+            <a:r>
+              <a:rPr lang="de-DE" dirty="0"/>
+              <a:t> </a:t>
+            </a:r>
+            <a:r>
+              <a:rPr lang="de-DE" dirty="0" err="1"/>
+              <a:t>we</a:t>
+            </a:r>
+            <a:r>
+              <a:rPr lang="de-DE" dirty="0"/>
+              <a:t> </a:t>
+            </a:r>
+            <a:r>
+              <a:rPr lang="de-DE" dirty="0" err="1"/>
+              <a:t>can</a:t>
+            </a:r>
+            <a:r>
+              <a:rPr lang="de-DE" dirty="0"/>
+              <a:t> </a:t>
+            </a:r>
+            <a:r>
+              <a:rPr lang="de-DE" dirty="0" err="1"/>
+              <a:t>see</a:t>
+            </a:r>
+            <a:r>
+              <a:rPr lang="de-DE" dirty="0"/>
+              <a:t> </a:t>
+            </a:r>
+            <a:r>
+              <a:rPr lang="de-DE" dirty="0" err="1"/>
+              <a:t>that</a:t>
+            </a:r>
+            <a:r>
+              <a:rPr lang="de-DE" dirty="0"/>
+              <a:t> </a:t>
+            </a:r>
+            <a:r>
+              <a:rPr lang="de-DE" dirty="0" err="1"/>
+              <a:t>kubernetes</a:t>
+            </a:r>
+            <a:r>
+              <a:rPr lang="de-DE" dirty="0"/>
+              <a:t> </a:t>
+            </a:r>
+            <a:r>
+              <a:rPr lang="en-US" noProof="0" dirty="0"/>
+              <a:t>distinguishes</a:t>
+            </a:r>
+            <a:r>
+              <a:rPr lang="de-DE" dirty="0"/>
+              <a:t> </a:t>
+            </a:r>
+            <a:r>
+              <a:rPr lang="de-DE" dirty="0" err="1"/>
+              <a:t>between</a:t>
+            </a:r>
+            <a:r>
+              <a:rPr lang="de-DE" dirty="0"/>
+              <a:t> </a:t>
+            </a:r>
+            <a:r>
+              <a:rPr lang="de-DE" dirty="0" err="1"/>
+              <a:t>master</a:t>
+            </a:r>
+            <a:r>
+              <a:rPr lang="de-DE" dirty="0"/>
+              <a:t> and </a:t>
+            </a:r>
+            <a:r>
+              <a:rPr lang="de-DE" dirty="0" err="1"/>
+              <a:t>nodes</a:t>
+            </a:r>
+            <a:r>
+              <a:rPr lang="de-DE" dirty="0"/>
+              <a:t>. The </a:t>
+            </a:r>
+            <a:r>
+              <a:rPr lang="de-DE" dirty="0" err="1"/>
+              <a:t>master</a:t>
+            </a:r>
+            <a:r>
+              <a:rPr lang="de-DE" dirty="0"/>
+              <a:t> </a:t>
+            </a:r>
+            <a:r>
+              <a:rPr lang="de-DE" dirty="0" err="1"/>
+              <a:t>is</a:t>
+            </a:r>
+            <a:r>
+              <a:rPr lang="de-DE" dirty="0"/>
+              <a:t> </a:t>
+            </a:r>
+            <a:r>
+              <a:rPr lang="de-DE" dirty="0" err="1"/>
+              <a:t>used</a:t>
+            </a:r>
+            <a:r>
+              <a:rPr lang="de-DE" dirty="0"/>
+              <a:t> </a:t>
+            </a:r>
+            <a:r>
+              <a:rPr lang="de-DE" dirty="0" err="1"/>
+              <a:t>for</a:t>
+            </a:r>
+            <a:r>
+              <a:rPr lang="de-DE" dirty="0"/>
+              <a:t> </a:t>
+            </a:r>
+            <a:r>
+              <a:rPr lang="de-DE" dirty="0" err="1"/>
+              <a:t>managing</a:t>
+            </a:r>
+            <a:r>
+              <a:rPr lang="de-DE" dirty="0"/>
+              <a:t> </a:t>
+            </a:r>
+            <a:r>
+              <a:rPr lang="de-DE" dirty="0" err="1"/>
+              <a:t>the</a:t>
+            </a:r>
+            <a:r>
+              <a:rPr lang="de-DE" dirty="0"/>
+              <a:t> </a:t>
+            </a:r>
+            <a:r>
+              <a:rPr lang="de-DE" dirty="0" err="1"/>
+              <a:t>nodes</a:t>
+            </a:r>
+            <a:r>
+              <a:rPr lang="de-DE" dirty="0"/>
+              <a:t>, like time </a:t>
+            </a:r>
+            <a:r>
+              <a:rPr lang="de-DE" dirty="0" err="1"/>
+              <a:t>scheduling</a:t>
+            </a:r>
+            <a:r>
+              <a:rPr lang="de-DE" dirty="0"/>
+              <a:t> and </a:t>
+            </a:r>
+            <a:r>
+              <a:rPr lang="de-DE" dirty="0" err="1"/>
+              <a:t>reacts</a:t>
+            </a:r>
+            <a:r>
+              <a:rPr lang="de-DE" dirty="0"/>
+              <a:t> </a:t>
+            </a:r>
+            <a:r>
+              <a:rPr lang="de-DE" dirty="0" err="1"/>
+              <a:t>to</a:t>
+            </a:r>
+            <a:r>
+              <a:rPr lang="de-DE" dirty="0"/>
+              <a:t> </a:t>
+            </a:r>
+            <a:r>
+              <a:rPr lang="de-DE" dirty="0" err="1"/>
+              <a:t>actions</a:t>
+            </a:r>
+            <a:r>
+              <a:rPr lang="de-DE" dirty="0"/>
+              <a:t> like </a:t>
+            </a:r>
+            <a:r>
+              <a:rPr lang="de-DE" dirty="0" err="1"/>
+              <a:t>the</a:t>
+            </a:r>
+            <a:r>
+              <a:rPr lang="de-DE" dirty="0"/>
+              <a:t> </a:t>
+            </a:r>
+            <a:r>
+              <a:rPr lang="de-DE" dirty="0" err="1"/>
+              <a:t>shutdown</a:t>
+            </a:r>
+            <a:r>
+              <a:rPr lang="de-DE" dirty="0"/>
+              <a:t> </a:t>
+            </a:r>
+            <a:r>
+              <a:rPr lang="de-DE" dirty="0" err="1"/>
+              <a:t>of</a:t>
+            </a:r>
+            <a:r>
+              <a:rPr lang="de-DE" dirty="0"/>
+              <a:t> a </a:t>
+            </a:r>
+            <a:r>
+              <a:rPr lang="de-DE" dirty="0" err="1"/>
+              <a:t>node</a:t>
+            </a:r>
+            <a:r>
+              <a:rPr lang="de-DE" dirty="0"/>
+              <a:t>.</a:t>
+            </a:r>
+          </a:p>
+          <a:p>
+            <a:endParaRPr lang="de-DE" dirty="0"/>
+          </a:p>
+          <a:p>
+            <a:r>
+              <a:rPr lang="de-DE" dirty="0"/>
+              <a:t>Inside </a:t>
+            </a:r>
+            <a:r>
+              <a:rPr lang="de-DE" dirty="0" err="1"/>
+              <a:t>the</a:t>
+            </a:r>
+            <a:r>
+              <a:rPr lang="de-DE" dirty="0"/>
+              <a:t> </a:t>
+            </a:r>
+            <a:r>
+              <a:rPr lang="de-DE" dirty="0" err="1"/>
+              <a:t>nodes</a:t>
+            </a:r>
+            <a:r>
+              <a:rPr lang="de-DE" dirty="0"/>
+              <a:t> different </a:t>
+            </a:r>
+            <a:r>
+              <a:rPr lang="de-DE" dirty="0" err="1"/>
+              <a:t>pods</a:t>
+            </a:r>
+            <a:r>
+              <a:rPr lang="de-DE" dirty="0"/>
+              <a:t> </a:t>
+            </a:r>
+            <a:r>
+              <a:rPr lang="de-DE" dirty="0" err="1"/>
+              <a:t>are</a:t>
+            </a:r>
+            <a:r>
+              <a:rPr lang="de-DE" dirty="0"/>
+              <a:t> </a:t>
+            </a:r>
+            <a:r>
+              <a:rPr lang="de-DE" dirty="0" err="1"/>
+              <a:t>running</a:t>
+            </a:r>
+            <a:r>
+              <a:rPr lang="de-DE" dirty="0"/>
+              <a:t>. </a:t>
+            </a:r>
+            <a:r>
+              <a:rPr lang="de-DE" dirty="0" err="1"/>
+              <a:t>Pods</a:t>
+            </a:r>
+            <a:r>
+              <a:rPr lang="de-DE" dirty="0"/>
+              <a:t> </a:t>
+            </a:r>
+            <a:r>
+              <a:rPr lang="de-DE" dirty="0" err="1"/>
+              <a:t>are</a:t>
+            </a:r>
+            <a:r>
+              <a:rPr lang="de-DE" dirty="0"/>
+              <a:t> </a:t>
+            </a:r>
+            <a:r>
+              <a:rPr lang="de-DE" dirty="0" err="1"/>
+              <a:t>groups</a:t>
+            </a:r>
+            <a:r>
+              <a:rPr lang="de-DE" dirty="0"/>
+              <a:t> </a:t>
+            </a:r>
+            <a:r>
+              <a:rPr lang="de-DE" dirty="0" err="1"/>
+              <a:t>of</a:t>
+            </a:r>
+            <a:r>
+              <a:rPr lang="de-DE" dirty="0"/>
+              <a:t> </a:t>
+            </a:r>
+            <a:r>
+              <a:rPr lang="de-DE" dirty="0" err="1"/>
+              <a:t>one</a:t>
+            </a:r>
+            <a:r>
+              <a:rPr lang="de-DE" dirty="0"/>
+              <a:t> </a:t>
+            </a:r>
+            <a:r>
+              <a:rPr lang="de-DE" dirty="0" err="1"/>
+              <a:t>or</a:t>
+            </a:r>
+            <a:r>
+              <a:rPr lang="de-DE" dirty="0"/>
+              <a:t> </a:t>
+            </a:r>
+            <a:r>
+              <a:rPr lang="de-DE" dirty="0" err="1"/>
+              <a:t>more</a:t>
+            </a:r>
+            <a:r>
+              <a:rPr lang="de-DE" dirty="0"/>
+              <a:t> </a:t>
+            </a:r>
+            <a:r>
+              <a:rPr lang="de-DE" dirty="0" err="1"/>
+              <a:t>containers</a:t>
+            </a:r>
+            <a:r>
+              <a:rPr lang="de-DE" dirty="0"/>
+              <a:t>. The </a:t>
+            </a:r>
+            <a:r>
+              <a:rPr lang="de-DE" dirty="0" err="1"/>
+              <a:t>countainers</a:t>
+            </a:r>
+            <a:r>
+              <a:rPr lang="de-DE" dirty="0"/>
+              <a:t> </a:t>
+            </a:r>
+            <a:r>
+              <a:rPr lang="de-DE" dirty="0" err="1"/>
+              <a:t>can</a:t>
+            </a:r>
+            <a:r>
+              <a:rPr lang="de-DE" dirty="0"/>
+              <a:t> </a:t>
+            </a:r>
+            <a:r>
+              <a:rPr lang="de-DE" dirty="0" err="1"/>
+              <a:t>be</a:t>
+            </a:r>
+            <a:r>
+              <a:rPr lang="de-DE" dirty="0"/>
+              <a:t> </a:t>
+            </a:r>
+            <a:r>
+              <a:rPr lang="de-DE" dirty="0" err="1"/>
+              <a:t>deployments</a:t>
+            </a:r>
+            <a:r>
+              <a:rPr lang="de-DE" dirty="0"/>
+              <a:t> </a:t>
+            </a:r>
+            <a:r>
+              <a:rPr lang="de-DE" dirty="0" err="1"/>
+              <a:t>or</a:t>
+            </a:r>
+            <a:r>
+              <a:rPr lang="de-DE" dirty="0"/>
+              <a:t> </a:t>
+            </a:r>
+            <a:r>
+              <a:rPr lang="de-DE" dirty="0" err="1"/>
+              <a:t>services</a:t>
+            </a:r>
+            <a:r>
+              <a:rPr lang="de-DE" dirty="0"/>
+              <a:t> </a:t>
+            </a:r>
+            <a:r>
+              <a:rPr lang="de-DE" dirty="0" err="1"/>
+              <a:t>or</a:t>
+            </a:r>
+            <a:r>
+              <a:rPr lang="de-DE" dirty="0"/>
+              <a:t> </a:t>
+            </a:r>
+            <a:r>
+              <a:rPr lang="de-DE" dirty="0" err="1"/>
+              <a:t>similar</a:t>
+            </a:r>
+            <a:r>
+              <a:rPr lang="de-DE" dirty="0"/>
+              <a:t> </a:t>
+            </a:r>
+            <a:r>
+              <a:rPr lang="de-DE" dirty="0" err="1"/>
+              <a:t>things</a:t>
+            </a:r>
+            <a:r>
+              <a:rPr lang="de-DE" dirty="0"/>
+              <a:t>.</a:t>
+            </a:r>
+          </a:p>
+          <a:p>
+            <a:r>
+              <a:rPr lang="de-DE" dirty="0" err="1"/>
+              <a:t>For</a:t>
+            </a:r>
+            <a:r>
+              <a:rPr lang="de-DE" dirty="0"/>
+              <a:t> </a:t>
+            </a:r>
+            <a:r>
+              <a:rPr lang="de-DE" dirty="0" err="1"/>
+              <a:t>example</a:t>
+            </a:r>
+            <a:r>
+              <a:rPr lang="de-DE" dirty="0"/>
+              <a:t> in </a:t>
+            </a:r>
+            <a:r>
+              <a:rPr lang="de-DE" dirty="0" err="1"/>
+              <a:t>our</a:t>
+            </a:r>
+            <a:r>
+              <a:rPr lang="de-DE" dirty="0"/>
+              <a:t> </a:t>
+            </a:r>
+            <a:r>
+              <a:rPr lang="de-DE" dirty="0" err="1"/>
+              <a:t>system</a:t>
+            </a:r>
+            <a:r>
+              <a:rPr lang="de-DE" dirty="0"/>
+              <a:t> on </a:t>
+            </a:r>
+            <a:r>
+              <a:rPr lang="de-DE" dirty="0" err="1"/>
+              <a:t>every</a:t>
+            </a:r>
+            <a:r>
+              <a:rPr lang="de-DE" dirty="0"/>
+              <a:t> </a:t>
+            </a:r>
+            <a:r>
+              <a:rPr lang="de-DE" dirty="0" err="1"/>
+              <a:t>node</a:t>
+            </a:r>
+            <a:r>
+              <a:rPr lang="de-DE" dirty="0"/>
+              <a:t> a </a:t>
+            </a:r>
+            <a:r>
+              <a:rPr lang="de-DE" dirty="0" err="1"/>
+              <a:t>pod</a:t>
+            </a:r>
+            <a:r>
+              <a:rPr lang="de-DE" dirty="0"/>
+              <a:t> </a:t>
+            </a:r>
+            <a:r>
+              <a:rPr lang="de-DE" dirty="0" err="1"/>
+              <a:t>is</a:t>
+            </a:r>
+            <a:r>
+              <a:rPr lang="de-DE" dirty="0"/>
+              <a:t> </a:t>
+            </a:r>
+            <a:r>
+              <a:rPr lang="de-DE" dirty="0" err="1"/>
+              <a:t>available</a:t>
+            </a:r>
+            <a:r>
+              <a:rPr lang="de-DE" dirty="0"/>
+              <a:t>, </a:t>
+            </a:r>
+            <a:r>
+              <a:rPr lang="de-DE" dirty="0" err="1"/>
+              <a:t>which</a:t>
+            </a:r>
+            <a:r>
+              <a:rPr lang="de-DE" dirty="0"/>
+              <a:t> </a:t>
+            </a:r>
+            <a:r>
+              <a:rPr lang="de-DE" dirty="0" err="1"/>
+              <a:t>includes</a:t>
+            </a:r>
+            <a:r>
+              <a:rPr lang="de-DE" dirty="0"/>
+              <a:t> </a:t>
+            </a:r>
+            <a:r>
+              <a:rPr lang="de-DE" dirty="0" err="1"/>
+              <a:t>the</a:t>
+            </a:r>
+            <a:r>
+              <a:rPr lang="de-DE" dirty="0"/>
+              <a:t> </a:t>
+            </a:r>
+            <a:r>
+              <a:rPr lang="de-DE" dirty="0" err="1"/>
+              <a:t>nextcloud</a:t>
+            </a:r>
+            <a:r>
+              <a:rPr lang="de-DE" dirty="0"/>
+              <a:t> </a:t>
+            </a:r>
+            <a:r>
+              <a:rPr lang="de-DE" dirty="0" err="1"/>
+              <a:t>deployment</a:t>
+            </a:r>
+            <a:r>
+              <a:rPr lang="de-DE" dirty="0"/>
+              <a:t>.</a:t>
+            </a:r>
+          </a:p>
+          <a:p>
+            <a:r>
+              <a:rPr lang="de-DE" dirty="0" err="1"/>
+              <a:t>How</a:t>
+            </a:r>
+            <a:r>
+              <a:rPr lang="de-DE" dirty="0"/>
+              <a:t> </a:t>
+            </a:r>
+            <a:r>
+              <a:rPr lang="de-DE" dirty="0" err="1"/>
+              <a:t>to</a:t>
+            </a:r>
+            <a:r>
+              <a:rPr lang="de-DE" dirty="0"/>
+              <a:t> </a:t>
+            </a:r>
+            <a:r>
+              <a:rPr lang="de-DE" dirty="0" err="1"/>
+              <a:t>setup</a:t>
+            </a:r>
+            <a:r>
+              <a:rPr lang="de-DE" dirty="0"/>
+              <a:t> such a </a:t>
+            </a:r>
+            <a:r>
+              <a:rPr lang="de-DE" dirty="0" err="1"/>
+              <a:t>architecture</a:t>
+            </a:r>
+            <a:r>
+              <a:rPr lang="de-DE" dirty="0"/>
+              <a:t> Michael will </a:t>
+            </a:r>
+            <a:r>
+              <a:rPr lang="de-DE" dirty="0" err="1"/>
+              <a:t>now</a:t>
+            </a:r>
+            <a:r>
+              <a:rPr lang="de-DE" dirty="0"/>
+              <a:t> </a:t>
+            </a:r>
+            <a:r>
+              <a:rPr lang="de-DE" dirty="0" err="1"/>
+              <a:t>present</a:t>
+            </a:r>
+            <a:r>
+              <a:rPr lang="de-DE" dirty="0"/>
+              <a:t> </a:t>
+            </a:r>
+            <a:r>
+              <a:rPr lang="de-DE" dirty="0" err="1"/>
+              <a:t>to</a:t>
+            </a:r>
+            <a:r>
+              <a:rPr lang="de-DE" dirty="0"/>
+              <a:t> </a:t>
+            </a:r>
+            <a:r>
+              <a:rPr lang="de-DE" dirty="0" err="1"/>
+              <a:t>you</a:t>
+            </a:r>
+            <a:r>
+              <a:rPr lang="de-DE" dirty="0"/>
+              <a:t>.</a:t>
+            </a:r>
+          </a:p>
+          <a:p>
+            <a:endParaRPr lang="de-DE" dirty="0"/>
           </a:p>
         </p:txBody>
       </p:sp>
@@ -922,7 +3463,7 @@
     </p:spTree>
     <p:extLst>
       <p:ext uri="{BB962C8B-B14F-4D97-AF65-F5344CB8AC3E}">
-        <p14:creationId xmlns:p14="http://schemas.microsoft.com/office/powerpoint/2010/main" val="799767301"/>
+        <p14:creationId xmlns:p14="http://schemas.microsoft.com/office/powerpoint/2010/main" val="3422798648"/>
       </p:ext>
     </p:extLst>
   </p:cSld>
@@ -977,11 +3518,11 @@
           <a:lstStyle/>
           <a:p>
             <a:r>
-              <a:rPr lang="de-DE" smtClean="0"/>
+              <a:rPr lang="de-DE"/>
               <a:t>disease</a:t>
             </a:r>
             <a:r>
-              <a:rPr lang="de-DE" baseline="0" smtClean="0"/>
+              <a:rPr lang="de-DE" baseline="0"/>
               <a:t> itself</a:t>
             </a:r>
             <a:endParaRPr lang="de-DE"/>
@@ -1014,7 +3555,283 @@
     </p:spTree>
     <p:extLst>
       <p:ext uri="{BB962C8B-B14F-4D97-AF65-F5344CB8AC3E}">
+        <p14:creationId xmlns:p14="http://schemas.microsoft.com/office/powerpoint/2010/main" val="2879886327"/>
+      </p:ext>
+    </p:extLst>
+  </p:cSld>
+  <p:clrMapOvr>
+    <a:masterClrMapping/>
+  </p:clrMapOvr>
+</p:notes>
+</file>
+
+<file path=ppt/notesSlides/notesSlide7.xml><?xml version="1.0" encoding="utf-8"?>
+<p:notes xmlns:a="http://schemas.openxmlformats.org/drawingml/2006/main" xmlns:r="http://schemas.openxmlformats.org/officeDocument/2006/relationships" xmlns:p="http://schemas.openxmlformats.org/presentationml/2006/main">
+  <p:cSld>
+    <p:spTree>
+      <p:nvGrpSpPr>
+        <p:cNvPr id="1" name=""/>
+        <p:cNvGrpSpPr/>
+        <p:nvPr/>
+      </p:nvGrpSpPr>
+      <p:grpSpPr>
+        <a:xfrm>
+          <a:off x="0" y="0"/>
+          <a:ext cx="0" cy="0"/>
+          <a:chOff x="0" y="0"/>
+          <a:chExt cx="0" cy="0"/>
+        </a:xfrm>
+      </p:grpSpPr>
+      <p:sp>
+        <p:nvSpPr>
+          <p:cNvPr id="2" name="Folienbildplatzhalter 1"/>
+          <p:cNvSpPr>
+            <a:spLocks noGrp="1" noRot="1" noChangeAspect="1"/>
+          </p:cNvSpPr>
+          <p:nvPr>
+            <p:ph type="sldImg"/>
+          </p:nvPr>
+        </p:nvSpPr>
+        <p:spPr/>
+      </p:sp>
+      <p:sp>
+        <p:nvSpPr>
+          <p:cNvPr id="3" name="Notizenplatzhalter 2"/>
+          <p:cNvSpPr>
+            <a:spLocks noGrp="1"/>
+          </p:cNvSpPr>
+          <p:nvPr>
+            <p:ph type="body" idx="1"/>
+          </p:nvPr>
+        </p:nvSpPr>
+        <p:spPr/>
+        <p:txBody>
+          <a:bodyPr/>
+          <a:lstStyle/>
+          <a:p>
+            <a:r>
+              <a:rPr lang="de-DE"/>
+              <a:t>disease</a:t>
+            </a:r>
+            <a:r>
+              <a:rPr lang="de-DE" baseline="0"/>
+              <a:t> itself</a:t>
+            </a:r>
+            <a:endParaRPr lang="de-DE"/>
+          </a:p>
+        </p:txBody>
+      </p:sp>
+      <p:sp>
+        <p:nvSpPr>
+          <p:cNvPr id="4" name="Foliennummernplatzhalter 3"/>
+          <p:cNvSpPr>
+            <a:spLocks noGrp="1"/>
+          </p:cNvSpPr>
+          <p:nvPr>
+            <p:ph type="sldNum" sz="quarter" idx="10"/>
+          </p:nvPr>
+        </p:nvSpPr>
+        <p:spPr/>
+        <p:txBody>
+          <a:bodyPr/>
+          <a:lstStyle/>
+          <a:p>
+            <a:fld id="{706572D1-9F21-4623-91AD-FF8FC5882A4F}" type="slidenum">
+              <a:rPr lang="de-DE" smtClean="0"/>
+              <a:t>8</a:t>
+            </a:fld>
+            <a:endParaRPr lang="de-DE"/>
+          </a:p>
+        </p:txBody>
+      </p:sp>
+    </p:spTree>
+    <p:extLst>
+      <p:ext uri="{BB962C8B-B14F-4D97-AF65-F5344CB8AC3E}">
+        <p14:creationId xmlns:p14="http://schemas.microsoft.com/office/powerpoint/2010/main" val="799767301"/>
+      </p:ext>
+    </p:extLst>
+  </p:cSld>
+  <p:clrMapOvr>
+    <a:masterClrMapping/>
+  </p:clrMapOvr>
+</p:notes>
+</file>
+
+<file path=ppt/notesSlides/notesSlide8.xml><?xml version="1.0" encoding="utf-8"?>
+<p:notes xmlns:a="http://schemas.openxmlformats.org/drawingml/2006/main" xmlns:r="http://schemas.openxmlformats.org/officeDocument/2006/relationships" xmlns:p="http://schemas.openxmlformats.org/presentationml/2006/main">
+  <p:cSld>
+    <p:spTree>
+      <p:nvGrpSpPr>
+        <p:cNvPr id="1" name=""/>
+        <p:cNvGrpSpPr/>
+        <p:nvPr/>
+      </p:nvGrpSpPr>
+      <p:grpSpPr>
+        <a:xfrm>
+          <a:off x="0" y="0"/>
+          <a:ext cx="0" cy="0"/>
+          <a:chOff x="0" y="0"/>
+          <a:chExt cx="0" cy="0"/>
+        </a:xfrm>
+      </p:grpSpPr>
+      <p:sp>
+        <p:nvSpPr>
+          <p:cNvPr id="2" name="Folienbildplatzhalter 1"/>
+          <p:cNvSpPr>
+            <a:spLocks noGrp="1" noRot="1" noChangeAspect="1"/>
+          </p:cNvSpPr>
+          <p:nvPr>
+            <p:ph type="sldImg"/>
+          </p:nvPr>
+        </p:nvSpPr>
+        <p:spPr/>
+      </p:sp>
+      <p:sp>
+        <p:nvSpPr>
+          <p:cNvPr id="3" name="Notizenplatzhalter 2"/>
+          <p:cNvSpPr>
+            <a:spLocks noGrp="1"/>
+          </p:cNvSpPr>
+          <p:nvPr>
+            <p:ph type="body" idx="1"/>
+          </p:nvPr>
+        </p:nvSpPr>
+        <p:spPr/>
+        <p:txBody>
+          <a:bodyPr/>
+          <a:lstStyle/>
+          <a:p>
+            <a:r>
+              <a:rPr lang="de-DE"/>
+              <a:t>disease</a:t>
+            </a:r>
+            <a:r>
+              <a:rPr lang="de-DE" baseline="0"/>
+              <a:t> itself</a:t>
+            </a:r>
+            <a:endParaRPr lang="de-DE"/>
+          </a:p>
+        </p:txBody>
+      </p:sp>
+      <p:sp>
+        <p:nvSpPr>
+          <p:cNvPr id="4" name="Foliennummernplatzhalter 3"/>
+          <p:cNvSpPr>
+            <a:spLocks noGrp="1"/>
+          </p:cNvSpPr>
+          <p:nvPr>
+            <p:ph type="sldNum" sz="quarter" idx="10"/>
+          </p:nvPr>
+        </p:nvSpPr>
+        <p:spPr/>
+        <p:txBody>
+          <a:bodyPr/>
+          <a:lstStyle/>
+          <a:p>
+            <a:fld id="{706572D1-9F21-4623-91AD-FF8FC5882A4F}" type="slidenum">
+              <a:rPr lang="de-DE" smtClean="0"/>
+              <a:t>9</a:t>
+            </a:fld>
+            <a:endParaRPr lang="de-DE"/>
+          </a:p>
+        </p:txBody>
+      </p:sp>
+    </p:spTree>
+    <p:extLst>
+      <p:ext uri="{BB962C8B-B14F-4D97-AF65-F5344CB8AC3E}">
         <p14:creationId xmlns:p14="http://schemas.microsoft.com/office/powerpoint/2010/main" val="1684851930"/>
+      </p:ext>
+    </p:extLst>
+  </p:cSld>
+  <p:clrMapOvr>
+    <a:masterClrMapping/>
+  </p:clrMapOvr>
+</p:notes>
+</file>
+
+<file path=ppt/notesSlides/notesSlide9.xml><?xml version="1.0" encoding="utf-8"?>
+<p:notes xmlns:a="http://schemas.openxmlformats.org/drawingml/2006/main" xmlns:r="http://schemas.openxmlformats.org/officeDocument/2006/relationships" xmlns:p="http://schemas.openxmlformats.org/presentationml/2006/main">
+  <p:cSld>
+    <p:spTree>
+      <p:nvGrpSpPr>
+        <p:cNvPr id="1" name=""/>
+        <p:cNvGrpSpPr/>
+        <p:nvPr/>
+      </p:nvGrpSpPr>
+      <p:grpSpPr>
+        <a:xfrm>
+          <a:off x="0" y="0"/>
+          <a:ext cx="0" cy="0"/>
+          <a:chOff x="0" y="0"/>
+          <a:chExt cx="0" cy="0"/>
+        </a:xfrm>
+      </p:grpSpPr>
+      <p:sp>
+        <p:nvSpPr>
+          <p:cNvPr id="2" name="Folienbildplatzhalter 1"/>
+          <p:cNvSpPr>
+            <a:spLocks noGrp="1" noRot="1" noChangeAspect="1"/>
+          </p:cNvSpPr>
+          <p:nvPr>
+            <p:ph type="sldImg"/>
+          </p:nvPr>
+        </p:nvSpPr>
+        <p:spPr/>
+      </p:sp>
+      <p:sp>
+        <p:nvSpPr>
+          <p:cNvPr id="3" name="Notizenplatzhalter 2"/>
+          <p:cNvSpPr>
+            <a:spLocks noGrp="1"/>
+          </p:cNvSpPr>
+          <p:nvPr>
+            <p:ph type="body" idx="1"/>
+          </p:nvPr>
+        </p:nvSpPr>
+        <p:spPr/>
+        <p:txBody>
+          <a:bodyPr/>
+          <a:lstStyle/>
+          <a:p>
+            <a:r>
+              <a:rPr lang="de-DE"/>
+              <a:t>disease</a:t>
+            </a:r>
+            <a:r>
+              <a:rPr lang="de-DE" baseline="0"/>
+              <a:t> itself</a:t>
+            </a:r>
+            <a:endParaRPr lang="de-DE"/>
+          </a:p>
+        </p:txBody>
+      </p:sp>
+      <p:sp>
+        <p:nvSpPr>
+          <p:cNvPr id="4" name="Foliennummernplatzhalter 3"/>
+          <p:cNvSpPr>
+            <a:spLocks noGrp="1"/>
+          </p:cNvSpPr>
+          <p:nvPr>
+            <p:ph type="sldNum" sz="quarter" idx="10"/>
+          </p:nvPr>
+        </p:nvSpPr>
+        <p:spPr/>
+        <p:txBody>
+          <a:bodyPr/>
+          <a:lstStyle/>
+          <a:p>
+            <a:fld id="{706572D1-9F21-4623-91AD-FF8FC5882A4F}" type="slidenum">
+              <a:rPr lang="de-DE" smtClean="0"/>
+              <a:t>10</a:t>
+            </a:fld>
+            <a:endParaRPr lang="de-DE"/>
+          </a:p>
+        </p:txBody>
+      </p:sp>
+    </p:spTree>
+    <p:extLst>
+      <p:ext uri="{BB962C8B-B14F-4D97-AF65-F5344CB8AC3E}">
+        <p14:creationId xmlns:p14="http://schemas.microsoft.com/office/powerpoint/2010/main" val="2032577422"/>
       </p:ext>
     </p:extLst>
   </p:cSld>
@@ -1066,10 +3883,9 @@
           </a:lstStyle>
           <a:p>
             <a:r>
-              <a:rPr lang="de-DE" smtClean="0"/>
+              <a:rPr lang="de-DE"/>
               <a:t>Titelmasterformat durch Klicken bearbeiten</a:t>
             </a:r>
-            <a:endParaRPr lang="de-DE"/>
           </a:p>
         </p:txBody>
       </p:sp>
@@ -1131,10 +3947,9 @@
           </a:lstStyle>
           <a:p>
             <a:r>
-              <a:rPr lang="de-DE" smtClean="0"/>
+              <a:rPr lang="de-DE"/>
               <a:t>Formatvorlage des Untertitelmasters durch Klicken bearbeiten</a:t>
             </a:r>
-            <a:endParaRPr lang="de-DE"/>
           </a:p>
         </p:txBody>
       </p:sp>
@@ -1279,10 +4094,9 @@
           <a:lstStyle/>
           <a:p>
             <a:r>
-              <a:rPr lang="de-DE" smtClean="0"/>
+              <a:rPr lang="de-DE"/>
               <a:t>Titelmasterformat durch Klicken bearbeiten</a:t>
             </a:r>
-            <a:endParaRPr lang="de-DE"/>
           </a:p>
         </p:txBody>
       </p:sp>
@@ -1303,38 +4117,37 @@
           <a:p>
             <a:pPr lvl="0"/>
             <a:r>
-              <a:rPr lang="de-DE" smtClean="0"/>
+              <a:rPr lang="de-DE"/>
               <a:t>Textmasterformat bearbeiten</a:t>
             </a:r>
           </a:p>
           <a:p>
             <a:pPr lvl="1"/>
             <a:r>
-              <a:rPr lang="de-DE" smtClean="0"/>
+              <a:rPr lang="de-DE"/>
               <a:t>Zweite Ebene</a:t>
             </a:r>
           </a:p>
           <a:p>
             <a:pPr lvl="2"/>
             <a:r>
-              <a:rPr lang="de-DE" smtClean="0"/>
+              <a:rPr lang="de-DE"/>
               <a:t>Dritte Ebene</a:t>
             </a:r>
           </a:p>
           <a:p>
             <a:pPr lvl="3"/>
             <a:r>
-              <a:rPr lang="de-DE" smtClean="0"/>
+              <a:rPr lang="de-DE"/>
               <a:t>Vierte Ebene</a:t>
             </a:r>
           </a:p>
           <a:p>
             <a:pPr lvl="4"/>
             <a:r>
-              <a:rPr lang="de-DE" smtClean="0"/>
+              <a:rPr lang="de-DE"/>
               <a:t>Fünfte Ebene</a:t>
             </a:r>
-            <a:endParaRPr lang="de-DE"/>
           </a:p>
         </p:txBody>
       </p:sp>
@@ -1454,10 +4267,9 @@
           <a:lstStyle/>
           <a:p>
             <a:r>
-              <a:rPr lang="de-DE" smtClean="0"/>
+              <a:rPr lang="de-DE"/>
               <a:t>Titelmasterformat durch Klicken bearbeiten</a:t>
             </a:r>
-            <a:endParaRPr lang="de-DE"/>
           </a:p>
         </p:txBody>
       </p:sp>
@@ -1483,38 +4295,37 @@
           <a:p>
             <a:pPr lvl="0"/>
             <a:r>
-              <a:rPr lang="de-DE" smtClean="0"/>
+              <a:rPr lang="de-DE"/>
               <a:t>Textmasterformat bearbeiten</a:t>
             </a:r>
           </a:p>
           <a:p>
             <a:pPr lvl="1"/>
             <a:r>
-              <a:rPr lang="de-DE" smtClean="0"/>
+              <a:rPr lang="de-DE"/>
               <a:t>Zweite Ebene</a:t>
             </a:r>
           </a:p>
           <a:p>
             <a:pPr lvl="2"/>
             <a:r>
-              <a:rPr lang="de-DE" smtClean="0"/>
+              <a:rPr lang="de-DE"/>
               <a:t>Dritte Ebene</a:t>
             </a:r>
           </a:p>
           <a:p>
             <a:pPr lvl="3"/>
             <a:r>
-              <a:rPr lang="de-DE" smtClean="0"/>
+              <a:rPr lang="de-DE"/>
               <a:t>Vierte Ebene</a:t>
             </a:r>
           </a:p>
           <a:p>
             <a:pPr lvl="4"/>
             <a:r>
-              <a:rPr lang="de-DE" smtClean="0"/>
+              <a:rPr lang="de-DE"/>
               <a:t>Fünfte Ebene</a:t>
             </a:r>
-            <a:endParaRPr lang="de-DE"/>
           </a:p>
         </p:txBody>
       </p:sp>
@@ -1634,10 +4445,9 @@
           <a:lstStyle/>
           <a:p>
             <a:r>
-              <a:rPr lang="de-DE" smtClean="0"/>
+              <a:rPr lang="de-DE"/>
               <a:t>Titelmasterformat durch Klicken bearbeiten</a:t>
             </a:r>
-            <a:endParaRPr lang="de-DE"/>
           </a:p>
         </p:txBody>
       </p:sp>
@@ -1663,38 +4473,37 @@
           <a:p>
             <a:pPr lvl="0"/>
             <a:r>
-              <a:rPr lang="de-DE" smtClean="0"/>
+              <a:rPr lang="de-DE"/>
               <a:t>Textmasterformat bearbeiten</a:t>
             </a:r>
           </a:p>
           <a:p>
             <a:pPr lvl="1"/>
             <a:r>
-              <a:rPr lang="de-DE" smtClean="0"/>
+              <a:rPr lang="de-DE"/>
               <a:t>Zweite Ebene</a:t>
             </a:r>
           </a:p>
           <a:p>
             <a:pPr lvl="2"/>
             <a:r>
-              <a:rPr lang="de-DE" smtClean="0"/>
+              <a:rPr lang="de-DE"/>
               <a:t>Dritte Ebene</a:t>
             </a:r>
           </a:p>
           <a:p>
             <a:pPr lvl="3"/>
             <a:r>
-              <a:rPr lang="de-DE" smtClean="0"/>
+              <a:rPr lang="de-DE"/>
               <a:t>Vierte Ebene</a:t>
             </a:r>
           </a:p>
           <a:p>
             <a:pPr lvl="4"/>
             <a:r>
-              <a:rPr lang="de-DE" smtClean="0"/>
+              <a:rPr lang="de-DE"/>
               <a:t>Fünfte Ebene</a:t>
             </a:r>
-            <a:endParaRPr lang="de-DE"/>
           </a:p>
         </p:txBody>
       </p:sp>
@@ -1899,10 +4708,9 @@
           </a:lstStyle>
           <a:p>
             <a:r>
-              <a:rPr lang="de-DE" smtClean="0"/>
+              <a:rPr lang="de-DE"/>
               <a:t>Titelmasterformat durch Klicken bearbeiten</a:t>
             </a:r>
-            <a:endParaRPr lang="de-DE"/>
           </a:p>
         </p:txBody>
       </p:sp>
@@ -2019,7 +4827,7 @@
           <a:p>
             <a:pPr lvl="0"/>
             <a:r>
-              <a:rPr lang="de-DE" smtClean="0"/>
+              <a:rPr lang="de-DE"/>
               <a:t>Textmasterformat bearbeiten</a:t>
             </a:r>
           </a:p>
@@ -2136,10 +4944,9 @@
           <a:lstStyle/>
           <a:p>
             <a:r>
-              <a:rPr lang="de-DE" smtClean="0"/>
+              <a:rPr lang="de-DE"/>
               <a:t>Titelmasterformat durch Klicken bearbeiten</a:t>
             </a:r>
-            <a:endParaRPr lang="de-DE"/>
           </a:p>
         </p:txBody>
       </p:sp>
@@ -2165,38 +4972,37 @@
           <a:p>
             <a:pPr lvl="0"/>
             <a:r>
-              <a:rPr lang="de-DE" smtClean="0"/>
+              <a:rPr lang="de-DE"/>
               <a:t>Textmasterformat bearbeiten</a:t>
             </a:r>
           </a:p>
           <a:p>
             <a:pPr lvl="1"/>
             <a:r>
-              <a:rPr lang="de-DE" smtClean="0"/>
+              <a:rPr lang="de-DE"/>
               <a:t>Zweite Ebene</a:t>
             </a:r>
           </a:p>
           <a:p>
             <a:pPr lvl="2"/>
             <a:r>
-              <a:rPr lang="de-DE" smtClean="0"/>
+              <a:rPr lang="de-DE"/>
               <a:t>Dritte Ebene</a:t>
             </a:r>
           </a:p>
           <a:p>
             <a:pPr lvl="3"/>
             <a:r>
-              <a:rPr lang="de-DE" smtClean="0"/>
+              <a:rPr lang="de-DE"/>
               <a:t>Vierte Ebene</a:t>
             </a:r>
           </a:p>
           <a:p>
             <a:pPr lvl="4"/>
             <a:r>
-              <a:rPr lang="de-DE" smtClean="0"/>
+              <a:rPr lang="de-DE"/>
               <a:t>Fünfte Ebene</a:t>
             </a:r>
-            <a:endParaRPr lang="de-DE"/>
           </a:p>
         </p:txBody>
       </p:sp>
@@ -2222,38 +5028,37 @@
           <a:p>
             <a:pPr lvl="0"/>
             <a:r>
-              <a:rPr lang="de-DE" smtClean="0"/>
+              <a:rPr lang="de-DE"/>
               <a:t>Textmasterformat bearbeiten</a:t>
             </a:r>
           </a:p>
           <a:p>
             <a:pPr lvl="1"/>
             <a:r>
-              <a:rPr lang="de-DE" smtClean="0"/>
+              <a:rPr lang="de-DE"/>
               <a:t>Zweite Ebene</a:t>
             </a:r>
           </a:p>
           <a:p>
             <a:pPr lvl="2"/>
             <a:r>
-              <a:rPr lang="de-DE" smtClean="0"/>
+              <a:rPr lang="de-DE"/>
               <a:t>Dritte Ebene</a:t>
             </a:r>
           </a:p>
           <a:p>
             <a:pPr lvl="3"/>
             <a:r>
-              <a:rPr lang="de-DE" smtClean="0"/>
+              <a:rPr lang="de-DE"/>
               <a:t>Vierte Ebene</a:t>
             </a:r>
           </a:p>
           <a:p>
             <a:pPr lvl="4"/>
             <a:r>
-              <a:rPr lang="de-DE" smtClean="0"/>
+              <a:rPr lang="de-DE"/>
               <a:t>Fünfte Ebene</a:t>
             </a:r>
-            <a:endParaRPr lang="de-DE"/>
           </a:p>
         </p:txBody>
       </p:sp>
@@ -2373,10 +5178,9 @@
           <a:lstStyle/>
           <a:p>
             <a:r>
-              <a:rPr lang="de-DE" smtClean="0"/>
+              <a:rPr lang="de-DE"/>
               <a:t>Titelmasterformat durch Klicken bearbeiten</a:t>
             </a:r>
-            <a:endParaRPr lang="de-DE"/>
           </a:p>
         </p:txBody>
       </p:sp>
@@ -2439,7 +5243,7 @@
           <a:p>
             <a:pPr lvl="0"/>
             <a:r>
-              <a:rPr lang="de-DE" smtClean="0"/>
+              <a:rPr lang="de-DE"/>
               <a:t>Textmasterformat bearbeiten</a:t>
             </a:r>
           </a:p>
@@ -2467,38 +5271,37 @@
           <a:p>
             <a:pPr lvl="0"/>
             <a:r>
-              <a:rPr lang="de-DE" smtClean="0"/>
+              <a:rPr lang="de-DE"/>
               <a:t>Textmasterformat bearbeiten</a:t>
             </a:r>
           </a:p>
           <a:p>
             <a:pPr lvl="1"/>
             <a:r>
-              <a:rPr lang="de-DE" smtClean="0"/>
+              <a:rPr lang="de-DE"/>
               <a:t>Zweite Ebene</a:t>
             </a:r>
           </a:p>
           <a:p>
             <a:pPr lvl="2"/>
             <a:r>
-              <a:rPr lang="de-DE" smtClean="0"/>
+              <a:rPr lang="de-DE"/>
               <a:t>Dritte Ebene</a:t>
             </a:r>
           </a:p>
           <a:p>
             <a:pPr lvl="3"/>
             <a:r>
-              <a:rPr lang="de-DE" smtClean="0"/>
+              <a:rPr lang="de-DE"/>
               <a:t>Vierte Ebene</a:t>
             </a:r>
           </a:p>
           <a:p>
             <a:pPr lvl="4"/>
             <a:r>
-              <a:rPr lang="de-DE" smtClean="0"/>
+              <a:rPr lang="de-DE"/>
               <a:t>Fünfte Ebene</a:t>
             </a:r>
-            <a:endParaRPr lang="de-DE"/>
           </a:p>
         </p:txBody>
       </p:sp>
@@ -2561,7 +5364,7 @@
           <a:p>
             <a:pPr lvl="0"/>
             <a:r>
-              <a:rPr lang="de-DE" smtClean="0"/>
+              <a:rPr lang="de-DE"/>
               <a:t>Textmasterformat bearbeiten</a:t>
             </a:r>
           </a:p>
@@ -2589,38 +5392,37 @@
           <a:p>
             <a:pPr lvl="0"/>
             <a:r>
-              <a:rPr lang="de-DE" smtClean="0"/>
+              <a:rPr lang="de-DE"/>
               <a:t>Textmasterformat bearbeiten</a:t>
             </a:r>
           </a:p>
           <a:p>
             <a:pPr lvl="1"/>
             <a:r>
-              <a:rPr lang="de-DE" smtClean="0"/>
+              <a:rPr lang="de-DE"/>
               <a:t>Zweite Ebene</a:t>
             </a:r>
           </a:p>
           <a:p>
             <a:pPr lvl="2"/>
             <a:r>
-              <a:rPr lang="de-DE" smtClean="0"/>
+              <a:rPr lang="de-DE"/>
               <a:t>Dritte Ebene</a:t>
             </a:r>
           </a:p>
           <a:p>
             <a:pPr lvl="3"/>
             <a:r>
-              <a:rPr lang="de-DE" smtClean="0"/>
+              <a:rPr lang="de-DE"/>
               <a:t>Vierte Ebene</a:t>
             </a:r>
           </a:p>
           <a:p>
             <a:pPr lvl="4"/>
             <a:r>
-              <a:rPr lang="de-DE" smtClean="0"/>
+              <a:rPr lang="de-DE"/>
               <a:t>Fünfte Ebene</a:t>
             </a:r>
-            <a:endParaRPr lang="de-DE"/>
           </a:p>
         </p:txBody>
       </p:sp>
@@ -2735,10 +5537,9 @@
           <a:lstStyle/>
           <a:p>
             <a:r>
-              <a:rPr lang="de-DE" smtClean="0"/>
+              <a:rPr lang="de-DE"/>
               <a:t>Titelmasterformat durch Klicken bearbeiten</a:t>
             </a:r>
-            <a:endParaRPr lang="de-DE"/>
           </a:p>
         </p:txBody>
       </p:sp>
@@ -2957,10 +5758,9 @@
           </a:lstStyle>
           <a:p>
             <a:r>
-              <a:rPr lang="de-DE" smtClean="0"/>
+              <a:rPr lang="de-DE"/>
               <a:t>Titelmasterformat durch Klicken bearbeiten</a:t>
             </a:r>
-            <a:endParaRPr lang="de-DE"/>
           </a:p>
         </p:txBody>
       </p:sp>
@@ -3014,38 +5814,37 @@
           <a:p>
             <a:pPr lvl="0"/>
             <a:r>
-              <a:rPr lang="de-DE" smtClean="0"/>
+              <a:rPr lang="de-DE"/>
               <a:t>Textmasterformat bearbeiten</a:t>
             </a:r>
           </a:p>
           <a:p>
             <a:pPr lvl="1"/>
             <a:r>
-              <a:rPr lang="de-DE" smtClean="0"/>
+              <a:rPr lang="de-DE"/>
               <a:t>Zweite Ebene</a:t>
             </a:r>
           </a:p>
           <a:p>
             <a:pPr lvl="2"/>
             <a:r>
-              <a:rPr lang="de-DE" smtClean="0"/>
+              <a:rPr lang="de-DE"/>
               <a:t>Dritte Ebene</a:t>
             </a:r>
           </a:p>
           <a:p>
             <a:pPr lvl="3"/>
             <a:r>
-              <a:rPr lang="de-DE" smtClean="0"/>
+              <a:rPr lang="de-DE"/>
               <a:t>Vierte Ebene</a:t>
             </a:r>
           </a:p>
           <a:p>
             <a:pPr lvl="4"/>
             <a:r>
-              <a:rPr lang="de-DE" smtClean="0"/>
+              <a:rPr lang="de-DE"/>
               <a:t>Fünfte Ebene</a:t>
             </a:r>
-            <a:endParaRPr lang="de-DE"/>
           </a:p>
         </p:txBody>
       </p:sp>
@@ -3108,7 +5907,7 @@
           <a:p>
             <a:pPr lvl="0"/>
             <a:r>
-              <a:rPr lang="de-DE" smtClean="0"/>
+              <a:rPr lang="de-DE"/>
               <a:t>Textmasterformat bearbeiten</a:t>
             </a:r>
           </a:p>
@@ -3234,10 +6033,9 @@
           </a:lstStyle>
           <a:p>
             <a:r>
-              <a:rPr lang="de-DE" smtClean="0"/>
+              <a:rPr lang="de-DE"/>
               <a:t>Titelmasterformat durch Klicken bearbeiten</a:t>
             </a:r>
-            <a:endParaRPr lang="de-DE"/>
           </a:p>
         </p:txBody>
       </p:sp>
@@ -3361,7 +6159,7 @@
           <a:p>
             <a:pPr lvl="0"/>
             <a:r>
-              <a:rPr lang="de-DE" smtClean="0"/>
+              <a:rPr lang="de-DE"/>
               <a:t>Textmasterformat bearbeiten</a:t>
             </a:r>
           </a:p>
@@ -3493,10 +6291,9 @@
           <a:lstStyle/>
           <a:p>
             <a:r>
-              <a:rPr lang="de-DE" smtClean="0"/>
+              <a:rPr lang="de-DE"/>
               <a:t>Titelmasterformat durch Klicken bearbeiten</a:t>
             </a:r>
-            <a:endParaRPr lang="de-DE"/>
           </a:p>
         </p:txBody>
       </p:sp>
@@ -3527,38 +6324,37 @@
           <a:p>
             <a:pPr lvl="0"/>
             <a:r>
-              <a:rPr lang="de-DE" smtClean="0"/>
+              <a:rPr lang="de-DE"/>
               <a:t>Textmasterformat bearbeiten</a:t>
             </a:r>
           </a:p>
           <a:p>
             <a:pPr lvl="1"/>
             <a:r>
-              <a:rPr lang="de-DE" smtClean="0"/>
+              <a:rPr lang="de-DE"/>
               <a:t>Zweite Ebene</a:t>
             </a:r>
           </a:p>
           <a:p>
             <a:pPr lvl="2"/>
             <a:r>
-              <a:rPr lang="de-DE" smtClean="0"/>
+              <a:rPr lang="de-DE"/>
               <a:t>Dritte Ebene</a:t>
             </a:r>
           </a:p>
           <a:p>
             <a:pPr lvl="3"/>
             <a:r>
-              <a:rPr lang="de-DE" smtClean="0"/>
+              <a:rPr lang="de-DE"/>
               <a:t>Vierte Ebene</a:t>
             </a:r>
           </a:p>
           <a:p>
             <a:pPr lvl="4"/>
             <a:r>
-              <a:rPr lang="de-DE" smtClean="0"/>
+              <a:rPr lang="de-DE"/>
               <a:t>Fünfte Ebene</a:t>
             </a:r>
-            <a:endParaRPr lang="de-DE"/>
           </a:p>
         </p:txBody>
       </p:sp>
@@ -4051,10 +6847,9 @@
           <a:lstStyle/>
           <a:p>
             <a:r>
-              <a:rPr lang="de-DE" dirty="0" smtClean="0"/>
+              <a:rPr lang="de-DE" dirty="0"/>
               <a:t>20/21 Cloud Computing Seminar</a:t>
             </a:r>
-            <a:endParaRPr lang="de-DE" dirty="0"/>
           </a:p>
         </p:txBody>
       </p:sp>
@@ -4081,7 +6876,7 @@
           <a:lstStyle/>
           <a:p>
             <a:r>
-              <a:rPr lang="de-DE" dirty="0" smtClean="0">
+              <a:rPr lang="de-DE" dirty="0">
                 <a:solidFill>
                   <a:schemeClr val="bg1">
                     <a:lumMod val="65000"/>
@@ -4090,13 +6885,6 @@
               </a:rPr>
               <a:t>Michael Zodel, Andrej Korinth, Francisco Seipel, Nils Krug</a:t>
             </a:r>
-            <a:endParaRPr lang="de-DE" dirty="0">
-              <a:solidFill>
-                <a:schemeClr val="bg1">
-                  <a:lumMod val="65000"/>
-                </a:schemeClr>
-              </a:solidFill>
-            </a:endParaRPr>
           </a:p>
         </p:txBody>
       </p:sp>
@@ -4110,13 +6898,330 @@
   <p:clrMapOvr>
     <a:masterClrMapping/>
   </p:clrMapOvr>
-  <p:timing>
-    <p:tnLst>
-      <p:par>
-        <p:cTn id="1" dur="indefinite" restart="never" nodeType="tmRoot"/>
-      </p:par>
-    </p:tnLst>
-  </p:timing>
+</p:sld>
+</file>
+
+<file path=ppt/slides/slide10.xml><?xml version="1.0" encoding="utf-8"?>
+<p:sld xmlns:a="http://schemas.openxmlformats.org/drawingml/2006/main" xmlns:r="http://schemas.openxmlformats.org/officeDocument/2006/relationships" xmlns:p="http://schemas.openxmlformats.org/presentationml/2006/main">
+  <p:cSld>
+    <p:spTree>
+      <p:nvGrpSpPr>
+        <p:cNvPr id="1" name=""/>
+        <p:cNvGrpSpPr/>
+        <p:nvPr/>
+      </p:nvGrpSpPr>
+      <p:grpSpPr>
+        <a:xfrm>
+          <a:off x="0" y="0"/>
+          <a:ext cx="0" cy="0"/>
+          <a:chOff x="0" y="0"/>
+          <a:chExt cx="0" cy="0"/>
+        </a:xfrm>
+      </p:grpSpPr>
+      <p:sp>
+        <p:nvSpPr>
+          <p:cNvPr id="2" name="Titel 1"/>
+          <p:cNvSpPr>
+            <a:spLocks noGrp="1"/>
+          </p:cNvSpPr>
+          <p:nvPr>
+            <p:ph type="title"/>
+          </p:nvPr>
+        </p:nvSpPr>
+        <p:spPr/>
+        <p:txBody>
+          <a:bodyPr/>
+          <a:lstStyle/>
+          <a:p>
+            <a:r>
+              <a:rPr lang="de-DE" dirty="0" err="1"/>
+              <a:t>Conclusion</a:t>
+            </a:r>
+            <a:endParaRPr lang="de-DE" dirty="0"/>
+          </a:p>
+        </p:txBody>
+      </p:sp>
+      <p:sp>
+        <p:nvSpPr>
+          <p:cNvPr id="3" name="Inhaltsplatzhalter 2"/>
+          <p:cNvSpPr>
+            <a:spLocks noGrp="1"/>
+          </p:cNvSpPr>
+          <p:nvPr>
+            <p:ph idx="1"/>
+          </p:nvPr>
+        </p:nvSpPr>
+        <p:spPr/>
+        <p:txBody>
+          <a:bodyPr>
+            <a:normAutofit/>
+          </a:bodyPr>
+          <a:lstStyle/>
+          <a:p>
+            <a:r>
+              <a:rPr lang="de-DE" dirty="0" err="1"/>
+              <a:t>Kubernetes</a:t>
+            </a:r>
+            <a:endParaRPr lang="de-DE" dirty="0"/>
+          </a:p>
+          <a:p>
+            <a:pPr lvl="1"/>
+            <a:r>
+              <a:rPr lang="de-DE" dirty="0"/>
+              <a:t>Powerful</a:t>
+            </a:r>
+          </a:p>
+          <a:p>
+            <a:pPr lvl="1"/>
+            <a:r>
+              <a:rPr lang="de-DE" dirty="0"/>
+              <a:t>Easy </a:t>
+            </a:r>
+            <a:r>
+              <a:rPr lang="de-DE" dirty="0" err="1"/>
+              <a:t>to</a:t>
+            </a:r>
+            <a:r>
+              <a:rPr lang="de-DE" dirty="0"/>
+              <a:t> </a:t>
+            </a:r>
+            <a:r>
+              <a:rPr lang="de-DE" dirty="0" err="1"/>
+              <a:t>setup</a:t>
+            </a:r>
+            <a:endParaRPr lang="de-DE" dirty="0"/>
+          </a:p>
+          <a:p>
+            <a:r>
+              <a:rPr lang="de-DE" dirty="0" err="1"/>
+              <a:t>Nextcloud</a:t>
+            </a:r>
+            <a:endParaRPr lang="de-DE" dirty="0"/>
+          </a:p>
+          <a:p>
+            <a:pPr lvl="1"/>
+            <a:r>
+              <a:rPr lang="de-DE" dirty="0" err="1"/>
+              <a:t>Usefull</a:t>
+            </a:r>
+            <a:r>
+              <a:rPr lang="de-DE" dirty="0"/>
+              <a:t> </a:t>
+            </a:r>
+            <a:r>
+              <a:rPr lang="de-DE" dirty="0" err="1"/>
+              <a:t>application</a:t>
+            </a:r>
+            <a:endParaRPr lang="de-DE" dirty="0"/>
+          </a:p>
+          <a:p>
+            <a:pPr lvl="1"/>
+            <a:r>
+              <a:rPr lang="de-DE" dirty="0"/>
+              <a:t>Many different </a:t>
+            </a:r>
+            <a:r>
+              <a:rPr lang="de-DE" dirty="0" err="1"/>
+              <a:t>features</a:t>
+            </a:r>
+            <a:endParaRPr lang="de-DE" dirty="0"/>
+          </a:p>
+          <a:p>
+            <a:pPr lvl="1"/>
+            <a:endParaRPr lang="de-DE" dirty="0"/>
+          </a:p>
+          <a:p>
+            <a:r>
+              <a:rPr lang="de-DE" dirty="0"/>
+              <a:t>Expansion </a:t>
+            </a:r>
+            <a:r>
+              <a:rPr lang="de-DE" dirty="0" err="1"/>
+              <a:t>of</a:t>
+            </a:r>
+            <a:r>
+              <a:rPr lang="de-DE" dirty="0"/>
+              <a:t> </a:t>
+            </a:r>
+            <a:r>
+              <a:rPr lang="de-DE" dirty="0" err="1"/>
+              <a:t>pods</a:t>
+            </a:r>
+            <a:endParaRPr lang="de-DE" dirty="0"/>
+          </a:p>
+          <a:p>
+            <a:r>
+              <a:rPr lang="de-DE" dirty="0" err="1"/>
+              <a:t>Adding</a:t>
+            </a:r>
+            <a:r>
+              <a:rPr lang="de-DE" dirty="0"/>
+              <a:t> </a:t>
+            </a:r>
+            <a:r>
+              <a:rPr lang="de-DE" dirty="0" err="1"/>
+              <a:t>of</a:t>
+            </a:r>
+            <a:r>
+              <a:rPr lang="de-DE" dirty="0"/>
+              <a:t> </a:t>
+            </a:r>
+            <a:r>
+              <a:rPr lang="de-DE" dirty="0" err="1"/>
+              <a:t>features</a:t>
+            </a:r>
+            <a:endParaRPr lang="de-DE" dirty="0"/>
+          </a:p>
+        </p:txBody>
+      </p:sp>
+      <p:sp>
+        <p:nvSpPr>
+          <p:cNvPr id="4" name="Foliennummernplatzhalter 3"/>
+          <p:cNvSpPr>
+            <a:spLocks noGrp="1"/>
+          </p:cNvSpPr>
+          <p:nvPr>
+            <p:ph type="sldNum" sz="quarter" idx="12"/>
+          </p:nvPr>
+        </p:nvSpPr>
+        <p:spPr/>
+        <p:txBody>
+          <a:bodyPr/>
+          <a:lstStyle/>
+          <a:p>
+            <a:fld id="{371A7658-0F70-421B-9B10-FA4A9AE028A8}" type="slidenum">
+              <a:rPr lang="de-DE" smtClean="0"/>
+              <a:t>10</a:t>
+            </a:fld>
+            <a:endParaRPr lang="de-DE"/>
+          </a:p>
+        </p:txBody>
+      </p:sp>
+    </p:spTree>
+    <p:extLst>
+      <p:ext uri="{BB962C8B-B14F-4D97-AF65-F5344CB8AC3E}">
+        <p14:creationId xmlns:p14="http://schemas.microsoft.com/office/powerpoint/2010/main" val="998361747"/>
+      </p:ext>
+    </p:extLst>
+  </p:cSld>
+  <p:clrMapOvr>
+    <a:masterClrMapping/>
+  </p:clrMapOvr>
+</p:sld>
+</file>
+
+<file path=ppt/slides/slide11.xml><?xml version="1.0" encoding="utf-8"?>
+<p:sld xmlns:a="http://schemas.openxmlformats.org/drawingml/2006/main" xmlns:r="http://schemas.openxmlformats.org/officeDocument/2006/relationships" xmlns:p="http://schemas.openxmlformats.org/presentationml/2006/main">
+  <p:cSld>
+    <p:spTree>
+      <p:nvGrpSpPr>
+        <p:cNvPr id="1" name=""/>
+        <p:cNvGrpSpPr/>
+        <p:nvPr/>
+      </p:nvGrpSpPr>
+      <p:grpSpPr>
+        <a:xfrm>
+          <a:off x="0" y="0"/>
+          <a:ext cx="0" cy="0"/>
+          <a:chOff x="0" y="0"/>
+          <a:chExt cx="0" cy="0"/>
+        </a:xfrm>
+      </p:grpSpPr>
+      <p:sp>
+        <p:nvSpPr>
+          <p:cNvPr id="2" name="Titel 1"/>
+          <p:cNvSpPr>
+            <a:spLocks noGrp="1"/>
+          </p:cNvSpPr>
+          <p:nvPr>
+            <p:ph type="title"/>
+          </p:nvPr>
+        </p:nvSpPr>
+        <p:spPr/>
+        <p:txBody>
+          <a:bodyPr/>
+          <a:lstStyle/>
+          <a:p>
+            <a:endParaRPr lang="de-DE"/>
+          </a:p>
+        </p:txBody>
+      </p:sp>
+      <p:sp>
+        <p:nvSpPr>
+          <p:cNvPr id="3" name="Inhaltsplatzhalter 2"/>
+          <p:cNvSpPr>
+            <a:spLocks noGrp="1"/>
+          </p:cNvSpPr>
+          <p:nvPr>
+            <p:ph idx="1"/>
+          </p:nvPr>
+        </p:nvSpPr>
+        <p:spPr>
+          <a:xfrm>
+            <a:off x="3830782" y="1731818"/>
+            <a:ext cx="5860473" cy="2817236"/>
+          </a:xfrm>
+        </p:spPr>
+        <p:txBody>
+          <a:bodyPr/>
+          <a:lstStyle/>
+          <a:p>
+            <a:endParaRPr lang="de-DE"/>
+          </a:p>
+          <a:p>
+            <a:pPr marL="0" indent="0">
+              <a:buNone/>
+            </a:pPr>
+            <a:endParaRPr lang="de-DE"/>
+          </a:p>
+          <a:p>
+            <a:pPr marL="0" indent="0">
+              <a:buNone/>
+            </a:pPr>
+            <a:endParaRPr lang="de-DE"/>
+          </a:p>
+          <a:p>
+            <a:pPr marL="0" indent="0">
+              <a:buNone/>
+            </a:pPr>
+            <a:endParaRPr lang="de-DE"/>
+          </a:p>
+          <a:p>
+            <a:pPr marL="0" indent="0">
+              <a:buNone/>
+            </a:pPr>
+            <a:r>
+              <a:rPr lang="de-DE"/>
+              <a:t>Thank you for your attention </a:t>
+            </a:r>
+            <a:r>
+              <a:rPr lang="de-DE" sz="4400">
+                <a:latin typeface="Wingdings" panose="05000000000000000000" pitchFamily="2" charset="2"/>
+              </a:rPr>
+              <a:t>J</a:t>
+            </a:r>
+            <a:endParaRPr lang="de-DE">
+              <a:latin typeface="Wingdings" panose="05000000000000000000" pitchFamily="2" charset="2"/>
+            </a:endParaRPr>
+          </a:p>
+          <a:p>
+            <a:pPr marL="0" indent="0">
+              <a:buNone/>
+            </a:pPr>
+            <a:endParaRPr lang="de-DE"/>
+          </a:p>
+        </p:txBody>
+      </p:sp>
+    </p:spTree>
+    <p:extLst>
+      <p:ext uri="{BB962C8B-B14F-4D97-AF65-F5344CB8AC3E}">
+        <p14:creationId xmlns:p14="http://schemas.microsoft.com/office/powerpoint/2010/main" val="976668714"/>
+      </p:ext>
+    </p:extLst>
+  </p:cSld>
+  <p:clrMapOvr>
+    <a:masterClrMapping/>
+  </p:clrMapOvr>
 </p:sld>
 </file>
 
@@ -4153,10 +7258,9 @@
           <a:lstStyle/>
           <a:p>
             <a:r>
-              <a:rPr lang="de-DE" smtClean="0"/>
+              <a:rPr lang="de-DE"/>
               <a:t>Agenda</a:t>
             </a:r>
-            <a:endParaRPr lang="de-DE"/>
           </a:p>
         </p:txBody>
       </p:sp>
@@ -4178,37 +7282,37 @@
           <a:lstStyle/>
           <a:p>
             <a:r>
-              <a:rPr lang="en-US" dirty="0" smtClean="0"/>
+              <a:rPr lang="en-US" dirty="0"/>
               <a:t>Nextcloud</a:t>
             </a:r>
           </a:p>
           <a:p>
             <a:r>
-              <a:rPr lang="en-US" dirty="0" smtClean="0"/>
+              <a:rPr lang="en-US" dirty="0"/>
               <a:t>Kubernetes</a:t>
             </a:r>
           </a:p>
           <a:p>
             <a:r>
-              <a:rPr lang="en-US" dirty="0" smtClean="0"/>
+              <a:rPr lang="en-US" dirty="0"/>
               <a:t>Yaml files</a:t>
             </a:r>
           </a:p>
           <a:p>
             <a:r>
-              <a:rPr lang="en-US" dirty="0" smtClean="0"/>
+              <a:rPr lang="en-US" dirty="0"/>
               <a:t>Architecture</a:t>
             </a:r>
           </a:p>
           <a:p>
             <a:r>
-              <a:rPr lang="en-US" dirty="0" smtClean="0"/>
+              <a:rPr lang="en-US" dirty="0"/>
               <a:t>Live demo</a:t>
             </a:r>
           </a:p>
           <a:p>
             <a:r>
-              <a:rPr lang="en-US" dirty="0" smtClean="0"/>
+              <a:rPr lang="en-US" dirty="0"/>
               <a:t>Conclusion</a:t>
             </a:r>
           </a:p>
@@ -4264,7 +7368,7 @@
               <a:buChar char="•"/>
             </a:pPr>
             <a:r>
-              <a:rPr lang="de-DE" dirty="0" smtClean="0"/>
+              <a:rPr lang="de-DE" dirty="0"/>
               <a:t>Einleitung: Nils 1-2</a:t>
             </a:r>
           </a:p>
@@ -4274,7 +7378,7 @@
               <a:buChar char="•"/>
             </a:pPr>
             <a:r>
-              <a:rPr lang="de-DE" dirty="0" smtClean="0"/>
+              <a:rPr lang="de-DE" dirty="0"/>
               <a:t>Nextcloud Andrej	</a:t>
             </a:r>
           </a:p>
@@ -4284,7 +7388,7 @@
               <a:buChar char="•"/>
             </a:pPr>
             <a:r>
-              <a:rPr lang="de-DE" dirty="0" smtClean="0"/>
+              <a:rPr lang="de-DE" dirty="0"/>
               <a:t>Kubernetes Andrej 4-5min</a:t>
             </a:r>
           </a:p>
@@ -4294,7 +7398,7 @@
               <a:buChar char="•"/>
             </a:pPr>
             <a:r>
-              <a:rPr lang="de-DE" dirty="0" smtClean="0"/>
+              <a:rPr lang="de-DE" dirty="0"/>
               <a:t>Yaml Michael</a:t>
             </a:r>
           </a:p>
@@ -4304,11 +7408,11 @@
               <a:buChar char="•"/>
             </a:pPr>
             <a:r>
-              <a:rPr lang="de-DE" dirty="0" err="1" smtClean="0"/>
+              <a:rPr lang="de-DE" dirty="0" err="1"/>
               <a:t>Architecture</a:t>
             </a:r>
             <a:r>
-              <a:rPr lang="de-DE" dirty="0" smtClean="0"/>
+              <a:rPr lang="de-DE" dirty="0"/>
               <a:t> Michael 5min</a:t>
             </a:r>
           </a:p>
@@ -4318,10 +7422,10 @@
               <a:buChar char="•"/>
             </a:pPr>
             <a:r>
-              <a:rPr lang="de-DE" dirty="0" err="1" smtClean="0"/>
+              <a:rPr lang="de-DE" dirty="0" err="1"/>
               <a:t>Livedemo</a:t>
             </a:r>
-            <a:endParaRPr lang="de-DE" dirty="0" smtClean="0"/>
+            <a:endParaRPr lang="de-DE" dirty="0"/>
           </a:p>
           <a:p>
             <a:pPr marL="742950" lvl="1" indent="-285750">
@@ -4329,7 +7433,7 @@
               <a:buChar char="•"/>
             </a:pPr>
             <a:r>
-              <a:rPr lang="de-DE" dirty="0" smtClean="0"/>
+              <a:rPr lang="de-DE" dirty="0"/>
               <a:t>4 Nodes, einer wird abgeschaltet: Francisco 5min</a:t>
             </a:r>
           </a:p>
@@ -4339,15 +7443,15 @@
               <a:buChar char="•"/>
             </a:pPr>
             <a:r>
-              <a:rPr lang="de-DE" dirty="0" smtClean="0"/>
+              <a:rPr lang="de-DE" dirty="0"/>
               <a:t>2 Nodes, Text/</a:t>
             </a:r>
             <a:r>
-              <a:rPr lang="de-DE" dirty="0" err="1" smtClean="0"/>
+              <a:rPr lang="de-DE" dirty="0" err="1"/>
               <a:t>Voicechat</a:t>
             </a:r>
             <a:r>
-              <a:rPr lang="de-DE" dirty="0" smtClean="0"/>
+              <a:rPr lang="de-DE" dirty="0"/>
               <a:t>: Nils  5min</a:t>
             </a:r>
           </a:p>
@@ -4357,7 +7461,7 @@
               <a:buChar char="•"/>
             </a:pPr>
             <a:r>
-              <a:rPr lang="de-DE" dirty="0" smtClean="0"/>
+              <a:rPr lang="de-DE" dirty="0"/>
               <a:t>Optional: Nextcloud/Cluster aufsetzen Michael</a:t>
             </a:r>
           </a:p>
@@ -4367,11 +7471,11 @@
               <a:buChar char="•"/>
             </a:pPr>
             <a:r>
-              <a:rPr lang="de-DE" dirty="0" err="1" smtClean="0"/>
+              <a:rPr lang="de-DE" dirty="0" err="1"/>
               <a:t>Conclusion</a:t>
             </a:r>
             <a:r>
-              <a:rPr lang="de-DE" dirty="0" smtClean="0"/>
+              <a:rPr lang="de-DE" dirty="0"/>
               <a:t>: Andrej</a:t>
             </a:r>
           </a:p>
@@ -4387,13 +7491,6 @@
   <p:clrMapOvr>
     <a:masterClrMapping/>
   </p:clrMapOvr>
-  <p:timing>
-    <p:tnLst>
-      <p:par>
-        <p:cTn id="1" dur="indefinite" restart="never" nodeType="tmRoot"/>
-      </p:par>
-    </p:tnLst>
-  </p:timing>
 </p:sld>
 </file>
 
@@ -4416,29 +7513,6 @@
       </p:grpSpPr>
       <p:sp>
         <p:nvSpPr>
-          <p:cNvPr id="2" name="Titel 1"/>
-          <p:cNvSpPr>
-            <a:spLocks noGrp="1"/>
-          </p:cNvSpPr>
-          <p:nvPr>
-            <p:ph type="title"/>
-          </p:nvPr>
-        </p:nvSpPr>
-        <p:spPr/>
-        <p:txBody>
-          <a:bodyPr/>
-          <a:lstStyle/>
-          <a:p>
-            <a:r>
-              <a:rPr lang="de-DE" dirty="0" smtClean="0"/>
-              <a:t>Nextcloud</a:t>
-            </a:r>
-            <a:endParaRPr lang="de-DE" dirty="0"/>
-          </a:p>
-        </p:txBody>
-      </p:sp>
-      <p:sp>
-        <p:nvSpPr>
           <p:cNvPr id="3" name="Inhaltsplatzhalter 2"/>
           <p:cNvSpPr>
             <a:spLocks noGrp="1"/>
@@ -4455,10 +7529,76 @@
           <a:lstStyle/>
           <a:p>
             <a:r>
-              <a:rPr lang="de-DE" dirty="0" smtClean="0"/>
-              <a:t>-</a:t>
-            </a:r>
-            <a:endParaRPr lang="de-DE" dirty="0" smtClean="0"/>
+              <a:rPr lang="de-DE" dirty="0"/>
+              <a:t>Cloud </a:t>
+            </a:r>
+            <a:r>
+              <a:rPr lang="de-DE" dirty="0" err="1"/>
+              <a:t>solution</a:t>
+            </a:r>
+            <a:endParaRPr lang="de-DE" dirty="0"/>
+          </a:p>
+          <a:p>
+            <a:r>
+              <a:rPr lang="de-DE" dirty="0"/>
+              <a:t>Open source</a:t>
+            </a:r>
+          </a:p>
+          <a:p>
+            <a:r>
+              <a:rPr lang="de-DE" dirty="0" err="1"/>
+              <a:t>Founded</a:t>
+            </a:r>
+            <a:r>
+              <a:rPr lang="de-DE" dirty="0"/>
+              <a:t> 2016</a:t>
+            </a:r>
+          </a:p>
+          <a:p>
+            <a:r>
+              <a:rPr lang="de-DE" dirty="0"/>
+              <a:t>Main </a:t>
+            </a:r>
+            <a:r>
+              <a:rPr lang="de-DE" dirty="0" err="1"/>
+              <a:t>functionality</a:t>
+            </a:r>
+            <a:r>
+              <a:rPr lang="de-DE" dirty="0"/>
+              <a:t> </a:t>
+            </a:r>
+            <a:r>
+              <a:rPr lang="de-DE" dirty="0" err="1"/>
+              <a:t>sharing</a:t>
+            </a:r>
+            <a:r>
+              <a:rPr lang="de-DE" dirty="0"/>
+              <a:t> </a:t>
+            </a:r>
+            <a:r>
+              <a:rPr lang="de-DE" dirty="0" err="1"/>
+              <a:t>files</a:t>
+            </a:r>
+            <a:endParaRPr lang="de-DE" dirty="0"/>
+          </a:p>
+          <a:p>
+            <a:r>
+              <a:rPr lang="de-DE" dirty="0"/>
+              <a:t>Other </a:t>
+            </a:r>
+            <a:r>
+              <a:rPr lang="de-DE" dirty="0" err="1"/>
+              <a:t>functionality</a:t>
+            </a:r>
+            <a:r>
+              <a:rPr lang="de-DE" dirty="0"/>
+              <a:t> </a:t>
+            </a:r>
+            <a:r>
+              <a:rPr lang="de-DE" dirty="0" err="1"/>
+              <a:t>added</a:t>
+            </a:r>
+            <a:endParaRPr lang="de-DE" dirty="0"/>
           </a:p>
         </p:txBody>
       </p:sp>
@@ -4485,6 +7625,67 @@
           </a:p>
         </p:txBody>
       </p:sp>
+      <p:sp>
+        <p:nvSpPr>
+          <p:cNvPr id="6" name="Titel 5">
+            <a:extLst>
+              <a:ext uri="{FF2B5EF4-FFF2-40B4-BE49-F238E27FC236}">
+                <a16:creationId xmlns:a16="http://schemas.microsoft.com/office/drawing/2014/main" id="{5A007AC0-4974-439A-9262-409267C15A2E}"/>
+              </a:ext>
+            </a:extLst>
+          </p:cNvPr>
+          <p:cNvSpPr>
+            <a:spLocks noGrp="1"/>
+          </p:cNvSpPr>
+          <p:nvPr>
+            <p:ph type="title"/>
+          </p:nvPr>
+        </p:nvSpPr>
+        <p:spPr/>
+        <p:txBody>
+          <a:bodyPr/>
+          <a:lstStyle/>
+          <a:p>
+            <a:endParaRPr lang="en-GB"/>
+          </a:p>
+        </p:txBody>
+      </p:sp>
+      <p:pic>
+        <p:nvPicPr>
+          <p:cNvPr id="10" name="Grafik 9">
+            <a:extLst>
+              <a:ext uri="{FF2B5EF4-FFF2-40B4-BE49-F238E27FC236}">
+                <a16:creationId xmlns:a16="http://schemas.microsoft.com/office/drawing/2014/main" id="{DEE75B64-3D42-4166-B864-477DE835DF70}"/>
+              </a:ext>
+            </a:extLst>
+          </p:cNvPr>
+          <p:cNvPicPr>
+            <a:picLocks noChangeAspect="1"/>
+          </p:cNvPicPr>
+          <p:nvPr/>
+        </p:nvPicPr>
+        <p:blipFill>
+          <a:blip r:embed="rId3" cstate="print">
+            <a:extLst>
+              <a:ext uri="{28A0092B-C50C-407E-A947-70E740481C1C}">
+                <a14:useLocalDpi xmlns:a14="http://schemas.microsoft.com/office/drawing/2010/main" val="0"/>
+              </a:ext>
+            </a:extLst>
+          </a:blip>
+          <a:stretch>
+            <a:fillRect/>
+          </a:stretch>
+        </p:blipFill>
+        <p:spPr>
+          <a:xfrm>
+            <a:off x="408708" y="97157"/>
+            <a:ext cx="2320843" cy="1645865"/>
+          </a:xfrm>
+          <a:prstGeom prst="rect">
+            <a:avLst/>
+          </a:prstGeom>
+        </p:spPr>
+      </p:pic>
     </p:spTree>
     <p:extLst>
       <p:ext uri="{BB962C8B-B14F-4D97-AF65-F5344CB8AC3E}">
@@ -4495,13 +7696,6 @@
   <p:clrMapOvr>
     <a:masterClrMapping/>
   </p:clrMapOvr>
-  <p:timing>
-    <p:tnLst>
-      <p:par>
-        <p:cTn id="1" dur="indefinite" restart="never" nodeType="tmRoot"/>
-      </p:par>
-    </p:tnLst>
-  </p:timing>
 </p:sld>
 </file>
 
@@ -4524,54 +7718,6 @@
       </p:grpSpPr>
       <p:sp>
         <p:nvSpPr>
-          <p:cNvPr id="2" name="Titel 1"/>
-          <p:cNvSpPr>
-            <a:spLocks noGrp="1"/>
-          </p:cNvSpPr>
-          <p:nvPr>
-            <p:ph type="title"/>
-          </p:nvPr>
-        </p:nvSpPr>
-        <p:spPr/>
-        <p:txBody>
-          <a:bodyPr/>
-          <a:lstStyle/>
-          <a:p>
-            <a:r>
-              <a:rPr lang="de-DE" dirty="0" smtClean="0"/>
-              <a:t>Kubernetes</a:t>
-            </a:r>
-            <a:endParaRPr lang="de-DE" dirty="0"/>
-          </a:p>
-        </p:txBody>
-      </p:sp>
-      <p:sp>
-        <p:nvSpPr>
-          <p:cNvPr id="3" name="Inhaltsplatzhalter 2"/>
-          <p:cNvSpPr>
-            <a:spLocks noGrp="1"/>
-          </p:cNvSpPr>
-          <p:nvPr>
-            <p:ph idx="1"/>
-          </p:nvPr>
-        </p:nvSpPr>
-        <p:spPr/>
-        <p:txBody>
-          <a:bodyPr>
-            <a:normAutofit/>
-          </a:bodyPr>
-          <a:lstStyle/>
-          <a:p>
-            <a:r>
-              <a:rPr lang="de-DE" dirty="0" smtClean="0"/>
-              <a:t>-</a:t>
-            </a:r>
-            <a:endParaRPr lang="de-DE" dirty="0" smtClean="0"/>
-          </a:p>
-        </p:txBody>
-      </p:sp>
-      <p:sp>
-        <p:nvSpPr>
           <p:cNvPr id="4" name="Foliennummernplatzhalter 3"/>
           <p:cNvSpPr>
             <a:spLocks noGrp="1"/>
@@ -4593,23 +7739,111 @@
           </a:p>
         </p:txBody>
       </p:sp>
+      <p:sp>
+        <p:nvSpPr>
+          <p:cNvPr id="6" name="Titel 5">
+            <a:extLst>
+              <a:ext uri="{FF2B5EF4-FFF2-40B4-BE49-F238E27FC236}">
+                <a16:creationId xmlns:a16="http://schemas.microsoft.com/office/drawing/2014/main" id="{5A007AC0-4974-439A-9262-409267C15A2E}"/>
+              </a:ext>
+            </a:extLst>
+          </p:cNvPr>
+          <p:cNvSpPr>
+            <a:spLocks noGrp="1"/>
+          </p:cNvSpPr>
+          <p:nvPr>
+            <p:ph type="title"/>
+          </p:nvPr>
+        </p:nvSpPr>
+        <p:spPr/>
+        <p:txBody>
+          <a:bodyPr/>
+          <a:lstStyle/>
+          <a:p>
+            <a:endParaRPr lang="en-GB"/>
+          </a:p>
+        </p:txBody>
+      </p:sp>
+      <p:pic>
+        <p:nvPicPr>
+          <p:cNvPr id="10" name="Grafik 9">
+            <a:extLst>
+              <a:ext uri="{FF2B5EF4-FFF2-40B4-BE49-F238E27FC236}">
+                <a16:creationId xmlns:a16="http://schemas.microsoft.com/office/drawing/2014/main" id="{DEE75B64-3D42-4166-B864-477DE835DF70}"/>
+              </a:ext>
+            </a:extLst>
+          </p:cNvPr>
+          <p:cNvPicPr>
+            <a:picLocks noChangeAspect="1"/>
+          </p:cNvPicPr>
+          <p:nvPr/>
+        </p:nvPicPr>
+        <p:blipFill>
+          <a:blip r:embed="rId3" cstate="print">
+            <a:extLst>
+              <a:ext uri="{28A0092B-C50C-407E-A947-70E740481C1C}">
+                <a14:useLocalDpi xmlns:a14="http://schemas.microsoft.com/office/drawing/2010/main" val="0"/>
+              </a:ext>
+            </a:extLst>
+          </a:blip>
+          <a:stretch>
+            <a:fillRect/>
+          </a:stretch>
+        </p:blipFill>
+        <p:spPr>
+          <a:xfrm>
+            <a:off x="408708" y="97157"/>
+            <a:ext cx="2320843" cy="1645865"/>
+          </a:xfrm>
+          <a:prstGeom prst="rect">
+            <a:avLst/>
+          </a:prstGeom>
+        </p:spPr>
+      </p:pic>
+      <p:pic>
+        <p:nvPicPr>
+          <p:cNvPr id="11" name="Grafik 10">
+            <a:extLst>
+              <a:ext uri="{FF2B5EF4-FFF2-40B4-BE49-F238E27FC236}">
+                <a16:creationId xmlns:a16="http://schemas.microsoft.com/office/drawing/2014/main" id="{F98EF2B0-6396-4832-A603-CCEE22E0091F}"/>
+              </a:ext>
+            </a:extLst>
+          </p:cNvPr>
+          <p:cNvPicPr/>
+          <p:nvPr/>
+        </p:nvPicPr>
+        <p:blipFill>
+          <a:blip r:embed="rId4" cstate="print">
+            <a:extLst>
+              <a:ext uri="{28A0092B-C50C-407E-A947-70E740481C1C}">
+                <a14:useLocalDpi xmlns:a14="http://schemas.microsoft.com/office/drawing/2010/main" val="0"/>
+              </a:ext>
+            </a:extLst>
+          </a:blip>
+          <a:stretch>
+            <a:fillRect/>
+          </a:stretch>
+        </p:blipFill>
+        <p:spPr>
+          <a:xfrm>
+            <a:off x="1869865" y="1732278"/>
+            <a:ext cx="8452269" cy="5028565"/>
+          </a:xfrm>
+          <a:prstGeom prst="rect">
+            <a:avLst/>
+          </a:prstGeom>
+        </p:spPr>
+      </p:pic>
     </p:spTree>
     <p:extLst>
       <p:ext uri="{BB962C8B-B14F-4D97-AF65-F5344CB8AC3E}">
-        <p14:creationId xmlns:p14="http://schemas.microsoft.com/office/powerpoint/2010/main" val="3984824354"/>
+        <p14:creationId xmlns:p14="http://schemas.microsoft.com/office/powerpoint/2010/main" val="1657453523"/>
       </p:ext>
     </p:extLst>
   </p:cSld>
   <p:clrMapOvr>
     <a:masterClrMapping/>
   </p:clrMapOvr>
-  <p:timing>
-    <p:tnLst>
-      <p:par>
-        <p:cTn id="1" dur="indefinite" restart="never" nodeType="tmRoot"/>
-      </p:par>
-    </p:tnLst>
-  </p:timing>
 </p:sld>
 </file>
 
@@ -4632,33 +7866,6 @@
       </p:grpSpPr>
       <p:sp>
         <p:nvSpPr>
-          <p:cNvPr id="2" name="Titel 1"/>
-          <p:cNvSpPr>
-            <a:spLocks noGrp="1"/>
-          </p:cNvSpPr>
-          <p:nvPr>
-            <p:ph type="title"/>
-          </p:nvPr>
-        </p:nvSpPr>
-        <p:spPr/>
-        <p:txBody>
-          <a:bodyPr/>
-          <a:lstStyle/>
-          <a:p>
-            <a:r>
-              <a:rPr lang="de-DE" dirty="0" smtClean="0"/>
-              <a:t>Yaml </a:t>
-            </a:r>
-            <a:r>
-              <a:rPr lang="de-DE" dirty="0" err="1" smtClean="0"/>
-              <a:t>files</a:t>
-            </a:r>
-            <a:endParaRPr lang="de-DE" dirty="0"/>
-          </a:p>
-        </p:txBody>
-      </p:sp>
-      <p:sp>
-        <p:nvSpPr>
           <p:cNvPr id="3" name="Inhaltsplatzhalter 2"/>
           <p:cNvSpPr>
             <a:spLocks noGrp="1"/>
@@ -4675,10 +7882,64 @@
           <a:lstStyle/>
           <a:p>
             <a:r>
-              <a:rPr lang="de-DE" dirty="0" smtClean="0"/>
-              <a:t>-</a:t>
-            </a:r>
-            <a:endParaRPr lang="de-DE" dirty="0" smtClean="0"/>
+              <a:rPr lang="de-DE" dirty="0"/>
+              <a:t>Open source </a:t>
+            </a:r>
+            <a:r>
+              <a:rPr lang="de-DE" dirty="0" err="1"/>
+              <a:t>platform</a:t>
+            </a:r>
+            <a:endParaRPr lang="de-DE" dirty="0"/>
+          </a:p>
+          <a:p>
+            <a:r>
+              <a:rPr lang="de-DE" dirty="0" err="1"/>
+              <a:t>Founded</a:t>
+            </a:r>
+            <a:r>
+              <a:rPr lang="de-DE" dirty="0"/>
+              <a:t> 2014</a:t>
+            </a:r>
+          </a:p>
+          <a:p>
+            <a:r>
+              <a:rPr lang="de-DE" dirty="0"/>
+              <a:t>First </a:t>
+            </a:r>
+            <a:r>
+              <a:rPr lang="de-DE" dirty="0" err="1"/>
+              <a:t>version</a:t>
+            </a:r>
+            <a:r>
+              <a:rPr lang="de-DE" dirty="0"/>
+              <a:t> </a:t>
+            </a:r>
+            <a:r>
+              <a:rPr lang="de-DE" dirty="0" err="1"/>
+              <a:t>published</a:t>
+            </a:r>
+            <a:r>
+              <a:rPr lang="de-DE" dirty="0"/>
+              <a:t> 2015</a:t>
+            </a:r>
+          </a:p>
+          <a:p>
+            <a:r>
+              <a:rPr lang="de-DE" dirty="0" err="1"/>
+              <a:t>Aspects</a:t>
+            </a:r>
+            <a:r>
+              <a:rPr lang="de-DE" dirty="0"/>
+              <a:t> </a:t>
+            </a:r>
+            <a:r>
+              <a:rPr lang="de-DE" dirty="0" err="1"/>
+              <a:t>of</a:t>
+            </a:r>
+            <a:r>
+              <a:rPr lang="de-DE" dirty="0"/>
+              <a:t> IaaS and PaaS</a:t>
+            </a:r>
           </a:p>
         </p:txBody>
       </p:sp>
@@ -4705,23 +7966,52 @@
           </a:p>
         </p:txBody>
       </p:sp>
+      <p:pic>
+        <p:nvPicPr>
+          <p:cNvPr id="5" name="Inhaltsplatzhalter 5">
+            <a:extLst>
+              <a:ext uri="{FF2B5EF4-FFF2-40B4-BE49-F238E27FC236}">
+                <a16:creationId xmlns:a16="http://schemas.microsoft.com/office/drawing/2014/main" id="{6839BEF3-E9EB-4513-929E-2BFE84C02FB7}"/>
+              </a:ext>
+            </a:extLst>
+          </p:cNvPr>
+          <p:cNvPicPr>
+            <a:picLocks noChangeAspect="1"/>
+          </p:cNvPicPr>
+          <p:nvPr/>
+        </p:nvPicPr>
+        <p:blipFill>
+          <a:blip r:embed="rId3" cstate="print">
+            <a:extLst>
+              <a:ext uri="{28A0092B-C50C-407E-A947-70E740481C1C}">
+                <a14:useLocalDpi xmlns:a14="http://schemas.microsoft.com/office/drawing/2010/main" val="0"/>
+              </a:ext>
+            </a:extLst>
+          </a:blip>
+          <a:stretch>
+            <a:fillRect/>
+          </a:stretch>
+        </p:blipFill>
+        <p:spPr>
+          <a:xfrm>
+            <a:off x="408709" y="251936"/>
+            <a:ext cx="6137392" cy="1325562"/>
+          </a:xfrm>
+          <a:prstGeom prst="rect">
+            <a:avLst/>
+          </a:prstGeom>
+        </p:spPr>
+      </p:pic>
     </p:spTree>
     <p:extLst>
       <p:ext uri="{BB962C8B-B14F-4D97-AF65-F5344CB8AC3E}">
-        <p14:creationId xmlns:p14="http://schemas.microsoft.com/office/powerpoint/2010/main" val="2007509234"/>
+        <p14:creationId xmlns:p14="http://schemas.microsoft.com/office/powerpoint/2010/main" val="3984824354"/>
       </p:ext>
     </p:extLst>
   </p:cSld>
   <p:clrMapOvr>
     <a:masterClrMapping/>
   </p:clrMapOvr>
-  <p:timing>
-    <p:tnLst>
-      <p:par>
-        <p:cTn id="1" dur="indefinite" restart="never" nodeType="tmRoot"/>
-      </p:par>
-    </p:tnLst>
-  </p:timing>
 </p:sld>
 </file>
 
@@ -4742,54 +8032,44 @@
           <a:chExt cx="0" cy="0"/>
         </a:xfrm>
       </p:grpSpPr>
-      <p:sp>
-        <p:nvSpPr>
-          <p:cNvPr id="2" name="Titel 1"/>
-          <p:cNvSpPr>
-            <a:spLocks noGrp="1"/>
-          </p:cNvSpPr>
-          <p:nvPr>
-            <p:ph type="title"/>
-          </p:nvPr>
-        </p:nvSpPr>
-        <p:spPr/>
-        <p:txBody>
-          <a:bodyPr/>
-          <a:lstStyle/>
-          <a:p>
-            <a:r>
-              <a:rPr lang="de-DE" dirty="0" err="1" smtClean="0"/>
-              <a:t>Architecture</a:t>
-            </a:r>
-            <a:endParaRPr lang="de-DE" dirty="0"/>
-          </a:p>
-        </p:txBody>
-      </p:sp>
-      <p:sp>
-        <p:nvSpPr>
-          <p:cNvPr id="3" name="Inhaltsplatzhalter 2"/>
-          <p:cNvSpPr>
-            <a:spLocks noGrp="1"/>
-          </p:cNvSpPr>
+      <p:pic>
+        <p:nvPicPr>
+          <p:cNvPr id="6" name="Inhaltsplatzhalter 5">
+            <a:extLst>
+              <a:ext uri="{FF2B5EF4-FFF2-40B4-BE49-F238E27FC236}">
+                <a16:creationId xmlns:a16="http://schemas.microsoft.com/office/drawing/2014/main" id="{1DA3D285-5D68-4ABD-BDC6-35DF3A2C2F45}"/>
+              </a:ext>
+            </a:extLst>
+          </p:cNvPr>
+          <p:cNvPicPr>
+            <a:picLocks noGrp="1"/>
+          </p:cNvPicPr>
           <p:nvPr>
             <p:ph idx="1"/>
           </p:nvPr>
-        </p:nvSpPr>
-        <p:spPr/>
-        <p:txBody>
-          <a:bodyPr>
-            <a:normAutofit/>
-          </a:bodyPr>
-          <a:lstStyle/>
-          <a:p>
-            <a:r>
-              <a:rPr lang="de-DE" dirty="0" smtClean="0"/>
-              <a:t>-</a:t>
-            </a:r>
-            <a:endParaRPr lang="de-DE" dirty="0" smtClean="0"/>
-          </a:p>
-        </p:txBody>
-      </p:sp>
+        </p:nvPicPr>
+        <p:blipFill>
+          <a:blip r:embed="rId3">
+            <a:extLst>
+              <a:ext uri="{28A0092B-C50C-407E-A947-70E740481C1C}">
+                <a14:useLocalDpi xmlns:a14="http://schemas.microsoft.com/office/drawing/2010/main" val="0"/>
+              </a:ext>
+            </a:extLst>
+          </a:blip>
+          <a:stretch>
+            <a:fillRect/>
+          </a:stretch>
+        </p:blipFill>
+        <p:spPr>
+          <a:xfrm>
+            <a:off x="941916" y="1758473"/>
+            <a:ext cx="10308168" cy="4847591"/>
+          </a:xfrm>
+          <a:prstGeom prst="rect">
+            <a:avLst/>
+          </a:prstGeom>
+        </p:spPr>
+      </p:pic>
       <p:sp>
         <p:nvSpPr>
           <p:cNvPr id="4" name="Foliennummernplatzhalter 3"/>
@@ -4813,23 +8093,52 @@
           </a:p>
         </p:txBody>
       </p:sp>
+      <p:pic>
+        <p:nvPicPr>
+          <p:cNvPr id="5" name="Inhaltsplatzhalter 5">
+            <a:extLst>
+              <a:ext uri="{FF2B5EF4-FFF2-40B4-BE49-F238E27FC236}">
+                <a16:creationId xmlns:a16="http://schemas.microsoft.com/office/drawing/2014/main" id="{6839BEF3-E9EB-4513-929E-2BFE84C02FB7}"/>
+              </a:ext>
+            </a:extLst>
+          </p:cNvPr>
+          <p:cNvPicPr>
+            <a:picLocks noChangeAspect="1"/>
+          </p:cNvPicPr>
+          <p:nvPr/>
+        </p:nvPicPr>
+        <p:blipFill>
+          <a:blip r:embed="rId4" cstate="print">
+            <a:extLst>
+              <a:ext uri="{28A0092B-C50C-407E-A947-70E740481C1C}">
+                <a14:useLocalDpi xmlns:a14="http://schemas.microsoft.com/office/drawing/2010/main" val="0"/>
+              </a:ext>
+            </a:extLst>
+          </a:blip>
+          <a:stretch>
+            <a:fillRect/>
+          </a:stretch>
+        </p:blipFill>
+        <p:spPr>
+          <a:xfrm>
+            <a:off x="408709" y="251936"/>
+            <a:ext cx="6137392" cy="1325562"/>
+          </a:xfrm>
+          <a:prstGeom prst="rect">
+            <a:avLst/>
+          </a:prstGeom>
+        </p:spPr>
+      </p:pic>
     </p:spTree>
     <p:extLst>
       <p:ext uri="{BB962C8B-B14F-4D97-AF65-F5344CB8AC3E}">
-        <p14:creationId xmlns:p14="http://schemas.microsoft.com/office/powerpoint/2010/main" val="44492387"/>
+        <p14:creationId xmlns:p14="http://schemas.microsoft.com/office/powerpoint/2010/main" val="4262696513"/>
       </p:ext>
     </p:extLst>
   </p:cSld>
   <p:clrMapOvr>
     <a:masterClrMapping/>
   </p:clrMapOvr>
-  <p:timing>
-    <p:tnLst>
-      <p:par>
-        <p:cTn id="1" dur="indefinite" restart="never" nodeType="tmRoot"/>
-      </p:par>
-    </p:tnLst>
-  </p:timing>
 </p:sld>
 </file>
 
@@ -4866,12 +8175,12 @@
           <a:lstStyle/>
           <a:p>
             <a:r>
-              <a:rPr lang="de-DE" dirty="0" smtClean="0"/>
-              <a:t>Live </a:t>
-            </a:r>
-            <a:r>
-              <a:rPr lang="de-DE" dirty="0" err="1" smtClean="0"/>
-              <a:t>demonstration</a:t>
+              <a:rPr lang="de-DE" dirty="0"/>
+              <a:t>Yaml </a:t>
+            </a:r>
+            <a:r>
+              <a:rPr lang="de-DE" dirty="0" err="1"/>
+              <a:t>files</a:t>
             </a:r>
             <a:endParaRPr lang="de-DE" dirty="0"/>
           </a:p>
@@ -4895,10 +8204,9 @@
           <a:lstStyle/>
           <a:p>
             <a:r>
-              <a:rPr lang="de-DE" dirty="0" smtClean="0"/>
+              <a:rPr lang="de-DE" dirty="0"/>
               <a:t>-</a:t>
             </a:r>
-            <a:endParaRPr lang="de-DE" dirty="0" smtClean="0"/>
           </a:p>
         </p:txBody>
       </p:sp>
@@ -4928,20 +8236,13 @@
     </p:spTree>
     <p:extLst>
       <p:ext uri="{BB962C8B-B14F-4D97-AF65-F5344CB8AC3E}">
-        <p14:creationId xmlns:p14="http://schemas.microsoft.com/office/powerpoint/2010/main" val="1512024545"/>
+        <p14:creationId xmlns:p14="http://schemas.microsoft.com/office/powerpoint/2010/main" val="2007509234"/>
       </p:ext>
     </p:extLst>
   </p:cSld>
   <p:clrMapOvr>
     <a:masterClrMapping/>
   </p:clrMapOvr>
-  <p:timing>
-    <p:tnLst>
-      <p:par>
-        <p:cTn id="1" dur="indefinite" restart="never" nodeType="tmRoot"/>
-      </p:par>
-    </p:tnLst>
-  </p:timing>
 </p:sld>
 </file>
 
@@ -4977,7 +8278,11 @@
           <a:bodyPr/>
           <a:lstStyle/>
           <a:p>
-            <a:endParaRPr lang="de-DE"/>
+            <a:r>
+              <a:rPr lang="de-DE" dirty="0" err="1"/>
+              <a:t>Architecture</a:t>
+            </a:r>
+            <a:endParaRPr lang="de-DE" dirty="0"/>
           </a:p>
         </p:txBody>
       </p:sp>
@@ -4991,58 +8296,39 @@
             <p:ph idx="1"/>
           </p:nvPr>
         </p:nvSpPr>
-        <p:spPr>
-          <a:xfrm>
-            <a:off x="3830782" y="1731818"/>
-            <a:ext cx="5860473" cy="2817236"/>
-          </a:xfrm>
-        </p:spPr>
+        <p:spPr/>
+        <p:txBody>
+          <a:bodyPr>
+            <a:normAutofit/>
+          </a:bodyPr>
+          <a:lstStyle/>
+          <a:p>
+            <a:r>
+              <a:rPr lang="de-DE" dirty="0"/>
+              <a:t>-</a:t>
+            </a:r>
+          </a:p>
+        </p:txBody>
+      </p:sp>
+      <p:sp>
+        <p:nvSpPr>
+          <p:cNvPr id="4" name="Foliennummernplatzhalter 3"/>
+          <p:cNvSpPr>
+            <a:spLocks noGrp="1"/>
+          </p:cNvSpPr>
+          <p:nvPr>
+            <p:ph type="sldNum" sz="quarter" idx="12"/>
+          </p:nvPr>
+        </p:nvSpPr>
+        <p:spPr/>
         <p:txBody>
           <a:bodyPr/>
           <a:lstStyle/>
           <a:p>
-            <a:endParaRPr lang="de-DE" smtClean="0"/>
-          </a:p>
-          <a:p>
-            <a:pPr marL="0" indent="0">
-              <a:buNone/>
-            </a:pPr>
-            <a:endParaRPr lang="de-DE"/>
-          </a:p>
-          <a:p>
-            <a:pPr marL="0" indent="0">
-              <a:buNone/>
-            </a:pPr>
-            <a:endParaRPr lang="de-DE" smtClean="0"/>
-          </a:p>
-          <a:p>
-            <a:pPr marL="0" indent="0">
-              <a:buNone/>
-            </a:pPr>
-            <a:endParaRPr lang="de-DE"/>
-          </a:p>
-          <a:p>
-            <a:pPr marL="0" indent="0">
-              <a:buNone/>
-            </a:pPr>
-            <a:r>
+            <a:fld id="{371A7658-0F70-421B-9B10-FA4A9AE028A8}" type="slidenum">
               <a:rPr lang="de-DE" smtClean="0"/>
-              <a:t>Thank you for your attention </a:t>
-            </a:r>
-            <a:r>
-              <a:rPr lang="de-DE" sz="4400">
-                <a:latin typeface="Wingdings" panose="05000000000000000000" pitchFamily="2" charset="2"/>
-              </a:rPr>
-              <a:t>J</a:t>
-            </a:r>
-            <a:endParaRPr lang="de-DE">
-              <a:latin typeface="Wingdings" panose="05000000000000000000" pitchFamily="2" charset="2"/>
-            </a:endParaRPr>
-          </a:p>
-          <a:p>
-            <a:pPr marL="0" indent="0">
-              <a:buNone/>
-            </a:pPr>
+              <a:t>8</a:t>
+            </a:fld>
             <a:endParaRPr lang="de-DE"/>
           </a:p>
         </p:txBody>
@@ -5050,20 +8336,117 @@
     </p:spTree>
     <p:extLst>
       <p:ext uri="{BB962C8B-B14F-4D97-AF65-F5344CB8AC3E}">
-        <p14:creationId xmlns:p14="http://schemas.microsoft.com/office/powerpoint/2010/main" val="976668714"/>
+        <p14:creationId xmlns:p14="http://schemas.microsoft.com/office/powerpoint/2010/main" val="44492387"/>
       </p:ext>
     </p:extLst>
   </p:cSld>
   <p:clrMapOvr>
     <a:masterClrMapping/>
   </p:clrMapOvr>
-  <p:timing>
-    <p:tnLst>
-      <p:par>
-        <p:cTn id="1" dur="indefinite" restart="never" nodeType="tmRoot"/>
-      </p:par>
-    </p:tnLst>
-  </p:timing>
+</p:sld>
+</file>
+
+<file path=ppt/slides/slide9.xml><?xml version="1.0" encoding="utf-8"?>
+<p:sld xmlns:a="http://schemas.openxmlformats.org/drawingml/2006/main" xmlns:r="http://schemas.openxmlformats.org/officeDocument/2006/relationships" xmlns:p="http://schemas.openxmlformats.org/presentationml/2006/main">
+  <p:cSld>
+    <p:spTree>
+      <p:nvGrpSpPr>
+        <p:cNvPr id="1" name=""/>
+        <p:cNvGrpSpPr/>
+        <p:nvPr/>
+      </p:nvGrpSpPr>
+      <p:grpSpPr>
+        <a:xfrm>
+          <a:off x="0" y="0"/>
+          <a:ext cx="0" cy="0"/>
+          <a:chOff x="0" y="0"/>
+          <a:chExt cx="0" cy="0"/>
+        </a:xfrm>
+      </p:grpSpPr>
+      <p:sp>
+        <p:nvSpPr>
+          <p:cNvPr id="2" name="Titel 1"/>
+          <p:cNvSpPr>
+            <a:spLocks noGrp="1"/>
+          </p:cNvSpPr>
+          <p:nvPr>
+            <p:ph type="title"/>
+          </p:nvPr>
+        </p:nvSpPr>
+        <p:spPr/>
+        <p:txBody>
+          <a:bodyPr/>
+          <a:lstStyle/>
+          <a:p>
+            <a:r>
+              <a:rPr lang="de-DE" dirty="0"/>
+              <a:t>Live </a:t>
+            </a:r>
+            <a:r>
+              <a:rPr lang="de-DE" dirty="0" err="1"/>
+              <a:t>demonstration</a:t>
+            </a:r>
+            <a:endParaRPr lang="de-DE" dirty="0"/>
+          </a:p>
+        </p:txBody>
+      </p:sp>
+      <p:sp>
+        <p:nvSpPr>
+          <p:cNvPr id="3" name="Inhaltsplatzhalter 2"/>
+          <p:cNvSpPr>
+            <a:spLocks noGrp="1"/>
+          </p:cNvSpPr>
+          <p:nvPr>
+            <p:ph idx="1"/>
+          </p:nvPr>
+        </p:nvSpPr>
+        <p:spPr/>
+        <p:txBody>
+          <a:bodyPr>
+            <a:normAutofit/>
+          </a:bodyPr>
+          <a:lstStyle/>
+          <a:p>
+            <a:r>
+              <a:rPr lang="de-DE" dirty="0"/>
+              <a:t>-</a:t>
+            </a:r>
+          </a:p>
+        </p:txBody>
+      </p:sp>
+      <p:sp>
+        <p:nvSpPr>
+          <p:cNvPr id="4" name="Foliennummernplatzhalter 3"/>
+          <p:cNvSpPr>
+            <a:spLocks noGrp="1"/>
+          </p:cNvSpPr>
+          <p:nvPr>
+            <p:ph type="sldNum" sz="quarter" idx="12"/>
+          </p:nvPr>
+        </p:nvSpPr>
+        <p:spPr/>
+        <p:txBody>
+          <a:bodyPr/>
+          <a:lstStyle/>
+          <a:p>
+            <a:fld id="{371A7658-0F70-421B-9B10-FA4A9AE028A8}" type="slidenum">
+              <a:rPr lang="de-DE" smtClean="0"/>
+              <a:t>9</a:t>
+            </a:fld>
+            <a:endParaRPr lang="de-DE"/>
+          </a:p>
+        </p:txBody>
+      </p:sp>
+    </p:spTree>
+    <p:extLst>
+      <p:ext uri="{BB962C8B-B14F-4D97-AF65-F5344CB8AC3E}">
+        <p14:creationId xmlns:p14="http://schemas.microsoft.com/office/powerpoint/2010/main" val="1512024545"/>
+      </p:ext>
+    </p:extLst>
+  </p:cSld>
+  <p:clrMapOvr>
+    <a:masterClrMapping/>
+  </p:clrMapOvr>
 </p:sld>
 </file>
 

--- a/docu/Kubernetes_Nexcloud.pptx
+++ b/docu/Kubernetes_Nexcloud.pptx
@@ -5,7 +5,7 @@
     <p:sldMasterId id="2147483648" r:id="rId1"/>
   </p:sldMasterIdLst>
   <p:notesMasterIdLst>
-    <p:notesMasterId r:id="rId13"/>
+    <p:notesMasterId r:id="rId14"/>
   </p:notesMasterIdLst>
   <p:sldIdLst>
     <p:sldId id="256" r:id="rId2"/>
@@ -16,9 +16,10 @@
     <p:sldId id="273" r:id="rId7"/>
     <p:sldId id="272" r:id="rId8"/>
     <p:sldId id="270" r:id="rId9"/>
-    <p:sldId id="271" r:id="rId10"/>
-    <p:sldId id="275" r:id="rId11"/>
-    <p:sldId id="267" r:id="rId12"/>
+    <p:sldId id="277" r:id="rId10"/>
+    <p:sldId id="271" r:id="rId11"/>
+    <p:sldId id="275" r:id="rId12"/>
+    <p:sldId id="267" r:id="rId13"/>
   </p:sldIdLst>
   <p:sldSz cx="12192000" cy="6858000"/>
   <p:notesSz cx="6858000" cy="9144000"/>
@@ -119,7 +120,7 @@
   </p:defaultTextStyle>
   <p:extLst>
     <p:ext uri="{EFAFB233-063F-42B5-8137-9DF3F51BA10A}">
-      <p15:sldGuideLst xmlns:p15="http://schemas.microsoft.com/office/powerpoint/2012/main"/>
+      <p15:sldGuideLst xmlns:p15="http://schemas.microsoft.com/office/powerpoint/2012/main" xmlns=""/>
     </p:ext>
   </p:extLst>
 </p:presentation>
@@ -3518,14 +3519,1152 @@
           <a:lstStyle/>
           <a:p>
             <a:r>
-              <a:rPr lang="de-DE"/>
-              <a:t>disease</a:t>
-            </a:r>
-            <a:r>
-              <a:rPr lang="de-DE" baseline="0"/>
-              <a:t> itself</a:t>
-            </a:r>
-            <a:endParaRPr lang="de-DE"/>
+              <a:rPr lang="de-DE" dirty="0" err="1" smtClean="0"/>
+              <a:t>Kubernetes</a:t>
+            </a:r>
+            <a:r>
+              <a:rPr lang="de-DE" dirty="0" smtClean="0"/>
+              <a:t> </a:t>
+            </a:r>
+            <a:r>
+              <a:rPr lang="de-DE" dirty="0" err="1" smtClean="0"/>
+              <a:t>uses</a:t>
+            </a:r>
+            <a:r>
+              <a:rPr lang="de-DE" dirty="0" smtClean="0"/>
+              <a:t> YAML</a:t>
+            </a:r>
+            <a:r>
+              <a:rPr lang="de-DE" baseline="0" dirty="0" smtClean="0"/>
+              <a:t> </a:t>
+            </a:r>
+            <a:r>
+              <a:rPr lang="de-DE" baseline="0" dirty="0" err="1" smtClean="0"/>
+              <a:t>configuration</a:t>
+            </a:r>
+            <a:r>
+              <a:rPr lang="de-DE" baseline="0" dirty="0" smtClean="0"/>
+              <a:t> </a:t>
+            </a:r>
+            <a:r>
+              <a:rPr lang="de-DE" baseline="0" dirty="0" err="1" smtClean="0"/>
+              <a:t>files</a:t>
+            </a:r>
+            <a:r>
+              <a:rPr lang="de-DE" baseline="0" dirty="0" smtClean="0"/>
+              <a:t> </a:t>
+            </a:r>
+            <a:r>
+              <a:rPr lang="de-DE" baseline="0" dirty="0" err="1" smtClean="0"/>
+              <a:t>to</a:t>
+            </a:r>
+            <a:r>
+              <a:rPr lang="de-DE" baseline="0" dirty="0" smtClean="0"/>
+              <a:t> </a:t>
+            </a:r>
+            <a:r>
+              <a:rPr lang="de-DE" baseline="0" dirty="0" err="1" smtClean="0"/>
+              <a:t>deploy</a:t>
+            </a:r>
+            <a:r>
+              <a:rPr lang="de-DE" baseline="0" dirty="0" smtClean="0"/>
+              <a:t> different </a:t>
+            </a:r>
+            <a:r>
+              <a:rPr lang="de-DE" baseline="0" dirty="0" err="1" smtClean="0"/>
+              <a:t>objects</a:t>
+            </a:r>
+            <a:r>
+              <a:rPr lang="de-DE" baseline="0" dirty="0" smtClean="0"/>
+              <a:t>. </a:t>
+            </a:r>
+            <a:r>
+              <a:rPr lang="de-DE" baseline="0" dirty="0" err="1" smtClean="0"/>
+              <a:t>They</a:t>
+            </a:r>
+            <a:r>
+              <a:rPr lang="de-DE" baseline="0" dirty="0" smtClean="0"/>
+              <a:t> </a:t>
+            </a:r>
+            <a:r>
+              <a:rPr lang="de-DE" baseline="0" dirty="0" err="1" smtClean="0"/>
+              <a:t>allow</a:t>
+            </a:r>
+            <a:r>
+              <a:rPr lang="de-DE" baseline="0" dirty="0" smtClean="0"/>
+              <a:t> </a:t>
+            </a:r>
+            <a:r>
+              <a:rPr lang="de-DE" baseline="0" dirty="0" err="1" smtClean="0"/>
+              <a:t>one</a:t>
+            </a:r>
+            <a:r>
+              <a:rPr lang="de-DE" baseline="0" dirty="0" smtClean="0"/>
+              <a:t> </a:t>
+            </a:r>
+            <a:r>
+              <a:rPr lang="de-DE" baseline="0" dirty="0" err="1" smtClean="0"/>
+              <a:t>to</a:t>
+            </a:r>
+            <a:r>
+              <a:rPr lang="de-DE" baseline="0" dirty="0" smtClean="0"/>
+              <a:t> </a:t>
+            </a:r>
+            <a:r>
+              <a:rPr lang="de-DE" baseline="0" dirty="0" err="1" smtClean="0"/>
+              <a:t>document</a:t>
+            </a:r>
+            <a:r>
+              <a:rPr lang="de-DE" baseline="0" dirty="0" smtClean="0"/>
+              <a:t> </a:t>
+            </a:r>
+            <a:r>
+              <a:rPr lang="de-DE" baseline="0" dirty="0" err="1" smtClean="0"/>
+              <a:t>the</a:t>
+            </a:r>
+            <a:r>
+              <a:rPr lang="de-DE" baseline="0" dirty="0" smtClean="0"/>
+              <a:t> </a:t>
+            </a:r>
+            <a:r>
+              <a:rPr lang="de-DE" baseline="0" dirty="0" err="1" smtClean="0"/>
+              <a:t>deployed</a:t>
+            </a:r>
+            <a:r>
+              <a:rPr lang="de-DE" baseline="0" dirty="0" smtClean="0"/>
+              <a:t> </a:t>
+            </a:r>
+            <a:r>
+              <a:rPr lang="de-DE" baseline="0" dirty="0" err="1" smtClean="0"/>
+              <a:t>pods</a:t>
+            </a:r>
+            <a:r>
+              <a:rPr lang="de-DE" baseline="0" dirty="0" smtClean="0"/>
+              <a:t> </a:t>
+            </a:r>
+            <a:r>
+              <a:rPr lang="de-DE" baseline="0" dirty="0" err="1" smtClean="0"/>
+              <a:t>and</a:t>
+            </a:r>
+            <a:r>
+              <a:rPr lang="de-DE" baseline="0" dirty="0" smtClean="0"/>
+              <a:t> </a:t>
+            </a:r>
+            <a:r>
+              <a:rPr lang="de-DE" baseline="0" dirty="0" err="1" smtClean="0"/>
+              <a:t>services</a:t>
+            </a:r>
+            <a:r>
+              <a:rPr lang="de-DE" baseline="0" dirty="0" smtClean="0"/>
+              <a:t> </a:t>
+            </a:r>
+            <a:r>
+              <a:rPr lang="de-DE" baseline="0" dirty="0" err="1" smtClean="0"/>
+              <a:t>and</a:t>
+            </a:r>
+            <a:r>
+              <a:rPr lang="de-DE" baseline="0" dirty="0" smtClean="0"/>
+              <a:t> </a:t>
+            </a:r>
+            <a:r>
+              <a:rPr lang="de-DE" baseline="0" dirty="0" err="1" smtClean="0"/>
+              <a:t>group</a:t>
+            </a:r>
+            <a:r>
+              <a:rPr lang="de-DE" baseline="0" dirty="0" smtClean="0"/>
+              <a:t> </a:t>
+            </a:r>
+            <a:r>
+              <a:rPr lang="de-DE" baseline="0" dirty="0" err="1" smtClean="0"/>
+              <a:t>them</a:t>
+            </a:r>
+            <a:r>
+              <a:rPr lang="de-DE" baseline="0" dirty="0" smtClean="0"/>
+              <a:t> </a:t>
+            </a:r>
+            <a:r>
+              <a:rPr lang="de-DE" baseline="0" dirty="0" err="1" smtClean="0"/>
+              <a:t>together</a:t>
+            </a:r>
+            <a:r>
+              <a:rPr lang="de-DE" baseline="0" dirty="0" smtClean="0"/>
+              <a:t>. </a:t>
+            </a:r>
+            <a:r>
+              <a:rPr lang="de-DE" baseline="0" dirty="0" err="1" smtClean="0"/>
+              <a:t>You</a:t>
+            </a:r>
+            <a:r>
+              <a:rPr lang="de-DE" baseline="0" dirty="0" smtClean="0"/>
+              <a:t> </a:t>
+            </a:r>
+            <a:r>
+              <a:rPr lang="de-DE" baseline="0" dirty="0" err="1" smtClean="0"/>
+              <a:t>can</a:t>
+            </a:r>
+            <a:r>
+              <a:rPr lang="de-DE" baseline="0" dirty="0" smtClean="0"/>
+              <a:t> </a:t>
+            </a:r>
+            <a:r>
+              <a:rPr lang="de-DE" baseline="0" dirty="0" err="1" smtClean="0"/>
+              <a:t>see</a:t>
+            </a:r>
+            <a:r>
+              <a:rPr lang="de-DE" baseline="0" dirty="0" smtClean="0"/>
+              <a:t> an </a:t>
+            </a:r>
+            <a:r>
+              <a:rPr lang="de-DE" baseline="0" dirty="0" err="1" smtClean="0"/>
+              <a:t>example</a:t>
+            </a:r>
+            <a:r>
+              <a:rPr lang="de-DE" baseline="0" dirty="0" smtClean="0"/>
+              <a:t> YAML file on </a:t>
+            </a:r>
+            <a:r>
+              <a:rPr lang="de-DE" baseline="0" dirty="0" err="1" smtClean="0"/>
+              <a:t>this</a:t>
+            </a:r>
+            <a:r>
+              <a:rPr lang="de-DE" baseline="0" dirty="0" smtClean="0"/>
+              <a:t> </a:t>
+            </a:r>
+            <a:r>
+              <a:rPr lang="de-DE" baseline="0" dirty="0" err="1" smtClean="0"/>
+              <a:t>slide</a:t>
+            </a:r>
+            <a:r>
+              <a:rPr lang="de-DE" baseline="0" dirty="0" smtClean="0"/>
+              <a:t>. A YAML file </a:t>
+            </a:r>
+            <a:r>
+              <a:rPr lang="de-DE" baseline="0" dirty="0" err="1" smtClean="0"/>
+              <a:t>has</a:t>
+            </a:r>
+            <a:r>
+              <a:rPr lang="de-DE" baseline="0" dirty="0" smtClean="0"/>
+              <a:t> a </a:t>
+            </a:r>
+            <a:r>
+              <a:rPr lang="de-DE" baseline="0" dirty="0" err="1" smtClean="0"/>
+              <a:t>base</a:t>
+            </a:r>
+            <a:r>
+              <a:rPr lang="de-DE" baseline="0" dirty="0" smtClean="0"/>
+              <a:t> </a:t>
+            </a:r>
+            <a:r>
+              <a:rPr lang="de-DE" baseline="0" dirty="0" err="1" smtClean="0"/>
+              <a:t>structure</a:t>
+            </a:r>
+            <a:r>
+              <a:rPr lang="de-DE" baseline="0" dirty="0" smtClean="0"/>
+              <a:t> </a:t>
+            </a:r>
+            <a:r>
+              <a:rPr lang="de-DE" baseline="0" dirty="0" err="1" smtClean="0"/>
+              <a:t>containing</a:t>
+            </a:r>
+            <a:r>
+              <a:rPr lang="de-DE" baseline="0" dirty="0" smtClean="0"/>
+              <a:t> </a:t>
+            </a:r>
+            <a:r>
+              <a:rPr lang="de-DE" baseline="0" dirty="0" err="1" smtClean="0"/>
+              <a:t>Apiversion</a:t>
+            </a:r>
+            <a:r>
+              <a:rPr lang="de-DE" baseline="0" dirty="0" smtClean="0"/>
+              <a:t>, </a:t>
+            </a:r>
+            <a:r>
+              <a:rPr lang="de-DE" baseline="0" dirty="0" err="1" smtClean="0"/>
+              <a:t>kind</a:t>
+            </a:r>
+            <a:r>
+              <a:rPr lang="de-DE" baseline="0" dirty="0" smtClean="0"/>
+              <a:t>, </a:t>
+            </a:r>
+            <a:r>
+              <a:rPr lang="de-DE" baseline="0" dirty="0" err="1" smtClean="0"/>
+              <a:t>metadata</a:t>
+            </a:r>
+            <a:r>
+              <a:rPr lang="de-DE" baseline="0" dirty="0" smtClean="0"/>
+              <a:t> </a:t>
+            </a:r>
+            <a:r>
+              <a:rPr lang="de-DE" baseline="0" dirty="0" err="1" smtClean="0"/>
+              <a:t>and</a:t>
+            </a:r>
+            <a:r>
+              <a:rPr lang="de-DE" baseline="0" dirty="0" smtClean="0"/>
+              <a:t> </a:t>
+            </a:r>
+            <a:r>
+              <a:rPr lang="de-DE" baseline="0" dirty="0" err="1" smtClean="0"/>
+              <a:t>spec</a:t>
+            </a:r>
+            <a:r>
+              <a:rPr lang="de-DE" baseline="0" dirty="0" smtClean="0"/>
+              <a:t>.</a:t>
+            </a:r>
+          </a:p>
+          <a:p>
+            <a:endParaRPr lang="de-DE" baseline="0" dirty="0" smtClean="0"/>
+          </a:p>
+          <a:p>
+            <a:r>
+              <a:rPr lang="de-DE" baseline="0" dirty="0" err="1" smtClean="0"/>
+              <a:t>Apiversion</a:t>
+            </a:r>
+            <a:r>
+              <a:rPr lang="de-DE" baseline="0" dirty="0" smtClean="0"/>
+              <a:t> </a:t>
+            </a:r>
+            <a:r>
+              <a:rPr lang="de-DE" baseline="0" dirty="0" err="1" smtClean="0"/>
+              <a:t>specifies</a:t>
+            </a:r>
+            <a:r>
+              <a:rPr lang="de-DE" baseline="0" dirty="0" smtClean="0"/>
+              <a:t> </a:t>
+            </a:r>
+            <a:r>
+              <a:rPr lang="de-DE" baseline="0" dirty="0" err="1" smtClean="0"/>
+              <a:t>the</a:t>
+            </a:r>
+            <a:r>
+              <a:rPr lang="de-DE" baseline="0" dirty="0" smtClean="0"/>
+              <a:t> </a:t>
+            </a:r>
+            <a:r>
+              <a:rPr lang="de-DE" baseline="0" dirty="0" err="1" smtClean="0"/>
+              <a:t>version</a:t>
+            </a:r>
+            <a:r>
+              <a:rPr lang="de-DE" baseline="0" dirty="0" smtClean="0"/>
+              <a:t> of </a:t>
+            </a:r>
+            <a:r>
+              <a:rPr lang="de-DE" baseline="0" dirty="0" err="1" smtClean="0"/>
+              <a:t>the</a:t>
+            </a:r>
+            <a:r>
+              <a:rPr lang="de-DE" baseline="0" dirty="0" smtClean="0"/>
+              <a:t> </a:t>
+            </a:r>
+            <a:r>
+              <a:rPr lang="de-DE" baseline="0" dirty="0" err="1" smtClean="0"/>
+              <a:t>kubernetes</a:t>
+            </a:r>
+            <a:r>
+              <a:rPr lang="de-DE" baseline="0" dirty="0" smtClean="0"/>
+              <a:t> </a:t>
+            </a:r>
+            <a:r>
+              <a:rPr lang="de-DE" baseline="0" dirty="0" err="1" smtClean="0"/>
+              <a:t>api</a:t>
+            </a:r>
+            <a:r>
+              <a:rPr lang="de-DE" baseline="0" dirty="0" smtClean="0"/>
+              <a:t> </a:t>
+            </a:r>
+            <a:r>
+              <a:rPr lang="de-DE" baseline="0" dirty="0" err="1" smtClean="0"/>
+              <a:t>used</a:t>
+            </a:r>
+            <a:r>
+              <a:rPr lang="de-DE" baseline="0" dirty="0" smtClean="0"/>
+              <a:t> </a:t>
+            </a:r>
+            <a:r>
+              <a:rPr lang="de-DE" baseline="0" dirty="0" err="1" smtClean="0"/>
+              <a:t>to</a:t>
+            </a:r>
+            <a:r>
+              <a:rPr lang="de-DE" baseline="0" dirty="0" smtClean="0"/>
+              <a:t> </a:t>
+            </a:r>
+            <a:r>
+              <a:rPr lang="de-DE" baseline="0" dirty="0" err="1" smtClean="0"/>
+              <a:t>create</a:t>
+            </a:r>
+            <a:r>
+              <a:rPr lang="de-DE" baseline="0" dirty="0" smtClean="0"/>
+              <a:t> </a:t>
+            </a:r>
+            <a:r>
+              <a:rPr lang="de-DE" baseline="0" dirty="0" err="1" smtClean="0"/>
+              <a:t>the</a:t>
+            </a:r>
+            <a:r>
+              <a:rPr lang="de-DE" baseline="0" dirty="0" smtClean="0"/>
+              <a:t> </a:t>
+            </a:r>
+            <a:r>
+              <a:rPr lang="de-DE" baseline="0" dirty="0" err="1" smtClean="0"/>
+              <a:t>object</a:t>
+            </a:r>
+            <a:r>
+              <a:rPr lang="de-DE" baseline="0" dirty="0" smtClean="0"/>
+              <a:t>, in </a:t>
+            </a:r>
+            <a:r>
+              <a:rPr lang="de-DE" baseline="0" dirty="0" err="1" smtClean="0"/>
+              <a:t>this</a:t>
+            </a:r>
+            <a:r>
+              <a:rPr lang="de-DE" baseline="0" dirty="0" smtClean="0"/>
+              <a:t> </a:t>
+            </a:r>
+            <a:r>
+              <a:rPr lang="de-DE" baseline="0" dirty="0" err="1" smtClean="0"/>
+              <a:t>example</a:t>
+            </a:r>
+            <a:r>
+              <a:rPr lang="de-DE" baseline="0" dirty="0" smtClean="0"/>
+              <a:t> </a:t>
+            </a:r>
+            <a:r>
+              <a:rPr lang="de-DE" baseline="0" dirty="0" err="1" smtClean="0"/>
+              <a:t>it</a:t>
+            </a:r>
+            <a:r>
+              <a:rPr lang="de-DE" baseline="0" dirty="0" smtClean="0"/>
+              <a:t> </a:t>
+            </a:r>
+            <a:r>
+              <a:rPr lang="de-DE" baseline="0" dirty="0" err="1" smtClean="0"/>
+              <a:t>is</a:t>
+            </a:r>
+            <a:r>
+              <a:rPr lang="de-DE" baseline="0" dirty="0" smtClean="0"/>
+              <a:t> v1beta1</a:t>
+            </a:r>
+          </a:p>
+          <a:p>
+            <a:endParaRPr lang="de-DE" baseline="0" dirty="0" smtClean="0"/>
+          </a:p>
+          <a:p>
+            <a:r>
+              <a:rPr lang="de-DE" baseline="0" dirty="0" smtClean="0"/>
+              <a:t>Kind </a:t>
+            </a:r>
+            <a:r>
+              <a:rPr lang="de-DE" baseline="0" dirty="0" err="1" smtClean="0"/>
+              <a:t>describes</a:t>
+            </a:r>
+            <a:r>
+              <a:rPr lang="de-DE" baseline="0" dirty="0" smtClean="0"/>
+              <a:t> </a:t>
+            </a:r>
+            <a:r>
+              <a:rPr lang="de-DE" baseline="0" dirty="0" err="1" smtClean="0"/>
+              <a:t>the</a:t>
+            </a:r>
+            <a:r>
+              <a:rPr lang="de-DE" baseline="0" dirty="0" smtClean="0"/>
+              <a:t> </a:t>
+            </a:r>
+            <a:r>
+              <a:rPr lang="de-DE" baseline="0" dirty="0" err="1" smtClean="0"/>
+              <a:t>kind</a:t>
+            </a:r>
+            <a:r>
+              <a:rPr lang="de-DE" baseline="0" dirty="0" smtClean="0"/>
+              <a:t> of </a:t>
+            </a:r>
+            <a:r>
+              <a:rPr lang="de-DE" baseline="0" dirty="0" err="1" smtClean="0"/>
+              <a:t>object</a:t>
+            </a:r>
+            <a:r>
+              <a:rPr lang="de-DE" baseline="0" dirty="0" smtClean="0"/>
+              <a:t> </a:t>
+            </a:r>
+            <a:r>
+              <a:rPr lang="de-DE" baseline="0" dirty="0" err="1" smtClean="0"/>
+              <a:t>to</a:t>
+            </a:r>
+            <a:r>
+              <a:rPr lang="de-DE" baseline="0" dirty="0" smtClean="0"/>
+              <a:t> </a:t>
+            </a:r>
+            <a:r>
+              <a:rPr lang="de-DE" baseline="0" dirty="0" err="1" smtClean="0"/>
+              <a:t>be</a:t>
+            </a:r>
+            <a:r>
+              <a:rPr lang="de-DE" baseline="0" dirty="0" smtClean="0"/>
+              <a:t> </a:t>
+            </a:r>
+            <a:r>
+              <a:rPr lang="de-DE" baseline="0" dirty="0" err="1" smtClean="0"/>
+              <a:t>created</a:t>
+            </a:r>
+            <a:r>
+              <a:rPr lang="de-DE" baseline="0" dirty="0" smtClean="0"/>
+              <a:t>. </a:t>
+            </a:r>
+            <a:r>
+              <a:rPr lang="de-DE" baseline="0" dirty="0" err="1" smtClean="0"/>
+              <a:t>Deployment</a:t>
+            </a:r>
+            <a:r>
+              <a:rPr lang="de-DE" baseline="0" dirty="0" smtClean="0"/>
+              <a:t>, </a:t>
+            </a:r>
+            <a:r>
+              <a:rPr lang="de-DE" baseline="0" dirty="0" err="1" smtClean="0"/>
+              <a:t>as</a:t>
+            </a:r>
+            <a:r>
+              <a:rPr lang="de-DE" baseline="0" dirty="0" smtClean="0"/>
+              <a:t> </a:t>
+            </a:r>
+            <a:r>
+              <a:rPr lang="de-DE" baseline="0" dirty="0" err="1" smtClean="0"/>
+              <a:t>shown</a:t>
+            </a:r>
+            <a:r>
+              <a:rPr lang="de-DE" baseline="0" dirty="0" smtClean="0"/>
+              <a:t> in </a:t>
+            </a:r>
+            <a:r>
+              <a:rPr lang="de-DE" baseline="0" dirty="0" err="1" smtClean="0"/>
+              <a:t>the</a:t>
+            </a:r>
+            <a:r>
+              <a:rPr lang="de-DE" baseline="0" dirty="0" smtClean="0"/>
+              <a:t> </a:t>
+            </a:r>
+            <a:r>
+              <a:rPr lang="de-DE" baseline="0" dirty="0" err="1" smtClean="0"/>
+              <a:t>example</a:t>
+            </a:r>
+            <a:r>
+              <a:rPr lang="de-DE" baseline="0" dirty="0" smtClean="0"/>
+              <a:t> </a:t>
+            </a:r>
+            <a:r>
+              <a:rPr lang="de-DE" baseline="0" dirty="0" err="1" smtClean="0"/>
+              <a:t>is</a:t>
+            </a:r>
+            <a:r>
+              <a:rPr lang="de-DE" baseline="0" dirty="0" smtClean="0"/>
+              <a:t> for </a:t>
+            </a:r>
+            <a:r>
+              <a:rPr lang="de-DE" baseline="0" dirty="0" err="1" smtClean="0"/>
+              <a:t>the</a:t>
+            </a:r>
+            <a:r>
+              <a:rPr lang="de-DE" baseline="0" dirty="0" smtClean="0"/>
+              <a:t> </a:t>
+            </a:r>
+            <a:r>
+              <a:rPr lang="de-DE" baseline="0" dirty="0" err="1" smtClean="0"/>
+              <a:t>creation</a:t>
+            </a:r>
+            <a:r>
+              <a:rPr lang="de-DE" baseline="0" dirty="0" smtClean="0"/>
+              <a:t> of </a:t>
+            </a:r>
+            <a:r>
+              <a:rPr lang="de-DE" baseline="0" dirty="0" err="1" smtClean="0"/>
+              <a:t>pods</a:t>
+            </a:r>
+            <a:r>
+              <a:rPr lang="de-DE" baseline="0" dirty="0" smtClean="0"/>
+              <a:t>.</a:t>
+            </a:r>
+          </a:p>
+          <a:p>
+            <a:endParaRPr lang="de-DE" baseline="0" dirty="0" smtClean="0"/>
+          </a:p>
+          <a:p>
+            <a:r>
+              <a:rPr lang="de-DE" baseline="0" dirty="0" err="1" smtClean="0"/>
+              <a:t>Metadata</a:t>
+            </a:r>
+            <a:r>
+              <a:rPr lang="de-DE" baseline="0" dirty="0" smtClean="0"/>
+              <a:t> </a:t>
+            </a:r>
+            <a:r>
+              <a:rPr lang="de-DE" baseline="0" dirty="0" err="1" smtClean="0"/>
+              <a:t>is</a:t>
+            </a:r>
+            <a:r>
+              <a:rPr lang="de-DE" baseline="0" dirty="0" smtClean="0"/>
+              <a:t> </a:t>
+            </a:r>
+            <a:r>
+              <a:rPr lang="de-DE" baseline="0" dirty="0" err="1" smtClean="0"/>
+              <a:t>used</a:t>
+            </a:r>
+            <a:r>
+              <a:rPr lang="de-DE" baseline="0" dirty="0" smtClean="0"/>
+              <a:t> </a:t>
+            </a:r>
+            <a:r>
+              <a:rPr lang="de-DE" baseline="0" dirty="0" err="1" smtClean="0"/>
+              <a:t>to</a:t>
+            </a:r>
+            <a:r>
+              <a:rPr lang="de-DE" baseline="0" dirty="0" smtClean="0"/>
+              <a:t> </a:t>
+            </a:r>
+            <a:r>
+              <a:rPr lang="de-DE" baseline="0" dirty="0" err="1" smtClean="0"/>
+              <a:t>help</a:t>
+            </a:r>
+            <a:r>
+              <a:rPr lang="de-DE" baseline="0" dirty="0" smtClean="0"/>
+              <a:t> </a:t>
+            </a:r>
+            <a:r>
+              <a:rPr lang="de-DE" baseline="0" dirty="0" err="1" smtClean="0"/>
+              <a:t>uniquely</a:t>
+            </a:r>
+            <a:r>
+              <a:rPr lang="de-DE" baseline="0" dirty="0" smtClean="0"/>
+              <a:t> </a:t>
+            </a:r>
+            <a:r>
+              <a:rPr lang="de-DE" baseline="0" dirty="0" err="1" smtClean="0"/>
+              <a:t>identify</a:t>
+            </a:r>
+            <a:r>
+              <a:rPr lang="de-DE" baseline="0" dirty="0" smtClean="0"/>
+              <a:t> an </a:t>
+            </a:r>
+            <a:r>
+              <a:rPr lang="de-DE" baseline="0" dirty="0" err="1" smtClean="0"/>
+              <a:t>object</a:t>
+            </a:r>
+            <a:r>
+              <a:rPr lang="de-DE" baseline="0" dirty="0" smtClean="0"/>
+              <a:t>. </a:t>
+            </a:r>
+            <a:r>
+              <a:rPr lang="de-DE" baseline="0" dirty="0" err="1" smtClean="0"/>
+              <a:t>It</a:t>
+            </a:r>
+            <a:r>
+              <a:rPr lang="de-DE" baseline="0" dirty="0" smtClean="0"/>
+              <a:t> </a:t>
+            </a:r>
+            <a:r>
+              <a:rPr lang="de-DE" baseline="0" dirty="0" err="1" smtClean="0"/>
+              <a:t>often</a:t>
+            </a:r>
+            <a:r>
+              <a:rPr lang="de-DE" baseline="0" dirty="0" smtClean="0"/>
+              <a:t> </a:t>
+            </a:r>
+            <a:r>
+              <a:rPr lang="de-DE" baseline="0" dirty="0" err="1" smtClean="0"/>
+              <a:t>contains</a:t>
+            </a:r>
+            <a:r>
+              <a:rPr lang="de-DE" baseline="0" dirty="0" smtClean="0"/>
+              <a:t> a </a:t>
+            </a:r>
+            <a:r>
+              <a:rPr lang="de-DE" baseline="0" dirty="0" err="1" smtClean="0"/>
+              <a:t>name</a:t>
+            </a:r>
+            <a:r>
+              <a:rPr lang="de-DE" baseline="0" dirty="0" smtClean="0"/>
+              <a:t>, like for </a:t>
+            </a:r>
+            <a:r>
+              <a:rPr lang="de-DE" baseline="0" dirty="0" err="1" smtClean="0"/>
+              <a:t>example</a:t>
+            </a:r>
+            <a:r>
+              <a:rPr lang="de-DE" baseline="0" dirty="0" smtClean="0"/>
+              <a:t> </a:t>
+            </a:r>
+            <a:r>
+              <a:rPr lang="de-DE" baseline="0" dirty="0" err="1" smtClean="0"/>
+              <a:t>envtest</a:t>
+            </a:r>
+            <a:r>
+              <a:rPr lang="de-DE" baseline="0" dirty="0" smtClean="0"/>
+              <a:t> </a:t>
+            </a:r>
+            <a:r>
+              <a:rPr lang="de-DE" baseline="0" dirty="0" err="1" smtClean="0"/>
+              <a:t>as</a:t>
+            </a:r>
+            <a:r>
+              <a:rPr lang="de-DE" baseline="0" dirty="0" smtClean="0"/>
+              <a:t> </a:t>
+            </a:r>
+            <a:r>
+              <a:rPr lang="de-DE" baseline="0" dirty="0" err="1" smtClean="0"/>
+              <a:t>shown</a:t>
+            </a:r>
+            <a:r>
+              <a:rPr lang="de-DE" baseline="0" dirty="0" smtClean="0"/>
+              <a:t> on </a:t>
+            </a:r>
+            <a:r>
+              <a:rPr lang="de-DE" baseline="0" dirty="0" err="1" smtClean="0"/>
+              <a:t>the</a:t>
+            </a:r>
+            <a:r>
+              <a:rPr lang="de-DE" baseline="0" dirty="0" smtClean="0"/>
+              <a:t> </a:t>
+            </a:r>
+            <a:r>
+              <a:rPr lang="de-DE" baseline="0" dirty="0" err="1" smtClean="0"/>
+              <a:t>slide</a:t>
+            </a:r>
+            <a:r>
+              <a:rPr lang="de-DE" baseline="0" dirty="0" smtClean="0"/>
+              <a:t>. </a:t>
+            </a:r>
+            <a:r>
+              <a:rPr lang="de-DE" baseline="0" dirty="0" err="1" smtClean="0"/>
+              <a:t>It</a:t>
+            </a:r>
+            <a:r>
+              <a:rPr lang="de-DE" baseline="0" dirty="0" smtClean="0"/>
+              <a:t> </a:t>
+            </a:r>
+            <a:r>
+              <a:rPr lang="de-DE" baseline="0" dirty="0" err="1" smtClean="0"/>
+              <a:t>can</a:t>
+            </a:r>
+            <a:r>
+              <a:rPr lang="de-DE" baseline="0" dirty="0" smtClean="0"/>
+              <a:t> also </a:t>
+            </a:r>
+            <a:r>
+              <a:rPr lang="de-DE" baseline="0" dirty="0" err="1" smtClean="0"/>
+              <a:t>often</a:t>
+            </a:r>
+            <a:r>
+              <a:rPr lang="de-DE" baseline="0" dirty="0" smtClean="0"/>
+              <a:t> </a:t>
+            </a:r>
+            <a:r>
+              <a:rPr lang="de-DE" baseline="0" dirty="0" err="1" smtClean="0"/>
+              <a:t>contain</a:t>
+            </a:r>
+            <a:r>
+              <a:rPr lang="de-DE" baseline="0" dirty="0" smtClean="0"/>
+              <a:t> </a:t>
+            </a:r>
+            <a:r>
+              <a:rPr lang="de-DE" baseline="0" dirty="0" err="1" smtClean="0"/>
+              <a:t>unique</a:t>
+            </a:r>
+            <a:r>
+              <a:rPr lang="de-DE" baseline="0" dirty="0" smtClean="0"/>
+              <a:t> </a:t>
+            </a:r>
+            <a:r>
+              <a:rPr lang="de-DE" baseline="0" dirty="0" err="1" smtClean="0"/>
+              <a:t>identificators</a:t>
+            </a:r>
+            <a:r>
+              <a:rPr lang="de-DE" baseline="0" dirty="0" smtClean="0"/>
+              <a:t> </a:t>
+            </a:r>
+            <a:r>
+              <a:rPr lang="de-DE" baseline="0" dirty="0" err="1" smtClean="0"/>
+              <a:t>and</a:t>
+            </a:r>
+            <a:r>
+              <a:rPr lang="de-DE" baseline="0" dirty="0" smtClean="0"/>
+              <a:t> </a:t>
+            </a:r>
+            <a:r>
+              <a:rPr lang="de-DE" baseline="0" dirty="0" err="1" smtClean="0"/>
+              <a:t>namespaces</a:t>
+            </a:r>
+            <a:r>
+              <a:rPr lang="de-DE" baseline="0" dirty="0" smtClean="0"/>
+              <a:t>.</a:t>
+            </a:r>
+          </a:p>
+          <a:p>
+            <a:endParaRPr lang="de-DE" baseline="0" dirty="0" smtClean="0"/>
+          </a:p>
+          <a:p>
+            <a:r>
+              <a:rPr lang="de-DE" baseline="0" dirty="0" err="1" smtClean="0"/>
+              <a:t>Spec</a:t>
+            </a:r>
+            <a:r>
+              <a:rPr lang="de-DE" baseline="0" dirty="0" smtClean="0"/>
+              <a:t> </a:t>
+            </a:r>
+            <a:r>
+              <a:rPr lang="de-DE" baseline="0" dirty="0" err="1" smtClean="0"/>
+              <a:t>is</a:t>
+            </a:r>
+            <a:r>
+              <a:rPr lang="de-DE" baseline="0" dirty="0" smtClean="0"/>
+              <a:t> </a:t>
+            </a:r>
+            <a:r>
+              <a:rPr lang="de-DE" baseline="0" dirty="0" err="1" smtClean="0"/>
+              <a:t>then</a:t>
+            </a:r>
+            <a:r>
+              <a:rPr lang="de-DE" baseline="0" dirty="0" smtClean="0"/>
+              <a:t> </a:t>
+            </a:r>
+            <a:r>
+              <a:rPr lang="de-DE" baseline="0" dirty="0" err="1" smtClean="0"/>
+              <a:t>used</a:t>
+            </a:r>
+            <a:r>
+              <a:rPr lang="de-DE" baseline="0" dirty="0" smtClean="0"/>
+              <a:t> </a:t>
+            </a:r>
+            <a:r>
+              <a:rPr lang="de-DE" baseline="0" dirty="0" err="1" smtClean="0"/>
+              <a:t>to</a:t>
+            </a:r>
+            <a:r>
+              <a:rPr lang="de-DE" baseline="0" dirty="0" smtClean="0"/>
+              <a:t> </a:t>
+            </a:r>
+            <a:r>
+              <a:rPr lang="de-DE" baseline="0" dirty="0" err="1" smtClean="0"/>
+              <a:t>specify</a:t>
+            </a:r>
+            <a:r>
+              <a:rPr lang="de-DE" baseline="0" dirty="0" smtClean="0"/>
+              <a:t> additional </a:t>
+            </a:r>
+            <a:r>
+              <a:rPr lang="de-DE" baseline="0" dirty="0" err="1" smtClean="0"/>
+              <a:t>content</a:t>
+            </a:r>
+            <a:r>
+              <a:rPr lang="de-DE" baseline="0" dirty="0" smtClean="0"/>
+              <a:t> </a:t>
+            </a:r>
+            <a:r>
+              <a:rPr lang="de-DE" baseline="0" dirty="0" err="1" smtClean="0"/>
+              <a:t>depending</a:t>
+            </a:r>
+            <a:r>
+              <a:rPr lang="de-DE" baseline="0" dirty="0" smtClean="0"/>
+              <a:t> on </a:t>
+            </a:r>
+            <a:r>
+              <a:rPr lang="de-DE" baseline="0" dirty="0" err="1" smtClean="0"/>
+              <a:t>the</a:t>
+            </a:r>
+            <a:r>
+              <a:rPr lang="de-DE" baseline="0" dirty="0" smtClean="0"/>
+              <a:t> type of </a:t>
+            </a:r>
+            <a:r>
+              <a:rPr lang="de-DE" baseline="0" dirty="0" err="1" smtClean="0"/>
+              <a:t>object</a:t>
+            </a:r>
+            <a:r>
+              <a:rPr lang="de-DE" baseline="0" dirty="0" smtClean="0"/>
+              <a:t> </a:t>
+            </a:r>
+            <a:r>
+              <a:rPr lang="de-DE" baseline="0" dirty="0" err="1" smtClean="0"/>
+              <a:t>to</a:t>
+            </a:r>
+            <a:r>
+              <a:rPr lang="de-DE" baseline="0" dirty="0" smtClean="0"/>
+              <a:t> </a:t>
+            </a:r>
+            <a:r>
+              <a:rPr lang="de-DE" baseline="0" dirty="0" err="1" smtClean="0"/>
+              <a:t>be</a:t>
+            </a:r>
+            <a:r>
+              <a:rPr lang="de-DE" baseline="0" dirty="0" smtClean="0"/>
+              <a:t> </a:t>
+            </a:r>
+            <a:r>
+              <a:rPr lang="de-DE" baseline="0" dirty="0" err="1" smtClean="0"/>
+              <a:t>created</a:t>
+            </a:r>
+            <a:r>
+              <a:rPr lang="de-DE" baseline="0" dirty="0" smtClean="0"/>
+              <a:t>. For </a:t>
+            </a:r>
+            <a:r>
+              <a:rPr lang="de-DE" baseline="0" dirty="0" err="1" smtClean="0"/>
+              <a:t>example</a:t>
+            </a:r>
+            <a:r>
+              <a:rPr lang="de-DE" baseline="0" dirty="0" smtClean="0"/>
+              <a:t> </a:t>
+            </a:r>
+            <a:r>
+              <a:rPr lang="de-DE" baseline="0" dirty="0" err="1" smtClean="0"/>
+              <a:t>database</a:t>
+            </a:r>
+            <a:r>
+              <a:rPr lang="de-DE" baseline="0" dirty="0" smtClean="0"/>
+              <a:t> </a:t>
+            </a:r>
+            <a:r>
+              <a:rPr lang="de-DE" baseline="0" dirty="0" err="1" smtClean="0"/>
+              <a:t>deployments</a:t>
+            </a:r>
+            <a:r>
+              <a:rPr lang="de-DE" baseline="0" dirty="0" smtClean="0"/>
+              <a:t> </a:t>
+            </a:r>
+            <a:r>
+              <a:rPr lang="de-DE" baseline="0" dirty="0" err="1" smtClean="0"/>
+              <a:t>require</a:t>
+            </a:r>
+            <a:r>
+              <a:rPr lang="de-DE" baseline="0" dirty="0" smtClean="0"/>
+              <a:t> a </a:t>
+            </a:r>
+            <a:r>
+              <a:rPr lang="de-DE" baseline="0" dirty="0" err="1" smtClean="0"/>
+              <a:t>username</a:t>
+            </a:r>
+            <a:r>
+              <a:rPr lang="de-DE" baseline="0" dirty="0" smtClean="0"/>
+              <a:t> </a:t>
+            </a:r>
+            <a:r>
+              <a:rPr lang="de-DE" baseline="0" dirty="0" err="1" smtClean="0"/>
+              <a:t>and</a:t>
+            </a:r>
+            <a:r>
+              <a:rPr lang="de-DE" baseline="0" dirty="0" smtClean="0"/>
+              <a:t> </a:t>
+            </a:r>
+            <a:r>
+              <a:rPr lang="de-DE" baseline="0" dirty="0" err="1" smtClean="0"/>
+              <a:t>password</a:t>
+            </a:r>
+            <a:r>
+              <a:rPr lang="de-DE" baseline="0" dirty="0" smtClean="0"/>
+              <a:t> </a:t>
+            </a:r>
+            <a:r>
+              <a:rPr lang="de-DE" baseline="0" dirty="0" err="1" smtClean="0"/>
+              <a:t>as</a:t>
+            </a:r>
+            <a:r>
+              <a:rPr lang="de-DE" baseline="0" dirty="0" smtClean="0"/>
+              <a:t> </a:t>
+            </a:r>
+            <a:r>
+              <a:rPr lang="de-DE" baseline="0" dirty="0" err="1" smtClean="0"/>
+              <a:t>well</a:t>
+            </a:r>
+            <a:r>
+              <a:rPr lang="de-DE" baseline="0" dirty="0" smtClean="0"/>
+              <a:t> </a:t>
+            </a:r>
+            <a:r>
+              <a:rPr lang="de-DE" baseline="0" dirty="0" err="1" smtClean="0"/>
+              <a:t>as</a:t>
+            </a:r>
+            <a:r>
+              <a:rPr lang="de-DE" baseline="0" dirty="0" smtClean="0"/>
+              <a:t> a </a:t>
+            </a:r>
+            <a:r>
+              <a:rPr lang="de-DE" baseline="0" dirty="0" err="1" smtClean="0"/>
+              <a:t>service</a:t>
+            </a:r>
+            <a:r>
+              <a:rPr lang="de-DE" baseline="0" dirty="0" smtClean="0"/>
+              <a:t> </a:t>
+            </a:r>
+            <a:r>
+              <a:rPr lang="de-DE" baseline="0" dirty="0" err="1" smtClean="0"/>
+              <a:t>to</a:t>
+            </a:r>
+            <a:r>
+              <a:rPr lang="de-DE" baseline="0" dirty="0" smtClean="0"/>
+              <a:t> </a:t>
+            </a:r>
+            <a:r>
+              <a:rPr lang="de-DE" baseline="0" dirty="0" err="1" smtClean="0"/>
+              <a:t>connect</a:t>
+            </a:r>
+            <a:r>
+              <a:rPr lang="de-DE" baseline="0" dirty="0" smtClean="0"/>
+              <a:t> </a:t>
+            </a:r>
+            <a:r>
+              <a:rPr lang="de-DE" baseline="0" dirty="0" err="1" smtClean="0"/>
+              <a:t>to</a:t>
+            </a:r>
+            <a:r>
+              <a:rPr lang="de-DE" baseline="0" dirty="0" smtClean="0"/>
+              <a:t>. In </a:t>
+            </a:r>
+            <a:r>
+              <a:rPr lang="de-DE" baseline="0" dirty="0" err="1" smtClean="0"/>
+              <a:t>the</a:t>
+            </a:r>
+            <a:r>
+              <a:rPr lang="de-DE" baseline="0" dirty="0" smtClean="0"/>
+              <a:t> </a:t>
+            </a:r>
+            <a:r>
+              <a:rPr lang="de-DE" baseline="0" dirty="0" err="1" smtClean="0"/>
+              <a:t>shown</a:t>
+            </a:r>
+            <a:r>
+              <a:rPr lang="de-DE" baseline="0" dirty="0" smtClean="0"/>
+              <a:t> </a:t>
+            </a:r>
+            <a:r>
+              <a:rPr lang="de-DE" baseline="0" dirty="0" err="1" smtClean="0"/>
+              <a:t>example</a:t>
+            </a:r>
+            <a:r>
+              <a:rPr lang="de-DE" baseline="0" dirty="0" smtClean="0"/>
+              <a:t> </a:t>
+            </a:r>
+            <a:r>
+              <a:rPr lang="de-DE" baseline="0" dirty="0" err="1" smtClean="0"/>
+              <a:t>you</a:t>
+            </a:r>
+            <a:r>
+              <a:rPr lang="de-DE" baseline="0" dirty="0" smtClean="0"/>
+              <a:t> </a:t>
+            </a:r>
+            <a:r>
+              <a:rPr lang="de-DE" baseline="0" dirty="0" err="1" smtClean="0"/>
+              <a:t>can</a:t>
+            </a:r>
+            <a:r>
+              <a:rPr lang="de-DE" baseline="0" dirty="0" smtClean="0"/>
+              <a:t> </a:t>
+            </a:r>
+            <a:r>
+              <a:rPr lang="de-DE" baseline="0" dirty="0" err="1" smtClean="0"/>
+              <a:t>see</a:t>
+            </a:r>
+            <a:r>
+              <a:rPr lang="de-DE" baseline="0" dirty="0" smtClean="0"/>
+              <a:t> a Port </a:t>
+            </a:r>
+            <a:r>
+              <a:rPr lang="de-DE" baseline="0" dirty="0" err="1" smtClean="0"/>
+              <a:t>being</a:t>
+            </a:r>
+            <a:r>
+              <a:rPr lang="de-DE" baseline="0" dirty="0" smtClean="0"/>
+              <a:t> </a:t>
+            </a:r>
+            <a:r>
+              <a:rPr lang="de-DE" baseline="0" dirty="0" err="1" smtClean="0"/>
+              <a:t>specified</a:t>
+            </a:r>
+            <a:r>
+              <a:rPr lang="de-DE" baseline="0" dirty="0" smtClean="0"/>
+              <a:t>.</a:t>
+            </a:r>
+          </a:p>
+          <a:p>
+            <a:endParaRPr lang="de-DE" baseline="0" dirty="0" smtClean="0"/>
+          </a:p>
+          <a:p>
+            <a:r>
+              <a:rPr lang="de-DE" baseline="0" dirty="0" smtClean="0"/>
+              <a:t>Multiple YAML </a:t>
+            </a:r>
+            <a:r>
+              <a:rPr lang="de-DE" baseline="0" dirty="0" err="1" smtClean="0"/>
+              <a:t>files</a:t>
+            </a:r>
+            <a:r>
+              <a:rPr lang="de-DE" baseline="0" dirty="0" smtClean="0"/>
+              <a:t> </a:t>
+            </a:r>
+            <a:r>
+              <a:rPr lang="de-DE" baseline="0" dirty="0" err="1" smtClean="0"/>
+              <a:t>were</a:t>
+            </a:r>
+            <a:r>
+              <a:rPr lang="de-DE" baseline="0" dirty="0" smtClean="0"/>
+              <a:t> </a:t>
+            </a:r>
+            <a:r>
+              <a:rPr lang="de-DE" baseline="0" dirty="0" err="1" smtClean="0"/>
+              <a:t>used</a:t>
+            </a:r>
+            <a:r>
+              <a:rPr lang="de-DE" baseline="0" dirty="0" smtClean="0"/>
+              <a:t>, at least 1 per </a:t>
+            </a:r>
+            <a:r>
+              <a:rPr lang="de-DE" baseline="0" dirty="0" err="1" smtClean="0"/>
+              <a:t>architecture</a:t>
+            </a:r>
+            <a:r>
+              <a:rPr lang="de-DE" baseline="0" dirty="0" smtClean="0"/>
+              <a:t> </a:t>
+            </a:r>
+            <a:r>
+              <a:rPr lang="de-DE" baseline="0" dirty="0" err="1" smtClean="0"/>
+              <a:t>component</a:t>
+            </a:r>
+            <a:r>
+              <a:rPr lang="de-DE" baseline="0" dirty="0" smtClean="0"/>
+              <a:t>, </a:t>
+            </a:r>
+            <a:r>
+              <a:rPr lang="de-DE" baseline="0" dirty="0" err="1" smtClean="0"/>
+              <a:t>which</a:t>
+            </a:r>
+            <a:r>
+              <a:rPr lang="de-DE" baseline="0" dirty="0" smtClean="0"/>
+              <a:t> will </a:t>
+            </a:r>
+            <a:r>
+              <a:rPr lang="de-DE" baseline="0" dirty="0" err="1" smtClean="0"/>
+              <a:t>be</a:t>
+            </a:r>
+            <a:r>
+              <a:rPr lang="de-DE" baseline="0" dirty="0" smtClean="0"/>
+              <a:t> </a:t>
+            </a:r>
+            <a:r>
+              <a:rPr lang="de-DE" baseline="0" dirty="0" err="1" smtClean="0"/>
+              <a:t>shown</a:t>
+            </a:r>
+            <a:r>
+              <a:rPr lang="de-DE" baseline="0" dirty="0" smtClean="0"/>
+              <a:t> </a:t>
+            </a:r>
+            <a:r>
+              <a:rPr lang="de-DE" baseline="0" dirty="0" err="1" smtClean="0"/>
+              <a:t>next</a:t>
+            </a:r>
+            <a:r>
+              <a:rPr lang="de-DE" baseline="0" dirty="0" smtClean="0"/>
+              <a:t>.</a:t>
+            </a:r>
+          </a:p>
+          <a:p>
+            <a:endParaRPr lang="de-DE" baseline="0" dirty="0" smtClean="0"/>
+          </a:p>
+          <a:p>
+            <a:endParaRPr lang="de-DE" dirty="0"/>
           </a:p>
         </p:txBody>
       </p:sp>
@@ -3610,14 +4749,1133 @@
           <a:lstStyle/>
           <a:p>
             <a:r>
-              <a:rPr lang="de-DE"/>
-              <a:t>disease</a:t>
-            </a:r>
-            <a:r>
-              <a:rPr lang="de-DE" baseline="0"/>
-              <a:t> itself</a:t>
-            </a:r>
-            <a:endParaRPr lang="de-DE"/>
+              <a:rPr lang="de-DE" dirty="0" smtClean="0"/>
+              <a:t>For</a:t>
+            </a:r>
+            <a:r>
+              <a:rPr lang="de-DE" baseline="0" dirty="0" smtClean="0"/>
+              <a:t> </a:t>
+            </a:r>
+            <a:r>
+              <a:rPr lang="de-DE" baseline="0" dirty="0" err="1" smtClean="0"/>
+              <a:t>the</a:t>
+            </a:r>
+            <a:r>
+              <a:rPr lang="de-DE" baseline="0" dirty="0" smtClean="0"/>
+              <a:t> </a:t>
+            </a:r>
+            <a:r>
+              <a:rPr lang="de-DE" baseline="0" dirty="0" err="1" smtClean="0"/>
+              <a:t>architecture</a:t>
+            </a:r>
+            <a:r>
+              <a:rPr lang="de-DE" baseline="0" dirty="0" smtClean="0"/>
+              <a:t> of </a:t>
+            </a:r>
+            <a:r>
+              <a:rPr lang="de-DE" baseline="0" dirty="0" err="1" smtClean="0"/>
+              <a:t>our</a:t>
+            </a:r>
+            <a:r>
+              <a:rPr lang="de-DE" baseline="0" dirty="0" smtClean="0"/>
+              <a:t> </a:t>
+            </a:r>
+            <a:r>
+              <a:rPr lang="de-DE" baseline="0" dirty="0" err="1" smtClean="0"/>
+              <a:t>project</a:t>
+            </a:r>
+            <a:r>
+              <a:rPr lang="de-DE" baseline="0" dirty="0" smtClean="0"/>
+              <a:t>, </a:t>
+            </a:r>
+            <a:r>
+              <a:rPr lang="de-DE" baseline="0" dirty="0" err="1" smtClean="0"/>
+              <a:t>we</a:t>
+            </a:r>
+            <a:r>
+              <a:rPr lang="de-DE" baseline="0" dirty="0" smtClean="0"/>
+              <a:t> </a:t>
+            </a:r>
+            <a:r>
+              <a:rPr lang="de-DE" baseline="0" dirty="0" err="1" smtClean="0"/>
+              <a:t>focused</a:t>
+            </a:r>
+            <a:r>
+              <a:rPr lang="de-DE" baseline="0" dirty="0" smtClean="0"/>
+              <a:t> on </a:t>
+            </a:r>
+            <a:r>
+              <a:rPr lang="de-DE" baseline="0" dirty="0" err="1" smtClean="0"/>
+              <a:t>the</a:t>
+            </a:r>
+            <a:r>
+              <a:rPr lang="de-DE" baseline="0" dirty="0" smtClean="0"/>
+              <a:t> </a:t>
+            </a:r>
+            <a:r>
+              <a:rPr lang="de-DE" baseline="0" dirty="0" err="1" smtClean="0"/>
+              <a:t>main</a:t>
+            </a:r>
+            <a:r>
+              <a:rPr lang="de-DE" baseline="0" dirty="0" smtClean="0"/>
+              <a:t> </a:t>
+            </a:r>
+            <a:r>
+              <a:rPr lang="de-DE" baseline="0" dirty="0" err="1" smtClean="0"/>
+              <a:t>objectives</a:t>
+            </a:r>
+            <a:r>
+              <a:rPr lang="de-DE" baseline="0" dirty="0" smtClean="0"/>
+              <a:t> of </a:t>
+            </a:r>
+            <a:r>
+              <a:rPr lang="de-DE" baseline="0" dirty="0" err="1" smtClean="0"/>
+              <a:t>scalability</a:t>
+            </a:r>
+            <a:r>
+              <a:rPr lang="de-DE" baseline="0" dirty="0" smtClean="0"/>
+              <a:t>, </a:t>
+            </a:r>
+            <a:r>
+              <a:rPr lang="de-DE" baseline="0" dirty="0" err="1" smtClean="0"/>
+              <a:t>storage</a:t>
+            </a:r>
+            <a:r>
+              <a:rPr lang="de-DE" baseline="0" dirty="0" smtClean="0"/>
+              <a:t> </a:t>
+            </a:r>
+            <a:r>
+              <a:rPr lang="de-DE" baseline="0" dirty="0" err="1" smtClean="0"/>
+              <a:t>distribution</a:t>
+            </a:r>
+            <a:r>
+              <a:rPr lang="de-DE" baseline="0" dirty="0" smtClean="0"/>
+              <a:t> </a:t>
+            </a:r>
+            <a:r>
+              <a:rPr lang="de-DE" baseline="0" dirty="0" err="1" smtClean="0"/>
+              <a:t>and</a:t>
+            </a:r>
+            <a:r>
+              <a:rPr lang="de-DE" baseline="0" dirty="0" smtClean="0"/>
+              <a:t> high </a:t>
+            </a:r>
+            <a:r>
+              <a:rPr lang="de-DE" baseline="0" dirty="0" err="1" smtClean="0"/>
+              <a:t>availability</a:t>
+            </a:r>
+            <a:r>
+              <a:rPr lang="de-DE" baseline="0" dirty="0" smtClean="0"/>
+              <a:t>. </a:t>
+            </a:r>
+          </a:p>
+          <a:p>
+            <a:endParaRPr lang="de-DE" baseline="0" dirty="0" smtClean="0"/>
+          </a:p>
+          <a:p>
+            <a:r>
+              <a:rPr lang="de-DE" baseline="0" dirty="0" smtClean="0"/>
+              <a:t>As </a:t>
+            </a:r>
+            <a:r>
+              <a:rPr lang="de-DE" baseline="0" dirty="0" err="1" smtClean="0"/>
+              <a:t>seen</a:t>
+            </a:r>
+            <a:r>
+              <a:rPr lang="de-DE" baseline="0" dirty="0" smtClean="0"/>
+              <a:t> in </a:t>
+            </a:r>
+            <a:r>
+              <a:rPr lang="de-DE" baseline="0" dirty="0" err="1" smtClean="0"/>
+              <a:t>the</a:t>
+            </a:r>
+            <a:r>
+              <a:rPr lang="de-DE" baseline="0" dirty="0" smtClean="0"/>
+              <a:t> </a:t>
+            </a:r>
+            <a:r>
+              <a:rPr lang="de-DE" baseline="0" dirty="0" err="1" smtClean="0"/>
+              <a:t>figure</a:t>
+            </a:r>
+            <a:r>
+              <a:rPr lang="de-DE" baseline="0" dirty="0" smtClean="0"/>
+              <a:t> </a:t>
+            </a:r>
+            <a:r>
+              <a:rPr lang="de-DE" baseline="0" dirty="0" err="1" smtClean="0"/>
+              <a:t>to</a:t>
+            </a:r>
+            <a:r>
+              <a:rPr lang="de-DE" baseline="0" dirty="0" smtClean="0"/>
+              <a:t> </a:t>
+            </a:r>
+            <a:r>
+              <a:rPr lang="de-DE" baseline="0" dirty="0" err="1" smtClean="0"/>
+              <a:t>the</a:t>
+            </a:r>
+            <a:r>
+              <a:rPr lang="de-DE" baseline="0" dirty="0" smtClean="0"/>
+              <a:t> </a:t>
+            </a:r>
+            <a:r>
+              <a:rPr lang="de-DE" baseline="0" dirty="0" err="1" smtClean="0"/>
+              <a:t>right</a:t>
+            </a:r>
+            <a:r>
+              <a:rPr lang="de-DE" baseline="0" dirty="0" smtClean="0"/>
+              <a:t>, </a:t>
+            </a:r>
+            <a:r>
+              <a:rPr lang="de-DE" baseline="0" dirty="0" err="1" smtClean="0"/>
+              <a:t>boxes</a:t>
+            </a:r>
+            <a:r>
+              <a:rPr lang="de-DE" baseline="0" dirty="0" smtClean="0"/>
+              <a:t> </a:t>
+            </a:r>
+            <a:r>
+              <a:rPr lang="de-DE" baseline="0" dirty="0" err="1" smtClean="0"/>
+              <a:t>containing</a:t>
+            </a:r>
+            <a:r>
+              <a:rPr lang="de-DE" baseline="0" dirty="0" smtClean="0"/>
+              <a:t> </a:t>
+            </a:r>
+            <a:r>
+              <a:rPr lang="de-DE" baseline="0" dirty="0" err="1" smtClean="0"/>
+              <a:t>nextcloud</a:t>
+            </a:r>
+            <a:r>
+              <a:rPr lang="de-DE" baseline="0" dirty="0" smtClean="0"/>
+              <a:t> </a:t>
+            </a:r>
+            <a:r>
+              <a:rPr lang="de-DE" baseline="0" dirty="0" err="1" smtClean="0"/>
+              <a:t>are</a:t>
+            </a:r>
+            <a:r>
+              <a:rPr lang="de-DE" baseline="0" dirty="0" smtClean="0"/>
+              <a:t> </a:t>
+            </a:r>
+            <a:r>
+              <a:rPr lang="de-DE" baseline="0" dirty="0" err="1" smtClean="0"/>
+              <a:t>the</a:t>
+            </a:r>
+            <a:r>
+              <a:rPr lang="de-DE" baseline="0" dirty="0" smtClean="0"/>
+              <a:t> </a:t>
+            </a:r>
+            <a:r>
+              <a:rPr lang="de-DE" baseline="0" dirty="0" err="1" smtClean="0"/>
+              <a:t>nodes</a:t>
+            </a:r>
+            <a:r>
+              <a:rPr lang="de-DE" baseline="0" dirty="0" smtClean="0"/>
+              <a:t>. Every </a:t>
+            </a:r>
+            <a:r>
+              <a:rPr lang="de-DE" baseline="0" dirty="0" err="1" smtClean="0"/>
+              <a:t>node</a:t>
+            </a:r>
+            <a:r>
+              <a:rPr lang="de-DE" baseline="0" dirty="0" smtClean="0"/>
+              <a:t> </a:t>
+            </a:r>
+            <a:r>
+              <a:rPr lang="de-DE" baseline="0" dirty="0" err="1" smtClean="0"/>
+              <a:t>has</a:t>
+            </a:r>
+            <a:r>
+              <a:rPr lang="de-DE" baseline="0" dirty="0" smtClean="0"/>
+              <a:t> ist </a:t>
+            </a:r>
+            <a:r>
+              <a:rPr lang="de-DE" baseline="0" dirty="0" err="1" smtClean="0"/>
+              <a:t>own</a:t>
+            </a:r>
+            <a:r>
+              <a:rPr lang="de-DE" baseline="0" dirty="0" smtClean="0"/>
+              <a:t> </a:t>
+            </a:r>
+            <a:r>
+              <a:rPr lang="de-DE" baseline="0" dirty="0" err="1" smtClean="0"/>
+              <a:t>nextcloud</a:t>
+            </a:r>
+            <a:r>
+              <a:rPr lang="de-DE" baseline="0" dirty="0" smtClean="0"/>
+              <a:t> </a:t>
+            </a:r>
+            <a:r>
+              <a:rPr lang="de-DE" baseline="0" dirty="0" err="1" smtClean="0"/>
+              <a:t>worker</a:t>
+            </a:r>
+            <a:r>
+              <a:rPr lang="de-DE" baseline="0" dirty="0" smtClean="0"/>
+              <a:t> </a:t>
+            </a:r>
+            <a:r>
+              <a:rPr lang="de-DE" baseline="0" dirty="0" err="1" smtClean="0"/>
+              <a:t>and</a:t>
+            </a:r>
+            <a:r>
+              <a:rPr lang="de-DE" baseline="0" dirty="0" smtClean="0"/>
+              <a:t> </a:t>
+            </a:r>
+            <a:r>
+              <a:rPr lang="de-DE" baseline="0" dirty="0" err="1" smtClean="0"/>
+              <a:t>part</a:t>
+            </a:r>
+            <a:r>
+              <a:rPr lang="de-DE" baseline="0" dirty="0" smtClean="0"/>
+              <a:t> of </a:t>
+            </a:r>
+            <a:r>
+              <a:rPr lang="de-DE" baseline="0" dirty="0" err="1" smtClean="0"/>
+              <a:t>the</a:t>
+            </a:r>
+            <a:r>
+              <a:rPr lang="de-DE" baseline="0" dirty="0" smtClean="0"/>
+              <a:t> </a:t>
+            </a:r>
+            <a:r>
+              <a:rPr lang="de-DE" baseline="0" dirty="0" err="1" smtClean="0"/>
+              <a:t>storage</a:t>
+            </a:r>
+            <a:r>
+              <a:rPr lang="de-DE" baseline="0" dirty="0" smtClean="0"/>
+              <a:t>, </a:t>
+            </a:r>
+            <a:r>
+              <a:rPr lang="de-DE" baseline="0" dirty="0" err="1" smtClean="0"/>
+              <a:t>as</a:t>
+            </a:r>
+            <a:r>
+              <a:rPr lang="de-DE" baseline="0" dirty="0" smtClean="0"/>
+              <a:t> </a:t>
+            </a:r>
+            <a:r>
+              <a:rPr lang="de-DE" baseline="0" dirty="0" err="1" smtClean="0"/>
+              <a:t>represented</a:t>
+            </a:r>
+            <a:r>
+              <a:rPr lang="de-DE" baseline="0" dirty="0" smtClean="0"/>
+              <a:t> by </a:t>
+            </a:r>
+            <a:r>
+              <a:rPr lang="de-DE" baseline="0" dirty="0" err="1" smtClean="0"/>
+              <a:t>MinIO</a:t>
+            </a:r>
+            <a:r>
+              <a:rPr lang="de-DE" baseline="0" dirty="0" smtClean="0"/>
+              <a:t>. This </a:t>
+            </a:r>
+            <a:r>
+              <a:rPr lang="de-DE" baseline="0" dirty="0" err="1" smtClean="0"/>
+              <a:t>diagram</a:t>
+            </a:r>
+            <a:r>
+              <a:rPr lang="de-DE" baseline="0" dirty="0" smtClean="0"/>
+              <a:t> </a:t>
+            </a:r>
+            <a:r>
+              <a:rPr lang="de-DE" baseline="0" dirty="0" err="1" smtClean="0"/>
+              <a:t>can</a:t>
+            </a:r>
+            <a:r>
+              <a:rPr lang="de-DE" baseline="0" dirty="0" smtClean="0"/>
+              <a:t> </a:t>
+            </a:r>
+            <a:r>
+              <a:rPr lang="de-DE" baseline="0" dirty="0" err="1" smtClean="0"/>
+              <a:t>be</a:t>
+            </a:r>
+            <a:r>
+              <a:rPr lang="de-DE" baseline="0" dirty="0" smtClean="0"/>
+              <a:t> </a:t>
+            </a:r>
+            <a:r>
+              <a:rPr lang="de-DE" baseline="0" dirty="0" err="1" smtClean="0"/>
+              <a:t>expanded</a:t>
+            </a:r>
+            <a:r>
+              <a:rPr lang="de-DE" baseline="0" dirty="0" smtClean="0"/>
+              <a:t> </a:t>
+            </a:r>
+            <a:r>
+              <a:rPr lang="de-DE" baseline="0" dirty="0" err="1" smtClean="0"/>
+              <a:t>horizontally</a:t>
+            </a:r>
+            <a:r>
+              <a:rPr lang="de-DE" baseline="0" dirty="0" smtClean="0"/>
+              <a:t> </a:t>
+            </a:r>
+            <a:r>
+              <a:rPr lang="de-DE" baseline="0" dirty="0" err="1" smtClean="0"/>
+              <a:t>as</a:t>
+            </a:r>
+            <a:r>
+              <a:rPr lang="de-DE" baseline="0" dirty="0" smtClean="0"/>
+              <a:t> </a:t>
+            </a:r>
+            <a:r>
+              <a:rPr lang="de-DE" baseline="0" dirty="0" err="1" smtClean="0"/>
+              <a:t>much</a:t>
+            </a:r>
+            <a:r>
+              <a:rPr lang="de-DE" baseline="0" dirty="0" smtClean="0"/>
+              <a:t> </a:t>
+            </a:r>
+            <a:r>
+              <a:rPr lang="de-DE" baseline="0" dirty="0" err="1" smtClean="0"/>
+              <a:t>as</a:t>
+            </a:r>
+            <a:r>
+              <a:rPr lang="de-DE" baseline="0" dirty="0" smtClean="0"/>
+              <a:t> </a:t>
+            </a:r>
+            <a:r>
+              <a:rPr lang="de-DE" baseline="0" dirty="0" err="1" smtClean="0"/>
+              <a:t>necessary</a:t>
+            </a:r>
+            <a:r>
+              <a:rPr lang="de-DE" baseline="0" dirty="0" smtClean="0"/>
+              <a:t>, </a:t>
+            </a:r>
+            <a:r>
+              <a:rPr lang="de-DE" baseline="0" dirty="0" err="1" smtClean="0"/>
+              <a:t>since</a:t>
+            </a:r>
+            <a:r>
+              <a:rPr lang="de-DE" baseline="0" dirty="0" smtClean="0"/>
+              <a:t> </a:t>
+            </a:r>
+            <a:r>
+              <a:rPr lang="de-DE" baseline="0" dirty="0" err="1" smtClean="0"/>
+              <a:t>the</a:t>
+            </a:r>
+            <a:r>
+              <a:rPr lang="de-DE" baseline="0" dirty="0" smtClean="0"/>
+              <a:t> </a:t>
+            </a:r>
+            <a:r>
+              <a:rPr lang="de-DE" baseline="0" dirty="0" err="1" smtClean="0"/>
+              <a:t>nextcloud</a:t>
+            </a:r>
+            <a:r>
+              <a:rPr lang="de-DE" baseline="0" dirty="0" smtClean="0"/>
+              <a:t> </a:t>
+            </a:r>
+            <a:r>
+              <a:rPr lang="de-DE" baseline="0" dirty="0" err="1" smtClean="0"/>
+              <a:t>workers</a:t>
+            </a:r>
+            <a:r>
+              <a:rPr lang="de-DE" baseline="0" dirty="0" smtClean="0"/>
+              <a:t> </a:t>
+            </a:r>
+            <a:r>
+              <a:rPr lang="de-DE" baseline="0" dirty="0" err="1" smtClean="0"/>
+              <a:t>are</a:t>
+            </a:r>
+            <a:r>
+              <a:rPr lang="de-DE" baseline="0" dirty="0" smtClean="0"/>
+              <a:t> </a:t>
+            </a:r>
+            <a:r>
+              <a:rPr lang="de-DE" baseline="0" dirty="0" err="1" smtClean="0"/>
+              <a:t>stateless</a:t>
+            </a:r>
+            <a:r>
+              <a:rPr lang="de-DE" baseline="0" dirty="0" smtClean="0"/>
+              <a:t> </a:t>
+            </a:r>
+            <a:r>
+              <a:rPr lang="de-DE" baseline="0" dirty="0" err="1" smtClean="0"/>
+              <a:t>and</a:t>
+            </a:r>
+            <a:r>
+              <a:rPr lang="de-DE" baseline="0" dirty="0" smtClean="0"/>
+              <a:t> </a:t>
+            </a:r>
+            <a:r>
+              <a:rPr lang="de-DE" baseline="0" dirty="0" err="1" smtClean="0"/>
+              <a:t>MinIO</a:t>
+            </a:r>
+            <a:r>
+              <a:rPr lang="de-DE" baseline="0" dirty="0" smtClean="0"/>
+              <a:t> </a:t>
+            </a:r>
+            <a:r>
+              <a:rPr lang="de-DE" baseline="0" dirty="0" err="1" smtClean="0"/>
+              <a:t>has</a:t>
+            </a:r>
+            <a:r>
+              <a:rPr lang="de-DE" baseline="0" dirty="0" smtClean="0"/>
+              <a:t> </a:t>
+            </a:r>
+            <a:r>
+              <a:rPr lang="de-DE" baseline="0" dirty="0" err="1" smtClean="0"/>
+              <a:t>no</a:t>
+            </a:r>
+            <a:r>
+              <a:rPr lang="de-DE" baseline="0" dirty="0" smtClean="0"/>
+              <a:t> </a:t>
+            </a:r>
+            <a:r>
+              <a:rPr lang="de-DE" baseline="0" dirty="0" err="1" smtClean="0"/>
+              <a:t>upper</a:t>
+            </a:r>
+            <a:r>
+              <a:rPr lang="de-DE" baseline="0" dirty="0" smtClean="0"/>
+              <a:t> </a:t>
+            </a:r>
+            <a:r>
+              <a:rPr lang="de-DE" baseline="0" dirty="0" err="1" smtClean="0"/>
+              <a:t>limit</a:t>
+            </a:r>
+            <a:r>
+              <a:rPr lang="de-DE" baseline="0" dirty="0" smtClean="0"/>
+              <a:t> on </a:t>
+            </a:r>
+            <a:r>
+              <a:rPr lang="de-DE" baseline="0" dirty="0" err="1" smtClean="0"/>
+              <a:t>servers</a:t>
+            </a:r>
+            <a:r>
+              <a:rPr lang="de-DE" baseline="0" dirty="0" smtClean="0"/>
+              <a:t>.</a:t>
+            </a:r>
+          </a:p>
+          <a:p>
+            <a:endParaRPr lang="de-DE" baseline="0" dirty="0" smtClean="0"/>
+          </a:p>
+          <a:p>
+            <a:r>
+              <a:rPr lang="de-DE" baseline="0" dirty="0" err="1" smtClean="0"/>
+              <a:t>Connected</a:t>
+            </a:r>
+            <a:r>
+              <a:rPr lang="de-DE" baseline="0" dirty="0" smtClean="0"/>
+              <a:t> </a:t>
+            </a:r>
+            <a:r>
+              <a:rPr lang="de-DE" baseline="0" dirty="0" err="1" smtClean="0"/>
+              <a:t>to</a:t>
+            </a:r>
+            <a:r>
+              <a:rPr lang="de-DE" baseline="0" dirty="0" smtClean="0"/>
+              <a:t> </a:t>
+            </a:r>
+            <a:r>
+              <a:rPr lang="de-DE" baseline="0" dirty="0" err="1" smtClean="0"/>
+              <a:t>the</a:t>
+            </a:r>
+            <a:r>
+              <a:rPr lang="de-DE" baseline="0" dirty="0" smtClean="0"/>
+              <a:t> </a:t>
+            </a:r>
+            <a:r>
+              <a:rPr lang="de-DE" baseline="0" dirty="0" err="1" smtClean="0"/>
+              <a:t>nodes</a:t>
+            </a:r>
+            <a:r>
+              <a:rPr lang="de-DE" baseline="0" dirty="0" smtClean="0"/>
+              <a:t> </a:t>
+            </a:r>
+            <a:r>
+              <a:rPr lang="de-DE" baseline="0" dirty="0" err="1" smtClean="0"/>
+              <a:t>you</a:t>
+            </a:r>
+            <a:r>
+              <a:rPr lang="de-DE" baseline="0" dirty="0" smtClean="0"/>
+              <a:t> </a:t>
+            </a:r>
+            <a:r>
+              <a:rPr lang="de-DE" baseline="0" dirty="0" err="1" smtClean="0"/>
+              <a:t>can</a:t>
+            </a:r>
+            <a:r>
+              <a:rPr lang="de-DE" baseline="0" dirty="0" smtClean="0"/>
+              <a:t> </a:t>
+            </a:r>
+            <a:r>
+              <a:rPr lang="de-DE" baseline="0" dirty="0" err="1" smtClean="0"/>
+              <a:t>see</a:t>
+            </a:r>
+            <a:r>
+              <a:rPr lang="de-DE" baseline="0" dirty="0" smtClean="0"/>
+              <a:t> </a:t>
+            </a:r>
+            <a:r>
+              <a:rPr lang="de-DE" baseline="0" dirty="0" err="1" smtClean="0"/>
+              <a:t>the</a:t>
+            </a:r>
+            <a:r>
+              <a:rPr lang="de-DE" baseline="0" dirty="0" smtClean="0"/>
+              <a:t> </a:t>
+            </a:r>
+            <a:r>
+              <a:rPr lang="de-DE" baseline="0" dirty="0" err="1" smtClean="0"/>
+              <a:t>node</a:t>
+            </a:r>
+            <a:r>
+              <a:rPr lang="de-DE" baseline="0" dirty="0" smtClean="0"/>
+              <a:t> </a:t>
+            </a:r>
+            <a:r>
+              <a:rPr lang="de-DE" baseline="0" dirty="0" err="1" smtClean="0"/>
+              <a:t>containing</a:t>
+            </a:r>
+            <a:r>
+              <a:rPr lang="de-DE" baseline="0" dirty="0" smtClean="0"/>
+              <a:t> </a:t>
+            </a:r>
+            <a:r>
+              <a:rPr lang="de-DE" baseline="0" dirty="0" err="1" smtClean="0"/>
+              <a:t>the</a:t>
+            </a:r>
+            <a:r>
+              <a:rPr lang="de-DE" baseline="0" dirty="0" smtClean="0"/>
+              <a:t> </a:t>
+            </a:r>
+            <a:r>
+              <a:rPr lang="de-DE" baseline="0" dirty="0" err="1" smtClean="0"/>
+              <a:t>database</a:t>
+            </a:r>
+            <a:r>
+              <a:rPr lang="de-DE" baseline="0" dirty="0" smtClean="0"/>
+              <a:t> </a:t>
+            </a:r>
+            <a:r>
+              <a:rPr lang="de-DE" baseline="0" dirty="0" err="1" smtClean="0"/>
+              <a:t>and</a:t>
+            </a:r>
+            <a:r>
+              <a:rPr lang="de-DE" baseline="0" dirty="0" smtClean="0"/>
+              <a:t> </a:t>
+            </a:r>
+            <a:r>
+              <a:rPr lang="de-DE" baseline="0" dirty="0" err="1" smtClean="0"/>
+              <a:t>cache</a:t>
+            </a:r>
+            <a:r>
+              <a:rPr lang="de-DE" baseline="0" dirty="0" smtClean="0"/>
+              <a:t>, </a:t>
+            </a:r>
+            <a:r>
+              <a:rPr lang="de-DE" baseline="0" dirty="0" err="1" smtClean="0"/>
+              <a:t>specifically</a:t>
+            </a:r>
+            <a:r>
+              <a:rPr lang="de-DE" baseline="0" dirty="0" smtClean="0"/>
+              <a:t> </a:t>
+            </a:r>
+            <a:r>
+              <a:rPr lang="de-DE" baseline="0" dirty="0" err="1" smtClean="0"/>
+              <a:t>MaraDB</a:t>
+            </a:r>
+            <a:r>
+              <a:rPr lang="de-DE" baseline="0" dirty="0" smtClean="0"/>
+              <a:t> </a:t>
+            </a:r>
+            <a:r>
+              <a:rPr lang="de-DE" baseline="0" dirty="0" err="1" smtClean="0"/>
+              <a:t>and</a:t>
+            </a:r>
+            <a:r>
+              <a:rPr lang="de-DE" baseline="0" dirty="0" smtClean="0"/>
+              <a:t> </a:t>
+            </a:r>
+            <a:r>
+              <a:rPr lang="de-DE" baseline="0" dirty="0" err="1" smtClean="0"/>
+              <a:t>Redis</a:t>
+            </a:r>
+            <a:r>
+              <a:rPr lang="de-DE" baseline="0" dirty="0" smtClean="0"/>
+              <a:t>. This </a:t>
+            </a:r>
+            <a:r>
+              <a:rPr lang="de-DE" baseline="0" dirty="0" err="1" smtClean="0"/>
+              <a:t>is</a:t>
+            </a:r>
+            <a:r>
+              <a:rPr lang="de-DE" baseline="0" dirty="0" smtClean="0"/>
+              <a:t> </a:t>
+            </a:r>
+            <a:r>
+              <a:rPr lang="de-DE" baseline="0" dirty="0" err="1" smtClean="0"/>
+              <a:t>the</a:t>
+            </a:r>
+            <a:r>
+              <a:rPr lang="de-DE" baseline="0" dirty="0" smtClean="0"/>
+              <a:t> </a:t>
+            </a:r>
+            <a:r>
+              <a:rPr lang="de-DE" baseline="0" dirty="0" err="1" smtClean="0"/>
+              <a:t>only</a:t>
+            </a:r>
+            <a:r>
+              <a:rPr lang="de-DE" baseline="0" dirty="0" smtClean="0"/>
+              <a:t> </a:t>
+            </a:r>
+            <a:r>
+              <a:rPr lang="de-DE" baseline="0" dirty="0" err="1" smtClean="0"/>
+              <a:t>factor</a:t>
+            </a:r>
+            <a:r>
+              <a:rPr lang="de-DE" baseline="0" dirty="0" smtClean="0"/>
+              <a:t> </a:t>
+            </a:r>
+            <a:r>
+              <a:rPr lang="de-DE" baseline="0" dirty="0" err="1" smtClean="0"/>
+              <a:t>limiting</a:t>
+            </a:r>
+            <a:r>
+              <a:rPr lang="de-DE" baseline="0" dirty="0" smtClean="0"/>
+              <a:t> </a:t>
+            </a:r>
+            <a:r>
+              <a:rPr lang="de-DE" baseline="0" dirty="0" err="1" smtClean="0"/>
+              <a:t>scalability</a:t>
+            </a:r>
+            <a:r>
+              <a:rPr lang="de-DE" baseline="0" dirty="0" smtClean="0"/>
+              <a:t>, </a:t>
+            </a:r>
+            <a:r>
+              <a:rPr lang="de-DE" baseline="0" dirty="0" err="1" smtClean="0"/>
+              <a:t>as</a:t>
+            </a:r>
+            <a:r>
+              <a:rPr lang="de-DE" baseline="0" dirty="0" smtClean="0"/>
+              <a:t> </a:t>
+            </a:r>
+            <a:r>
+              <a:rPr lang="de-DE" baseline="0" dirty="0" err="1" smtClean="0"/>
+              <a:t>every</a:t>
+            </a:r>
+            <a:r>
+              <a:rPr lang="de-DE" baseline="0" dirty="0" smtClean="0"/>
+              <a:t> </a:t>
+            </a:r>
+            <a:r>
+              <a:rPr lang="de-DE" baseline="0" dirty="0" err="1" smtClean="0"/>
+              <a:t>node</a:t>
+            </a:r>
+            <a:r>
+              <a:rPr lang="de-DE" baseline="0" dirty="0" smtClean="0"/>
+              <a:t> </a:t>
+            </a:r>
+            <a:r>
+              <a:rPr lang="de-DE" baseline="0" dirty="0" err="1" smtClean="0"/>
+              <a:t>has</a:t>
+            </a:r>
+            <a:r>
+              <a:rPr lang="de-DE" baseline="0" dirty="0" smtClean="0"/>
+              <a:t> </a:t>
+            </a:r>
+            <a:r>
+              <a:rPr lang="de-DE" baseline="0" dirty="0" err="1" smtClean="0"/>
+              <a:t>to</a:t>
+            </a:r>
+            <a:r>
+              <a:rPr lang="de-DE" baseline="0" dirty="0" smtClean="0"/>
+              <a:t> </a:t>
+            </a:r>
+            <a:r>
+              <a:rPr lang="de-DE" baseline="0" dirty="0" err="1" smtClean="0"/>
+              <a:t>access</a:t>
+            </a:r>
+            <a:r>
+              <a:rPr lang="de-DE" baseline="0" dirty="0" smtClean="0"/>
+              <a:t> </a:t>
+            </a:r>
+            <a:r>
+              <a:rPr lang="de-DE" baseline="0" dirty="0" err="1" smtClean="0"/>
+              <a:t>the</a:t>
+            </a:r>
+            <a:r>
+              <a:rPr lang="de-DE" baseline="0" dirty="0" smtClean="0"/>
+              <a:t> </a:t>
+            </a:r>
+            <a:r>
+              <a:rPr lang="de-DE" baseline="0" dirty="0" err="1" smtClean="0"/>
+              <a:t>database</a:t>
+            </a:r>
+            <a:r>
+              <a:rPr lang="de-DE" baseline="0" dirty="0" smtClean="0"/>
+              <a:t>.</a:t>
+            </a:r>
+          </a:p>
+          <a:p>
+            <a:endParaRPr lang="de-DE" baseline="0" dirty="0" smtClean="0"/>
+          </a:p>
+          <a:p>
+            <a:r>
+              <a:rPr lang="de-DE" baseline="0" dirty="0" smtClean="0"/>
+              <a:t>As for high </a:t>
+            </a:r>
+            <a:r>
+              <a:rPr lang="de-DE" baseline="0" dirty="0" err="1" smtClean="0"/>
+              <a:t>availability</a:t>
+            </a:r>
+            <a:r>
+              <a:rPr lang="de-DE" baseline="0" dirty="0" smtClean="0"/>
+              <a:t>, </a:t>
+            </a:r>
+            <a:r>
+              <a:rPr lang="de-DE" baseline="0" dirty="0" err="1" smtClean="0"/>
+              <a:t>the</a:t>
+            </a:r>
+            <a:r>
+              <a:rPr lang="de-DE" baseline="0" dirty="0" smtClean="0"/>
+              <a:t> </a:t>
+            </a:r>
+            <a:r>
+              <a:rPr lang="de-DE" baseline="0" dirty="0" err="1" smtClean="0"/>
+              <a:t>only</a:t>
+            </a:r>
+            <a:r>
+              <a:rPr lang="de-DE" baseline="0" dirty="0" smtClean="0"/>
+              <a:t> </a:t>
+            </a:r>
+            <a:r>
+              <a:rPr lang="de-DE" baseline="0" dirty="0" err="1" smtClean="0"/>
+              <a:t>possible</a:t>
+            </a:r>
+            <a:r>
+              <a:rPr lang="de-DE" baseline="0" dirty="0" smtClean="0"/>
+              <a:t> </a:t>
+            </a:r>
+            <a:r>
+              <a:rPr lang="de-DE" baseline="0" dirty="0" err="1" smtClean="0"/>
+              <a:t>fail</a:t>
+            </a:r>
+            <a:r>
+              <a:rPr lang="de-DE" baseline="0" dirty="0" smtClean="0"/>
+              <a:t> </a:t>
+            </a:r>
+            <a:r>
+              <a:rPr lang="de-DE" baseline="0" dirty="0" err="1" smtClean="0"/>
+              <a:t>states</a:t>
+            </a:r>
+            <a:r>
+              <a:rPr lang="de-DE" baseline="0" dirty="0" smtClean="0"/>
+              <a:t> </a:t>
+            </a:r>
+            <a:r>
+              <a:rPr lang="de-DE" baseline="0" dirty="0" err="1" smtClean="0"/>
+              <a:t>are</a:t>
+            </a:r>
+            <a:r>
+              <a:rPr lang="de-DE" baseline="0" dirty="0" smtClean="0"/>
+              <a:t> a </a:t>
+            </a:r>
+            <a:r>
+              <a:rPr lang="de-DE" baseline="0" dirty="0" err="1" smtClean="0"/>
+              <a:t>failure</a:t>
+            </a:r>
+            <a:r>
+              <a:rPr lang="de-DE" baseline="0" dirty="0" smtClean="0"/>
+              <a:t> of </a:t>
+            </a:r>
+            <a:r>
+              <a:rPr lang="de-DE" baseline="0" dirty="0" err="1" smtClean="0"/>
+              <a:t>the</a:t>
+            </a:r>
+            <a:r>
+              <a:rPr lang="de-DE" baseline="0" dirty="0" smtClean="0"/>
+              <a:t> </a:t>
+            </a:r>
+            <a:r>
+              <a:rPr lang="de-DE" baseline="0" dirty="0" err="1" smtClean="0"/>
+              <a:t>node</a:t>
+            </a:r>
+            <a:r>
+              <a:rPr lang="de-DE" baseline="0" dirty="0" smtClean="0"/>
+              <a:t> </a:t>
+            </a:r>
+            <a:r>
+              <a:rPr lang="de-DE" baseline="0" dirty="0" err="1" smtClean="0"/>
+              <a:t>containing</a:t>
+            </a:r>
+            <a:r>
+              <a:rPr lang="de-DE" baseline="0" dirty="0" smtClean="0"/>
+              <a:t> </a:t>
+            </a:r>
+            <a:r>
+              <a:rPr lang="de-DE" baseline="0" dirty="0" err="1" smtClean="0"/>
+              <a:t>the</a:t>
+            </a:r>
+            <a:r>
+              <a:rPr lang="de-DE" baseline="0" dirty="0" smtClean="0"/>
+              <a:t> </a:t>
+            </a:r>
+            <a:r>
+              <a:rPr lang="de-DE" baseline="0" dirty="0" err="1" smtClean="0"/>
+              <a:t>database</a:t>
+            </a:r>
+            <a:r>
+              <a:rPr lang="de-DE" baseline="0" dirty="0" smtClean="0"/>
+              <a:t>, </a:t>
+            </a:r>
+            <a:r>
+              <a:rPr lang="de-DE" baseline="0" dirty="0" err="1" smtClean="0"/>
+              <a:t>as</a:t>
+            </a:r>
+            <a:r>
+              <a:rPr lang="de-DE" baseline="0" dirty="0" smtClean="0"/>
+              <a:t> </a:t>
+            </a:r>
+            <a:r>
+              <a:rPr lang="de-DE" baseline="0" dirty="0" err="1" smtClean="0"/>
+              <a:t>without</a:t>
+            </a:r>
+            <a:r>
+              <a:rPr lang="de-DE" baseline="0" dirty="0" smtClean="0"/>
+              <a:t> a </a:t>
+            </a:r>
+            <a:r>
+              <a:rPr lang="de-DE" baseline="0" dirty="0" err="1" smtClean="0"/>
+              <a:t>database</a:t>
+            </a:r>
+            <a:r>
+              <a:rPr lang="de-DE" baseline="0" dirty="0" smtClean="0"/>
+              <a:t> </a:t>
+            </a:r>
+            <a:r>
+              <a:rPr lang="de-DE" baseline="0" dirty="0" err="1" smtClean="0"/>
+              <a:t>connection</a:t>
+            </a:r>
+            <a:r>
+              <a:rPr lang="de-DE" baseline="0" dirty="0" smtClean="0"/>
+              <a:t> </a:t>
+            </a:r>
+            <a:r>
+              <a:rPr lang="de-DE" baseline="0" dirty="0" err="1" smtClean="0"/>
+              <a:t>the</a:t>
+            </a:r>
+            <a:r>
+              <a:rPr lang="de-DE" baseline="0" dirty="0" smtClean="0"/>
+              <a:t> </a:t>
+            </a:r>
+            <a:r>
+              <a:rPr lang="de-DE" baseline="0" dirty="0" err="1" smtClean="0"/>
+              <a:t>nextcloud</a:t>
+            </a:r>
+            <a:r>
+              <a:rPr lang="de-DE" baseline="0" dirty="0" smtClean="0"/>
+              <a:t> </a:t>
+            </a:r>
+            <a:r>
+              <a:rPr lang="de-DE" baseline="0" dirty="0" err="1" smtClean="0"/>
+              <a:t>nodes</a:t>
+            </a:r>
+            <a:r>
+              <a:rPr lang="de-DE" baseline="0" dirty="0" smtClean="0"/>
+              <a:t> will not </a:t>
+            </a:r>
+            <a:r>
+              <a:rPr lang="de-DE" baseline="0" dirty="0" err="1" smtClean="0"/>
+              <a:t>be</a:t>
+            </a:r>
+            <a:r>
+              <a:rPr lang="de-DE" baseline="0" dirty="0" smtClean="0"/>
+              <a:t> </a:t>
+            </a:r>
+            <a:r>
+              <a:rPr lang="de-DE" baseline="0" dirty="0" err="1" smtClean="0"/>
+              <a:t>able</a:t>
+            </a:r>
+            <a:r>
+              <a:rPr lang="de-DE" baseline="0" dirty="0" smtClean="0"/>
+              <a:t> </a:t>
+            </a:r>
+            <a:r>
+              <a:rPr lang="de-DE" baseline="0" dirty="0" err="1" smtClean="0"/>
+              <a:t>to</a:t>
+            </a:r>
+            <a:r>
+              <a:rPr lang="de-DE" baseline="0" dirty="0" smtClean="0"/>
+              <a:t> </a:t>
+            </a:r>
+            <a:r>
+              <a:rPr lang="de-DE" baseline="0" dirty="0" err="1" smtClean="0"/>
+              <a:t>function</a:t>
+            </a:r>
+            <a:r>
+              <a:rPr lang="de-DE" baseline="0" dirty="0" smtClean="0"/>
+              <a:t>. The </a:t>
+            </a:r>
+            <a:r>
+              <a:rPr lang="de-DE" baseline="0" dirty="0" err="1" smtClean="0"/>
+              <a:t>other</a:t>
+            </a:r>
+            <a:r>
+              <a:rPr lang="de-DE" baseline="0" dirty="0" smtClean="0"/>
+              <a:t> </a:t>
+            </a:r>
+            <a:r>
+              <a:rPr lang="de-DE" baseline="0" dirty="0" err="1" smtClean="0"/>
+              <a:t>possible</a:t>
+            </a:r>
+            <a:r>
+              <a:rPr lang="de-DE" baseline="0" dirty="0" smtClean="0"/>
+              <a:t> </a:t>
+            </a:r>
+            <a:r>
+              <a:rPr lang="de-DE" baseline="0" dirty="0" err="1" smtClean="0"/>
+              <a:t>point</a:t>
+            </a:r>
+            <a:r>
+              <a:rPr lang="de-DE" baseline="0" dirty="0" smtClean="0"/>
+              <a:t> of </a:t>
+            </a:r>
+            <a:r>
+              <a:rPr lang="de-DE" baseline="0" dirty="0" err="1" smtClean="0"/>
+              <a:t>failure</a:t>
+            </a:r>
+            <a:r>
+              <a:rPr lang="de-DE" baseline="0" dirty="0" smtClean="0"/>
+              <a:t> </a:t>
+            </a:r>
+            <a:r>
+              <a:rPr lang="de-DE" baseline="0" dirty="0" err="1" smtClean="0"/>
+              <a:t>is</a:t>
+            </a:r>
+            <a:r>
+              <a:rPr lang="de-DE" baseline="0" dirty="0" smtClean="0"/>
+              <a:t> </a:t>
+            </a:r>
+            <a:r>
+              <a:rPr lang="de-DE" baseline="0" dirty="0" err="1" smtClean="0"/>
+              <a:t>the</a:t>
+            </a:r>
+            <a:r>
+              <a:rPr lang="de-DE" baseline="0" dirty="0" smtClean="0"/>
+              <a:t> </a:t>
+            </a:r>
+            <a:r>
+              <a:rPr lang="de-DE" baseline="0" dirty="0" err="1" smtClean="0"/>
+              <a:t>MinIO</a:t>
+            </a:r>
+            <a:r>
+              <a:rPr lang="de-DE" baseline="0" dirty="0" smtClean="0"/>
+              <a:t> </a:t>
+            </a:r>
+            <a:r>
+              <a:rPr lang="de-DE" baseline="0" dirty="0" err="1" smtClean="0"/>
+              <a:t>object</a:t>
+            </a:r>
+            <a:r>
+              <a:rPr lang="de-DE" baseline="0" dirty="0" smtClean="0"/>
+              <a:t> </a:t>
+            </a:r>
+            <a:r>
+              <a:rPr lang="de-DE" baseline="0" dirty="0" err="1" smtClean="0"/>
+              <a:t>storage</a:t>
+            </a:r>
+            <a:r>
+              <a:rPr lang="de-DE" baseline="0" dirty="0" smtClean="0"/>
+              <a:t>, </a:t>
+            </a:r>
+            <a:r>
+              <a:rPr lang="de-DE" baseline="0" dirty="0" err="1" smtClean="0"/>
+              <a:t>however</a:t>
+            </a:r>
+            <a:r>
+              <a:rPr lang="de-DE" baseline="0" dirty="0" smtClean="0"/>
+              <a:t> </a:t>
+            </a:r>
+            <a:r>
+              <a:rPr lang="de-DE" baseline="0" dirty="0" err="1" smtClean="0"/>
+              <a:t>it</a:t>
+            </a:r>
+            <a:r>
+              <a:rPr lang="de-DE" baseline="0" dirty="0" smtClean="0"/>
+              <a:t> </a:t>
+            </a:r>
+            <a:r>
+              <a:rPr lang="de-DE" baseline="0" dirty="0" err="1" smtClean="0"/>
+              <a:t>has</a:t>
+            </a:r>
+            <a:r>
+              <a:rPr lang="de-DE" baseline="0" dirty="0" smtClean="0"/>
+              <a:t> </a:t>
+            </a:r>
+            <a:r>
+              <a:rPr lang="de-DE" baseline="0" dirty="0" err="1" smtClean="0"/>
+              <a:t>replication</a:t>
+            </a:r>
+            <a:r>
+              <a:rPr lang="de-DE" baseline="0" dirty="0" smtClean="0"/>
+              <a:t> of </a:t>
+            </a:r>
+            <a:r>
+              <a:rPr lang="de-DE" baseline="0" dirty="0" err="1" smtClean="0"/>
+              <a:t>data</a:t>
+            </a:r>
+            <a:r>
+              <a:rPr lang="de-DE" baseline="0" dirty="0" smtClean="0"/>
+              <a:t> </a:t>
+            </a:r>
+            <a:r>
+              <a:rPr lang="de-DE" baseline="0" dirty="0" err="1" smtClean="0"/>
+              <a:t>built</a:t>
+            </a:r>
+            <a:r>
+              <a:rPr lang="de-DE" baseline="0" dirty="0" smtClean="0"/>
+              <a:t> in, </a:t>
+            </a:r>
+            <a:r>
+              <a:rPr lang="de-DE" baseline="0" dirty="0" err="1" smtClean="0"/>
+              <a:t>therefore</a:t>
+            </a:r>
+            <a:r>
+              <a:rPr lang="de-DE" baseline="0" dirty="0" smtClean="0"/>
+              <a:t> </a:t>
+            </a:r>
+            <a:r>
+              <a:rPr lang="de-DE" baseline="0" dirty="0" err="1" smtClean="0"/>
+              <a:t>no</a:t>
+            </a:r>
+            <a:r>
+              <a:rPr lang="de-DE" baseline="0" dirty="0" smtClean="0"/>
+              <a:t> </a:t>
+            </a:r>
+            <a:r>
+              <a:rPr lang="de-DE" baseline="0" dirty="0" err="1" smtClean="0"/>
+              <a:t>data</a:t>
+            </a:r>
+            <a:r>
+              <a:rPr lang="de-DE" baseline="0" dirty="0" smtClean="0"/>
+              <a:t> </a:t>
+            </a:r>
+            <a:r>
+              <a:rPr lang="de-DE" baseline="0" dirty="0" err="1" smtClean="0"/>
+              <a:t>loss</a:t>
+            </a:r>
+            <a:r>
+              <a:rPr lang="de-DE" baseline="0" dirty="0" smtClean="0"/>
+              <a:t> </a:t>
+            </a:r>
+            <a:r>
+              <a:rPr lang="de-DE" baseline="0" dirty="0" err="1" smtClean="0"/>
+              <a:t>can</a:t>
+            </a:r>
+            <a:r>
+              <a:rPr lang="de-DE" baseline="0" dirty="0" smtClean="0"/>
+              <a:t> </a:t>
+            </a:r>
+            <a:r>
+              <a:rPr lang="de-DE" baseline="0" dirty="0" err="1" smtClean="0"/>
+              <a:t>occur</a:t>
+            </a:r>
+            <a:r>
+              <a:rPr lang="de-DE" baseline="0" dirty="0" smtClean="0"/>
+              <a:t>.</a:t>
+            </a:r>
+            <a:endParaRPr lang="de-DE" dirty="0"/>
           </a:p>
         </p:txBody>
       </p:sp>
@@ -3730,7 +5988,7 @@
           <a:p>
             <a:fld id="{706572D1-9F21-4623-91AD-FF8FC5882A4F}" type="slidenum">
               <a:rPr lang="de-DE" smtClean="0"/>
-              <a:t>9</a:t>
+              <a:t>10</a:t>
             </a:fld>
             <a:endParaRPr lang="de-DE"/>
           </a:p>
@@ -3822,7 +6080,7 @@
           <a:p>
             <a:fld id="{706572D1-9F21-4623-91AD-FF8FC5882A4F}" type="slidenum">
               <a:rPr lang="de-DE" smtClean="0"/>
-              <a:t>10</a:t>
+              <a:t>11</a:t>
             </a:fld>
             <a:endParaRPr lang="de-DE"/>
           </a:p>
@@ -6898,6 +9156,13 @@
   <p:clrMapOvr>
     <a:masterClrMapping/>
   </p:clrMapOvr>
+  <p:timing>
+    <p:tnLst>
+      <p:par>
+        <p:cTn id="1" dur="indefinite" restart="never" nodeType="tmRoot"/>
+      </p:par>
+    </p:tnLst>
+  </p:timing>
 </p:sld>
 </file>
 
@@ -6934,8 +9199,12 @@
           <a:lstStyle/>
           <a:p>
             <a:r>
-              <a:rPr lang="de-DE" dirty="0" err="1"/>
-              <a:t>Conclusion</a:t>
+              <a:rPr lang="de-DE" dirty="0"/>
+              <a:t>Live </a:t>
+            </a:r>
+            <a:r>
+              <a:rPr lang="de-DE" dirty="0" err="1"/>
+              <a:t>demonstration</a:t>
             </a:r>
             <a:endParaRPr lang="de-DE" dirty="0"/>
           </a:p>
@@ -6959,118 +9228,9 @@
           <a:lstStyle/>
           <a:p>
             <a:r>
-              <a:rPr lang="de-DE" dirty="0" err="1"/>
-              <a:t>Kubernetes</a:t>
-            </a:r>
-            <a:endParaRPr lang="de-DE" dirty="0"/>
-          </a:p>
-          <a:p>
-            <a:pPr lvl="1"/>
-            <a:r>
-              <a:rPr lang="de-DE" dirty="0"/>
-              <a:t>Powerful</a:t>
-            </a:r>
-          </a:p>
-          <a:p>
-            <a:pPr lvl="1"/>
-            <a:r>
-              <a:rPr lang="de-DE" dirty="0"/>
-              <a:t>Easy </a:t>
-            </a:r>
-            <a:r>
-              <a:rPr lang="de-DE" dirty="0" err="1"/>
-              <a:t>to</a:t>
-            </a:r>
-            <a:r>
-              <a:rPr lang="de-DE" dirty="0"/>
-              <a:t> </a:t>
-            </a:r>
-            <a:r>
-              <a:rPr lang="de-DE" dirty="0" err="1"/>
-              <a:t>setup</a:t>
-            </a:r>
-            <a:endParaRPr lang="de-DE" dirty="0"/>
-          </a:p>
-          <a:p>
-            <a:r>
-              <a:rPr lang="de-DE" dirty="0" err="1"/>
-              <a:t>Nextcloud</a:t>
-            </a:r>
-            <a:endParaRPr lang="de-DE" dirty="0"/>
-          </a:p>
-          <a:p>
-            <a:pPr lvl="1"/>
-            <a:r>
-              <a:rPr lang="de-DE" dirty="0" err="1"/>
-              <a:t>Usefull</a:t>
-            </a:r>
-            <a:r>
-              <a:rPr lang="de-DE" dirty="0"/>
-              <a:t> </a:t>
-            </a:r>
-            <a:r>
-              <a:rPr lang="de-DE" dirty="0" err="1"/>
-              <a:t>application</a:t>
-            </a:r>
-            <a:endParaRPr lang="de-DE" dirty="0"/>
-          </a:p>
-          <a:p>
-            <a:pPr lvl="1"/>
-            <a:r>
-              <a:rPr lang="de-DE" dirty="0"/>
-              <a:t>Many different </a:t>
-            </a:r>
-            <a:r>
-              <a:rPr lang="de-DE" dirty="0" err="1"/>
-              <a:t>features</a:t>
-            </a:r>
-            <a:endParaRPr lang="de-DE" dirty="0"/>
-          </a:p>
-          <a:p>
-            <a:pPr lvl="1"/>
-            <a:endParaRPr lang="de-DE" dirty="0"/>
-          </a:p>
-          <a:p>
-            <a:r>
-              <a:rPr lang="de-DE" dirty="0"/>
-              <a:t>Expansion </a:t>
-            </a:r>
-            <a:r>
-              <a:rPr lang="de-DE" dirty="0" err="1"/>
-              <a:t>of</a:t>
-            </a:r>
-            <a:r>
-              <a:rPr lang="de-DE" dirty="0"/>
-              <a:t> </a:t>
-            </a:r>
-            <a:r>
-              <a:rPr lang="de-DE" dirty="0" err="1"/>
-              <a:t>pods</a:t>
-            </a:r>
-            <a:endParaRPr lang="de-DE" dirty="0"/>
-          </a:p>
-          <a:p>
-            <a:r>
-              <a:rPr lang="de-DE" dirty="0" err="1"/>
-              <a:t>Adding</a:t>
-            </a:r>
-            <a:r>
-              <a:rPr lang="de-DE" dirty="0"/>
-              <a:t> </a:t>
-            </a:r>
-            <a:r>
-              <a:rPr lang="de-DE" dirty="0" err="1"/>
-              <a:t>of</a:t>
-            </a:r>
-            <a:r>
-              <a:rPr lang="de-DE" dirty="0"/>
-              <a:t> </a:t>
-            </a:r>
-            <a:r>
-              <a:rPr lang="de-DE" dirty="0" err="1"/>
-              <a:t>features</a:t>
-            </a:r>
-            <a:endParaRPr lang="de-DE" dirty="0"/>
+              <a:rPr lang="de-DE" dirty="0"/>
+              <a:t>-</a:t>
+            </a:r>
           </a:p>
         </p:txBody>
       </p:sp>
@@ -7092,6 +9252,215 @@
             <a:fld id="{371A7658-0F70-421B-9B10-FA4A9AE028A8}" type="slidenum">
               <a:rPr lang="de-DE" smtClean="0"/>
               <a:t>10</a:t>
+            </a:fld>
+            <a:endParaRPr lang="de-DE"/>
+          </a:p>
+        </p:txBody>
+      </p:sp>
+    </p:spTree>
+    <p:extLst>
+      <p:ext uri="{BB962C8B-B14F-4D97-AF65-F5344CB8AC3E}">
+        <p14:creationId xmlns:p14="http://schemas.microsoft.com/office/powerpoint/2010/main" val="1512024545"/>
+      </p:ext>
+    </p:extLst>
+  </p:cSld>
+  <p:clrMapOvr>
+    <a:masterClrMapping/>
+  </p:clrMapOvr>
+</p:sld>
+</file>
+
+<file path=ppt/slides/slide11.xml><?xml version="1.0" encoding="utf-8"?>
+<p:sld xmlns:a="http://schemas.openxmlformats.org/drawingml/2006/main" xmlns:r="http://schemas.openxmlformats.org/officeDocument/2006/relationships" xmlns:p="http://schemas.openxmlformats.org/presentationml/2006/main">
+  <p:cSld>
+    <p:spTree>
+      <p:nvGrpSpPr>
+        <p:cNvPr id="1" name=""/>
+        <p:cNvGrpSpPr/>
+        <p:nvPr/>
+      </p:nvGrpSpPr>
+      <p:grpSpPr>
+        <a:xfrm>
+          <a:off x="0" y="0"/>
+          <a:ext cx="0" cy="0"/>
+          <a:chOff x="0" y="0"/>
+          <a:chExt cx="0" cy="0"/>
+        </a:xfrm>
+      </p:grpSpPr>
+      <p:sp>
+        <p:nvSpPr>
+          <p:cNvPr id="2" name="Titel 1"/>
+          <p:cNvSpPr>
+            <a:spLocks noGrp="1"/>
+          </p:cNvSpPr>
+          <p:nvPr>
+            <p:ph type="title"/>
+          </p:nvPr>
+        </p:nvSpPr>
+        <p:spPr/>
+        <p:txBody>
+          <a:bodyPr/>
+          <a:lstStyle/>
+          <a:p>
+            <a:r>
+              <a:rPr lang="de-DE" dirty="0" err="1"/>
+              <a:t>Conclusion</a:t>
+            </a:r>
+            <a:endParaRPr lang="de-DE" dirty="0"/>
+          </a:p>
+        </p:txBody>
+      </p:sp>
+      <p:sp>
+        <p:nvSpPr>
+          <p:cNvPr id="3" name="Inhaltsplatzhalter 2"/>
+          <p:cNvSpPr>
+            <a:spLocks noGrp="1"/>
+          </p:cNvSpPr>
+          <p:nvPr>
+            <p:ph idx="1"/>
+          </p:nvPr>
+        </p:nvSpPr>
+        <p:spPr/>
+        <p:txBody>
+          <a:bodyPr>
+            <a:normAutofit/>
+          </a:bodyPr>
+          <a:lstStyle/>
+          <a:p>
+            <a:r>
+              <a:rPr lang="de-DE" dirty="0" err="1"/>
+              <a:t>Kubernetes</a:t>
+            </a:r>
+            <a:endParaRPr lang="de-DE" dirty="0"/>
+          </a:p>
+          <a:p>
+            <a:pPr lvl="1"/>
+            <a:r>
+              <a:rPr lang="de-DE" dirty="0"/>
+              <a:t>Powerful</a:t>
+            </a:r>
+          </a:p>
+          <a:p>
+            <a:pPr lvl="1"/>
+            <a:r>
+              <a:rPr lang="de-DE" dirty="0"/>
+              <a:t>Easy </a:t>
+            </a:r>
+            <a:r>
+              <a:rPr lang="de-DE" dirty="0" err="1"/>
+              <a:t>to</a:t>
+            </a:r>
+            <a:r>
+              <a:rPr lang="de-DE" dirty="0"/>
+              <a:t> </a:t>
+            </a:r>
+            <a:r>
+              <a:rPr lang="de-DE" dirty="0" err="1"/>
+              <a:t>setup</a:t>
+            </a:r>
+            <a:endParaRPr lang="de-DE" dirty="0"/>
+          </a:p>
+          <a:p>
+            <a:r>
+              <a:rPr lang="de-DE" dirty="0" err="1"/>
+              <a:t>Nextcloud</a:t>
+            </a:r>
+            <a:endParaRPr lang="de-DE" dirty="0"/>
+          </a:p>
+          <a:p>
+            <a:pPr lvl="1"/>
+            <a:r>
+              <a:rPr lang="de-DE" dirty="0" err="1"/>
+              <a:t>Usefull</a:t>
+            </a:r>
+            <a:r>
+              <a:rPr lang="de-DE" dirty="0"/>
+              <a:t> </a:t>
+            </a:r>
+            <a:r>
+              <a:rPr lang="de-DE" dirty="0" err="1"/>
+              <a:t>application</a:t>
+            </a:r>
+            <a:endParaRPr lang="de-DE" dirty="0"/>
+          </a:p>
+          <a:p>
+            <a:pPr lvl="1"/>
+            <a:r>
+              <a:rPr lang="de-DE" dirty="0"/>
+              <a:t>Many different </a:t>
+            </a:r>
+            <a:r>
+              <a:rPr lang="de-DE" dirty="0" err="1"/>
+              <a:t>features</a:t>
+            </a:r>
+            <a:endParaRPr lang="de-DE" dirty="0"/>
+          </a:p>
+          <a:p>
+            <a:pPr lvl="1"/>
+            <a:endParaRPr lang="de-DE" dirty="0"/>
+          </a:p>
+          <a:p>
+            <a:r>
+              <a:rPr lang="de-DE" dirty="0"/>
+              <a:t>Expansion </a:t>
+            </a:r>
+            <a:r>
+              <a:rPr lang="de-DE" dirty="0" err="1"/>
+              <a:t>of</a:t>
+            </a:r>
+            <a:r>
+              <a:rPr lang="de-DE" dirty="0"/>
+              <a:t> </a:t>
+            </a:r>
+            <a:r>
+              <a:rPr lang="de-DE" dirty="0" err="1"/>
+              <a:t>pods</a:t>
+            </a:r>
+            <a:endParaRPr lang="de-DE" dirty="0"/>
+          </a:p>
+          <a:p>
+            <a:r>
+              <a:rPr lang="de-DE" dirty="0" err="1"/>
+              <a:t>Adding</a:t>
+            </a:r>
+            <a:r>
+              <a:rPr lang="de-DE" dirty="0"/>
+              <a:t> </a:t>
+            </a:r>
+            <a:r>
+              <a:rPr lang="de-DE" dirty="0" err="1"/>
+              <a:t>of</a:t>
+            </a:r>
+            <a:r>
+              <a:rPr lang="de-DE" dirty="0"/>
+              <a:t> </a:t>
+            </a:r>
+            <a:r>
+              <a:rPr lang="de-DE" dirty="0" err="1"/>
+              <a:t>features</a:t>
+            </a:r>
+            <a:endParaRPr lang="de-DE" dirty="0"/>
+          </a:p>
+        </p:txBody>
+      </p:sp>
+      <p:sp>
+        <p:nvSpPr>
+          <p:cNvPr id="4" name="Foliennummernplatzhalter 3"/>
+          <p:cNvSpPr>
+            <a:spLocks noGrp="1"/>
+          </p:cNvSpPr>
+          <p:nvPr>
+            <p:ph type="sldNum" sz="quarter" idx="12"/>
+          </p:nvPr>
+        </p:nvSpPr>
+        <p:spPr/>
+        <p:txBody>
+          <a:bodyPr/>
+          <a:lstStyle/>
+          <a:p>
+            <a:fld id="{371A7658-0F70-421B-9B10-FA4A9AE028A8}" type="slidenum">
+              <a:rPr lang="de-DE" smtClean="0"/>
+              <a:t>11</a:t>
             </a:fld>
             <a:endParaRPr lang="de-DE"/>
           </a:p>
@@ -7110,7 +9479,7 @@
 </p:sld>
 </file>
 
-<file path=ppt/slides/slide11.xml><?xml version="1.0" encoding="utf-8"?>
+<file path=ppt/slides/slide12.xml><?xml version="1.0" encoding="utf-8"?>
 <p:sld xmlns:a="http://schemas.openxmlformats.org/drawingml/2006/main" xmlns:r="http://schemas.openxmlformats.org/officeDocument/2006/relationships" xmlns:p="http://schemas.openxmlformats.org/presentationml/2006/main">
   <p:cSld>
     <p:spTree>
@@ -7258,7 +9627,7 @@
           <a:lstStyle/>
           <a:p>
             <a:r>
-              <a:rPr lang="de-DE"/>
+              <a:rPr lang="de-DE" dirty="0"/>
               <a:t>Agenda</a:t>
             </a:r>
           </a:p>
@@ -7337,7 +9706,7 @@
               <a:rPr lang="de-DE" smtClean="0"/>
               <a:t>2</a:t>
             </a:fld>
-            <a:endParaRPr lang="de-DE"/>
+            <a:endParaRPr lang="de-DE" dirty="0"/>
           </a:p>
         </p:txBody>
       </p:sp>
@@ -7491,6 +9860,13 @@
   <p:clrMapOvr>
     <a:masterClrMapping/>
   </p:clrMapOvr>
+  <p:timing>
+    <p:tnLst>
+      <p:par>
+        <p:cTn id="1" dur="indefinite" restart="never" nodeType="tmRoot"/>
+      </p:par>
+    </p:tnLst>
+  </p:timing>
 </p:sld>
 </file>
 
@@ -7630,7 +10006,7 @@
           <p:cNvPr id="6" name="Titel 5">
             <a:extLst>
               <a:ext uri="{FF2B5EF4-FFF2-40B4-BE49-F238E27FC236}">
-                <a16:creationId xmlns:a16="http://schemas.microsoft.com/office/drawing/2014/main" id="{5A007AC0-4974-439A-9262-409267C15A2E}"/>
+                <a16:creationId xmlns:a16="http://schemas.microsoft.com/office/drawing/2014/main" xmlns="" id="{5A007AC0-4974-439A-9262-409267C15A2E}"/>
               </a:ext>
             </a:extLst>
           </p:cNvPr>
@@ -7655,7 +10031,7 @@
           <p:cNvPr id="10" name="Grafik 9">
             <a:extLst>
               <a:ext uri="{FF2B5EF4-FFF2-40B4-BE49-F238E27FC236}">
-                <a16:creationId xmlns:a16="http://schemas.microsoft.com/office/drawing/2014/main" id="{DEE75B64-3D42-4166-B864-477DE835DF70}"/>
+                <a16:creationId xmlns:a16="http://schemas.microsoft.com/office/drawing/2014/main" xmlns="" id="{DEE75B64-3D42-4166-B864-477DE835DF70}"/>
               </a:ext>
             </a:extLst>
           </p:cNvPr>
@@ -7696,6 +10072,13 @@
   <p:clrMapOvr>
     <a:masterClrMapping/>
   </p:clrMapOvr>
+  <p:timing>
+    <p:tnLst>
+      <p:par>
+        <p:cTn id="1" dur="indefinite" restart="never" nodeType="tmRoot"/>
+      </p:par>
+    </p:tnLst>
+  </p:timing>
 </p:sld>
 </file>
 
@@ -7744,7 +10127,7 @@
           <p:cNvPr id="6" name="Titel 5">
             <a:extLst>
               <a:ext uri="{FF2B5EF4-FFF2-40B4-BE49-F238E27FC236}">
-                <a16:creationId xmlns:a16="http://schemas.microsoft.com/office/drawing/2014/main" id="{5A007AC0-4974-439A-9262-409267C15A2E}"/>
+                <a16:creationId xmlns:a16="http://schemas.microsoft.com/office/drawing/2014/main" xmlns="" id="{5A007AC0-4974-439A-9262-409267C15A2E}"/>
               </a:ext>
             </a:extLst>
           </p:cNvPr>
@@ -7769,7 +10152,7 @@
           <p:cNvPr id="10" name="Grafik 9">
             <a:extLst>
               <a:ext uri="{FF2B5EF4-FFF2-40B4-BE49-F238E27FC236}">
-                <a16:creationId xmlns:a16="http://schemas.microsoft.com/office/drawing/2014/main" id="{DEE75B64-3D42-4166-B864-477DE835DF70}"/>
+                <a16:creationId xmlns:a16="http://schemas.microsoft.com/office/drawing/2014/main" xmlns="" id="{DEE75B64-3D42-4166-B864-477DE835DF70}"/>
               </a:ext>
             </a:extLst>
           </p:cNvPr>
@@ -7805,7 +10188,7 @@
           <p:cNvPr id="11" name="Grafik 10">
             <a:extLst>
               <a:ext uri="{FF2B5EF4-FFF2-40B4-BE49-F238E27FC236}">
-                <a16:creationId xmlns:a16="http://schemas.microsoft.com/office/drawing/2014/main" id="{F98EF2B0-6396-4832-A603-CCEE22E0091F}"/>
+                <a16:creationId xmlns:a16="http://schemas.microsoft.com/office/drawing/2014/main" xmlns="" id="{F98EF2B0-6396-4832-A603-CCEE22E0091F}"/>
               </a:ext>
             </a:extLst>
           </p:cNvPr>
@@ -7844,6 +10227,13 @@
   <p:clrMapOvr>
     <a:masterClrMapping/>
   </p:clrMapOvr>
+  <p:timing>
+    <p:tnLst>
+      <p:par>
+        <p:cTn id="1" dur="indefinite" restart="never" nodeType="tmRoot"/>
+      </p:par>
+    </p:tnLst>
+  </p:timing>
 </p:sld>
 </file>
 
@@ -7971,7 +10361,7 @@
           <p:cNvPr id="5" name="Inhaltsplatzhalter 5">
             <a:extLst>
               <a:ext uri="{FF2B5EF4-FFF2-40B4-BE49-F238E27FC236}">
-                <a16:creationId xmlns:a16="http://schemas.microsoft.com/office/drawing/2014/main" id="{6839BEF3-E9EB-4513-929E-2BFE84C02FB7}"/>
+                <a16:creationId xmlns:a16="http://schemas.microsoft.com/office/drawing/2014/main" xmlns="" id="{6839BEF3-E9EB-4513-929E-2BFE84C02FB7}"/>
               </a:ext>
             </a:extLst>
           </p:cNvPr>
@@ -8012,6 +10402,13 @@
   <p:clrMapOvr>
     <a:masterClrMapping/>
   </p:clrMapOvr>
+  <p:timing>
+    <p:tnLst>
+      <p:par>
+        <p:cTn id="1" dur="indefinite" restart="never" nodeType="tmRoot"/>
+      </p:par>
+    </p:tnLst>
+  </p:timing>
 </p:sld>
 </file>
 
@@ -8037,7 +10434,7 @@
           <p:cNvPr id="6" name="Inhaltsplatzhalter 5">
             <a:extLst>
               <a:ext uri="{FF2B5EF4-FFF2-40B4-BE49-F238E27FC236}">
-                <a16:creationId xmlns:a16="http://schemas.microsoft.com/office/drawing/2014/main" id="{1DA3D285-5D68-4ABD-BDC6-35DF3A2C2F45}"/>
+                <a16:creationId xmlns:a16="http://schemas.microsoft.com/office/drawing/2014/main" xmlns="" id="{1DA3D285-5D68-4ABD-BDC6-35DF3A2C2F45}"/>
               </a:ext>
             </a:extLst>
           </p:cNvPr>
@@ -8098,7 +10495,7 @@
           <p:cNvPr id="5" name="Inhaltsplatzhalter 5">
             <a:extLst>
               <a:ext uri="{FF2B5EF4-FFF2-40B4-BE49-F238E27FC236}">
-                <a16:creationId xmlns:a16="http://schemas.microsoft.com/office/drawing/2014/main" id="{6839BEF3-E9EB-4513-929E-2BFE84C02FB7}"/>
+                <a16:creationId xmlns:a16="http://schemas.microsoft.com/office/drawing/2014/main" xmlns="" id="{6839BEF3-E9EB-4513-929E-2BFE84C02FB7}"/>
               </a:ext>
             </a:extLst>
           </p:cNvPr>
@@ -8139,6 +10536,13 @@
   <p:clrMapOvr>
     <a:masterClrMapping/>
   </p:clrMapOvr>
+  <p:timing>
+    <p:tnLst>
+      <p:par>
+        <p:cTn id="1" dur="indefinite" restart="never" nodeType="tmRoot"/>
+      </p:par>
+    </p:tnLst>
+  </p:timing>
 </p:sld>
 </file>
 
@@ -8188,30 +10592,6 @@
       </p:sp>
       <p:sp>
         <p:nvSpPr>
-          <p:cNvPr id="3" name="Inhaltsplatzhalter 2"/>
-          <p:cNvSpPr>
-            <a:spLocks noGrp="1"/>
-          </p:cNvSpPr>
-          <p:nvPr>
-            <p:ph idx="1"/>
-          </p:nvPr>
-        </p:nvSpPr>
-        <p:spPr/>
-        <p:txBody>
-          <a:bodyPr>
-            <a:normAutofit/>
-          </a:bodyPr>
-          <a:lstStyle/>
-          <a:p>
-            <a:r>
-              <a:rPr lang="de-DE" dirty="0"/>
-              <a:t>-</a:t>
-            </a:r>
-          </a:p>
-        </p:txBody>
-      </p:sp>
-      <p:sp>
-        <p:nvSpPr>
           <p:cNvPr id="4" name="Foliennummernplatzhalter 3"/>
           <p:cNvSpPr>
             <a:spLocks noGrp="1"/>
@@ -8230,6 +10610,127 @@
               <a:t>7</a:t>
             </a:fld>
             <a:endParaRPr lang="de-DE"/>
+          </a:p>
+        </p:txBody>
+      </p:sp>
+      <p:pic>
+        <p:nvPicPr>
+          <p:cNvPr id="1026" name="Picture 2" descr="Bildergebnis für kubernetes yaml file base"/>
+          <p:cNvPicPr>
+            <a:picLocks noChangeAspect="1" noChangeArrowheads="1"/>
+          </p:cNvPicPr>
+          <p:nvPr/>
+        </p:nvPicPr>
+        <p:blipFill>
+          <a:blip r:embed="rId3" cstate="print">
+            <a:extLst>
+              <a:ext uri="{28A0092B-C50C-407E-A947-70E740481C1C}">
+                <a14:useLocalDpi xmlns:a14="http://schemas.microsoft.com/office/drawing/2010/main" val="0"/>
+              </a:ext>
+            </a:extLst>
+          </a:blip>
+          <a:srcRect/>
+          <a:stretch>
+            <a:fillRect/>
+          </a:stretch>
+        </p:blipFill>
+        <p:spPr bwMode="auto">
+          <a:xfrm>
+            <a:off x="1282391" y="1916627"/>
+            <a:ext cx="7069872" cy="4562232"/>
+          </a:xfrm>
+          <a:prstGeom prst="rect">
+            <a:avLst/>
+          </a:prstGeom>
+          <a:noFill/>
+          <a:extLst>
+            <a:ext uri="{909E8E84-426E-40DD-AFC4-6F175D3DCCD1}">
+              <a14:hiddenFill xmlns:a14="http://schemas.microsoft.com/office/drawing/2010/main">
+                <a:solidFill>
+                  <a:srgbClr val="FFFFFF"/>
+                </a:solidFill>
+              </a14:hiddenFill>
+            </a:ext>
+          </a:extLst>
+        </p:spPr>
+      </p:pic>
+      <p:sp>
+        <p:nvSpPr>
+          <p:cNvPr id="6" name="Textfeld 5"/>
+          <p:cNvSpPr txBox="1"/>
+          <p:nvPr/>
+        </p:nvSpPr>
+        <p:spPr>
+          <a:xfrm>
+            <a:off x="6846849" y="2988527"/>
+            <a:ext cx="3969834" cy="2246769"/>
+          </a:xfrm>
+          <a:prstGeom prst="rect">
+            <a:avLst/>
+          </a:prstGeom>
+          <a:noFill/>
+        </p:spPr>
+        <p:txBody>
+          <a:bodyPr wrap="square" rtlCol="0">
+            <a:spAutoFit/>
+          </a:bodyPr>
+          <a:lstStyle/>
+          <a:p>
+            <a:r>
+              <a:rPr lang="de-DE" sz="2800" dirty="0" smtClean="0"/>
+              <a:t>Base </a:t>
+            </a:r>
+            <a:r>
+              <a:rPr lang="de-DE" sz="2800" dirty="0" err="1" smtClean="0"/>
+              <a:t>structure</a:t>
+            </a:r>
+            <a:r>
+              <a:rPr lang="de-DE" sz="2800" dirty="0" smtClean="0"/>
+              <a:t>:</a:t>
+            </a:r>
+          </a:p>
+          <a:p>
+            <a:pPr marL="285750" indent="-285750">
+              <a:buFont typeface="Arial" panose="020B0604020202020204" pitchFamily="34" charset="0"/>
+              <a:buChar char="•"/>
+            </a:pPr>
+            <a:r>
+              <a:rPr lang="de-DE" sz="2800" dirty="0" err="1" smtClean="0"/>
+              <a:t>Apiversion</a:t>
+            </a:r>
+            <a:endParaRPr lang="de-DE" sz="2800" dirty="0" smtClean="0"/>
+          </a:p>
+          <a:p>
+            <a:pPr marL="285750" indent="-285750">
+              <a:buFont typeface="Arial" panose="020B0604020202020204" pitchFamily="34" charset="0"/>
+              <a:buChar char="•"/>
+            </a:pPr>
+            <a:r>
+              <a:rPr lang="de-DE" sz="2800" dirty="0" smtClean="0"/>
+              <a:t>Kind</a:t>
+            </a:r>
+          </a:p>
+          <a:p>
+            <a:pPr marL="285750" indent="-285750">
+              <a:buFont typeface="Arial" panose="020B0604020202020204" pitchFamily="34" charset="0"/>
+              <a:buChar char="•"/>
+            </a:pPr>
+            <a:r>
+              <a:rPr lang="de-DE" sz="2800" dirty="0" err="1" smtClean="0"/>
+              <a:t>Metadata</a:t>
+            </a:r>
+            <a:endParaRPr lang="de-DE" sz="2800" dirty="0" smtClean="0"/>
+          </a:p>
+          <a:p>
+            <a:pPr marL="285750" indent="-285750">
+              <a:buFont typeface="Arial" panose="020B0604020202020204" pitchFamily="34" charset="0"/>
+              <a:buChar char="•"/>
+            </a:pPr>
+            <a:r>
+              <a:rPr lang="de-DE" sz="2800" dirty="0" err="1" smtClean="0"/>
+              <a:t>Spec</a:t>
+            </a:r>
+            <a:endParaRPr lang="de-DE" sz="2800" dirty="0" smtClean="0"/>
           </a:p>
         </p:txBody>
       </p:sp>
@@ -8243,6 +10744,13 @@
   <p:clrMapOvr>
     <a:masterClrMapping/>
   </p:clrMapOvr>
+  <p:timing>
+    <p:tnLst>
+      <p:par>
+        <p:cTn id="1" dur="indefinite" restart="never" nodeType="tmRoot"/>
+      </p:par>
+    </p:tnLst>
+  </p:timing>
 </p:sld>
 </file>
 
@@ -8288,30 +10796,6 @@
       </p:sp>
       <p:sp>
         <p:nvSpPr>
-          <p:cNvPr id="3" name="Inhaltsplatzhalter 2"/>
-          <p:cNvSpPr>
-            <a:spLocks noGrp="1"/>
-          </p:cNvSpPr>
-          <p:nvPr>
-            <p:ph idx="1"/>
-          </p:nvPr>
-        </p:nvSpPr>
-        <p:spPr/>
-        <p:txBody>
-          <a:bodyPr>
-            <a:normAutofit/>
-          </a:bodyPr>
-          <a:lstStyle/>
-          <a:p>
-            <a:r>
-              <a:rPr lang="de-DE" dirty="0"/>
-              <a:t>-</a:t>
-            </a:r>
-          </a:p>
-        </p:txBody>
-      </p:sp>
-      <p:sp>
-        <p:nvSpPr>
           <p:cNvPr id="4" name="Foliennummernplatzhalter 3"/>
           <p:cNvSpPr>
             <a:spLocks noGrp="1"/>
@@ -8330,6 +10814,126 @@
               <a:t>8</a:t>
             </a:fld>
             <a:endParaRPr lang="de-DE"/>
+          </a:p>
+        </p:txBody>
+      </p:sp>
+      <p:pic>
+        <p:nvPicPr>
+          <p:cNvPr id="2050" name="Picture 2"/>
+          <p:cNvPicPr>
+            <a:picLocks noChangeAspect="1" noChangeArrowheads="1"/>
+          </p:cNvPicPr>
+          <p:nvPr/>
+        </p:nvPicPr>
+        <p:blipFill>
+          <a:blip r:embed="rId3">
+            <a:extLst>
+              <a:ext uri="{28A0092B-C50C-407E-A947-70E740481C1C}">
+                <a14:useLocalDpi xmlns:a14="http://schemas.microsoft.com/office/drawing/2010/main" val="0"/>
+              </a:ext>
+            </a:extLst>
+          </a:blip>
+          <a:srcRect/>
+          <a:stretch>
+            <a:fillRect/>
+          </a:stretch>
+        </p:blipFill>
+        <p:spPr bwMode="auto">
+          <a:xfrm>
+            <a:off x="3856927" y="2193189"/>
+            <a:ext cx="7734300" cy="3876675"/>
+          </a:xfrm>
+          <a:prstGeom prst="rect">
+            <a:avLst/>
+          </a:prstGeom>
+          <a:noFill/>
+          <a:ln>
+            <a:noFill/>
+          </a:ln>
+          <a:extLst>
+            <a:ext uri="{909E8E84-426E-40DD-AFC4-6F175D3DCCD1}">
+              <a14:hiddenFill xmlns:a14="http://schemas.microsoft.com/office/drawing/2010/main">
+                <a:solidFill>
+                  <a:schemeClr val="accent1"/>
+                </a:solidFill>
+              </a14:hiddenFill>
+            </a:ext>
+            <a:ext uri="{91240B29-F687-4F45-9708-019B960494DF}">
+              <a14:hiddenLine xmlns:a14="http://schemas.microsoft.com/office/drawing/2010/main" w="9525">
+                <a:solidFill>
+                  <a:schemeClr val="tx1"/>
+                </a:solidFill>
+                <a:miter lim="800000"/>
+                <a:headEnd/>
+                <a:tailEnd/>
+              </a14:hiddenLine>
+            </a:ext>
+          </a:extLst>
+        </p:spPr>
+      </p:pic>
+      <p:sp>
+        <p:nvSpPr>
+          <p:cNvPr id="7" name="Inhaltsplatzhalter 2"/>
+          <p:cNvSpPr>
+            <a:spLocks noGrp="1"/>
+          </p:cNvSpPr>
+          <p:nvPr>
+            <p:ph idx="1"/>
+          </p:nvPr>
+        </p:nvSpPr>
+        <p:spPr>
+          <a:xfrm>
+            <a:off x="364105" y="1955857"/>
+            <a:ext cx="3806452" cy="4351338"/>
+          </a:xfrm>
+        </p:spPr>
+        <p:txBody>
+          <a:bodyPr/>
+          <a:lstStyle/>
+          <a:p>
+            <a:r>
+              <a:rPr lang="de-DE" dirty="0" smtClean="0"/>
+              <a:t>Main </a:t>
+            </a:r>
+            <a:r>
+              <a:rPr lang="en-US" dirty="0" smtClean="0"/>
+              <a:t>objectives</a:t>
+            </a:r>
+            <a:r>
+              <a:rPr lang="de-DE" dirty="0" smtClean="0"/>
+              <a:t>:</a:t>
+            </a:r>
+          </a:p>
+          <a:p>
+            <a:pPr lvl="1"/>
+            <a:r>
+              <a:rPr lang="en-US" dirty="0" smtClean="0"/>
+              <a:t>Scalability</a:t>
+            </a:r>
+          </a:p>
+          <a:p>
+            <a:pPr lvl="1"/>
+            <a:r>
+              <a:rPr lang="de-DE" dirty="0" smtClean="0"/>
+              <a:t>Storage </a:t>
+            </a:r>
+            <a:r>
+              <a:rPr lang="de-DE" dirty="0" err="1" smtClean="0"/>
+              <a:t>distribution</a:t>
+            </a:r>
+            <a:endParaRPr lang="de-DE" dirty="0" smtClean="0"/>
+          </a:p>
+          <a:p>
+            <a:pPr lvl="1"/>
+            <a:r>
+              <a:rPr lang="de-DE" dirty="0" smtClean="0"/>
+              <a:t>High </a:t>
+            </a:r>
+            <a:r>
+              <a:rPr lang="en-US" dirty="0" smtClean="0"/>
+              <a:t>availability</a:t>
+            </a:r>
+            <a:endParaRPr lang="en-US" dirty="0"/>
           </a:p>
         </p:txBody>
       </p:sp>
@@ -8343,6 +10947,13 @@
   <p:clrMapOvr>
     <a:masterClrMapping/>
   </p:clrMapOvr>
+  <p:timing>
+    <p:tnLst>
+      <p:par>
+        <p:cTn id="1" dur="indefinite" restart="never" nodeType="tmRoot"/>
+      </p:par>
+    </p:tnLst>
+  </p:timing>
 </p:sld>
 </file>
 
@@ -8379,12 +10990,12 @@
           <a:lstStyle/>
           <a:p>
             <a:r>
-              <a:rPr lang="de-DE" dirty="0"/>
-              <a:t>Live </a:t>
-            </a:r>
-            <a:r>
-              <a:rPr lang="de-DE" dirty="0" err="1"/>
-              <a:t>demonstration</a:t>
+              <a:rPr lang="de-DE" dirty="0" err="1" smtClean="0"/>
+              <a:t>Architecture</a:t>
+            </a:r>
+            <a:r>
+              <a:rPr lang="de-DE" dirty="0" smtClean="0"/>
+              <a:t> ??</a:t>
             </a:r>
             <a:endParaRPr lang="de-DE" dirty="0"/>
           </a:p>
@@ -8398,30 +11009,6 @@
           </p:cNvSpPr>
           <p:nvPr>
             <p:ph idx="1"/>
-          </p:nvPr>
-        </p:nvSpPr>
-        <p:spPr/>
-        <p:txBody>
-          <a:bodyPr>
-            <a:normAutofit/>
-          </a:bodyPr>
-          <a:lstStyle/>
-          <a:p>
-            <a:r>
-              <a:rPr lang="de-DE" dirty="0"/>
-              <a:t>-</a:t>
-            </a:r>
-          </a:p>
-        </p:txBody>
-      </p:sp>
-      <p:sp>
-        <p:nvSpPr>
-          <p:cNvPr id="4" name="Foliennummernplatzhalter 3"/>
-          <p:cNvSpPr>
-            <a:spLocks noGrp="1"/>
-          </p:cNvSpPr>
-          <p:nvPr>
-            <p:ph type="sldNum" sz="quarter" idx="12"/>
           </p:nvPr>
         </p:nvSpPr>
         <p:spPr/>
@@ -8429,18 +11016,93 @@
           <a:bodyPr/>
           <a:lstStyle/>
           <a:p>
-            <a:fld id="{371A7658-0F70-421B-9B10-FA4A9AE028A8}" type="slidenum">
-              <a:rPr lang="de-DE" smtClean="0"/>
-              <a:t>9</a:t>
-            </a:fld>
-            <a:endParaRPr lang="de-DE"/>
+            <a:r>
+              <a:rPr lang="de-DE" dirty="0" err="1" smtClean="0"/>
+              <a:t>Used</a:t>
+            </a:r>
+            <a:r>
+              <a:rPr lang="de-DE" dirty="0" smtClean="0"/>
+              <a:t> </a:t>
+            </a:r>
+            <a:r>
+              <a:rPr lang="de-DE" dirty="0" err="1" smtClean="0"/>
+              <a:t>components</a:t>
+            </a:r>
+            <a:r>
+              <a:rPr lang="de-DE" dirty="0" smtClean="0"/>
+              <a:t>:</a:t>
+            </a:r>
+          </a:p>
+          <a:p>
+            <a:pPr lvl="1"/>
+            <a:r>
+              <a:rPr lang="de-DE" dirty="0" err="1" smtClean="0"/>
+              <a:t>MinIO</a:t>
+            </a:r>
+            <a:endParaRPr lang="de-DE" dirty="0" smtClean="0"/>
+          </a:p>
+          <a:p>
+            <a:pPr lvl="1"/>
+            <a:r>
+              <a:rPr lang="de-DE" dirty="0" err="1" smtClean="0"/>
+              <a:t>Redis</a:t>
+            </a:r>
+            <a:endParaRPr lang="de-DE" dirty="0" smtClean="0"/>
+          </a:p>
+          <a:p>
+            <a:pPr lvl="1"/>
+            <a:r>
+              <a:rPr lang="de-DE" dirty="0" smtClean="0"/>
+              <a:t>A </a:t>
+            </a:r>
+            <a:r>
+              <a:rPr lang="de-DE" dirty="0" err="1" smtClean="0"/>
+              <a:t>database</a:t>
+            </a:r>
+            <a:endParaRPr lang="de-DE" dirty="0" smtClean="0"/>
+          </a:p>
+          <a:p>
+            <a:pPr lvl="1"/>
+            <a:r>
+              <a:rPr lang="de-DE" dirty="0" err="1" smtClean="0"/>
+              <a:t>MariaDB</a:t>
+            </a:r>
+            <a:r>
+              <a:rPr lang="de-DE" dirty="0" smtClean="0"/>
+              <a:t> + </a:t>
+            </a:r>
+            <a:r>
+              <a:rPr lang="de-DE" dirty="0" err="1" smtClean="0"/>
+              <a:t>MaxScale</a:t>
+            </a:r>
+            <a:endParaRPr lang="de-DE" dirty="0" smtClean="0"/>
+          </a:p>
+          <a:p>
+            <a:pPr lvl="1"/>
+            <a:r>
+              <a:rPr lang="de-DE" dirty="0" err="1" smtClean="0"/>
+              <a:t>Nextcloud</a:t>
+            </a:r>
+            <a:endParaRPr lang="de-DE" dirty="0" smtClean="0"/>
+          </a:p>
+          <a:p>
+            <a:pPr lvl="1"/>
+            <a:r>
+              <a:rPr lang="de-DE" dirty="0" err="1" smtClean="0"/>
+              <a:t>Cron</a:t>
+            </a:r>
+            <a:endParaRPr lang="de-DE" dirty="0" smtClean="0"/>
+          </a:p>
+          <a:p>
+            <a:pPr lvl="1"/>
+            <a:endParaRPr lang="de-DE" dirty="0"/>
           </a:p>
         </p:txBody>
       </p:sp>
     </p:spTree>
     <p:extLst>
       <p:ext uri="{BB962C8B-B14F-4D97-AF65-F5344CB8AC3E}">
-        <p14:creationId xmlns:p14="http://schemas.microsoft.com/office/powerpoint/2010/main" val="1512024545"/>
+        <p14:creationId xmlns:p14="http://schemas.microsoft.com/office/powerpoint/2010/main" val="2286441752"/>
       </p:ext>
     </p:extLst>
   </p:cSld>
@@ -8705,7 +11367,7 @@
   <a:extraClrSchemeLst/>
   <a:extLst>
     <a:ext uri="{05A4C25C-085E-4340-85A3-A5531E510DB2}">
-      <thm15:themeFamily xmlns:thm15="http://schemas.microsoft.com/office/thememl/2012/main" name="Office Theme" id="{62F939B6-93AF-4DB8-9C6B-D6C7DFDC589F}" vid="{4A3C46E8-61CC-4603-A589-7422A47A8E4A}"/>
+      <thm15:themeFamily xmlns:thm15="http://schemas.microsoft.com/office/thememl/2012/main" xmlns="" name="Office Theme" id="{62F939B6-93AF-4DB8-9C6B-D6C7DFDC589F}" vid="{4A3C46E8-61CC-4603-A589-7422A47A8E4A}"/>
     </a:ext>
   </a:extLst>
 </a:theme>
@@ -8966,7 +11628,7 @@
   <a:extraClrSchemeLst/>
   <a:extLst>
     <a:ext uri="{05A4C25C-085E-4340-85A3-A5531E510DB2}">
-      <thm15:themeFamily xmlns:thm15="http://schemas.microsoft.com/office/thememl/2012/main" name="Office Theme" id="{62F939B6-93AF-4DB8-9C6B-D6C7DFDC589F}" vid="{4A3C46E8-61CC-4603-A589-7422A47A8E4A}"/>
+      <thm15:themeFamily xmlns:thm15="http://schemas.microsoft.com/office/thememl/2012/main" xmlns="" name="Office Theme" id="{62F939B6-93AF-4DB8-9C6B-D6C7DFDC589F}" vid="{4A3C46E8-61CC-4603-A589-7422A47A8E4A}"/>
     </a:ext>
   </a:extLst>
 </a:theme>

--- a/docu/Kubernetes_Nexcloud.pptx
+++ b/docu/Kubernetes_Nexcloud.pptx
@@ -5,21 +5,19 @@
     <p:sldMasterId id="2147483648" r:id="rId1"/>
   </p:sldMasterIdLst>
   <p:notesMasterIdLst>
-    <p:notesMasterId r:id="rId14"/>
+    <p:notesMasterId r:id="rId12"/>
   </p:notesMasterIdLst>
   <p:sldIdLst>
     <p:sldId id="256" r:id="rId2"/>
     <p:sldId id="257" r:id="rId3"/>
     <p:sldId id="268" r:id="rId4"/>
-    <p:sldId id="274" r:id="rId5"/>
-    <p:sldId id="269" r:id="rId6"/>
-    <p:sldId id="273" r:id="rId7"/>
-    <p:sldId id="272" r:id="rId8"/>
-    <p:sldId id="270" r:id="rId9"/>
-    <p:sldId id="277" r:id="rId10"/>
-    <p:sldId id="271" r:id="rId11"/>
-    <p:sldId id="275" r:id="rId12"/>
-    <p:sldId id="267" r:id="rId13"/>
+    <p:sldId id="269" r:id="rId5"/>
+    <p:sldId id="273" r:id="rId6"/>
+    <p:sldId id="272" r:id="rId7"/>
+    <p:sldId id="270" r:id="rId8"/>
+    <p:sldId id="271" r:id="rId9"/>
+    <p:sldId id="275" r:id="rId10"/>
+    <p:sldId id="267" r:id="rId11"/>
   </p:sldIdLst>
   <p:sldSz cx="12192000" cy="6858000"/>
   <p:notesSz cx="6858000" cy="9144000"/>
@@ -120,7 +118,18 @@
   </p:defaultTextStyle>
   <p:extLst>
     <p:ext uri="{EFAFB233-063F-42B5-8137-9DF3F51BA10A}">
-      <p15:sldGuideLst xmlns:p15="http://schemas.microsoft.com/office/powerpoint/2012/main" xmlns=""/>
+      <p15:sldGuideLst xmlns:p15="http://schemas.microsoft.com/office/powerpoint/2012/main">
+        <p15:guide id="1" orient="horz" pos="2160">
+          <p15:clr>
+            <a:srgbClr val="A4A3A4"/>
+          </p15:clr>
+        </p15:guide>
+        <p15:guide id="2" pos="3840">
+          <p15:clr>
+            <a:srgbClr val="A4A3A4"/>
+          </p15:clr>
+        </p15:guide>
+      </p15:sldGuideLst>
     </p:ext>
   </p:extLst>
 </p:presentation>
@@ -1531,8 +1540,324 @@
           <a:lstStyle/>
           <a:p>
             <a:r>
-              <a:rPr lang="de-DE" dirty="0"/>
-              <a:t>On </a:t>
+              <a:rPr lang="de-DE" dirty="0" err="1"/>
+              <a:t>Kubernetes</a:t>
+            </a:r>
+            <a:r>
+              <a:rPr lang="de-DE" dirty="0"/>
+              <a:t> </a:t>
+            </a:r>
+            <a:r>
+              <a:rPr lang="de-DE" dirty="0" err="1"/>
+              <a:t>is</a:t>
+            </a:r>
+            <a:r>
+              <a:rPr lang="de-DE" dirty="0"/>
+              <a:t> an open source </a:t>
+            </a:r>
+            <a:r>
+              <a:rPr lang="de-DE" dirty="0" err="1"/>
+              <a:t>platform</a:t>
+            </a:r>
+            <a:r>
+              <a:rPr lang="de-DE" dirty="0"/>
+              <a:t> </a:t>
+            </a:r>
+            <a:r>
+              <a:rPr lang="de-DE" dirty="0" err="1"/>
+              <a:t>to</a:t>
+            </a:r>
+            <a:r>
+              <a:rPr lang="de-DE" dirty="0"/>
+              <a:t> manage </a:t>
+            </a:r>
+            <a:r>
+              <a:rPr lang="de-DE" dirty="0" err="1"/>
+              <a:t>container</a:t>
+            </a:r>
+            <a:r>
+              <a:rPr lang="de-DE" dirty="0"/>
+              <a:t> </a:t>
+            </a:r>
+            <a:r>
+              <a:rPr lang="de-DE" dirty="0" err="1"/>
+              <a:t>based</a:t>
+            </a:r>
+            <a:r>
+              <a:rPr lang="de-DE" dirty="0"/>
+              <a:t> </a:t>
+            </a:r>
+            <a:r>
+              <a:rPr lang="de-DE" dirty="0" err="1"/>
+              <a:t>applications</a:t>
+            </a:r>
+            <a:r>
+              <a:rPr lang="de-DE" dirty="0"/>
+              <a:t> and </a:t>
+            </a:r>
+            <a:r>
+              <a:rPr lang="de-DE" dirty="0" err="1"/>
+              <a:t>services</a:t>
+            </a:r>
+            <a:r>
+              <a:rPr lang="de-DE" dirty="0"/>
+              <a:t>. </a:t>
+            </a:r>
+            <a:r>
+              <a:rPr lang="de-DE" dirty="0" err="1"/>
+              <a:t>It</a:t>
+            </a:r>
+            <a:r>
+              <a:rPr lang="de-DE" dirty="0"/>
+              <a:t> </a:t>
+            </a:r>
+            <a:r>
+              <a:rPr lang="de-DE" dirty="0" err="1"/>
+              <a:t>is</a:t>
+            </a:r>
+            <a:r>
+              <a:rPr lang="de-DE" dirty="0"/>
+              <a:t> portable </a:t>
+            </a:r>
+            <a:r>
+              <a:rPr lang="de-DE" dirty="0" err="1"/>
+              <a:t>as</a:t>
+            </a:r>
+            <a:r>
+              <a:rPr lang="de-DE" dirty="0"/>
+              <a:t> </a:t>
+            </a:r>
+            <a:r>
+              <a:rPr lang="de-DE" dirty="0" err="1"/>
+              <a:t>well</a:t>
+            </a:r>
+            <a:r>
+              <a:rPr lang="de-DE" dirty="0"/>
+              <a:t> </a:t>
+            </a:r>
+            <a:r>
+              <a:rPr lang="de-DE" dirty="0" err="1"/>
+              <a:t>as</a:t>
+            </a:r>
+            <a:r>
+              <a:rPr lang="de-DE" dirty="0"/>
+              <a:t> </a:t>
+            </a:r>
+            <a:r>
+              <a:rPr lang="de-DE" dirty="0" err="1"/>
+              <a:t>scalable</a:t>
+            </a:r>
+            <a:r>
+              <a:rPr lang="de-DE" dirty="0"/>
+              <a:t>. 20114 </a:t>
+            </a:r>
+            <a:r>
+              <a:rPr lang="de-DE" dirty="0" err="1"/>
+              <a:t>it</a:t>
+            </a:r>
+            <a:r>
+              <a:rPr lang="de-DE" dirty="0"/>
+              <a:t> was </a:t>
+            </a:r>
+            <a:r>
+              <a:rPr lang="de-DE" dirty="0" err="1"/>
+              <a:t>founded</a:t>
+            </a:r>
+            <a:r>
+              <a:rPr lang="de-DE" dirty="0"/>
+              <a:t> </a:t>
+            </a:r>
+            <a:r>
+              <a:rPr lang="de-DE" dirty="0" err="1"/>
+              <a:t>by</a:t>
+            </a:r>
+            <a:r>
+              <a:rPr lang="de-DE" dirty="0"/>
+              <a:t> </a:t>
+            </a:r>
+            <a:r>
+              <a:rPr lang="de-DE" dirty="0" err="1"/>
+              <a:t>former</a:t>
+            </a:r>
+            <a:r>
+              <a:rPr lang="de-DE" dirty="0"/>
+              <a:t> Google </a:t>
+            </a:r>
+            <a:r>
+              <a:rPr lang="de-DE" dirty="0" err="1"/>
+              <a:t>employes</a:t>
+            </a:r>
+            <a:r>
+              <a:rPr lang="de-DE" dirty="0"/>
+              <a:t>. The </a:t>
+            </a:r>
+            <a:r>
+              <a:rPr lang="de-DE" dirty="0" err="1"/>
+              <a:t>first</a:t>
+            </a:r>
+            <a:r>
+              <a:rPr lang="de-DE" dirty="0"/>
+              <a:t> </a:t>
+            </a:r>
+            <a:r>
+              <a:rPr lang="de-DE" dirty="0" err="1"/>
+              <a:t>version</a:t>
+            </a:r>
+            <a:r>
+              <a:rPr lang="de-DE" dirty="0"/>
+              <a:t> </a:t>
+            </a:r>
+            <a:r>
+              <a:rPr lang="de-DE" dirty="0" err="1"/>
+              <a:t>had</a:t>
+            </a:r>
+            <a:r>
+              <a:rPr lang="de-DE" dirty="0"/>
+              <a:t> </a:t>
+            </a:r>
+            <a:r>
+              <a:rPr lang="de-DE" dirty="0" err="1"/>
+              <a:t>been</a:t>
+            </a:r>
+            <a:r>
+              <a:rPr lang="de-DE" dirty="0"/>
+              <a:t> </a:t>
+            </a:r>
+            <a:r>
+              <a:rPr lang="de-DE" dirty="0" err="1"/>
+              <a:t>published</a:t>
+            </a:r>
+            <a:r>
+              <a:rPr lang="de-DE" dirty="0"/>
+              <a:t> 2015. </a:t>
+            </a:r>
+            <a:r>
+              <a:rPr lang="de-DE" dirty="0" err="1"/>
+              <a:t>Nextcloud</a:t>
+            </a:r>
+            <a:r>
+              <a:rPr lang="de-DE" dirty="0"/>
+              <a:t> </a:t>
+            </a:r>
+            <a:r>
+              <a:rPr lang="de-DE" dirty="0" err="1"/>
+              <a:t>has</a:t>
+            </a:r>
+            <a:r>
+              <a:rPr lang="de-DE" dirty="0"/>
+              <a:t> </a:t>
+            </a:r>
+            <a:r>
+              <a:rPr lang="de-DE" dirty="0" err="1"/>
+              <a:t>aspects</a:t>
+            </a:r>
+            <a:r>
+              <a:rPr lang="de-DE" dirty="0"/>
+              <a:t> </a:t>
+            </a:r>
+            <a:r>
+              <a:rPr lang="de-DE" dirty="0" err="1"/>
+              <a:t>of</a:t>
+            </a:r>
+            <a:r>
+              <a:rPr lang="de-DE" dirty="0"/>
+              <a:t> </a:t>
+            </a:r>
+            <a:r>
+              <a:rPr lang="de-DE" dirty="0" err="1"/>
+              <a:t>infrastructure</a:t>
+            </a:r>
+            <a:r>
+              <a:rPr lang="de-DE" dirty="0"/>
+              <a:t> </a:t>
+            </a:r>
+            <a:r>
+              <a:rPr lang="de-DE" dirty="0" err="1"/>
+              <a:t>as</a:t>
+            </a:r>
+            <a:r>
+              <a:rPr lang="de-DE" dirty="0"/>
+              <a:t> a </a:t>
+            </a:r>
+            <a:r>
+              <a:rPr lang="de-DE" dirty="0" err="1"/>
+              <a:t>service</a:t>
+            </a:r>
+            <a:r>
+              <a:rPr lang="de-DE" dirty="0"/>
+              <a:t> </a:t>
+            </a:r>
+            <a:r>
+              <a:rPr lang="de-DE" dirty="0" err="1"/>
+              <a:t>as</a:t>
+            </a:r>
+            <a:r>
+              <a:rPr lang="de-DE" dirty="0"/>
+              <a:t> </a:t>
+            </a:r>
+            <a:r>
+              <a:rPr lang="de-DE" dirty="0" err="1"/>
+              <a:t>well</a:t>
+            </a:r>
+            <a:r>
+              <a:rPr lang="de-DE" dirty="0"/>
+              <a:t> </a:t>
+            </a:r>
+            <a:r>
+              <a:rPr lang="de-DE" dirty="0" err="1"/>
+              <a:t>as</a:t>
+            </a:r>
+            <a:r>
+              <a:rPr lang="de-DE" dirty="0"/>
+              <a:t> </a:t>
+            </a:r>
+            <a:r>
+              <a:rPr lang="de-DE" dirty="0" err="1"/>
+              <a:t>platform</a:t>
+            </a:r>
+            <a:r>
+              <a:rPr lang="de-DE" dirty="0"/>
+              <a:t> </a:t>
+            </a:r>
+            <a:r>
+              <a:rPr lang="de-DE" dirty="0" err="1"/>
+              <a:t>as</a:t>
+            </a:r>
+            <a:r>
+              <a:rPr lang="de-DE" dirty="0"/>
+              <a:t> a </a:t>
+            </a:r>
+            <a:r>
+              <a:rPr lang="de-DE" dirty="0" err="1"/>
+              <a:t>service</a:t>
+            </a:r>
+            <a:r>
+              <a:rPr lang="de-DE" dirty="0"/>
+              <a:t>. </a:t>
+            </a:r>
+            <a:r>
+              <a:rPr lang="de-DE" dirty="0" err="1"/>
+              <a:t>It</a:t>
+            </a:r>
+            <a:r>
+              <a:rPr lang="de-DE" dirty="0"/>
+              <a:t> </a:t>
+            </a:r>
+            <a:r>
+              <a:rPr lang="de-DE" dirty="0" err="1"/>
+              <a:t>eases</a:t>
+            </a:r>
+            <a:r>
+              <a:rPr lang="de-DE" dirty="0"/>
+              <a:t> </a:t>
+            </a:r>
+            <a:r>
+              <a:rPr lang="de-DE" dirty="0" err="1"/>
+              <a:t>up</a:t>
+            </a:r>
+            <a:r>
+              <a:rPr lang="de-DE" dirty="0"/>
+              <a:t> </a:t>
             </a:r>
             <a:r>
               <a:rPr lang="de-DE" dirty="0" err="1"/>
@@ -1544,6 +1869,151 @@
             </a:r>
             <a:r>
               <a:rPr lang="de-DE" dirty="0" err="1"/>
+              <a:t>configuration</a:t>
+            </a:r>
+            <a:r>
+              <a:rPr lang="de-DE" dirty="0"/>
+              <a:t> </a:t>
+            </a:r>
+            <a:r>
+              <a:rPr lang="de-DE" dirty="0" err="1"/>
+              <a:t>as</a:t>
+            </a:r>
+            <a:r>
+              <a:rPr lang="de-DE" dirty="0"/>
+              <a:t> </a:t>
+            </a:r>
+            <a:r>
+              <a:rPr lang="de-DE" dirty="0" err="1"/>
+              <a:t>well</a:t>
+            </a:r>
+            <a:r>
+              <a:rPr lang="de-DE" dirty="0"/>
+              <a:t> </a:t>
+            </a:r>
+            <a:r>
+              <a:rPr lang="de-DE" dirty="0" err="1"/>
+              <a:t>as</a:t>
+            </a:r>
+            <a:r>
+              <a:rPr lang="de-DE" dirty="0"/>
+              <a:t> </a:t>
+            </a:r>
+            <a:r>
+              <a:rPr lang="de-DE" dirty="0" err="1"/>
+              <a:t>the</a:t>
+            </a:r>
+            <a:r>
+              <a:rPr lang="de-DE" dirty="0"/>
+              <a:t> </a:t>
+            </a:r>
+            <a:r>
+              <a:rPr lang="de-DE" dirty="0" err="1"/>
+              <a:t>automation</a:t>
+            </a:r>
+            <a:r>
+              <a:rPr lang="de-DE" dirty="0"/>
+              <a:t>.</a:t>
+            </a:r>
+          </a:p>
+          <a:p>
+            <a:endParaRPr lang="de-DE" dirty="0"/>
+          </a:p>
+          <a:p>
+            <a:r>
+              <a:rPr lang="de-DE" dirty="0"/>
+              <a:t>An </a:t>
+            </a:r>
+            <a:r>
+              <a:rPr lang="de-DE" dirty="0" err="1"/>
+              <a:t>exemplary</a:t>
+            </a:r>
+            <a:r>
+              <a:rPr lang="de-DE" dirty="0"/>
+              <a:t> </a:t>
+            </a:r>
+            <a:r>
+              <a:rPr lang="de-DE" dirty="0" err="1"/>
+              <a:t>architecture</a:t>
+            </a:r>
+            <a:r>
+              <a:rPr lang="de-DE" dirty="0"/>
+              <a:t> </a:t>
+            </a:r>
+            <a:r>
+              <a:rPr lang="de-DE" dirty="0" err="1"/>
+              <a:t>of</a:t>
+            </a:r>
+            <a:r>
+              <a:rPr lang="de-DE" dirty="0"/>
+              <a:t> </a:t>
+            </a:r>
+            <a:r>
+              <a:rPr lang="de-DE" dirty="0" err="1"/>
+              <a:t>kubernetes</a:t>
+            </a:r>
+            <a:r>
+              <a:rPr lang="de-DE" dirty="0"/>
+              <a:t> </a:t>
+            </a:r>
+            <a:r>
+              <a:rPr lang="de-DE" dirty="0" err="1"/>
+              <a:t>with</a:t>
+            </a:r>
+            <a:r>
+              <a:rPr lang="de-DE" dirty="0"/>
+              <a:t> </a:t>
+            </a:r>
+            <a:r>
+              <a:rPr lang="de-DE" dirty="0" err="1"/>
+              <a:t>its</a:t>
+            </a:r>
+            <a:r>
+              <a:rPr lang="de-DE" dirty="0"/>
+              <a:t> </a:t>
+            </a:r>
+            <a:r>
+              <a:rPr lang="de-DE" dirty="0" err="1"/>
+              <a:t>main</a:t>
+            </a:r>
+            <a:r>
+              <a:rPr lang="de-DE" dirty="0"/>
+              <a:t> </a:t>
+            </a:r>
+            <a:r>
+              <a:rPr lang="de-DE" dirty="0" err="1"/>
+              <a:t>components</a:t>
+            </a:r>
+            <a:r>
+              <a:rPr lang="de-DE" dirty="0"/>
+              <a:t> </a:t>
+            </a:r>
+            <a:r>
+              <a:rPr lang="de-DE" dirty="0" err="1"/>
+              <a:t>is</a:t>
+            </a:r>
+            <a:r>
+              <a:rPr lang="de-DE" dirty="0"/>
+              <a:t> </a:t>
+            </a:r>
+            <a:r>
+              <a:rPr lang="de-DE" dirty="0" err="1"/>
+              <a:t>shown</a:t>
+            </a:r>
+            <a:r>
+              <a:rPr lang="de-DE" dirty="0"/>
+              <a:t> on </a:t>
+            </a:r>
+            <a:r>
+              <a:rPr lang="de-DE" dirty="0" err="1"/>
+              <a:t>the</a:t>
+            </a:r>
+            <a:r>
+              <a:rPr lang="de-DE" dirty="0"/>
+              <a:t> </a:t>
+            </a:r>
+            <a:r>
+              <a:rPr lang="de-DE" dirty="0" err="1"/>
               <a:t>next</a:t>
             </a:r>
             <a:r>
@@ -1556,11 +2026,33 @@
             </a:r>
             <a:r>
               <a:rPr lang="de-DE" dirty="0"/>
-              <a:t> </a:t>
-            </a:r>
-            <a:r>
-              <a:rPr lang="de-DE" dirty="0" err="1"/>
-              <a:t>you</a:t>
+              <a:t>.</a:t>
+            </a:r>
+          </a:p>
+          <a:p>
+            <a:r>
+              <a:rPr lang="de-DE" dirty="0"/>
+              <a:t>In </a:t>
+            </a:r>
+            <a:r>
+              <a:rPr lang="de-DE" dirty="0" err="1"/>
+              <a:t>the</a:t>
+            </a:r>
+            <a:r>
+              <a:rPr lang="de-DE" dirty="0"/>
+              <a:t> </a:t>
+            </a:r>
+            <a:r>
+              <a:rPr lang="de-DE" dirty="0" err="1"/>
+              <a:t>architecture</a:t>
+            </a:r>
+            <a:r>
+              <a:rPr lang="de-DE" dirty="0"/>
+              <a:t> </a:t>
+            </a:r>
+            <a:r>
+              <a:rPr lang="de-DE" dirty="0" err="1"/>
+              <a:t>we</a:t>
             </a:r>
             <a:r>
               <a:rPr lang="de-DE" dirty="0"/>
@@ -1580,297 +2072,171 @@
             </a:r>
             <a:r>
               <a:rPr lang="de-DE" dirty="0"/>
+              <a:t> </a:t>
+            </a:r>
+            <a:r>
+              <a:rPr lang="de-DE" dirty="0" err="1"/>
+              <a:t>that</a:t>
+            </a:r>
+            <a:r>
+              <a:rPr lang="de-DE" dirty="0"/>
+              <a:t> </a:t>
+            </a:r>
+            <a:r>
+              <a:rPr lang="de-DE" dirty="0" err="1"/>
+              <a:t>kubernetes</a:t>
+            </a:r>
+            <a:r>
+              <a:rPr lang="de-DE" dirty="0"/>
+              <a:t> </a:t>
+            </a:r>
+            <a:r>
+              <a:rPr lang="en-US" noProof="0" dirty="0"/>
+              <a:t>distinguishes</a:t>
+            </a:r>
+            <a:r>
+              <a:rPr lang="de-DE" dirty="0"/>
+              <a:t> </a:t>
+            </a:r>
+            <a:r>
+              <a:rPr lang="de-DE" dirty="0" err="1"/>
+              <a:t>between</a:t>
+            </a:r>
+            <a:r>
+              <a:rPr lang="de-DE" dirty="0"/>
+              <a:t> </a:t>
+            </a:r>
+            <a:r>
+              <a:rPr lang="de-DE" dirty="0" err="1"/>
+              <a:t>master</a:t>
+            </a:r>
+            <a:r>
+              <a:rPr lang="de-DE" dirty="0"/>
+              <a:t> and </a:t>
+            </a:r>
+            <a:r>
+              <a:rPr lang="de-DE" dirty="0" err="1"/>
+              <a:t>nodes</a:t>
+            </a:r>
+            <a:r>
+              <a:rPr lang="de-DE" dirty="0"/>
+              <a:t>. The </a:t>
+            </a:r>
+            <a:r>
+              <a:rPr lang="de-DE" dirty="0" err="1"/>
+              <a:t>master</a:t>
+            </a:r>
+            <a:r>
+              <a:rPr lang="de-DE" dirty="0"/>
+              <a:t> </a:t>
+            </a:r>
+            <a:r>
+              <a:rPr lang="de-DE" dirty="0" err="1"/>
+              <a:t>is</a:t>
+            </a:r>
+            <a:r>
+              <a:rPr lang="de-DE" dirty="0"/>
+              <a:t> </a:t>
+            </a:r>
+            <a:r>
+              <a:rPr lang="de-DE" dirty="0" err="1"/>
+              <a:t>used</a:t>
+            </a:r>
+            <a:r>
+              <a:rPr lang="de-DE" dirty="0"/>
+              <a:t> </a:t>
+            </a:r>
+            <a:r>
+              <a:rPr lang="de-DE" dirty="0" err="1"/>
+              <a:t>for</a:t>
+            </a:r>
+            <a:r>
+              <a:rPr lang="de-DE" dirty="0"/>
+              <a:t> </a:t>
+            </a:r>
+            <a:r>
+              <a:rPr lang="de-DE" dirty="0" err="1"/>
+              <a:t>managing</a:t>
+            </a:r>
+            <a:r>
+              <a:rPr lang="de-DE" dirty="0"/>
+              <a:t> </a:t>
+            </a:r>
+            <a:r>
+              <a:rPr lang="de-DE" dirty="0" err="1"/>
+              <a:t>the</a:t>
+            </a:r>
+            <a:r>
+              <a:rPr lang="de-DE" dirty="0"/>
+              <a:t> </a:t>
+            </a:r>
+            <a:r>
+              <a:rPr lang="de-DE" dirty="0" err="1"/>
+              <a:t>nodes</a:t>
+            </a:r>
+            <a:r>
+              <a:rPr lang="de-DE" dirty="0"/>
+              <a:t>, like time </a:t>
+            </a:r>
+            <a:r>
+              <a:rPr lang="de-DE" dirty="0" err="1"/>
+              <a:t>scheduling</a:t>
+            </a:r>
+            <a:r>
+              <a:rPr lang="de-DE" dirty="0"/>
+              <a:t> and </a:t>
+            </a:r>
+            <a:r>
+              <a:rPr lang="de-DE" dirty="0" err="1"/>
+              <a:t>reacts</a:t>
+            </a:r>
+            <a:r>
+              <a:rPr lang="de-DE" dirty="0"/>
+              <a:t> </a:t>
+            </a:r>
+            <a:r>
+              <a:rPr lang="de-DE" dirty="0" err="1"/>
+              <a:t>to</a:t>
+            </a:r>
+            <a:r>
+              <a:rPr lang="de-DE" dirty="0"/>
+              <a:t> </a:t>
+            </a:r>
+            <a:r>
+              <a:rPr lang="de-DE" dirty="0" err="1"/>
+              <a:t>actions</a:t>
+            </a:r>
+            <a:r>
+              <a:rPr lang="de-DE" dirty="0"/>
+              <a:t> like </a:t>
+            </a:r>
+            <a:r>
+              <a:rPr lang="de-DE" dirty="0" err="1"/>
+              <a:t>the</a:t>
+            </a:r>
+            <a:r>
+              <a:rPr lang="de-DE" dirty="0"/>
+              <a:t> </a:t>
+            </a:r>
+            <a:r>
+              <a:rPr lang="de-DE" dirty="0" err="1"/>
+              <a:t>shutdown</a:t>
+            </a:r>
+            <a:r>
+              <a:rPr lang="de-DE" dirty="0"/>
+              <a:t> </a:t>
+            </a:r>
+            <a:r>
+              <a:rPr lang="de-DE" dirty="0" err="1"/>
+              <a:t>of</a:t>
+            </a:r>
+            <a:r>
+              <a:rPr lang="de-DE" dirty="0"/>
               <a:t> a </a:t>
             </a:r>
             <a:r>
               <a:rPr lang="de-DE" dirty="0" err="1"/>
-              <a:t>picture</a:t>
-            </a:r>
-            <a:r>
-              <a:rPr lang="de-DE" dirty="0"/>
-              <a:t> </a:t>
-            </a:r>
-            <a:r>
-              <a:rPr lang="de-DE" dirty="0" err="1"/>
-              <a:t>of</a:t>
-            </a:r>
-            <a:r>
-              <a:rPr lang="de-DE" dirty="0"/>
-              <a:t> </a:t>
-            </a:r>
-            <a:r>
-              <a:rPr lang="de-DE" dirty="0" err="1"/>
-              <a:t>the</a:t>
-            </a:r>
-            <a:r>
-              <a:rPr lang="de-DE" dirty="0"/>
-              <a:t> </a:t>
-            </a:r>
-            <a:r>
-              <a:rPr lang="de-DE" dirty="0" err="1"/>
-              <a:t>deployed</a:t>
-            </a:r>
-            <a:r>
-              <a:rPr lang="de-DE" dirty="0"/>
-              <a:t> </a:t>
-            </a:r>
-            <a:r>
-              <a:rPr lang="de-DE" dirty="0" err="1"/>
-              <a:t>application</a:t>
-            </a:r>
-            <a:r>
-              <a:rPr lang="de-DE" dirty="0"/>
-              <a:t>. This screen </a:t>
-            </a:r>
-            <a:r>
-              <a:rPr lang="de-DE" dirty="0" err="1"/>
-              <a:t>is</a:t>
-            </a:r>
-            <a:r>
-              <a:rPr lang="de-DE" dirty="0"/>
-              <a:t> </a:t>
-            </a:r>
-            <a:r>
-              <a:rPr lang="de-DE" dirty="0" err="1"/>
-              <a:t>shown</a:t>
-            </a:r>
-            <a:r>
-              <a:rPr lang="de-DE" dirty="0"/>
-              <a:t> after </a:t>
-            </a:r>
-            <a:r>
-              <a:rPr lang="de-DE" dirty="0" err="1"/>
-              <a:t>the</a:t>
-            </a:r>
-            <a:r>
-              <a:rPr lang="de-DE" dirty="0"/>
-              <a:t> </a:t>
-            </a:r>
-            <a:r>
-              <a:rPr lang="de-DE" dirty="0" err="1"/>
-              <a:t>login</a:t>
-            </a:r>
-            <a:r>
-              <a:rPr lang="de-DE" dirty="0"/>
-              <a:t> </a:t>
-            </a:r>
-            <a:r>
-              <a:rPr lang="de-DE" dirty="0" err="1"/>
-              <a:t>to</a:t>
-            </a:r>
-            <a:r>
-              <a:rPr lang="de-DE" dirty="0"/>
-              <a:t> </a:t>
-            </a:r>
-            <a:r>
-              <a:rPr lang="de-DE" dirty="0" err="1"/>
-              <a:t>the</a:t>
-            </a:r>
-            <a:r>
-              <a:rPr lang="de-DE" dirty="0"/>
-              <a:t> </a:t>
-            </a:r>
-            <a:r>
-              <a:rPr lang="de-DE" dirty="0" err="1"/>
-              <a:t>system</a:t>
-            </a:r>
-            <a:r>
-              <a:rPr lang="de-DE" dirty="0"/>
-              <a:t>. </a:t>
-            </a:r>
-            <a:r>
-              <a:rPr lang="de-DE" dirty="0" err="1"/>
-              <a:t>It</a:t>
-            </a:r>
-            <a:r>
-              <a:rPr lang="de-DE" dirty="0"/>
-              <a:t> </a:t>
-            </a:r>
-            <a:r>
-              <a:rPr lang="de-DE" dirty="0" err="1"/>
-              <a:t>shows</a:t>
-            </a:r>
-            <a:r>
-              <a:rPr lang="de-DE" dirty="0"/>
-              <a:t> </a:t>
-            </a:r>
-            <a:r>
-              <a:rPr lang="de-DE" dirty="0" err="1"/>
-              <a:t>the</a:t>
-            </a:r>
-            <a:r>
-              <a:rPr lang="de-DE" dirty="0"/>
-              <a:t> </a:t>
-            </a:r>
-            <a:r>
-              <a:rPr lang="de-DE" dirty="0" err="1"/>
-              <a:t>recomended</a:t>
-            </a:r>
-            <a:r>
-              <a:rPr lang="de-DE" dirty="0"/>
-              <a:t> </a:t>
-            </a:r>
-            <a:r>
-              <a:rPr lang="de-DE" dirty="0" err="1"/>
-              <a:t>files</a:t>
-            </a:r>
-            <a:r>
-              <a:rPr lang="de-DE" dirty="0"/>
-              <a:t> </a:t>
-            </a:r>
-            <a:r>
-              <a:rPr lang="de-DE" dirty="0" err="1"/>
-              <a:t>as</a:t>
-            </a:r>
-            <a:r>
-              <a:rPr lang="de-DE" dirty="0"/>
-              <a:t> </a:t>
-            </a:r>
-            <a:r>
-              <a:rPr lang="de-DE" dirty="0" err="1"/>
-              <a:t>well</a:t>
-            </a:r>
-            <a:r>
-              <a:rPr lang="de-DE" dirty="0"/>
-              <a:t> </a:t>
-            </a:r>
-            <a:r>
-              <a:rPr lang="de-DE" dirty="0" err="1"/>
-              <a:t>as</a:t>
-            </a:r>
-            <a:r>
-              <a:rPr lang="de-DE" dirty="0"/>
-              <a:t> </a:t>
-            </a:r>
-            <a:r>
-              <a:rPr lang="de-DE" dirty="0" err="1"/>
-              <a:t>the</a:t>
-            </a:r>
-            <a:r>
-              <a:rPr lang="de-DE" dirty="0"/>
-              <a:t> </a:t>
-            </a:r>
-            <a:r>
-              <a:rPr lang="de-DE" dirty="0" err="1"/>
-              <a:t>chats</a:t>
-            </a:r>
-            <a:r>
-              <a:rPr lang="de-DE" dirty="0"/>
-              <a:t>. On </a:t>
-            </a:r>
-            <a:r>
-              <a:rPr lang="de-DE" dirty="0" err="1"/>
-              <a:t>the</a:t>
-            </a:r>
-            <a:r>
-              <a:rPr lang="de-DE" dirty="0"/>
-              <a:t> top </a:t>
-            </a:r>
-            <a:r>
-              <a:rPr lang="de-DE" dirty="0" err="1"/>
-              <a:t>you</a:t>
-            </a:r>
-            <a:r>
-              <a:rPr lang="de-DE" dirty="0"/>
-              <a:t> </a:t>
-            </a:r>
-            <a:r>
-              <a:rPr lang="de-DE" dirty="0" err="1"/>
-              <a:t>can</a:t>
-            </a:r>
-            <a:r>
-              <a:rPr lang="de-DE" dirty="0"/>
-              <a:t> </a:t>
-            </a:r>
-            <a:r>
-              <a:rPr lang="de-DE" dirty="0" err="1"/>
-              <a:t>navigate</a:t>
-            </a:r>
-            <a:r>
-              <a:rPr lang="de-DE" dirty="0"/>
-              <a:t> </a:t>
-            </a:r>
-            <a:r>
-              <a:rPr lang="de-DE" dirty="0" err="1"/>
-              <a:t>through</a:t>
-            </a:r>
-            <a:r>
-              <a:rPr lang="de-DE" dirty="0"/>
-              <a:t> </a:t>
-            </a:r>
-            <a:r>
-              <a:rPr lang="de-DE" dirty="0" err="1"/>
-              <a:t>the</a:t>
-            </a:r>
-            <a:r>
-              <a:rPr lang="de-DE" dirty="0"/>
-              <a:t> different </a:t>
-            </a:r>
-            <a:r>
-              <a:rPr lang="de-DE" dirty="0" err="1"/>
-              <a:t>functionalities</a:t>
-            </a:r>
-            <a:r>
-              <a:rPr lang="de-DE" dirty="0"/>
-              <a:t>.</a:t>
-            </a:r>
-          </a:p>
-          <a:p>
-            <a:r>
-              <a:rPr lang="de-DE" dirty="0"/>
-              <a:t>The </a:t>
-            </a:r>
-            <a:r>
-              <a:rPr lang="de-DE" dirty="0" err="1"/>
-              <a:t>application</a:t>
-            </a:r>
-            <a:r>
-              <a:rPr lang="de-DE" dirty="0"/>
-              <a:t> </a:t>
-            </a:r>
-            <a:r>
-              <a:rPr lang="de-DE" dirty="0" err="1"/>
-              <a:t>is</a:t>
-            </a:r>
-            <a:r>
-              <a:rPr lang="de-DE" dirty="0"/>
-              <a:t> </a:t>
-            </a:r>
-            <a:r>
-              <a:rPr lang="de-DE" dirty="0" err="1"/>
-              <a:t>deployed</a:t>
-            </a:r>
-            <a:r>
-              <a:rPr lang="de-DE" dirty="0"/>
-              <a:t> on </a:t>
-            </a:r>
-            <a:r>
-              <a:rPr lang="de-DE" dirty="0" err="1"/>
-              <a:t>kubernetes</a:t>
-            </a:r>
-            <a:r>
-              <a:rPr lang="de-DE" dirty="0"/>
-              <a:t> </a:t>
-            </a:r>
-            <a:r>
-              <a:rPr lang="de-DE" dirty="0" err="1"/>
-              <a:t>as</a:t>
-            </a:r>
-            <a:r>
-              <a:rPr lang="de-DE" dirty="0"/>
-              <a:t> </a:t>
-            </a:r>
-            <a:r>
-              <a:rPr lang="de-DE" dirty="0" err="1"/>
-              <a:t>the</a:t>
-            </a:r>
-            <a:r>
-              <a:rPr lang="de-DE" dirty="0"/>
-              <a:t> </a:t>
-            </a:r>
-            <a:r>
-              <a:rPr lang="de-DE" dirty="0" err="1"/>
-              <a:t>platform</a:t>
+              <a:t>node</a:t>
             </a:r>
             <a:r>
               <a:rPr lang="de-DE" dirty="0"/>
@@ -1905,7 +2271,7 @@
     </p:spTree>
     <p:extLst>
       <p:ext uri="{BB962C8B-B14F-4D97-AF65-F5344CB8AC3E}">
-        <p14:creationId xmlns:p14="http://schemas.microsoft.com/office/powerpoint/2010/main" val="3456172425"/>
+        <p14:creationId xmlns:p14="http://schemas.microsoft.com/office/powerpoint/2010/main" val="2250166210"/>
       </p:ext>
     </p:extLst>
   </p:cSld>
@@ -1960,387 +2326,6 @@
           <a:lstStyle/>
           <a:p>
             <a:r>
-              <a:rPr lang="de-DE" dirty="0" err="1"/>
-              <a:t>Kubernetes</a:t>
-            </a:r>
-            <a:r>
-              <a:rPr lang="de-DE" dirty="0"/>
-              <a:t> </a:t>
-            </a:r>
-            <a:r>
-              <a:rPr lang="de-DE" dirty="0" err="1"/>
-              <a:t>is</a:t>
-            </a:r>
-            <a:r>
-              <a:rPr lang="de-DE" dirty="0"/>
-              <a:t> an open source </a:t>
-            </a:r>
-            <a:r>
-              <a:rPr lang="de-DE" dirty="0" err="1"/>
-              <a:t>platform</a:t>
-            </a:r>
-            <a:r>
-              <a:rPr lang="de-DE" dirty="0"/>
-              <a:t> </a:t>
-            </a:r>
-            <a:r>
-              <a:rPr lang="de-DE" dirty="0" err="1"/>
-              <a:t>to</a:t>
-            </a:r>
-            <a:r>
-              <a:rPr lang="de-DE" dirty="0"/>
-              <a:t> manage </a:t>
-            </a:r>
-            <a:r>
-              <a:rPr lang="de-DE" dirty="0" err="1"/>
-              <a:t>container</a:t>
-            </a:r>
-            <a:r>
-              <a:rPr lang="de-DE" dirty="0"/>
-              <a:t> </a:t>
-            </a:r>
-            <a:r>
-              <a:rPr lang="de-DE" dirty="0" err="1"/>
-              <a:t>based</a:t>
-            </a:r>
-            <a:r>
-              <a:rPr lang="de-DE" dirty="0"/>
-              <a:t> </a:t>
-            </a:r>
-            <a:r>
-              <a:rPr lang="de-DE" dirty="0" err="1"/>
-              <a:t>applications</a:t>
-            </a:r>
-            <a:r>
-              <a:rPr lang="de-DE" dirty="0"/>
-              <a:t> and </a:t>
-            </a:r>
-            <a:r>
-              <a:rPr lang="de-DE" dirty="0" err="1"/>
-              <a:t>services</a:t>
-            </a:r>
-            <a:r>
-              <a:rPr lang="de-DE" dirty="0"/>
-              <a:t>. </a:t>
-            </a:r>
-            <a:r>
-              <a:rPr lang="de-DE" dirty="0" err="1"/>
-              <a:t>It</a:t>
-            </a:r>
-            <a:r>
-              <a:rPr lang="de-DE" dirty="0"/>
-              <a:t> </a:t>
-            </a:r>
-            <a:r>
-              <a:rPr lang="de-DE" dirty="0" err="1"/>
-              <a:t>is</a:t>
-            </a:r>
-            <a:r>
-              <a:rPr lang="de-DE" dirty="0"/>
-              <a:t> portable </a:t>
-            </a:r>
-            <a:r>
-              <a:rPr lang="de-DE" dirty="0" err="1"/>
-              <a:t>as</a:t>
-            </a:r>
-            <a:r>
-              <a:rPr lang="de-DE" dirty="0"/>
-              <a:t> </a:t>
-            </a:r>
-            <a:r>
-              <a:rPr lang="de-DE" dirty="0" err="1"/>
-              <a:t>well</a:t>
-            </a:r>
-            <a:r>
-              <a:rPr lang="de-DE" dirty="0"/>
-              <a:t> </a:t>
-            </a:r>
-            <a:r>
-              <a:rPr lang="de-DE" dirty="0" err="1"/>
-              <a:t>as</a:t>
-            </a:r>
-            <a:r>
-              <a:rPr lang="de-DE" dirty="0"/>
-              <a:t> </a:t>
-            </a:r>
-            <a:r>
-              <a:rPr lang="de-DE" dirty="0" err="1"/>
-              <a:t>scalable</a:t>
-            </a:r>
-            <a:r>
-              <a:rPr lang="de-DE" dirty="0"/>
-              <a:t>. 20114 </a:t>
-            </a:r>
-            <a:r>
-              <a:rPr lang="de-DE" dirty="0" err="1"/>
-              <a:t>it</a:t>
-            </a:r>
-            <a:r>
-              <a:rPr lang="de-DE" dirty="0"/>
-              <a:t> was </a:t>
-            </a:r>
-            <a:r>
-              <a:rPr lang="de-DE" dirty="0" err="1"/>
-              <a:t>founded</a:t>
-            </a:r>
-            <a:r>
-              <a:rPr lang="de-DE" dirty="0"/>
-              <a:t> </a:t>
-            </a:r>
-            <a:r>
-              <a:rPr lang="de-DE" dirty="0" err="1"/>
-              <a:t>by</a:t>
-            </a:r>
-            <a:r>
-              <a:rPr lang="de-DE" dirty="0"/>
-              <a:t> </a:t>
-            </a:r>
-            <a:r>
-              <a:rPr lang="de-DE" dirty="0" err="1"/>
-              <a:t>former</a:t>
-            </a:r>
-            <a:r>
-              <a:rPr lang="de-DE" dirty="0"/>
-              <a:t> Google </a:t>
-            </a:r>
-            <a:r>
-              <a:rPr lang="de-DE" dirty="0" err="1"/>
-              <a:t>employes</a:t>
-            </a:r>
-            <a:r>
-              <a:rPr lang="de-DE" dirty="0"/>
-              <a:t>. The </a:t>
-            </a:r>
-            <a:r>
-              <a:rPr lang="de-DE" dirty="0" err="1"/>
-              <a:t>first</a:t>
-            </a:r>
-            <a:r>
-              <a:rPr lang="de-DE" dirty="0"/>
-              <a:t> </a:t>
-            </a:r>
-            <a:r>
-              <a:rPr lang="de-DE" dirty="0" err="1"/>
-              <a:t>version</a:t>
-            </a:r>
-            <a:r>
-              <a:rPr lang="de-DE" dirty="0"/>
-              <a:t> </a:t>
-            </a:r>
-            <a:r>
-              <a:rPr lang="de-DE" dirty="0" err="1"/>
-              <a:t>had</a:t>
-            </a:r>
-            <a:r>
-              <a:rPr lang="de-DE" dirty="0"/>
-              <a:t> </a:t>
-            </a:r>
-            <a:r>
-              <a:rPr lang="de-DE" dirty="0" err="1"/>
-              <a:t>been</a:t>
-            </a:r>
-            <a:r>
-              <a:rPr lang="de-DE" dirty="0"/>
-              <a:t> </a:t>
-            </a:r>
-            <a:r>
-              <a:rPr lang="de-DE" dirty="0" err="1"/>
-              <a:t>published</a:t>
-            </a:r>
-            <a:r>
-              <a:rPr lang="de-DE" dirty="0"/>
-              <a:t> 2015. </a:t>
-            </a:r>
-            <a:r>
-              <a:rPr lang="de-DE" dirty="0" err="1"/>
-              <a:t>Nextcloud</a:t>
-            </a:r>
-            <a:r>
-              <a:rPr lang="de-DE" dirty="0"/>
-              <a:t> </a:t>
-            </a:r>
-            <a:r>
-              <a:rPr lang="de-DE" dirty="0" err="1"/>
-              <a:t>has</a:t>
-            </a:r>
-            <a:r>
-              <a:rPr lang="de-DE" dirty="0"/>
-              <a:t> </a:t>
-            </a:r>
-            <a:r>
-              <a:rPr lang="de-DE" dirty="0" err="1"/>
-              <a:t>aspects</a:t>
-            </a:r>
-            <a:r>
-              <a:rPr lang="de-DE" dirty="0"/>
-              <a:t> </a:t>
-            </a:r>
-            <a:r>
-              <a:rPr lang="de-DE" dirty="0" err="1"/>
-              <a:t>of</a:t>
-            </a:r>
-            <a:r>
-              <a:rPr lang="de-DE" dirty="0"/>
-              <a:t> </a:t>
-            </a:r>
-            <a:r>
-              <a:rPr lang="de-DE" dirty="0" err="1"/>
-              <a:t>infrastructure</a:t>
-            </a:r>
-            <a:r>
-              <a:rPr lang="de-DE" dirty="0"/>
-              <a:t> </a:t>
-            </a:r>
-            <a:r>
-              <a:rPr lang="de-DE" dirty="0" err="1"/>
-              <a:t>as</a:t>
-            </a:r>
-            <a:r>
-              <a:rPr lang="de-DE" dirty="0"/>
-              <a:t> a </a:t>
-            </a:r>
-            <a:r>
-              <a:rPr lang="de-DE" dirty="0" err="1"/>
-              <a:t>service</a:t>
-            </a:r>
-            <a:r>
-              <a:rPr lang="de-DE" dirty="0"/>
-              <a:t> </a:t>
-            </a:r>
-            <a:r>
-              <a:rPr lang="de-DE" dirty="0" err="1"/>
-              <a:t>as</a:t>
-            </a:r>
-            <a:r>
-              <a:rPr lang="de-DE" dirty="0"/>
-              <a:t> </a:t>
-            </a:r>
-            <a:r>
-              <a:rPr lang="de-DE" dirty="0" err="1"/>
-              <a:t>well</a:t>
-            </a:r>
-            <a:r>
-              <a:rPr lang="de-DE" dirty="0"/>
-              <a:t> </a:t>
-            </a:r>
-            <a:r>
-              <a:rPr lang="de-DE" dirty="0" err="1"/>
-              <a:t>as</a:t>
-            </a:r>
-            <a:r>
-              <a:rPr lang="de-DE" dirty="0"/>
-              <a:t> </a:t>
-            </a:r>
-            <a:r>
-              <a:rPr lang="de-DE" dirty="0" err="1"/>
-              <a:t>platform</a:t>
-            </a:r>
-            <a:r>
-              <a:rPr lang="de-DE" dirty="0"/>
-              <a:t> </a:t>
-            </a:r>
-            <a:r>
-              <a:rPr lang="de-DE" dirty="0" err="1"/>
-              <a:t>as</a:t>
-            </a:r>
-            <a:r>
-              <a:rPr lang="de-DE" dirty="0"/>
-              <a:t> a </a:t>
-            </a:r>
-            <a:r>
-              <a:rPr lang="de-DE" dirty="0" err="1"/>
-              <a:t>service</a:t>
-            </a:r>
-            <a:r>
-              <a:rPr lang="de-DE" dirty="0"/>
-              <a:t>. </a:t>
-            </a:r>
-            <a:r>
-              <a:rPr lang="de-DE" dirty="0" err="1"/>
-              <a:t>It</a:t>
-            </a:r>
-            <a:r>
-              <a:rPr lang="de-DE" dirty="0"/>
-              <a:t> </a:t>
-            </a:r>
-            <a:r>
-              <a:rPr lang="de-DE" dirty="0" err="1"/>
-              <a:t>eases</a:t>
-            </a:r>
-            <a:r>
-              <a:rPr lang="de-DE" dirty="0"/>
-              <a:t> </a:t>
-            </a:r>
-            <a:r>
-              <a:rPr lang="de-DE" dirty="0" err="1"/>
-              <a:t>up</a:t>
-            </a:r>
-            <a:r>
-              <a:rPr lang="de-DE" dirty="0"/>
-              <a:t> </a:t>
-            </a:r>
-            <a:r>
-              <a:rPr lang="de-DE" dirty="0" err="1"/>
-              <a:t>the</a:t>
-            </a:r>
-            <a:r>
-              <a:rPr lang="de-DE" dirty="0"/>
-              <a:t> </a:t>
-            </a:r>
-            <a:r>
-              <a:rPr lang="de-DE" dirty="0" err="1"/>
-              <a:t>configuration</a:t>
-            </a:r>
-            <a:r>
-              <a:rPr lang="de-DE" dirty="0"/>
-              <a:t> </a:t>
-            </a:r>
-            <a:r>
-              <a:rPr lang="de-DE" dirty="0" err="1"/>
-              <a:t>as</a:t>
-            </a:r>
-            <a:r>
-              <a:rPr lang="de-DE" dirty="0"/>
-              <a:t> </a:t>
-            </a:r>
-            <a:r>
-              <a:rPr lang="de-DE" dirty="0" err="1"/>
-              <a:t>well</a:t>
-            </a:r>
-            <a:r>
-              <a:rPr lang="de-DE" dirty="0"/>
-              <a:t> </a:t>
-            </a:r>
-            <a:r>
-              <a:rPr lang="de-DE" dirty="0" err="1"/>
-              <a:t>as</a:t>
-            </a:r>
-            <a:r>
-              <a:rPr lang="de-DE" dirty="0"/>
-              <a:t> </a:t>
-            </a:r>
-            <a:r>
-              <a:rPr lang="de-DE" dirty="0" err="1"/>
-              <a:t>the</a:t>
-            </a:r>
-            <a:r>
-              <a:rPr lang="de-DE" dirty="0"/>
-              <a:t> </a:t>
-            </a:r>
-            <a:r>
-              <a:rPr lang="de-DE" dirty="0" err="1"/>
-              <a:t>automation</a:t>
-            </a:r>
-            <a:r>
-              <a:rPr lang="de-DE" dirty="0"/>
-              <a:t>.</a:t>
-            </a:r>
-          </a:p>
-          <a:p>
-            <a:endParaRPr lang="de-DE" dirty="0"/>
-          </a:p>
-          <a:p>
-            <a:r>
               <a:rPr lang="de-DE" dirty="0"/>
               <a:t>An </a:t>
             </a:r>
@@ -2662,6 +2647,374 @@
               <a:rPr lang="de-DE" dirty="0"/>
               <a:t>.</a:t>
             </a:r>
+          </a:p>
+          <a:p>
+            <a:endParaRPr lang="de-DE" dirty="0"/>
+          </a:p>
+          <a:p>
+            <a:r>
+              <a:rPr lang="de-DE" dirty="0"/>
+              <a:t>Inside </a:t>
+            </a:r>
+            <a:r>
+              <a:rPr lang="de-DE" dirty="0" err="1"/>
+              <a:t>the</a:t>
+            </a:r>
+            <a:r>
+              <a:rPr lang="de-DE" dirty="0"/>
+              <a:t> </a:t>
+            </a:r>
+            <a:r>
+              <a:rPr lang="de-DE" dirty="0" err="1"/>
+              <a:t>nodes</a:t>
+            </a:r>
+            <a:r>
+              <a:rPr lang="de-DE" dirty="0"/>
+              <a:t> different </a:t>
+            </a:r>
+            <a:r>
+              <a:rPr lang="de-DE" dirty="0" err="1"/>
+              <a:t>pods</a:t>
+            </a:r>
+            <a:r>
+              <a:rPr lang="de-DE" dirty="0"/>
+              <a:t> </a:t>
+            </a:r>
+            <a:r>
+              <a:rPr lang="de-DE" dirty="0" err="1"/>
+              <a:t>are</a:t>
+            </a:r>
+            <a:r>
+              <a:rPr lang="de-DE" dirty="0"/>
+              <a:t> </a:t>
+            </a:r>
+            <a:r>
+              <a:rPr lang="de-DE" dirty="0" err="1"/>
+              <a:t>running</a:t>
+            </a:r>
+            <a:r>
+              <a:rPr lang="de-DE" dirty="0"/>
+              <a:t>. </a:t>
+            </a:r>
+            <a:r>
+              <a:rPr lang="de-DE" dirty="0" err="1"/>
+              <a:t>Pods</a:t>
+            </a:r>
+            <a:r>
+              <a:rPr lang="de-DE" dirty="0"/>
+              <a:t> </a:t>
+            </a:r>
+            <a:r>
+              <a:rPr lang="de-DE" dirty="0" err="1"/>
+              <a:t>are</a:t>
+            </a:r>
+            <a:r>
+              <a:rPr lang="de-DE" dirty="0"/>
+              <a:t> </a:t>
+            </a:r>
+            <a:r>
+              <a:rPr lang="de-DE" dirty="0" err="1"/>
+              <a:t>groups</a:t>
+            </a:r>
+            <a:r>
+              <a:rPr lang="de-DE" dirty="0"/>
+              <a:t> </a:t>
+            </a:r>
+            <a:r>
+              <a:rPr lang="de-DE" dirty="0" err="1"/>
+              <a:t>of</a:t>
+            </a:r>
+            <a:r>
+              <a:rPr lang="de-DE" dirty="0"/>
+              <a:t> </a:t>
+            </a:r>
+            <a:r>
+              <a:rPr lang="de-DE" dirty="0" err="1"/>
+              <a:t>one</a:t>
+            </a:r>
+            <a:r>
+              <a:rPr lang="de-DE" dirty="0"/>
+              <a:t> </a:t>
+            </a:r>
+            <a:r>
+              <a:rPr lang="de-DE" dirty="0" err="1"/>
+              <a:t>or</a:t>
+            </a:r>
+            <a:r>
+              <a:rPr lang="de-DE" dirty="0"/>
+              <a:t> </a:t>
+            </a:r>
+            <a:r>
+              <a:rPr lang="de-DE" dirty="0" err="1"/>
+              <a:t>more</a:t>
+            </a:r>
+            <a:r>
+              <a:rPr lang="de-DE" dirty="0"/>
+              <a:t> </a:t>
+            </a:r>
+            <a:r>
+              <a:rPr lang="de-DE" dirty="0" err="1"/>
+              <a:t>containers</a:t>
+            </a:r>
+            <a:r>
+              <a:rPr lang="de-DE" dirty="0"/>
+              <a:t>. The </a:t>
+            </a:r>
+            <a:r>
+              <a:rPr lang="de-DE" dirty="0" err="1"/>
+              <a:t>countainers</a:t>
+            </a:r>
+            <a:r>
+              <a:rPr lang="de-DE" dirty="0"/>
+              <a:t> </a:t>
+            </a:r>
+            <a:r>
+              <a:rPr lang="de-DE" dirty="0" err="1"/>
+              <a:t>can</a:t>
+            </a:r>
+            <a:r>
+              <a:rPr lang="de-DE" dirty="0"/>
+              <a:t> </a:t>
+            </a:r>
+            <a:r>
+              <a:rPr lang="de-DE" dirty="0" err="1"/>
+              <a:t>be</a:t>
+            </a:r>
+            <a:r>
+              <a:rPr lang="de-DE" dirty="0"/>
+              <a:t> </a:t>
+            </a:r>
+            <a:r>
+              <a:rPr lang="de-DE" dirty="0" err="1"/>
+              <a:t>deployments</a:t>
+            </a:r>
+            <a:r>
+              <a:rPr lang="de-DE" dirty="0"/>
+              <a:t> </a:t>
+            </a:r>
+            <a:r>
+              <a:rPr lang="de-DE" dirty="0" err="1"/>
+              <a:t>or</a:t>
+            </a:r>
+            <a:r>
+              <a:rPr lang="de-DE" dirty="0"/>
+              <a:t> </a:t>
+            </a:r>
+            <a:r>
+              <a:rPr lang="de-DE" dirty="0" err="1"/>
+              <a:t>services</a:t>
+            </a:r>
+            <a:r>
+              <a:rPr lang="de-DE" dirty="0"/>
+              <a:t> </a:t>
+            </a:r>
+            <a:r>
+              <a:rPr lang="de-DE" dirty="0" err="1"/>
+              <a:t>or</a:t>
+            </a:r>
+            <a:r>
+              <a:rPr lang="de-DE" dirty="0"/>
+              <a:t> </a:t>
+            </a:r>
+            <a:r>
+              <a:rPr lang="de-DE" dirty="0" err="1"/>
+              <a:t>similar</a:t>
+            </a:r>
+            <a:r>
+              <a:rPr lang="de-DE" dirty="0"/>
+              <a:t> </a:t>
+            </a:r>
+            <a:r>
+              <a:rPr lang="de-DE" dirty="0" err="1"/>
+              <a:t>things</a:t>
+            </a:r>
+            <a:r>
+              <a:rPr lang="de-DE" dirty="0"/>
+              <a:t>.</a:t>
+            </a:r>
+          </a:p>
+          <a:p>
+            <a:r>
+              <a:rPr lang="de-DE" dirty="0" err="1"/>
+              <a:t>For</a:t>
+            </a:r>
+            <a:r>
+              <a:rPr lang="de-DE" dirty="0"/>
+              <a:t> </a:t>
+            </a:r>
+            <a:r>
+              <a:rPr lang="de-DE" dirty="0" err="1"/>
+              <a:t>example</a:t>
+            </a:r>
+            <a:r>
+              <a:rPr lang="de-DE" dirty="0"/>
+              <a:t> in </a:t>
+            </a:r>
+            <a:r>
+              <a:rPr lang="de-DE" dirty="0" err="1"/>
+              <a:t>our</a:t>
+            </a:r>
+            <a:r>
+              <a:rPr lang="de-DE" dirty="0"/>
+              <a:t> </a:t>
+            </a:r>
+            <a:r>
+              <a:rPr lang="de-DE" dirty="0" err="1"/>
+              <a:t>system</a:t>
+            </a:r>
+            <a:r>
+              <a:rPr lang="de-DE" dirty="0"/>
+              <a:t> on </a:t>
+            </a:r>
+            <a:r>
+              <a:rPr lang="de-DE" dirty="0" err="1"/>
+              <a:t>every</a:t>
+            </a:r>
+            <a:r>
+              <a:rPr lang="de-DE" dirty="0"/>
+              <a:t> </a:t>
+            </a:r>
+            <a:r>
+              <a:rPr lang="de-DE" dirty="0" err="1"/>
+              <a:t>node</a:t>
+            </a:r>
+            <a:r>
+              <a:rPr lang="de-DE" dirty="0"/>
+              <a:t> a </a:t>
+            </a:r>
+            <a:r>
+              <a:rPr lang="de-DE" dirty="0" err="1"/>
+              <a:t>pod</a:t>
+            </a:r>
+            <a:r>
+              <a:rPr lang="de-DE" dirty="0"/>
+              <a:t> </a:t>
+            </a:r>
+            <a:r>
+              <a:rPr lang="de-DE" dirty="0" err="1"/>
+              <a:t>is</a:t>
+            </a:r>
+            <a:r>
+              <a:rPr lang="de-DE" dirty="0"/>
+              <a:t> </a:t>
+            </a:r>
+            <a:r>
+              <a:rPr lang="de-DE" dirty="0" err="1"/>
+              <a:t>available</a:t>
+            </a:r>
+            <a:r>
+              <a:rPr lang="de-DE" dirty="0"/>
+              <a:t>, </a:t>
+            </a:r>
+            <a:r>
+              <a:rPr lang="de-DE" dirty="0" err="1"/>
+              <a:t>which</a:t>
+            </a:r>
+            <a:r>
+              <a:rPr lang="de-DE" dirty="0"/>
+              <a:t> </a:t>
+            </a:r>
+            <a:r>
+              <a:rPr lang="de-DE" dirty="0" err="1"/>
+              <a:t>includes</a:t>
+            </a:r>
+            <a:r>
+              <a:rPr lang="de-DE" dirty="0"/>
+              <a:t> </a:t>
+            </a:r>
+            <a:r>
+              <a:rPr lang="de-DE" dirty="0" err="1"/>
+              <a:t>the</a:t>
+            </a:r>
+            <a:r>
+              <a:rPr lang="de-DE" dirty="0"/>
+              <a:t> </a:t>
+            </a:r>
+            <a:r>
+              <a:rPr lang="de-DE" dirty="0" err="1"/>
+              <a:t>nextcloud</a:t>
+            </a:r>
+            <a:r>
+              <a:rPr lang="de-DE" dirty="0"/>
+              <a:t> </a:t>
+            </a:r>
+            <a:r>
+              <a:rPr lang="de-DE" dirty="0" err="1"/>
+              <a:t>deployment</a:t>
+            </a:r>
+            <a:r>
+              <a:rPr lang="de-DE" dirty="0"/>
+              <a:t>.</a:t>
+            </a:r>
+          </a:p>
+          <a:p>
+            <a:r>
+              <a:rPr lang="de-DE" dirty="0" err="1"/>
+              <a:t>How</a:t>
+            </a:r>
+            <a:r>
+              <a:rPr lang="de-DE" dirty="0"/>
+              <a:t> </a:t>
+            </a:r>
+            <a:r>
+              <a:rPr lang="de-DE" dirty="0" err="1"/>
+              <a:t>to</a:t>
+            </a:r>
+            <a:r>
+              <a:rPr lang="de-DE" dirty="0"/>
+              <a:t> </a:t>
+            </a:r>
+            <a:r>
+              <a:rPr lang="de-DE" dirty="0" err="1"/>
+              <a:t>setup</a:t>
+            </a:r>
+            <a:r>
+              <a:rPr lang="de-DE" dirty="0"/>
+              <a:t> such a </a:t>
+            </a:r>
+            <a:r>
+              <a:rPr lang="de-DE" dirty="0" err="1"/>
+              <a:t>architecture</a:t>
+            </a:r>
+            <a:r>
+              <a:rPr lang="de-DE" dirty="0"/>
+              <a:t> Michael will </a:t>
+            </a:r>
+            <a:r>
+              <a:rPr lang="de-DE" dirty="0" err="1"/>
+              <a:t>now</a:t>
+            </a:r>
+            <a:r>
+              <a:rPr lang="de-DE" dirty="0"/>
+              <a:t> </a:t>
+            </a:r>
+            <a:r>
+              <a:rPr lang="de-DE" dirty="0" err="1"/>
+              <a:t>present</a:t>
+            </a:r>
+            <a:r>
+              <a:rPr lang="de-DE" dirty="0"/>
+              <a:t> </a:t>
+            </a:r>
+            <a:r>
+              <a:rPr lang="de-DE" dirty="0" err="1"/>
+              <a:t>to</a:t>
+            </a:r>
+            <a:r>
+              <a:rPr lang="de-DE" dirty="0"/>
+              <a:t> </a:t>
+            </a:r>
+            <a:r>
+              <a:rPr lang="de-DE" dirty="0" err="1"/>
+              <a:t>you</a:t>
+            </a:r>
+            <a:r>
+              <a:rPr lang="de-DE" dirty="0"/>
+              <a:t>.</a:t>
+            </a:r>
+          </a:p>
+          <a:p>
+            <a:endParaRPr lang="de-DE" dirty="0"/>
           </a:p>
         </p:txBody>
       </p:sp>
@@ -2691,7 +3044,7 @@
     </p:spTree>
     <p:extLst>
       <p:ext uri="{BB962C8B-B14F-4D97-AF65-F5344CB8AC3E}">
-        <p14:creationId xmlns:p14="http://schemas.microsoft.com/office/powerpoint/2010/main" val="2250166210"/>
+        <p14:creationId xmlns:p14="http://schemas.microsoft.com/office/powerpoint/2010/main" val="3422798648"/>
       </p:ext>
     </p:extLst>
   </p:cSld>
@@ -2746,692 +3099,1149 @@
           <a:lstStyle/>
           <a:p>
             <a:r>
-              <a:rPr lang="de-DE" dirty="0"/>
-              <a:t>An </a:t>
-            </a:r>
-            <a:r>
-              <a:rPr lang="de-DE" dirty="0" err="1"/>
-              <a:t>exemplary</a:t>
-            </a:r>
-            <a:r>
-              <a:rPr lang="de-DE" dirty="0"/>
-              <a:t> </a:t>
-            </a:r>
-            <a:r>
-              <a:rPr lang="de-DE" dirty="0" err="1"/>
+              <a:rPr lang="de-DE" dirty="0" err="1" smtClean="0"/>
+              <a:t>Kubernetes</a:t>
+            </a:r>
+            <a:r>
+              <a:rPr lang="de-DE" dirty="0" smtClean="0"/>
+              <a:t> </a:t>
+            </a:r>
+            <a:r>
+              <a:rPr lang="de-DE" dirty="0" err="1" smtClean="0"/>
+              <a:t>uses</a:t>
+            </a:r>
+            <a:r>
+              <a:rPr lang="de-DE" dirty="0" smtClean="0"/>
+              <a:t> YAML</a:t>
+            </a:r>
+            <a:r>
+              <a:rPr lang="de-DE" baseline="0" dirty="0" smtClean="0"/>
+              <a:t> </a:t>
+            </a:r>
+            <a:r>
+              <a:rPr lang="de-DE" baseline="0" dirty="0" err="1" smtClean="0"/>
+              <a:t>configuration</a:t>
+            </a:r>
+            <a:r>
+              <a:rPr lang="de-DE" baseline="0" dirty="0" smtClean="0"/>
+              <a:t> </a:t>
+            </a:r>
+            <a:r>
+              <a:rPr lang="de-DE" baseline="0" dirty="0" err="1" smtClean="0"/>
+              <a:t>files</a:t>
+            </a:r>
+            <a:r>
+              <a:rPr lang="de-DE" baseline="0" dirty="0" smtClean="0"/>
+              <a:t> </a:t>
+            </a:r>
+            <a:r>
+              <a:rPr lang="de-DE" baseline="0" dirty="0" err="1" smtClean="0"/>
+              <a:t>to</a:t>
+            </a:r>
+            <a:r>
+              <a:rPr lang="de-DE" baseline="0" dirty="0" smtClean="0"/>
+              <a:t> </a:t>
+            </a:r>
+            <a:r>
+              <a:rPr lang="de-DE" baseline="0" dirty="0" err="1" smtClean="0"/>
+              <a:t>deploy</a:t>
+            </a:r>
+            <a:r>
+              <a:rPr lang="de-DE" baseline="0" dirty="0" smtClean="0"/>
+              <a:t> different </a:t>
+            </a:r>
+            <a:r>
+              <a:rPr lang="de-DE" baseline="0" dirty="0" err="1" smtClean="0"/>
+              <a:t>objects</a:t>
+            </a:r>
+            <a:r>
+              <a:rPr lang="de-DE" baseline="0" dirty="0" smtClean="0"/>
+              <a:t>. </a:t>
+            </a:r>
+            <a:r>
+              <a:rPr lang="de-DE" baseline="0" dirty="0" err="1" smtClean="0"/>
+              <a:t>They</a:t>
+            </a:r>
+            <a:r>
+              <a:rPr lang="de-DE" baseline="0" dirty="0" smtClean="0"/>
+              <a:t> </a:t>
+            </a:r>
+            <a:r>
+              <a:rPr lang="de-DE" baseline="0" dirty="0" err="1" smtClean="0"/>
+              <a:t>allow</a:t>
+            </a:r>
+            <a:r>
+              <a:rPr lang="de-DE" baseline="0" dirty="0" smtClean="0"/>
+              <a:t> </a:t>
+            </a:r>
+            <a:r>
+              <a:rPr lang="de-DE" baseline="0" dirty="0" err="1" smtClean="0"/>
+              <a:t>one</a:t>
+            </a:r>
+            <a:r>
+              <a:rPr lang="de-DE" baseline="0" dirty="0" smtClean="0"/>
+              <a:t> </a:t>
+            </a:r>
+            <a:r>
+              <a:rPr lang="de-DE" baseline="0" dirty="0" err="1" smtClean="0"/>
+              <a:t>to</a:t>
+            </a:r>
+            <a:r>
+              <a:rPr lang="de-DE" baseline="0" dirty="0" smtClean="0"/>
+              <a:t> </a:t>
+            </a:r>
+            <a:r>
+              <a:rPr lang="de-DE" baseline="0" dirty="0" err="1" smtClean="0"/>
+              <a:t>document</a:t>
+            </a:r>
+            <a:r>
+              <a:rPr lang="de-DE" baseline="0" dirty="0" smtClean="0"/>
+              <a:t> </a:t>
+            </a:r>
+            <a:r>
+              <a:rPr lang="de-DE" baseline="0" dirty="0" err="1" smtClean="0"/>
+              <a:t>the</a:t>
+            </a:r>
+            <a:r>
+              <a:rPr lang="de-DE" baseline="0" dirty="0" smtClean="0"/>
+              <a:t> </a:t>
+            </a:r>
+            <a:r>
+              <a:rPr lang="de-DE" baseline="0" dirty="0" err="1" smtClean="0"/>
+              <a:t>deployed</a:t>
+            </a:r>
+            <a:r>
+              <a:rPr lang="de-DE" baseline="0" dirty="0" smtClean="0"/>
+              <a:t> </a:t>
+            </a:r>
+            <a:r>
+              <a:rPr lang="de-DE" baseline="0" dirty="0" err="1" smtClean="0"/>
+              <a:t>pods</a:t>
+            </a:r>
+            <a:r>
+              <a:rPr lang="de-DE" baseline="0" dirty="0" smtClean="0"/>
+              <a:t> </a:t>
+            </a:r>
+            <a:r>
+              <a:rPr lang="de-DE" baseline="0" dirty="0" err="1" smtClean="0"/>
+              <a:t>and</a:t>
+            </a:r>
+            <a:r>
+              <a:rPr lang="de-DE" baseline="0" dirty="0" smtClean="0"/>
+              <a:t> </a:t>
+            </a:r>
+            <a:r>
+              <a:rPr lang="de-DE" baseline="0" dirty="0" err="1" smtClean="0"/>
+              <a:t>services</a:t>
+            </a:r>
+            <a:r>
+              <a:rPr lang="de-DE" baseline="0" dirty="0" smtClean="0"/>
+              <a:t> </a:t>
+            </a:r>
+            <a:r>
+              <a:rPr lang="de-DE" baseline="0" dirty="0" err="1" smtClean="0"/>
+              <a:t>and</a:t>
+            </a:r>
+            <a:r>
+              <a:rPr lang="de-DE" baseline="0" dirty="0" smtClean="0"/>
+              <a:t> </a:t>
+            </a:r>
+            <a:r>
+              <a:rPr lang="de-DE" baseline="0" dirty="0" err="1" smtClean="0"/>
+              <a:t>group</a:t>
+            </a:r>
+            <a:r>
+              <a:rPr lang="de-DE" baseline="0" dirty="0" smtClean="0"/>
+              <a:t> </a:t>
+            </a:r>
+            <a:r>
+              <a:rPr lang="de-DE" baseline="0" dirty="0" err="1" smtClean="0"/>
+              <a:t>them</a:t>
+            </a:r>
+            <a:r>
+              <a:rPr lang="de-DE" baseline="0" dirty="0" smtClean="0"/>
+              <a:t> </a:t>
+            </a:r>
+            <a:r>
+              <a:rPr lang="de-DE" baseline="0" dirty="0" err="1" smtClean="0"/>
+              <a:t>together</a:t>
+            </a:r>
+            <a:r>
+              <a:rPr lang="de-DE" baseline="0" dirty="0" smtClean="0"/>
+              <a:t>. </a:t>
+            </a:r>
+            <a:r>
+              <a:rPr lang="de-DE" baseline="0" dirty="0" err="1" smtClean="0"/>
+              <a:t>You</a:t>
+            </a:r>
+            <a:r>
+              <a:rPr lang="de-DE" baseline="0" dirty="0" smtClean="0"/>
+              <a:t> </a:t>
+            </a:r>
+            <a:r>
+              <a:rPr lang="de-DE" baseline="0" dirty="0" err="1" smtClean="0"/>
+              <a:t>can</a:t>
+            </a:r>
+            <a:r>
+              <a:rPr lang="de-DE" baseline="0" dirty="0" smtClean="0"/>
+              <a:t> </a:t>
+            </a:r>
+            <a:r>
+              <a:rPr lang="de-DE" baseline="0" dirty="0" err="1" smtClean="0"/>
+              <a:t>see</a:t>
+            </a:r>
+            <a:r>
+              <a:rPr lang="de-DE" baseline="0" dirty="0" smtClean="0"/>
+              <a:t> an </a:t>
+            </a:r>
+            <a:r>
+              <a:rPr lang="de-DE" baseline="0" dirty="0" err="1" smtClean="0"/>
+              <a:t>example</a:t>
+            </a:r>
+            <a:r>
+              <a:rPr lang="de-DE" baseline="0" dirty="0" smtClean="0"/>
+              <a:t> YAML file on </a:t>
+            </a:r>
+            <a:r>
+              <a:rPr lang="de-DE" baseline="0" dirty="0" err="1" smtClean="0"/>
+              <a:t>this</a:t>
+            </a:r>
+            <a:r>
+              <a:rPr lang="de-DE" baseline="0" dirty="0" smtClean="0"/>
+              <a:t> </a:t>
+            </a:r>
+            <a:r>
+              <a:rPr lang="de-DE" baseline="0" dirty="0" err="1" smtClean="0"/>
+              <a:t>slide</a:t>
+            </a:r>
+            <a:r>
+              <a:rPr lang="de-DE" baseline="0" dirty="0" smtClean="0"/>
+              <a:t>. A YAML file </a:t>
+            </a:r>
+            <a:r>
+              <a:rPr lang="de-DE" baseline="0" dirty="0" err="1" smtClean="0"/>
+              <a:t>has</a:t>
+            </a:r>
+            <a:r>
+              <a:rPr lang="de-DE" baseline="0" dirty="0" smtClean="0"/>
+              <a:t> a </a:t>
+            </a:r>
+            <a:r>
+              <a:rPr lang="de-DE" baseline="0" dirty="0" err="1" smtClean="0"/>
+              <a:t>base</a:t>
+            </a:r>
+            <a:r>
+              <a:rPr lang="de-DE" baseline="0" dirty="0" smtClean="0"/>
+              <a:t> </a:t>
+            </a:r>
+            <a:r>
+              <a:rPr lang="de-DE" baseline="0" dirty="0" err="1" smtClean="0"/>
+              <a:t>structure</a:t>
+            </a:r>
+            <a:r>
+              <a:rPr lang="de-DE" baseline="0" dirty="0" smtClean="0"/>
+              <a:t> </a:t>
+            </a:r>
+            <a:r>
+              <a:rPr lang="de-DE" baseline="0" dirty="0" err="1" smtClean="0"/>
+              <a:t>containing</a:t>
+            </a:r>
+            <a:r>
+              <a:rPr lang="de-DE" baseline="0" dirty="0" smtClean="0"/>
+              <a:t> </a:t>
+            </a:r>
+            <a:r>
+              <a:rPr lang="de-DE" baseline="0" dirty="0" err="1" smtClean="0"/>
+              <a:t>Apiversion</a:t>
+            </a:r>
+            <a:r>
+              <a:rPr lang="de-DE" baseline="0" dirty="0" smtClean="0"/>
+              <a:t>, </a:t>
+            </a:r>
+            <a:r>
+              <a:rPr lang="de-DE" baseline="0" dirty="0" err="1" smtClean="0"/>
+              <a:t>kind</a:t>
+            </a:r>
+            <a:r>
+              <a:rPr lang="de-DE" baseline="0" dirty="0" smtClean="0"/>
+              <a:t>, </a:t>
+            </a:r>
+            <a:r>
+              <a:rPr lang="de-DE" baseline="0" dirty="0" err="1" smtClean="0"/>
+              <a:t>metadata</a:t>
+            </a:r>
+            <a:r>
+              <a:rPr lang="de-DE" baseline="0" dirty="0" smtClean="0"/>
+              <a:t> </a:t>
+            </a:r>
+            <a:r>
+              <a:rPr lang="de-DE" baseline="0" dirty="0" err="1" smtClean="0"/>
+              <a:t>and</a:t>
+            </a:r>
+            <a:r>
+              <a:rPr lang="de-DE" baseline="0" dirty="0" smtClean="0"/>
+              <a:t> </a:t>
+            </a:r>
+            <a:r>
+              <a:rPr lang="de-DE" baseline="0" dirty="0" err="1" smtClean="0"/>
+              <a:t>spec</a:t>
+            </a:r>
+            <a:r>
+              <a:rPr lang="de-DE" baseline="0" dirty="0" smtClean="0"/>
+              <a:t>.</a:t>
+            </a:r>
+          </a:p>
+          <a:p>
+            <a:endParaRPr lang="de-DE" baseline="0" dirty="0" smtClean="0"/>
+          </a:p>
+          <a:p>
+            <a:r>
+              <a:rPr lang="de-DE" baseline="0" dirty="0" err="1" smtClean="0"/>
+              <a:t>Apiversion</a:t>
+            </a:r>
+            <a:r>
+              <a:rPr lang="de-DE" baseline="0" dirty="0" smtClean="0"/>
+              <a:t> </a:t>
+            </a:r>
+            <a:r>
+              <a:rPr lang="de-DE" baseline="0" dirty="0" err="1" smtClean="0"/>
+              <a:t>specifies</a:t>
+            </a:r>
+            <a:r>
+              <a:rPr lang="de-DE" baseline="0" dirty="0" smtClean="0"/>
+              <a:t> </a:t>
+            </a:r>
+            <a:r>
+              <a:rPr lang="de-DE" baseline="0" dirty="0" err="1" smtClean="0"/>
+              <a:t>the</a:t>
+            </a:r>
+            <a:r>
+              <a:rPr lang="de-DE" baseline="0" dirty="0" smtClean="0"/>
+              <a:t> </a:t>
+            </a:r>
+            <a:r>
+              <a:rPr lang="de-DE" baseline="0" dirty="0" err="1" smtClean="0"/>
+              <a:t>version</a:t>
+            </a:r>
+            <a:r>
+              <a:rPr lang="de-DE" baseline="0" dirty="0" smtClean="0"/>
+              <a:t> of </a:t>
+            </a:r>
+            <a:r>
+              <a:rPr lang="de-DE" baseline="0" dirty="0" err="1" smtClean="0"/>
+              <a:t>the</a:t>
+            </a:r>
+            <a:r>
+              <a:rPr lang="de-DE" baseline="0" dirty="0" smtClean="0"/>
+              <a:t> </a:t>
+            </a:r>
+            <a:r>
+              <a:rPr lang="de-DE" baseline="0" dirty="0" err="1" smtClean="0"/>
+              <a:t>kubernetes</a:t>
+            </a:r>
+            <a:r>
+              <a:rPr lang="de-DE" baseline="0" dirty="0" smtClean="0"/>
+              <a:t> </a:t>
+            </a:r>
+            <a:r>
+              <a:rPr lang="de-DE" baseline="0" dirty="0" err="1" smtClean="0"/>
+              <a:t>api</a:t>
+            </a:r>
+            <a:r>
+              <a:rPr lang="de-DE" baseline="0" dirty="0" smtClean="0"/>
+              <a:t> </a:t>
+            </a:r>
+            <a:r>
+              <a:rPr lang="de-DE" baseline="0" dirty="0" err="1" smtClean="0"/>
+              <a:t>used</a:t>
+            </a:r>
+            <a:r>
+              <a:rPr lang="de-DE" baseline="0" dirty="0" smtClean="0"/>
+              <a:t> </a:t>
+            </a:r>
+            <a:r>
+              <a:rPr lang="de-DE" baseline="0" dirty="0" err="1" smtClean="0"/>
+              <a:t>to</a:t>
+            </a:r>
+            <a:r>
+              <a:rPr lang="de-DE" baseline="0" dirty="0" smtClean="0"/>
+              <a:t> </a:t>
+            </a:r>
+            <a:r>
+              <a:rPr lang="de-DE" baseline="0" dirty="0" err="1" smtClean="0"/>
+              <a:t>create</a:t>
+            </a:r>
+            <a:r>
+              <a:rPr lang="de-DE" baseline="0" dirty="0" smtClean="0"/>
+              <a:t> </a:t>
+            </a:r>
+            <a:r>
+              <a:rPr lang="de-DE" baseline="0" dirty="0" err="1" smtClean="0"/>
+              <a:t>the</a:t>
+            </a:r>
+            <a:r>
+              <a:rPr lang="de-DE" baseline="0" dirty="0" smtClean="0"/>
+              <a:t> </a:t>
+            </a:r>
+            <a:r>
+              <a:rPr lang="de-DE" baseline="0" dirty="0" err="1" smtClean="0"/>
+              <a:t>object</a:t>
+            </a:r>
+            <a:r>
+              <a:rPr lang="de-DE" baseline="0" dirty="0" smtClean="0"/>
+              <a:t>, in </a:t>
+            </a:r>
+            <a:r>
+              <a:rPr lang="de-DE" baseline="0" dirty="0" err="1" smtClean="0"/>
+              <a:t>this</a:t>
+            </a:r>
+            <a:r>
+              <a:rPr lang="de-DE" baseline="0" dirty="0" smtClean="0"/>
+              <a:t> </a:t>
+            </a:r>
+            <a:r>
+              <a:rPr lang="de-DE" baseline="0" dirty="0" err="1" smtClean="0"/>
+              <a:t>example</a:t>
+            </a:r>
+            <a:r>
+              <a:rPr lang="de-DE" baseline="0" dirty="0" smtClean="0"/>
+              <a:t> </a:t>
+            </a:r>
+            <a:r>
+              <a:rPr lang="de-DE" baseline="0" dirty="0" err="1" smtClean="0"/>
+              <a:t>it</a:t>
+            </a:r>
+            <a:r>
+              <a:rPr lang="de-DE" baseline="0" dirty="0" smtClean="0"/>
+              <a:t> </a:t>
+            </a:r>
+            <a:r>
+              <a:rPr lang="de-DE" baseline="0" dirty="0" err="1" smtClean="0"/>
+              <a:t>is</a:t>
+            </a:r>
+            <a:r>
+              <a:rPr lang="de-DE" baseline="0" dirty="0" smtClean="0"/>
+              <a:t> v1beta1</a:t>
+            </a:r>
+          </a:p>
+          <a:p>
+            <a:endParaRPr lang="de-DE" baseline="0" dirty="0" smtClean="0"/>
+          </a:p>
+          <a:p>
+            <a:r>
+              <a:rPr lang="de-DE" baseline="0" dirty="0" smtClean="0"/>
+              <a:t>Kind </a:t>
+            </a:r>
+            <a:r>
+              <a:rPr lang="de-DE" baseline="0" dirty="0" err="1" smtClean="0"/>
+              <a:t>describes</a:t>
+            </a:r>
+            <a:r>
+              <a:rPr lang="de-DE" baseline="0" dirty="0" smtClean="0"/>
+              <a:t> </a:t>
+            </a:r>
+            <a:r>
+              <a:rPr lang="de-DE" baseline="0" dirty="0" err="1" smtClean="0"/>
+              <a:t>the</a:t>
+            </a:r>
+            <a:r>
+              <a:rPr lang="de-DE" baseline="0" dirty="0" smtClean="0"/>
+              <a:t> </a:t>
+            </a:r>
+            <a:r>
+              <a:rPr lang="de-DE" baseline="0" dirty="0" err="1" smtClean="0"/>
+              <a:t>kind</a:t>
+            </a:r>
+            <a:r>
+              <a:rPr lang="de-DE" baseline="0" dirty="0" smtClean="0"/>
+              <a:t> of </a:t>
+            </a:r>
+            <a:r>
+              <a:rPr lang="de-DE" baseline="0" dirty="0" err="1" smtClean="0"/>
+              <a:t>object</a:t>
+            </a:r>
+            <a:r>
+              <a:rPr lang="de-DE" baseline="0" dirty="0" smtClean="0"/>
+              <a:t> </a:t>
+            </a:r>
+            <a:r>
+              <a:rPr lang="de-DE" baseline="0" dirty="0" err="1" smtClean="0"/>
+              <a:t>to</a:t>
+            </a:r>
+            <a:r>
+              <a:rPr lang="de-DE" baseline="0" dirty="0" smtClean="0"/>
+              <a:t> </a:t>
+            </a:r>
+            <a:r>
+              <a:rPr lang="de-DE" baseline="0" dirty="0" err="1" smtClean="0"/>
+              <a:t>be</a:t>
+            </a:r>
+            <a:r>
+              <a:rPr lang="de-DE" baseline="0" dirty="0" smtClean="0"/>
+              <a:t> </a:t>
+            </a:r>
+            <a:r>
+              <a:rPr lang="de-DE" baseline="0" dirty="0" err="1" smtClean="0"/>
+              <a:t>created</a:t>
+            </a:r>
+            <a:r>
+              <a:rPr lang="de-DE" baseline="0" dirty="0" smtClean="0"/>
+              <a:t>. </a:t>
+            </a:r>
+            <a:r>
+              <a:rPr lang="de-DE" baseline="0" dirty="0" err="1" smtClean="0"/>
+              <a:t>Deployment</a:t>
+            </a:r>
+            <a:r>
+              <a:rPr lang="de-DE" baseline="0" dirty="0" smtClean="0"/>
+              <a:t>, </a:t>
+            </a:r>
+            <a:r>
+              <a:rPr lang="de-DE" baseline="0" dirty="0" err="1" smtClean="0"/>
+              <a:t>as</a:t>
+            </a:r>
+            <a:r>
+              <a:rPr lang="de-DE" baseline="0" dirty="0" smtClean="0"/>
+              <a:t> </a:t>
+            </a:r>
+            <a:r>
+              <a:rPr lang="de-DE" baseline="0" dirty="0" err="1" smtClean="0"/>
+              <a:t>shown</a:t>
+            </a:r>
+            <a:r>
+              <a:rPr lang="de-DE" baseline="0" dirty="0" smtClean="0"/>
+              <a:t> in </a:t>
+            </a:r>
+            <a:r>
+              <a:rPr lang="de-DE" baseline="0" dirty="0" err="1" smtClean="0"/>
+              <a:t>the</a:t>
+            </a:r>
+            <a:r>
+              <a:rPr lang="de-DE" baseline="0" dirty="0" smtClean="0"/>
+              <a:t> </a:t>
+            </a:r>
+            <a:r>
+              <a:rPr lang="de-DE" baseline="0" dirty="0" err="1" smtClean="0"/>
+              <a:t>example</a:t>
+            </a:r>
+            <a:r>
+              <a:rPr lang="de-DE" baseline="0" dirty="0" smtClean="0"/>
+              <a:t> </a:t>
+            </a:r>
+            <a:r>
+              <a:rPr lang="de-DE" baseline="0" dirty="0" err="1" smtClean="0"/>
+              <a:t>is</a:t>
+            </a:r>
+            <a:r>
+              <a:rPr lang="de-DE" baseline="0" dirty="0" smtClean="0"/>
+              <a:t> for </a:t>
+            </a:r>
+            <a:r>
+              <a:rPr lang="de-DE" baseline="0" dirty="0" err="1" smtClean="0"/>
+              <a:t>the</a:t>
+            </a:r>
+            <a:r>
+              <a:rPr lang="de-DE" baseline="0" dirty="0" smtClean="0"/>
+              <a:t> </a:t>
+            </a:r>
+            <a:r>
+              <a:rPr lang="de-DE" baseline="0" dirty="0" err="1" smtClean="0"/>
+              <a:t>creation</a:t>
+            </a:r>
+            <a:r>
+              <a:rPr lang="de-DE" baseline="0" dirty="0" smtClean="0"/>
+              <a:t> of </a:t>
+            </a:r>
+            <a:r>
+              <a:rPr lang="de-DE" baseline="0" dirty="0" err="1" smtClean="0"/>
+              <a:t>pods</a:t>
+            </a:r>
+            <a:r>
+              <a:rPr lang="de-DE" baseline="0" dirty="0" smtClean="0"/>
+              <a:t>.</a:t>
+            </a:r>
+          </a:p>
+          <a:p>
+            <a:endParaRPr lang="de-DE" baseline="0" dirty="0" smtClean="0"/>
+          </a:p>
+          <a:p>
+            <a:r>
+              <a:rPr lang="de-DE" baseline="0" dirty="0" err="1" smtClean="0"/>
+              <a:t>Metadata</a:t>
+            </a:r>
+            <a:r>
+              <a:rPr lang="de-DE" baseline="0" dirty="0" smtClean="0"/>
+              <a:t> </a:t>
+            </a:r>
+            <a:r>
+              <a:rPr lang="de-DE" baseline="0" dirty="0" err="1" smtClean="0"/>
+              <a:t>is</a:t>
+            </a:r>
+            <a:r>
+              <a:rPr lang="de-DE" baseline="0" dirty="0" smtClean="0"/>
+              <a:t> </a:t>
+            </a:r>
+            <a:r>
+              <a:rPr lang="de-DE" baseline="0" dirty="0" err="1" smtClean="0"/>
+              <a:t>used</a:t>
+            </a:r>
+            <a:r>
+              <a:rPr lang="de-DE" baseline="0" dirty="0" smtClean="0"/>
+              <a:t> </a:t>
+            </a:r>
+            <a:r>
+              <a:rPr lang="de-DE" baseline="0" dirty="0" err="1" smtClean="0"/>
+              <a:t>to</a:t>
+            </a:r>
+            <a:r>
+              <a:rPr lang="de-DE" baseline="0" dirty="0" smtClean="0"/>
+              <a:t> </a:t>
+            </a:r>
+            <a:r>
+              <a:rPr lang="de-DE" baseline="0" dirty="0" err="1" smtClean="0"/>
+              <a:t>help</a:t>
+            </a:r>
+            <a:r>
+              <a:rPr lang="de-DE" baseline="0" dirty="0" smtClean="0"/>
+              <a:t> </a:t>
+            </a:r>
+            <a:r>
+              <a:rPr lang="de-DE" baseline="0" dirty="0" err="1" smtClean="0"/>
+              <a:t>uniquely</a:t>
+            </a:r>
+            <a:r>
+              <a:rPr lang="de-DE" baseline="0" dirty="0" smtClean="0"/>
+              <a:t> </a:t>
+            </a:r>
+            <a:r>
+              <a:rPr lang="de-DE" baseline="0" dirty="0" err="1" smtClean="0"/>
+              <a:t>identify</a:t>
+            </a:r>
+            <a:r>
+              <a:rPr lang="de-DE" baseline="0" dirty="0" smtClean="0"/>
+              <a:t> an </a:t>
+            </a:r>
+            <a:r>
+              <a:rPr lang="de-DE" baseline="0" dirty="0" err="1" smtClean="0"/>
+              <a:t>object</a:t>
+            </a:r>
+            <a:r>
+              <a:rPr lang="de-DE" baseline="0" dirty="0" smtClean="0"/>
+              <a:t>. </a:t>
+            </a:r>
+            <a:r>
+              <a:rPr lang="de-DE" baseline="0" dirty="0" err="1" smtClean="0"/>
+              <a:t>It</a:t>
+            </a:r>
+            <a:r>
+              <a:rPr lang="de-DE" baseline="0" dirty="0" smtClean="0"/>
+              <a:t> </a:t>
+            </a:r>
+            <a:r>
+              <a:rPr lang="de-DE" baseline="0" dirty="0" err="1" smtClean="0"/>
+              <a:t>often</a:t>
+            </a:r>
+            <a:r>
+              <a:rPr lang="de-DE" baseline="0" dirty="0" smtClean="0"/>
+              <a:t> </a:t>
+            </a:r>
+            <a:r>
+              <a:rPr lang="de-DE" baseline="0" dirty="0" err="1" smtClean="0"/>
+              <a:t>contains</a:t>
+            </a:r>
+            <a:r>
+              <a:rPr lang="de-DE" baseline="0" dirty="0" smtClean="0"/>
+              <a:t> a </a:t>
+            </a:r>
+            <a:r>
+              <a:rPr lang="de-DE" baseline="0" dirty="0" err="1" smtClean="0"/>
+              <a:t>name</a:t>
+            </a:r>
+            <a:r>
+              <a:rPr lang="de-DE" baseline="0" dirty="0" smtClean="0"/>
+              <a:t>, like for </a:t>
+            </a:r>
+            <a:r>
+              <a:rPr lang="de-DE" baseline="0" dirty="0" err="1" smtClean="0"/>
+              <a:t>example</a:t>
+            </a:r>
+            <a:r>
+              <a:rPr lang="de-DE" baseline="0" dirty="0" smtClean="0"/>
+              <a:t> </a:t>
+            </a:r>
+            <a:r>
+              <a:rPr lang="de-DE" baseline="0" dirty="0" err="1" smtClean="0"/>
+              <a:t>envtest</a:t>
+            </a:r>
+            <a:r>
+              <a:rPr lang="de-DE" baseline="0" dirty="0" smtClean="0"/>
+              <a:t> </a:t>
+            </a:r>
+            <a:r>
+              <a:rPr lang="de-DE" baseline="0" dirty="0" err="1" smtClean="0"/>
+              <a:t>as</a:t>
+            </a:r>
+            <a:r>
+              <a:rPr lang="de-DE" baseline="0" dirty="0" smtClean="0"/>
+              <a:t> </a:t>
+            </a:r>
+            <a:r>
+              <a:rPr lang="de-DE" baseline="0" dirty="0" err="1" smtClean="0"/>
+              <a:t>shown</a:t>
+            </a:r>
+            <a:r>
+              <a:rPr lang="de-DE" baseline="0" dirty="0" smtClean="0"/>
+              <a:t> on </a:t>
+            </a:r>
+            <a:r>
+              <a:rPr lang="de-DE" baseline="0" dirty="0" err="1" smtClean="0"/>
+              <a:t>the</a:t>
+            </a:r>
+            <a:r>
+              <a:rPr lang="de-DE" baseline="0" dirty="0" smtClean="0"/>
+              <a:t> </a:t>
+            </a:r>
+            <a:r>
+              <a:rPr lang="de-DE" baseline="0" dirty="0" err="1" smtClean="0"/>
+              <a:t>slide</a:t>
+            </a:r>
+            <a:r>
+              <a:rPr lang="de-DE" baseline="0" dirty="0" smtClean="0"/>
+              <a:t>. </a:t>
+            </a:r>
+            <a:r>
+              <a:rPr lang="de-DE" baseline="0" dirty="0" err="1" smtClean="0"/>
+              <a:t>It</a:t>
+            </a:r>
+            <a:r>
+              <a:rPr lang="de-DE" baseline="0" dirty="0" smtClean="0"/>
+              <a:t> </a:t>
+            </a:r>
+            <a:r>
+              <a:rPr lang="de-DE" baseline="0" dirty="0" err="1" smtClean="0"/>
+              <a:t>can</a:t>
+            </a:r>
+            <a:r>
+              <a:rPr lang="de-DE" baseline="0" dirty="0" smtClean="0"/>
+              <a:t> also </a:t>
+            </a:r>
+            <a:r>
+              <a:rPr lang="de-DE" baseline="0" dirty="0" err="1" smtClean="0"/>
+              <a:t>often</a:t>
+            </a:r>
+            <a:r>
+              <a:rPr lang="de-DE" baseline="0" dirty="0" smtClean="0"/>
+              <a:t> </a:t>
+            </a:r>
+            <a:r>
+              <a:rPr lang="de-DE" baseline="0" dirty="0" err="1" smtClean="0"/>
+              <a:t>contain</a:t>
+            </a:r>
+            <a:r>
+              <a:rPr lang="de-DE" baseline="0" dirty="0" smtClean="0"/>
+              <a:t> </a:t>
+            </a:r>
+            <a:r>
+              <a:rPr lang="de-DE" baseline="0" dirty="0" err="1" smtClean="0"/>
+              <a:t>unique</a:t>
+            </a:r>
+            <a:r>
+              <a:rPr lang="de-DE" baseline="0" dirty="0" smtClean="0"/>
+              <a:t> </a:t>
+            </a:r>
+            <a:r>
+              <a:rPr lang="de-DE" baseline="0" dirty="0" err="1" smtClean="0"/>
+              <a:t>identificators</a:t>
+            </a:r>
+            <a:r>
+              <a:rPr lang="de-DE" baseline="0" dirty="0" smtClean="0"/>
+              <a:t> </a:t>
+            </a:r>
+            <a:r>
+              <a:rPr lang="de-DE" baseline="0" dirty="0" err="1" smtClean="0"/>
+              <a:t>and</a:t>
+            </a:r>
+            <a:r>
+              <a:rPr lang="de-DE" baseline="0" dirty="0" smtClean="0"/>
+              <a:t> </a:t>
+            </a:r>
+            <a:r>
+              <a:rPr lang="de-DE" baseline="0" dirty="0" err="1" smtClean="0"/>
+              <a:t>namespaces</a:t>
+            </a:r>
+            <a:r>
+              <a:rPr lang="de-DE" baseline="0" dirty="0" smtClean="0"/>
+              <a:t>.</a:t>
+            </a:r>
+          </a:p>
+          <a:p>
+            <a:endParaRPr lang="de-DE" baseline="0" dirty="0" smtClean="0"/>
+          </a:p>
+          <a:p>
+            <a:r>
+              <a:rPr lang="de-DE" baseline="0" dirty="0" err="1" smtClean="0"/>
+              <a:t>Spec</a:t>
+            </a:r>
+            <a:r>
+              <a:rPr lang="de-DE" baseline="0" dirty="0" smtClean="0"/>
+              <a:t> </a:t>
+            </a:r>
+            <a:r>
+              <a:rPr lang="de-DE" baseline="0" dirty="0" err="1" smtClean="0"/>
+              <a:t>is</a:t>
+            </a:r>
+            <a:r>
+              <a:rPr lang="de-DE" baseline="0" dirty="0" smtClean="0"/>
+              <a:t> </a:t>
+            </a:r>
+            <a:r>
+              <a:rPr lang="de-DE" baseline="0" dirty="0" err="1" smtClean="0"/>
+              <a:t>then</a:t>
+            </a:r>
+            <a:r>
+              <a:rPr lang="de-DE" baseline="0" dirty="0" smtClean="0"/>
+              <a:t> </a:t>
+            </a:r>
+            <a:r>
+              <a:rPr lang="de-DE" baseline="0" dirty="0" err="1" smtClean="0"/>
+              <a:t>used</a:t>
+            </a:r>
+            <a:r>
+              <a:rPr lang="de-DE" baseline="0" dirty="0" smtClean="0"/>
+              <a:t> </a:t>
+            </a:r>
+            <a:r>
+              <a:rPr lang="de-DE" baseline="0" dirty="0" err="1" smtClean="0"/>
+              <a:t>to</a:t>
+            </a:r>
+            <a:r>
+              <a:rPr lang="de-DE" baseline="0" dirty="0" smtClean="0"/>
+              <a:t> </a:t>
+            </a:r>
+            <a:r>
+              <a:rPr lang="de-DE" baseline="0" dirty="0" err="1" smtClean="0"/>
+              <a:t>specify</a:t>
+            </a:r>
+            <a:r>
+              <a:rPr lang="de-DE" baseline="0" dirty="0" smtClean="0"/>
+              <a:t> additional </a:t>
+            </a:r>
+            <a:r>
+              <a:rPr lang="de-DE" baseline="0" dirty="0" err="1" smtClean="0"/>
+              <a:t>content</a:t>
+            </a:r>
+            <a:r>
+              <a:rPr lang="de-DE" baseline="0" dirty="0" smtClean="0"/>
+              <a:t> </a:t>
+            </a:r>
+            <a:r>
+              <a:rPr lang="de-DE" baseline="0" dirty="0" err="1" smtClean="0"/>
+              <a:t>depending</a:t>
+            </a:r>
+            <a:r>
+              <a:rPr lang="de-DE" baseline="0" dirty="0" smtClean="0"/>
+              <a:t> on </a:t>
+            </a:r>
+            <a:r>
+              <a:rPr lang="de-DE" baseline="0" dirty="0" err="1" smtClean="0"/>
+              <a:t>the</a:t>
+            </a:r>
+            <a:r>
+              <a:rPr lang="de-DE" baseline="0" dirty="0" smtClean="0"/>
+              <a:t> type of </a:t>
+            </a:r>
+            <a:r>
+              <a:rPr lang="de-DE" baseline="0" dirty="0" err="1" smtClean="0"/>
+              <a:t>object</a:t>
+            </a:r>
+            <a:r>
+              <a:rPr lang="de-DE" baseline="0" dirty="0" smtClean="0"/>
+              <a:t> </a:t>
+            </a:r>
+            <a:r>
+              <a:rPr lang="de-DE" baseline="0" dirty="0" err="1" smtClean="0"/>
+              <a:t>to</a:t>
+            </a:r>
+            <a:r>
+              <a:rPr lang="de-DE" baseline="0" dirty="0" smtClean="0"/>
+              <a:t> </a:t>
+            </a:r>
+            <a:r>
+              <a:rPr lang="de-DE" baseline="0" dirty="0" err="1" smtClean="0"/>
+              <a:t>be</a:t>
+            </a:r>
+            <a:r>
+              <a:rPr lang="de-DE" baseline="0" dirty="0" smtClean="0"/>
+              <a:t> </a:t>
+            </a:r>
+            <a:r>
+              <a:rPr lang="de-DE" baseline="0" dirty="0" err="1" smtClean="0"/>
+              <a:t>created</a:t>
+            </a:r>
+            <a:r>
+              <a:rPr lang="de-DE" baseline="0" dirty="0" smtClean="0"/>
+              <a:t>. For </a:t>
+            </a:r>
+            <a:r>
+              <a:rPr lang="de-DE" baseline="0" dirty="0" err="1" smtClean="0"/>
+              <a:t>example</a:t>
+            </a:r>
+            <a:r>
+              <a:rPr lang="de-DE" baseline="0" dirty="0" smtClean="0"/>
+              <a:t> </a:t>
+            </a:r>
+            <a:r>
+              <a:rPr lang="de-DE" baseline="0" dirty="0" err="1" smtClean="0"/>
+              <a:t>database</a:t>
+            </a:r>
+            <a:r>
+              <a:rPr lang="de-DE" baseline="0" dirty="0" smtClean="0"/>
+              <a:t> </a:t>
+            </a:r>
+            <a:r>
+              <a:rPr lang="de-DE" baseline="0" dirty="0" err="1" smtClean="0"/>
+              <a:t>deployments</a:t>
+            </a:r>
+            <a:r>
+              <a:rPr lang="de-DE" baseline="0" dirty="0" smtClean="0"/>
+              <a:t> </a:t>
+            </a:r>
+            <a:r>
+              <a:rPr lang="de-DE" baseline="0" dirty="0" err="1" smtClean="0"/>
+              <a:t>require</a:t>
+            </a:r>
+            <a:r>
+              <a:rPr lang="de-DE" baseline="0" dirty="0" smtClean="0"/>
+              <a:t> a </a:t>
+            </a:r>
+            <a:r>
+              <a:rPr lang="de-DE" baseline="0" dirty="0" err="1" smtClean="0"/>
+              <a:t>username</a:t>
+            </a:r>
+            <a:r>
+              <a:rPr lang="de-DE" baseline="0" dirty="0" smtClean="0"/>
+              <a:t> </a:t>
+            </a:r>
+            <a:r>
+              <a:rPr lang="de-DE" baseline="0" dirty="0" err="1" smtClean="0"/>
+              <a:t>and</a:t>
+            </a:r>
+            <a:r>
+              <a:rPr lang="de-DE" baseline="0" dirty="0" smtClean="0"/>
+              <a:t> </a:t>
+            </a:r>
+            <a:r>
+              <a:rPr lang="de-DE" baseline="0" dirty="0" err="1" smtClean="0"/>
+              <a:t>password</a:t>
+            </a:r>
+            <a:r>
+              <a:rPr lang="de-DE" baseline="0" dirty="0" smtClean="0"/>
+              <a:t> </a:t>
+            </a:r>
+            <a:r>
+              <a:rPr lang="de-DE" baseline="0" dirty="0" err="1" smtClean="0"/>
+              <a:t>as</a:t>
+            </a:r>
+            <a:r>
+              <a:rPr lang="de-DE" baseline="0" dirty="0" smtClean="0"/>
+              <a:t> </a:t>
+            </a:r>
+            <a:r>
+              <a:rPr lang="de-DE" baseline="0" dirty="0" err="1" smtClean="0"/>
+              <a:t>well</a:t>
+            </a:r>
+            <a:r>
+              <a:rPr lang="de-DE" baseline="0" dirty="0" smtClean="0"/>
+              <a:t> </a:t>
+            </a:r>
+            <a:r>
+              <a:rPr lang="de-DE" baseline="0" dirty="0" err="1" smtClean="0"/>
+              <a:t>as</a:t>
+            </a:r>
+            <a:r>
+              <a:rPr lang="de-DE" baseline="0" dirty="0" smtClean="0"/>
+              <a:t> a </a:t>
+            </a:r>
+            <a:r>
+              <a:rPr lang="de-DE" baseline="0" dirty="0" err="1" smtClean="0"/>
+              <a:t>service</a:t>
+            </a:r>
+            <a:r>
+              <a:rPr lang="de-DE" baseline="0" dirty="0" smtClean="0"/>
+              <a:t> </a:t>
+            </a:r>
+            <a:r>
+              <a:rPr lang="de-DE" baseline="0" dirty="0" err="1" smtClean="0"/>
+              <a:t>to</a:t>
+            </a:r>
+            <a:r>
+              <a:rPr lang="de-DE" baseline="0" dirty="0" smtClean="0"/>
+              <a:t> </a:t>
+            </a:r>
+            <a:r>
+              <a:rPr lang="de-DE" baseline="0" dirty="0" err="1" smtClean="0"/>
+              <a:t>connect</a:t>
+            </a:r>
+            <a:r>
+              <a:rPr lang="de-DE" baseline="0" dirty="0" smtClean="0"/>
+              <a:t> </a:t>
+            </a:r>
+            <a:r>
+              <a:rPr lang="de-DE" baseline="0" dirty="0" err="1" smtClean="0"/>
+              <a:t>to</a:t>
+            </a:r>
+            <a:r>
+              <a:rPr lang="de-DE" baseline="0" dirty="0" smtClean="0"/>
+              <a:t>. In </a:t>
+            </a:r>
+            <a:r>
+              <a:rPr lang="de-DE" baseline="0" dirty="0" err="1" smtClean="0"/>
+              <a:t>the</a:t>
+            </a:r>
+            <a:r>
+              <a:rPr lang="de-DE" baseline="0" dirty="0" smtClean="0"/>
+              <a:t> </a:t>
+            </a:r>
+            <a:r>
+              <a:rPr lang="de-DE" baseline="0" dirty="0" err="1" smtClean="0"/>
+              <a:t>shown</a:t>
+            </a:r>
+            <a:r>
+              <a:rPr lang="de-DE" baseline="0" dirty="0" smtClean="0"/>
+              <a:t> </a:t>
+            </a:r>
+            <a:r>
+              <a:rPr lang="de-DE" baseline="0" dirty="0" err="1" smtClean="0"/>
+              <a:t>example</a:t>
+            </a:r>
+            <a:r>
+              <a:rPr lang="de-DE" baseline="0" dirty="0" smtClean="0"/>
+              <a:t> </a:t>
+            </a:r>
+            <a:r>
+              <a:rPr lang="de-DE" baseline="0" dirty="0" err="1" smtClean="0"/>
+              <a:t>you</a:t>
+            </a:r>
+            <a:r>
+              <a:rPr lang="de-DE" baseline="0" dirty="0" smtClean="0"/>
+              <a:t> </a:t>
+            </a:r>
+            <a:r>
+              <a:rPr lang="de-DE" baseline="0" dirty="0" err="1" smtClean="0"/>
+              <a:t>can</a:t>
+            </a:r>
+            <a:r>
+              <a:rPr lang="de-DE" baseline="0" dirty="0" smtClean="0"/>
+              <a:t> </a:t>
+            </a:r>
+            <a:r>
+              <a:rPr lang="de-DE" baseline="0" dirty="0" err="1" smtClean="0"/>
+              <a:t>see</a:t>
+            </a:r>
+            <a:r>
+              <a:rPr lang="de-DE" baseline="0" dirty="0" smtClean="0"/>
+              <a:t> a Port </a:t>
+            </a:r>
+            <a:r>
+              <a:rPr lang="de-DE" baseline="0" dirty="0" err="1" smtClean="0"/>
+              <a:t>being</a:t>
+            </a:r>
+            <a:r>
+              <a:rPr lang="de-DE" baseline="0" dirty="0" smtClean="0"/>
+              <a:t> </a:t>
+            </a:r>
+            <a:r>
+              <a:rPr lang="de-DE" baseline="0" dirty="0" err="1" smtClean="0"/>
+              <a:t>specified</a:t>
+            </a:r>
+            <a:r>
+              <a:rPr lang="de-DE" baseline="0" dirty="0" smtClean="0"/>
+              <a:t>.</a:t>
+            </a:r>
+          </a:p>
+          <a:p>
+            <a:endParaRPr lang="de-DE" baseline="0" dirty="0" smtClean="0"/>
+          </a:p>
+          <a:p>
+            <a:r>
+              <a:rPr lang="de-DE" baseline="0" dirty="0" smtClean="0"/>
+              <a:t>Multiple YAML </a:t>
+            </a:r>
+            <a:r>
+              <a:rPr lang="de-DE" baseline="0" dirty="0" err="1" smtClean="0"/>
+              <a:t>files</a:t>
+            </a:r>
+            <a:r>
+              <a:rPr lang="de-DE" baseline="0" dirty="0" smtClean="0"/>
+              <a:t> </a:t>
+            </a:r>
+            <a:r>
+              <a:rPr lang="de-DE" baseline="0" dirty="0" err="1" smtClean="0"/>
+              <a:t>were</a:t>
+            </a:r>
+            <a:r>
+              <a:rPr lang="de-DE" baseline="0" dirty="0" smtClean="0"/>
+              <a:t> </a:t>
+            </a:r>
+            <a:r>
+              <a:rPr lang="de-DE" baseline="0" dirty="0" err="1" smtClean="0"/>
+              <a:t>used</a:t>
+            </a:r>
+            <a:r>
+              <a:rPr lang="de-DE" baseline="0" dirty="0" smtClean="0"/>
+              <a:t>, at least 1 per </a:t>
+            </a:r>
+            <a:r>
+              <a:rPr lang="de-DE" baseline="0" dirty="0" err="1" smtClean="0"/>
               <a:t>architecture</a:t>
             </a:r>
             <a:r>
-              <a:rPr lang="de-DE" dirty="0"/>
-              <a:t> </a:t>
-            </a:r>
-            <a:r>
-              <a:rPr lang="de-DE" dirty="0" err="1"/>
-              <a:t>of</a:t>
-            </a:r>
-            <a:r>
-              <a:rPr lang="de-DE" dirty="0"/>
-              <a:t> </a:t>
-            </a:r>
-            <a:r>
-              <a:rPr lang="de-DE" dirty="0" err="1"/>
-              <a:t>kubernetes</a:t>
-            </a:r>
-            <a:r>
-              <a:rPr lang="de-DE" dirty="0"/>
-              <a:t> </a:t>
-            </a:r>
-            <a:r>
-              <a:rPr lang="de-DE" dirty="0" err="1"/>
-              <a:t>with</a:t>
-            </a:r>
-            <a:r>
-              <a:rPr lang="de-DE" dirty="0"/>
-              <a:t> </a:t>
-            </a:r>
-            <a:r>
-              <a:rPr lang="de-DE" dirty="0" err="1"/>
-              <a:t>its</a:t>
-            </a:r>
-            <a:r>
-              <a:rPr lang="de-DE" dirty="0"/>
-              <a:t> </a:t>
-            </a:r>
-            <a:r>
-              <a:rPr lang="de-DE" dirty="0" err="1"/>
-              <a:t>main</a:t>
-            </a:r>
-            <a:r>
-              <a:rPr lang="de-DE" dirty="0"/>
-              <a:t> </a:t>
-            </a:r>
-            <a:r>
-              <a:rPr lang="de-DE" dirty="0" err="1"/>
-              <a:t>components</a:t>
-            </a:r>
-            <a:r>
-              <a:rPr lang="de-DE" dirty="0"/>
-              <a:t> </a:t>
-            </a:r>
-            <a:r>
-              <a:rPr lang="de-DE" dirty="0" err="1"/>
-              <a:t>is</a:t>
-            </a:r>
-            <a:r>
-              <a:rPr lang="de-DE" dirty="0"/>
-              <a:t> </a:t>
-            </a:r>
-            <a:r>
-              <a:rPr lang="de-DE" dirty="0" err="1"/>
+              <a:rPr lang="de-DE" baseline="0" dirty="0" smtClean="0"/>
+              <a:t> </a:t>
+            </a:r>
+            <a:r>
+              <a:rPr lang="de-DE" baseline="0" dirty="0" err="1" smtClean="0"/>
+              <a:t>component</a:t>
+            </a:r>
+            <a:r>
+              <a:rPr lang="de-DE" baseline="0" dirty="0" smtClean="0"/>
+              <a:t>, </a:t>
+            </a:r>
+            <a:r>
+              <a:rPr lang="de-DE" baseline="0" dirty="0" err="1" smtClean="0"/>
+              <a:t>which</a:t>
+            </a:r>
+            <a:r>
+              <a:rPr lang="de-DE" baseline="0" dirty="0" smtClean="0"/>
+              <a:t> will </a:t>
+            </a:r>
+            <a:r>
+              <a:rPr lang="de-DE" baseline="0" dirty="0" err="1" smtClean="0"/>
+              <a:t>be</a:t>
+            </a:r>
+            <a:r>
+              <a:rPr lang="de-DE" baseline="0" dirty="0" smtClean="0"/>
+              <a:t> </a:t>
+            </a:r>
+            <a:r>
+              <a:rPr lang="de-DE" baseline="0" dirty="0" err="1" smtClean="0"/>
               <a:t>shown</a:t>
             </a:r>
             <a:r>
-              <a:rPr lang="de-DE" dirty="0"/>
-              <a:t> on </a:t>
-            </a:r>
-            <a:r>
-              <a:rPr lang="de-DE" dirty="0" err="1"/>
-              <a:t>the</a:t>
-            </a:r>
-            <a:r>
-              <a:rPr lang="de-DE" dirty="0"/>
-              <a:t> </a:t>
-            </a:r>
-            <a:r>
-              <a:rPr lang="de-DE" dirty="0" err="1"/>
+              <a:rPr lang="de-DE" baseline="0" dirty="0" smtClean="0"/>
+              <a:t> </a:t>
+            </a:r>
+            <a:r>
+              <a:rPr lang="de-DE" baseline="0" dirty="0" err="1" smtClean="0"/>
               <a:t>next</a:t>
             </a:r>
             <a:r>
-              <a:rPr lang="de-DE" dirty="0"/>
-              <a:t> </a:t>
-            </a:r>
-            <a:r>
-              <a:rPr lang="de-DE" dirty="0" err="1"/>
-              <a:t>slide</a:t>
-            </a:r>
-            <a:r>
-              <a:rPr lang="de-DE" dirty="0"/>
+              <a:rPr lang="de-DE" baseline="0" dirty="0" smtClean="0"/>
               <a:t>.</a:t>
             </a:r>
           </a:p>
           <a:p>
-            <a:r>
-              <a:rPr lang="de-DE" dirty="0"/>
-              <a:t>In </a:t>
-            </a:r>
-            <a:r>
-              <a:rPr lang="de-DE" dirty="0" err="1"/>
-              <a:t>the</a:t>
-            </a:r>
-            <a:r>
-              <a:rPr lang="de-DE" dirty="0"/>
-              <a:t> </a:t>
-            </a:r>
-            <a:r>
-              <a:rPr lang="de-DE" dirty="0" err="1"/>
-              <a:t>architecture</a:t>
-            </a:r>
-            <a:r>
-              <a:rPr lang="de-DE" dirty="0"/>
-              <a:t> </a:t>
-            </a:r>
-            <a:r>
-              <a:rPr lang="de-DE" dirty="0" err="1"/>
-              <a:t>we</a:t>
-            </a:r>
-            <a:r>
-              <a:rPr lang="de-DE" dirty="0"/>
-              <a:t> </a:t>
-            </a:r>
-            <a:r>
-              <a:rPr lang="de-DE" dirty="0" err="1"/>
-              <a:t>can</a:t>
-            </a:r>
-            <a:r>
-              <a:rPr lang="de-DE" dirty="0"/>
-              <a:t> </a:t>
-            </a:r>
-            <a:r>
-              <a:rPr lang="de-DE" dirty="0" err="1"/>
-              <a:t>see</a:t>
-            </a:r>
-            <a:r>
-              <a:rPr lang="de-DE" dirty="0"/>
-              <a:t> </a:t>
-            </a:r>
-            <a:r>
-              <a:rPr lang="de-DE" dirty="0" err="1"/>
-              <a:t>that</a:t>
-            </a:r>
-            <a:r>
-              <a:rPr lang="de-DE" dirty="0"/>
-              <a:t> </a:t>
-            </a:r>
-            <a:r>
-              <a:rPr lang="de-DE" dirty="0" err="1"/>
-              <a:t>kubernetes</a:t>
-            </a:r>
-            <a:r>
-              <a:rPr lang="de-DE" dirty="0"/>
-              <a:t> </a:t>
-            </a:r>
-            <a:r>
-              <a:rPr lang="en-US" noProof="0" dirty="0"/>
-              <a:t>distinguishes</a:t>
-            </a:r>
-            <a:r>
-              <a:rPr lang="de-DE" dirty="0"/>
-              <a:t> </a:t>
-            </a:r>
-            <a:r>
-              <a:rPr lang="de-DE" dirty="0" err="1"/>
-              <a:t>between</a:t>
-            </a:r>
-            <a:r>
-              <a:rPr lang="de-DE" dirty="0"/>
-              <a:t> </a:t>
-            </a:r>
-            <a:r>
-              <a:rPr lang="de-DE" dirty="0" err="1"/>
-              <a:t>master</a:t>
-            </a:r>
-            <a:r>
-              <a:rPr lang="de-DE" dirty="0"/>
-              <a:t> and </a:t>
-            </a:r>
-            <a:r>
-              <a:rPr lang="de-DE" dirty="0" err="1"/>
-              <a:t>nodes</a:t>
-            </a:r>
-            <a:r>
-              <a:rPr lang="de-DE" dirty="0"/>
-              <a:t>. The </a:t>
-            </a:r>
-            <a:r>
-              <a:rPr lang="de-DE" dirty="0" err="1"/>
-              <a:t>master</a:t>
-            </a:r>
-            <a:r>
-              <a:rPr lang="de-DE" dirty="0"/>
-              <a:t> </a:t>
-            </a:r>
-            <a:r>
-              <a:rPr lang="de-DE" dirty="0" err="1"/>
-              <a:t>is</a:t>
-            </a:r>
-            <a:r>
-              <a:rPr lang="de-DE" dirty="0"/>
-              <a:t> </a:t>
-            </a:r>
-            <a:r>
-              <a:rPr lang="de-DE" dirty="0" err="1"/>
-              <a:t>used</a:t>
-            </a:r>
-            <a:r>
-              <a:rPr lang="de-DE" dirty="0"/>
-              <a:t> </a:t>
-            </a:r>
-            <a:r>
-              <a:rPr lang="de-DE" dirty="0" err="1"/>
-              <a:t>for</a:t>
-            </a:r>
-            <a:r>
-              <a:rPr lang="de-DE" dirty="0"/>
-              <a:t> </a:t>
-            </a:r>
-            <a:r>
-              <a:rPr lang="de-DE" dirty="0" err="1"/>
-              <a:t>managing</a:t>
-            </a:r>
-            <a:r>
-              <a:rPr lang="de-DE" dirty="0"/>
-              <a:t> </a:t>
-            </a:r>
-            <a:r>
-              <a:rPr lang="de-DE" dirty="0" err="1"/>
-              <a:t>the</a:t>
-            </a:r>
-            <a:r>
-              <a:rPr lang="de-DE" dirty="0"/>
-              <a:t> </a:t>
-            </a:r>
-            <a:r>
-              <a:rPr lang="de-DE" dirty="0" err="1"/>
-              <a:t>nodes</a:t>
-            </a:r>
-            <a:r>
-              <a:rPr lang="de-DE" dirty="0"/>
-              <a:t>, like time </a:t>
-            </a:r>
-            <a:r>
-              <a:rPr lang="de-DE" dirty="0" err="1"/>
-              <a:t>scheduling</a:t>
-            </a:r>
-            <a:r>
-              <a:rPr lang="de-DE" dirty="0"/>
-              <a:t> and </a:t>
-            </a:r>
-            <a:r>
-              <a:rPr lang="de-DE" dirty="0" err="1"/>
-              <a:t>reacts</a:t>
-            </a:r>
-            <a:r>
-              <a:rPr lang="de-DE" dirty="0"/>
-              <a:t> </a:t>
-            </a:r>
-            <a:r>
-              <a:rPr lang="de-DE" dirty="0" err="1"/>
-              <a:t>to</a:t>
-            </a:r>
-            <a:r>
-              <a:rPr lang="de-DE" dirty="0"/>
-              <a:t> </a:t>
-            </a:r>
-            <a:r>
-              <a:rPr lang="de-DE" dirty="0" err="1"/>
-              <a:t>actions</a:t>
-            </a:r>
-            <a:r>
-              <a:rPr lang="de-DE" dirty="0"/>
-              <a:t> like </a:t>
-            </a:r>
-            <a:r>
-              <a:rPr lang="de-DE" dirty="0" err="1"/>
-              <a:t>the</a:t>
-            </a:r>
-            <a:r>
-              <a:rPr lang="de-DE" dirty="0"/>
-              <a:t> </a:t>
-            </a:r>
-            <a:r>
-              <a:rPr lang="de-DE" dirty="0" err="1"/>
-              <a:t>shutdown</a:t>
-            </a:r>
-            <a:r>
-              <a:rPr lang="de-DE" dirty="0"/>
-              <a:t> </a:t>
-            </a:r>
-            <a:r>
-              <a:rPr lang="de-DE" dirty="0" err="1"/>
-              <a:t>of</a:t>
-            </a:r>
-            <a:r>
-              <a:rPr lang="de-DE" dirty="0"/>
-              <a:t> a </a:t>
-            </a:r>
-            <a:r>
-              <a:rPr lang="de-DE" dirty="0" err="1"/>
-              <a:t>node</a:t>
-            </a:r>
-            <a:r>
-              <a:rPr lang="de-DE" dirty="0"/>
-              <a:t>.</a:t>
-            </a:r>
-          </a:p>
-          <a:p>
-            <a:endParaRPr lang="de-DE" dirty="0"/>
-          </a:p>
-          <a:p>
-            <a:r>
-              <a:rPr lang="de-DE" dirty="0"/>
-              <a:t>Inside </a:t>
-            </a:r>
-            <a:r>
-              <a:rPr lang="de-DE" dirty="0" err="1"/>
-              <a:t>the</a:t>
-            </a:r>
-            <a:r>
-              <a:rPr lang="de-DE" dirty="0"/>
-              <a:t> </a:t>
-            </a:r>
-            <a:r>
-              <a:rPr lang="de-DE" dirty="0" err="1"/>
-              <a:t>nodes</a:t>
-            </a:r>
-            <a:r>
-              <a:rPr lang="de-DE" dirty="0"/>
-              <a:t> different </a:t>
-            </a:r>
-            <a:r>
-              <a:rPr lang="de-DE" dirty="0" err="1"/>
-              <a:t>pods</a:t>
-            </a:r>
-            <a:r>
-              <a:rPr lang="de-DE" dirty="0"/>
-              <a:t> </a:t>
-            </a:r>
-            <a:r>
-              <a:rPr lang="de-DE" dirty="0" err="1"/>
-              <a:t>are</a:t>
-            </a:r>
-            <a:r>
-              <a:rPr lang="de-DE" dirty="0"/>
-              <a:t> </a:t>
-            </a:r>
-            <a:r>
-              <a:rPr lang="de-DE" dirty="0" err="1"/>
-              <a:t>running</a:t>
-            </a:r>
-            <a:r>
-              <a:rPr lang="de-DE" dirty="0"/>
-              <a:t>. </a:t>
-            </a:r>
-            <a:r>
-              <a:rPr lang="de-DE" dirty="0" err="1"/>
-              <a:t>Pods</a:t>
-            </a:r>
-            <a:r>
-              <a:rPr lang="de-DE" dirty="0"/>
-              <a:t> </a:t>
-            </a:r>
-            <a:r>
-              <a:rPr lang="de-DE" dirty="0" err="1"/>
-              <a:t>are</a:t>
-            </a:r>
-            <a:r>
-              <a:rPr lang="de-DE" dirty="0"/>
-              <a:t> </a:t>
-            </a:r>
-            <a:r>
-              <a:rPr lang="de-DE" dirty="0" err="1"/>
-              <a:t>groups</a:t>
-            </a:r>
-            <a:r>
-              <a:rPr lang="de-DE" dirty="0"/>
-              <a:t> </a:t>
-            </a:r>
-            <a:r>
-              <a:rPr lang="de-DE" dirty="0" err="1"/>
-              <a:t>of</a:t>
-            </a:r>
-            <a:r>
-              <a:rPr lang="de-DE" dirty="0"/>
-              <a:t> </a:t>
-            </a:r>
-            <a:r>
-              <a:rPr lang="de-DE" dirty="0" err="1"/>
-              <a:t>one</a:t>
-            </a:r>
-            <a:r>
-              <a:rPr lang="de-DE" dirty="0"/>
-              <a:t> </a:t>
-            </a:r>
-            <a:r>
-              <a:rPr lang="de-DE" dirty="0" err="1"/>
-              <a:t>or</a:t>
-            </a:r>
-            <a:r>
-              <a:rPr lang="de-DE" dirty="0"/>
-              <a:t> </a:t>
-            </a:r>
-            <a:r>
-              <a:rPr lang="de-DE" dirty="0" err="1"/>
-              <a:t>more</a:t>
-            </a:r>
-            <a:r>
-              <a:rPr lang="de-DE" dirty="0"/>
-              <a:t> </a:t>
-            </a:r>
-            <a:r>
-              <a:rPr lang="de-DE" dirty="0" err="1"/>
-              <a:t>containers</a:t>
-            </a:r>
-            <a:r>
-              <a:rPr lang="de-DE" dirty="0"/>
-              <a:t>. The </a:t>
-            </a:r>
-            <a:r>
-              <a:rPr lang="de-DE" dirty="0" err="1"/>
-              <a:t>countainers</a:t>
-            </a:r>
-            <a:r>
-              <a:rPr lang="de-DE" dirty="0"/>
-              <a:t> </a:t>
-            </a:r>
-            <a:r>
-              <a:rPr lang="de-DE" dirty="0" err="1"/>
-              <a:t>can</a:t>
-            </a:r>
-            <a:r>
-              <a:rPr lang="de-DE" dirty="0"/>
-              <a:t> </a:t>
-            </a:r>
-            <a:r>
-              <a:rPr lang="de-DE" dirty="0" err="1"/>
-              <a:t>be</a:t>
-            </a:r>
-            <a:r>
-              <a:rPr lang="de-DE" dirty="0"/>
-              <a:t> </a:t>
-            </a:r>
-            <a:r>
-              <a:rPr lang="de-DE" dirty="0" err="1"/>
-              <a:t>deployments</a:t>
-            </a:r>
-            <a:r>
-              <a:rPr lang="de-DE" dirty="0"/>
-              <a:t> </a:t>
-            </a:r>
-            <a:r>
-              <a:rPr lang="de-DE" dirty="0" err="1"/>
-              <a:t>or</a:t>
-            </a:r>
-            <a:r>
-              <a:rPr lang="de-DE" dirty="0"/>
-              <a:t> </a:t>
-            </a:r>
-            <a:r>
-              <a:rPr lang="de-DE" dirty="0" err="1"/>
-              <a:t>services</a:t>
-            </a:r>
-            <a:r>
-              <a:rPr lang="de-DE" dirty="0"/>
-              <a:t> </a:t>
-            </a:r>
-            <a:r>
-              <a:rPr lang="de-DE" dirty="0" err="1"/>
-              <a:t>or</a:t>
-            </a:r>
-            <a:r>
-              <a:rPr lang="de-DE" dirty="0"/>
-              <a:t> </a:t>
-            </a:r>
-            <a:r>
-              <a:rPr lang="de-DE" dirty="0" err="1"/>
-              <a:t>similar</a:t>
-            </a:r>
-            <a:r>
-              <a:rPr lang="de-DE" dirty="0"/>
-              <a:t> </a:t>
-            </a:r>
-            <a:r>
-              <a:rPr lang="de-DE" dirty="0" err="1"/>
-              <a:t>things</a:t>
-            </a:r>
-            <a:r>
-              <a:rPr lang="de-DE" dirty="0"/>
-              <a:t>.</a:t>
-            </a:r>
-          </a:p>
-          <a:p>
-            <a:r>
-              <a:rPr lang="de-DE" dirty="0" err="1"/>
-              <a:t>For</a:t>
-            </a:r>
-            <a:r>
-              <a:rPr lang="de-DE" dirty="0"/>
-              <a:t> </a:t>
-            </a:r>
-            <a:r>
-              <a:rPr lang="de-DE" dirty="0" err="1"/>
-              <a:t>example</a:t>
-            </a:r>
-            <a:r>
-              <a:rPr lang="de-DE" dirty="0"/>
-              <a:t> in </a:t>
-            </a:r>
-            <a:r>
-              <a:rPr lang="de-DE" dirty="0" err="1"/>
-              <a:t>our</a:t>
-            </a:r>
-            <a:r>
-              <a:rPr lang="de-DE" dirty="0"/>
-              <a:t> </a:t>
-            </a:r>
-            <a:r>
-              <a:rPr lang="de-DE" dirty="0" err="1"/>
-              <a:t>system</a:t>
-            </a:r>
-            <a:r>
-              <a:rPr lang="de-DE" dirty="0"/>
-              <a:t> on </a:t>
-            </a:r>
-            <a:r>
-              <a:rPr lang="de-DE" dirty="0" err="1"/>
-              <a:t>every</a:t>
-            </a:r>
-            <a:r>
-              <a:rPr lang="de-DE" dirty="0"/>
-              <a:t> </a:t>
-            </a:r>
-            <a:r>
-              <a:rPr lang="de-DE" dirty="0" err="1"/>
-              <a:t>node</a:t>
-            </a:r>
-            <a:r>
-              <a:rPr lang="de-DE" dirty="0"/>
-              <a:t> a </a:t>
-            </a:r>
-            <a:r>
-              <a:rPr lang="de-DE" dirty="0" err="1"/>
-              <a:t>pod</a:t>
-            </a:r>
-            <a:r>
-              <a:rPr lang="de-DE" dirty="0"/>
-              <a:t> </a:t>
-            </a:r>
-            <a:r>
-              <a:rPr lang="de-DE" dirty="0" err="1"/>
-              <a:t>is</a:t>
-            </a:r>
-            <a:r>
-              <a:rPr lang="de-DE" dirty="0"/>
-              <a:t> </a:t>
-            </a:r>
-            <a:r>
-              <a:rPr lang="de-DE" dirty="0" err="1"/>
-              <a:t>available</a:t>
-            </a:r>
-            <a:r>
-              <a:rPr lang="de-DE" dirty="0"/>
-              <a:t>, </a:t>
-            </a:r>
-            <a:r>
-              <a:rPr lang="de-DE" dirty="0" err="1"/>
-              <a:t>which</a:t>
-            </a:r>
-            <a:r>
-              <a:rPr lang="de-DE" dirty="0"/>
-              <a:t> </a:t>
-            </a:r>
-            <a:r>
-              <a:rPr lang="de-DE" dirty="0" err="1"/>
-              <a:t>includes</a:t>
-            </a:r>
-            <a:r>
-              <a:rPr lang="de-DE" dirty="0"/>
-              <a:t> </a:t>
-            </a:r>
-            <a:r>
-              <a:rPr lang="de-DE" dirty="0" err="1"/>
-              <a:t>the</a:t>
-            </a:r>
-            <a:r>
-              <a:rPr lang="de-DE" dirty="0"/>
-              <a:t> </a:t>
-            </a:r>
-            <a:r>
-              <a:rPr lang="de-DE" dirty="0" err="1"/>
-              <a:t>nextcloud</a:t>
-            </a:r>
-            <a:r>
-              <a:rPr lang="de-DE" dirty="0"/>
-              <a:t> </a:t>
-            </a:r>
-            <a:r>
-              <a:rPr lang="de-DE" dirty="0" err="1"/>
-              <a:t>deployment</a:t>
-            </a:r>
-            <a:r>
-              <a:rPr lang="de-DE" dirty="0"/>
-              <a:t>.</a:t>
-            </a:r>
-          </a:p>
-          <a:p>
-            <a:r>
-              <a:rPr lang="de-DE" dirty="0" err="1"/>
-              <a:t>How</a:t>
-            </a:r>
-            <a:r>
-              <a:rPr lang="de-DE" dirty="0"/>
-              <a:t> </a:t>
-            </a:r>
-            <a:r>
-              <a:rPr lang="de-DE" dirty="0" err="1"/>
-              <a:t>to</a:t>
-            </a:r>
-            <a:r>
-              <a:rPr lang="de-DE" dirty="0"/>
-              <a:t> </a:t>
-            </a:r>
-            <a:r>
-              <a:rPr lang="de-DE" dirty="0" err="1"/>
-              <a:t>setup</a:t>
-            </a:r>
-            <a:r>
-              <a:rPr lang="de-DE" dirty="0"/>
-              <a:t> such a </a:t>
-            </a:r>
-            <a:r>
-              <a:rPr lang="de-DE" dirty="0" err="1"/>
-              <a:t>architecture</a:t>
-            </a:r>
-            <a:r>
-              <a:rPr lang="de-DE" dirty="0"/>
-              <a:t> Michael will </a:t>
-            </a:r>
-            <a:r>
-              <a:rPr lang="de-DE" dirty="0" err="1"/>
-              <a:t>now</a:t>
-            </a:r>
-            <a:r>
-              <a:rPr lang="de-DE" dirty="0"/>
-              <a:t> </a:t>
-            </a:r>
-            <a:r>
-              <a:rPr lang="de-DE" dirty="0" err="1"/>
-              <a:t>present</a:t>
-            </a:r>
-            <a:r>
-              <a:rPr lang="de-DE" dirty="0"/>
-              <a:t> </a:t>
-            </a:r>
-            <a:r>
-              <a:rPr lang="de-DE" dirty="0" err="1"/>
-              <a:t>to</a:t>
-            </a:r>
-            <a:r>
-              <a:rPr lang="de-DE" dirty="0"/>
-              <a:t> </a:t>
-            </a:r>
-            <a:r>
-              <a:rPr lang="de-DE" dirty="0" err="1"/>
-              <a:t>you</a:t>
-            </a:r>
-            <a:r>
-              <a:rPr lang="de-DE" dirty="0"/>
-              <a:t>.</a:t>
-            </a:r>
+            <a:endParaRPr lang="de-DE" baseline="0" dirty="0" smtClean="0"/>
           </a:p>
           <a:p>
             <a:endParaRPr lang="de-DE" dirty="0"/>
@@ -3464,7 +4274,7 @@
     </p:spTree>
     <p:extLst>
       <p:ext uri="{BB962C8B-B14F-4D97-AF65-F5344CB8AC3E}">
-        <p14:creationId xmlns:p14="http://schemas.microsoft.com/office/powerpoint/2010/main" val="3422798648"/>
+        <p14:creationId xmlns:p14="http://schemas.microsoft.com/office/powerpoint/2010/main" val="2879886327"/>
       </p:ext>
     </p:extLst>
   </p:cSld>
@@ -3519,36 +4329,153 @@
           <a:lstStyle/>
           <a:p>
             <a:r>
-              <a:rPr lang="de-DE" dirty="0" err="1" smtClean="0"/>
-              <a:t>Kubernetes</a:t>
-            </a:r>
-            <a:r>
               <a:rPr lang="de-DE" dirty="0" smtClean="0"/>
-              <a:t> </a:t>
-            </a:r>
-            <a:r>
-              <a:rPr lang="de-DE" dirty="0" err="1" smtClean="0"/>
-              <a:t>uses</a:t>
-            </a:r>
-            <a:r>
-              <a:rPr lang="de-DE" dirty="0" smtClean="0"/>
-              <a:t> YAML</a:t>
-            </a:r>
-            <a:r>
-              <a:rPr lang="de-DE" baseline="0" dirty="0" smtClean="0"/>
-              <a:t> </a:t>
-            </a:r>
-            <a:r>
-              <a:rPr lang="de-DE" baseline="0" dirty="0" err="1" smtClean="0"/>
-              <a:t>configuration</a:t>
-            </a:r>
-            <a:r>
-              <a:rPr lang="de-DE" baseline="0" dirty="0" smtClean="0"/>
-              <a:t> </a:t>
-            </a:r>
-            <a:r>
-              <a:rPr lang="de-DE" baseline="0" dirty="0" err="1" smtClean="0"/>
-              <a:t>files</a:t>
+              <a:t>For</a:t>
+            </a:r>
+            <a:r>
+              <a:rPr lang="de-DE" baseline="0" dirty="0" smtClean="0"/>
+              <a:t> </a:t>
+            </a:r>
+            <a:r>
+              <a:rPr lang="de-DE" baseline="0" dirty="0" err="1" smtClean="0"/>
+              <a:t>the</a:t>
+            </a:r>
+            <a:r>
+              <a:rPr lang="de-DE" baseline="0" dirty="0" smtClean="0"/>
+              <a:t> </a:t>
+            </a:r>
+            <a:r>
+              <a:rPr lang="de-DE" baseline="0" dirty="0" err="1" smtClean="0"/>
+              <a:t>architecture</a:t>
+            </a:r>
+            <a:r>
+              <a:rPr lang="de-DE" baseline="0" dirty="0" smtClean="0"/>
+              <a:t> of </a:t>
+            </a:r>
+            <a:r>
+              <a:rPr lang="de-DE" baseline="0" dirty="0" err="1" smtClean="0"/>
+              <a:t>our</a:t>
+            </a:r>
+            <a:r>
+              <a:rPr lang="de-DE" baseline="0" dirty="0" smtClean="0"/>
+              <a:t> </a:t>
+            </a:r>
+            <a:r>
+              <a:rPr lang="de-DE" baseline="0" dirty="0" err="1" smtClean="0"/>
+              <a:t>project</a:t>
+            </a:r>
+            <a:r>
+              <a:rPr lang="de-DE" baseline="0" dirty="0" smtClean="0"/>
+              <a:t>, </a:t>
+            </a:r>
+            <a:r>
+              <a:rPr lang="de-DE" baseline="0" dirty="0" err="1" smtClean="0"/>
+              <a:t>we</a:t>
+            </a:r>
+            <a:r>
+              <a:rPr lang="de-DE" baseline="0" dirty="0" smtClean="0"/>
+              <a:t> </a:t>
+            </a:r>
+            <a:r>
+              <a:rPr lang="de-DE" baseline="0" dirty="0" err="1" smtClean="0"/>
+              <a:t>focused</a:t>
+            </a:r>
+            <a:r>
+              <a:rPr lang="de-DE" baseline="0" dirty="0" smtClean="0"/>
+              <a:t> on </a:t>
+            </a:r>
+            <a:r>
+              <a:rPr lang="de-DE" baseline="0" dirty="0" err="1" smtClean="0"/>
+              <a:t>the</a:t>
+            </a:r>
+            <a:r>
+              <a:rPr lang="de-DE" baseline="0" dirty="0" smtClean="0"/>
+              <a:t> </a:t>
+            </a:r>
+            <a:r>
+              <a:rPr lang="de-DE" baseline="0" dirty="0" err="1" smtClean="0"/>
+              <a:t>main</a:t>
+            </a:r>
+            <a:r>
+              <a:rPr lang="de-DE" baseline="0" dirty="0" smtClean="0"/>
+              <a:t> </a:t>
+            </a:r>
+            <a:r>
+              <a:rPr lang="de-DE" baseline="0" dirty="0" err="1" smtClean="0"/>
+              <a:t>objectives</a:t>
+            </a:r>
+            <a:r>
+              <a:rPr lang="de-DE" baseline="0" dirty="0" smtClean="0"/>
+              <a:t> of </a:t>
+            </a:r>
+            <a:r>
+              <a:rPr lang="de-DE" baseline="0" dirty="0" err="1" smtClean="0"/>
+              <a:t>scalability</a:t>
+            </a:r>
+            <a:r>
+              <a:rPr lang="de-DE" baseline="0" dirty="0" smtClean="0"/>
+              <a:t>, </a:t>
+            </a:r>
+            <a:r>
+              <a:rPr lang="de-DE" baseline="0" dirty="0" err="1" smtClean="0"/>
+              <a:t>storage</a:t>
+            </a:r>
+            <a:r>
+              <a:rPr lang="de-DE" baseline="0" dirty="0" smtClean="0"/>
+              <a:t> </a:t>
+            </a:r>
+            <a:r>
+              <a:rPr lang="de-DE" baseline="0" dirty="0" err="1" smtClean="0"/>
+              <a:t>distribution</a:t>
+            </a:r>
+            <a:r>
+              <a:rPr lang="de-DE" baseline="0" dirty="0" smtClean="0"/>
+              <a:t> </a:t>
+            </a:r>
+            <a:r>
+              <a:rPr lang="de-DE" baseline="0" dirty="0" err="1" smtClean="0"/>
+              <a:t>and</a:t>
+            </a:r>
+            <a:r>
+              <a:rPr lang="de-DE" baseline="0" dirty="0" smtClean="0"/>
+              <a:t> high </a:t>
+            </a:r>
+            <a:r>
+              <a:rPr lang="de-DE" baseline="0" dirty="0" err="1" smtClean="0"/>
+              <a:t>availability</a:t>
+            </a:r>
+            <a:r>
+              <a:rPr lang="de-DE" baseline="0" dirty="0" smtClean="0"/>
+              <a:t>. </a:t>
+            </a:r>
+          </a:p>
+          <a:p>
+            <a:endParaRPr lang="de-DE" baseline="0" dirty="0" smtClean="0"/>
+          </a:p>
+          <a:p>
+            <a:r>
+              <a:rPr lang="de-DE" baseline="0" dirty="0" smtClean="0"/>
+              <a:t>As </a:t>
+            </a:r>
+            <a:r>
+              <a:rPr lang="de-DE" baseline="0" dirty="0" err="1" smtClean="0"/>
+              <a:t>seen</a:t>
+            </a:r>
+            <a:r>
+              <a:rPr lang="de-DE" baseline="0" dirty="0" smtClean="0"/>
+              <a:t> in </a:t>
+            </a:r>
+            <a:r>
+              <a:rPr lang="de-DE" baseline="0" dirty="0" err="1" smtClean="0"/>
+              <a:t>the</a:t>
+            </a:r>
+            <a:r>
+              <a:rPr lang="de-DE" baseline="0" dirty="0" smtClean="0"/>
+              <a:t> </a:t>
+            </a:r>
+            <a:r>
+              <a:rPr lang="de-DE" baseline="0" dirty="0" err="1" smtClean="0"/>
+              <a:t>figure</a:t>
             </a:r>
             <a:r>
               <a:rPr lang="de-DE" baseline="0" dirty="0" smtClean="0"/>
@@ -3564,39 +4491,348 @@
             </a:r>
             <a:r>
               <a:rPr lang="de-DE" baseline="0" dirty="0" err="1" smtClean="0"/>
-              <a:t>deploy</a:t>
-            </a:r>
-            <a:r>
-              <a:rPr lang="de-DE" baseline="0" dirty="0" smtClean="0"/>
-              <a:t> different </a:t>
-            </a:r>
-            <a:r>
-              <a:rPr lang="de-DE" baseline="0" dirty="0" err="1" smtClean="0"/>
-              <a:t>objects</a:t>
-            </a:r>
-            <a:r>
-              <a:rPr lang="de-DE" baseline="0" dirty="0" smtClean="0"/>
-              <a:t>. </a:t>
-            </a:r>
-            <a:r>
-              <a:rPr lang="de-DE" baseline="0" dirty="0" err="1" smtClean="0"/>
-              <a:t>They</a:t>
-            </a:r>
-            <a:r>
-              <a:rPr lang="de-DE" baseline="0" dirty="0" smtClean="0"/>
-              <a:t> </a:t>
-            </a:r>
-            <a:r>
-              <a:rPr lang="de-DE" baseline="0" dirty="0" err="1" smtClean="0"/>
-              <a:t>allow</a:t>
-            </a:r>
-            <a:r>
-              <a:rPr lang="de-DE" baseline="0" dirty="0" smtClean="0"/>
-              <a:t> </a:t>
-            </a:r>
-            <a:r>
-              <a:rPr lang="de-DE" baseline="0" dirty="0" err="1" smtClean="0"/>
-              <a:t>one</a:t>
+              <a:t>the</a:t>
+            </a:r>
+            <a:r>
+              <a:rPr lang="de-DE" baseline="0" dirty="0" smtClean="0"/>
+              <a:t> </a:t>
+            </a:r>
+            <a:r>
+              <a:rPr lang="de-DE" baseline="0" dirty="0" err="1" smtClean="0"/>
+              <a:t>right</a:t>
+            </a:r>
+            <a:r>
+              <a:rPr lang="de-DE" baseline="0" dirty="0" smtClean="0"/>
+              <a:t>, </a:t>
+            </a:r>
+            <a:r>
+              <a:rPr lang="de-DE" baseline="0" dirty="0" err="1" smtClean="0"/>
+              <a:t>boxes</a:t>
+            </a:r>
+            <a:r>
+              <a:rPr lang="de-DE" baseline="0" dirty="0" smtClean="0"/>
+              <a:t> </a:t>
+            </a:r>
+            <a:r>
+              <a:rPr lang="de-DE" baseline="0" dirty="0" err="1" smtClean="0"/>
+              <a:t>containing</a:t>
+            </a:r>
+            <a:r>
+              <a:rPr lang="de-DE" baseline="0" dirty="0" smtClean="0"/>
+              <a:t> </a:t>
+            </a:r>
+            <a:r>
+              <a:rPr lang="de-DE" baseline="0" dirty="0" err="1" smtClean="0"/>
+              <a:t>nextcloud</a:t>
+            </a:r>
+            <a:r>
+              <a:rPr lang="de-DE" baseline="0" dirty="0" smtClean="0"/>
+              <a:t> </a:t>
+            </a:r>
+            <a:r>
+              <a:rPr lang="de-DE" baseline="0" dirty="0" err="1" smtClean="0"/>
+              <a:t>are</a:t>
+            </a:r>
+            <a:r>
+              <a:rPr lang="de-DE" baseline="0" dirty="0" smtClean="0"/>
+              <a:t> </a:t>
+            </a:r>
+            <a:r>
+              <a:rPr lang="de-DE" baseline="0" dirty="0" err="1" smtClean="0"/>
+              <a:t>the</a:t>
+            </a:r>
+            <a:r>
+              <a:rPr lang="de-DE" baseline="0" dirty="0" smtClean="0"/>
+              <a:t> </a:t>
+            </a:r>
+            <a:r>
+              <a:rPr lang="de-DE" baseline="0" dirty="0" err="1" smtClean="0"/>
+              <a:t>nodes</a:t>
+            </a:r>
+            <a:r>
+              <a:rPr lang="de-DE" baseline="0" dirty="0" smtClean="0"/>
+              <a:t>. Every </a:t>
+            </a:r>
+            <a:r>
+              <a:rPr lang="de-DE" baseline="0" dirty="0" err="1" smtClean="0"/>
+              <a:t>node</a:t>
+            </a:r>
+            <a:r>
+              <a:rPr lang="de-DE" baseline="0" dirty="0" smtClean="0"/>
+              <a:t> </a:t>
+            </a:r>
+            <a:r>
+              <a:rPr lang="de-DE" baseline="0" dirty="0" err="1" smtClean="0"/>
+              <a:t>has</a:t>
+            </a:r>
+            <a:r>
+              <a:rPr lang="de-DE" baseline="0" dirty="0" smtClean="0"/>
+              <a:t> ist </a:t>
+            </a:r>
+            <a:r>
+              <a:rPr lang="de-DE" baseline="0" dirty="0" err="1" smtClean="0"/>
+              <a:t>own</a:t>
+            </a:r>
+            <a:r>
+              <a:rPr lang="de-DE" baseline="0" dirty="0" smtClean="0"/>
+              <a:t> </a:t>
+            </a:r>
+            <a:r>
+              <a:rPr lang="de-DE" baseline="0" dirty="0" err="1" smtClean="0"/>
+              <a:t>nextcloud</a:t>
+            </a:r>
+            <a:r>
+              <a:rPr lang="de-DE" baseline="0" dirty="0" smtClean="0"/>
+              <a:t> </a:t>
+            </a:r>
+            <a:r>
+              <a:rPr lang="de-DE" baseline="0" dirty="0" err="1" smtClean="0"/>
+              <a:t>worker</a:t>
+            </a:r>
+            <a:r>
+              <a:rPr lang="de-DE" baseline="0" dirty="0" smtClean="0"/>
+              <a:t> </a:t>
+            </a:r>
+            <a:r>
+              <a:rPr lang="de-DE" baseline="0" dirty="0" err="1" smtClean="0"/>
+              <a:t>and</a:t>
+            </a:r>
+            <a:r>
+              <a:rPr lang="de-DE" baseline="0" dirty="0" smtClean="0"/>
+              <a:t> </a:t>
+            </a:r>
+            <a:r>
+              <a:rPr lang="de-DE" baseline="0" dirty="0" err="1" smtClean="0"/>
+              <a:t>part</a:t>
+            </a:r>
+            <a:r>
+              <a:rPr lang="de-DE" baseline="0" dirty="0" smtClean="0"/>
+              <a:t> of </a:t>
+            </a:r>
+            <a:r>
+              <a:rPr lang="de-DE" baseline="0" dirty="0" err="1" smtClean="0"/>
+              <a:t>the</a:t>
+            </a:r>
+            <a:r>
+              <a:rPr lang="de-DE" baseline="0" dirty="0" smtClean="0"/>
+              <a:t> </a:t>
+            </a:r>
+            <a:r>
+              <a:rPr lang="de-DE" baseline="0" dirty="0" err="1" smtClean="0"/>
+              <a:t>storage</a:t>
+            </a:r>
+            <a:r>
+              <a:rPr lang="de-DE" baseline="0" dirty="0" smtClean="0"/>
+              <a:t>, </a:t>
+            </a:r>
+            <a:r>
+              <a:rPr lang="de-DE" baseline="0" dirty="0" err="1" smtClean="0"/>
+              <a:t>as</a:t>
+            </a:r>
+            <a:r>
+              <a:rPr lang="de-DE" baseline="0" dirty="0" smtClean="0"/>
+              <a:t> </a:t>
+            </a:r>
+            <a:r>
+              <a:rPr lang="de-DE" baseline="0" dirty="0" err="1" smtClean="0"/>
+              <a:t>represented</a:t>
+            </a:r>
+            <a:r>
+              <a:rPr lang="de-DE" baseline="0" dirty="0" smtClean="0"/>
+              <a:t> by </a:t>
+            </a:r>
+            <a:r>
+              <a:rPr lang="de-DE" baseline="0" dirty="0" err="1" smtClean="0"/>
+              <a:t>MinIO</a:t>
+            </a:r>
+            <a:r>
+              <a:rPr lang="de-DE" baseline="0" dirty="0" smtClean="0"/>
+              <a:t>. This </a:t>
+            </a:r>
+            <a:r>
+              <a:rPr lang="de-DE" baseline="0" dirty="0" err="1" smtClean="0"/>
+              <a:t>diagram</a:t>
+            </a:r>
+            <a:r>
+              <a:rPr lang="de-DE" baseline="0" dirty="0" smtClean="0"/>
+              <a:t> </a:t>
+            </a:r>
+            <a:r>
+              <a:rPr lang="de-DE" baseline="0" dirty="0" err="1" smtClean="0"/>
+              <a:t>can</a:t>
+            </a:r>
+            <a:r>
+              <a:rPr lang="de-DE" baseline="0" dirty="0" smtClean="0"/>
+              <a:t> </a:t>
+            </a:r>
+            <a:r>
+              <a:rPr lang="de-DE" baseline="0" dirty="0" err="1" smtClean="0"/>
+              <a:t>be</a:t>
+            </a:r>
+            <a:r>
+              <a:rPr lang="de-DE" baseline="0" dirty="0" smtClean="0"/>
+              <a:t> </a:t>
+            </a:r>
+            <a:r>
+              <a:rPr lang="de-DE" baseline="0" dirty="0" err="1" smtClean="0"/>
+              <a:t>expanded</a:t>
+            </a:r>
+            <a:r>
+              <a:rPr lang="de-DE" baseline="0" dirty="0" smtClean="0"/>
+              <a:t> </a:t>
+            </a:r>
+            <a:r>
+              <a:rPr lang="de-DE" baseline="0" dirty="0" err="1" smtClean="0"/>
+              <a:t>horizontally</a:t>
+            </a:r>
+            <a:r>
+              <a:rPr lang="de-DE" baseline="0" dirty="0" smtClean="0"/>
+              <a:t> </a:t>
+            </a:r>
+            <a:r>
+              <a:rPr lang="de-DE" baseline="0" dirty="0" err="1" smtClean="0"/>
+              <a:t>as</a:t>
+            </a:r>
+            <a:r>
+              <a:rPr lang="de-DE" baseline="0" dirty="0" smtClean="0"/>
+              <a:t> </a:t>
+            </a:r>
+            <a:r>
+              <a:rPr lang="de-DE" baseline="0" dirty="0" err="1" smtClean="0"/>
+              <a:t>much</a:t>
+            </a:r>
+            <a:r>
+              <a:rPr lang="de-DE" baseline="0" dirty="0" smtClean="0"/>
+              <a:t> </a:t>
+            </a:r>
+            <a:r>
+              <a:rPr lang="de-DE" baseline="0" dirty="0" err="1" smtClean="0"/>
+              <a:t>as</a:t>
+            </a:r>
+            <a:r>
+              <a:rPr lang="de-DE" baseline="0" dirty="0" smtClean="0"/>
+              <a:t> </a:t>
+            </a:r>
+            <a:r>
+              <a:rPr lang="de-DE" baseline="0" dirty="0" err="1" smtClean="0"/>
+              <a:t>necessary</a:t>
+            </a:r>
+            <a:r>
+              <a:rPr lang="de-DE" baseline="0" dirty="0" smtClean="0"/>
+              <a:t>, </a:t>
+            </a:r>
+            <a:r>
+              <a:rPr lang="de-DE" baseline="0" dirty="0" err="1" smtClean="0"/>
+              <a:t>since</a:t>
+            </a:r>
+            <a:r>
+              <a:rPr lang="de-DE" baseline="0" dirty="0" smtClean="0"/>
+              <a:t> </a:t>
+            </a:r>
+            <a:r>
+              <a:rPr lang="de-DE" baseline="0" dirty="0" err="1" smtClean="0"/>
+              <a:t>the</a:t>
+            </a:r>
+            <a:r>
+              <a:rPr lang="de-DE" baseline="0" dirty="0" smtClean="0"/>
+              <a:t> </a:t>
+            </a:r>
+            <a:r>
+              <a:rPr lang="de-DE" baseline="0" dirty="0" err="1" smtClean="0"/>
+              <a:t>nextcloud</a:t>
+            </a:r>
+            <a:r>
+              <a:rPr lang="de-DE" baseline="0" dirty="0" smtClean="0"/>
+              <a:t> </a:t>
+            </a:r>
+            <a:r>
+              <a:rPr lang="de-DE" baseline="0" dirty="0" err="1" smtClean="0"/>
+              <a:t>workers</a:t>
+            </a:r>
+            <a:r>
+              <a:rPr lang="de-DE" baseline="0" dirty="0" smtClean="0"/>
+              <a:t> </a:t>
+            </a:r>
+            <a:r>
+              <a:rPr lang="de-DE" baseline="0" dirty="0" err="1" smtClean="0"/>
+              <a:t>are</a:t>
+            </a:r>
+            <a:r>
+              <a:rPr lang="de-DE" baseline="0" dirty="0" smtClean="0"/>
+              <a:t> </a:t>
+            </a:r>
+            <a:r>
+              <a:rPr lang="de-DE" baseline="0" dirty="0" err="1" smtClean="0"/>
+              <a:t>stateless</a:t>
+            </a:r>
+            <a:r>
+              <a:rPr lang="de-DE" baseline="0" dirty="0" smtClean="0"/>
+              <a:t> </a:t>
+            </a:r>
+            <a:r>
+              <a:rPr lang="de-DE" baseline="0" dirty="0" err="1" smtClean="0"/>
+              <a:t>and</a:t>
+            </a:r>
+            <a:r>
+              <a:rPr lang="de-DE" baseline="0" dirty="0" smtClean="0"/>
+              <a:t> </a:t>
+            </a:r>
+            <a:r>
+              <a:rPr lang="de-DE" baseline="0" dirty="0" err="1" smtClean="0"/>
+              <a:t>MinIO</a:t>
+            </a:r>
+            <a:r>
+              <a:rPr lang="de-DE" baseline="0" dirty="0" smtClean="0"/>
+              <a:t> </a:t>
+            </a:r>
+            <a:r>
+              <a:rPr lang="de-DE" baseline="0" dirty="0" err="1" smtClean="0"/>
+              <a:t>has</a:t>
+            </a:r>
+            <a:r>
+              <a:rPr lang="de-DE" baseline="0" dirty="0" smtClean="0"/>
+              <a:t> </a:t>
+            </a:r>
+            <a:r>
+              <a:rPr lang="de-DE" baseline="0" dirty="0" err="1" smtClean="0"/>
+              <a:t>no</a:t>
+            </a:r>
+            <a:r>
+              <a:rPr lang="de-DE" baseline="0" dirty="0" smtClean="0"/>
+              <a:t> </a:t>
+            </a:r>
+            <a:r>
+              <a:rPr lang="de-DE" baseline="0" dirty="0" err="1" smtClean="0"/>
+              <a:t>upper</a:t>
+            </a:r>
+            <a:r>
+              <a:rPr lang="de-DE" baseline="0" dirty="0" smtClean="0"/>
+              <a:t> </a:t>
+            </a:r>
+            <a:r>
+              <a:rPr lang="de-DE" baseline="0" dirty="0" err="1" smtClean="0"/>
+              <a:t>limit</a:t>
+            </a:r>
+            <a:r>
+              <a:rPr lang="de-DE" baseline="0" dirty="0" smtClean="0"/>
+              <a:t> on </a:t>
+            </a:r>
+            <a:r>
+              <a:rPr lang="de-DE" baseline="0" dirty="0" err="1" smtClean="0"/>
+              <a:t>servers</a:t>
+            </a:r>
+            <a:r>
+              <a:rPr lang="de-DE" baseline="0" dirty="0" smtClean="0"/>
+              <a:t>.</a:t>
+            </a:r>
+          </a:p>
+          <a:p>
+            <a:endParaRPr lang="de-DE" baseline="0" dirty="0" smtClean="0"/>
+          </a:p>
+          <a:p>
+            <a:r>
+              <a:rPr lang="de-DE" baseline="0" dirty="0" err="1" smtClean="0"/>
+              <a:t>Connected</a:t>
             </a:r>
             <a:r>
               <a:rPr lang="de-DE" baseline="0" dirty="0" smtClean="0"/>
@@ -3612,14 +4848,6 @@
             </a:r>
             <a:r>
               <a:rPr lang="de-DE" baseline="0" dirty="0" err="1" smtClean="0"/>
-              <a:t>document</a:t>
-            </a:r>
-            <a:r>
-              <a:rPr lang="de-DE" baseline="0" dirty="0" smtClean="0"/>
-              <a:t> </a:t>
-            </a:r>
-            <a:r>
-              <a:rPr lang="de-DE" baseline="0" dirty="0" err="1" smtClean="0"/>
               <a:t>the</a:t>
             </a:r>
             <a:r>
@@ -3628,15 +4856,71 @@
             </a:r>
             <a:r>
               <a:rPr lang="de-DE" baseline="0" dirty="0" err="1" smtClean="0"/>
-              <a:t>deployed</a:t>
-            </a:r>
-            <a:r>
-              <a:rPr lang="de-DE" baseline="0" dirty="0" smtClean="0"/>
-              <a:t> </a:t>
-            </a:r>
-            <a:r>
-              <a:rPr lang="de-DE" baseline="0" dirty="0" err="1" smtClean="0"/>
-              <a:t>pods</a:t>
+              <a:t>nodes</a:t>
+            </a:r>
+            <a:r>
+              <a:rPr lang="de-DE" baseline="0" dirty="0" smtClean="0"/>
+              <a:t> </a:t>
+            </a:r>
+            <a:r>
+              <a:rPr lang="de-DE" baseline="0" dirty="0" err="1" smtClean="0"/>
+              <a:t>you</a:t>
+            </a:r>
+            <a:r>
+              <a:rPr lang="de-DE" baseline="0" dirty="0" smtClean="0"/>
+              <a:t> </a:t>
+            </a:r>
+            <a:r>
+              <a:rPr lang="de-DE" baseline="0" dirty="0" err="1" smtClean="0"/>
+              <a:t>can</a:t>
+            </a:r>
+            <a:r>
+              <a:rPr lang="de-DE" baseline="0" dirty="0" smtClean="0"/>
+              <a:t> </a:t>
+            </a:r>
+            <a:r>
+              <a:rPr lang="de-DE" baseline="0" dirty="0" err="1" smtClean="0"/>
+              <a:t>see</a:t>
+            </a:r>
+            <a:r>
+              <a:rPr lang="de-DE" baseline="0" dirty="0" smtClean="0"/>
+              <a:t> </a:t>
+            </a:r>
+            <a:r>
+              <a:rPr lang="de-DE" baseline="0" dirty="0" err="1" smtClean="0"/>
+              <a:t>the</a:t>
+            </a:r>
+            <a:r>
+              <a:rPr lang="de-DE" baseline="0" dirty="0" smtClean="0"/>
+              <a:t> </a:t>
+            </a:r>
+            <a:r>
+              <a:rPr lang="de-DE" baseline="0" dirty="0" err="1" smtClean="0"/>
+              <a:t>node</a:t>
+            </a:r>
+            <a:r>
+              <a:rPr lang="de-DE" baseline="0" dirty="0" smtClean="0"/>
+              <a:t> </a:t>
+            </a:r>
+            <a:r>
+              <a:rPr lang="de-DE" baseline="0" dirty="0" err="1" smtClean="0"/>
+              <a:t>containing</a:t>
+            </a:r>
+            <a:r>
+              <a:rPr lang="de-DE" baseline="0" dirty="0" smtClean="0"/>
+              <a:t> </a:t>
+            </a:r>
+            <a:r>
+              <a:rPr lang="de-DE" baseline="0" dirty="0" err="1" smtClean="0"/>
+              <a:t>the</a:t>
+            </a:r>
+            <a:r>
+              <a:rPr lang="de-DE" baseline="0" dirty="0" smtClean="0"/>
+              <a:t> </a:t>
+            </a:r>
+            <a:r>
+              <a:rPr lang="de-DE" baseline="0" dirty="0" err="1" smtClean="0"/>
+              <a:t>database</a:t>
             </a:r>
             <a:r>
               <a:rPr lang="de-DE" baseline="0" dirty="0" smtClean="0"/>
@@ -3652,7 +4936,23 @@
             </a:r>
             <a:r>
               <a:rPr lang="de-DE" baseline="0" dirty="0" err="1" smtClean="0"/>
-              <a:t>services</a:t>
+              <a:t>cache</a:t>
+            </a:r>
+            <a:r>
+              <a:rPr lang="de-DE" baseline="0" dirty="0" smtClean="0"/>
+              <a:t>, </a:t>
+            </a:r>
+            <a:r>
+              <a:rPr lang="de-DE" baseline="0" dirty="0" err="1" smtClean="0"/>
+              <a:t>specifically</a:t>
+            </a:r>
+            <a:r>
+              <a:rPr lang="de-DE" baseline="0" dirty="0" smtClean="0"/>
+              <a:t> </a:t>
+            </a:r>
+            <a:r>
+              <a:rPr lang="de-DE" baseline="0" dirty="0" err="1" smtClean="0"/>
+              <a:t>MaraDB</a:t>
             </a:r>
             <a:r>
               <a:rPr lang="de-DE" baseline="0" dirty="0" smtClean="0"/>
@@ -3668,31 +4968,472 @@
             </a:r>
             <a:r>
               <a:rPr lang="de-DE" baseline="0" dirty="0" err="1" smtClean="0"/>
-              <a:t>group</a:t>
-            </a:r>
-            <a:r>
-              <a:rPr lang="de-DE" baseline="0" dirty="0" smtClean="0"/>
-              <a:t> </a:t>
-            </a:r>
-            <a:r>
-              <a:rPr lang="de-DE" baseline="0" dirty="0" err="1" smtClean="0"/>
-              <a:t>them</a:t>
-            </a:r>
-            <a:r>
-              <a:rPr lang="de-DE" baseline="0" dirty="0" smtClean="0"/>
-              <a:t> </a:t>
-            </a:r>
-            <a:r>
-              <a:rPr lang="de-DE" baseline="0" dirty="0" err="1" smtClean="0"/>
-              <a:t>together</a:t>
-            </a:r>
-            <a:r>
-              <a:rPr lang="de-DE" baseline="0" dirty="0" smtClean="0"/>
-              <a:t>. </a:t>
-            </a:r>
-            <a:r>
-              <a:rPr lang="de-DE" baseline="0" dirty="0" err="1" smtClean="0"/>
-              <a:t>You</a:t>
+              <a:t>Redis</a:t>
+            </a:r>
+            <a:r>
+              <a:rPr lang="de-DE" baseline="0" dirty="0" smtClean="0"/>
+              <a:t>. This </a:t>
+            </a:r>
+            <a:r>
+              <a:rPr lang="de-DE" baseline="0" dirty="0" err="1" smtClean="0"/>
+              <a:t>is</a:t>
+            </a:r>
+            <a:r>
+              <a:rPr lang="de-DE" baseline="0" dirty="0" smtClean="0"/>
+              <a:t> </a:t>
+            </a:r>
+            <a:r>
+              <a:rPr lang="de-DE" baseline="0" dirty="0" err="1" smtClean="0"/>
+              <a:t>the</a:t>
+            </a:r>
+            <a:r>
+              <a:rPr lang="de-DE" baseline="0" dirty="0" smtClean="0"/>
+              <a:t> </a:t>
+            </a:r>
+            <a:r>
+              <a:rPr lang="de-DE" baseline="0" dirty="0" err="1" smtClean="0"/>
+              <a:t>only</a:t>
+            </a:r>
+            <a:r>
+              <a:rPr lang="de-DE" baseline="0" dirty="0" smtClean="0"/>
+              <a:t> </a:t>
+            </a:r>
+            <a:r>
+              <a:rPr lang="de-DE" baseline="0" dirty="0" err="1" smtClean="0"/>
+              <a:t>factor</a:t>
+            </a:r>
+            <a:r>
+              <a:rPr lang="de-DE" baseline="0" dirty="0" smtClean="0"/>
+              <a:t> </a:t>
+            </a:r>
+            <a:r>
+              <a:rPr lang="de-DE" baseline="0" dirty="0" err="1" smtClean="0"/>
+              <a:t>limiting</a:t>
+            </a:r>
+            <a:r>
+              <a:rPr lang="de-DE" baseline="0" dirty="0" smtClean="0"/>
+              <a:t> </a:t>
+            </a:r>
+            <a:r>
+              <a:rPr lang="de-DE" baseline="0" dirty="0" err="1" smtClean="0"/>
+              <a:t>scalability</a:t>
+            </a:r>
+            <a:r>
+              <a:rPr lang="de-DE" baseline="0" dirty="0" smtClean="0"/>
+              <a:t>, </a:t>
+            </a:r>
+            <a:r>
+              <a:rPr lang="de-DE" baseline="0" dirty="0" err="1" smtClean="0"/>
+              <a:t>as</a:t>
+            </a:r>
+            <a:r>
+              <a:rPr lang="de-DE" baseline="0" dirty="0" smtClean="0"/>
+              <a:t> </a:t>
+            </a:r>
+            <a:r>
+              <a:rPr lang="de-DE" baseline="0" dirty="0" err="1" smtClean="0"/>
+              <a:t>every</a:t>
+            </a:r>
+            <a:r>
+              <a:rPr lang="de-DE" baseline="0" dirty="0" smtClean="0"/>
+              <a:t> </a:t>
+            </a:r>
+            <a:r>
+              <a:rPr lang="de-DE" baseline="0" dirty="0" err="1" smtClean="0"/>
+              <a:t>node</a:t>
+            </a:r>
+            <a:r>
+              <a:rPr lang="de-DE" baseline="0" dirty="0" smtClean="0"/>
+              <a:t> </a:t>
+            </a:r>
+            <a:r>
+              <a:rPr lang="de-DE" baseline="0" dirty="0" err="1" smtClean="0"/>
+              <a:t>has</a:t>
+            </a:r>
+            <a:r>
+              <a:rPr lang="de-DE" baseline="0" dirty="0" smtClean="0"/>
+              <a:t> </a:t>
+            </a:r>
+            <a:r>
+              <a:rPr lang="de-DE" baseline="0" dirty="0" err="1" smtClean="0"/>
+              <a:t>to</a:t>
+            </a:r>
+            <a:r>
+              <a:rPr lang="de-DE" baseline="0" dirty="0" smtClean="0"/>
+              <a:t> </a:t>
+            </a:r>
+            <a:r>
+              <a:rPr lang="de-DE" baseline="0" dirty="0" err="1" smtClean="0"/>
+              <a:t>access</a:t>
+            </a:r>
+            <a:r>
+              <a:rPr lang="de-DE" baseline="0" dirty="0" smtClean="0"/>
+              <a:t> </a:t>
+            </a:r>
+            <a:r>
+              <a:rPr lang="de-DE" baseline="0" dirty="0" err="1" smtClean="0"/>
+              <a:t>the</a:t>
+            </a:r>
+            <a:r>
+              <a:rPr lang="de-DE" baseline="0" dirty="0" smtClean="0"/>
+              <a:t> </a:t>
+            </a:r>
+            <a:r>
+              <a:rPr lang="de-DE" baseline="0" dirty="0" err="1" smtClean="0"/>
+              <a:t>database</a:t>
+            </a:r>
+            <a:r>
+              <a:rPr lang="de-DE" baseline="0" dirty="0" smtClean="0"/>
+              <a:t>.</a:t>
+            </a:r>
+          </a:p>
+          <a:p>
+            <a:endParaRPr lang="de-DE" baseline="0" dirty="0" smtClean="0"/>
+          </a:p>
+          <a:p>
+            <a:r>
+              <a:rPr lang="de-DE" baseline="0" dirty="0" smtClean="0"/>
+              <a:t>As for high </a:t>
+            </a:r>
+            <a:r>
+              <a:rPr lang="de-DE" baseline="0" dirty="0" err="1" smtClean="0"/>
+              <a:t>availability</a:t>
+            </a:r>
+            <a:r>
+              <a:rPr lang="de-DE" baseline="0" dirty="0" smtClean="0"/>
+              <a:t>, </a:t>
+            </a:r>
+            <a:r>
+              <a:rPr lang="de-DE" baseline="0" dirty="0" err="1" smtClean="0"/>
+              <a:t>the</a:t>
+            </a:r>
+            <a:r>
+              <a:rPr lang="de-DE" baseline="0" dirty="0" smtClean="0"/>
+              <a:t> </a:t>
+            </a:r>
+            <a:r>
+              <a:rPr lang="de-DE" baseline="0" dirty="0" err="1" smtClean="0"/>
+              <a:t>only</a:t>
+            </a:r>
+            <a:r>
+              <a:rPr lang="de-DE" baseline="0" dirty="0" smtClean="0"/>
+              <a:t> </a:t>
+            </a:r>
+            <a:r>
+              <a:rPr lang="de-DE" baseline="0" dirty="0" err="1" smtClean="0"/>
+              <a:t>possible</a:t>
+            </a:r>
+            <a:r>
+              <a:rPr lang="de-DE" baseline="0" dirty="0" smtClean="0"/>
+              <a:t> </a:t>
+            </a:r>
+            <a:r>
+              <a:rPr lang="de-DE" baseline="0" dirty="0" err="1" smtClean="0"/>
+              <a:t>fail</a:t>
+            </a:r>
+            <a:r>
+              <a:rPr lang="de-DE" baseline="0" dirty="0" smtClean="0"/>
+              <a:t> </a:t>
+            </a:r>
+            <a:r>
+              <a:rPr lang="de-DE" baseline="0" dirty="0" err="1" smtClean="0"/>
+              <a:t>states</a:t>
+            </a:r>
+            <a:r>
+              <a:rPr lang="de-DE" baseline="0" dirty="0" smtClean="0"/>
+              <a:t> </a:t>
+            </a:r>
+            <a:r>
+              <a:rPr lang="de-DE" baseline="0" dirty="0" err="1" smtClean="0"/>
+              <a:t>are</a:t>
+            </a:r>
+            <a:r>
+              <a:rPr lang="de-DE" baseline="0" dirty="0" smtClean="0"/>
+              <a:t> a </a:t>
+            </a:r>
+            <a:r>
+              <a:rPr lang="de-DE" baseline="0" dirty="0" err="1" smtClean="0"/>
+              <a:t>failure</a:t>
+            </a:r>
+            <a:r>
+              <a:rPr lang="de-DE" baseline="0" dirty="0" smtClean="0"/>
+              <a:t> of </a:t>
+            </a:r>
+            <a:r>
+              <a:rPr lang="de-DE" baseline="0" dirty="0" err="1" smtClean="0"/>
+              <a:t>the</a:t>
+            </a:r>
+            <a:r>
+              <a:rPr lang="de-DE" baseline="0" dirty="0" smtClean="0"/>
+              <a:t> </a:t>
+            </a:r>
+            <a:r>
+              <a:rPr lang="de-DE" baseline="0" dirty="0" err="1" smtClean="0"/>
+              <a:t>node</a:t>
+            </a:r>
+            <a:r>
+              <a:rPr lang="de-DE" baseline="0" dirty="0" smtClean="0"/>
+              <a:t> </a:t>
+            </a:r>
+            <a:r>
+              <a:rPr lang="de-DE" baseline="0" dirty="0" err="1" smtClean="0"/>
+              <a:t>containing</a:t>
+            </a:r>
+            <a:r>
+              <a:rPr lang="de-DE" baseline="0" dirty="0" smtClean="0"/>
+              <a:t> </a:t>
+            </a:r>
+            <a:r>
+              <a:rPr lang="de-DE" baseline="0" dirty="0" err="1" smtClean="0"/>
+              <a:t>the</a:t>
+            </a:r>
+            <a:r>
+              <a:rPr lang="de-DE" baseline="0" dirty="0" smtClean="0"/>
+              <a:t> </a:t>
+            </a:r>
+            <a:r>
+              <a:rPr lang="de-DE" baseline="0" dirty="0" err="1" smtClean="0"/>
+              <a:t>database</a:t>
+            </a:r>
+            <a:r>
+              <a:rPr lang="de-DE" baseline="0" dirty="0" smtClean="0"/>
+              <a:t>, </a:t>
+            </a:r>
+            <a:r>
+              <a:rPr lang="de-DE" baseline="0" dirty="0" err="1" smtClean="0"/>
+              <a:t>as</a:t>
+            </a:r>
+            <a:r>
+              <a:rPr lang="de-DE" baseline="0" dirty="0" smtClean="0"/>
+              <a:t> </a:t>
+            </a:r>
+            <a:r>
+              <a:rPr lang="de-DE" baseline="0" dirty="0" err="1" smtClean="0"/>
+              <a:t>without</a:t>
+            </a:r>
+            <a:r>
+              <a:rPr lang="de-DE" baseline="0" dirty="0" smtClean="0"/>
+              <a:t> a </a:t>
+            </a:r>
+            <a:r>
+              <a:rPr lang="de-DE" baseline="0" dirty="0" err="1" smtClean="0"/>
+              <a:t>database</a:t>
+            </a:r>
+            <a:r>
+              <a:rPr lang="de-DE" baseline="0" dirty="0" smtClean="0"/>
+              <a:t> </a:t>
+            </a:r>
+            <a:r>
+              <a:rPr lang="de-DE" baseline="0" dirty="0" err="1" smtClean="0"/>
+              <a:t>connection</a:t>
+            </a:r>
+            <a:r>
+              <a:rPr lang="de-DE" baseline="0" dirty="0" smtClean="0"/>
+              <a:t> </a:t>
+            </a:r>
+            <a:r>
+              <a:rPr lang="de-DE" baseline="0" dirty="0" err="1" smtClean="0"/>
+              <a:t>the</a:t>
+            </a:r>
+            <a:r>
+              <a:rPr lang="de-DE" baseline="0" dirty="0" smtClean="0"/>
+              <a:t> </a:t>
+            </a:r>
+            <a:r>
+              <a:rPr lang="de-DE" baseline="0" dirty="0" err="1" smtClean="0"/>
+              <a:t>nextcloud</a:t>
+            </a:r>
+            <a:r>
+              <a:rPr lang="de-DE" baseline="0" dirty="0" smtClean="0"/>
+              <a:t> </a:t>
+            </a:r>
+            <a:r>
+              <a:rPr lang="de-DE" baseline="0" dirty="0" err="1" smtClean="0"/>
+              <a:t>nodes</a:t>
+            </a:r>
+            <a:r>
+              <a:rPr lang="de-DE" baseline="0" dirty="0" smtClean="0"/>
+              <a:t> will not </a:t>
+            </a:r>
+            <a:r>
+              <a:rPr lang="de-DE" baseline="0" dirty="0" err="1" smtClean="0"/>
+              <a:t>be</a:t>
+            </a:r>
+            <a:r>
+              <a:rPr lang="de-DE" baseline="0" dirty="0" smtClean="0"/>
+              <a:t> </a:t>
+            </a:r>
+            <a:r>
+              <a:rPr lang="de-DE" baseline="0" dirty="0" err="1" smtClean="0"/>
+              <a:t>able</a:t>
+            </a:r>
+            <a:r>
+              <a:rPr lang="de-DE" baseline="0" dirty="0" smtClean="0"/>
+              <a:t> </a:t>
+            </a:r>
+            <a:r>
+              <a:rPr lang="de-DE" baseline="0" dirty="0" err="1" smtClean="0"/>
+              <a:t>to</a:t>
+            </a:r>
+            <a:r>
+              <a:rPr lang="de-DE" baseline="0" dirty="0" smtClean="0"/>
+              <a:t> </a:t>
+            </a:r>
+            <a:r>
+              <a:rPr lang="de-DE" baseline="0" dirty="0" err="1" smtClean="0"/>
+              <a:t>function</a:t>
+            </a:r>
+            <a:r>
+              <a:rPr lang="de-DE" baseline="0" dirty="0" smtClean="0"/>
+              <a:t>. The </a:t>
+            </a:r>
+            <a:r>
+              <a:rPr lang="de-DE" baseline="0" dirty="0" err="1" smtClean="0"/>
+              <a:t>other</a:t>
+            </a:r>
+            <a:r>
+              <a:rPr lang="de-DE" baseline="0" dirty="0" smtClean="0"/>
+              <a:t> </a:t>
+            </a:r>
+            <a:r>
+              <a:rPr lang="de-DE" baseline="0" dirty="0" err="1" smtClean="0"/>
+              <a:t>possible</a:t>
+            </a:r>
+            <a:r>
+              <a:rPr lang="de-DE" baseline="0" dirty="0" smtClean="0"/>
+              <a:t> </a:t>
+            </a:r>
+            <a:r>
+              <a:rPr lang="de-DE" baseline="0" dirty="0" err="1" smtClean="0"/>
+              <a:t>point</a:t>
+            </a:r>
+            <a:r>
+              <a:rPr lang="de-DE" baseline="0" dirty="0" smtClean="0"/>
+              <a:t> of </a:t>
+            </a:r>
+            <a:r>
+              <a:rPr lang="de-DE" baseline="0" dirty="0" err="1" smtClean="0"/>
+              <a:t>failure</a:t>
+            </a:r>
+            <a:r>
+              <a:rPr lang="de-DE" baseline="0" dirty="0" smtClean="0"/>
+              <a:t> </a:t>
+            </a:r>
+            <a:r>
+              <a:rPr lang="de-DE" baseline="0" dirty="0" err="1" smtClean="0"/>
+              <a:t>is</a:t>
+            </a:r>
+            <a:r>
+              <a:rPr lang="de-DE" baseline="0" dirty="0" smtClean="0"/>
+              <a:t> </a:t>
+            </a:r>
+            <a:r>
+              <a:rPr lang="de-DE" baseline="0" dirty="0" err="1" smtClean="0"/>
+              <a:t>the</a:t>
+            </a:r>
+            <a:r>
+              <a:rPr lang="de-DE" baseline="0" dirty="0" smtClean="0"/>
+              <a:t> </a:t>
+            </a:r>
+            <a:r>
+              <a:rPr lang="de-DE" baseline="0" dirty="0" err="1" smtClean="0"/>
+              <a:t>MinIO</a:t>
+            </a:r>
+            <a:r>
+              <a:rPr lang="de-DE" baseline="0" dirty="0" smtClean="0"/>
+              <a:t> </a:t>
+            </a:r>
+            <a:r>
+              <a:rPr lang="de-DE" baseline="0" dirty="0" err="1" smtClean="0"/>
+              <a:t>object</a:t>
+            </a:r>
+            <a:r>
+              <a:rPr lang="de-DE" baseline="0" dirty="0" smtClean="0"/>
+              <a:t> </a:t>
+            </a:r>
+            <a:r>
+              <a:rPr lang="de-DE" baseline="0" dirty="0" err="1" smtClean="0"/>
+              <a:t>storage</a:t>
+            </a:r>
+            <a:r>
+              <a:rPr lang="de-DE" baseline="0" dirty="0" smtClean="0"/>
+              <a:t>, </a:t>
+            </a:r>
+            <a:r>
+              <a:rPr lang="de-DE" baseline="0" dirty="0" err="1" smtClean="0"/>
+              <a:t>however</a:t>
+            </a:r>
+            <a:r>
+              <a:rPr lang="de-DE" baseline="0" dirty="0" smtClean="0"/>
+              <a:t> </a:t>
+            </a:r>
+            <a:r>
+              <a:rPr lang="de-DE" baseline="0" dirty="0" err="1" smtClean="0"/>
+              <a:t>it</a:t>
+            </a:r>
+            <a:r>
+              <a:rPr lang="de-DE" baseline="0" dirty="0" smtClean="0"/>
+              <a:t> </a:t>
+            </a:r>
+            <a:r>
+              <a:rPr lang="de-DE" baseline="0" dirty="0" err="1" smtClean="0"/>
+              <a:t>has</a:t>
+            </a:r>
+            <a:r>
+              <a:rPr lang="de-DE" baseline="0" dirty="0" smtClean="0"/>
+              <a:t> </a:t>
+            </a:r>
+            <a:r>
+              <a:rPr lang="de-DE" baseline="0" dirty="0" err="1" smtClean="0"/>
+              <a:t>replication</a:t>
+            </a:r>
+            <a:r>
+              <a:rPr lang="de-DE" baseline="0" dirty="0" smtClean="0"/>
+              <a:t> of </a:t>
+            </a:r>
+            <a:r>
+              <a:rPr lang="de-DE" baseline="0" dirty="0" err="1" smtClean="0"/>
+              <a:t>data</a:t>
+            </a:r>
+            <a:r>
+              <a:rPr lang="de-DE" baseline="0" dirty="0" smtClean="0"/>
+              <a:t> </a:t>
+            </a:r>
+            <a:r>
+              <a:rPr lang="de-DE" baseline="0" dirty="0" err="1" smtClean="0"/>
+              <a:t>built</a:t>
+            </a:r>
+            <a:r>
+              <a:rPr lang="de-DE" baseline="0" dirty="0" smtClean="0"/>
+              <a:t> in, </a:t>
+            </a:r>
+            <a:r>
+              <a:rPr lang="de-DE" baseline="0" dirty="0" err="1" smtClean="0"/>
+              <a:t>therefore</a:t>
+            </a:r>
+            <a:r>
+              <a:rPr lang="de-DE" baseline="0" dirty="0" smtClean="0"/>
+              <a:t> </a:t>
+            </a:r>
+            <a:r>
+              <a:rPr lang="de-DE" baseline="0" dirty="0" err="1" smtClean="0"/>
+              <a:t>no</a:t>
+            </a:r>
+            <a:r>
+              <a:rPr lang="de-DE" baseline="0" dirty="0" smtClean="0"/>
+              <a:t> </a:t>
+            </a:r>
+            <a:r>
+              <a:rPr lang="de-DE" baseline="0" dirty="0" err="1" smtClean="0"/>
+              <a:t>data</a:t>
+            </a:r>
+            <a:r>
+              <a:rPr lang="de-DE" baseline="0" dirty="0" smtClean="0"/>
+              <a:t> </a:t>
+            </a:r>
+            <a:r>
+              <a:rPr lang="de-DE" baseline="0" dirty="0" err="1" smtClean="0"/>
+              <a:t>loss</a:t>
             </a:r>
             <a:r>
               <a:rPr lang="de-DE" baseline="0" dirty="0" smtClean="0"/>
@@ -3708,962 +5449,12 @@
             </a:r>
             <a:r>
               <a:rPr lang="de-DE" baseline="0" dirty="0" err="1" smtClean="0"/>
-              <a:t>see</a:t>
-            </a:r>
-            <a:r>
-              <a:rPr lang="de-DE" baseline="0" dirty="0" smtClean="0"/>
-              <a:t> an </a:t>
-            </a:r>
-            <a:r>
-              <a:rPr lang="de-DE" baseline="0" dirty="0" err="1" smtClean="0"/>
-              <a:t>example</a:t>
-            </a:r>
-            <a:r>
-              <a:rPr lang="de-DE" baseline="0" dirty="0" smtClean="0"/>
-              <a:t> YAML file on </a:t>
-            </a:r>
-            <a:r>
-              <a:rPr lang="de-DE" baseline="0" dirty="0" err="1" smtClean="0"/>
-              <a:t>this</a:t>
-            </a:r>
-            <a:r>
-              <a:rPr lang="de-DE" baseline="0" dirty="0" smtClean="0"/>
-              <a:t> </a:t>
-            </a:r>
-            <a:r>
-              <a:rPr lang="de-DE" baseline="0" dirty="0" err="1" smtClean="0"/>
-              <a:t>slide</a:t>
-            </a:r>
-            <a:r>
-              <a:rPr lang="de-DE" baseline="0" dirty="0" smtClean="0"/>
-              <a:t>. A YAML file </a:t>
-            </a:r>
-            <a:r>
-              <a:rPr lang="de-DE" baseline="0" dirty="0" err="1" smtClean="0"/>
-              <a:t>has</a:t>
-            </a:r>
-            <a:r>
-              <a:rPr lang="de-DE" baseline="0" dirty="0" smtClean="0"/>
-              <a:t> a </a:t>
-            </a:r>
-            <a:r>
-              <a:rPr lang="de-DE" baseline="0" dirty="0" err="1" smtClean="0"/>
-              <a:t>base</a:t>
-            </a:r>
-            <a:r>
-              <a:rPr lang="de-DE" baseline="0" dirty="0" smtClean="0"/>
-              <a:t> </a:t>
-            </a:r>
-            <a:r>
-              <a:rPr lang="de-DE" baseline="0" dirty="0" err="1" smtClean="0"/>
-              <a:t>structure</a:t>
-            </a:r>
-            <a:r>
-              <a:rPr lang="de-DE" baseline="0" dirty="0" smtClean="0"/>
-              <a:t> </a:t>
-            </a:r>
-            <a:r>
-              <a:rPr lang="de-DE" baseline="0" dirty="0" err="1" smtClean="0"/>
-              <a:t>containing</a:t>
-            </a:r>
-            <a:r>
-              <a:rPr lang="de-DE" baseline="0" dirty="0" smtClean="0"/>
-              <a:t> </a:t>
-            </a:r>
-            <a:r>
-              <a:rPr lang="de-DE" baseline="0" dirty="0" err="1" smtClean="0"/>
-              <a:t>Apiversion</a:t>
-            </a:r>
-            <a:r>
-              <a:rPr lang="de-DE" baseline="0" dirty="0" smtClean="0"/>
-              <a:t>, </a:t>
-            </a:r>
-            <a:r>
-              <a:rPr lang="de-DE" baseline="0" dirty="0" err="1" smtClean="0"/>
-              <a:t>kind</a:t>
-            </a:r>
-            <a:r>
-              <a:rPr lang="de-DE" baseline="0" dirty="0" smtClean="0"/>
-              <a:t>, </a:t>
-            </a:r>
-            <a:r>
-              <a:rPr lang="de-DE" baseline="0" dirty="0" err="1" smtClean="0"/>
-              <a:t>metadata</a:t>
-            </a:r>
-            <a:r>
-              <a:rPr lang="de-DE" baseline="0" dirty="0" smtClean="0"/>
-              <a:t> </a:t>
-            </a:r>
-            <a:r>
-              <a:rPr lang="de-DE" baseline="0" dirty="0" err="1" smtClean="0"/>
-              <a:t>and</a:t>
-            </a:r>
-            <a:r>
-              <a:rPr lang="de-DE" baseline="0" dirty="0" smtClean="0"/>
-              <a:t> </a:t>
-            </a:r>
-            <a:r>
-              <a:rPr lang="de-DE" baseline="0" dirty="0" err="1" smtClean="0"/>
-              <a:t>spec</a:t>
+              <a:t>occur</a:t>
             </a:r>
             <a:r>
               <a:rPr lang="de-DE" baseline="0" dirty="0" smtClean="0"/>
               <a:t>.</a:t>
             </a:r>
-          </a:p>
-          <a:p>
-            <a:endParaRPr lang="de-DE" baseline="0" dirty="0" smtClean="0"/>
-          </a:p>
-          <a:p>
-            <a:r>
-              <a:rPr lang="de-DE" baseline="0" dirty="0" err="1" smtClean="0"/>
-              <a:t>Apiversion</a:t>
-            </a:r>
-            <a:r>
-              <a:rPr lang="de-DE" baseline="0" dirty="0" smtClean="0"/>
-              <a:t> </a:t>
-            </a:r>
-            <a:r>
-              <a:rPr lang="de-DE" baseline="0" dirty="0" err="1" smtClean="0"/>
-              <a:t>specifies</a:t>
-            </a:r>
-            <a:r>
-              <a:rPr lang="de-DE" baseline="0" dirty="0" smtClean="0"/>
-              <a:t> </a:t>
-            </a:r>
-            <a:r>
-              <a:rPr lang="de-DE" baseline="0" dirty="0" err="1" smtClean="0"/>
-              <a:t>the</a:t>
-            </a:r>
-            <a:r>
-              <a:rPr lang="de-DE" baseline="0" dirty="0" smtClean="0"/>
-              <a:t> </a:t>
-            </a:r>
-            <a:r>
-              <a:rPr lang="de-DE" baseline="0" dirty="0" err="1" smtClean="0"/>
-              <a:t>version</a:t>
-            </a:r>
-            <a:r>
-              <a:rPr lang="de-DE" baseline="0" dirty="0" smtClean="0"/>
-              <a:t> of </a:t>
-            </a:r>
-            <a:r>
-              <a:rPr lang="de-DE" baseline="0" dirty="0" err="1" smtClean="0"/>
-              <a:t>the</a:t>
-            </a:r>
-            <a:r>
-              <a:rPr lang="de-DE" baseline="0" dirty="0" smtClean="0"/>
-              <a:t> </a:t>
-            </a:r>
-            <a:r>
-              <a:rPr lang="de-DE" baseline="0" dirty="0" err="1" smtClean="0"/>
-              <a:t>kubernetes</a:t>
-            </a:r>
-            <a:r>
-              <a:rPr lang="de-DE" baseline="0" dirty="0" smtClean="0"/>
-              <a:t> </a:t>
-            </a:r>
-            <a:r>
-              <a:rPr lang="de-DE" baseline="0" dirty="0" err="1" smtClean="0"/>
-              <a:t>api</a:t>
-            </a:r>
-            <a:r>
-              <a:rPr lang="de-DE" baseline="0" dirty="0" smtClean="0"/>
-              <a:t> </a:t>
-            </a:r>
-            <a:r>
-              <a:rPr lang="de-DE" baseline="0" dirty="0" err="1" smtClean="0"/>
-              <a:t>used</a:t>
-            </a:r>
-            <a:r>
-              <a:rPr lang="de-DE" baseline="0" dirty="0" smtClean="0"/>
-              <a:t> </a:t>
-            </a:r>
-            <a:r>
-              <a:rPr lang="de-DE" baseline="0" dirty="0" err="1" smtClean="0"/>
-              <a:t>to</a:t>
-            </a:r>
-            <a:r>
-              <a:rPr lang="de-DE" baseline="0" dirty="0" smtClean="0"/>
-              <a:t> </a:t>
-            </a:r>
-            <a:r>
-              <a:rPr lang="de-DE" baseline="0" dirty="0" err="1" smtClean="0"/>
-              <a:t>create</a:t>
-            </a:r>
-            <a:r>
-              <a:rPr lang="de-DE" baseline="0" dirty="0" smtClean="0"/>
-              <a:t> </a:t>
-            </a:r>
-            <a:r>
-              <a:rPr lang="de-DE" baseline="0" dirty="0" err="1" smtClean="0"/>
-              <a:t>the</a:t>
-            </a:r>
-            <a:r>
-              <a:rPr lang="de-DE" baseline="0" dirty="0" smtClean="0"/>
-              <a:t> </a:t>
-            </a:r>
-            <a:r>
-              <a:rPr lang="de-DE" baseline="0" dirty="0" err="1" smtClean="0"/>
-              <a:t>object</a:t>
-            </a:r>
-            <a:r>
-              <a:rPr lang="de-DE" baseline="0" dirty="0" smtClean="0"/>
-              <a:t>, in </a:t>
-            </a:r>
-            <a:r>
-              <a:rPr lang="de-DE" baseline="0" dirty="0" err="1" smtClean="0"/>
-              <a:t>this</a:t>
-            </a:r>
-            <a:r>
-              <a:rPr lang="de-DE" baseline="0" dirty="0" smtClean="0"/>
-              <a:t> </a:t>
-            </a:r>
-            <a:r>
-              <a:rPr lang="de-DE" baseline="0" dirty="0" err="1" smtClean="0"/>
-              <a:t>example</a:t>
-            </a:r>
-            <a:r>
-              <a:rPr lang="de-DE" baseline="0" dirty="0" smtClean="0"/>
-              <a:t> </a:t>
-            </a:r>
-            <a:r>
-              <a:rPr lang="de-DE" baseline="0" dirty="0" err="1" smtClean="0"/>
-              <a:t>it</a:t>
-            </a:r>
-            <a:r>
-              <a:rPr lang="de-DE" baseline="0" dirty="0" smtClean="0"/>
-              <a:t> </a:t>
-            </a:r>
-            <a:r>
-              <a:rPr lang="de-DE" baseline="0" dirty="0" err="1" smtClean="0"/>
-              <a:t>is</a:t>
-            </a:r>
-            <a:r>
-              <a:rPr lang="de-DE" baseline="0" dirty="0" smtClean="0"/>
-              <a:t> v1beta1</a:t>
-            </a:r>
-          </a:p>
-          <a:p>
-            <a:endParaRPr lang="de-DE" baseline="0" dirty="0" smtClean="0"/>
-          </a:p>
-          <a:p>
-            <a:r>
-              <a:rPr lang="de-DE" baseline="0" dirty="0" smtClean="0"/>
-              <a:t>Kind </a:t>
-            </a:r>
-            <a:r>
-              <a:rPr lang="de-DE" baseline="0" dirty="0" err="1" smtClean="0"/>
-              <a:t>describes</a:t>
-            </a:r>
-            <a:r>
-              <a:rPr lang="de-DE" baseline="0" dirty="0" smtClean="0"/>
-              <a:t> </a:t>
-            </a:r>
-            <a:r>
-              <a:rPr lang="de-DE" baseline="0" dirty="0" err="1" smtClean="0"/>
-              <a:t>the</a:t>
-            </a:r>
-            <a:r>
-              <a:rPr lang="de-DE" baseline="0" dirty="0" smtClean="0"/>
-              <a:t> </a:t>
-            </a:r>
-            <a:r>
-              <a:rPr lang="de-DE" baseline="0" dirty="0" err="1" smtClean="0"/>
-              <a:t>kind</a:t>
-            </a:r>
-            <a:r>
-              <a:rPr lang="de-DE" baseline="0" dirty="0" smtClean="0"/>
-              <a:t> of </a:t>
-            </a:r>
-            <a:r>
-              <a:rPr lang="de-DE" baseline="0" dirty="0" err="1" smtClean="0"/>
-              <a:t>object</a:t>
-            </a:r>
-            <a:r>
-              <a:rPr lang="de-DE" baseline="0" dirty="0" smtClean="0"/>
-              <a:t> </a:t>
-            </a:r>
-            <a:r>
-              <a:rPr lang="de-DE" baseline="0" dirty="0" err="1" smtClean="0"/>
-              <a:t>to</a:t>
-            </a:r>
-            <a:r>
-              <a:rPr lang="de-DE" baseline="0" dirty="0" smtClean="0"/>
-              <a:t> </a:t>
-            </a:r>
-            <a:r>
-              <a:rPr lang="de-DE" baseline="0" dirty="0" err="1" smtClean="0"/>
-              <a:t>be</a:t>
-            </a:r>
-            <a:r>
-              <a:rPr lang="de-DE" baseline="0" dirty="0" smtClean="0"/>
-              <a:t> </a:t>
-            </a:r>
-            <a:r>
-              <a:rPr lang="de-DE" baseline="0" dirty="0" err="1" smtClean="0"/>
-              <a:t>created</a:t>
-            </a:r>
-            <a:r>
-              <a:rPr lang="de-DE" baseline="0" dirty="0" smtClean="0"/>
-              <a:t>. </a:t>
-            </a:r>
-            <a:r>
-              <a:rPr lang="de-DE" baseline="0" dirty="0" err="1" smtClean="0"/>
-              <a:t>Deployment</a:t>
-            </a:r>
-            <a:r>
-              <a:rPr lang="de-DE" baseline="0" dirty="0" smtClean="0"/>
-              <a:t>, </a:t>
-            </a:r>
-            <a:r>
-              <a:rPr lang="de-DE" baseline="0" dirty="0" err="1" smtClean="0"/>
-              <a:t>as</a:t>
-            </a:r>
-            <a:r>
-              <a:rPr lang="de-DE" baseline="0" dirty="0" smtClean="0"/>
-              <a:t> </a:t>
-            </a:r>
-            <a:r>
-              <a:rPr lang="de-DE" baseline="0" dirty="0" err="1" smtClean="0"/>
-              <a:t>shown</a:t>
-            </a:r>
-            <a:r>
-              <a:rPr lang="de-DE" baseline="0" dirty="0" smtClean="0"/>
-              <a:t> in </a:t>
-            </a:r>
-            <a:r>
-              <a:rPr lang="de-DE" baseline="0" dirty="0" err="1" smtClean="0"/>
-              <a:t>the</a:t>
-            </a:r>
-            <a:r>
-              <a:rPr lang="de-DE" baseline="0" dirty="0" smtClean="0"/>
-              <a:t> </a:t>
-            </a:r>
-            <a:r>
-              <a:rPr lang="de-DE" baseline="0" dirty="0" err="1" smtClean="0"/>
-              <a:t>example</a:t>
-            </a:r>
-            <a:r>
-              <a:rPr lang="de-DE" baseline="0" dirty="0" smtClean="0"/>
-              <a:t> </a:t>
-            </a:r>
-            <a:r>
-              <a:rPr lang="de-DE" baseline="0" dirty="0" err="1" smtClean="0"/>
-              <a:t>is</a:t>
-            </a:r>
-            <a:r>
-              <a:rPr lang="de-DE" baseline="0" dirty="0" smtClean="0"/>
-              <a:t> for </a:t>
-            </a:r>
-            <a:r>
-              <a:rPr lang="de-DE" baseline="0" dirty="0" err="1" smtClean="0"/>
-              <a:t>the</a:t>
-            </a:r>
-            <a:r>
-              <a:rPr lang="de-DE" baseline="0" dirty="0" smtClean="0"/>
-              <a:t> </a:t>
-            </a:r>
-            <a:r>
-              <a:rPr lang="de-DE" baseline="0" dirty="0" err="1" smtClean="0"/>
-              <a:t>creation</a:t>
-            </a:r>
-            <a:r>
-              <a:rPr lang="de-DE" baseline="0" dirty="0" smtClean="0"/>
-              <a:t> of </a:t>
-            </a:r>
-            <a:r>
-              <a:rPr lang="de-DE" baseline="0" dirty="0" err="1" smtClean="0"/>
-              <a:t>pods</a:t>
-            </a:r>
-            <a:r>
-              <a:rPr lang="de-DE" baseline="0" dirty="0" smtClean="0"/>
-              <a:t>.</a:t>
-            </a:r>
-          </a:p>
-          <a:p>
-            <a:endParaRPr lang="de-DE" baseline="0" dirty="0" smtClean="0"/>
-          </a:p>
-          <a:p>
-            <a:r>
-              <a:rPr lang="de-DE" baseline="0" dirty="0" err="1" smtClean="0"/>
-              <a:t>Metadata</a:t>
-            </a:r>
-            <a:r>
-              <a:rPr lang="de-DE" baseline="0" dirty="0" smtClean="0"/>
-              <a:t> </a:t>
-            </a:r>
-            <a:r>
-              <a:rPr lang="de-DE" baseline="0" dirty="0" err="1" smtClean="0"/>
-              <a:t>is</a:t>
-            </a:r>
-            <a:r>
-              <a:rPr lang="de-DE" baseline="0" dirty="0" smtClean="0"/>
-              <a:t> </a:t>
-            </a:r>
-            <a:r>
-              <a:rPr lang="de-DE" baseline="0" dirty="0" err="1" smtClean="0"/>
-              <a:t>used</a:t>
-            </a:r>
-            <a:r>
-              <a:rPr lang="de-DE" baseline="0" dirty="0" smtClean="0"/>
-              <a:t> </a:t>
-            </a:r>
-            <a:r>
-              <a:rPr lang="de-DE" baseline="0" dirty="0" err="1" smtClean="0"/>
-              <a:t>to</a:t>
-            </a:r>
-            <a:r>
-              <a:rPr lang="de-DE" baseline="0" dirty="0" smtClean="0"/>
-              <a:t> </a:t>
-            </a:r>
-            <a:r>
-              <a:rPr lang="de-DE" baseline="0" dirty="0" err="1" smtClean="0"/>
-              <a:t>help</a:t>
-            </a:r>
-            <a:r>
-              <a:rPr lang="de-DE" baseline="0" dirty="0" smtClean="0"/>
-              <a:t> </a:t>
-            </a:r>
-            <a:r>
-              <a:rPr lang="de-DE" baseline="0" dirty="0" err="1" smtClean="0"/>
-              <a:t>uniquely</a:t>
-            </a:r>
-            <a:r>
-              <a:rPr lang="de-DE" baseline="0" dirty="0" smtClean="0"/>
-              <a:t> </a:t>
-            </a:r>
-            <a:r>
-              <a:rPr lang="de-DE" baseline="0" dirty="0" err="1" smtClean="0"/>
-              <a:t>identify</a:t>
-            </a:r>
-            <a:r>
-              <a:rPr lang="de-DE" baseline="0" dirty="0" smtClean="0"/>
-              <a:t> an </a:t>
-            </a:r>
-            <a:r>
-              <a:rPr lang="de-DE" baseline="0" dirty="0" err="1" smtClean="0"/>
-              <a:t>object</a:t>
-            </a:r>
-            <a:r>
-              <a:rPr lang="de-DE" baseline="0" dirty="0" smtClean="0"/>
-              <a:t>. </a:t>
-            </a:r>
-            <a:r>
-              <a:rPr lang="de-DE" baseline="0" dirty="0" err="1" smtClean="0"/>
-              <a:t>It</a:t>
-            </a:r>
-            <a:r>
-              <a:rPr lang="de-DE" baseline="0" dirty="0" smtClean="0"/>
-              <a:t> </a:t>
-            </a:r>
-            <a:r>
-              <a:rPr lang="de-DE" baseline="0" dirty="0" err="1" smtClean="0"/>
-              <a:t>often</a:t>
-            </a:r>
-            <a:r>
-              <a:rPr lang="de-DE" baseline="0" dirty="0" smtClean="0"/>
-              <a:t> </a:t>
-            </a:r>
-            <a:r>
-              <a:rPr lang="de-DE" baseline="0" dirty="0" err="1" smtClean="0"/>
-              <a:t>contains</a:t>
-            </a:r>
-            <a:r>
-              <a:rPr lang="de-DE" baseline="0" dirty="0" smtClean="0"/>
-              <a:t> a </a:t>
-            </a:r>
-            <a:r>
-              <a:rPr lang="de-DE" baseline="0" dirty="0" err="1" smtClean="0"/>
-              <a:t>name</a:t>
-            </a:r>
-            <a:r>
-              <a:rPr lang="de-DE" baseline="0" dirty="0" smtClean="0"/>
-              <a:t>, like for </a:t>
-            </a:r>
-            <a:r>
-              <a:rPr lang="de-DE" baseline="0" dirty="0" err="1" smtClean="0"/>
-              <a:t>example</a:t>
-            </a:r>
-            <a:r>
-              <a:rPr lang="de-DE" baseline="0" dirty="0" smtClean="0"/>
-              <a:t> </a:t>
-            </a:r>
-            <a:r>
-              <a:rPr lang="de-DE" baseline="0" dirty="0" err="1" smtClean="0"/>
-              <a:t>envtest</a:t>
-            </a:r>
-            <a:r>
-              <a:rPr lang="de-DE" baseline="0" dirty="0" smtClean="0"/>
-              <a:t> </a:t>
-            </a:r>
-            <a:r>
-              <a:rPr lang="de-DE" baseline="0" dirty="0" err="1" smtClean="0"/>
-              <a:t>as</a:t>
-            </a:r>
-            <a:r>
-              <a:rPr lang="de-DE" baseline="0" dirty="0" smtClean="0"/>
-              <a:t> </a:t>
-            </a:r>
-            <a:r>
-              <a:rPr lang="de-DE" baseline="0" dirty="0" err="1" smtClean="0"/>
-              <a:t>shown</a:t>
-            </a:r>
-            <a:r>
-              <a:rPr lang="de-DE" baseline="0" dirty="0" smtClean="0"/>
-              <a:t> on </a:t>
-            </a:r>
-            <a:r>
-              <a:rPr lang="de-DE" baseline="0" dirty="0" err="1" smtClean="0"/>
-              <a:t>the</a:t>
-            </a:r>
-            <a:r>
-              <a:rPr lang="de-DE" baseline="0" dirty="0" smtClean="0"/>
-              <a:t> </a:t>
-            </a:r>
-            <a:r>
-              <a:rPr lang="de-DE" baseline="0" dirty="0" err="1" smtClean="0"/>
-              <a:t>slide</a:t>
-            </a:r>
-            <a:r>
-              <a:rPr lang="de-DE" baseline="0" dirty="0" smtClean="0"/>
-              <a:t>. </a:t>
-            </a:r>
-            <a:r>
-              <a:rPr lang="de-DE" baseline="0" dirty="0" err="1" smtClean="0"/>
-              <a:t>It</a:t>
-            </a:r>
-            <a:r>
-              <a:rPr lang="de-DE" baseline="0" dirty="0" smtClean="0"/>
-              <a:t> </a:t>
-            </a:r>
-            <a:r>
-              <a:rPr lang="de-DE" baseline="0" dirty="0" err="1" smtClean="0"/>
-              <a:t>can</a:t>
-            </a:r>
-            <a:r>
-              <a:rPr lang="de-DE" baseline="0" dirty="0" smtClean="0"/>
-              <a:t> also </a:t>
-            </a:r>
-            <a:r>
-              <a:rPr lang="de-DE" baseline="0" dirty="0" err="1" smtClean="0"/>
-              <a:t>often</a:t>
-            </a:r>
-            <a:r>
-              <a:rPr lang="de-DE" baseline="0" dirty="0" smtClean="0"/>
-              <a:t> </a:t>
-            </a:r>
-            <a:r>
-              <a:rPr lang="de-DE" baseline="0" dirty="0" err="1" smtClean="0"/>
-              <a:t>contain</a:t>
-            </a:r>
-            <a:r>
-              <a:rPr lang="de-DE" baseline="0" dirty="0" smtClean="0"/>
-              <a:t> </a:t>
-            </a:r>
-            <a:r>
-              <a:rPr lang="de-DE" baseline="0" dirty="0" err="1" smtClean="0"/>
-              <a:t>unique</a:t>
-            </a:r>
-            <a:r>
-              <a:rPr lang="de-DE" baseline="0" dirty="0" smtClean="0"/>
-              <a:t> </a:t>
-            </a:r>
-            <a:r>
-              <a:rPr lang="de-DE" baseline="0" dirty="0" err="1" smtClean="0"/>
-              <a:t>identificators</a:t>
-            </a:r>
-            <a:r>
-              <a:rPr lang="de-DE" baseline="0" dirty="0" smtClean="0"/>
-              <a:t> </a:t>
-            </a:r>
-            <a:r>
-              <a:rPr lang="de-DE" baseline="0" dirty="0" err="1" smtClean="0"/>
-              <a:t>and</a:t>
-            </a:r>
-            <a:r>
-              <a:rPr lang="de-DE" baseline="0" dirty="0" smtClean="0"/>
-              <a:t> </a:t>
-            </a:r>
-            <a:r>
-              <a:rPr lang="de-DE" baseline="0" dirty="0" err="1" smtClean="0"/>
-              <a:t>namespaces</a:t>
-            </a:r>
-            <a:r>
-              <a:rPr lang="de-DE" baseline="0" dirty="0" smtClean="0"/>
-              <a:t>.</a:t>
-            </a:r>
-          </a:p>
-          <a:p>
-            <a:endParaRPr lang="de-DE" baseline="0" dirty="0" smtClean="0"/>
-          </a:p>
-          <a:p>
-            <a:r>
-              <a:rPr lang="de-DE" baseline="0" dirty="0" err="1" smtClean="0"/>
-              <a:t>Spec</a:t>
-            </a:r>
-            <a:r>
-              <a:rPr lang="de-DE" baseline="0" dirty="0" smtClean="0"/>
-              <a:t> </a:t>
-            </a:r>
-            <a:r>
-              <a:rPr lang="de-DE" baseline="0" dirty="0" err="1" smtClean="0"/>
-              <a:t>is</a:t>
-            </a:r>
-            <a:r>
-              <a:rPr lang="de-DE" baseline="0" dirty="0" smtClean="0"/>
-              <a:t> </a:t>
-            </a:r>
-            <a:r>
-              <a:rPr lang="de-DE" baseline="0" dirty="0" err="1" smtClean="0"/>
-              <a:t>then</a:t>
-            </a:r>
-            <a:r>
-              <a:rPr lang="de-DE" baseline="0" dirty="0" smtClean="0"/>
-              <a:t> </a:t>
-            </a:r>
-            <a:r>
-              <a:rPr lang="de-DE" baseline="0" dirty="0" err="1" smtClean="0"/>
-              <a:t>used</a:t>
-            </a:r>
-            <a:r>
-              <a:rPr lang="de-DE" baseline="0" dirty="0" smtClean="0"/>
-              <a:t> </a:t>
-            </a:r>
-            <a:r>
-              <a:rPr lang="de-DE" baseline="0" dirty="0" err="1" smtClean="0"/>
-              <a:t>to</a:t>
-            </a:r>
-            <a:r>
-              <a:rPr lang="de-DE" baseline="0" dirty="0" smtClean="0"/>
-              <a:t> </a:t>
-            </a:r>
-            <a:r>
-              <a:rPr lang="de-DE" baseline="0" dirty="0" err="1" smtClean="0"/>
-              <a:t>specify</a:t>
-            </a:r>
-            <a:r>
-              <a:rPr lang="de-DE" baseline="0" dirty="0" smtClean="0"/>
-              <a:t> additional </a:t>
-            </a:r>
-            <a:r>
-              <a:rPr lang="de-DE" baseline="0" dirty="0" err="1" smtClean="0"/>
-              <a:t>content</a:t>
-            </a:r>
-            <a:r>
-              <a:rPr lang="de-DE" baseline="0" dirty="0" smtClean="0"/>
-              <a:t> </a:t>
-            </a:r>
-            <a:r>
-              <a:rPr lang="de-DE" baseline="0" dirty="0" err="1" smtClean="0"/>
-              <a:t>depending</a:t>
-            </a:r>
-            <a:r>
-              <a:rPr lang="de-DE" baseline="0" dirty="0" smtClean="0"/>
-              <a:t> on </a:t>
-            </a:r>
-            <a:r>
-              <a:rPr lang="de-DE" baseline="0" dirty="0" err="1" smtClean="0"/>
-              <a:t>the</a:t>
-            </a:r>
-            <a:r>
-              <a:rPr lang="de-DE" baseline="0" dirty="0" smtClean="0"/>
-              <a:t> type of </a:t>
-            </a:r>
-            <a:r>
-              <a:rPr lang="de-DE" baseline="0" dirty="0" err="1" smtClean="0"/>
-              <a:t>object</a:t>
-            </a:r>
-            <a:r>
-              <a:rPr lang="de-DE" baseline="0" dirty="0" smtClean="0"/>
-              <a:t> </a:t>
-            </a:r>
-            <a:r>
-              <a:rPr lang="de-DE" baseline="0" dirty="0" err="1" smtClean="0"/>
-              <a:t>to</a:t>
-            </a:r>
-            <a:r>
-              <a:rPr lang="de-DE" baseline="0" dirty="0" smtClean="0"/>
-              <a:t> </a:t>
-            </a:r>
-            <a:r>
-              <a:rPr lang="de-DE" baseline="0" dirty="0" err="1" smtClean="0"/>
-              <a:t>be</a:t>
-            </a:r>
-            <a:r>
-              <a:rPr lang="de-DE" baseline="0" dirty="0" smtClean="0"/>
-              <a:t> </a:t>
-            </a:r>
-            <a:r>
-              <a:rPr lang="de-DE" baseline="0" dirty="0" err="1" smtClean="0"/>
-              <a:t>created</a:t>
-            </a:r>
-            <a:r>
-              <a:rPr lang="de-DE" baseline="0" dirty="0" smtClean="0"/>
-              <a:t>. For </a:t>
-            </a:r>
-            <a:r>
-              <a:rPr lang="de-DE" baseline="0" dirty="0" err="1" smtClean="0"/>
-              <a:t>example</a:t>
-            </a:r>
-            <a:r>
-              <a:rPr lang="de-DE" baseline="0" dirty="0" smtClean="0"/>
-              <a:t> </a:t>
-            </a:r>
-            <a:r>
-              <a:rPr lang="de-DE" baseline="0" dirty="0" err="1" smtClean="0"/>
-              <a:t>database</a:t>
-            </a:r>
-            <a:r>
-              <a:rPr lang="de-DE" baseline="0" dirty="0" smtClean="0"/>
-              <a:t> </a:t>
-            </a:r>
-            <a:r>
-              <a:rPr lang="de-DE" baseline="0" dirty="0" err="1" smtClean="0"/>
-              <a:t>deployments</a:t>
-            </a:r>
-            <a:r>
-              <a:rPr lang="de-DE" baseline="0" dirty="0" smtClean="0"/>
-              <a:t> </a:t>
-            </a:r>
-            <a:r>
-              <a:rPr lang="de-DE" baseline="0" dirty="0" err="1" smtClean="0"/>
-              <a:t>require</a:t>
-            </a:r>
-            <a:r>
-              <a:rPr lang="de-DE" baseline="0" dirty="0" smtClean="0"/>
-              <a:t> a </a:t>
-            </a:r>
-            <a:r>
-              <a:rPr lang="de-DE" baseline="0" dirty="0" err="1" smtClean="0"/>
-              <a:t>username</a:t>
-            </a:r>
-            <a:r>
-              <a:rPr lang="de-DE" baseline="0" dirty="0" smtClean="0"/>
-              <a:t> </a:t>
-            </a:r>
-            <a:r>
-              <a:rPr lang="de-DE" baseline="0" dirty="0" err="1" smtClean="0"/>
-              <a:t>and</a:t>
-            </a:r>
-            <a:r>
-              <a:rPr lang="de-DE" baseline="0" dirty="0" smtClean="0"/>
-              <a:t> </a:t>
-            </a:r>
-            <a:r>
-              <a:rPr lang="de-DE" baseline="0" dirty="0" err="1" smtClean="0"/>
-              <a:t>password</a:t>
-            </a:r>
-            <a:r>
-              <a:rPr lang="de-DE" baseline="0" dirty="0" smtClean="0"/>
-              <a:t> </a:t>
-            </a:r>
-            <a:r>
-              <a:rPr lang="de-DE" baseline="0" dirty="0" err="1" smtClean="0"/>
-              <a:t>as</a:t>
-            </a:r>
-            <a:r>
-              <a:rPr lang="de-DE" baseline="0" dirty="0" smtClean="0"/>
-              <a:t> </a:t>
-            </a:r>
-            <a:r>
-              <a:rPr lang="de-DE" baseline="0" dirty="0" err="1" smtClean="0"/>
-              <a:t>well</a:t>
-            </a:r>
-            <a:r>
-              <a:rPr lang="de-DE" baseline="0" dirty="0" smtClean="0"/>
-              <a:t> </a:t>
-            </a:r>
-            <a:r>
-              <a:rPr lang="de-DE" baseline="0" dirty="0" err="1" smtClean="0"/>
-              <a:t>as</a:t>
-            </a:r>
-            <a:r>
-              <a:rPr lang="de-DE" baseline="0" dirty="0" smtClean="0"/>
-              <a:t> a </a:t>
-            </a:r>
-            <a:r>
-              <a:rPr lang="de-DE" baseline="0" dirty="0" err="1" smtClean="0"/>
-              <a:t>service</a:t>
-            </a:r>
-            <a:r>
-              <a:rPr lang="de-DE" baseline="0" dirty="0" smtClean="0"/>
-              <a:t> </a:t>
-            </a:r>
-            <a:r>
-              <a:rPr lang="de-DE" baseline="0" dirty="0" err="1" smtClean="0"/>
-              <a:t>to</a:t>
-            </a:r>
-            <a:r>
-              <a:rPr lang="de-DE" baseline="0" dirty="0" smtClean="0"/>
-              <a:t> </a:t>
-            </a:r>
-            <a:r>
-              <a:rPr lang="de-DE" baseline="0" dirty="0" err="1" smtClean="0"/>
-              <a:t>connect</a:t>
-            </a:r>
-            <a:r>
-              <a:rPr lang="de-DE" baseline="0" dirty="0" smtClean="0"/>
-              <a:t> </a:t>
-            </a:r>
-            <a:r>
-              <a:rPr lang="de-DE" baseline="0" dirty="0" err="1" smtClean="0"/>
-              <a:t>to</a:t>
-            </a:r>
-            <a:r>
-              <a:rPr lang="de-DE" baseline="0" dirty="0" smtClean="0"/>
-              <a:t>. In </a:t>
-            </a:r>
-            <a:r>
-              <a:rPr lang="de-DE" baseline="0" dirty="0" err="1" smtClean="0"/>
-              <a:t>the</a:t>
-            </a:r>
-            <a:r>
-              <a:rPr lang="de-DE" baseline="0" dirty="0" smtClean="0"/>
-              <a:t> </a:t>
-            </a:r>
-            <a:r>
-              <a:rPr lang="de-DE" baseline="0" dirty="0" err="1" smtClean="0"/>
-              <a:t>shown</a:t>
-            </a:r>
-            <a:r>
-              <a:rPr lang="de-DE" baseline="0" dirty="0" smtClean="0"/>
-              <a:t> </a:t>
-            </a:r>
-            <a:r>
-              <a:rPr lang="de-DE" baseline="0" dirty="0" err="1" smtClean="0"/>
-              <a:t>example</a:t>
-            </a:r>
-            <a:r>
-              <a:rPr lang="de-DE" baseline="0" dirty="0" smtClean="0"/>
-              <a:t> </a:t>
-            </a:r>
-            <a:r>
-              <a:rPr lang="de-DE" baseline="0" dirty="0" err="1" smtClean="0"/>
-              <a:t>you</a:t>
-            </a:r>
-            <a:r>
-              <a:rPr lang="de-DE" baseline="0" dirty="0" smtClean="0"/>
-              <a:t> </a:t>
-            </a:r>
-            <a:r>
-              <a:rPr lang="de-DE" baseline="0" dirty="0" err="1" smtClean="0"/>
-              <a:t>can</a:t>
-            </a:r>
-            <a:r>
-              <a:rPr lang="de-DE" baseline="0" dirty="0" smtClean="0"/>
-              <a:t> </a:t>
-            </a:r>
-            <a:r>
-              <a:rPr lang="de-DE" baseline="0" dirty="0" err="1" smtClean="0"/>
-              <a:t>see</a:t>
-            </a:r>
-            <a:r>
-              <a:rPr lang="de-DE" baseline="0" dirty="0" smtClean="0"/>
-              <a:t> a Port </a:t>
-            </a:r>
-            <a:r>
-              <a:rPr lang="de-DE" baseline="0" dirty="0" err="1" smtClean="0"/>
-              <a:t>being</a:t>
-            </a:r>
-            <a:r>
-              <a:rPr lang="de-DE" baseline="0" dirty="0" smtClean="0"/>
-              <a:t> </a:t>
-            </a:r>
-            <a:r>
-              <a:rPr lang="de-DE" baseline="0" dirty="0" err="1" smtClean="0"/>
-              <a:t>specified</a:t>
-            </a:r>
-            <a:r>
-              <a:rPr lang="de-DE" baseline="0" dirty="0" smtClean="0"/>
-              <a:t>.</a:t>
-            </a:r>
-          </a:p>
-          <a:p>
-            <a:endParaRPr lang="de-DE" baseline="0" dirty="0" smtClean="0"/>
-          </a:p>
-          <a:p>
-            <a:r>
-              <a:rPr lang="de-DE" baseline="0" dirty="0" smtClean="0"/>
-              <a:t>Multiple YAML </a:t>
-            </a:r>
-            <a:r>
-              <a:rPr lang="de-DE" baseline="0" dirty="0" err="1" smtClean="0"/>
-              <a:t>files</a:t>
-            </a:r>
-            <a:r>
-              <a:rPr lang="de-DE" baseline="0" dirty="0" smtClean="0"/>
-              <a:t> </a:t>
-            </a:r>
-            <a:r>
-              <a:rPr lang="de-DE" baseline="0" dirty="0" err="1" smtClean="0"/>
-              <a:t>were</a:t>
-            </a:r>
-            <a:r>
-              <a:rPr lang="de-DE" baseline="0" dirty="0" smtClean="0"/>
-              <a:t> </a:t>
-            </a:r>
-            <a:r>
-              <a:rPr lang="de-DE" baseline="0" dirty="0" err="1" smtClean="0"/>
-              <a:t>used</a:t>
-            </a:r>
-            <a:r>
-              <a:rPr lang="de-DE" baseline="0" dirty="0" smtClean="0"/>
-              <a:t>, at least 1 per </a:t>
-            </a:r>
-            <a:r>
-              <a:rPr lang="de-DE" baseline="0" dirty="0" err="1" smtClean="0"/>
-              <a:t>architecture</a:t>
-            </a:r>
-            <a:r>
-              <a:rPr lang="de-DE" baseline="0" dirty="0" smtClean="0"/>
-              <a:t> </a:t>
-            </a:r>
-            <a:r>
-              <a:rPr lang="de-DE" baseline="0" dirty="0" err="1" smtClean="0"/>
-              <a:t>component</a:t>
-            </a:r>
-            <a:r>
-              <a:rPr lang="de-DE" baseline="0" dirty="0" smtClean="0"/>
-              <a:t>, </a:t>
-            </a:r>
-            <a:r>
-              <a:rPr lang="de-DE" baseline="0" dirty="0" err="1" smtClean="0"/>
-              <a:t>which</a:t>
-            </a:r>
-            <a:r>
-              <a:rPr lang="de-DE" baseline="0" dirty="0" smtClean="0"/>
-              <a:t> will </a:t>
-            </a:r>
-            <a:r>
-              <a:rPr lang="de-DE" baseline="0" dirty="0" err="1" smtClean="0"/>
-              <a:t>be</a:t>
-            </a:r>
-            <a:r>
-              <a:rPr lang="de-DE" baseline="0" dirty="0" smtClean="0"/>
-              <a:t> </a:t>
-            </a:r>
-            <a:r>
-              <a:rPr lang="de-DE" baseline="0" dirty="0" err="1" smtClean="0"/>
-              <a:t>shown</a:t>
-            </a:r>
-            <a:r>
-              <a:rPr lang="de-DE" baseline="0" dirty="0" smtClean="0"/>
-              <a:t> </a:t>
-            </a:r>
-            <a:r>
-              <a:rPr lang="de-DE" baseline="0" dirty="0" err="1" smtClean="0"/>
-              <a:t>next</a:t>
-            </a:r>
-            <a:r>
-              <a:rPr lang="de-DE" baseline="0" dirty="0" smtClean="0"/>
-              <a:t>.</a:t>
-            </a:r>
-          </a:p>
-          <a:p>
-            <a:endParaRPr lang="de-DE" baseline="0" dirty="0" smtClean="0"/>
-          </a:p>
-          <a:p>
             <a:endParaRPr lang="de-DE" dirty="0"/>
           </a:p>
         </p:txBody>
@@ -4694,7 +5485,7 @@
     </p:spTree>
     <p:extLst>
       <p:ext uri="{BB962C8B-B14F-4D97-AF65-F5344CB8AC3E}">
-        <p14:creationId xmlns:p14="http://schemas.microsoft.com/office/powerpoint/2010/main" val="2879886327"/>
+        <p14:creationId xmlns:p14="http://schemas.microsoft.com/office/powerpoint/2010/main" val="799767301"/>
       </p:ext>
     </p:extLst>
   </p:cSld>
@@ -4749,1133 +5540,14 @@
           <a:lstStyle/>
           <a:p>
             <a:r>
-              <a:rPr lang="de-DE" dirty="0" smtClean="0"/>
-              <a:t>For</a:t>
-            </a:r>
-            <a:r>
-              <a:rPr lang="de-DE" baseline="0" dirty="0" smtClean="0"/>
-              <a:t> </a:t>
-            </a:r>
-            <a:r>
-              <a:rPr lang="de-DE" baseline="0" dirty="0" err="1" smtClean="0"/>
-              <a:t>the</a:t>
-            </a:r>
-            <a:r>
-              <a:rPr lang="de-DE" baseline="0" dirty="0" smtClean="0"/>
-              <a:t> </a:t>
-            </a:r>
-            <a:r>
-              <a:rPr lang="de-DE" baseline="0" dirty="0" err="1" smtClean="0"/>
-              <a:t>architecture</a:t>
-            </a:r>
-            <a:r>
-              <a:rPr lang="de-DE" baseline="0" dirty="0" smtClean="0"/>
-              <a:t> of </a:t>
-            </a:r>
-            <a:r>
-              <a:rPr lang="de-DE" baseline="0" dirty="0" err="1" smtClean="0"/>
-              <a:t>our</a:t>
-            </a:r>
-            <a:r>
-              <a:rPr lang="de-DE" baseline="0" dirty="0" smtClean="0"/>
-              <a:t> </a:t>
-            </a:r>
-            <a:r>
-              <a:rPr lang="de-DE" baseline="0" dirty="0" err="1" smtClean="0"/>
-              <a:t>project</a:t>
-            </a:r>
-            <a:r>
-              <a:rPr lang="de-DE" baseline="0" dirty="0" smtClean="0"/>
-              <a:t>, </a:t>
-            </a:r>
-            <a:r>
-              <a:rPr lang="de-DE" baseline="0" dirty="0" err="1" smtClean="0"/>
-              <a:t>we</a:t>
-            </a:r>
-            <a:r>
-              <a:rPr lang="de-DE" baseline="0" dirty="0" smtClean="0"/>
-              <a:t> </a:t>
-            </a:r>
-            <a:r>
-              <a:rPr lang="de-DE" baseline="0" dirty="0" err="1" smtClean="0"/>
-              <a:t>focused</a:t>
-            </a:r>
-            <a:r>
-              <a:rPr lang="de-DE" baseline="0" dirty="0" smtClean="0"/>
-              <a:t> on </a:t>
-            </a:r>
-            <a:r>
-              <a:rPr lang="de-DE" baseline="0" dirty="0" err="1" smtClean="0"/>
-              <a:t>the</a:t>
-            </a:r>
-            <a:r>
-              <a:rPr lang="de-DE" baseline="0" dirty="0" smtClean="0"/>
-              <a:t> </a:t>
-            </a:r>
-            <a:r>
-              <a:rPr lang="de-DE" baseline="0" dirty="0" err="1" smtClean="0"/>
-              <a:t>main</a:t>
-            </a:r>
-            <a:r>
-              <a:rPr lang="de-DE" baseline="0" dirty="0" smtClean="0"/>
-              <a:t> </a:t>
-            </a:r>
-            <a:r>
-              <a:rPr lang="de-DE" baseline="0" dirty="0" err="1" smtClean="0"/>
-              <a:t>objectives</a:t>
-            </a:r>
-            <a:r>
-              <a:rPr lang="de-DE" baseline="0" dirty="0" smtClean="0"/>
-              <a:t> of </a:t>
-            </a:r>
-            <a:r>
-              <a:rPr lang="de-DE" baseline="0" dirty="0" err="1" smtClean="0"/>
-              <a:t>scalability</a:t>
-            </a:r>
-            <a:r>
-              <a:rPr lang="de-DE" baseline="0" dirty="0" smtClean="0"/>
-              <a:t>, </a:t>
-            </a:r>
-            <a:r>
-              <a:rPr lang="de-DE" baseline="0" dirty="0" err="1" smtClean="0"/>
-              <a:t>storage</a:t>
-            </a:r>
-            <a:r>
-              <a:rPr lang="de-DE" baseline="0" dirty="0" smtClean="0"/>
-              <a:t> </a:t>
-            </a:r>
-            <a:r>
-              <a:rPr lang="de-DE" baseline="0" dirty="0" err="1" smtClean="0"/>
-              <a:t>distribution</a:t>
-            </a:r>
-            <a:r>
-              <a:rPr lang="de-DE" baseline="0" dirty="0" smtClean="0"/>
-              <a:t> </a:t>
-            </a:r>
-            <a:r>
-              <a:rPr lang="de-DE" baseline="0" dirty="0" err="1" smtClean="0"/>
-              <a:t>and</a:t>
-            </a:r>
-            <a:r>
-              <a:rPr lang="de-DE" baseline="0" dirty="0" smtClean="0"/>
-              <a:t> high </a:t>
-            </a:r>
-            <a:r>
-              <a:rPr lang="de-DE" baseline="0" dirty="0" err="1" smtClean="0"/>
-              <a:t>availability</a:t>
-            </a:r>
-            <a:r>
-              <a:rPr lang="de-DE" baseline="0" dirty="0" smtClean="0"/>
-              <a:t>. </a:t>
-            </a:r>
-          </a:p>
-          <a:p>
-            <a:endParaRPr lang="de-DE" baseline="0" dirty="0" smtClean="0"/>
-          </a:p>
-          <a:p>
-            <a:r>
-              <a:rPr lang="de-DE" baseline="0" dirty="0" smtClean="0"/>
-              <a:t>As </a:t>
-            </a:r>
-            <a:r>
-              <a:rPr lang="de-DE" baseline="0" dirty="0" err="1" smtClean="0"/>
-              <a:t>seen</a:t>
-            </a:r>
-            <a:r>
-              <a:rPr lang="de-DE" baseline="0" dirty="0" smtClean="0"/>
-              <a:t> in </a:t>
-            </a:r>
-            <a:r>
-              <a:rPr lang="de-DE" baseline="0" dirty="0" err="1" smtClean="0"/>
-              <a:t>the</a:t>
-            </a:r>
-            <a:r>
-              <a:rPr lang="de-DE" baseline="0" dirty="0" smtClean="0"/>
-              <a:t> </a:t>
-            </a:r>
-            <a:r>
-              <a:rPr lang="de-DE" baseline="0" dirty="0" err="1" smtClean="0"/>
-              <a:t>figure</a:t>
-            </a:r>
-            <a:r>
-              <a:rPr lang="de-DE" baseline="0" dirty="0" smtClean="0"/>
-              <a:t> </a:t>
-            </a:r>
-            <a:r>
-              <a:rPr lang="de-DE" baseline="0" dirty="0" err="1" smtClean="0"/>
-              <a:t>to</a:t>
-            </a:r>
-            <a:r>
-              <a:rPr lang="de-DE" baseline="0" dirty="0" smtClean="0"/>
-              <a:t> </a:t>
-            </a:r>
-            <a:r>
-              <a:rPr lang="de-DE" baseline="0" dirty="0" err="1" smtClean="0"/>
-              <a:t>the</a:t>
-            </a:r>
-            <a:r>
-              <a:rPr lang="de-DE" baseline="0" dirty="0" smtClean="0"/>
-              <a:t> </a:t>
-            </a:r>
-            <a:r>
-              <a:rPr lang="de-DE" baseline="0" dirty="0" err="1" smtClean="0"/>
-              <a:t>right</a:t>
-            </a:r>
-            <a:r>
-              <a:rPr lang="de-DE" baseline="0" dirty="0" smtClean="0"/>
-              <a:t>, </a:t>
-            </a:r>
-            <a:r>
-              <a:rPr lang="de-DE" baseline="0" dirty="0" err="1" smtClean="0"/>
-              <a:t>boxes</a:t>
-            </a:r>
-            <a:r>
-              <a:rPr lang="de-DE" baseline="0" dirty="0" smtClean="0"/>
-              <a:t> </a:t>
-            </a:r>
-            <a:r>
-              <a:rPr lang="de-DE" baseline="0" dirty="0" err="1" smtClean="0"/>
-              <a:t>containing</a:t>
-            </a:r>
-            <a:r>
-              <a:rPr lang="de-DE" baseline="0" dirty="0" smtClean="0"/>
-              <a:t> </a:t>
-            </a:r>
-            <a:r>
-              <a:rPr lang="de-DE" baseline="0" dirty="0" err="1" smtClean="0"/>
-              <a:t>nextcloud</a:t>
-            </a:r>
-            <a:r>
-              <a:rPr lang="de-DE" baseline="0" dirty="0" smtClean="0"/>
-              <a:t> </a:t>
-            </a:r>
-            <a:r>
-              <a:rPr lang="de-DE" baseline="0" dirty="0" err="1" smtClean="0"/>
-              <a:t>are</a:t>
-            </a:r>
-            <a:r>
-              <a:rPr lang="de-DE" baseline="0" dirty="0" smtClean="0"/>
-              <a:t> </a:t>
-            </a:r>
-            <a:r>
-              <a:rPr lang="de-DE" baseline="0" dirty="0" err="1" smtClean="0"/>
-              <a:t>the</a:t>
-            </a:r>
-            <a:r>
-              <a:rPr lang="de-DE" baseline="0" dirty="0" smtClean="0"/>
-              <a:t> </a:t>
-            </a:r>
-            <a:r>
-              <a:rPr lang="de-DE" baseline="0" dirty="0" err="1" smtClean="0"/>
-              <a:t>nodes</a:t>
-            </a:r>
-            <a:r>
-              <a:rPr lang="de-DE" baseline="0" dirty="0" smtClean="0"/>
-              <a:t>. Every </a:t>
-            </a:r>
-            <a:r>
-              <a:rPr lang="de-DE" baseline="0" dirty="0" err="1" smtClean="0"/>
-              <a:t>node</a:t>
-            </a:r>
-            <a:r>
-              <a:rPr lang="de-DE" baseline="0" dirty="0" smtClean="0"/>
-              <a:t> </a:t>
-            </a:r>
-            <a:r>
-              <a:rPr lang="de-DE" baseline="0" dirty="0" err="1" smtClean="0"/>
-              <a:t>has</a:t>
-            </a:r>
-            <a:r>
-              <a:rPr lang="de-DE" baseline="0" dirty="0" smtClean="0"/>
-              <a:t> ist </a:t>
-            </a:r>
-            <a:r>
-              <a:rPr lang="de-DE" baseline="0" dirty="0" err="1" smtClean="0"/>
-              <a:t>own</a:t>
-            </a:r>
-            <a:r>
-              <a:rPr lang="de-DE" baseline="0" dirty="0" smtClean="0"/>
-              <a:t> </a:t>
-            </a:r>
-            <a:r>
-              <a:rPr lang="de-DE" baseline="0" dirty="0" err="1" smtClean="0"/>
-              <a:t>nextcloud</a:t>
-            </a:r>
-            <a:r>
-              <a:rPr lang="de-DE" baseline="0" dirty="0" smtClean="0"/>
-              <a:t> </a:t>
-            </a:r>
-            <a:r>
-              <a:rPr lang="de-DE" baseline="0" dirty="0" err="1" smtClean="0"/>
-              <a:t>worker</a:t>
-            </a:r>
-            <a:r>
-              <a:rPr lang="de-DE" baseline="0" dirty="0" smtClean="0"/>
-              <a:t> </a:t>
-            </a:r>
-            <a:r>
-              <a:rPr lang="de-DE" baseline="0" dirty="0" err="1" smtClean="0"/>
-              <a:t>and</a:t>
-            </a:r>
-            <a:r>
-              <a:rPr lang="de-DE" baseline="0" dirty="0" smtClean="0"/>
-              <a:t> </a:t>
-            </a:r>
-            <a:r>
-              <a:rPr lang="de-DE" baseline="0" dirty="0" err="1" smtClean="0"/>
-              <a:t>part</a:t>
-            </a:r>
-            <a:r>
-              <a:rPr lang="de-DE" baseline="0" dirty="0" smtClean="0"/>
-              <a:t> of </a:t>
-            </a:r>
-            <a:r>
-              <a:rPr lang="de-DE" baseline="0" dirty="0" err="1" smtClean="0"/>
-              <a:t>the</a:t>
-            </a:r>
-            <a:r>
-              <a:rPr lang="de-DE" baseline="0" dirty="0" smtClean="0"/>
-              <a:t> </a:t>
-            </a:r>
-            <a:r>
-              <a:rPr lang="de-DE" baseline="0" dirty="0" err="1" smtClean="0"/>
-              <a:t>storage</a:t>
-            </a:r>
-            <a:r>
-              <a:rPr lang="de-DE" baseline="0" dirty="0" smtClean="0"/>
-              <a:t>, </a:t>
-            </a:r>
-            <a:r>
-              <a:rPr lang="de-DE" baseline="0" dirty="0" err="1" smtClean="0"/>
-              <a:t>as</a:t>
-            </a:r>
-            <a:r>
-              <a:rPr lang="de-DE" baseline="0" dirty="0" smtClean="0"/>
-              <a:t> </a:t>
-            </a:r>
-            <a:r>
-              <a:rPr lang="de-DE" baseline="0" dirty="0" err="1" smtClean="0"/>
-              <a:t>represented</a:t>
-            </a:r>
-            <a:r>
-              <a:rPr lang="de-DE" baseline="0" dirty="0" smtClean="0"/>
-              <a:t> by </a:t>
-            </a:r>
-            <a:r>
-              <a:rPr lang="de-DE" baseline="0" dirty="0" err="1" smtClean="0"/>
-              <a:t>MinIO</a:t>
-            </a:r>
-            <a:r>
-              <a:rPr lang="de-DE" baseline="0" dirty="0" smtClean="0"/>
-              <a:t>. This </a:t>
-            </a:r>
-            <a:r>
-              <a:rPr lang="de-DE" baseline="0" dirty="0" err="1" smtClean="0"/>
-              <a:t>diagram</a:t>
-            </a:r>
-            <a:r>
-              <a:rPr lang="de-DE" baseline="0" dirty="0" smtClean="0"/>
-              <a:t> </a:t>
-            </a:r>
-            <a:r>
-              <a:rPr lang="de-DE" baseline="0" dirty="0" err="1" smtClean="0"/>
-              <a:t>can</a:t>
-            </a:r>
-            <a:r>
-              <a:rPr lang="de-DE" baseline="0" dirty="0" smtClean="0"/>
-              <a:t> </a:t>
-            </a:r>
-            <a:r>
-              <a:rPr lang="de-DE" baseline="0" dirty="0" err="1" smtClean="0"/>
-              <a:t>be</a:t>
-            </a:r>
-            <a:r>
-              <a:rPr lang="de-DE" baseline="0" dirty="0" smtClean="0"/>
-              <a:t> </a:t>
-            </a:r>
-            <a:r>
-              <a:rPr lang="de-DE" baseline="0" dirty="0" err="1" smtClean="0"/>
-              <a:t>expanded</a:t>
-            </a:r>
-            <a:r>
-              <a:rPr lang="de-DE" baseline="0" dirty="0" smtClean="0"/>
-              <a:t> </a:t>
-            </a:r>
-            <a:r>
-              <a:rPr lang="de-DE" baseline="0" dirty="0" err="1" smtClean="0"/>
-              <a:t>horizontally</a:t>
-            </a:r>
-            <a:r>
-              <a:rPr lang="de-DE" baseline="0" dirty="0" smtClean="0"/>
-              <a:t> </a:t>
-            </a:r>
-            <a:r>
-              <a:rPr lang="de-DE" baseline="0" dirty="0" err="1" smtClean="0"/>
-              <a:t>as</a:t>
-            </a:r>
-            <a:r>
-              <a:rPr lang="de-DE" baseline="0" dirty="0" smtClean="0"/>
-              <a:t> </a:t>
-            </a:r>
-            <a:r>
-              <a:rPr lang="de-DE" baseline="0" dirty="0" err="1" smtClean="0"/>
-              <a:t>much</a:t>
-            </a:r>
-            <a:r>
-              <a:rPr lang="de-DE" baseline="0" dirty="0" smtClean="0"/>
-              <a:t> </a:t>
-            </a:r>
-            <a:r>
-              <a:rPr lang="de-DE" baseline="0" dirty="0" err="1" smtClean="0"/>
-              <a:t>as</a:t>
-            </a:r>
-            <a:r>
-              <a:rPr lang="de-DE" baseline="0" dirty="0" smtClean="0"/>
-              <a:t> </a:t>
-            </a:r>
-            <a:r>
-              <a:rPr lang="de-DE" baseline="0" dirty="0" err="1" smtClean="0"/>
-              <a:t>necessary</a:t>
-            </a:r>
-            <a:r>
-              <a:rPr lang="de-DE" baseline="0" dirty="0" smtClean="0"/>
-              <a:t>, </a:t>
-            </a:r>
-            <a:r>
-              <a:rPr lang="de-DE" baseline="0" dirty="0" err="1" smtClean="0"/>
-              <a:t>since</a:t>
-            </a:r>
-            <a:r>
-              <a:rPr lang="de-DE" baseline="0" dirty="0" smtClean="0"/>
-              <a:t> </a:t>
-            </a:r>
-            <a:r>
-              <a:rPr lang="de-DE" baseline="0" dirty="0" err="1" smtClean="0"/>
-              <a:t>the</a:t>
-            </a:r>
-            <a:r>
-              <a:rPr lang="de-DE" baseline="0" dirty="0" smtClean="0"/>
-              <a:t> </a:t>
-            </a:r>
-            <a:r>
-              <a:rPr lang="de-DE" baseline="0" dirty="0" err="1" smtClean="0"/>
-              <a:t>nextcloud</a:t>
-            </a:r>
-            <a:r>
-              <a:rPr lang="de-DE" baseline="0" dirty="0" smtClean="0"/>
-              <a:t> </a:t>
-            </a:r>
-            <a:r>
-              <a:rPr lang="de-DE" baseline="0" dirty="0" err="1" smtClean="0"/>
-              <a:t>workers</a:t>
-            </a:r>
-            <a:r>
-              <a:rPr lang="de-DE" baseline="0" dirty="0" smtClean="0"/>
-              <a:t> </a:t>
-            </a:r>
-            <a:r>
-              <a:rPr lang="de-DE" baseline="0" dirty="0" err="1" smtClean="0"/>
-              <a:t>are</a:t>
-            </a:r>
-            <a:r>
-              <a:rPr lang="de-DE" baseline="0" dirty="0" smtClean="0"/>
-              <a:t> </a:t>
-            </a:r>
-            <a:r>
-              <a:rPr lang="de-DE" baseline="0" dirty="0" err="1" smtClean="0"/>
-              <a:t>stateless</a:t>
-            </a:r>
-            <a:r>
-              <a:rPr lang="de-DE" baseline="0" dirty="0" smtClean="0"/>
-              <a:t> </a:t>
-            </a:r>
-            <a:r>
-              <a:rPr lang="de-DE" baseline="0" dirty="0" err="1" smtClean="0"/>
-              <a:t>and</a:t>
-            </a:r>
-            <a:r>
-              <a:rPr lang="de-DE" baseline="0" dirty="0" smtClean="0"/>
-              <a:t> </a:t>
-            </a:r>
-            <a:r>
-              <a:rPr lang="de-DE" baseline="0" dirty="0" err="1" smtClean="0"/>
-              <a:t>MinIO</a:t>
-            </a:r>
-            <a:r>
-              <a:rPr lang="de-DE" baseline="0" dirty="0" smtClean="0"/>
-              <a:t> </a:t>
-            </a:r>
-            <a:r>
-              <a:rPr lang="de-DE" baseline="0" dirty="0" err="1" smtClean="0"/>
-              <a:t>has</a:t>
-            </a:r>
-            <a:r>
-              <a:rPr lang="de-DE" baseline="0" dirty="0" smtClean="0"/>
-              <a:t> </a:t>
-            </a:r>
-            <a:r>
-              <a:rPr lang="de-DE" baseline="0" dirty="0" err="1" smtClean="0"/>
-              <a:t>no</a:t>
-            </a:r>
-            <a:r>
-              <a:rPr lang="de-DE" baseline="0" dirty="0" smtClean="0"/>
-              <a:t> </a:t>
-            </a:r>
-            <a:r>
-              <a:rPr lang="de-DE" baseline="0" dirty="0" err="1" smtClean="0"/>
-              <a:t>upper</a:t>
-            </a:r>
-            <a:r>
-              <a:rPr lang="de-DE" baseline="0" dirty="0" smtClean="0"/>
-              <a:t> </a:t>
-            </a:r>
-            <a:r>
-              <a:rPr lang="de-DE" baseline="0" dirty="0" err="1" smtClean="0"/>
-              <a:t>limit</a:t>
-            </a:r>
-            <a:r>
-              <a:rPr lang="de-DE" baseline="0" dirty="0" smtClean="0"/>
-              <a:t> on </a:t>
-            </a:r>
-            <a:r>
-              <a:rPr lang="de-DE" baseline="0" dirty="0" err="1" smtClean="0"/>
-              <a:t>servers</a:t>
-            </a:r>
-            <a:r>
-              <a:rPr lang="de-DE" baseline="0" dirty="0" smtClean="0"/>
-              <a:t>.</a:t>
-            </a:r>
-          </a:p>
-          <a:p>
-            <a:endParaRPr lang="de-DE" baseline="0" dirty="0" smtClean="0"/>
-          </a:p>
-          <a:p>
-            <a:r>
-              <a:rPr lang="de-DE" baseline="0" dirty="0" err="1" smtClean="0"/>
-              <a:t>Connected</a:t>
-            </a:r>
-            <a:r>
-              <a:rPr lang="de-DE" baseline="0" dirty="0" smtClean="0"/>
-              <a:t> </a:t>
-            </a:r>
-            <a:r>
-              <a:rPr lang="de-DE" baseline="0" dirty="0" err="1" smtClean="0"/>
-              <a:t>to</a:t>
-            </a:r>
-            <a:r>
-              <a:rPr lang="de-DE" baseline="0" dirty="0" smtClean="0"/>
-              <a:t> </a:t>
-            </a:r>
-            <a:r>
-              <a:rPr lang="de-DE" baseline="0" dirty="0" err="1" smtClean="0"/>
-              <a:t>the</a:t>
-            </a:r>
-            <a:r>
-              <a:rPr lang="de-DE" baseline="0" dirty="0" smtClean="0"/>
-              <a:t> </a:t>
-            </a:r>
-            <a:r>
-              <a:rPr lang="de-DE" baseline="0" dirty="0" err="1" smtClean="0"/>
-              <a:t>nodes</a:t>
-            </a:r>
-            <a:r>
-              <a:rPr lang="de-DE" baseline="0" dirty="0" smtClean="0"/>
-              <a:t> </a:t>
-            </a:r>
-            <a:r>
-              <a:rPr lang="de-DE" baseline="0" dirty="0" err="1" smtClean="0"/>
-              <a:t>you</a:t>
-            </a:r>
-            <a:r>
-              <a:rPr lang="de-DE" baseline="0" dirty="0" smtClean="0"/>
-              <a:t> </a:t>
-            </a:r>
-            <a:r>
-              <a:rPr lang="de-DE" baseline="0" dirty="0" err="1" smtClean="0"/>
-              <a:t>can</a:t>
-            </a:r>
-            <a:r>
-              <a:rPr lang="de-DE" baseline="0" dirty="0" smtClean="0"/>
-              <a:t> </a:t>
-            </a:r>
-            <a:r>
-              <a:rPr lang="de-DE" baseline="0" dirty="0" err="1" smtClean="0"/>
-              <a:t>see</a:t>
-            </a:r>
-            <a:r>
-              <a:rPr lang="de-DE" baseline="0" dirty="0" smtClean="0"/>
-              <a:t> </a:t>
-            </a:r>
-            <a:r>
-              <a:rPr lang="de-DE" baseline="0" dirty="0" err="1" smtClean="0"/>
-              <a:t>the</a:t>
-            </a:r>
-            <a:r>
-              <a:rPr lang="de-DE" baseline="0" dirty="0" smtClean="0"/>
-              <a:t> </a:t>
-            </a:r>
-            <a:r>
-              <a:rPr lang="de-DE" baseline="0" dirty="0" err="1" smtClean="0"/>
-              <a:t>node</a:t>
-            </a:r>
-            <a:r>
-              <a:rPr lang="de-DE" baseline="0" dirty="0" smtClean="0"/>
-              <a:t> </a:t>
-            </a:r>
-            <a:r>
-              <a:rPr lang="de-DE" baseline="0" dirty="0" err="1" smtClean="0"/>
-              <a:t>containing</a:t>
-            </a:r>
-            <a:r>
-              <a:rPr lang="de-DE" baseline="0" dirty="0" smtClean="0"/>
-              <a:t> </a:t>
-            </a:r>
-            <a:r>
-              <a:rPr lang="de-DE" baseline="0" dirty="0" err="1" smtClean="0"/>
-              <a:t>the</a:t>
-            </a:r>
-            <a:r>
-              <a:rPr lang="de-DE" baseline="0" dirty="0" smtClean="0"/>
-              <a:t> </a:t>
-            </a:r>
-            <a:r>
-              <a:rPr lang="de-DE" baseline="0" dirty="0" err="1" smtClean="0"/>
-              <a:t>database</a:t>
-            </a:r>
-            <a:r>
-              <a:rPr lang="de-DE" baseline="0" dirty="0" smtClean="0"/>
-              <a:t> </a:t>
-            </a:r>
-            <a:r>
-              <a:rPr lang="de-DE" baseline="0" dirty="0" err="1" smtClean="0"/>
-              <a:t>and</a:t>
-            </a:r>
-            <a:r>
-              <a:rPr lang="de-DE" baseline="0" dirty="0" smtClean="0"/>
-              <a:t> </a:t>
-            </a:r>
-            <a:r>
-              <a:rPr lang="de-DE" baseline="0" dirty="0" err="1" smtClean="0"/>
-              <a:t>cache</a:t>
-            </a:r>
-            <a:r>
-              <a:rPr lang="de-DE" baseline="0" dirty="0" smtClean="0"/>
-              <a:t>, </a:t>
-            </a:r>
-            <a:r>
-              <a:rPr lang="de-DE" baseline="0" dirty="0" err="1" smtClean="0"/>
-              <a:t>specifically</a:t>
-            </a:r>
-            <a:r>
-              <a:rPr lang="de-DE" baseline="0" dirty="0" smtClean="0"/>
-              <a:t> </a:t>
-            </a:r>
-            <a:r>
-              <a:rPr lang="de-DE" baseline="0" dirty="0" err="1" smtClean="0"/>
-              <a:t>MaraDB</a:t>
-            </a:r>
-            <a:r>
-              <a:rPr lang="de-DE" baseline="0" dirty="0" smtClean="0"/>
-              <a:t> </a:t>
-            </a:r>
-            <a:r>
-              <a:rPr lang="de-DE" baseline="0" dirty="0" err="1" smtClean="0"/>
-              <a:t>and</a:t>
-            </a:r>
-            <a:r>
-              <a:rPr lang="de-DE" baseline="0" dirty="0" smtClean="0"/>
-              <a:t> </a:t>
-            </a:r>
-            <a:r>
-              <a:rPr lang="de-DE" baseline="0" dirty="0" err="1" smtClean="0"/>
-              <a:t>Redis</a:t>
-            </a:r>
-            <a:r>
-              <a:rPr lang="de-DE" baseline="0" dirty="0" smtClean="0"/>
-              <a:t>. This </a:t>
-            </a:r>
-            <a:r>
-              <a:rPr lang="de-DE" baseline="0" dirty="0" err="1" smtClean="0"/>
-              <a:t>is</a:t>
-            </a:r>
-            <a:r>
-              <a:rPr lang="de-DE" baseline="0" dirty="0" smtClean="0"/>
-              <a:t> </a:t>
-            </a:r>
-            <a:r>
-              <a:rPr lang="de-DE" baseline="0" dirty="0" err="1" smtClean="0"/>
-              <a:t>the</a:t>
-            </a:r>
-            <a:r>
-              <a:rPr lang="de-DE" baseline="0" dirty="0" smtClean="0"/>
-              <a:t> </a:t>
-            </a:r>
-            <a:r>
-              <a:rPr lang="de-DE" baseline="0" dirty="0" err="1" smtClean="0"/>
-              <a:t>only</a:t>
-            </a:r>
-            <a:r>
-              <a:rPr lang="de-DE" baseline="0" dirty="0" smtClean="0"/>
-              <a:t> </a:t>
-            </a:r>
-            <a:r>
-              <a:rPr lang="de-DE" baseline="0" dirty="0" err="1" smtClean="0"/>
-              <a:t>factor</a:t>
-            </a:r>
-            <a:r>
-              <a:rPr lang="de-DE" baseline="0" dirty="0" smtClean="0"/>
-              <a:t> </a:t>
-            </a:r>
-            <a:r>
-              <a:rPr lang="de-DE" baseline="0" dirty="0" err="1" smtClean="0"/>
-              <a:t>limiting</a:t>
-            </a:r>
-            <a:r>
-              <a:rPr lang="de-DE" baseline="0" dirty="0" smtClean="0"/>
-              <a:t> </a:t>
-            </a:r>
-            <a:r>
-              <a:rPr lang="de-DE" baseline="0" dirty="0" err="1" smtClean="0"/>
-              <a:t>scalability</a:t>
-            </a:r>
-            <a:r>
-              <a:rPr lang="de-DE" baseline="0" dirty="0" smtClean="0"/>
-              <a:t>, </a:t>
-            </a:r>
-            <a:r>
-              <a:rPr lang="de-DE" baseline="0" dirty="0" err="1" smtClean="0"/>
-              <a:t>as</a:t>
-            </a:r>
-            <a:r>
-              <a:rPr lang="de-DE" baseline="0" dirty="0" smtClean="0"/>
-              <a:t> </a:t>
-            </a:r>
-            <a:r>
-              <a:rPr lang="de-DE" baseline="0" dirty="0" err="1" smtClean="0"/>
-              <a:t>every</a:t>
-            </a:r>
-            <a:r>
-              <a:rPr lang="de-DE" baseline="0" dirty="0" smtClean="0"/>
-              <a:t> </a:t>
-            </a:r>
-            <a:r>
-              <a:rPr lang="de-DE" baseline="0" dirty="0" err="1" smtClean="0"/>
-              <a:t>node</a:t>
-            </a:r>
-            <a:r>
-              <a:rPr lang="de-DE" baseline="0" dirty="0" smtClean="0"/>
-              <a:t> </a:t>
-            </a:r>
-            <a:r>
-              <a:rPr lang="de-DE" baseline="0" dirty="0" err="1" smtClean="0"/>
-              <a:t>has</a:t>
-            </a:r>
-            <a:r>
-              <a:rPr lang="de-DE" baseline="0" dirty="0" smtClean="0"/>
-              <a:t> </a:t>
-            </a:r>
-            <a:r>
-              <a:rPr lang="de-DE" baseline="0" dirty="0" err="1" smtClean="0"/>
-              <a:t>to</a:t>
-            </a:r>
-            <a:r>
-              <a:rPr lang="de-DE" baseline="0" dirty="0" smtClean="0"/>
-              <a:t> </a:t>
-            </a:r>
-            <a:r>
-              <a:rPr lang="de-DE" baseline="0" dirty="0" err="1" smtClean="0"/>
-              <a:t>access</a:t>
-            </a:r>
-            <a:r>
-              <a:rPr lang="de-DE" baseline="0" dirty="0" smtClean="0"/>
-              <a:t> </a:t>
-            </a:r>
-            <a:r>
-              <a:rPr lang="de-DE" baseline="0" dirty="0" err="1" smtClean="0"/>
-              <a:t>the</a:t>
-            </a:r>
-            <a:r>
-              <a:rPr lang="de-DE" baseline="0" dirty="0" smtClean="0"/>
-              <a:t> </a:t>
-            </a:r>
-            <a:r>
-              <a:rPr lang="de-DE" baseline="0" dirty="0" err="1" smtClean="0"/>
-              <a:t>database</a:t>
-            </a:r>
-            <a:r>
-              <a:rPr lang="de-DE" baseline="0" dirty="0" smtClean="0"/>
-              <a:t>.</a:t>
-            </a:r>
-          </a:p>
-          <a:p>
-            <a:endParaRPr lang="de-DE" baseline="0" dirty="0" smtClean="0"/>
-          </a:p>
-          <a:p>
-            <a:r>
-              <a:rPr lang="de-DE" baseline="0" dirty="0" smtClean="0"/>
-              <a:t>As for high </a:t>
-            </a:r>
-            <a:r>
-              <a:rPr lang="de-DE" baseline="0" dirty="0" err="1" smtClean="0"/>
-              <a:t>availability</a:t>
-            </a:r>
-            <a:r>
-              <a:rPr lang="de-DE" baseline="0" dirty="0" smtClean="0"/>
-              <a:t>, </a:t>
-            </a:r>
-            <a:r>
-              <a:rPr lang="de-DE" baseline="0" dirty="0" err="1" smtClean="0"/>
-              <a:t>the</a:t>
-            </a:r>
-            <a:r>
-              <a:rPr lang="de-DE" baseline="0" dirty="0" smtClean="0"/>
-              <a:t> </a:t>
-            </a:r>
-            <a:r>
-              <a:rPr lang="de-DE" baseline="0" dirty="0" err="1" smtClean="0"/>
-              <a:t>only</a:t>
-            </a:r>
-            <a:r>
-              <a:rPr lang="de-DE" baseline="0" dirty="0" smtClean="0"/>
-              <a:t> </a:t>
-            </a:r>
-            <a:r>
-              <a:rPr lang="de-DE" baseline="0" dirty="0" err="1" smtClean="0"/>
-              <a:t>possible</a:t>
-            </a:r>
-            <a:r>
-              <a:rPr lang="de-DE" baseline="0" dirty="0" smtClean="0"/>
-              <a:t> </a:t>
-            </a:r>
-            <a:r>
-              <a:rPr lang="de-DE" baseline="0" dirty="0" err="1" smtClean="0"/>
-              <a:t>fail</a:t>
-            </a:r>
-            <a:r>
-              <a:rPr lang="de-DE" baseline="0" dirty="0" smtClean="0"/>
-              <a:t> </a:t>
-            </a:r>
-            <a:r>
-              <a:rPr lang="de-DE" baseline="0" dirty="0" err="1" smtClean="0"/>
-              <a:t>states</a:t>
-            </a:r>
-            <a:r>
-              <a:rPr lang="de-DE" baseline="0" dirty="0" smtClean="0"/>
-              <a:t> </a:t>
-            </a:r>
-            <a:r>
-              <a:rPr lang="de-DE" baseline="0" dirty="0" err="1" smtClean="0"/>
-              <a:t>are</a:t>
-            </a:r>
-            <a:r>
-              <a:rPr lang="de-DE" baseline="0" dirty="0" smtClean="0"/>
-              <a:t> a </a:t>
-            </a:r>
-            <a:r>
-              <a:rPr lang="de-DE" baseline="0" dirty="0" err="1" smtClean="0"/>
-              <a:t>failure</a:t>
-            </a:r>
-            <a:r>
-              <a:rPr lang="de-DE" baseline="0" dirty="0" smtClean="0"/>
-              <a:t> of </a:t>
-            </a:r>
-            <a:r>
-              <a:rPr lang="de-DE" baseline="0" dirty="0" err="1" smtClean="0"/>
-              <a:t>the</a:t>
-            </a:r>
-            <a:r>
-              <a:rPr lang="de-DE" baseline="0" dirty="0" smtClean="0"/>
-              <a:t> </a:t>
-            </a:r>
-            <a:r>
-              <a:rPr lang="de-DE" baseline="0" dirty="0" err="1" smtClean="0"/>
-              <a:t>node</a:t>
-            </a:r>
-            <a:r>
-              <a:rPr lang="de-DE" baseline="0" dirty="0" smtClean="0"/>
-              <a:t> </a:t>
-            </a:r>
-            <a:r>
-              <a:rPr lang="de-DE" baseline="0" dirty="0" err="1" smtClean="0"/>
-              <a:t>containing</a:t>
-            </a:r>
-            <a:r>
-              <a:rPr lang="de-DE" baseline="0" dirty="0" smtClean="0"/>
-              <a:t> </a:t>
-            </a:r>
-            <a:r>
-              <a:rPr lang="de-DE" baseline="0" dirty="0" err="1" smtClean="0"/>
-              <a:t>the</a:t>
-            </a:r>
-            <a:r>
-              <a:rPr lang="de-DE" baseline="0" dirty="0" smtClean="0"/>
-              <a:t> </a:t>
-            </a:r>
-            <a:r>
-              <a:rPr lang="de-DE" baseline="0" dirty="0" err="1" smtClean="0"/>
-              <a:t>database</a:t>
-            </a:r>
-            <a:r>
-              <a:rPr lang="de-DE" baseline="0" dirty="0" smtClean="0"/>
-              <a:t>, </a:t>
-            </a:r>
-            <a:r>
-              <a:rPr lang="de-DE" baseline="0" dirty="0" err="1" smtClean="0"/>
-              <a:t>as</a:t>
-            </a:r>
-            <a:r>
-              <a:rPr lang="de-DE" baseline="0" dirty="0" smtClean="0"/>
-              <a:t> </a:t>
-            </a:r>
-            <a:r>
-              <a:rPr lang="de-DE" baseline="0" dirty="0" err="1" smtClean="0"/>
-              <a:t>without</a:t>
-            </a:r>
-            <a:r>
-              <a:rPr lang="de-DE" baseline="0" dirty="0" smtClean="0"/>
-              <a:t> a </a:t>
-            </a:r>
-            <a:r>
-              <a:rPr lang="de-DE" baseline="0" dirty="0" err="1" smtClean="0"/>
-              <a:t>database</a:t>
-            </a:r>
-            <a:r>
-              <a:rPr lang="de-DE" baseline="0" dirty="0" smtClean="0"/>
-              <a:t> </a:t>
-            </a:r>
-            <a:r>
-              <a:rPr lang="de-DE" baseline="0" dirty="0" err="1" smtClean="0"/>
-              <a:t>connection</a:t>
-            </a:r>
-            <a:r>
-              <a:rPr lang="de-DE" baseline="0" dirty="0" smtClean="0"/>
-              <a:t> </a:t>
-            </a:r>
-            <a:r>
-              <a:rPr lang="de-DE" baseline="0" dirty="0" err="1" smtClean="0"/>
-              <a:t>the</a:t>
-            </a:r>
-            <a:r>
-              <a:rPr lang="de-DE" baseline="0" dirty="0" smtClean="0"/>
-              <a:t> </a:t>
-            </a:r>
-            <a:r>
-              <a:rPr lang="de-DE" baseline="0" dirty="0" err="1" smtClean="0"/>
-              <a:t>nextcloud</a:t>
-            </a:r>
-            <a:r>
-              <a:rPr lang="de-DE" baseline="0" dirty="0" smtClean="0"/>
-              <a:t> </a:t>
-            </a:r>
-            <a:r>
-              <a:rPr lang="de-DE" baseline="0" dirty="0" err="1" smtClean="0"/>
-              <a:t>nodes</a:t>
-            </a:r>
-            <a:r>
-              <a:rPr lang="de-DE" baseline="0" dirty="0" smtClean="0"/>
-              <a:t> will not </a:t>
-            </a:r>
-            <a:r>
-              <a:rPr lang="de-DE" baseline="0" dirty="0" err="1" smtClean="0"/>
-              <a:t>be</a:t>
-            </a:r>
-            <a:r>
-              <a:rPr lang="de-DE" baseline="0" dirty="0" smtClean="0"/>
-              <a:t> </a:t>
-            </a:r>
-            <a:r>
-              <a:rPr lang="de-DE" baseline="0" dirty="0" err="1" smtClean="0"/>
-              <a:t>able</a:t>
-            </a:r>
-            <a:r>
-              <a:rPr lang="de-DE" baseline="0" dirty="0" smtClean="0"/>
-              <a:t> </a:t>
-            </a:r>
-            <a:r>
-              <a:rPr lang="de-DE" baseline="0" dirty="0" err="1" smtClean="0"/>
-              <a:t>to</a:t>
-            </a:r>
-            <a:r>
-              <a:rPr lang="de-DE" baseline="0" dirty="0" smtClean="0"/>
-              <a:t> </a:t>
-            </a:r>
-            <a:r>
-              <a:rPr lang="de-DE" baseline="0" dirty="0" err="1" smtClean="0"/>
-              <a:t>function</a:t>
-            </a:r>
-            <a:r>
-              <a:rPr lang="de-DE" baseline="0" dirty="0" smtClean="0"/>
-              <a:t>. The </a:t>
-            </a:r>
-            <a:r>
-              <a:rPr lang="de-DE" baseline="0" dirty="0" err="1" smtClean="0"/>
-              <a:t>other</a:t>
-            </a:r>
-            <a:r>
-              <a:rPr lang="de-DE" baseline="0" dirty="0" smtClean="0"/>
-              <a:t> </a:t>
-            </a:r>
-            <a:r>
-              <a:rPr lang="de-DE" baseline="0" dirty="0" err="1" smtClean="0"/>
-              <a:t>possible</a:t>
-            </a:r>
-            <a:r>
-              <a:rPr lang="de-DE" baseline="0" dirty="0" smtClean="0"/>
-              <a:t> </a:t>
-            </a:r>
-            <a:r>
-              <a:rPr lang="de-DE" baseline="0" dirty="0" err="1" smtClean="0"/>
-              <a:t>point</a:t>
-            </a:r>
-            <a:r>
-              <a:rPr lang="de-DE" baseline="0" dirty="0" smtClean="0"/>
-              <a:t> of </a:t>
-            </a:r>
-            <a:r>
-              <a:rPr lang="de-DE" baseline="0" dirty="0" err="1" smtClean="0"/>
-              <a:t>failure</a:t>
-            </a:r>
-            <a:r>
-              <a:rPr lang="de-DE" baseline="0" dirty="0" smtClean="0"/>
-              <a:t> </a:t>
-            </a:r>
-            <a:r>
-              <a:rPr lang="de-DE" baseline="0" dirty="0" err="1" smtClean="0"/>
-              <a:t>is</a:t>
-            </a:r>
-            <a:r>
-              <a:rPr lang="de-DE" baseline="0" dirty="0" smtClean="0"/>
-              <a:t> </a:t>
-            </a:r>
-            <a:r>
-              <a:rPr lang="de-DE" baseline="0" dirty="0" err="1" smtClean="0"/>
-              <a:t>the</a:t>
-            </a:r>
-            <a:r>
-              <a:rPr lang="de-DE" baseline="0" dirty="0" smtClean="0"/>
-              <a:t> </a:t>
-            </a:r>
-            <a:r>
-              <a:rPr lang="de-DE" baseline="0" dirty="0" err="1" smtClean="0"/>
-              <a:t>MinIO</a:t>
-            </a:r>
-            <a:r>
-              <a:rPr lang="de-DE" baseline="0" dirty="0" smtClean="0"/>
-              <a:t> </a:t>
-            </a:r>
-            <a:r>
-              <a:rPr lang="de-DE" baseline="0" dirty="0" err="1" smtClean="0"/>
-              <a:t>object</a:t>
-            </a:r>
-            <a:r>
-              <a:rPr lang="de-DE" baseline="0" dirty="0" smtClean="0"/>
-              <a:t> </a:t>
-            </a:r>
-            <a:r>
-              <a:rPr lang="de-DE" baseline="0" dirty="0" err="1" smtClean="0"/>
-              <a:t>storage</a:t>
-            </a:r>
-            <a:r>
-              <a:rPr lang="de-DE" baseline="0" dirty="0" smtClean="0"/>
-              <a:t>, </a:t>
-            </a:r>
-            <a:r>
-              <a:rPr lang="de-DE" baseline="0" dirty="0" err="1" smtClean="0"/>
-              <a:t>however</a:t>
-            </a:r>
-            <a:r>
-              <a:rPr lang="de-DE" baseline="0" dirty="0" smtClean="0"/>
-              <a:t> </a:t>
-            </a:r>
-            <a:r>
-              <a:rPr lang="de-DE" baseline="0" dirty="0" err="1" smtClean="0"/>
-              <a:t>it</a:t>
-            </a:r>
-            <a:r>
-              <a:rPr lang="de-DE" baseline="0" dirty="0" smtClean="0"/>
-              <a:t> </a:t>
-            </a:r>
-            <a:r>
-              <a:rPr lang="de-DE" baseline="0" dirty="0" err="1" smtClean="0"/>
-              <a:t>has</a:t>
-            </a:r>
-            <a:r>
-              <a:rPr lang="de-DE" baseline="0" dirty="0" smtClean="0"/>
-              <a:t> </a:t>
-            </a:r>
-            <a:r>
-              <a:rPr lang="de-DE" baseline="0" dirty="0" err="1" smtClean="0"/>
-              <a:t>replication</a:t>
-            </a:r>
-            <a:r>
-              <a:rPr lang="de-DE" baseline="0" dirty="0" smtClean="0"/>
-              <a:t> of </a:t>
-            </a:r>
-            <a:r>
-              <a:rPr lang="de-DE" baseline="0" dirty="0" err="1" smtClean="0"/>
-              <a:t>data</a:t>
-            </a:r>
-            <a:r>
-              <a:rPr lang="de-DE" baseline="0" dirty="0" smtClean="0"/>
-              <a:t> </a:t>
-            </a:r>
-            <a:r>
-              <a:rPr lang="de-DE" baseline="0" dirty="0" err="1" smtClean="0"/>
-              <a:t>built</a:t>
-            </a:r>
-            <a:r>
-              <a:rPr lang="de-DE" baseline="0" dirty="0" smtClean="0"/>
-              <a:t> in, </a:t>
-            </a:r>
-            <a:r>
-              <a:rPr lang="de-DE" baseline="0" dirty="0" err="1" smtClean="0"/>
-              <a:t>therefore</a:t>
-            </a:r>
-            <a:r>
-              <a:rPr lang="de-DE" baseline="0" dirty="0" smtClean="0"/>
-              <a:t> </a:t>
-            </a:r>
-            <a:r>
-              <a:rPr lang="de-DE" baseline="0" dirty="0" err="1" smtClean="0"/>
-              <a:t>no</a:t>
-            </a:r>
-            <a:r>
-              <a:rPr lang="de-DE" baseline="0" dirty="0" smtClean="0"/>
-              <a:t> </a:t>
-            </a:r>
-            <a:r>
-              <a:rPr lang="de-DE" baseline="0" dirty="0" err="1" smtClean="0"/>
-              <a:t>data</a:t>
-            </a:r>
-            <a:r>
-              <a:rPr lang="de-DE" baseline="0" dirty="0" smtClean="0"/>
-              <a:t> </a:t>
-            </a:r>
-            <a:r>
-              <a:rPr lang="de-DE" baseline="0" dirty="0" err="1" smtClean="0"/>
-              <a:t>loss</a:t>
-            </a:r>
-            <a:r>
-              <a:rPr lang="de-DE" baseline="0" dirty="0" smtClean="0"/>
-              <a:t> </a:t>
-            </a:r>
-            <a:r>
-              <a:rPr lang="de-DE" baseline="0" dirty="0" err="1" smtClean="0"/>
-              <a:t>can</a:t>
-            </a:r>
-            <a:r>
-              <a:rPr lang="de-DE" baseline="0" dirty="0" smtClean="0"/>
-              <a:t> </a:t>
-            </a:r>
-            <a:r>
-              <a:rPr lang="de-DE" baseline="0" dirty="0" err="1" smtClean="0"/>
-              <a:t>occur</a:t>
-            </a:r>
-            <a:r>
-              <a:rPr lang="de-DE" baseline="0" dirty="0" smtClean="0"/>
-              <a:t>.</a:t>
-            </a:r>
-            <a:endParaRPr lang="de-DE" dirty="0"/>
+              <a:rPr lang="de-DE"/>
+              <a:t>disease</a:t>
+            </a:r>
+            <a:r>
+              <a:rPr lang="de-DE" baseline="0"/>
+              <a:t> itself</a:t>
+            </a:r>
+            <a:endParaRPr lang="de-DE"/>
           </a:p>
         </p:txBody>
       </p:sp>
@@ -5905,7 +5577,7 @@
     </p:spTree>
     <p:extLst>
       <p:ext uri="{BB962C8B-B14F-4D97-AF65-F5344CB8AC3E}">
-        <p14:creationId xmlns:p14="http://schemas.microsoft.com/office/powerpoint/2010/main" val="799767301"/>
+        <p14:creationId xmlns:p14="http://schemas.microsoft.com/office/powerpoint/2010/main" val="1684851930"/>
       </p:ext>
     </p:extLst>
   </p:cSld>
@@ -5988,99 +5660,7 @@
           <a:p>
             <a:fld id="{706572D1-9F21-4623-91AD-FF8FC5882A4F}" type="slidenum">
               <a:rPr lang="de-DE" smtClean="0"/>
-              <a:t>10</a:t>
-            </a:fld>
-            <a:endParaRPr lang="de-DE"/>
-          </a:p>
-        </p:txBody>
-      </p:sp>
-    </p:spTree>
-    <p:extLst>
-      <p:ext uri="{BB962C8B-B14F-4D97-AF65-F5344CB8AC3E}">
-        <p14:creationId xmlns:p14="http://schemas.microsoft.com/office/powerpoint/2010/main" val="1684851930"/>
-      </p:ext>
-    </p:extLst>
-  </p:cSld>
-  <p:clrMapOvr>
-    <a:masterClrMapping/>
-  </p:clrMapOvr>
-</p:notes>
-</file>
-
-<file path=ppt/notesSlides/notesSlide9.xml><?xml version="1.0" encoding="utf-8"?>
-<p:notes xmlns:a="http://schemas.openxmlformats.org/drawingml/2006/main" xmlns:r="http://schemas.openxmlformats.org/officeDocument/2006/relationships" xmlns:p="http://schemas.openxmlformats.org/presentationml/2006/main">
-  <p:cSld>
-    <p:spTree>
-      <p:nvGrpSpPr>
-        <p:cNvPr id="1" name=""/>
-        <p:cNvGrpSpPr/>
-        <p:nvPr/>
-      </p:nvGrpSpPr>
-      <p:grpSpPr>
-        <a:xfrm>
-          <a:off x="0" y="0"/>
-          <a:ext cx="0" cy="0"/>
-          <a:chOff x="0" y="0"/>
-          <a:chExt cx="0" cy="0"/>
-        </a:xfrm>
-      </p:grpSpPr>
-      <p:sp>
-        <p:nvSpPr>
-          <p:cNvPr id="2" name="Folienbildplatzhalter 1"/>
-          <p:cNvSpPr>
-            <a:spLocks noGrp="1" noRot="1" noChangeAspect="1"/>
-          </p:cNvSpPr>
-          <p:nvPr>
-            <p:ph type="sldImg"/>
-          </p:nvPr>
-        </p:nvSpPr>
-        <p:spPr/>
-      </p:sp>
-      <p:sp>
-        <p:nvSpPr>
-          <p:cNvPr id="3" name="Notizenplatzhalter 2"/>
-          <p:cNvSpPr>
-            <a:spLocks noGrp="1"/>
-          </p:cNvSpPr>
-          <p:nvPr>
-            <p:ph type="body" idx="1"/>
-          </p:nvPr>
-        </p:nvSpPr>
-        <p:spPr/>
-        <p:txBody>
-          <a:bodyPr/>
-          <a:lstStyle/>
-          <a:p>
-            <a:r>
-              <a:rPr lang="de-DE"/>
-              <a:t>disease</a:t>
-            </a:r>
-            <a:r>
-              <a:rPr lang="de-DE" baseline="0"/>
-              <a:t> itself</a:t>
-            </a:r>
-            <a:endParaRPr lang="de-DE"/>
-          </a:p>
-        </p:txBody>
-      </p:sp>
-      <p:sp>
-        <p:nvSpPr>
-          <p:cNvPr id="4" name="Foliennummernplatzhalter 3"/>
-          <p:cNvSpPr>
-            <a:spLocks noGrp="1"/>
-          </p:cNvSpPr>
-          <p:nvPr>
-            <p:ph type="sldNum" sz="quarter" idx="10"/>
-          </p:nvPr>
-        </p:nvSpPr>
-        <p:spPr/>
-        <p:txBody>
-          <a:bodyPr/>
-          <a:lstStyle/>
-          <a:p>
-            <a:fld id="{706572D1-9F21-4623-91AD-FF8FC5882A4F}" type="slidenum">
-              <a:rPr lang="de-DE" smtClean="0"/>
-              <a:t>11</a:t>
+              <a:t>9</a:t>
             </a:fld>
             <a:endParaRPr lang="de-DE"/>
           </a:p>
@@ -9198,319 +8778,6 @@
           <a:bodyPr/>
           <a:lstStyle/>
           <a:p>
-            <a:r>
-              <a:rPr lang="de-DE" dirty="0"/>
-              <a:t>Live </a:t>
-            </a:r>
-            <a:r>
-              <a:rPr lang="de-DE" dirty="0" err="1"/>
-              <a:t>demonstration</a:t>
-            </a:r>
-            <a:endParaRPr lang="de-DE" dirty="0"/>
-          </a:p>
-        </p:txBody>
-      </p:sp>
-      <p:sp>
-        <p:nvSpPr>
-          <p:cNvPr id="3" name="Inhaltsplatzhalter 2"/>
-          <p:cNvSpPr>
-            <a:spLocks noGrp="1"/>
-          </p:cNvSpPr>
-          <p:nvPr>
-            <p:ph idx="1"/>
-          </p:nvPr>
-        </p:nvSpPr>
-        <p:spPr/>
-        <p:txBody>
-          <a:bodyPr>
-            <a:normAutofit/>
-          </a:bodyPr>
-          <a:lstStyle/>
-          <a:p>
-            <a:r>
-              <a:rPr lang="de-DE" dirty="0"/>
-              <a:t>-</a:t>
-            </a:r>
-          </a:p>
-        </p:txBody>
-      </p:sp>
-      <p:sp>
-        <p:nvSpPr>
-          <p:cNvPr id="4" name="Foliennummernplatzhalter 3"/>
-          <p:cNvSpPr>
-            <a:spLocks noGrp="1"/>
-          </p:cNvSpPr>
-          <p:nvPr>
-            <p:ph type="sldNum" sz="quarter" idx="12"/>
-          </p:nvPr>
-        </p:nvSpPr>
-        <p:spPr/>
-        <p:txBody>
-          <a:bodyPr/>
-          <a:lstStyle/>
-          <a:p>
-            <a:fld id="{371A7658-0F70-421B-9B10-FA4A9AE028A8}" type="slidenum">
-              <a:rPr lang="de-DE" smtClean="0"/>
-              <a:t>10</a:t>
-            </a:fld>
-            <a:endParaRPr lang="de-DE"/>
-          </a:p>
-        </p:txBody>
-      </p:sp>
-    </p:spTree>
-    <p:extLst>
-      <p:ext uri="{BB962C8B-B14F-4D97-AF65-F5344CB8AC3E}">
-        <p14:creationId xmlns:p14="http://schemas.microsoft.com/office/powerpoint/2010/main" val="1512024545"/>
-      </p:ext>
-    </p:extLst>
-  </p:cSld>
-  <p:clrMapOvr>
-    <a:masterClrMapping/>
-  </p:clrMapOvr>
-</p:sld>
-</file>
-
-<file path=ppt/slides/slide11.xml><?xml version="1.0" encoding="utf-8"?>
-<p:sld xmlns:a="http://schemas.openxmlformats.org/drawingml/2006/main" xmlns:r="http://schemas.openxmlformats.org/officeDocument/2006/relationships" xmlns:p="http://schemas.openxmlformats.org/presentationml/2006/main">
-  <p:cSld>
-    <p:spTree>
-      <p:nvGrpSpPr>
-        <p:cNvPr id="1" name=""/>
-        <p:cNvGrpSpPr/>
-        <p:nvPr/>
-      </p:nvGrpSpPr>
-      <p:grpSpPr>
-        <a:xfrm>
-          <a:off x="0" y="0"/>
-          <a:ext cx="0" cy="0"/>
-          <a:chOff x="0" y="0"/>
-          <a:chExt cx="0" cy="0"/>
-        </a:xfrm>
-      </p:grpSpPr>
-      <p:sp>
-        <p:nvSpPr>
-          <p:cNvPr id="2" name="Titel 1"/>
-          <p:cNvSpPr>
-            <a:spLocks noGrp="1"/>
-          </p:cNvSpPr>
-          <p:nvPr>
-            <p:ph type="title"/>
-          </p:nvPr>
-        </p:nvSpPr>
-        <p:spPr/>
-        <p:txBody>
-          <a:bodyPr/>
-          <a:lstStyle/>
-          <a:p>
-            <a:r>
-              <a:rPr lang="de-DE" dirty="0" err="1"/>
-              <a:t>Conclusion</a:t>
-            </a:r>
-            <a:endParaRPr lang="de-DE" dirty="0"/>
-          </a:p>
-        </p:txBody>
-      </p:sp>
-      <p:sp>
-        <p:nvSpPr>
-          <p:cNvPr id="3" name="Inhaltsplatzhalter 2"/>
-          <p:cNvSpPr>
-            <a:spLocks noGrp="1"/>
-          </p:cNvSpPr>
-          <p:nvPr>
-            <p:ph idx="1"/>
-          </p:nvPr>
-        </p:nvSpPr>
-        <p:spPr/>
-        <p:txBody>
-          <a:bodyPr>
-            <a:normAutofit/>
-          </a:bodyPr>
-          <a:lstStyle/>
-          <a:p>
-            <a:r>
-              <a:rPr lang="de-DE" dirty="0" err="1"/>
-              <a:t>Kubernetes</a:t>
-            </a:r>
-            <a:endParaRPr lang="de-DE" dirty="0"/>
-          </a:p>
-          <a:p>
-            <a:pPr lvl="1"/>
-            <a:r>
-              <a:rPr lang="de-DE" dirty="0"/>
-              <a:t>Powerful</a:t>
-            </a:r>
-          </a:p>
-          <a:p>
-            <a:pPr lvl="1"/>
-            <a:r>
-              <a:rPr lang="de-DE" dirty="0"/>
-              <a:t>Easy </a:t>
-            </a:r>
-            <a:r>
-              <a:rPr lang="de-DE" dirty="0" err="1"/>
-              <a:t>to</a:t>
-            </a:r>
-            <a:r>
-              <a:rPr lang="de-DE" dirty="0"/>
-              <a:t> </a:t>
-            </a:r>
-            <a:r>
-              <a:rPr lang="de-DE" dirty="0" err="1"/>
-              <a:t>setup</a:t>
-            </a:r>
-            <a:endParaRPr lang="de-DE" dirty="0"/>
-          </a:p>
-          <a:p>
-            <a:r>
-              <a:rPr lang="de-DE" dirty="0" err="1"/>
-              <a:t>Nextcloud</a:t>
-            </a:r>
-            <a:endParaRPr lang="de-DE" dirty="0"/>
-          </a:p>
-          <a:p>
-            <a:pPr lvl="1"/>
-            <a:r>
-              <a:rPr lang="de-DE" dirty="0" err="1"/>
-              <a:t>Usefull</a:t>
-            </a:r>
-            <a:r>
-              <a:rPr lang="de-DE" dirty="0"/>
-              <a:t> </a:t>
-            </a:r>
-            <a:r>
-              <a:rPr lang="de-DE" dirty="0" err="1"/>
-              <a:t>application</a:t>
-            </a:r>
-            <a:endParaRPr lang="de-DE" dirty="0"/>
-          </a:p>
-          <a:p>
-            <a:pPr lvl="1"/>
-            <a:r>
-              <a:rPr lang="de-DE" dirty="0"/>
-              <a:t>Many different </a:t>
-            </a:r>
-            <a:r>
-              <a:rPr lang="de-DE" dirty="0" err="1"/>
-              <a:t>features</a:t>
-            </a:r>
-            <a:endParaRPr lang="de-DE" dirty="0"/>
-          </a:p>
-          <a:p>
-            <a:pPr lvl="1"/>
-            <a:endParaRPr lang="de-DE" dirty="0"/>
-          </a:p>
-          <a:p>
-            <a:r>
-              <a:rPr lang="de-DE" dirty="0"/>
-              <a:t>Expansion </a:t>
-            </a:r>
-            <a:r>
-              <a:rPr lang="de-DE" dirty="0" err="1"/>
-              <a:t>of</a:t>
-            </a:r>
-            <a:r>
-              <a:rPr lang="de-DE" dirty="0"/>
-              <a:t> </a:t>
-            </a:r>
-            <a:r>
-              <a:rPr lang="de-DE" dirty="0" err="1"/>
-              <a:t>pods</a:t>
-            </a:r>
-            <a:endParaRPr lang="de-DE" dirty="0"/>
-          </a:p>
-          <a:p>
-            <a:r>
-              <a:rPr lang="de-DE" dirty="0" err="1"/>
-              <a:t>Adding</a:t>
-            </a:r>
-            <a:r>
-              <a:rPr lang="de-DE" dirty="0"/>
-              <a:t> </a:t>
-            </a:r>
-            <a:r>
-              <a:rPr lang="de-DE" dirty="0" err="1"/>
-              <a:t>of</a:t>
-            </a:r>
-            <a:r>
-              <a:rPr lang="de-DE" dirty="0"/>
-              <a:t> </a:t>
-            </a:r>
-            <a:r>
-              <a:rPr lang="de-DE" dirty="0" err="1"/>
-              <a:t>features</a:t>
-            </a:r>
-            <a:endParaRPr lang="de-DE" dirty="0"/>
-          </a:p>
-        </p:txBody>
-      </p:sp>
-      <p:sp>
-        <p:nvSpPr>
-          <p:cNvPr id="4" name="Foliennummernplatzhalter 3"/>
-          <p:cNvSpPr>
-            <a:spLocks noGrp="1"/>
-          </p:cNvSpPr>
-          <p:nvPr>
-            <p:ph type="sldNum" sz="quarter" idx="12"/>
-          </p:nvPr>
-        </p:nvSpPr>
-        <p:spPr/>
-        <p:txBody>
-          <a:bodyPr/>
-          <a:lstStyle/>
-          <a:p>
-            <a:fld id="{371A7658-0F70-421B-9B10-FA4A9AE028A8}" type="slidenum">
-              <a:rPr lang="de-DE" smtClean="0"/>
-              <a:t>11</a:t>
-            </a:fld>
-            <a:endParaRPr lang="de-DE"/>
-          </a:p>
-        </p:txBody>
-      </p:sp>
-    </p:spTree>
-    <p:extLst>
-      <p:ext uri="{BB962C8B-B14F-4D97-AF65-F5344CB8AC3E}">
-        <p14:creationId xmlns:p14="http://schemas.microsoft.com/office/powerpoint/2010/main" val="998361747"/>
-      </p:ext>
-    </p:extLst>
-  </p:cSld>
-  <p:clrMapOvr>
-    <a:masterClrMapping/>
-  </p:clrMapOvr>
-</p:sld>
-</file>
-
-<file path=ppt/slides/slide12.xml><?xml version="1.0" encoding="utf-8"?>
-<p:sld xmlns:a="http://schemas.openxmlformats.org/drawingml/2006/main" xmlns:r="http://schemas.openxmlformats.org/officeDocument/2006/relationships" xmlns:p="http://schemas.openxmlformats.org/presentationml/2006/main">
-  <p:cSld>
-    <p:spTree>
-      <p:nvGrpSpPr>
-        <p:cNvPr id="1" name=""/>
-        <p:cNvGrpSpPr/>
-        <p:nvPr/>
-      </p:nvGrpSpPr>
-      <p:grpSpPr>
-        <a:xfrm>
-          <a:off x="0" y="0"/>
-          <a:ext cx="0" cy="0"/>
-          <a:chOff x="0" y="0"/>
-          <a:chExt cx="0" cy="0"/>
-        </a:xfrm>
-      </p:grpSpPr>
-      <p:sp>
-        <p:nvSpPr>
-          <p:cNvPr id="2" name="Titel 1"/>
-          <p:cNvSpPr>
-            <a:spLocks noGrp="1"/>
-          </p:cNvSpPr>
-          <p:nvPr>
-            <p:ph type="title"/>
-          </p:nvPr>
-        </p:nvSpPr>
-        <p:spPr/>
-        <p:txBody>
-          <a:bodyPr/>
-          <a:lstStyle/>
-          <a:p>
             <a:endParaRPr lang="de-DE"/>
           </a:p>
         </p:txBody>
@@ -9591,6 +8858,13 @@
   <p:clrMapOvr>
     <a:masterClrMapping/>
   </p:clrMapOvr>
+  <p:timing>
+    <p:tnLst>
+      <p:par>
+        <p:cTn id="1" dur="indefinite" restart="never" nodeType="tmRoot"/>
+      </p:par>
+    </p:tnLst>
+  </p:timing>
 </p:sld>
 </file>
 
@@ -9707,146 +8981,6 @@
               <a:t>2</a:t>
             </a:fld>
             <a:endParaRPr lang="de-DE" dirty="0"/>
-          </a:p>
-        </p:txBody>
-      </p:sp>
-      <p:sp>
-        <p:nvSpPr>
-          <p:cNvPr id="5" name="Textfeld 4"/>
-          <p:cNvSpPr txBox="1"/>
-          <p:nvPr/>
-        </p:nvSpPr>
-        <p:spPr>
-          <a:xfrm>
-            <a:off x="4530055" y="2592198"/>
-            <a:ext cx="5531258" cy="2862322"/>
-          </a:xfrm>
-          <a:prstGeom prst="rect">
-            <a:avLst/>
-          </a:prstGeom>
-          <a:noFill/>
-        </p:spPr>
-        <p:txBody>
-          <a:bodyPr wrap="none" rtlCol="0">
-            <a:spAutoFit/>
-          </a:bodyPr>
-          <a:lstStyle/>
-          <a:p>
-            <a:pPr marL="285750" indent="-285750">
-              <a:buFont typeface="Arial" panose="020B0604020202020204" pitchFamily="34" charset="0"/>
-              <a:buChar char="•"/>
-            </a:pPr>
-            <a:r>
-              <a:rPr lang="de-DE" dirty="0"/>
-              <a:t>Einleitung: Nils 1-2</a:t>
-            </a:r>
-          </a:p>
-          <a:p>
-            <a:pPr marL="285750" indent="-285750">
-              <a:buFont typeface="Arial" panose="020B0604020202020204" pitchFamily="34" charset="0"/>
-              <a:buChar char="•"/>
-            </a:pPr>
-            <a:r>
-              <a:rPr lang="de-DE" dirty="0"/>
-              <a:t>Nextcloud Andrej	</a:t>
-            </a:r>
-          </a:p>
-          <a:p>
-            <a:pPr marL="285750" indent="-285750">
-              <a:buFont typeface="Arial" panose="020B0604020202020204" pitchFamily="34" charset="0"/>
-              <a:buChar char="•"/>
-            </a:pPr>
-            <a:r>
-              <a:rPr lang="de-DE" dirty="0"/>
-              <a:t>Kubernetes Andrej 4-5min</a:t>
-            </a:r>
-          </a:p>
-          <a:p>
-            <a:pPr marL="285750" indent="-285750">
-              <a:buFont typeface="Arial" panose="020B0604020202020204" pitchFamily="34" charset="0"/>
-              <a:buChar char="•"/>
-            </a:pPr>
-            <a:r>
-              <a:rPr lang="de-DE" dirty="0"/>
-              <a:t>Yaml Michael</a:t>
-            </a:r>
-          </a:p>
-          <a:p>
-            <a:pPr marL="285750" indent="-285750">
-              <a:buFont typeface="Arial" panose="020B0604020202020204" pitchFamily="34" charset="0"/>
-              <a:buChar char="•"/>
-            </a:pPr>
-            <a:r>
-              <a:rPr lang="de-DE" dirty="0" err="1"/>
-              <a:t>Architecture</a:t>
-            </a:r>
-            <a:r>
-              <a:rPr lang="de-DE" dirty="0"/>
-              <a:t> Michael 5min</a:t>
-            </a:r>
-          </a:p>
-          <a:p>
-            <a:pPr marL="285750" indent="-285750">
-              <a:buFont typeface="Arial" panose="020B0604020202020204" pitchFamily="34" charset="0"/>
-              <a:buChar char="•"/>
-            </a:pPr>
-            <a:r>
-              <a:rPr lang="de-DE" dirty="0" err="1"/>
-              <a:t>Livedemo</a:t>
-            </a:r>
-            <a:endParaRPr lang="de-DE" dirty="0"/>
-          </a:p>
-          <a:p>
-            <a:pPr marL="742950" lvl="1" indent="-285750">
-              <a:buFont typeface="Arial" panose="020B0604020202020204" pitchFamily="34" charset="0"/>
-              <a:buChar char="•"/>
-            </a:pPr>
-            <a:r>
-              <a:rPr lang="de-DE" dirty="0"/>
-              <a:t>4 Nodes, einer wird abgeschaltet: Francisco 5min</a:t>
-            </a:r>
-          </a:p>
-          <a:p>
-            <a:pPr marL="742950" lvl="1" indent="-285750">
-              <a:buFont typeface="Arial" panose="020B0604020202020204" pitchFamily="34" charset="0"/>
-              <a:buChar char="•"/>
-            </a:pPr>
-            <a:r>
-              <a:rPr lang="de-DE" dirty="0"/>
-              <a:t>2 Nodes, Text/</a:t>
-            </a:r>
-            <a:r>
-              <a:rPr lang="de-DE" dirty="0" err="1"/>
-              <a:t>Voicechat</a:t>
-            </a:r>
-            <a:r>
-              <a:rPr lang="de-DE" dirty="0"/>
-              <a:t>: Nils  5min</a:t>
-            </a:r>
-          </a:p>
-          <a:p>
-            <a:pPr marL="742950" lvl="1" indent="-285750">
-              <a:buFont typeface="Arial" panose="020B0604020202020204" pitchFamily="34" charset="0"/>
-              <a:buChar char="•"/>
-            </a:pPr>
-            <a:r>
-              <a:rPr lang="de-DE" dirty="0"/>
-              <a:t>Optional: Nextcloud/Cluster aufsetzen Michael</a:t>
-            </a:r>
-          </a:p>
-          <a:p>
-            <a:pPr marL="285750" indent="-285750">
-              <a:buFont typeface="Arial" panose="020B0604020202020204" pitchFamily="34" charset="0"/>
-              <a:buChar char="•"/>
-            </a:pPr>
-            <a:r>
-              <a:rPr lang="de-DE" dirty="0" err="1"/>
-              <a:t>Conclusion</a:t>
-            </a:r>
-            <a:r>
-              <a:rPr lang="de-DE" dirty="0"/>
-              <a:t>: Andrej</a:t>
-            </a:r>
           </a:p>
         </p:txBody>
       </p:sp>
@@ -10101,161 +9235,6 @@
       </p:grpSpPr>
       <p:sp>
         <p:nvSpPr>
-          <p:cNvPr id="4" name="Foliennummernplatzhalter 3"/>
-          <p:cNvSpPr>
-            <a:spLocks noGrp="1"/>
-          </p:cNvSpPr>
-          <p:nvPr>
-            <p:ph type="sldNum" sz="quarter" idx="12"/>
-          </p:nvPr>
-        </p:nvSpPr>
-        <p:spPr/>
-        <p:txBody>
-          <a:bodyPr/>
-          <a:lstStyle/>
-          <a:p>
-            <a:fld id="{371A7658-0F70-421B-9B10-FA4A9AE028A8}" type="slidenum">
-              <a:rPr lang="de-DE" smtClean="0"/>
-              <a:t>4</a:t>
-            </a:fld>
-            <a:endParaRPr lang="de-DE"/>
-          </a:p>
-        </p:txBody>
-      </p:sp>
-      <p:sp>
-        <p:nvSpPr>
-          <p:cNvPr id="6" name="Titel 5">
-            <a:extLst>
-              <a:ext uri="{FF2B5EF4-FFF2-40B4-BE49-F238E27FC236}">
-                <a16:creationId xmlns:a16="http://schemas.microsoft.com/office/drawing/2014/main" xmlns="" id="{5A007AC0-4974-439A-9262-409267C15A2E}"/>
-              </a:ext>
-            </a:extLst>
-          </p:cNvPr>
-          <p:cNvSpPr>
-            <a:spLocks noGrp="1"/>
-          </p:cNvSpPr>
-          <p:nvPr>
-            <p:ph type="title"/>
-          </p:nvPr>
-        </p:nvSpPr>
-        <p:spPr/>
-        <p:txBody>
-          <a:bodyPr/>
-          <a:lstStyle/>
-          <a:p>
-            <a:endParaRPr lang="en-GB"/>
-          </a:p>
-        </p:txBody>
-      </p:sp>
-      <p:pic>
-        <p:nvPicPr>
-          <p:cNvPr id="10" name="Grafik 9">
-            <a:extLst>
-              <a:ext uri="{FF2B5EF4-FFF2-40B4-BE49-F238E27FC236}">
-                <a16:creationId xmlns:a16="http://schemas.microsoft.com/office/drawing/2014/main" xmlns="" id="{DEE75B64-3D42-4166-B864-477DE835DF70}"/>
-              </a:ext>
-            </a:extLst>
-          </p:cNvPr>
-          <p:cNvPicPr>
-            <a:picLocks noChangeAspect="1"/>
-          </p:cNvPicPr>
-          <p:nvPr/>
-        </p:nvPicPr>
-        <p:blipFill>
-          <a:blip r:embed="rId3" cstate="print">
-            <a:extLst>
-              <a:ext uri="{28A0092B-C50C-407E-A947-70E740481C1C}">
-                <a14:useLocalDpi xmlns:a14="http://schemas.microsoft.com/office/drawing/2010/main" val="0"/>
-              </a:ext>
-            </a:extLst>
-          </a:blip>
-          <a:stretch>
-            <a:fillRect/>
-          </a:stretch>
-        </p:blipFill>
-        <p:spPr>
-          <a:xfrm>
-            <a:off x="408708" y="97157"/>
-            <a:ext cx="2320843" cy="1645865"/>
-          </a:xfrm>
-          <a:prstGeom prst="rect">
-            <a:avLst/>
-          </a:prstGeom>
-        </p:spPr>
-      </p:pic>
-      <p:pic>
-        <p:nvPicPr>
-          <p:cNvPr id="11" name="Grafik 10">
-            <a:extLst>
-              <a:ext uri="{FF2B5EF4-FFF2-40B4-BE49-F238E27FC236}">
-                <a16:creationId xmlns:a16="http://schemas.microsoft.com/office/drawing/2014/main" xmlns="" id="{F98EF2B0-6396-4832-A603-CCEE22E0091F}"/>
-              </a:ext>
-            </a:extLst>
-          </p:cNvPr>
-          <p:cNvPicPr/>
-          <p:nvPr/>
-        </p:nvPicPr>
-        <p:blipFill>
-          <a:blip r:embed="rId4" cstate="print">
-            <a:extLst>
-              <a:ext uri="{28A0092B-C50C-407E-A947-70E740481C1C}">
-                <a14:useLocalDpi xmlns:a14="http://schemas.microsoft.com/office/drawing/2010/main" val="0"/>
-              </a:ext>
-            </a:extLst>
-          </a:blip>
-          <a:stretch>
-            <a:fillRect/>
-          </a:stretch>
-        </p:blipFill>
-        <p:spPr>
-          <a:xfrm>
-            <a:off x="1869865" y="1732278"/>
-            <a:ext cx="8452269" cy="5028565"/>
-          </a:xfrm>
-          <a:prstGeom prst="rect">
-            <a:avLst/>
-          </a:prstGeom>
-        </p:spPr>
-      </p:pic>
-    </p:spTree>
-    <p:extLst>
-      <p:ext uri="{BB962C8B-B14F-4D97-AF65-F5344CB8AC3E}">
-        <p14:creationId xmlns:p14="http://schemas.microsoft.com/office/powerpoint/2010/main" val="1657453523"/>
-      </p:ext>
-    </p:extLst>
-  </p:cSld>
-  <p:clrMapOvr>
-    <a:masterClrMapping/>
-  </p:clrMapOvr>
-  <p:timing>
-    <p:tnLst>
-      <p:par>
-        <p:cTn id="1" dur="indefinite" restart="never" nodeType="tmRoot"/>
-      </p:par>
-    </p:tnLst>
-  </p:timing>
-</p:sld>
-</file>
-
-<file path=ppt/slides/slide5.xml><?xml version="1.0" encoding="utf-8"?>
-<p:sld xmlns:a="http://schemas.openxmlformats.org/drawingml/2006/main" xmlns:r="http://schemas.openxmlformats.org/officeDocument/2006/relationships" xmlns:p="http://schemas.openxmlformats.org/presentationml/2006/main">
-  <p:cSld>
-    <p:spTree>
-      <p:nvGrpSpPr>
-        <p:cNvPr id="1" name=""/>
-        <p:cNvGrpSpPr/>
-        <p:nvPr/>
-      </p:nvGrpSpPr>
-      <p:grpSpPr>
-        <a:xfrm>
-          <a:off x="0" y="0"/>
-          <a:ext cx="0" cy="0"/>
-          <a:chOff x="0" y="0"/>
-          <a:chExt cx="0" cy="0"/>
-        </a:xfrm>
-      </p:grpSpPr>
-      <p:sp>
-        <p:nvSpPr>
           <p:cNvPr id="3" name="Inhaltsplatzhalter 2"/>
           <p:cNvSpPr>
             <a:spLocks noGrp="1"/>
@@ -10350,7 +9329,7 @@
           <a:p>
             <a:fld id="{371A7658-0F70-421B-9B10-FA4A9AE028A8}" type="slidenum">
               <a:rPr lang="de-DE" smtClean="0"/>
-              <a:t>5</a:t>
+              <a:t>4</a:t>
             </a:fld>
             <a:endParaRPr lang="de-DE"/>
           </a:p>
@@ -10412,7 +9391,7 @@
 </p:sld>
 </file>
 
-<file path=ppt/slides/slide6.xml><?xml version="1.0" encoding="utf-8"?>
+<file path=ppt/slides/slide5.xml><?xml version="1.0" encoding="utf-8"?>
 <p:sld xmlns:a="http://schemas.openxmlformats.org/drawingml/2006/main" xmlns:r="http://schemas.openxmlformats.org/officeDocument/2006/relationships" xmlns:p="http://schemas.openxmlformats.org/presentationml/2006/main">
   <p:cSld>
     <p:spTree>
@@ -10484,7 +9463,7 @@
           <a:p>
             <a:fld id="{371A7658-0F70-421B-9B10-FA4A9AE028A8}" type="slidenum">
               <a:rPr lang="de-DE" smtClean="0"/>
-              <a:t>6</a:t>
+              <a:t>5</a:t>
             </a:fld>
             <a:endParaRPr lang="de-DE"/>
           </a:p>
@@ -10546,7 +9525,7 @@
 </p:sld>
 </file>
 
-<file path=ppt/slides/slide7.xml><?xml version="1.0" encoding="utf-8"?>
+<file path=ppt/slides/slide6.xml><?xml version="1.0" encoding="utf-8"?>
 <p:sld xmlns:a="http://schemas.openxmlformats.org/drawingml/2006/main" xmlns:r="http://schemas.openxmlformats.org/officeDocument/2006/relationships" xmlns:p="http://schemas.openxmlformats.org/presentationml/2006/main">
   <p:cSld>
     <p:spTree>
@@ -10607,7 +9586,7 @@
           <a:p>
             <a:fld id="{371A7658-0F70-421B-9B10-FA4A9AE028A8}" type="slidenum">
               <a:rPr lang="de-DE" smtClean="0"/>
-              <a:t>7</a:t>
+              <a:t>6</a:t>
             </a:fld>
             <a:endParaRPr lang="de-DE"/>
           </a:p>
@@ -10636,7 +9615,7 @@
         </p:blipFill>
         <p:spPr bwMode="auto">
           <a:xfrm>
-            <a:off x="1282391" y="1916627"/>
+            <a:off x="4283928" y="1794118"/>
             <a:ext cx="7069872" cy="4562232"/>
           </a:xfrm>
           <a:prstGeom prst="rect">
@@ -10662,7 +9641,7 @@
         </p:nvSpPr>
         <p:spPr>
           <a:xfrm>
-            <a:off x="6846849" y="2988527"/>
+            <a:off x="697718" y="1950974"/>
             <a:ext cx="3969834" cy="2246769"/>
           </a:xfrm>
           <a:prstGeom prst="rect">
@@ -10754,7 +9733,7 @@
 </p:sld>
 </file>
 
-<file path=ppt/slides/slide8.xml><?xml version="1.0" encoding="utf-8"?>
+<file path=ppt/slides/slide7.xml><?xml version="1.0" encoding="utf-8"?>
 <p:sld xmlns:a="http://schemas.openxmlformats.org/drawingml/2006/main" xmlns:r="http://schemas.openxmlformats.org/officeDocument/2006/relationships" xmlns:p="http://schemas.openxmlformats.org/presentationml/2006/main">
   <p:cSld>
     <p:spTree>
@@ -10811,7 +9790,7 @@
           <a:p>
             <a:fld id="{371A7658-0F70-421B-9B10-FA4A9AE028A8}" type="slidenum">
               <a:rPr lang="de-DE" smtClean="0"/>
-              <a:t>8</a:t>
+              <a:t>7</a:t>
             </a:fld>
             <a:endParaRPr lang="de-DE"/>
           </a:p>
@@ -10914,14 +9893,9 @@
           <a:p>
             <a:pPr lvl="1"/>
             <a:r>
-              <a:rPr lang="de-DE" dirty="0" smtClean="0"/>
-              <a:t>Storage </a:t>
-            </a:r>
-            <a:r>
-              <a:rPr lang="de-DE" dirty="0" err="1" smtClean="0"/>
-              <a:t>distribution</a:t>
-            </a:r>
-            <a:endParaRPr lang="de-DE" dirty="0" smtClean="0"/>
+              <a:rPr lang="en-US" dirty="0" smtClean="0"/>
+              <a:t>Storage distribution</a:t>
+            </a:r>
           </a:p>
           <a:p>
             <a:pPr lvl="1"/>
@@ -10941,6 +9915,145 @@
     <p:extLst>
       <p:ext uri="{BB962C8B-B14F-4D97-AF65-F5344CB8AC3E}">
         <p14:creationId xmlns:p14="http://schemas.microsoft.com/office/powerpoint/2010/main" val="44492387"/>
+      </p:ext>
+    </p:extLst>
+  </p:cSld>
+  <p:clrMapOvr>
+    <a:masterClrMapping/>
+  </p:clrMapOvr>
+  <p:timing>
+    <p:tnLst>
+      <p:par>
+        <p:cTn id="1" dur="indefinite" restart="never" nodeType="tmRoot"/>
+      </p:par>
+    </p:tnLst>
+  </p:timing>
+</p:sld>
+</file>
+
+<file path=ppt/slides/slide8.xml><?xml version="1.0" encoding="utf-8"?>
+<p:sld xmlns:a="http://schemas.openxmlformats.org/drawingml/2006/main" xmlns:r="http://schemas.openxmlformats.org/officeDocument/2006/relationships" xmlns:p="http://schemas.openxmlformats.org/presentationml/2006/main">
+  <p:cSld>
+    <p:spTree>
+      <p:nvGrpSpPr>
+        <p:cNvPr id="1" name=""/>
+        <p:cNvGrpSpPr/>
+        <p:nvPr/>
+      </p:nvGrpSpPr>
+      <p:grpSpPr>
+        <a:xfrm>
+          <a:off x="0" y="0"/>
+          <a:ext cx="0" cy="0"/>
+          <a:chOff x="0" y="0"/>
+          <a:chExt cx="0" cy="0"/>
+        </a:xfrm>
+      </p:grpSpPr>
+      <p:sp>
+        <p:nvSpPr>
+          <p:cNvPr id="2" name="Titel 1"/>
+          <p:cNvSpPr>
+            <a:spLocks noGrp="1"/>
+          </p:cNvSpPr>
+          <p:nvPr>
+            <p:ph type="title"/>
+          </p:nvPr>
+        </p:nvSpPr>
+        <p:spPr/>
+        <p:txBody>
+          <a:bodyPr/>
+          <a:lstStyle/>
+          <a:p>
+            <a:r>
+              <a:rPr lang="de-DE" dirty="0"/>
+              <a:t>Live </a:t>
+            </a:r>
+            <a:r>
+              <a:rPr lang="de-DE" dirty="0" err="1"/>
+              <a:t>demonstration</a:t>
+            </a:r>
+            <a:endParaRPr lang="de-DE" dirty="0"/>
+          </a:p>
+        </p:txBody>
+      </p:sp>
+      <p:sp>
+        <p:nvSpPr>
+          <p:cNvPr id="4" name="Foliennummernplatzhalter 3"/>
+          <p:cNvSpPr>
+            <a:spLocks noGrp="1"/>
+          </p:cNvSpPr>
+          <p:nvPr>
+            <p:ph type="sldNum" sz="quarter" idx="12"/>
+          </p:nvPr>
+        </p:nvSpPr>
+        <p:spPr/>
+        <p:txBody>
+          <a:bodyPr/>
+          <a:lstStyle/>
+          <a:p>
+            <a:fld id="{371A7658-0F70-421B-9B10-FA4A9AE028A8}" type="slidenum">
+              <a:rPr lang="de-DE" smtClean="0"/>
+              <a:t>8</a:t>
+            </a:fld>
+            <a:endParaRPr lang="de-DE"/>
+          </a:p>
+        </p:txBody>
+      </p:sp>
+      <p:sp>
+        <p:nvSpPr>
+          <p:cNvPr id="5" name="Inhaltsplatzhalter 4"/>
+          <p:cNvSpPr>
+            <a:spLocks noGrp="1"/>
+          </p:cNvSpPr>
+          <p:nvPr>
+            <p:ph idx="1"/>
+          </p:nvPr>
+        </p:nvSpPr>
+        <p:spPr/>
+        <p:txBody>
+          <a:bodyPr/>
+          <a:lstStyle/>
+          <a:p>
+            <a:pPr>
+              <a:lnSpc>
+                <a:spcPct val="150000"/>
+              </a:lnSpc>
+            </a:pPr>
+            <a:r>
+              <a:rPr lang="en-US" dirty="0" smtClean="0"/>
+              <a:t>Cluster setup</a:t>
+            </a:r>
+          </a:p>
+          <a:p>
+            <a:pPr>
+              <a:lnSpc>
+                <a:spcPct val="150000"/>
+              </a:lnSpc>
+            </a:pPr>
+            <a:r>
+              <a:rPr lang="en-US" dirty="0" smtClean="0"/>
+              <a:t>4 node cluster</a:t>
+            </a:r>
+          </a:p>
+          <a:p>
+            <a:pPr>
+              <a:lnSpc>
+                <a:spcPct val="150000"/>
+              </a:lnSpc>
+            </a:pPr>
+            <a:r>
+              <a:rPr lang="en-US" dirty="0" smtClean="0"/>
+              <a:t>Working deployment</a:t>
+            </a:r>
+          </a:p>
+          <a:p>
+            <a:endParaRPr lang="de-DE" dirty="0"/>
+          </a:p>
+        </p:txBody>
+      </p:sp>
+    </p:spTree>
+    <p:extLst>
+      <p:ext uri="{BB962C8B-B14F-4D97-AF65-F5344CB8AC3E}">
+        <p14:creationId xmlns:p14="http://schemas.microsoft.com/office/powerpoint/2010/main" val="1512024545"/>
       </p:ext>
     </p:extLst>
   </p:cSld>
@@ -10990,12 +10103,8 @@
           <a:lstStyle/>
           <a:p>
             <a:r>
-              <a:rPr lang="de-DE" dirty="0" err="1" smtClean="0"/>
-              <a:t>Architecture</a:t>
-            </a:r>
-            <a:r>
-              <a:rPr lang="de-DE" dirty="0" smtClean="0"/>
-              <a:t> ??</a:t>
+              <a:rPr lang="de-DE" dirty="0" err="1"/>
+              <a:t>Conclusion</a:t>
             </a:r>
             <a:endParaRPr lang="de-DE" dirty="0"/>
           </a:p>
@@ -11009,6 +10118,85 @@
           </p:cNvSpPr>
           <p:nvPr>
             <p:ph idx="1"/>
+          </p:nvPr>
+        </p:nvSpPr>
+        <p:spPr/>
+        <p:txBody>
+          <a:bodyPr>
+            <a:normAutofit/>
+          </a:bodyPr>
+          <a:lstStyle/>
+          <a:p>
+            <a:r>
+              <a:rPr lang="en-US" dirty="0" smtClean="0"/>
+              <a:t>Kubernetes</a:t>
+            </a:r>
+          </a:p>
+          <a:p>
+            <a:pPr lvl="1"/>
+            <a:r>
+              <a:rPr lang="en-US" dirty="0" smtClean="0"/>
+              <a:t>Powerful</a:t>
+            </a:r>
+          </a:p>
+          <a:p>
+            <a:pPr lvl="1"/>
+            <a:r>
+              <a:rPr lang="en-US" dirty="0" smtClean="0"/>
+              <a:t>Easy to set up</a:t>
+            </a:r>
+          </a:p>
+          <a:p>
+            <a:r>
+              <a:rPr lang="en-US" dirty="0" smtClean="0"/>
+              <a:t>Nextcloud</a:t>
+            </a:r>
+          </a:p>
+          <a:p>
+            <a:pPr lvl="1"/>
+            <a:r>
+              <a:rPr lang="en-US" dirty="0" smtClean="0"/>
+              <a:t>Useful application</a:t>
+            </a:r>
+          </a:p>
+          <a:p>
+            <a:pPr lvl="1"/>
+            <a:r>
+              <a:rPr lang="en-US" dirty="0" smtClean="0"/>
+              <a:t>Many different features</a:t>
+            </a:r>
+          </a:p>
+          <a:p>
+            <a:r>
+              <a:rPr lang="en-US" dirty="0" smtClean="0"/>
+              <a:t>Future outlook</a:t>
+            </a:r>
+          </a:p>
+          <a:p>
+            <a:pPr lvl="1"/>
+            <a:r>
+              <a:rPr lang="en-US" dirty="0" smtClean="0"/>
+              <a:t>Expansion of pods</a:t>
+            </a:r>
+          </a:p>
+          <a:p>
+            <a:pPr lvl="1"/>
+            <a:r>
+              <a:rPr lang="en-US" dirty="0" smtClean="0"/>
+              <a:t>Adding of features</a:t>
+            </a:r>
+            <a:endParaRPr lang="en-US" dirty="0"/>
+          </a:p>
+        </p:txBody>
+      </p:sp>
+      <p:sp>
+        <p:nvSpPr>
+          <p:cNvPr id="4" name="Foliennummernplatzhalter 3"/>
+          <p:cNvSpPr>
+            <a:spLocks noGrp="1"/>
+          </p:cNvSpPr>
+          <p:nvPr>
+            <p:ph type="sldNum" sz="quarter" idx="12"/>
           </p:nvPr>
         </p:nvSpPr>
         <p:spPr/>
@@ -11016,99 +10204,31 @@
           <a:bodyPr/>
           <a:lstStyle/>
           <a:p>
-            <a:r>
-              <a:rPr lang="de-DE" dirty="0" err="1" smtClean="0"/>
-              <a:t>Used</a:t>
-            </a:r>
-            <a:r>
-              <a:rPr lang="de-DE" dirty="0" smtClean="0"/>
-              <a:t> </a:t>
-            </a:r>
-            <a:r>
-              <a:rPr lang="de-DE" dirty="0" err="1" smtClean="0"/>
-              <a:t>components</a:t>
-            </a:r>
-            <a:r>
-              <a:rPr lang="de-DE" dirty="0" smtClean="0"/>
-              <a:t>:</a:t>
-            </a:r>
-          </a:p>
-          <a:p>
-            <a:pPr lvl="1"/>
-            <a:r>
-              <a:rPr lang="de-DE" dirty="0" err="1" smtClean="0"/>
-              <a:t>MinIO</a:t>
-            </a:r>
-            <a:endParaRPr lang="de-DE" dirty="0" smtClean="0"/>
-          </a:p>
-          <a:p>
-            <a:pPr lvl="1"/>
-            <a:r>
-              <a:rPr lang="de-DE" dirty="0" err="1" smtClean="0"/>
-              <a:t>Redis</a:t>
-            </a:r>
-            <a:endParaRPr lang="de-DE" dirty="0" smtClean="0"/>
-          </a:p>
-          <a:p>
-            <a:pPr lvl="1"/>
-            <a:r>
-              <a:rPr lang="de-DE" dirty="0" smtClean="0"/>
-              <a:t>A </a:t>
-            </a:r>
-            <a:r>
-              <a:rPr lang="de-DE" dirty="0" err="1" smtClean="0"/>
-              <a:t>database</a:t>
-            </a:r>
-            <a:endParaRPr lang="de-DE" dirty="0" smtClean="0"/>
-          </a:p>
-          <a:p>
-            <a:pPr lvl="1"/>
-            <a:r>
-              <a:rPr lang="de-DE" dirty="0" err="1" smtClean="0"/>
-              <a:t>MariaDB</a:t>
-            </a:r>
-            <a:r>
-              <a:rPr lang="de-DE" dirty="0" smtClean="0"/>
-              <a:t> + </a:t>
-            </a:r>
-            <a:r>
-              <a:rPr lang="de-DE" dirty="0" err="1" smtClean="0"/>
-              <a:t>MaxScale</a:t>
-            </a:r>
-            <a:endParaRPr lang="de-DE" dirty="0" smtClean="0"/>
-          </a:p>
-          <a:p>
-            <a:pPr lvl="1"/>
-            <a:r>
-              <a:rPr lang="de-DE" dirty="0" err="1" smtClean="0"/>
-              <a:t>Nextcloud</a:t>
-            </a:r>
-            <a:endParaRPr lang="de-DE" dirty="0" smtClean="0"/>
-          </a:p>
-          <a:p>
-            <a:pPr lvl="1"/>
-            <a:r>
-              <a:rPr lang="de-DE" dirty="0" err="1" smtClean="0"/>
-              <a:t>Cron</a:t>
-            </a:r>
-            <a:endParaRPr lang="de-DE" dirty="0" smtClean="0"/>
-          </a:p>
-          <a:p>
-            <a:pPr lvl="1"/>
-            <a:endParaRPr lang="de-DE" dirty="0"/>
+            <a:fld id="{371A7658-0F70-421B-9B10-FA4A9AE028A8}" type="slidenum">
+              <a:rPr lang="de-DE" smtClean="0"/>
+              <a:t>9</a:t>
+            </a:fld>
+            <a:endParaRPr lang="de-DE"/>
           </a:p>
         </p:txBody>
       </p:sp>
     </p:spTree>
     <p:extLst>
       <p:ext uri="{BB962C8B-B14F-4D97-AF65-F5344CB8AC3E}">
-        <p14:creationId xmlns:p14="http://schemas.microsoft.com/office/powerpoint/2010/main" val="2286441752"/>
+        <p14:creationId xmlns:p14="http://schemas.microsoft.com/office/powerpoint/2010/main" val="998361747"/>
       </p:ext>
     </p:extLst>
   </p:cSld>
   <p:clrMapOvr>
     <a:masterClrMapping/>
   </p:clrMapOvr>
+  <p:timing>
+    <p:tnLst>
+      <p:par>
+        <p:cTn id="1" dur="indefinite" restart="never" nodeType="tmRoot"/>
+      </p:par>
+    </p:tnLst>
+  </p:timing>
 </p:sld>
 </file>
 
@@ -11367,7 +10487,7 @@
   <a:extraClrSchemeLst/>
   <a:extLst>
     <a:ext uri="{05A4C25C-085E-4340-85A3-A5531E510DB2}">
-      <thm15:themeFamily xmlns:thm15="http://schemas.microsoft.com/office/thememl/2012/main" xmlns="" name="Office Theme" id="{62F939B6-93AF-4DB8-9C6B-D6C7DFDC589F}" vid="{4A3C46E8-61CC-4603-A589-7422A47A8E4A}"/>
+      <thm15:themeFamily xmlns:thm15="http://schemas.microsoft.com/office/thememl/2012/main" name="Office Theme" id="{62F939B6-93AF-4DB8-9C6B-D6C7DFDC589F}" vid="{4A3C46E8-61CC-4603-A589-7422A47A8E4A}"/>
     </a:ext>
   </a:extLst>
 </a:theme>
@@ -11628,7 +10748,7 @@
   <a:extraClrSchemeLst/>
   <a:extLst>
     <a:ext uri="{05A4C25C-085E-4340-85A3-A5531E510DB2}">
-      <thm15:themeFamily xmlns:thm15="http://schemas.microsoft.com/office/thememl/2012/main" xmlns="" name="Office Theme" id="{62F939B6-93AF-4DB8-9C6B-D6C7DFDC589F}" vid="{4A3C46E8-61CC-4603-A589-7422A47A8E4A}"/>
+      <thm15:themeFamily xmlns:thm15="http://schemas.microsoft.com/office/thememl/2012/main" name="Office Theme" id="{62F939B6-93AF-4DB8-9C6B-D6C7DFDC589F}" vid="{4A3C46E8-61CC-4603-A589-7422A47A8E4A}"/>
     </a:ext>
   </a:extLst>
 </a:theme>

--- a/docu/Kubernetes_Nexcloud.pptx
+++ b/docu/Kubernetes_Nexcloud.pptx
@@ -118,7 +118,7 @@
   </p:defaultTextStyle>
   <p:extLst>
     <p:ext uri="{EFAFB233-063F-42B5-8137-9DF3F51BA10A}">
-      <p15:sldGuideLst xmlns:p15="http://schemas.microsoft.com/office/powerpoint/2012/main">
+      <p15:sldGuideLst xmlns:p15="http://schemas.microsoft.com/office/powerpoint/2012/main" xmlns="">
         <p15:guide id="1" orient="horz" pos="2160">
           <p15:clr>
             <a:srgbClr val="A4A3A4"/>
@@ -9140,7 +9140,7 @@
           <p:cNvPr id="6" name="Titel 5">
             <a:extLst>
               <a:ext uri="{FF2B5EF4-FFF2-40B4-BE49-F238E27FC236}">
-                <a16:creationId xmlns:a16="http://schemas.microsoft.com/office/drawing/2014/main" xmlns="" id="{5A007AC0-4974-439A-9262-409267C15A2E}"/>
+                <a16:creationId xmlns="" xmlns:a16="http://schemas.microsoft.com/office/drawing/2014/main" id="{5A007AC0-4974-439A-9262-409267C15A2E}"/>
               </a:ext>
             </a:extLst>
           </p:cNvPr>
@@ -9165,7 +9165,7 @@
           <p:cNvPr id="10" name="Grafik 9">
             <a:extLst>
               <a:ext uri="{FF2B5EF4-FFF2-40B4-BE49-F238E27FC236}">
-                <a16:creationId xmlns:a16="http://schemas.microsoft.com/office/drawing/2014/main" xmlns="" id="{DEE75B64-3D42-4166-B864-477DE835DF70}"/>
+                <a16:creationId xmlns="" xmlns:a16="http://schemas.microsoft.com/office/drawing/2014/main" id="{DEE75B64-3D42-4166-B864-477DE835DF70}"/>
               </a:ext>
             </a:extLst>
           </p:cNvPr>
@@ -9340,7 +9340,7 @@
           <p:cNvPr id="5" name="Inhaltsplatzhalter 5">
             <a:extLst>
               <a:ext uri="{FF2B5EF4-FFF2-40B4-BE49-F238E27FC236}">
-                <a16:creationId xmlns:a16="http://schemas.microsoft.com/office/drawing/2014/main" xmlns="" id="{6839BEF3-E9EB-4513-929E-2BFE84C02FB7}"/>
+                <a16:creationId xmlns="" xmlns:a16="http://schemas.microsoft.com/office/drawing/2014/main" id="{6839BEF3-E9EB-4513-929E-2BFE84C02FB7}"/>
               </a:ext>
             </a:extLst>
           </p:cNvPr>
@@ -9413,7 +9413,7 @@
           <p:cNvPr id="6" name="Inhaltsplatzhalter 5">
             <a:extLst>
               <a:ext uri="{FF2B5EF4-FFF2-40B4-BE49-F238E27FC236}">
-                <a16:creationId xmlns:a16="http://schemas.microsoft.com/office/drawing/2014/main" xmlns="" id="{1DA3D285-5D68-4ABD-BDC6-35DF3A2C2F45}"/>
+                <a16:creationId xmlns="" xmlns:a16="http://schemas.microsoft.com/office/drawing/2014/main" id="{1DA3D285-5D68-4ABD-BDC6-35DF3A2C2F45}"/>
               </a:ext>
             </a:extLst>
           </p:cNvPr>
@@ -9474,7 +9474,7 @@
           <p:cNvPr id="5" name="Inhaltsplatzhalter 5">
             <a:extLst>
               <a:ext uri="{FF2B5EF4-FFF2-40B4-BE49-F238E27FC236}">
-                <a16:creationId xmlns:a16="http://schemas.microsoft.com/office/drawing/2014/main" xmlns="" id="{6839BEF3-E9EB-4513-929E-2BFE84C02FB7}"/>
+                <a16:creationId xmlns="" xmlns:a16="http://schemas.microsoft.com/office/drawing/2014/main" id="{6839BEF3-E9EB-4513-929E-2BFE84C02FB7}"/>
               </a:ext>
             </a:extLst>
           </p:cNvPr>
@@ -9710,6 +9710,35 @@
               <a:t>Spec</a:t>
             </a:r>
             <a:endParaRPr lang="de-DE" sz="2800" dirty="0" smtClean="0"/>
+          </a:p>
+        </p:txBody>
+      </p:sp>
+      <p:sp>
+        <p:nvSpPr>
+          <p:cNvPr id="3" name="Textfeld 2"/>
+          <p:cNvSpPr txBox="1"/>
+          <p:nvPr/>
+        </p:nvSpPr>
+        <p:spPr>
+          <a:xfrm>
+            <a:off x="4466492" y="6391519"/>
+            <a:ext cx="3768774" cy="200055"/>
+          </a:xfrm>
+          <a:prstGeom prst="rect">
+            <a:avLst/>
+          </a:prstGeom>
+          <a:noFill/>
+        </p:spPr>
+        <p:txBody>
+          <a:bodyPr wrap="square" rtlCol="0">
+            <a:spAutoFit/>
+          </a:bodyPr>
+          <a:lstStyle/>
+          <a:p>
+            <a:r>
+              <a:rPr lang="de-DE" sz="700" dirty="0"/>
+              <a:t>https://medium.com/google-cloud/kubernetes-configmaps-and-secrets-68d061f7ab5b</a:t>
+            </a:r>
           </a:p>
         </p:txBody>
       </p:sp>
@@ -10487,7 +10516,7 @@
   <a:extraClrSchemeLst/>
   <a:extLst>
     <a:ext uri="{05A4C25C-085E-4340-85A3-A5531E510DB2}">
-      <thm15:themeFamily xmlns:thm15="http://schemas.microsoft.com/office/thememl/2012/main" name="Office Theme" id="{62F939B6-93AF-4DB8-9C6B-D6C7DFDC589F}" vid="{4A3C46E8-61CC-4603-A589-7422A47A8E4A}"/>
+      <thm15:themeFamily xmlns:thm15="http://schemas.microsoft.com/office/thememl/2012/main" xmlns="" name="Office Theme" id="{62F939B6-93AF-4DB8-9C6B-D6C7DFDC589F}" vid="{4A3C46E8-61CC-4603-A589-7422A47A8E4A}"/>
     </a:ext>
   </a:extLst>
 </a:theme>
@@ -10748,7 +10777,7 @@
   <a:extraClrSchemeLst/>
   <a:extLst>
     <a:ext uri="{05A4C25C-085E-4340-85A3-A5531E510DB2}">
-      <thm15:themeFamily xmlns:thm15="http://schemas.microsoft.com/office/thememl/2012/main" name="Office Theme" id="{62F939B6-93AF-4DB8-9C6B-D6C7DFDC589F}" vid="{4A3C46E8-61CC-4603-A589-7422A47A8E4A}"/>
+      <thm15:themeFamily xmlns:thm15="http://schemas.microsoft.com/office/thememl/2012/main" xmlns="" name="Office Theme" id="{62F939B6-93AF-4DB8-9C6B-D6C7DFDC589F}" vid="{4A3C46E8-61CC-4603-A589-7422A47A8E4A}"/>
     </a:ext>
   </a:extLst>
 </a:theme>

--- a/docu/Kubernetes_Nexcloud.pptx
+++ b/docu/Kubernetes_Nexcloud.pptx
@@ -118,7 +118,7 @@
   </p:defaultTextStyle>
   <p:extLst>
     <p:ext uri="{EFAFB233-063F-42B5-8137-9DF3F51BA10A}">
-      <p15:sldGuideLst xmlns:p15="http://schemas.microsoft.com/office/powerpoint/2012/main" xmlns="">
+      <p15:sldGuideLst xmlns:p15="http://schemas.microsoft.com/office/powerpoint/2012/main">
         <p15:guide id="1" orient="horz" pos="2160">
           <p15:clr>
             <a:srgbClr val="A4A3A4"/>
@@ -3099,1149 +3099,1149 @@
           <a:lstStyle/>
           <a:p>
             <a:r>
-              <a:rPr lang="de-DE" dirty="0" err="1" smtClean="0"/>
+              <a:rPr lang="de-DE" dirty="0" err="1"/>
               <a:t>Kubernetes</a:t>
             </a:r>
             <a:r>
-              <a:rPr lang="de-DE" dirty="0" smtClean="0"/>
-              <a:t> </a:t>
-            </a:r>
-            <a:r>
-              <a:rPr lang="de-DE" dirty="0" err="1" smtClean="0"/>
+              <a:rPr lang="de-DE" dirty="0"/>
+              <a:t> </a:t>
+            </a:r>
+            <a:r>
+              <a:rPr lang="de-DE" dirty="0" err="1"/>
               <a:t>uses</a:t>
             </a:r>
             <a:r>
-              <a:rPr lang="de-DE" dirty="0" smtClean="0"/>
+              <a:rPr lang="de-DE" dirty="0"/>
               <a:t> YAML</a:t>
             </a:r>
             <a:r>
-              <a:rPr lang="de-DE" baseline="0" dirty="0" smtClean="0"/>
-              <a:t> </a:t>
-            </a:r>
-            <a:r>
-              <a:rPr lang="de-DE" baseline="0" dirty="0" err="1" smtClean="0"/>
+              <a:rPr lang="de-DE" baseline="0" dirty="0"/>
+              <a:t> </a:t>
+            </a:r>
+            <a:r>
+              <a:rPr lang="de-DE" baseline="0" dirty="0" err="1"/>
               <a:t>configuration</a:t>
             </a:r>
             <a:r>
-              <a:rPr lang="de-DE" baseline="0" dirty="0" smtClean="0"/>
-              <a:t> </a:t>
-            </a:r>
-            <a:r>
-              <a:rPr lang="de-DE" baseline="0" dirty="0" err="1" smtClean="0"/>
+              <a:rPr lang="de-DE" baseline="0" dirty="0"/>
+              <a:t> </a:t>
+            </a:r>
+            <a:r>
+              <a:rPr lang="de-DE" baseline="0" dirty="0" err="1"/>
               <a:t>files</a:t>
             </a:r>
             <a:r>
-              <a:rPr lang="de-DE" baseline="0" dirty="0" smtClean="0"/>
-              <a:t> </a:t>
-            </a:r>
-            <a:r>
-              <a:rPr lang="de-DE" baseline="0" dirty="0" err="1" smtClean="0"/>
+              <a:rPr lang="de-DE" baseline="0" dirty="0"/>
+              <a:t> </a:t>
+            </a:r>
+            <a:r>
+              <a:rPr lang="de-DE" baseline="0" dirty="0" err="1"/>
               <a:t>to</a:t>
             </a:r>
             <a:r>
-              <a:rPr lang="de-DE" baseline="0" dirty="0" smtClean="0"/>
-              <a:t> </a:t>
-            </a:r>
-            <a:r>
-              <a:rPr lang="de-DE" baseline="0" dirty="0" err="1" smtClean="0"/>
+              <a:rPr lang="de-DE" baseline="0" dirty="0"/>
+              <a:t> </a:t>
+            </a:r>
+            <a:r>
+              <a:rPr lang="de-DE" baseline="0" dirty="0" err="1"/>
               <a:t>deploy</a:t>
             </a:r>
             <a:r>
-              <a:rPr lang="de-DE" baseline="0" dirty="0" smtClean="0"/>
+              <a:rPr lang="de-DE" baseline="0" dirty="0"/>
               <a:t> different </a:t>
             </a:r>
             <a:r>
-              <a:rPr lang="de-DE" baseline="0" dirty="0" err="1" smtClean="0"/>
+              <a:rPr lang="de-DE" baseline="0" dirty="0" err="1"/>
               <a:t>objects</a:t>
             </a:r>
             <a:r>
-              <a:rPr lang="de-DE" baseline="0" dirty="0" smtClean="0"/>
+              <a:rPr lang="de-DE" baseline="0" dirty="0"/>
               <a:t>. </a:t>
             </a:r>
             <a:r>
-              <a:rPr lang="de-DE" baseline="0" dirty="0" err="1" smtClean="0"/>
+              <a:rPr lang="de-DE" baseline="0" dirty="0" err="1"/>
               <a:t>They</a:t>
             </a:r>
             <a:r>
-              <a:rPr lang="de-DE" baseline="0" dirty="0" smtClean="0"/>
-              <a:t> </a:t>
-            </a:r>
-            <a:r>
-              <a:rPr lang="de-DE" baseline="0" dirty="0" err="1" smtClean="0"/>
+              <a:rPr lang="de-DE" baseline="0" dirty="0"/>
+              <a:t> </a:t>
+            </a:r>
+            <a:r>
+              <a:rPr lang="de-DE" baseline="0" dirty="0" err="1"/>
               <a:t>allow</a:t>
             </a:r>
             <a:r>
-              <a:rPr lang="de-DE" baseline="0" dirty="0" smtClean="0"/>
-              <a:t> </a:t>
-            </a:r>
-            <a:r>
-              <a:rPr lang="de-DE" baseline="0" dirty="0" err="1" smtClean="0"/>
+              <a:rPr lang="de-DE" baseline="0" dirty="0"/>
+              <a:t> </a:t>
+            </a:r>
+            <a:r>
+              <a:rPr lang="de-DE" baseline="0" dirty="0" err="1"/>
               <a:t>one</a:t>
             </a:r>
             <a:r>
-              <a:rPr lang="de-DE" baseline="0" dirty="0" smtClean="0"/>
-              <a:t> </a:t>
-            </a:r>
-            <a:r>
-              <a:rPr lang="de-DE" baseline="0" dirty="0" err="1" smtClean="0"/>
+              <a:rPr lang="de-DE" baseline="0" dirty="0"/>
+              <a:t> </a:t>
+            </a:r>
+            <a:r>
+              <a:rPr lang="de-DE" baseline="0" dirty="0" err="1"/>
               <a:t>to</a:t>
             </a:r>
             <a:r>
-              <a:rPr lang="de-DE" baseline="0" dirty="0" smtClean="0"/>
-              <a:t> </a:t>
-            </a:r>
-            <a:r>
-              <a:rPr lang="de-DE" baseline="0" dirty="0" err="1" smtClean="0"/>
+              <a:rPr lang="de-DE" baseline="0" dirty="0"/>
+              <a:t> </a:t>
+            </a:r>
+            <a:r>
+              <a:rPr lang="de-DE" baseline="0" dirty="0" err="1"/>
               <a:t>document</a:t>
             </a:r>
             <a:r>
-              <a:rPr lang="de-DE" baseline="0" dirty="0" smtClean="0"/>
-              <a:t> </a:t>
-            </a:r>
-            <a:r>
-              <a:rPr lang="de-DE" baseline="0" dirty="0" err="1" smtClean="0"/>
+              <a:rPr lang="de-DE" baseline="0" dirty="0"/>
+              <a:t> </a:t>
+            </a:r>
+            <a:r>
+              <a:rPr lang="de-DE" baseline="0" dirty="0" err="1"/>
               <a:t>the</a:t>
             </a:r>
             <a:r>
-              <a:rPr lang="de-DE" baseline="0" dirty="0" smtClean="0"/>
-              <a:t> </a:t>
-            </a:r>
-            <a:r>
-              <a:rPr lang="de-DE" baseline="0" dirty="0" err="1" smtClean="0"/>
+              <a:rPr lang="de-DE" baseline="0" dirty="0"/>
+              <a:t> </a:t>
+            </a:r>
+            <a:r>
+              <a:rPr lang="de-DE" baseline="0" dirty="0" err="1"/>
               <a:t>deployed</a:t>
             </a:r>
             <a:r>
-              <a:rPr lang="de-DE" baseline="0" dirty="0" smtClean="0"/>
-              <a:t> </a:t>
-            </a:r>
-            <a:r>
-              <a:rPr lang="de-DE" baseline="0" dirty="0" err="1" smtClean="0"/>
+              <a:rPr lang="de-DE" baseline="0" dirty="0"/>
+              <a:t> </a:t>
+            </a:r>
+            <a:r>
+              <a:rPr lang="de-DE" baseline="0" dirty="0" err="1"/>
               <a:t>pods</a:t>
             </a:r>
             <a:r>
-              <a:rPr lang="de-DE" baseline="0" dirty="0" smtClean="0"/>
-              <a:t> </a:t>
-            </a:r>
-            <a:r>
-              <a:rPr lang="de-DE" baseline="0" dirty="0" err="1" smtClean="0"/>
+              <a:rPr lang="de-DE" baseline="0" dirty="0"/>
+              <a:t> </a:t>
+            </a:r>
+            <a:r>
+              <a:rPr lang="de-DE" baseline="0" dirty="0" err="1"/>
               <a:t>and</a:t>
             </a:r>
             <a:r>
-              <a:rPr lang="de-DE" baseline="0" dirty="0" smtClean="0"/>
-              <a:t> </a:t>
-            </a:r>
-            <a:r>
-              <a:rPr lang="de-DE" baseline="0" dirty="0" err="1" smtClean="0"/>
+              <a:rPr lang="de-DE" baseline="0" dirty="0"/>
+              <a:t> </a:t>
+            </a:r>
+            <a:r>
+              <a:rPr lang="de-DE" baseline="0" dirty="0" err="1"/>
               <a:t>services</a:t>
             </a:r>
             <a:r>
-              <a:rPr lang="de-DE" baseline="0" dirty="0" smtClean="0"/>
-              <a:t> </a:t>
-            </a:r>
-            <a:r>
-              <a:rPr lang="de-DE" baseline="0" dirty="0" err="1" smtClean="0"/>
+              <a:rPr lang="de-DE" baseline="0" dirty="0"/>
+              <a:t> </a:t>
+            </a:r>
+            <a:r>
+              <a:rPr lang="de-DE" baseline="0" dirty="0" err="1"/>
               <a:t>and</a:t>
             </a:r>
             <a:r>
-              <a:rPr lang="de-DE" baseline="0" dirty="0" smtClean="0"/>
-              <a:t> </a:t>
-            </a:r>
-            <a:r>
-              <a:rPr lang="de-DE" baseline="0" dirty="0" err="1" smtClean="0"/>
+              <a:rPr lang="de-DE" baseline="0" dirty="0"/>
+              <a:t> </a:t>
+            </a:r>
+            <a:r>
+              <a:rPr lang="de-DE" baseline="0" dirty="0" err="1"/>
               <a:t>group</a:t>
             </a:r>
             <a:r>
-              <a:rPr lang="de-DE" baseline="0" dirty="0" smtClean="0"/>
-              <a:t> </a:t>
-            </a:r>
-            <a:r>
-              <a:rPr lang="de-DE" baseline="0" dirty="0" err="1" smtClean="0"/>
+              <a:rPr lang="de-DE" baseline="0" dirty="0"/>
+              <a:t> </a:t>
+            </a:r>
+            <a:r>
+              <a:rPr lang="de-DE" baseline="0" dirty="0" err="1"/>
               <a:t>them</a:t>
             </a:r>
             <a:r>
-              <a:rPr lang="de-DE" baseline="0" dirty="0" smtClean="0"/>
-              <a:t> </a:t>
-            </a:r>
-            <a:r>
-              <a:rPr lang="de-DE" baseline="0" dirty="0" err="1" smtClean="0"/>
+              <a:rPr lang="de-DE" baseline="0" dirty="0"/>
+              <a:t> </a:t>
+            </a:r>
+            <a:r>
+              <a:rPr lang="de-DE" baseline="0" dirty="0" err="1"/>
               <a:t>together</a:t>
             </a:r>
             <a:r>
-              <a:rPr lang="de-DE" baseline="0" dirty="0" smtClean="0"/>
+              <a:rPr lang="de-DE" baseline="0" dirty="0"/>
               <a:t>. </a:t>
             </a:r>
             <a:r>
-              <a:rPr lang="de-DE" baseline="0" dirty="0" err="1" smtClean="0"/>
+              <a:rPr lang="de-DE" baseline="0" dirty="0" err="1"/>
               <a:t>You</a:t>
             </a:r>
             <a:r>
-              <a:rPr lang="de-DE" baseline="0" dirty="0" smtClean="0"/>
-              <a:t> </a:t>
-            </a:r>
-            <a:r>
-              <a:rPr lang="de-DE" baseline="0" dirty="0" err="1" smtClean="0"/>
+              <a:rPr lang="de-DE" baseline="0" dirty="0"/>
+              <a:t> </a:t>
+            </a:r>
+            <a:r>
+              <a:rPr lang="de-DE" baseline="0" dirty="0" err="1"/>
               <a:t>can</a:t>
             </a:r>
             <a:r>
-              <a:rPr lang="de-DE" baseline="0" dirty="0" smtClean="0"/>
-              <a:t> </a:t>
-            </a:r>
-            <a:r>
-              <a:rPr lang="de-DE" baseline="0" dirty="0" err="1" smtClean="0"/>
+              <a:rPr lang="de-DE" baseline="0" dirty="0"/>
+              <a:t> </a:t>
+            </a:r>
+            <a:r>
+              <a:rPr lang="de-DE" baseline="0" dirty="0" err="1"/>
               <a:t>see</a:t>
             </a:r>
             <a:r>
-              <a:rPr lang="de-DE" baseline="0" dirty="0" smtClean="0"/>
+              <a:rPr lang="de-DE" baseline="0" dirty="0"/>
               <a:t> an </a:t>
             </a:r>
             <a:r>
-              <a:rPr lang="de-DE" baseline="0" dirty="0" err="1" smtClean="0"/>
+              <a:rPr lang="de-DE" baseline="0" dirty="0" err="1"/>
               <a:t>example</a:t>
             </a:r>
             <a:r>
-              <a:rPr lang="de-DE" baseline="0" dirty="0" smtClean="0"/>
+              <a:rPr lang="de-DE" baseline="0" dirty="0"/>
               <a:t> YAML file on </a:t>
             </a:r>
             <a:r>
-              <a:rPr lang="de-DE" baseline="0" dirty="0" err="1" smtClean="0"/>
+              <a:rPr lang="de-DE" baseline="0" dirty="0" err="1"/>
               <a:t>this</a:t>
             </a:r>
             <a:r>
-              <a:rPr lang="de-DE" baseline="0" dirty="0" smtClean="0"/>
-              <a:t> </a:t>
-            </a:r>
-            <a:r>
-              <a:rPr lang="de-DE" baseline="0" dirty="0" err="1" smtClean="0"/>
+              <a:rPr lang="de-DE" baseline="0" dirty="0"/>
+              <a:t> </a:t>
+            </a:r>
+            <a:r>
+              <a:rPr lang="de-DE" baseline="0" dirty="0" err="1"/>
               <a:t>slide</a:t>
             </a:r>
             <a:r>
-              <a:rPr lang="de-DE" baseline="0" dirty="0" smtClean="0"/>
+              <a:rPr lang="de-DE" baseline="0" dirty="0"/>
               <a:t>. A YAML file </a:t>
             </a:r>
             <a:r>
-              <a:rPr lang="de-DE" baseline="0" dirty="0" err="1" smtClean="0"/>
+              <a:rPr lang="de-DE" baseline="0" dirty="0" err="1"/>
               <a:t>has</a:t>
             </a:r>
             <a:r>
-              <a:rPr lang="de-DE" baseline="0" dirty="0" smtClean="0"/>
+              <a:rPr lang="de-DE" baseline="0" dirty="0"/>
               <a:t> a </a:t>
             </a:r>
             <a:r>
-              <a:rPr lang="de-DE" baseline="0" dirty="0" err="1" smtClean="0"/>
+              <a:rPr lang="de-DE" baseline="0" dirty="0" err="1"/>
               <a:t>base</a:t>
             </a:r>
             <a:r>
-              <a:rPr lang="de-DE" baseline="0" dirty="0" smtClean="0"/>
-              <a:t> </a:t>
-            </a:r>
-            <a:r>
-              <a:rPr lang="de-DE" baseline="0" dirty="0" err="1" smtClean="0"/>
+              <a:rPr lang="de-DE" baseline="0" dirty="0"/>
+              <a:t> </a:t>
+            </a:r>
+            <a:r>
+              <a:rPr lang="de-DE" baseline="0" dirty="0" err="1"/>
               <a:t>structure</a:t>
             </a:r>
             <a:r>
-              <a:rPr lang="de-DE" baseline="0" dirty="0" smtClean="0"/>
-              <a:t> </a:t>
-            </a:r>
-            <a:r>
-              <a:rPr lang="de-DE" baseline="0" dirty="0" err="1" smtClean="0"/>
+              <a:rPr lang="de-DE" baseline="0" dirty="0"/>
+              <a:t> </a:t>
+            </a:r>
+            <a:r>
+              <a:rPr lang="de-DE" baseline="0" dirty="0" err="1"/>
               <a:t>containing</a:t>
             </a:r>
             <a:r>
-              <a:rPr lang="de-DE" baseline="0" dirty="0" smtClean="0"/>
-              <a:t> </a:t>
-            </a:r>
-            <a:r>
-              <a:rPr lang="de-DE" baseline="0" dirty="0" err="1" smtClean="0"/>
+              <a:rPr lang="de-DE" baseline="0" dirty="0"/>
+              <a:t> </a:t>
+            </a:r>
+            <a:r>
+              <a:rPr lang="de-DE" baseline="0" dirty="0" err="1"/>
               <a:t>Apiversion</a:t>
             </a:r>
             <a:r>
-              <a:rPr lang="de-DE" baseline="0" dirty="0" smtClean="0"/>
+              <a:rPr lang="de-DE" baseline="0" dirty="0"/>
               <a:t>, </a:t>
             </a:r>
             <a:r>
-              <a:rPr lang="de-DE" baseline="0" dirty="0" err="1" smtClean="0"/>
+              <a:rPr lang="de-DE" baseline="0" dirty="0" err="1"/>
               <a:t>kind</a:t>
             </a:r>
             <a:r>
-              <a:rPr lang="de-DE" baseline="0" dirty="0" smtClean="0"/>
+              <a:rPr lang="de-DE" baseline="0" dirty="0"/>
               <a:t>, </a:t>
             </a:r>
             <a:r>
-              <a:rPr lang="de-DE" baseline="0" dirty="0" err="1" smtClean="0"/>
+              <a:rPr lang="de-DE" baseline="0" dirty="0" err="1"/>
               <a:t>metadata</a:t>
             </a:r>
             <a:r>
-              <a:rPr lang="de-DE" baseline="0" dirty="0" smtClean="0"/>
-              <a:t> </a:t>
-            </a:r>
-            <a:r>
-              <a:rPr lang="de-DE" baseline="0" dirty="0" err="1" smtClean="0"/>
+              <a:rPr lang="de-DE" baseline="0" dirty="0"/>
+              <a:t> </a:t>
+            </a:r>
+            <a:r>
+              <a:rPr lang="de-DE" baseline="0" dirty="0" err="1"/>
               <a:t>and</a:t>
             </a:r>
             <a:r>
-              <a:rPr lang="de-DE" baseline="0" dirty="0" smtClean="0"/>
-              <a:t> </a:t>
-            </a:r>
-            <a:r>
-              <a:rPr lang="de-DE" baseline="0" dirty="0" err="1" smtClean="0"/>
+              <a:rPr lang="de-DE" baseline="0" dirty="0"/>
+              <a:t> </a:t>
+            </a:r>
+            <a:r>
+              <a:rPr lang="de-DE" baseline="0" dirty="0" err="1"/>
               <a:t>spec</a:t>
             </a:r>
             <a:r>
-              <a:rPr lang="de-DE" baseline="0" dirty="0" smtClean="0"/>
+              <a:rPr lang="de-DE" baseline="0" dirty="0"/>
               <a:t>.</a:t>
             </a:r>
           </a:p>
           <a:p>
-            <a:endParaRPr lang="de-DE" baseline="0" dirty="0" smtClean="0"/>
-          </a:p>
-          <a:p>
-            <a:r>
-              <a:rPr lang="de-DE" baseline="0" dirty="0" err="1" smtClean="0"/>
+            <a:endParaRPr lang="de-DE" baseline="0" dirty="0"/>
+          </a:p>
+          <a:p>
+            <a:r>
+              <a:rPr lang="de-DE" baseline="0" dirty="0" err="1"/>
               <a:t>Apiversion</a:t>
             </a:r>
             <a:r>
-              <a:rPr lang="de-DE" baseline="0" dirty="0" smtClean="0"/>
-              <a:t> </a:t>
-            </a:r>
-            <a:r>
-              <a:rPr lang="de-DE" baseline="0" dirty="0" err="1" smtClean="0"/>
+              <a:rPr lang="de-DE" baseline="0" dirty="0"/>
+              <a:t> </a:t>
+            </a:r>
+            <a:r>
+              <a:rPr lang="de-DE" baseline="0" dirty="0" err="1"/>
               <a:t>specifies</a:t>
             </a:r>
             <a:r>
-              <a:rPr lang="de-DE" baseline="0" dirty="0" smtClean="0"/>
-              <a:t> </a:t>
-            </a:r>
-            <a:r>
-              <a:rPr lang="de-DE" baseline="0" dirty="0" err="1" smtClean="0"/>
+              <a:rPr lang="de-DE" baseline="0" dirty="0"/>
+              <a:t> </a:t>
+            </a:r>
+            <a:r>
+              <a:rPr lang="de-DE" baseline="0" dirty="0" err="1"/>
               <a:t>the</a:t>
             </a:r>
             <a:r>
-              <a:rPr lang="de-DE" baseline="0" dirty="0" smtClean="0"/>
-              <a:t> </a:t>
-            </a:r>
-            <a:r>
-              <a:rPr lang="de-DE" baseline="0" dirty="0" err="1" smtClean="0"/>
+              <a:rPr lang="de-DE" baseline="0" dirty="0"/>
+              <a:t> </a:t>
+            </a:r>
+            <a:r>
+              <a:rPr lang="de-DE" baseline="0" dirty="0" err="1"/>
               <a:t>version</a:t>
             </a:r>
             <a:r>
-              <a:rPr lang="de-DE" baseline="0" dirty="0" smtClean="0"/>
+              <a:rPr lang="de-DE" baseline="0" dirty="0"/>
               <a:t> of </a:t>
             </a:r>
             <a:r>
-              <a:rPr lang="de-DE" baseline="0" dirty="0" err="1" smtClean="0"/>
+              <a:rPr lang="de-DE" baseline="0" dirty="0" err="1"/>
               <a:t>the</a:t>
             </a:r>
             <a:r>
-              <a:rPr lang="de-DE" baseline="0" dirty="0" smtClean="0"/>
-              <a:t> </a:t>
-            </a:r>
-            <a:r>
-              <a:rPr lang="de-DE" baseline="0" dirty="0" err="1" smtClean="0"/>
+              <a:rPr lang="de-DE" baseline="0" dirty="0"/>
+              <a:t> </a:t>
+            </a:r>
+            <a:r>
+              <a:rPr lang="de-DE" baseline="0" dirty="0" err="1"/>
               <a:t>kubernetes</a:t>
             </a:r>
             <a:r>
-              <a:rPr lang="de-DE" baseline="0" dirty="0" smtClean="0"/>
-              <a:t> </a:t>
-            </a:r>
-            <a:r>
-              <a:rPr lang="de-DE" baseline="0" dirty="0" err="1" smtClean="0"/>
+              <a:rPr lang="de-DE" baseline="0" dirty="0"/>
+              <a:t> </a:t>
+            </a:r>
+            <a:r>
+              <a:rPr lang="de-DE" baseline="0" dirty="0" err="1"/>
               <a:t>api</a:t>
             </a:r>
             <a:r>
-              <a:rPr lang="de-DE" baseline="0" dirty="0" smtClean="0"/>
-              <a:t> </a:t>
-            </a:r>
-            <a:r>
-              <a:rPr lang="de-DE" baseline="0" dirty="0" err="1" smtClean="0"/>
+              <a:rPr lang="de-DE" baseline="0" dirty="0"/>
+              <a:t> </a:t>
+            </a:r>
+            <a:r>
+              <a:rPr lang="de-DE" baseline="0" dirty="0" err="1"/>
               <a:t>used</a:t>
             </a:r>
             <a:r>
-              <a:rPr lang="de-DE" baseline="0" dirty="0" smtClean="0"/>
-              <a:t> </a:t>
-            </a:r>
-            <a:r>
-              <a:rPr lang="de-DE" baseline="0" dirty="0" err="1" smtClean="0"/>
+              <a:rPr lang="de-DE" baseline="0" dirty="0"/>
+              <a:t> </a:t>
+            </a:r>
+            <a:r>
+              <a:rPr lang="de-DE" baseline="0" dirty="0" err="1"/>
               <a:t>to</a:t>
             </a:r>
             <a:r>
-              <a:rPr lang="de-DE" baseline="0" dirty="0" smtClean="0"/>
-              <a:t> </a:t>
-            </a:r>
-            <a:r>
-              <a:rPr lang="de-DE" baseline="0" dirty="0" err="1" smtClean="0"/>
+              <a:rPr lang="de-DE" baseline="0" dirty="0"/>
+              <a:t> </a:t>
+            </a:r>
+            <a:r>
+              <a:rPr lang="de-DE" baseline="0" dirty="0" err="1"/>
               <a:t>create</a:t>
             </a:r>
             <a:r>
-              <a:rPr lang="de-DE" baseline="0" dirty="0" smtClean="0"/>
-              <a:t> </a:t>
-            </a:r>
-            <a:r>
-              <a:rPr lang="de-DE" baseline="0" dirty="0" err="1" smtClean="0"/>
+              <a:rPr lang="de-DE" baseline="0" dirty="0"/>
+              <a:t> </a:t>
+            </a:r>
+            <a:r>
+              <a:rPr lang="de-DE" baseline="0" dirty="0" err="1"/>
               <a:t>the</a:t>
             </a:r>
             <a:r>
-              <a:rPr lang="de-DE" baseline="0" dirty="0" smtClean="0"/>
-              <a:t> </a:t>
-            </a:r>
-            <a:r>
-              <a:rPr lang="de-DE" baseline="0" dirty="0" err="1" smtClean="0"/>
+              <a:rPr lang="de-DE" baseline="0" dirty="0"/>
+              <a:t> </a:t>
+            </a:r>
+            <a:r>
+              <a:rPr lang="de-DE" baseline="0" dirty="0" err="1"/>
               <a:t>object</a:t>
             </a:r>
             <a:r>
-              <a:rPr lang="de-DE" baseline="0" dirty="0" smtClean="0"/>
+              <a:rPr lang="de-DE" baseline="0" dirty="0"/>
               <a:t>, in </a:t>
             </a:r>
             <a:r>
-              <a:rPr lang="de-DE" baseline="0" dirty="0" err="1" smtClean="0"/>
+              <a:rPr lang="de-DE" baseline="0" dirty="0" err="1"/>
               <a:t>this</a:t>
             </a:r>
             <a:r>
-              <a:rPr lang="de-DE" baseline="0" dirty="0" smtClean="0"/>
-              <a:t> </a:t>
-            </a:r>
-            <a:r>
-              <a:rPr lang="de-DE" baseline="0" dirty="0" err="1" smtClean="0"/>
+              <a:rPr lang="de-DE" baseline="0" dirty="0"/>
+              <a:t> </a:t>
+            </a:r>
+            <a:r>
+              <a:rPr lang="de-DE" baseline="0" dirty="0" err="1"/>
               <a:t>example</a:t>
             </a:r>
             <a:r>
-              <a:rPr lang="de-DE" baseline="0" dirty="0" smtClean="0"/>
-              <a:t> </a:t>
-            </a:r>
-            <a:r>
-              <a:rPr lang="de-DE" baseline="0" dirty="0" err="1" smtClean="0"/>
+              <a:rPr lang="de-DE" baseline="0" dirty="0"/>
+              <a:t> </a:t>
+            </a:r>
+            <a:r>
+              <a:rPr lang="de-DE" baseline="0" dirty="0" err="1"/>
               <a:t>it</a:t>
             </a:r>
             <a:r>
-              <a:rPr lang="de-DE" baseline="0" dirty="0" smtClean="0"/>
-              <a:t> </a:t>
-            </a:r>
-            <a:r>
-              <a:rPr lang="de-DE" baseline="0" dirty="0" err="1" smtClean="0"/>
+              <a:rPr lang="de-DE" baseline="0" dirty="0"/>
+              <a:t> </a:t>
+            </a:r>
+            <a:r>
+              <a:rPr lang="de-DE" baseline="0" dirty="0" err="1"/>
               <a:t>is</a:t>
             </a:r>
             <a:r>
-              <a:rPr lang="de-DE" baseline="0" dirty="0" smtClean="0"/>
+              <a:rPr lang="de-DE" baseline="0" dirty="0"/>
               <a:t> v1beta1</a:t>
             </a:r>
           </a:p>
           <a:p>
-            <a:endParaRPr lang="de-DE" baseline="0" dirty="0" smtClean="0"/>
-          </a:p>
-          <a:p>
-            <a:r>
-              <a:rPr lang="de-DE" baseline="0" dirty="0" smtClean="0"/>
+            <a:endParaRPr lang="de-DE" baseline="0" dirty="0"/>
+          </a:p>
+          <a:p>
+            <a:r>
+              <a:rPr lang="de-DE" baseline="0" dirty="0"/>
               <a:t>Kind </a:t>
             </a:r>
             <a:r>
-              <a:rPr lang="de-DE" baseline="0" dirty="0" err="1" smtClean="0"/>
+              <a:rPr lang="de-DE" baseline="0" dirty="0" err="1"/>
               <a:t>describes</a:t>
             </a:r>
             <a:r>
-              <a:rPr lang="de-DE" baseline="0" dirty="0" smtClean="0"/>
-              <a:t> </a:t>
-            </a:r>
-            <a:r>
-              <a:rPr lang="de-DE" baseline="0" dirty="0" err="1" smtClean="0"/>
+              <a:rPr lang="de-DE" baseline="0" dirty="0"/>
+              <a:t> </a:t>
+            </a:r>
+            <a:r>
+              <a:rPr lang="de-DE" baseline="0" dirty="0" err="1"/>
               <a:t>the</a:t>
             </a:r>
             <a:r>
-              <a:rPr lang="de-DE" baseline="0" dirty="0" smtClean="0"/>
-              <a:t> </a:t>
-            </a:r>
-            <a:r>
-              <a:rPr lang="de-DE" baseline="0" dirty="0" err="1" smtClean="0"/>
+              <a:rPr lang="de-DE" baseline="0" dirty="0"/>
+              <a:t> </a:t>
+            </a:r>
+            <a:r>
+              <a:rPr lang="de-DE" baseline="0" dirty="0" err="1"/>
               <a:t>kind</a:t>
             </a:r>
             <a:r>
-              <a:rPr lang="de-DE" baseline="0" dirty="0" smtClean="0"/>
+              <a:rPr lang="de-DE" baseline="0" dirty="0"/>
               <a:t> of </a:t>
             </a:r>
             <a:r>
-              <a:rPr lang="de-DE" baseline="0" dirty="0" err="1" smtClean="0"/>
+              <a:rPr lang="de-DE" baseline="0" dirty="0" err="1"/>
               <a:t>object</a:t>
             </a:r>
             <a:r>
-              <a:rPr lang="de-DE" baseline="0" dirty="0" smtClean="0"/>
-              <a:t> </a:t>
-            </a:r>
-            <a:r>
-              <a:rPr lang="de-DE" baseline="0" dirty="0" err="1" smtClean="0"/>
+              <a:rPr lang="de-DE" baseline="0" dirty="0"/>
+              <a:t> </a:t>
+            </a:r>
+            <a:r>
+              <a:rPr lang="de-DE" baseline="0" dirty="0" err="1"/>
               <a:t>to</a:t>
             </a:r>
             <a:r>
-              <a:rPr lang="de-DE" baseline="0" dirty="0" smtClean="0"/>
-              <a:t> </a:t>
-            </a:r>
-            <a:r>
-              <a:rPr lang="de-DE" baseline="0" dirty="0" err="1" smtClean="0"/>
+              <a:rPr lang="de-DE" baseline="0" dirty="0"/>
+              <a:t> </a:t>
+            </a:r>
+            <a:r>
+              <a:rPr lang="de-DE" baseline="0" dirty="0" err="1"/>
               <a:t>be</a:t>
             </a:r>
             <a:r>
-              <a:rPr lang="de-DE" baseline="0" dirty="0" smtClean="0"/>
-              <a:t> </a:t>
-            </a:r>
-            <a:r>
-              <a:rPr lang="de-DE" baseline="0" dirty="0" err="1" smtClean="0"/>
+              <a:rPr lang="de-DE" baseline="0" dirty="0"/>
+              <a:t> </a:t>
+            </a:r>
+            <a:r>
+              <a:rPr lang="de-DE" baseline="0" dirty="0" err="1"/>
               <a:t>created</a:t>
             </a:r>
             <a:r>
-              <a:rPr lang="de-DE" baseline="0" dirty="0" smtClean="0"/>
+              <a:rPr lang="de-DE" baseline="0" dirty="0"/>
               <a:t>. </a:t>
             </a:r>
             <a:r>
-              <a:rPr lang="de-DE" baseline="0" dirty="0" err="1" smtClean="0"/>
+              <a:rPr lang="de-DE" baseline="0" dirty="0" err="1"/>
               <a:t>Deployment</a:t>
             </a:r>
             <a:r>
-              <a:rPr lang="de-DE" baseline="0" dirty="0" smtClean="0"/>
+              <a:rPr lang="de-DE" baseline="0" dirty="0"/>
               <a:t>, </a:t>
             </a:r>
             <a:r>
-              <a:rPr lang="de-DE" baseline="0" dirty="0" err="1" smtClean="0"/>
+              <a:rPr lang="de-DE" baseline="0" dirty="0" err="1"/>
               <a:t>as</a:t>
             </a:r>
             <a:r>
-              <a:rPr lang="de-DE" baseline="0" dirty="0" smtClean="0"/>
-              <a:t> </a:t>
-            </a:r>
-            <a:r>
-              <a:rPr lang="de-DE" baseline="0" dirty="0" err="1" smtClean="0"/>
+              <a:rPr lang="de-DE" baseline="0" dirty="0"/>
+              <a:t> </a:t>
+            </a:r>
+            <a:r>
+              <a:rPr lang="de-DE" baseline="0" dirty="0" err="1"/>
               <a:t>shown</a:t>
             </a:r>
             <a:r>
-              <a:rPr lang="de-DE" baseline="0" dirty="0" smtClean="0"/>
+              <a:rPr lang="de-DE" baseline="0" dirty="0"/>
               <a:t> in </a:t>
             </a:r>
             <a:r>
-              <a:rPr lang="de-DE" baseline="0" dirty="0" err="1" smtClean="0"/>
+              <a:rPr lang="de-DE" baseline="0" dirty="0" err="1"/>
               <a:t>the</a:t>
             </a:r>
             <a:r>
-              <a:rPr lang="de-DE" baseline="0" dirty="0" smtClean="0"/>
-              <a:t> </a:t>
-            </a:r>
-            <a:r>
-              <a:rPr lang="de-DE" baseline="0" dirty="0" err="1" smtClean="0"/>
+              <a:rPr lang="de-DE" baseline="0" dirty="0"/>
+              <a:t> </a:t>
+            </a:r>
+            <a:r>
+              <a:rPr lang="de-DE" baseline="0" dirty="0" err="1"/>
               <a:t>example</a:t>
             </a:r>
             <a:r>
-              <a:rPr lang="de-DE" baseline="0" dirty="0" smtClean="0"/>
-              <a:t> </a:t>
-            </a:r>
-            <a:r>
-              <a:rPr lang="de-DE" baseline="0" dirty="0" err="1" smtClean="0"/>
+              <a:rPr lang="de-DE" baseline="0" dirty="0"/>
+              <a:t> </a:t>
+            </a:r>
+            <a:r>
+              <a:rPr lang="de-DE" baseline="0" dirty="0" err="1"/>
               <a:t>is</a:t>
             </a:r>
             <a:r>
-              <a:rPr lang="de-DE" baseline="0" dirty="0" smtClean="0"/>
+              <a:rPr lang="de-DE" baseline="0" dirty="0"/>
               <a:t> for </a:t>
             </a:r>
             <a:r>
-              <a:rPr lang="de-DE" baseline="0" dirty="0" err="1" smtClean="0"/>
+              <a:rPr lang="de-DE" baseline="0" dirty="0" err="1"/>
               <a:t>the</a:t>
             </a:r>
             <a:r>
-              <a:rPr lang="de-DE" baseline="0" dirty="0" smtClean="0"/>
-              <a:t> </a:t>
-            </a:r>
-            <a:r>
-              <a:rPr lang="de-DE" baseline="0" dirty="0" err="1" smtClean="0"/>
+              <a:rPr lang="de-DE" baseline="0" dirty="0"/>
+              <a:t> </a:t>
+            </a:r>
+            <a:r>
+              <a:rPr lang="de-DE" baseline="0" dirty="0" err="1"/>
               <a:t>creation</a:t>
             </a:r>
             <a:r>
-              <a:rPr lang="de-DE" baseline="0" dirty="0" smtClean="0"/>
+              <a:rPr lang="de-DE" baseline="0" dirty="0"/>
               <a:t> of </a:t>
             </a:r>
             <a:r>
-              <a:rPr lang="de-DE" baseline="0" dirty="0" err="1" smtClean="0"/>
+              <a:rPr lang="de-DE" baseline="0" dirty="0" err="1"/>
               <a:t>pods</a:t>
             </a:r>
             <a:r>
-              <a:rPr lang="de-DE" baseline="0" dirty="0" smtClean="0"/>
+              <a:rPr lang="de-DE" baseline="0" dirty="0"/>
               <a:t>.</a:t>
             </a:r>
           </a:p>
           <a:p>
-            <a:endParaRPr lang="de-DE" baseline="0" dirty="0" smtClean="0"/>
-          </a:p>
-          <a:p>
-            <a:r>
-              <a:rPr lang="de-DE" baseline="0" dirty="0" err="1" smtClean="0"/>
+            <a:endParaRPr lang="de-DE" baseline="0" dirty="0"/>
+          </a:p>
+          <a:p>
+            <a:r>
+              <a:rPr lang="de-DE" baseline="0" dirty="0" err="1"/>
               <a:t>Metadata</a:t>
             </a:r>
             <a:r>
-              <a:rPr lang="de-DE" baseline="0" dirty="0" smtClean="0"/>
-              <a:t> </a:t>
-            </a:r>
-            <a:r>
-              <a:rPr lang="de-DE" baseline="0" dirty="0" err="1" smtClean="0"/>
+              <a:rPr lang="de-DE" baseline="0" dirty="0"/>
+              <a:t> </a:t>
+            </a:r>
+            <a:r>
+              <a:rPr lang="de-DE" baseline="0" dirty="0" err="1"/>
               <a:t>is</a:t>
             </a:r>
             <a:r>
-              <a:rPr lang="de-DE" baseline="0" dirty="0" smtClean="0"/>
-              <a:t> </a:t>
-            </a:r>
-            <a:r>
-              <a:rPr lang="de-DE" baseline="0" dirty="0" err="1" smtClean="0"/>
+              <a:rPr lang="de-DE" baseline="0" dirty="0"/>
+              <a:t> </a:t>
+            </a:r>
+            <a:r>
+              <a:rPr lang="de-DE" baseline="0" dirty="0" err="1"/>
               <a:t>used</a:t>
             </a:r>
             <a:r>
-              <a:rPr lang="de-DE" baseline="0" dirty="0" smtClean="0"/>
-              <a:t> </a:t>
-            </a:r>
-            <a:r>
-              <a:rPr lang="de-DE" baseline="0" dirty="0" err="1" smtClean="0"/>
+              <a:rPr lang="de-DE" baseline="0" dirty="0"/>
+              <a:t> </a:t>
+            </a:r>
+            <a:r>
+              <a:rPr lang="de-DE" baseline="0" dirty="0" err="1"/>
               <a:t>to</a:t>
             </a:r>
             <a:r>
-              <a:rPr lang="de-DE" baseline="0" dirty="0" smtClean="0"/>
-              <a:t> </a:t>
-            </a:r>
-            <a:r>
-              <a:rPr lang="de-DE" baseline="0" dirty="0" err="1" smtClean="0"/>
+              <a:rPr lang="de-DE" baseline="0" dirty="0"/>
+              <a:t> </a:t>
+            </a:r>
+            <a:r>
+              <a:rPr lang="de-DE" baseline="0" dirty="0" err="1"/>
               <a:t>help</a:t>
             </a:r>
             <a:r>
-              <a:rPr lang="de-DE" baseline="0" dirty="0" smtClean="0"/>
-              <a:t> </a:t>
-            </a:r>
-            <a:r>
-              <a:rPr lang="de-DE" baseline="0" dirty="0" err="1" smtClean="0"/>
+              <a:rPr lang="de-DE" baseline="0" dirty="0"/>
+              <a:t> </a:t>
+            </a:r>
+            <a:r>
+              <a:rPr lang="de-DE" baseline="0" dirty="0" err="1"/>
               <a:t>uniquely</a:t>
             </a:r>
             <a:r>
-              <a:rPr lang="de-DE" baseline="0" dirty="0" smtClean="0"/>
-              <a:t> </a:t>
-            </a:r>
-            <a:r>
-              <a:rPr lang="de-DE" baseline="0" dirty="0" err="1" smtClean="0"/>
+              <a:rPr lang="de-DE" baseline="0" dirty="0"/>
+              <a:t> </a:t>
+            </a:r>
+            <a:r>
+              <a:rPr lang="de-DE" baseline="0" dirty="0" err="1"/>
               <a:t>identify</a:t>
             </a:r>
             <a:r>
-              <a:rPr lang="de-DE" baseline="0" dirty="0" smtClean="0"/>
+              <a:rPr lang="de-DE" baseline="0" dirty="0"/>
               <a:t> an </a:t>
             </a:r>
             <a:r>
-              <a:rPr lang="de-DE" baseline="0" dirty="0" err="1" smtClean="0"/>
+              <a:rPr lang="de-DE" baseline="0" dirty="0" err="1"/>
               <a:t>object</a:t>
             </a:r>
             <a:r>
-              <a:rPr lang="de-DE" baseline="0" dirty="0" smtClean="0"/>
+              <a:rPr lang="de-DE" baseline="0" dirty="0"/>
               <a:t>. </a:t>
             </a:r>
             <a:r>
-              <a:rPr lang="de-DE" baseline="0" dirty="0" err="1" smtClean="0"/>
+              <a:rPr lang="de-DE" baseline="0" dirty="0" err="1"/>
               <a:t>It</a:t>
             </a:r>
             <a:r>
-              <a:rPr lang="de-DE" baseline="0" dirty="0" smtClean="0"/>
-              <a:t> </a:t>
-            </a:r>
-            <a:r>
-              <a:rPr lang="de-DE" baseline="0" dirty="0" err="1" smtClean="0"/>
+              <a:rPr lang="de-DE" baseline="0" dirty="0"/>
+              <a:t> </a:t>
+            </a:r>
+            <a:r>
+              <a:rPr lang="de-DE" baseline="0" dirty="0" err="1"/>
               <a:t>often</a:t>
             </a:r>
             <a:r>
-              <a:rPr lang="de-DE" baseline="0" dirty="0" smtClean="0"/>
-              <a:t> </a:t>
-            </a:r>
-            <a:r>
-              <a:rPr lang="de-DE" baseline="0" dirty="0" err="1" smtClean="0"/>
+              <a:rPr lang="de-DE" baseline="0" dirty="0"/>
+              <a:t> </a:t>
+            </a:r>
+            <a:r>
+              <a:rPr lang="de-DE" baseline="0" dirty="0" err="1"/>
               <a:t>contains</a:t>
             </a:r>
             <a:r>
-              <a:rPr lang="de-DE" baseline="0" dirty="0" smtClean="0"/>
+              <a:rPr lang="de-DE" baseline="0" dirty="0"/>
               <a:t> a </a:t>
             </a:r>
             <a:r>
-              <a:rPr lang="de-DE" baseline="0" dirty="0" err="1" smtClean="0"/>
+              <a:rPr lang="de-DE" baseline="0" dirty="0" err="1"/>
               <a:t>name</a:t>
             </a:r>
             <a:r>
-              <a:rPr lang="de-DE" baseline="0" dirty="0" smtClean="0"/>
+              <a:rPr lang="de-DE" baseline="0" dirty="0"/>
               <a:t>, like for </a:t>
             </a:r>
             <a:r>
-              <a:rPr lang="de-DE" baseline="0" dirty="0" err="1" smtClean="0"/>
+              <a:rPr lang="de-DE" baseline="0" dirty="0" err="1"/>
               <a:t>example</a:t>
             </a:r>
             <a:r>
-              <a:rPr lang="de-DE" baseline="0" dirty="0" smtClean="0"/>
-              <a:t> </a:t>
-            </a:r>
-            <a:r>
-              <a:rPr lang="de-DE" baseline="0" dirty="0" err="1" smtClean="0"/>
+              <a:rPr lang="de-DE" baseline="0" dirty="0"/>
+              <a:t> </a:t>
+            </a:r>
+            <a:r>
+              <a:rPr lang="de-DE" baseline="0" dirty="0" err="1"/>
               <a:t>envtest</a:t>
             </a:r>
             <a:r>
-              <a:rPr lang="de-DE" baseline="0" dirty="0" smtClean="0"/>
-              <a:t> </a:t>
-            </a:r>
-            <a:r>
-              <a:rPr lang="de-DE" baseline="0" dirty="0" err="1" smtClean="0"/>
+              <a:rPr lang="de-DE" baseline="0" dirty="0"/>
+              <a:t> </a:t>
+            </a:r>
+            <a:r>
+              <a:rPr lang="de-DE" baseline="0" dirty="0" err="1"/>
               <a:t>as</a:t>
             </a:r>
             <a:r>
-              <a:rPr lang="de-DE" baseline="0" dirty="0" smtClean="0"/>
-              <a:t> </a:t>
-            </a:r>
-            <a:r>
-              <a:rPr lang="de-DE" baseline="0" dirty="0" err="1" smtClean="0"/>
+              <a:rPr lang="de-DE" baseline="0" dirty="0"/>
+              <a:t> </a:t>
+            </a:r>
+            <a:r>
+              <a:rPr lang="de-DE" baseline="0" dirty="0" err="1"/>
               <a:t>shown</a:t>
             </a:r>
             <a:r>
-              <a:rPr lang="de-DE" baseline="0" dirty="0" smtClean="0"/>
+              <a:rPr lang="de-DE" baseline="0" dirty="0"/>
               <a:t> on </a:t>
             </a:r>
             <a:r>
-              <a:rPr lang="de-DE" baseline="0" dirty="0" err="1" smtClean="0"/>
+              <a:rPr lang="de-DE" baseline="0" dirty="0" err="1"/>
               <a:t>the</a:t>
             </a:r>
             <a:r>
-              <a:rPr lang="de-DE" baseline="0" dirty="0" smtClean="0"/>
-              <a:t> </a:t>
-            </a:r>
-            <a:r>
-              <a:rPr lang="de-DE" baseline="0" dirty="0" err="1" smtClean="0"/>
+              <a:rPr lang="de-DE" baseline="0" dirty="0"/>
+              <a:t> </a:t>
+            </a:r>
+            <a:r>
+              <a:rPr lang="de-DE" baseline="0" dirty="0" err="1"/>
               <a:t>slide</a:t>
             </a:r>
             <a:r>
-              <a:rPr lang="de-DE" baseline="0" dirty="0" smtClean="0"/>
+              <a:rPr lang="de-DE" baseline="0" dirty="0"/>
               <a:t>. </a:t>
             </a:r>
             <a:r>
-              <a:rPr lang="de-DE" baseline="0" dirty="0" err="1" smtClean="0"/>
+              <a:rPr lang="de-DE" baseline="0" dirty="0" err="1"/>
               <a:t>It</a:t>
             </a:r>
             <a:r>
-              <a:rPr lang="de-DE" baseline="0" dirty="0" smtClean="0"/>
-              <a:t> </a:t>
-            </a:r>
-            <a:r>
-              <a:rPr lang="de-DE" baseline="0" dirty="0" err="1" smtClean="0"/>
+              <a:rPr lang="de-DE" baseline="0" dirty="0"/>
+              <a:t> </a:t>
+            </a:r>
+            <a:r>
+              <a:rPr lang="de-DE" baseline="0" dirty="0" err="1"/>
               <a:t>can</a:t>
             </a:r>
             <a:r>
-              <a:rPr lang="de-DE" baseline="0" dirty="0" smtClean="0"/>
+              <a:rPr lang="de-DE" baseline="0" dirty="0"/>
               <a:t> also </a:t>
             </a:r>
             <a:r>
-              <a:rPr lang="de-DE" baseline="0" dirty="0" err="1" smtClean="0"/>
+              <a:rPr lang="de-DE" baseline="0" dirty="0" err="1"/>
               <a:t>often</a:t>
             </a:r>
             <a:r>
-              <a:rPr lang="de-DE" baseline="0" dirty="0" smtClean="0"/>
-              <a:t> </a:t>
-            </a:r>
-            <a:r>
-              <a:rPr lang="de-DE" baseline="0" dirty="0" err="1" smtClean="0"/>
+              <a:rPr lang="de-DE" baseline="0" dirty="0"/>
+              <a:t> </a:t>
+            </a:r>
+            <a:r>
+              <a:rPr lang="de-DE" baseline="0" dirty="0" err="1"/>
               <a:t>contain</a:t>
             </a:r>
             <a:r>
-              <a:rPr lang="de-DE" baseline="0" dirty="0" smtClean="0"/>
-              <a:t> </a:t>
-            </a:r>
-            <a:r>
-              <a:rPr lang="de-DE" baseline="0" dirty="0" err="1" smtClean="0"/>
+              <a:rPr lang="de-DE" baseline="0" dirty="0"/>
+              <a:t> </a:t>
+            </a:r>
+            <a:r>
+              <a:rPr lang="de-DE" baseline="0" dirty="0" err="1"/>
               <a:t>unique</a:t>
             </a:r>
             <a:r>
-              <a:rPr lang="de-DE" baseline="0" dirty="0" smtClean="0"/>
-              <a:t> </a:t>
-            </a:r>
-            <a:r>
-              <a:rPr lang="de-DE" baseline="0" dirty="0" err="1" smtClean="0"/>
+              <a:rPr lang="de-DE" baseline="0" dirty="0"/>
+              <a:t> </a:t>
+            </a:r>
+            <a:r>
+              <a:rPr lang="de-DE" baseline="0" dirty="0" err="1"/>
               <a:t>identificators</a:t>
             </a:r>
             <a:r>
-              <a:rPr lang="de-DE" baseline="0" dirty="0" smtClean="0"/>
-              <a:t> </a:t>
-            </a:r>
-            <a:r>
-              <a:rPr lang="de-DE" baseline="0" dirty="0" err="1" smtClean="0"/>
+              <a:rPr lang="de-DE" baseline="0" dirty="0"/>
+              <a:t> </a:t>
+            </a:r>
+            <a:r>
+              <a:rPr lang="de-DE" baseline="0" dirty="0" err="1"/>
               <a:t>and</a:t>
             </a:r>
             <a:r>
-              <a:rPr lang="de-DE" baseline="0" dirty="0" smtClean="0"/>
-              <a:t> </a:t>
-            </a:r>
-            <a:r>
-              <a:rPr lang="de-DE" baseline="0" dirty="0" err="1" smtClean="0"/>
+              <a:rPr lang="de-DE" baseline="0" dirty="0"/>
+              <a:t> </a:t>
+            </a:r>
+            <a:r>
+              <a:rPr lang="de-DE" baseline="0" dirty="0" err="1"/>
               <a:t>namespaces</a:t>
             </a:r>
             <a:r>
-              <a:rPr lang="de-DE" baseline="0" dirty="0" smtClean="0"/>
+              <a:rPr lang="de-DE" baseline="0" dirty="0"/>
               <a:t>.</a:t>
             </a:r>
           </a:p>
           <a:p>
-            <a:endParaRPr lang="de-DE" baseline="0" dirty="0" smtClean="0"/>
-          </a:p>
-          <a:p>
-            <a:r>
-              <a:rPr lang="de-DE" baseline="0" dirty="0" err="1" smtClean="0"/>
+            <a:endParaRPr lang="de-DE" baseline="0" dirty="0"/>
+          </a:p>
+          <a:p>
+            <a:r>
+              <a:rPr lang="de-DE" baseline="0" dirty="0" err="1"/>
               <a:t>Spec</a:t>
             </a:r>
             <a:r>
-              <a:rPr lang="de-DE" baseline="0" dirty="0" smtClean="0"/>
-              <a:t> </a:t>
-            </a:r>
-            <a:r>
-              <a:rPr lang="de-DE" baseline="0" dirty="0" err="1" smtClean="0"/>
+              <a:rPr lang="de-DE" baseline="0" dirty="0"/>
+              <a:t> </a:t>
+            </a:r>
+            <a:r>
+              <a:rPr lang="de-DE" baseline="0" dirty="0" err="1"/>
               <a:t>is</a:t>
             </a:r>
             <a:r>
-              <a:rPr lang="de-DE" baseline="0" dirty="0" smtClean="0"/>
-              <a:t> </a:t>
-            </a:r>
-            <a:r>
-              <a:rPr lang="de-DE" baseline="0" dirty="0" err="1" smtClean="0"/>
+              <a:rPr lang="de-DE" baseline="0" dirty="0"/>
+              <a:t> </a:t>
+            </a:r>
+            <a:r>
+              <a:rPr lang="de-DE" baseline="0" dirty="0" err="1"/>
               <a:t>then</a:t>
             </a:r>
             <a:r>
-              <a:rPr lang="de-DE" baseline="0" dirty="0" smtClean="0"/>
-              <a:t> </a:t>
-            </a:r>
-            <a:r>
-              <a:rPr lang="de-DE" baseline="0" dirty="0" err="1" smtClean="0"/>
+              <a:rPr lang="de-DE" baseline="0" dirty="0"/>
+              <a:t> </a:t>
+            </a:r>
+            <a:r>
+              <a:rPr lang="de-DE" baseline="0" dirty="0" err="1"/>
               <a:t>used</a:t>
             </a:r>
             <a:r>
-              <a:rPr lang="de-DE" baseline="0" dirty="0" smtClean="0"/>
-              <a:t> </a:t>
-            </a:r>
-            <a:r>
-              <a:rPr lang="de-DE" baseline="0" dirty="0" err="1" smtClean="0"/>
+              <a:rPr lang="de-DE" baseline="0" dirty="0"/>
+              <a:t> </a:t>
+            </a:r>
+            <a:r>
+              <a:rPr lang="de-DE" baseline="0" dirty="0" err="1"/>
               <a:t>to</a:t>
             </a:r>
             <a:r>
-              <a:rPr lang="de-DE" baseline="0" dirty="0" smtClean="0"/>
-              <a:t> </a:t>
-            </a:r>
-            <a:r>
-              <a:rPr lang="de-DE" baseline="0" dirty="0" err="1" smtClean="0"/>
+              <a:rPr lang="de-DE" baseline="0" dirty="0"/>
+              <a:t> </a:t>
+            </a:r>
+            <a:r>
+              <a:rPr lang="de-DE" baseline="0" dirty="0" err="1"/>
               <a:t>specify</a:t>
             </a:r>
             <a:r>
-              <a:rPr lang="de-DE" baseline="0" dirty="0" smtClean="0"/>
+              <a:rPr lang="de-DE" baseline="0" dirty="0"/>
               <a:t> additional </a:t>
             </a:r>
             <a:r>
-              <a:rPr lang="de-DE" baseline="0" dirty="0" err="1" smtClean="0"/>
+              <a:rPr lang="de-DE" baseline="0" dirty="0" err="1"/>
               <a:t>content</a:t>
             </a:r>
             <a:r>
-              <a:rPr lang="de-DE" baseline="0" dirty="0" smtClean="0"/>
-              <a:t> </a:t>
-            </a:r>
-            <a:r>
-              <a:rPr lang="de-DE" baseline="0" dirty="0" err="1" smtClean="0"/>
+              <a:rPr lang="de-DE" baseline="0" dirty="0"/>
+              <a:t> </a:t>
+            </a:r>
+            <a:r>
+              <a:rPr lang="de-DE" baseline="0" dirty="0" err="1"/>
               <a:t>depending</a:t>
             </a:r>
             <a:r>
-              <a:rPr lang="de-DE" baseline="0" dirty="0" smtClean="0"/>
+              <a:rPr lang="de-DE" baseline="0" dirty="0"/>
               <a:t> on </a:t>
             </a:r>
             <a:r>
-              <a:rPr lang="de-DE" baseline="0" dirty="0" err="1" smtClean="0"/>
+              <a:rPr lang="de-DE" baseline="0" dirty="0" err="1"/>
               <a:t>the</a:t>
             </a:r>
             <a:r>
-              <a:rPr lang="de-DE" baseline="0" dirty="0" smtClean="0"/>
+              <a:rPr lang="de-DE" baseline="0" dirty="0"/>
               <a:t> type of </a:t>
             </a:r>
             <a:r>
-              <a:rPr lang="de-DE" baseline="0" dirty="0" err="1" smtClean="0"/>
+              <a:rPr lang="de-DE" baseline="0" dirty="0" err="1"/>
               <a:t>object</a:t>
             </a:r>
             <a:r>
-              <a:rPr lang="de-DE" baseline="0" dirty="0" smtClean="0"/>
-              <a:t> </a:t>
-            </a:r>
-            <a:r>
-              <a:rPr lang="de-DE" baseline="0" dirty="0" err="1" smtClean="0"/>
+              <a:rPr lang="de-DE" baseline="0" dirty="0"/>
+              <a:t> </a:t>
+            </a:r>
+            <a:r>
+              <a:rPr lang="de-DE" baseline="0" dirty="0" err="1"/>
               <a:t>to</a:t>
             </a:r>
             <a:r>
-              <a:rPr lang="de-DE" baseline="0" dirty="0" smtClean="0"/>
-              <a:t> </a:t>
-            </a:r>
-            <a:r>
-              <a:rPr lang="de-DE" baseline="0" dirty="0" err="1" smtClean="0"/>
+              <a:rPr lang="de-DE" baseline="0" dirty="0"/>
+              <a:t> </a:t>
+            </a:r>
+            <a:r>
+              <a:rPr lang="de-DE" baseline="0" dirty="0" err="1"/>
               <a:t>be</a:t>
             </a:r>
             <a:r>
-              <a:rPr lang="de-DE" baseline="0" dirty="0" smtClean="0"/>
-              <a:t> </a:t>
-            </a:r>
-            <a:r>
-              <a:rPr lang="de-DE" baseline="0" dirty="0" err="1" smtClean="0"/>
+              <a:rPr lang="de-DE" baseline="0" dirty="0"/>
+              <a:t> </a:t>
+            </a:r>
+            <a:r>
+              <a:rPr lang="de-DE" baseline="0" dirty="0" err="1"/>
               <a:t>created</a:t>
             </a:r>
             <a:r>
-              <a:rPr lang="de-DE" baseline="0" dirty="0" smtClean="0"/>
+              <a:rPr lang="de-DE" baseline="0" dirty="0"/>
               <a:t>. For </a:t>
             </a:r>
             <a:r>
-              <a:rPr lang="de-DE" baseline="0" dirty="0" err="1" smtClean="0"/>
+              <a:rPr lang="de-DE" baseline="0" dirty="0" err="1"/>
               <a:t>example</a:t>
             </a:r>
             <a:r>
-              <a:rPr lang="de-DE" baseline="0" dirty="0" smtClean="0"/>
-              <a:t> </a:t>
-            </a:r>
-            <a:r>
-              <a:rPr lang="de-DE" baseline="0" dirty="0" err="1" smtClean="0"/>
+              <a:rPr lang="de-DE" baseline="0" dirty="0"/>
+              <a:t> </a:t>
+            </a:r>
+            <a:r>
+              <a:rPr lang="de-DE" baseline="0" dirty="0" err="1"/>
               <a:t>database</a:t>
             </a:r>
             <a:r>
-              <a:rPr lang="de-DE" baseline="0" dirty="0" smtClean="0"/>
-              <a:t> </a:t>
-            </a:r>
-            <a:r>
-              <a:rPr lang="de-DE" baseline="0" dirty="0" err="1" smtClean="0"/>
+              <a:rPr lang="de-DE" baseline="0" dirty="0"/>
+              <a:t> </a:t>
+            </a:r>
+            <a:r>
+              <a:rPr lang="de-DE" baseline="0" dirty="0" err="1"/>
               <a:t>deployments</a:t>
             </a:r>
             <a:r>
-              <a:rPr lang="de-DE" baseline="0" dirty="0" smtClean="0"/>
-              <a:t> </a:t>
-            </a:r>
-            <a:r>
-              <a:rPr lang="de-DE" baseline="0" dirty="0" err="1" smtClean="0"/>
+              <a:rPr lang="de-DE" baseline="0" dirty="0"/>
+              <a:t> </a:t>
+            </a:r>
+            <a:r>
+              <a:rPr lang="de-DE" baseline="0" dirty="0" err="1"/>
               <a:t>require</a:t>
             </a:r>
             <a:r>
-              <a:rPr lang="de-DE" baseline="0" dirty="0" smtClean="0"/>
+              <a:rPr lang="de-DE" baseline="0" dirty="0"/>
               <a:t> a </a:t>
             </a:r>
             <a:r>
-              <a:rPr lang="de-DE" baseline="0" dirty="0" err="1" smtClean="0"/>
+              <a:rPr lang="de-DE" baseline="0" dirty="0" err="1"/>
               <a:t>username</a:t>
             </a:r>
             <a:r>
-              <a:rPr lang="de-DE" baseline="0" dirty="0" smtClean="0"/>
-              <a:t> </a:t>
-            </a:r>
-            <a:r>
-              <a:rPr lang="de-DE" baseline="0" dirty="0" err="1" smtClean="0"/>
+              <a:rPr lang="de-DE" baseline="0" dirty="0"/>
+              <a:t> </a:t>
+            </a:r>
+            <a:r>
+              <a:rPr lang="de-DE" baseline="0" dirty="0" err="1"/>
               <a:t>and</a:t>
             </a:r>
             <a:r>
-              <a:rPr lang="de-DE" baseline="0" dirty="0" smtClean="0"/>
-              <a:t> </a:t>
-            </a:r>
-            <a:r>
-              <a:rPr lang="de-DE" baseline="0" dirty="0" err="1" smtClean="0"/>
+              <a:rPr lang="de-DE" baseline="0" dirty="0"/>
+              <a:t> </a:t>
+            </a:r>
+            <a:r>
+              <a:rPr lang="de-DE" baseline="0" dirty="0" err="1"/>
               <a:t>password</a:t>
             </a:r>
             <a:r>
-              <a:rPr lang="de-DE" baseline="0" dirty="0" smtClean="0"/>
-              <a:t> </a:t>
-            </a:r>
-            <a:r>
-              <a:rPr lang="de-DE" baseline="0" dirty="0" err="1" smtClean="0"/>
+              <a:rPr lang="de-DE" baseline="0" dirty="0"/>
+              <a:t> </a:t>
+            </a:r>
+            <a:r>
+              <a:rPr lang="de-DE" baseline="0" dirty="0" err="1"/>
               <a:t>as</a:t>
             </a:r>
             <a:r>
-              <a:rPr lang="de-DE" baseline="0" dirty="0" smtClean="0"/>
-              <a:t> </a:t>
-            </a:r>
-            <a:r>
-              <a:rPr lang="de-DE" baseline="0" dirty="0" err="1" smtClean="0"/>
+              <a:rPr lang="de-DE" baseline="0" dirty="0"/>
+              <a:t> </a:t>
+            </a:r>
+            <a:r>
+              <a:rPr lang="de-DE" baseline="0" dirty="0" err="1"/>
               <a:t>well</a:t>
             </a:r>
             <a:r>
-              <a:rPr lang="de-DE" baseline="0" dirty="0" smtClean="0"/>
-              <a:t> </a:t>
-            </a:r>
-            <a:r>
-              <a:rPr lang="de-DE" baseline="0" dirty="0" err="1" smtClean="0"/>
+              <a:rPr lang="de-DE" baseline="0" dirty="0"/>
+              <a:t> </a:t>
+            </a:r>
+            <a:r>
+              <a:rPr lang="de-DE" baseline="0" dirty="0" err="1"/>
               <a:t>as</a:t>
             </a:r>
             <a:r>
-              <a:rPr lang="de-DE" baseline="0" dirty="0" smtClean="0"/>
+              <a:rPr lang="de-DE" baseline="0" dirty="0"/>
               <a:t> a </a:t>
             </a:r>
             <a:r>
-              <a:rPr lang="de-DE" baseline="0" dirty="0" err="1" smtClean="0"/>
+              <a:rPr lang="de-DE" baseline="0" dirty="0" err="1"/>
               <a:t>service</a:t>
             </a:r>
             <a:r>
-              <a:rPr lang="de-DE" baseline="0" dirty="0" smtClean="0"/>
-              <a:t> </a:t>
-            </a:r>
-            <a:r>
-              <a:rPr lang="de-DE" baseline="0" dirty="0" err="1" smtClean="0"/>
+              <a:rPr lang="de-DE" baseline="0" dirty="0"/>
+              <a:t> </a:t>
+            </a:r>
+            <a:r>
+              <a:rPr lang="de-DE" baseline="0" dirty="0" err="1"/>
               <a:t>to</a:t>
             </a:r>
             <a:r>
-              <a:rPr lang="de-DE" baseline="0" dirty="0" smtClean="0"/>
-              <a:t> </a:t>
-            </a:r>
-            <a:r>
-              <a:rPr lang="de-DE" baseline="0" dirty="0" err="1" smtClean="0"/>
+              <a:rPr lang="de-DE" baseline="0" dirty="0"/>
+              <a:t> </a:t>
+            </a:r>
+            <a:r>
+              <a:rPr lang="de-DE" baseline="0" dirty="0" err="1"/>
               <a:t>connect</a:t>
             </a:r>
             <a:r>
-              <a:rPr lang="de-DE" baseline="0" dirty="0" smtClean="0"/>
-              <a:t> </a:t>
-            </a:r>
-            <a:r>
-              <a:rPr lang="de-DE" baseline="0" dirty="0" err="1" smtClean="0"/>
+              <a:rPr lang="de-DE" baseline="0" dirty="0"/>
+              <a:t> </a:t>
+            </a:r>
+            <a:r>
+              <a:rPr lang="de-DE" baseline="0" dirty="0" err="1"/>
               <a:t>to</a:t>
             </a:r>
             <a:r>
-              <a:rPr lang="de-DE" baseline="0" dirty="0" smtClean="0"/>
+              <a:rPr lang="de-DE" baseline="0" dirty="0"/>
               <a:t>. In </a:t>
             </a:r>
             <a:r>
-              <a:rPr lang="de-DE" baseline="0" dirty="0" err="1" smtClean="0"/>
+              <a:rPr lang="de-DE" baseline="0" dirty="0" err="1"/>
               <a:t>the</a:t>
             </a:r>
             <a:r>
-              <a:rPr lang="de-DE" baseline="0" dirty="0" smtClean="0"/>
-              <a:t> </a:t>
-            </a:r>
-            <a:r>
-              <a:rPr lang="de-DE" baseline="0" dirty="0" err="1" smtClean="0"/>
+              <a:rPr lang="de-DE" baseline="0" dirty="0"/>
+              <a:t> </a:t>
+            </a:r>
+            <a:r>
+              <a:rPr lang="de-DE" baseline="0" dirty="0" err="1"/>
               <a:t>shown</a:t>
             </a:r>
             <a:r>
-              <a:rPr lang="de-DE" baseline="0" dirty="0" smtClean="0"/>
-              <a:t> </a:t>
-            </a:r>
-            <a:r>
-              <a:rPr lang="de-DE" baseline="0" dirty="0" err="1" smtClean="0"/>
+              <a:rPr lang="de-DE" baseline="0" dirty="0"/>
+              <a:t> </a:t>
+            </a:r>
+            <a:r>
+              <a:rPr lang="de-DE" baseline="0" dirty="0" err="1"/>
               <a:t>example</a:t>
             </a:r>
             <a:r>
-              <a:rPr lang="de-DE" baseline="0" dirty="0" smtClean="0"/>
-              <a:t> </a:t>
-            </a:r>
-            <a:r>
-              <a:rPr lang="de-DE" baseline="0" dirty="0" err="1" smtClean="0"/>
+              <a:rPr lang="de-DE" baseline="0" dirty="0"/>
+              <a:t> </a:t>
+            </a:r>
+            <a:r>
+              <a:rPr lang="de-DE" baseline="0" dirty="0" err="1"/>
               <a:t>you</a:t>
             </a:r>
             <a:r>
-              <a:rPr lang="de-DE" baseline="0" dirty="0" smtClean="0"/>
-              <a:t> </a:t>
-            </a:r>
-            <a:r>
-              <a:rPr lang="de-DE" baseline="0" dirty="0" err="1" smtClean="0"/>
+              <a:rPr lang="de-DE" baseline="0" dirty="0"/>
+              <a:t> </a:t>
+            </a:r>
+            <a:r>
+              <a:rPr lang="de-DE" baseline="0" dirty="0" err="1"/>
               <a:t>can</a:t>
             </a:r>
             <a:r>
-              <a:rPr lang="de-DE" baseline="0" dirty="0" smtClean="0"/>
-              <a:t> </a:t>
-            </a:r>
-            <a:r>
-              <a:rPr lang="de-DE" baseline="0" dirty="0" err="1" smtClean="0"/>
+              <a:rPr lang="de-DE" baseline="0" dirty="0"/>
+              <a:t> </a:t>
+            </a:r>
+            <a:r>
+              <a:rPr lang="de-DE" baseline="0" dirty="0" err="1"/>
               <a:t>see</a:t>
             </a:r>
             <a:r>
-              <a:rPr lang="de-DE" baseline="0" dirty="0" smtClean="0"/>
+              <a:rPr lang="de-DE" baseline="0" dirty="0"/>
               <a:t> a Port </a:t>
             </a:r>
             <a:r>
-              <a:rPr lang="de-DE" baseline="0" dirty="0" err="1" smtClean="0"/>
+              <a:rPr lang="de-DE" baseline="0" dirty="0" err="1"/>
               <a:t>being</a:t>
             </a:r>
             <a:r>
-              <a:rPr lang="de-DE" baseline="0" dirty="0" smtClean="0"/>
-              <a:t> </a:t>
-            </a:r>
-            <a:r>
-              <a:rPr lang="de-DE" baseline="0" dirty="0" err="1" smtClean="0"/>
+              <a:rPr lang="de-DE" baseline="0" dirty="0"/>
+              <a:t> </a:t>
+            </a:r>
+            <a:r>
+              <a:rPr lang="de-DE" baseline="0" dirty="0" err="1"/>
               <a:t>specified</a:t>
             </a:r>
             <a:r>
-              <a:rPr lang="de-DE" baseline="0" dirty="0" smtClean="0"/>
+              <a:rPr lang="de-DE" baseline="0" dirty="0"/>
               <a:t>.</a:t>
             </a:r>
           </a:p>
           <a:p>
-            <a:endParaRPr lang="de-DE" baseline="0" dirty="0" smtClean="0"/>
-          </a:p>
-          <a:p>
-            <a:r>
-              <a:rPr lang="de-DE" baseline="0" dirty="0" smtClean="0"/>
+            <a:endParaRPr lang="de-DE" baseline="0" dirty="0"/>
+          </a:p>
+          <a:p>
+            <a:r>
+              <a:rPr lang="de-DE" baseline="0" dirty="0"/>
               <a:t>Multiple YAML </a:t>
             </a:r>
             <a:r>
-              <a:rPr lang="de-DE" baseline="0" dirty="0" err="1" smtClean="0"/>
+              <a:rPr lang="de-DE" baseline="0" dirty="0" err="1"/>
               <a:t>files</a:t>
             </a:r>
             <a:r>
-              <a:rPr lang="de-DE" baseline="0" dirty="0" smtClean="0"/>
-              <a:t> </a:t>
-            </a:r>
-            <a:r>
-              <a:rPr lang="de-DE" baseline="0" dirty="0" err="1" smtClean="0"/>
+              <a:rPr lang="de-DE" baseline="0" dirty="0"/>
+              <a:t> </a:t>
+            </a:r>
+            <a:r>
+              <a:rPr lang="de-DE" baseline="0" dirty="0" err="1"/>
               <a:t>were</a:t>
             </a:r>
             <a:r>
-              <a:rPr lang="de-DE" baseline="0" dirty="0" smtClean="0"/>
-              <a:t> </a:t>
-            </a:r>
-            <a:r>
-              <a:rPr lang="de-DE" baseline="0" dirty="0" err="1" smtClean="0"/>
+              <a:rPr lang="de-DE" baseline="0" dirty="0"/>
+              <a:t> </a:t>
+            </a:r>
+            <a:r>
+              <a:rPr lang="de-DE" baseline="0" dirty="0" err="1"/>
               <a:t>used</a:t>
             </a:r>
             <a:r>
-              <a:rPr lang="de-DE" baseline="0" dirty="0" smtClean="0"/>
+              <a:rPr lang="de-DE" baseline="0" dirty="0"/>
               <a:t>, at least 1 per </a:t>
             </a:r>
             <a:r>
-              <a:rPr lang="de-DE" baseline="0" dirty="0" err="1" smtClean="0"/>
+              <a:rPr lang="de-DE" baseline="0" dirty="0" err="1"/>
               <a:t>architecture</a:t>
             </a:r>
             <a:r>
-              <a:rPr lang="de-DE" baseline="0" dirty="0" smtClean="0"/>
-              <a:t> </a:t>
-            </a:r>
-            <a:r>
-              <a:rPr lang="de-DE" baseline="0" dirty="0" err="1" smtClean="0"/>
+              <a:rPr lang="de-DE" baseline="0" dirty="0"/>
+              <a:t> </a:t>
+            </a:r>
+            <a:r>
+              <a:rPr lang="de-DE" baseline="0" dirty="0" err="1"/>
               <a:t>component</a:t>
             </a:r>
             <a:r>
-              <a:rPr lang="de-DE" baseline="0" dirty="0" smtClean="0"/>
+              <a:rPr lang="de-DE" baseline="0" dirty="0"/>
               <a:t>, </a:t>
             </a:r>
             <a:r>
-              <a:rPr lang="de-DE" baseline="0" dirty="0" err="1" smtClean="0"/>
+              <a:rPr lang="de-DE" baseline="0" dirty="0" err="1"/>
               <a:t>which</a:t>
             </a:r>
             <a:r>
-              <a:rPr lang="de-DE" baseline="0" dirty="0" smtClean="0"/>
+              <a:rPr lang="de-DE" baseline="0" dirty="0"/>
               <a:t> will </a:t>
             </a:r>
             <a:r>
-              <a:rPr lang="de-DE" baseline="0" dirty="0" err="1" smtClean="0"/>
+              <a:rPr lang="de-DE" baseline="0" dirty="0" err="1"/>
               <a:t>be</a:t>
             </a:r>
             <a:r>
-              <a:rPr lang="de-DE" baseline="0" dirty="0" smtClean="0"/>
-              <a:t> </a:t>
-            </a:r>
-            <a:r>
-              <a:rPr lang="de-DE" baseline="0" dirty="0" err="1" smtClean="0"/>
+              <a:rPr lang="de-DE" baseline="0" dirty="0"/>
+              <a:t> </a:t>
+            </a:r>
+            <a:r>
+              <a:rPr lang="de-DE" baseline="0" dirty="0" err="1"/>
               <a:t>shown</a:t>
             </a:r>
             <a:r>
-              <a:rPr lang="de-DE" baseline="0" dirty="0" smtClean="0"/>
-              <a:t> </a:t>
-            </a:r>
-            <a:r>
-              <a:rPr lang="de-DE" baseline="0" dirty="0" err="1" smtClean="0"/>
+              <a:rPr lang="de-DE" baseline="0" dirty="0"/>
+              <a:t> </a:t>
+            </a:r>
+            <a:r>
+              <a:rPr lang="de-DE" baseline="0" dirty="0" err="1"/>
               <a:t>next</a:t>
             </a:r>
             <a:r>
-              <a:rPr lang="de-DE" baseline="0" dirty="0" smtClean="0"/>
+              <a:rPr lang="de-DE" baseline="0" dirty="0"/>
               <a:t>.</a:t>
             </a:r>
           </a:p>
           <a:p>
-            <a:endParaRPr lang="de-DE" baseline="0" dirty="0" smtClean="0"/>
+            <a:endParaRPr lang="de-DE" baseline="0" dirty="0"/>
           </a:p>
           <a:p>
             <a:endParaRPr lang="de-DE" dirty="0"/>
@@ -4329,1130 +4329,1130 @@
           <a:lstStyle/>
           <a:p>
             <a:r>
-              <a:rPr lang="de-DE" dirty="0" smtClean="0"/>
+              <a:rPr lang="de-DE" dirty="0"/>
               <a:t>For</a:t>
             </a:r>
             <a:r>
-              <a:rPr lang="de-DE" baseline="0" dirty="0" smtClean="0"/>
-              <a:t> </a:t>
-            </a:r>
-            <a:r>
-              <a:rPr lang="de-DE" baseline="0" dirty="0" err="1" smtClean="0"/>
+              <a:rPr lang="de-DE" baseline="0" dirty="0"/>
+              <a:t> </a:t>
+            </a:r>
+            <a:r>
+              <a:rPr lang="de-DE" baseline="0" dirty="0" err="1"/>
               <a:t>the</a:t>
             </a:r>
             <a:r>
-              <a:rPr lang="de-DE" baseline="0" dirty="0" smtClean="0"/>
-              <a:t> </a:t>
-            </a:r>
-            <a:r>
-              <a:rPr lang="de-DE" baseline="0" dirty="0" err="1" smtClean="0"/>
+              <a:rPr lang="de-DE" baseline="0" dirty="0"/>
+              <a:t> </a:t>
+            </a:r>
+            <a:r>
+              <a:rPr lang="de-DE" baseline="0" dirty="0" err="1"/>
               <a:t>architecture</a:t>
             </a:r>
             <a:r>
-              <a:rPr lang="de-DE" baseline="0" dirty="0" smtClean="0"/>
+              <a:rPr lang="de-DE" baseline="0" dirty="0"/>
               <a:t> of </a:t>
             </a:r>
             <a:r>
-              <a:rPr lang="de-DE" baseline="0" dirty="0" err="1" smtClean="0"/>
+              <a:rPr lang="de-DE" baseline="0" dirty="0" err="1"/>
               <a:t>our</a:t>
             </a:r>
             <a:r>
-              <a:rPr lang="de-DE" baseline="0" dirty="0" smtClean="0"/>
-              <a:t> </a:t>
-            </a:r>
-            <a:r>
-              <a:rPr lang="de-DE" baseline="0" dirty="0" err="1" smtClean="0"/>
+              <a:rPr lang="de-DE" baseline="0" dirty="0"/>
+              <a:t> </a:t>
+            </a:r>
+            <a:r>
+              <a:rPr lang="de-DE" baseline="0" dirty="0" err="1"/>
               <a:t>project</a:t>
             </a:r>
             <a:r>
-              <a:rPr lang="de-DE" baseline="0" dirty="0" smtClean="0"/>
+              <a:rPr lang="de-DE" baseline="0" dirty="0"/>
               <a:t>, </a:t>
             </a:r>
             <a:r>
-              <a:rPr lang="de-DE" baseline="0" dirty="0" err="1" smtClean="0"/>
+              <a:rPr lang="de-DE" baseline="0" dirty="0" err="1"/>
               <a:t>we</a:t>
             </a:r>
             <a:r>
-              <a:rPr lang="de-DE" baseline="0" dirty="0" smtClean="0"/>
-              <a:t> </a:t>
-            </a:r>
-            <a:r>
-              <a:rPr lang="de-DE" baseline="0" dirty="0" err="1" smtClean="0"/>
+              <a:rPr lang="de-DE" baseline="0" dirty="0"/>
+              <a:t> </a:t>
+            </a:r>
+            <a:r>
+              <a:rPr lang="de-DE" baseline="0" dirty="0" err="1"/>
               <a:t>focused</a:t>
             </a:r>
             <a:r>
-              <a:rPr lang="de-DE" baseline="0" dirty="0" smtClean="0"/>
+              <a:rPr lang="de-DE" baseline="0" dirty="0"/>
               <a:t> on </a:t>
             </a:r>
             <a:r>
-              <a:rPr lang="de-DE" baseline="0" dirty="0" err="1" smtClean="0"/>
+              <a:rPr lang="de-DE" baseline="0" dirty="0" err="1"/>
               <a:t>the</a:t>
             </a:r>
             <a:r>
-              <a:rPr lang="de-DE" baseline="0" dirty="0" smtClean="0"/>
-              <a:t> </a:t>
-            </a:r>
-            <a:r>
-              <a:rPr lang="de-DE" baseline="0" dirty="0" err="1" smtClean="0"/>
+              <a:rPr lang="de-DE" baseline="0" dirty="0"/>
+              <a:t> </a:t>
+            </a:r>
+            <a:r>
+              <a:rPr lang="de-DE" baseline="0" dirty="0" err="1"/>
               <a:t>main</a:t>
             </a:r>
             <a:r>
-              <a:rPr lang="de-DE" baseline="0" dirty="0" smtClean="0"/>
-              <a:t> </a:t>
-            </a:r>
-            <a:r>
-              <a:rPr lang="de-DE" baseline="0" dirty="0" err="1" smtClean="0"/>
+              <a:rPr lang="de-DE" baseline="0" dirty="0"/>
+              <a:t> </a:t>
+            </a:r>
+            <a:r>
+              <a:rPr lang="de-DE" baseline="0" dirty="0" err="1"/>
               <a:t>objectives</a:t>
             </a:r>
             <a:r>
-              <a:rPr lang="de-DE" baseline="0" dirty="0" smtClean="0"/>
+              <a:rPr lang="de-DE" baseline="0" dirty="0"/>
               <a:t> of </a:t>
             </a:r>
             <a:r>
-              <a:rPr lang="de-DE" baseline="0" dirty="0" err="1" smtClean="0"/>
+              <a:rPr lang="de-DE" baseline="0" dirty="0" err="1"/>
               <a:t>scalability</a:t>
             </a:r>
             <a:r>
-              <a:rPr lang="de-DE" baseline="0" dirty="0" smtClean="0"/>
+              <a:rPr lang="de-DE" baseline="0" dirty="0"/>
               <a:t>, </a:t>
             </a:r>
             <a:r>
-              <a:rPr lang="de-DE" baseline="0" dirty="0" err="1" smtClean="0"/>
+              <a:rPr lang="de-DE" baseline="0" dirty="0" err="1"/>
               <a:t>storage</a:t>
             </a:r>
             <a:r>
-              <a:rPr lang="de-DE" baseline="0" dirty="0" smtClean="0"/>
-              <a:t> </a:t>
-            </a:r>
-            <a:r>
-              <a:rPr lang="de-DE" baseline="0" dirty="0" err="1" smtClean="0"/>
+              <a:rPr lang="de-DE" baseline="0" dirty="0"/>
+              <a:t> </a:t>
+            </a:r>
+            <a:r>
+              <a:rPr lang="de-DE" baseline="0" dirty="0" err="1"/>
               <a:t>distribution</a:t>
             </a:r>
             <a:r>
-              <a:rPr lang="de-DE" baseline="0" dirty="0" smtClean="0"/>
-              <a:t> </a:t>
-            </a:r>
-            <a:r>
-              <a:rPr lang="de-DE" baseline="0" dirty="0" err="1" smtClean="0"/>
+              <a:rPr lang="de-DE" baseline="0" dirty="0"/>
+              <a:t> </a:t>
+            </a:r>
+            <a:r>
+              <a:rPr lang="de-DE" baseline="0" dirty="0" err="1"/>
               <a:t>and</a:t>
             </a:r>
             <a:r>
-              <a:rPr lang="de-DE" baseline="0" dirty="0" smtClean="0"/>
+              <a:rPr lang="de-DE" baseline="0" dirty="0"/>
               <a:t> high </a:t>
             </a:r>
             <a:r>
-              <a:rPr lang="de-DE" baseline="0" dirty="0" err="1" smtClean="0"/>
+              <a:rPr lang="de-DE" baseline="0" dirty="0" err="1"/>
               <a:t>availability</a:t>
             </a:r>
             <a:r>
-              <a:rPr lang="de-DE" baseline="0" dirty="0" smtClean="0"/>
+              <a:rPr lang="de-DE" baseline="0" dirty="0"/>
               <a:t>. </a:t>
             </a:r>
           </a:p>
           <a:p>
-            <a:endParaRPr lang="de-DE" baseline="0" dirty="0" smtClean="0"/>
-          </a:p>
-          <a:p>
-            <a:r>
-              <a:rPr lang="de-DE" baseline="0" dirty="0" smtClean="0"/>
+            <a:endParaRPr lang="de-DE" baseline="0" dirty="0"/>
+          </a:p>
+          <a:p>
+            <a:r>
+              <a:rPr lang="de-DE" baseline="0" dirty="0"/>
               <a:t>As </a:t>
             </a:r>
             <a:r>
-              <a:rPr lang="de-DE" baseline="0" dirty="0" err="1" smtClean="0"/>
+              <a:rPr lang="de-DE" baseline="0" dirty="0" err="1"/>
               <a:t>seen</a:t>
             </a:r>
             <a:r>
-              <a:rPr lang="de-DE" baseline="0" dirty="0" smtClean="0"/>
+              <a:rPr lang="de-DE" baseline="0" dirty="0"/>
               <a:t> in </a:t>
             </a:r>
             <a:r>
-              <a:rPr lang="de-DE" baseline="0" dirty="0" err="1" smtClean="0"/>
+              <a:rPr lang="de-DE" baseline="0" dirty="0" err="1"/>
               <a:t>the</a:t>
             </a:r>
             <a:r>
-              <a:rPr lang="de-DE" baseline="0" dirty="0" smtClean="0"/>
-              <a:t> </a:t>
-            </a:r>
-            <a:r>
-              <a:rPr lang="de-DE" baseline="0" dirty="0" err="1" smtClean="0"/>
+              <a:rPr lang="de-DE" baseline="0" dirty="0"/>
+              <a:t> </a:t>
+            </a:r>
+            <a:r>
+              <a:rPr lang="de-DE" baseline="0" dirty="0" err="1"/>
               <a:t>figure</a:t>
             </a:r>
             <a:r>
-              <a:rPr lang="de-DE" baseline="0" dirty="0" smtClean="0"/>
-              <a:t> </a:t>
-            </a:r>
-            <a:r>
-              <a:rPr lang="de-DE" baseline="0" dirty="0" err="1" smtClean="0"/>
+              <a:rPr lang="de-DE" baseline="0" dirty="0"/>
+              <a:t> </a:t>
+            </a:r>
+            <a:r>
+              <a:rPr lang="de-DE" baseline="0" dirty="0" err="1"/>
               <a:t>to</a:t>
             </a:r>
             <a:r>
-              <a:rPr lang="de-DE" baseline="0" dirty="0" smtClean="0"/>
-              <a:t> </a:t>
-            </a:r>
-            <a:r>
-              <a:rPr lang="de-DE" baseline="0" dirty="0" err="1" smtClean="0"/>
+              <a:rPr lang="de-DE" baseline="0" dirty="0"/>
+              <a:t> </a:t>
+            </a:r>
+            <a:r>
+              <a:rPr lang="de-DE" baseline="0" dirty="0" err="1"/>
               <a:t>the</a:t>
             </a:r>
             <a:r>
-              <a:rPr lang="de-DE" baseline="0" dirty="0" smtClean="0"/>
-              <a:t> </a:t>
-            </a:r>
-            <a:r>
-              <a:rPr lang="de-DE" baseline="0" dirty="0" err="1" smtClean="0"/>
+              <a:rPr lang="de-DE" baseline="0" dirty="0"/>
+              <a:t> </a:t>
+            </a:r>
+            <a:r>
+              <a:rPr lang="de-DE" baseline="0" dirty="0" err="1"/>
               <a:t>right</a:t>
             </a:r>
             <a:r>
-              <a:rPr lang="de-DE" baseline="0" dirty="0" smtClean="0"/>
+              <a:rPr lang="de-DE" baseline="0" dirty="0"/>
               <a:t>, </a:t>
             </a:r>
             <a:r>
-              <a:rPr lang="de-DE" baseline="0" dirty="0" err="1" smtClean="0"/>
+              <a:rPr lang="de-DE" baseline="0" dirty="0" err="1"/>
               <a:t>boxes</a:t>
             </a:r>
             <a:r>
-              <a:rPr lang="de-DE" baseline="0" dirty="0" smtClean="0"/>
-              <a:t> </a:t>
-            </a:r>
-            <a:r>
-              <a:rPr lang="de-DE" baseline="0" dirty="0" err="1" smtClean="0"/>
+              <a:rPr lang="de-DE" baseline="0" dirty="0"/>
+              <a:t> </a:t>
+            </a:r>
+            <a:r>
+              <a:rPr lang="de-DE" baseline="0" dirty="0" err="1"/>
               <a:t>containing</a:t>
             </a:r>
             <a:r>
-              <a:rPr lang="de-DE" baseline="0" dirty="0" smtClean="0"/>
-              <a:t> </a:t>
-            </a:r>
-            <a:r>
-              <a:rPr lang="de-DE" baseline="0" dirty="0" err="1" smtClean="0"/>
+              <a:rPr lang="de-DE" baseline="0" dirty="0"/>
+              <a:t> </a:t>
+            </a:r>
+            <a:r>
+              <a:rPr lang="de-DE" baseline="0" dirty="0" err="1"/>
               <a:t>nextcloud</a:t>
             </a:r>
             <a:r>
-              <a:rPr lang="de-DE" baseline="0" dirty="0" smtClean="0"/>
-              <a:t> </a:t>
-            </a:r>
-            <a:r>
-              <a:rPr lang="de-DE" baseline="0" dirty="0" err="1" smtClean="0"/>
+              <a:rPr lang="de-DE" baseline="0" dirty="0"/>
+              <a:t> </a:t>
+            </a:r>
+            <a:r>
+              <a:rPr lang="de-DE" baseline="0" dirty="0" err="1"/>
               <a:t>are</a:t>
             </a:r>
             <a:r>
-              <a:rPr lang="de-DE" baseline="0" dirty="0" smtClean="0"/>
-              <a:t> </a:t>
-            </a:r>
-            <a:r>
-              <a:rPr lang="de-DE" baseline="0" dirty="0" err="1" smtClean="0"/>
+              <a:rPr lang="de-DE" baseline="0" dirty="0"/>
+              <a:t> </a:t>
+            </a:r>
+            <a:r>
+              <a:rPr lang="de-DE" baseline="0" dirty="0" err="1"/>
               <a:t>the</a:t>
             </a:r>
             <a:r>
-              <a:rPr lang="de-DE" baseline="0" dirty="0" smtClean="0"/>
-              <a:t> </a:t>
-            </a:r>
-            <a:r>
-              <a:rPr lang="de-DE" baseline="0" dirty="0" err="1" smtClean="0"/>
+              <a:rPr lang="de-DE" baseline="0" dirty="0"/>
+              <a:t> </a:t>
+            </a:r>
+            <a:r>
+              <a:rPr lang="de-DE" baseline="0" dirty="0" err="1"/>
               <a:t>nodes</a:t>
             </a:r>
             <a:r>
-              <a:rPr lang="de-DE" baseline="0" dirty="0" smtClean="0"/>
+              <a:rPr lang="de-DE" baseline="0" dirty="0"/>
               <a:t>. Every </a:t>
             </a:r>
             <a:r>
-              <a:rPr lang="de-DE" baseline="0" dirty="0" err="1" smtClean="0"/>
+              <a:rPr lang="de-DE" baseline="0" dirty="0" err="1"/>
               <a:t>node</a:t>
             </a:r>
             <a:r>
-              <a:rPr lang="de-DE" baseline="0" dirty="0" smtClean="0"/>
-              <a:t> </a:t>
-            </a:r>
-            <a:r>
-              <a:rPr lang="de-DE" baseline="0" dirty="0" err="1" smtClean="0"/>
+              <a:rPr lang="de-DE" baseline="0" dirty="0"/>
+              <a:t> </a:t>
+            </a:r>
+            <a:r>
+              <a:rPr lang="de-DE" baseline="0" dirty="0" err="1"/>
               <a:t>has</a:t>
             </a:r>
             <a:r>
-              <a:rPr lang="de-DE" baseline="0" dirty="0" smtClean="0"/>
+              <a:rPr lang="de-DE" baseline="0" dirty="0"/>
               <a:t> ist </a:t>
             </a:r>
             <a:r>
-              <a:rPr lang="de-DE" baseline="0" dirty="0" err="1" smtClean="0"/>
+              <a:rPr lang="de-DE" baseline="0" dirty="0" err="1"/>
               <a:t>own</a:t>
             </a:r>
             <a:r>
-              <a:rPr lang="de-DE" baseline="0" dirty="0" smtClean="0"/>
-              <a:t> </a:t>
-            </a:r>
-            <a:r>
-              <a:rPr lang="de-DE" baseline="0" dirty="0" err="1" smtClean="0"/>
+              <a:rPr lang="de-DE" baseline="0" dirty="0"/>
+              <a:t> </a:t>
+            </a:r>
+            <a:r>
+              <a:rPr lang="de-DE" baseline="0" dirty="0" err="1"/>
               <a:t>nextcloud</a:t>
             </a:r>
             <a:r>
-              <a:rPr lang="de-DE" baseline="0" dirty="0" smtClean="0"/>
-              <a:t> </a:t>
-            </a:r>
-            <a:r>
-              <a:rPr lang="de-DE" baseline="0" dirty="0" err="1" smtClean="0"/>
+              <a:rPr lang="de-DE" baseline="0" dirty="0"/>
+              <a:t> </a:t>
+            </a:r>
+            <a:r>
+              <a:rPr lang="de-DE" baseline="0" dirty="0" err="1"/>
               <a:t>worker</a:t>
             </a:r>
             <a:r>
-              <a:rPr lang="de-DE" baseline="0" dirty="0" smtClean="0"/>
-              <a:t> </a:t>
-            </a:r>
-            <a:r>
-              <a:rPr lang="de-DE" baseline="0" dirty="0" err="1" smtClean="0"/>
+              <a:rPr lang="de-DE" baseline="0" dirty="0"/>
+              <a:t> </a:t>
+            </a:r>
+            <a:r>
+              <a:rPr lang="de-DE" baseline="0" dirty="0" err="1"/>
               <a:t>and</a:t>
             </a:r>
             <a:r>
-              <a:rPr lang="de-DE" baseline="0" dirty="0" smtClean="0"/>
-              <a:t> </a:t>
-            </a:r>
-            <a:r>
-              <a:rPr lang="de-DE" baseline="0" dirty="0" err="1" smtClean="0"/>
+              <a:rPr lang="de-DE" baseline="0" dirty="0"/>
+              <a:t> </a:t>
+            </a:r>
+            <a:r>
+              <a:rPr lang="de-DE" baseline="0" dirty="0" err="1"/>
               <a:t>part</a:t>
             </a:r>
             <a:r>
-              <a:rPr lang="de-DE" baseline="0" dirty="0" smtClean="0"/>
+              <a:rPr lang="de-DE" baseline="0" dirty="0"/>
               <a:t> of </a:t>
             </a:r>
             <a:r>
-              <a:rPr lang="de-DE" baseline="0" dirty="0" err="1" smtClean="0"/>
+              <a:rPr lang="de-DE" baseline="0" dirty="0" err="1"/>
               <a:t>the</a:t>
             </a:r>
             <a:r>
-              <a:rPr lang="de-DE" baseline="0" dirty="0" smtClean="0"/>
-              <a:t> </a:t>
-            </a:r>
-            <a:r>
-              <a:rPr lang="de-DE" baseline="0" dirty="0" err="1" smtClean="0"/>
+              <a:rPr lang="de-DE" baseline="0" dirty="0"/>
+              <a:t> </a:t>
+            </a:r>
+            <a:r>
+              <a:rPr lang="de-DE" baseline="0" dirty="0" err="1"/>
               <a:t>storage</a:t>
             </a:r>
             <a:r>
-              <a:rPr lang="de-DE" baseline="0" dirty="0" smtClean="0"/>
+              <a:rPr lang="de-DE" baseline="0" dirty="0"/>
               <a:t>, </a:t>
             </a:r>
             <a:r>
-              <a:rPr lang="de-DE" baseline="0" dirty="0" err="1" smtClean="0"/>
+              <a:rPr lang="de-DE" baseline="0" dirty="0" err="1"/>
               <a:t>as</a:t>
             </a:r>
             <a:r>
-              <a:rPr lang="de-DE" baseline="0" dirty="0" smtClean="0"/>
-              <a:t> </a:t>
-            </a:r>
-            <a:r>
-              <a:rPr lang="de-DE" baseline="0" dirty="0" err="1" smtClean="0"/>
+              <a:rPr lang="de-DE" baseline="0" dirty="0"/>
+              <a:t> </a:t>
+            </a:r>
+            <a:r>
+              <a:rPr lang="de-DE" baseline="0" dirty="0" err="1"/>
               <a:t>represented</a:t>
             </a:r>
             <a:r>
-              <a:rPr lang="de-DE" baseline="0" dirty="0" smtClean="0"/>
+              <a:rPr lang="de-DE" baseline="0" dirty="0"/>
               <a:t> by </a:t>
             </a:r>
             <a:r>
-              <a:rPr lang="de-DE" baseline="0" dirty="0" err="1" smtClean="0"/>
+              <a:rPr lang="de-DE" baseline="0" dirty="0" err="1"/>
               <a:t>MinIO</a:t>
             </a:r>
             <a:r>
-              <a:rPr lang="de-DE" baseline="0" dirty="0" smtClean="0"/>
+              <a:rPr lang="de-DE" baseline="0" dirty="0"/>
               <a:t>. This </a:t>
             </a:r>
             <a:r>
-              <a:rPr lang="de-DE" baseline="0" dirty="0" err="1" smtClean="0"/>
+              <a:rPr lang="de-DE" baseline="0" dirty="0" err="1"/>
               <a:t>diagram</a:t>
             </a:r>
             <a:r>
-              <a:rPr lang="de-DE" baseline="0" dirty="0" smtClean="0"/>
-              <a:t> </a:t>
-            </a:r>
-            <a:r>
-              <a:rPr lang="de-DE" baseline="0" dirty="0" err="1" smtClean="0"/>
+              <a:rPr lang="de-DE" baseline="0" dirty="0"/>
+              <a:t> </a:t>
+            </a:r>
+            <a:r>
+              <a:rPr lang="de-DE" baseline="0" dirty="0" err="1"/>
               <a:t>can</a:t>
             </a:r>
             <a:r>
-              <a:rPr lang="de-DE" baseline="0" dirty="0" smtClean="0"/>
-              <a:t> </a:t>
-            </a:r>
-            <a:r>
-              <a:rPr lang="de-DE" baseline="0" dirty="0" err="1" smtClean="0"/>
+              <a:rPr lang="de-DE" baseline="0" dirty="0"/>
+              <a:t> </a:t>
+            </a:r>
+            <a:r>
+              <a:rPr lang="de-DE" baseline="0" dirty="0" err="1"/>
               <a:t>be</a:t>
             </a:r>
             <a:r>
-              <a:rPr lang="de-DE" baseline="0" dirty="0" smtClean="0"/>
-              <a:t> </a:t>
-            </a:r>
-            <a:r>
-              <a:rPr lang="de-DE" baseline="0" dirty="0" err="1" smtClean="0"/>
+              <a:rPr lang="de-DE" baseline="0" dirty="0"/>
+              <a:t> </a:t>
+            </a:r>
+            <a:r>
+              <a:rPr lang="de-DE" baseline="0" dirty="0" err="1"/>
               <a:t>expanded</a:t>
             </a:r>
             <a:r>
-              <a:rPr lang="de-DE" baseline="0" dirty="0" smtClean="0"/>
-              <a:t> </a:t>
-            </a:r>
-            <a:r>
-              <a:rPr lang="de-DE" baseline="0" dirty="0" err="1" smtClean="0"/>
+              <a:rPr lang="de-DE" baseline="0" dirty="0"/>
+              <a:t> </a:t>
+            </a:r>
+            <a:r>
+              <a:rPr lang="de-DE" baseline="0" dirty="0" err="1"/>
               <a:t>horizontally</a:t>
             </a:r>
             <a:r>
-              <a:rPr lang="de-DE" baseline="0" dirty="0" smtClean="0"/>
-              <a:t> </a:t>
-            </a:r>
-            <a:r>
-              <a:rPr lang="de-DE" baseline="0" dirty="0" err="1" smtClean="0"/>
+              <a:rPr lang="de-DE" baseline="0" dirty="0"/>
+              <a:t> </a:t>
+            </a:r>
+            <a:r>
+              <a:rPr lang="de-DE" baseline="0" dirty="0" err="1"/>
               <a:t>as</a:t>
             </a:r>
             <a:r>
-              <a:rPr lang="de-DE" baseline="0" dirty="0" smtClean="0"/>
-              <a:t> </a:t>
-            </a:r>
-            <a:r>
-              <a:rPr lang="de-DE" baseline="0" dirty="0" err="1" smtClean="0"/>
+              <a:rPr lang="de-DE" baseline="0" dirty="0"/>
+              <a:t> </a:t>
+            </a:r>
+            <a:r>
+              <a:rPr lang="de-DE" baseline="0" dirty="0" err="1"/>
               <a:t>much</a:t>
             </a:r>
             <a:r>
-              <a:rPr lang="de-DE" baseline="0" dirty="0" smtClean="0"/>
-              <a:t> </a:t>
-            </a:r>
-            <a:r>
-              <a:rPr lang="de-DE" baseline="0" dirty="0" err="1" smtClean="0"/>
+              <a:rPr lang="de-DE" baseline="0" dirty="0"/>
+              <a:t> </a:t>
+            </a:r>
+            <a:r>
+              <a:rPr lang="de-DE" baseline="0" dirty="0" err="1"/>
               <a:t>as</a:t>
             </a:r>
             <a:r>
-              <a:rPr lang="de-DE" baseline="0" dirty="0" smtClean="0"/>
-              <a:t> </a:t>
-            </a:r>
-            <a:r>
-              <a:rPr lang="de-DE" baseline="0" dirty="0" err="1" smtClean="0"/>
+              <a:rPr lang="de-DE" baseline="0" dirty="0"/>
+              <a:t> </a:t>
+            </a:r>
+            <a:r>
+              <a:rPr lang="de-DE" baseline="0" dirty="0" err="1"/>
               <a:t>necessary</a:t>
             </a:r>
             <a:r>
-              <a:rPr lang="de-DE" baseline="0" dirty="0" smtClean="0"/>
+              <a:rPr lang="de-DE" baseline="0" dirty="0"/>
               <a:t>, </a:t>
             </a:r>
             <a:r>
-              <a:rPr lang="de-DE" baseline="0" dirty="0" err="1" smtClean="0"/>
+              <a:rPr lang="de-DE" baseline="0" dirty="0" err="1"/>
               <a:t>since</a:t>
             </a:r>
             <a:r>
-              <a:rPr lang="de-DE" baseline="0" dirty="0" smtClean="0"/>
-              <a:t> </a:t>
-            </a:r>
-            <a:r>
-              <a:rPr lang="de-DE" baseline="0" dirty="0" err="1" smtClean="0"/>
+              <a:rPr lang="de-DE" baseline="0" dirty="0"/>
+              <a:t> </a:t>
+            </a:r>
+            <a:r>
+              <a:rPr lang="de-DE" baseline="0" dirty="0" err="1"/>
               <a:t>the</a:t>
             </a:r>
             <a:r>
-              <a:rPr lang="de-DE" baseline="0" dirty="0" smtClean="0"/>
-              <a:t> </a:t>
-            </a:r>
-            <a:r>
-              <a:rPr lang="de-DE" baseline="0" dirty="0" err="1" smtClean="0"/>
+              <a:rPr lang="de-DE" baseline="0" dirty="0"/>
+              <a:t> </a:t>
+            </a:r>
+            <a:r>
+              <a:rPr lang="de-DE" baseline="0" dirty="0" err="1"/>
               <a:t>nextcloud</a:t>
             </a:r>
             <a:r>
-              <a:rPr lang="de-DE" baseline="0" dirty="0" smtClean="0"/>
-              <a:t> </a:t>
-            </a:r>
-            <a:r>
-              <a:rPr lang="de-DE" baseline="0" dirty="0" err="1" smtClean="0"/>
+              <a:rPr lang="de-DE" baseline="0" dirty="0"/>
+              <a:t> </a:t>
+            </a:r>
+            <a:r>
+              <a:rPr lang="de-DE" baseline="0" dirty="0" err="1"/>
               <a:t>workers</a:t>
             </a:r>
             <a:r>
-              <a:rPr lang="de-DE" baseline="0" dirty="0" smtClean="0"/>
-              <a:t> </a:t>
-            </a:r>
-            <a:r>
-              <a:rPr lang="de-DE" baseline="0" dirty="0" err="1" smtClean="0"/>
+              <a:rPr lang="de-DE" baseline="0" dirty="0"/>
+              <a:t> </a:t>
+            </a:r>
+            <a:r>
+              <a:rPr lang="de-DE" baseline="0" dirty="0" err="1"/>
               <a:t>are</a:t>
             </a:r>
             <a:r>
-              <a:rPr lang="de-DE" baseline="0" dirty="0" smtClean="0"/>
-              <a:t> </a:t>
-            </a:r>
-            <a:r>
-              <a:rPr lang="de-DE" baseline="0" dirty="0" err="1" smtClean="0"/>
+              <a:rPr lang="de-DE" baseline="0" dirty="0"/>
+              <a:t> </a:t>
+            </a:r>
+            <a:r>
+              <a:rPr lang="de-DE" baseline="0" dirty="0" err="1"/>
               <a:t>stateless</a:t>
             </a:r>
             <a:r>
-              <a:rPr lang="de-DE" baseline="0" dirty="0" smtClean="0"/>
-              <a:t> </a:t>
-            </a:r>
-            <a:r>
-              <a:rPr lang="de-DE" baseline="0" dirty="0" err="1" smtClean="0"/>
+              <a:rPr lang="de-DE" baseline="0" dirty="0"/>
+              <a:t> </a:t>
+            </a:r>
+            <a:r>
+              <a:rPr lang="de-DE" baseline="0" dirty="0" err="1"/>
               <a:t>and</a:t>
             </a:r>
             <a:r>
-              <a:rPr lang="de-DE" baseline="0" dirty="0" smtClean="0"/>
-              <a:t> </a:t>
-            </a:r>
-            <a:r>
-              <a:rPr lang="de-DE" baseline="0" dirty="0" err="1" smtClean="0"/>
+              <a:rPr lang="de-DE" baseline="0" dirty="0"/>
+              <a:t> </a:t>
+            </a:r>
+            <a:r>
+              <a:rPr lang="de-DE" baseline="0" dirty="0" err="1"/>
               <a:t>MinIO</a:t>
             </a:r>
             <a:r>
-              <a:rPr lang="de-DE" baseline="0" dirty="0" smtClean="0"/>
-              <a:t> </a:t>
-            </a:r>
-            <a:r>
-              <a:rPr lang="de-DE" baseline="0" dirty="0" err="1" smtClean="0"/>
+              <a:rPr lang="de-DE" baseline="0" dirty="0"/>
+              <a:t> </a:t>
+            </a:r>
+            <a:r>
+              <a:rPr lang="de-DE" baseline="0" dirty="0" err="1"/>
               <a:t>has</a:t>
             </a:r>
             <a:r>
-              <a:rPr lang="de-DE" baseline="0" dirty="0" smtClean="0"/>
-              <a:t> </a:t>
-            </a:r>
-            <a:r>
-              <a:rPr lang="de-DE" baseline="0" dirty="0" err="1" smtClean="0"/>
+              <a:rPr lang="de-DE" baseline="0" dirty="0"/>
+              <a:t> </a:t>
+            </a:r>
+            <a:r>
+              <a:rPr lang="de-DE" baseline="0" dirty="0" err="1"/>
               <a:t>no</a:t>
             </a:r>
             <a:r>
-              <a:rPr lang="de-DE" baseline="0" dirty="0" smtClean="0"/>
-              <a:t> </a:t>
-            </a:r>
-            <a:r>
-              <a:rPr lang="de-DE" baseline="0" dirty="0" err="1" smtClean="0"/>
+              <a:rPr lang="de-DE" baseline="0" dirty="0"/>
+              <a:t> </a:t>
+            </a:r>
+            <a:r>
+              <a:rPr lang="de-DE" baseline="0" dirty="0" err="1"/>
               <a:t>upper</a:t>
             </a:r>
             <a:r>
-              <a:rPr lang="de-DE" baseline="0" dirty="0" smtClean="0"/>
-              <a:t> </a:t>
-            </a:r>
-            <a:r>
-              <a:rPr lang="de-DE" baseline="0" dirty="0" err="1" smtClean="0"/>
+              <a:rPr lang="de-DE" baseline="0" dirty="0"/>
+              <a:t> </a:t>
+            </a:r>
+            <a:r>
+              <a:rPr lang="de-DE" baseline="0" dirty="0" err="1"/>
               <a:t>limit</a:t>
             </a:r>
             <a:r>
-              <a:rPr lang="de-DE" baseline="0" dirty="0" smtClean="0"/>
+              <a:rPr lang="de-DE" baseline="0" dirty="0"/>
               <a:t> on </a:t>
             </a:r>
             <a:r>
-              <a:rPr lang="de-DE" baseline="0" dirty="0" err="1" smtClean="0"/>
+              <a:rPr lang="de-DE" baseline="0" dirty="0" err="1"/>
               <a:t>servers</a:t>
             </a:r>
             <a:r>
-              <a:rPr lang="de-DE" baseline="0" dirty="0" smtClean="0"/>
+              <a:rPr lang="de-DE" baseline="0" dirty="0"/>
               <a:t>.</a:t>
             </a:r>
           </a:p>
           <a:p>
-            <a:endParaRPr lang="de-DE" baseline="0" dirty="0" smtClean="0"/>
-          </a:p>
-          <a:p>
-            <a:r>
-              <a:rPr lang="de-DE" baseline="0" dirty="0" err="1" smtClean="0"/>
+            <a:endParaRPr lang="de-DE" baseline="0" dirty="0"/>
+          </a:p>
+          <a:p>
+            <a:r>
+              <a:rPr lang="de-DE" baseline="0" dirty="0" err="1"/>
               <a:t>Connected</a:t>
             </a:r>
             <a:r>
-              <a:rPr lang="de-DE" baseline="0" dirty="0" smtClean="0"/>
-              <a:t> </a:t>
-            </a:r>
-            <a:r>
-              <a:rPr lang="de-DE" baseline="0" dirty="0" err="1" smtClean="0"/>
+              <a:rPr lang="de-DE" baseline="0" dirty="0"/>
+              <a:t> </a:t>
+            </a:r>
+            <a:r>
+              <a:rPr lang="de-DE" baseline="0" dirty="0" err="1"/>
               <a:t>to</a:t>
             </a:r>
             <a:r>
-              <a:rPr lang="de-DE" baseline="0" dirty="0" smtClean="0"/>
-              <a:t> </a:t>
-            </a:r>
-            <a:r>
-              <a:rPr lang="de-DE" baseline="0" dirty="0" err="1" smtClean="0"/>
+              <a:rPr lang="de-DE" baseline="0" dirty="0"/>
+              <a:t> </a:t>
+            </a:r>
+            <a:r>
+              <a:rPr lang="de-DE" baseline="0" dirty="0" err="1"/>
               <a:t>the</a:t>
             </a:r>
             <a:r>
-              <a:rPr lang="de-DE" baseline="0" dirty="0" smtClean="0"/>
-              <a:t> </a:t>
-            </a:r>
-            <a:r>
-              <a:rPr lang="de-DE" baseline="0" dirty="0" err="1" smtClean="0"/>
+              <a:rPr lang="de-DE" baseline="0" dirty="0"/>
+              <a:t> </a:t>
+            </a:r>
+            <a:r>
+              <a:rPr lang="de-DE" baseline="0" dirty="0" err="1"/>
               <a:t>nodes</a:t>
             </a:r>
             <a:r>
-              <a:rPr lang="de-DE" baseline="0" dirty="0" smtClean="0"/>
-              <a:t> </a:t>
-            </a:r>
-            <a:r>
-              <a:rPr lang="de-DE" baseline="0" dirty="0" err="1" smtClean="0"/>
+              <a:rPr lang="de-DE" baseline="0" dirty="0"/>
+              <a:t> </a:t>
+            </a:r>
+            <a:r>
+              <a:rPr lang="de-DE" baseline="0" dirty="0" err="1"/>
               <a:t>you</a:t>
             </a:r>
             <a:r>
-              <a:rPr lang="de-DE" baseline="0" dirty="0" smtClean="0"/>
-              <a:t> </a:t>
-            </a:r>
-            <a:r>
-              <a:rPr lang="de-DE" baseline="0" dirty="0" err="1" smtClean="0"/>
+              <a:rPr lang="de-DE" baseline="0" dirty="0"/>
+              <a:t> </a:t>
+            </a:r>
+            <a:r>
+              <a:rPr lang="de-DE" baseline="0" dirty="0" err="1"/>
               <a:t>can</a:t>
             </a:r>
             <a:r>
-              <a:rPr lang="de-DE" baseline="0" dirty="0" smtClean="0"/>
-              <a:t> </a:t>
-            </a:r>
-            <a:r>
-              <a:rPr lang="de-DE" baseline="0" dirty="0" err="1" smtClean="0"/>
+              <a:rPr lang="de-DE" baseline="0" dirty="0"/>
+              <a:t> </a:t>
+            </a:r>
+            <a:r>
+              <a:rPr lang="de-DE" baseline="0" dirty="0" err="1"/>
               <a:t>see</a:t>
             </a:r>
             <a:r>
-              <a:rPr lang="de-DE" baseline="0" dirty="0" smtClean="0"/>
-              <a:t> </a:t>
-            </a:r>
-            <a:r>
-              <a:rPr lang="de-DE" baseline="0" dirty="0" err="1" smtClean="0"/>
+              <a:rPr lang="de-DE" baseline="0" dirty="0"/>
+              <a:t> </a:t>
+            </a:r>
+            <a:r>
+              <a:rPr lang="de-DE" baseline="0" dirty="0" err="1"/>
               <a:t>the</a:t>
             </a:r>
             <a:r>
-              <a:rPr lang="de-DE" baseline="0" dirty="0" smtClean="0"/>
-              <a:t> </a:t>
-            </a:r>
-            <a:r>
-              <a:rPr lang="de-DE" baseline="0" dirty="0" err="1" smtClean="0"/>
+              <a:rPr lang="de-DE" baseline="0" dirty="0"/>
+              <a:t> </a:t>
+            </a:r>
+            <a:r>
+              <a:rPr lang="de-DE" baseline="0" dirty="0" err="1"/>
               <a:t>node</a:t>
             </a:r>
             <a:r>
-              <a:rPr lang="de-DE" baseline="0" dirty="0" smtClean="0"/>
-              <a:t> </a:t>
-            </a:r>
-            <a:r>
-              <a:rPr lang="de-DE" baseline="0" dirty="0" err="1" smtClean="0"/>
+              <a:rPr lang="de-DE" baseline="0" dirty="0"/>
+              <a:t> </a:t>
+            </a:r>
+            <a:r>
+              <a:rPr lang="de-DE" baseline="0" dirty="0" err="1"/>
               <a:t>containing</a:t>
             </a:r>
             <a:r>
-              <a:rPr lang="de-DE" baseline="0" dirty="0" smtClean="0"/>
-              <a:t> </a:t>
-            </a:r>
-            <a:r>
-              <a:rPr lang="de-DE" baseline="0" dirty="0" err="1" smtClean="0"/>
+              <a:rPr lang="de-DE" baseline="0" dirty="0"/>
+              <a:t> </a:t>
+            </a:r>
+            <a:r>
+              <a:rPr lang="de-DE" baseline="0" dirty="0" err="1"/>
               <a:t>the</a:t>
             </a:r>
             <a:r>
-              <a:rPr lang="de-DE" baseline="0" dirty="0" smtClean="0"/>
-              <a:t> </a:t>
-            </a:r>
-            <a:r>
-              <a:rPr lang="de-DE" baseline="0" dirty="0" err="1" smtClean="0"/>
+              <a:rPr lang="de-DE" baseline="0" dirty="0"/>
+              <a:t> </a:t>
+            </a:r>
+            <a:r>
+              <a:rPr lang="de-DE" baseline="0" dirty="0" err="1"/>
               <a:t>database</a:t>
             </a:r>
             <a:r>
-              <a:rPr lang="de-DE" baseline="0" dirty="0" smtClean="0"/>
-              <a:t> </a:t>
-            </a:r>
-            <a:r>
-              <a:rPr lang="de-DE" baseline="0" dirty="0" err="1" smtClean="0"/>
+              <a:rPr lang="de-DE" baseline="0" dirty="0"/>
+              <a:t> </a:t>
+            </a:r>
+            <a:r>
+              <a:rPr lang="de-DE" baseline="0" dirty="0" err="1"/>
               <a:t>and</a:t>
             </a:r>
             <a:r>
-              <a:rPr lang="de-DE" baseline="0" dirty="0" smtClean="0"/>
-              <a:t> </a:t>
-            </a:r>
-            <a:r>
-              <a:rPr lang="de-DE" baseline="0" dirty="0" err="1" smtClean="0"/>
+              <a:rPr lang="de-DE" baseline="0" dirty="0"/>
+              <a:t> </a:t>
+            </a:r>
+            <a:r>
+              <a:rPr lang="de-DE" baseline="0" dirty="0" err="1"/>
               <a:t>cache</a:t>
             </a:r>
             <a:r>
-              <a:rPr lang="de-DE" baseline="0" dirty="0" smtClean="0"/>
+              <a:rPr lang="de-DE" baseline="0" dirty="0"/>
               <a:t>, </a:t>
             </a:r>
             <a:r>
-              <a:rPr lang="de-DE" baseline="0" dirty="0" err="1" smtClean="0"/>
+              <a:rPr lang="de-DE" baseline="0" dirty="0" err="1"/>
               <a:t>specifically</a:t>
             </a:r>
             <a:r>
-              <a:rPr lang="de-DE" baseline="0" dirty="0" smtClean="0"/>
-              <a:t> </a:t>
-            </a:r>
-            <a:r>
-              <a:rPr lang="de-DE" baseline="0" dirty="0" err="1" smtClean="0"/>
+              <a:rPr lang="de-DE" baseline="0" dirty="0"/>
+              <a:t> </a:t>
+            </a:r>
+            <a:r>
+              <a:rPr lang="de-DE" baseline="0" dirty="0" err="1"/>
               <a:t>MaraDB</a:t>
             </a:r>
             <a:r>
-              <a:rPr lang="de-DE" baseline="0" dirty="0" smtClean="0"/>
-              <a:t> </a:t>
-            </a:r>
-            <a:r>
-              <a:rPr lang="de-DE" baseline="0" dirty="0" err="1" smtClean="0"/>
+              <a:rPr lang="de-DE" baseline="0" dirty="0"/>
+              <a:t> </a:t>
+            </a:r>
+            <a:r>
+              <a:rPr lang="de-DE" baseline="0" dirty="0" err="1"/>
               <a:t>and</a:t>
             </a:r>
             <a:r>
-              <a:rPr lang="de-DE" baseline="0" dirty="0" smtClean="0"/>
-              <a:t> </a:t>
-            </a:r>
-            <a:r>
-              <a:rPr lang="de-DE" baseline="0" dirty="0" err="1" smtClean="0"/>
+              <a:rPr lang="de-DE" baseline="0" dirty="0"/>
+              <a:t> </a:t>
+            </a:r>
+            <a:r>
+              <a:rPr lang="de-DE" baseline="0" dirty="0" err="1"/>
               <a:t>Redis</a:t>
             </a:r>
             <a:r>
-              <a:rPr lang="de-DE" baseline="0" dirty="0" smtClean="0"/>
+              <a:rPr lang="de-DE" baseline="0" dirty="0"/>
               <a:t>. This </a:t>
             </a:r>
             <a:r>
-              <a:rPr lang="de-DE" baseline="0" dirty="0" err="1" smtClean="0"/>
+              <a:rPr lang="de-DE" baseline="0" dirty="0" err="1"/>
               <a:t>is</a:t>
             </a:r>
             <a:r>
-              <a:rPr lang="de-DE" baseline="0" dirty="0" smtClean="0"/>
-              <a:t> </a:t>
-            </a:r>
-            <a:r>
-              <a:rPr lang="de-DE" baseline="0" dirty="0" err="1" smtClean="0"/>
+              <a:rPr lang="de-DE" baseline="0" dirty="0"/>
+              <a:t> </a:t>
+            </a:r>
+            <a:r>
+              <a:rPr lang="de-DE" baseline="0" dirty="0" err="1"/>
               <a:t>the</a:t>
             </a:r>
             <a:r>
-              <a:rPr lang="de-DE" baseline="0" dirty="0" smtClean="0"/>
-              <a:t> </a:t>
-            </a:r>
-            <a:r>
-              <a:rPr lang="de-DE" baseline="0" dirty="0" err="1" smtClean="0"/>
+              <a:rPr lang="de-DE" baseline="0" dirty="0"/>
+              <a:t> </a:t>
+            </a:r>
+            <a:r>
+              <a:rPr lang="de-DE" baseline="0" dirty="0" err="1"/>
               <a:t>only</a:t>
             </a:r>
             <a:r>
-              <a:rPr lang="de-DE" baseline="0" dirty="0" smtClean="0"/>
-              <a:t> </a:t>
-            </a:r>
-            <a:r>
-              <a:rPr lang="de-DE" baseline="0" dirty="0" err="1" smtClean="0"/>
+              <a:rPr lang="de-DE" baseline="0" dirty="0"/>
+              <a:t> </a:t>
+            </a:r>
+            <a:r>
+              <a:rPr lang="de-DE" baseline="0" dirty="0" err="1"/>
               <a:t>factor</a:t>
             </a:r>
             <a:r>
-              <a:rPr lang="de-DE" baseline="0" dirty="0" smtClean="0"/>
-              <a:t> </a:t>
-            </a:r>
-            <a:r>
-              <a:rPr lang="de-DE" baseline="0" dirty="0" err="1" smtClean="0"/>
+              <a:rPr lang="de-DE" baseline="0" dirty="0"/>
+              <a:t> </a:t>
+            </a:r>
+            <a:r>
+              <a:rPr lang="de-DE" baseline="0" dirty="0" err="1"/>
               <a:t>limiting</a:t>
             </a:r>
             <a:r>
-              <a:rPr lang="de-DE" baseline="0" dirty="0" smtClean="0"/>
-              <a:t> </a:t>
-            </a:r>
-            <a:r>
-              <a:rPr lang="de-DE" baseline="0" dirty="0" err="1" smtClean="0"/>
+              <a:rPr lang="de-DE" baseline="0" dirty="0"/>
+              <a:t> </a:t>
+            </a:r>
+            <a:r>
+              <a:rPr lang="de-DE" baseline="0" dirty="0" err="1"/>
               <a:t>scalability</a:t>
             </a:r>
             <a:r>
-              <a:rPr lang="de-DE" baseline="0" dirty="0" smtClean="0"/>
+              <a:rPr lang="de-DE" baseline="0" dirty="0"/>
               <a:t>, </a:t>
             </a:r>
             <a:r>
-              <a:rPr lang="de-DE" baseline="0" dirty="0" err="1" smtClean="0"/>
+              <a:rPr lang="de-DE" baseline="0" dirty="0" err="1"/>
               <a:t>as</a:t>
             </a:r>
             <a:r>
-              <a:rPr lang="de-DE" baseline="0" dirty="0" smtClean="0"/>
-              <a:t> </a:t>
-            </a:r>
-            <a:r>
-              <a:rPr lang="de-DE" baseline="0" dirty="0" err="1" smtClean="0"/>
+              <a:rPr lang="de-DE" baseline="0" dirty="0"/>
+              <a:t> </a:t>
+            </a:r>
+            <a:r>
+              <a:rPr lang="de-DE" baseline="0" dirty="0" err="1"/>
               <a:t>every</a:t>
             </a:r>
             <a:r>
-              <a:rPr lang="de-DE" baseline="0" dirty="0" smtClean="0"/>
-              <a:t> </a:t>
-            </a:r>
-            <a:r>
-              <a:rPr lang="de-DE" baseline="0" dirty="0" err="1" smtClean="0"/>
+              <a:rPr lang="de-DE" baseline="0" dirty="0"/>
+              <a:t> </a:t>
+            </a:r>
+            <a:r>
+              <a:rPr lang="de-DE" baseline="0" dirty="0" err="1"/>
               <a:t>node</a:t>
             </a:r>
             <a:r>
-              <a:rPr lang="de-DE" baseline="0" dirty="0" smtClean="0"/>
-              <a:t> </a:t>
-            </a:r>
-            <a:r>
-              <a:rPr lang="de-DE" baseline="0" dirty="0" err="1" smtClean="0"/>
+              <a:rPr lang="de-DE" baseline="0" dirty="0"/>
+              <a:t> </a:t>
+            </a:r>
+            <a:r>
+              <a:rPr lang="de-DE" baseline="0" dirty="0" err="1"/>
               <a:t>has</a:t>
             </a:r>
             <a:r>
-              <a:rPr lang="de-DE" baseline="0" dirty="0" smtClean="0"/>
-              <a:t> </a:t>
-            </a:r>
-            <a:r>
-              <a:rPr lang="de-DE" baseline="0" dirty="0" err="1" smtClean="0"/>
+              <a:rPr lang="de-DE" baseline="0" dirty="0"/>
+              <a:t> </a:t>
+            </a:r>
+            <a:r>
+              <a:rPr lang="de-DE" baseline="0" dirty="0" err="1"/>
               <a:t>to</a:t>
             </a:r>
             <a:r>
-              <a:rPr lang="de-DE" baseline="0" dirty="0" smtClean="0"/>
-              <a:t> </a:t>
-            </a:r>
-            <a:r>
-              <a:rPr lang="de-DE" baseline="0" dirty="0" err="1" smtClean="0"/>
+              <a:rPr lang="de-DE" baseline="0" dirty="0"/>
+              <a:t> </a:t>
+            </a:r>
+            <a:r>
+              <a:rPr lang="de-DE" baseline="0" dirty="0" err="1"/>
               <a:t>access</a:t>
             </a:r>
             <a:r>
-              <a:rPr lang="de-DE" baseline="0" dirty="0" smtClean="0"/>
-              <a:t> </a:t>
-            </a:r>
-            <a:r>
-              <a:rPr lang="de-DE" baseline="0" dirty="0" err="1" smtClean="0"/>
+              <a:rPr lang="de-DE" baseline="0" dirty="0"/>
+              <a:t> </a:t>
+            </a:r>
+            <a:r>
+              <a:rPr lang="de-DE" baseline="0" dirty="0" err="1"/>
               <a:t>the</a:t>
             </a:r>
             <a:r>
-              <a:rPr lang="de-DE" baseline="0" dirty="0" smtClean="0"/>
-              <a:t> </a:t>
-            </a:r>
-            <a:r>
-              <a:rPr lang="de-DE" baseline="0" dirty="0" err="1" smtClean="0"/>
+              <a:rPr lang="de-DE" baseline="0" dirty="0"/>
+              <a:t> </a:t>
+            </a:r>
+            <a:r>
+              <a:rPr lang="de-DE" baseline="0" dirty="0" err="1"/>
               <a:t>database</a:t>
             </a:r>
             <a:r>
-              <a:rPr lang="de-DE" baseline="0" dirty="0" smtClean="0"/>
+              <a:rPr lang="de-DE" baseline="0" dirty="0"/>
               <a:t>.</a:t>
             </a:r>
           </a:p>
           <a:p>
-            <a:endParaRPr lang="de-DE" baseline="0" dirty="0" smtClean="0"/>
-          </a:p>
-          <a:p>
-            <a:r>
-              <a:rPr lang="de-DE" baseline="0" dirty="0" smtClean="0"/>
+            <a:endParaRPr lang="de-DE" baseline="0" dirty="0"/>
+          </a:p>
+          <a:p>
+            <a:r>
+              <a:rPr lang="de-DE" baseline="0" dirty="0"/>
               <a:t>As for high </a:t>
             </a:r>
             <a:r>
-              <a:rPr lang="de-DE" baseline="0" dirty="0" err="1" smtClean="0"/>
+              <a:rPr lang="de-DE" baseline="0" dirty="0" err="1"/>
               <a:t>availability</a:t>
             </a:r>
             <a:r>
-              <a:rPr lang="de-DE" baseline="0" dirty="0" smtClean="0"/>
+              <a:rPr lang="de-DE" baseline="0" dirty="0"/>
               <a:t>, </a:t>
             </a:r>
             <a:r>
-              <a:rPr lang="de-DE" baseline="0" dirty="0" err="1" smtClean="0"/>
+              <a:rPr lang="de-DE" baseline="0" dirty="0" err="1"/>
               <a:t>the</a:t>
             </a:r>
             <a:r>
-              <a:rPr lang="de-DE" baseline="0" dirty="0" smtClean="0"/>
-              <a:t> </a:t>
-            </a:r>
-            <a:r>
-              <a:rPr lang="de-DE" baseline="0" dirty="0" err="1" smtClean="0"/>
+              <a:rPr lang="de-DE" baseline="0" dirty="0"/>
+              <a:t> </a:t>
+            </a:r>
+            <a:r>
+              <a:rPr lang="de-DE" baseline="0" dirty="0" err="1"/>
               <a:t>only</a:t>
             </a:r>
             <a:r>
-              <a:rPr lang="de-DE" baseline="0" dirty="0" smtClean="0"/>
-              <a:t> </a:t>
-            </a:r>
-            <a:r>
-              <a:rPr lang="de-DE" baseline="0" dirty="0" err="1" smtClean="0"/>
+              <a:rPr lang="de-DE" baseline="0" dirty="0"/>
+              <a:t> </a:t>
+            </a:r>
+            <a:r>
+              <a:rPr lang="de-DE" baseline="0" dirty="0" err="1"/>
               <a:t>possible</a:t>
             </a:r>
             <a:r>
-              <a:rPr lang="de-DE" baseline="0" dirty="0" smtClean="0"/>
-              <a:t> </a:t>
-            </a:r>
-            <a:r>
-              <a:rPr lang="de-DE" baseline="0" dirty="0" err="1" smtClean="0"/>
+              <a:rPr lang="de-DE" baseline="0" dirty="0"/>
+              <a:t> </a:t>
+            </a:r>
+            <a:r>
+              <a:rPr lang="de-DE" baseline="0" dirty="0" err="1"/>
               <a:t>fail</a:t>
             </a:r>
             <a:r>
-              <a:rPr lang="de-DE" baseline="0" dirty="0" smtClean="0"/>
-              <a:t> </a:t>
-            </a:r>
-            <a:r>
-              <a:rPr lang="de-DE" baseline="0" dirty="0" err="1" smtClean="0"/>
+              <a:rPr lang="de-DE" baseline="0" dirty="0"/>
+              <a:t> </a:t>
+            </a:r>
+            <a:r>
+              <a:rPr lang="de-DE" baseline="0" dirty="0" err="1"/>
               <a:t>states</a:t>
             </a:r>
             <a:r>
-              <a:rPr lang="de-DE" baseline="0" dirty="0" smtClean="0"/>
-              <a:t> </a:t>
-            </a:r>
-            <a:r>
-              <a:rPr lang="de-DE" baseline="0" dirty="0" err="1" smtClean="0"/>
+              <a:rPr lang="de-DE" baseline="0" dirty="0"/>
+              <a:t> </a:t>
+            </a:r>
+            <a:r>
+              <a:rPr lang="de-DE" baseline="0" dirty="0" err="1"/>
               <a:t>are</a:t>
             </a:r>
             <a:r>
-              <a:rPr lang="de-DE" baseline="0" dirty="0" smtClean="0"/>
+              <a:rPr lang="de-DE" baseline="0" dirty="0"/>
               <a:t> a </a:t>
             </a:r>
             <a:r>
-              <a:rPr lang="de-DE" baseline="0" dirty="0" err="1" smtClean="0"/>
+              <a:rPr lang="de-DE" baseline="0" dirty="0" err="1"/>
               <a:t>failure</a:t>
             </a:r>
             <a:r>
-              <a:rPr lang="de-DE" baseline="0" dirty="0" smtClean="0"/>
+              <a:rPr lang="de-DE" baseline="0" dirty="0"/>
               <a:t> of </a:t>
             </a:r>
             <a:r>
-              <a:rPr lang="de-DE" baseline="0" dirty="0" err="1" smtClean="0"/>
+              <a:rPr lang="de-DE" baseline="0" dirty="0" err="1"/>
               <a:t>the</a:t>
             </a:r>
             <a:r>
-              <a:rPr lang="de-DE" baseline="0" dirty="0" smtClean="0"/>
-              <a:t> </a:t>
-            </a:r>
-            <a:r>
-              <a:rPr lang="de-DE" baseline="0" dirty="0" err="1" smtClean="0"/>
+              <a:rPr lang="de-DE" baseline="0" dirty="0"/>
+              <a:t> </a:t>
+            </a:r>
+            <a:r>
+              <a:rPr lang="de-DE" baseline="0" dirty="0" err="1"/>
               <a:t>node</a:t>
             </a:r>
             <a:r>
-              <a:rPr lang="de-DE" baseline="0" dirty="0" smtClean="0"/>
-              <a:t> </a:t>
-            </a:r>
-            <a:r>
-              <a:rPr lang="de-DE" baseline="0" dirty="0" err="1" smtClean="0"/>
+              <a:rPr lang="de-DE" baseline="0" dirty="0"/>
+              <a:t> </a:t>
+            </a:r>
+            <a:r>
+              <a:rPr lang="de-DE" baseline="0" dirty="0" err="1"/>
               <a:t>containing</a:t>
             </a:r>
             <a:r>
-              <a:rPr lang="de-DE" baseline="0" dirty="0" smtClean="0"/>
-              <a:t> </a:t>
-            </a:r>
-            <a:r>
-              <a:rPr lang="de-DE" baseline="0" dirty="0" err="1" smtClean="0"/>
+              <a:rPr lang="de-DE" baseline="0" dirty="0"/>
+              <a:t> </a:t>
+            </a:r>
+            <a:r>
+              <a:rPr lang="de-DE" baseline="0" dirty="0" err="1"/>
               <a:t>the</a:t>
             </a:r>
             <a:r>
-              <a:rPr lang="de-DE" baseline="0" dirty="0" smtClean="0"/>
-              <a:t> </a:t>
-            </a:r>
-            <a:r>
-              <a:rPr lang="de-DE" baseline="0" dirty="0" err="1" smtClean="0"/>
+              <a:rPr lang="de-DE" baseline="0" dirty="0"/>
+              <a:t> </a:t>
+            </a:r>
+            <a:r>
+              <a:rPr lang="de-DE" baseline="0" dirty="0" err="1"/>
               <a:t>database</a:t>
             </a:r>
             <a:r>
-              <a:rPr lang="de-DE" baseline="0" dirty="0" smtClean="0"/>
+              <a:rPr lang="de-DE" baseline="0" dirty="0"/>
               <a:t>, </a:t>
             </a:r>
             <a:r>
-              <a:rPr lang="de-DE" baseline="0" dirty="0" err="1" smtClean="0"/>
+              <a:rPr lang="de-DE" baseline="0" dirty="0" err="1"/>
               <a:t>as</a:t>
             </a:r>
             <a:r>
-              <a:rPr lang="de-DE" baseline="0" dirty="0" smtClean="0"/>
-              <a:t> </a:t>
-            </a:r>
-            <a:r>
-              <a:rPr lang="de-DE" baseline="0" dirty="0" err="1" smtClean="0"/>
+              <a:rPr lang="de-DE" baseline="0" dirty="0"/>
+              <a:t> </a:t>
+            </a:r>
+            <a:r>
+              <a:rPr lang="de-DE" baseline="0" dirty="0" err="1"/>
               <a:t>without</a:t>
             </a:r>
             <a:r>
-              <a:rPr lang="de-DE" baseline="0" dirty="0" smtClean="0"/>
+              <a:rPr lang="de-DE" baseline="0" dirty="0"/>
               <a:t> a </a:t>
             </a:r>
             <a:r>
-              <a:rPr lang="de-DE" baseline="0" dirty="0" err="1" smtClean="0"/>
+              <a:rPr lang="de-DE" baseline="0" dirty="0" err="1"/>
               <a:t>database</a:t>
             </a:r>
             <a:r>
-              <a:rPr lang="de-DE" baseline="0" dirty="0" smtClean="0"/>
-              <a:t> </a:t>
-            </a:r>
-            <a:r>
-              <a:rPr lang="de-DE" baseline="0" dirty="0" err="1" smtClean="0"/>
+              <a:rPr lang="de-DE" baseline="0" dirty="0"/>
+              <a:t> </a:t>
+            </a:r>
+            <a:r>
+              <a:rPr lang="de-DE" baseline="0" dirty="0" err="1"/>
               <a:t>connection</a:t>
             </a:r>
             <a:r>
-              <a:rPr lang="de-DE" baseline="0" dirty="0" smtClean="0"/>
-              <a:t> </a:t>
-            </a:r>
-            <a:r>
-              <a:rPr lang="de-DE" baseline="0" dirty="0" err="1" smtClean="0"/>
+              <a:rPr lang="de-DE" baseline="0" dirty="0"/>
+              <a:t> </a:t>
+            </a:r>
+            <a:r>
+              <a:rPr lang="de-DE" baseline="0" dirty="0" err="1"/>
               <a:t>the</a:t>
             </a:r>
             <a:r>
-              <a:rPr lang="de-DE" baseline="0" dirty="0" smtClean="0"/>
-              <a:t> </a:t>
-            </a:r>
-            <a:r>
-              <a:rPr lang="de-DE" baseline="0" dirty="0" err="1" smtClean="0"/>
+              <a:rPr lang="de-DE" baseline="0" dirty="0"/>
+              <a:t> </a:t>
+            </a:r>
+            <a:r>
+              <a:rPr lang="de-DE" baseline="0" dirty="0" err="1"/>
               <a:t>nextcloud</a:t>
             </a:r>
             <a:r>
-              <a:rPr lang="de-DE" baseline="0" dirty="0" smtClean="0"/>
-              <a:t> </a:t>
-            </a:r>
-            <a:r>
-              <a:rPr lang="de-DE" baseline="0" dirty="0" err="1" smtClean="0"/>
+              <a:rPr lang="de-DE" baseline="0" dirty="0"/>
+              <a:t> </a:t>
+            </a:r>
+            <a:r>
+              <a:rPr lang="de-DE" baseline="0" dirty="0" err="1"/>
               <a:t>nodes</a:t>
             </a:r>
             <a:r>
-              <a:rPr lang="de-DE" baseline="0" dirty="0" smtClean="0"/>
+              <a:rPr lang="de-DE" baseline="0" dirty="0"/>
               <a:t> will not </a:t>
             </a:r>
             <a:r>
-              <a:rPr lang="de-DE" baseline="0" dirty="0" err="1" smtClean="0"/>
+              <a:rPr lang="de-DE" baseline="0" dirty="0" err="1"/>
               <a:t>be</a:t>
             </a:r>
             <a:r>
-              <a:rPr lang="de-DE" baseline="0" dirty="0" smtClean="0"/>
-              <a:t> </a:t>
-            </a:r>
-            <a:r>
-              <a:rPr lang="de-DE" baseline="0" dirty="0" err="1" smtClean="0"/>
+              <a:rPr lang="de-DE" baseline="0" dirty="0"/>
+              <a:t> </a:t>
+            </a:r>
+            <a:r>
+              <a:rPr lang="de-DE" baseline="0" dirty="0" err="1"/>
               <a:t>able</a:t>
             </a:r>
             <a:r>
-              <a:rPr lang="de-DE" baseline="0" dirty="0" smtClean="0"/>
-              <a:t> </a:t>
-            </a:r>
-            <a:r>
-              <a:rPr lang="de-DE" baseline="0" dirty="0" err="1" smtClean="0"/>
+              <a:rPr lang="de-DE" baseline="0" dirty="0"/>
+              <a:t> </a:t>
+            </a:r>
+            <a:r>
+              <a:rPr lang="de-DE" baseline="0" dirty="0" err="1"/>
               <a:t>to</a:t>
             </a:r>
             <a:r>
-              <a:rPr lang="de-DE" baseline="0" dirty="0" smtClean="0"/>
-              <a:t> </a:t>
-            </a:r>
-            <a:r>
-              <a:rPr lang="de-DE" baseline="0" dirty="0" err="1" smtClean="0"/>
+              <a:rPr lang="de-DE" baseline="0" dirty="0"/>
+              <a:t> </a:t>
+            </a:r>
+            <a:r>
+              <a:rPr lang="de-DE" baseline="0" dirty="0" err="1"/>
               <a:t>function</a:t>
             </a:r>
             <a:r>
-              <a:rPr lang="de-DE" baseline="0" dirty="0" smtClean="0"/>
+              <a:rPr lang="de-DE" baseline="0" dirty="0"/>
               <a:t>. The </a:t>
             </a:r>
             <a:r>
-              <a:rPr lang="de-DE" baseline="0" dirty="0" err="1" smtClean="0"/>
+              <a:rPr lang="de-DE" baseline="0" dirty="0" err="1"/>
               <a:t>other</a:t>
             </a:r>
             <a:r>
-              <a:rPr lang="de-DE" baseline="0" dirty="0" smtClean="0"/>
-              <a:t> </a:t>
-            </a:r>
-            <a:r>
-              <a:rPr lang="de-DE" baseline="0" dirty="0" err="1" smtClean="0"/>
+              <a:rPr lang="de-DE" baseline="0" dirty="0"/>
+              <a:t> </a:t>
+            </a:r>
+            <a:r>
+              <a:rPr lang="de-DE" baseline="0" dirty="0" err="1"/>
               <a:t>possible</a:t>
             </a:r>
             <a:r>
-              <a:rPr lang="de-DE" baseline="0" dirty="0" smtClean="0"/>
-              <a:t> </a:t>
-            </a:r>
-            <a:r>
-              <a:rPr lang="de-DE" baseline="0" dirty="0" err="1" smtClean="0"/>
+              <a:rPr lang="de-DE" baseline="0" dirty="0"/>
+              <a:t> </a:t>
+            </a:r>
+            <a:r>
+              <a:rPr lang="de-DE" baseline="0" dirty="0" err="1"/>
               <a:t>point</a:t>
             </a:r>
             <a:r>
-              <a:rPr lang="de-DE" baseline="0" dirty="0" smtClean="0"/>
+              <a:rPr lang="de-DE" baseline="0" dirty="0"/>
               <a:t> of </a:t>
             </a:r>
             <a:r>
-              <a:rPr lang="de-DE" baseline="0" dirty="0" err="1" smtClean="0"/>
+              <a:rPr lang="de-DE" baseline="0" dirty="0" err="1"/>
               <a:t>failure</a:t>
             </a:r>
             <a:r>
-              <a:rPr lang="de-DE" baseline="0" dirty="0" smtClean="0"/>
-              <a:t> </a:t>
-            </a:r>
-            <a:r>
-              <a:rPr lang="de-DE" baseline="0" dirty="0" err="1" smtClean="0"/>
+              <a:rPr lang="de-DE" baseline="0" dirty="0"/>
+              <a:t> </a:t>
+            </a:r>
+            <a:r>
+              <a:rPr lang="de-DE" baseline="0" dirty="0" err="1"/>
               <a:t>is</a:t>
             </a:r>
             <a:r>
-              <a:rPr lang="de-DE" baseline="0" dirty="0" smtClean="0"/>
-              <a:t> </a:t>
-            </a:r>
-            <a:r>
-              <a:rPr lang="de-DE" baseline="0" dirty="0" err="1" smtClean="0"/>
+              <a:rPr lang="de-DE" baseline="0" dirty="0"/>
+              <a:t> </a:t>
+            </a:r>
+            <a:r>
+              <a:rPr lang="de-DE" baseline="0" dirty="0" err="1"/>
               <a:t>the</a:t>
             </a:r>
             <a:r>
-              <a:rPr lang="de-DE" baseline="0" dirty="0" smtClean="0"/>
-              <a:t> </a:t>
-            </a:r>
-            <a:r>
-              <a:rPr lang="de-DE" baseline="0" dirty="0" err="1" smtClean="0"/>
+              <a:rPr lang="de-DE" baseline="0" dirty="0"/>
+              <a:t> </a:t>
+            </a:r>
+            <a:r>
+              <a:rPr lang="de-DE" baseline="0" dirty="0" err="1"/>
               <a:t>MinIO</a:t>
             </a:r>
             <a:r>
-              <a:rPr lang="de-DE" baseline="0" dirty="0" smtClean="0"/>
-              <a:t> </a:t>
-            </a:r>
-            <a:r>
-              <a:rPr lang="de-DE" baseline="0" dirty="0" err="1" smtClean="0"/>
+              <a:rPr lang="de-DE" baseline="0" dirty="0"/>
+              <a:t> </a:t>
+            </a:r>
+            <a:r>
+              <a:rPr lang="de-DE" baseline="0" dirty="0" err="1"/>
               <a:t>object</a:t>
             </a:r>
             <a:r>
-              <a:rPr lang="de-DE" baseline="0" dirty="0" smtClean="0"/>
-              <a:t> </a:t>
-            </a:r>
-            <a:r>
-              <a:rPr lang="de-DE" baseline="0" dirty="0" err="1" smtClean="0"/>
+              <a:rPr lang="de-DE" baseline="0" dirty="0"/>
+              <a:t> </a:t>
+            </a:r>
+            <a:r>
+              <a:rPr lang="de-DE" baseline="0" dirty="0" err="1"/>
               <a:t>storage</a:t>
             </a:r>
             <a:r>
-              <a:rPr lang="de-DE" baseline="0" dirty="0" smtClean="0"/>
+              <a:rPr lang="de-DE" baseline="0" dirty="0"/>
               <a:t>, </a:t>
             </a:r>
             <a:r>
-              <a:rPr lang="de-DE" baseline="0" dirty="0" err="1" smtClean="0"/>
+              <a:rPr lang="de-DE" baseline="0" dirty="0" err="1"/>
               <a:t>however</a:t>
             </a:r>
             <a:r>
-              <a:rPr lang="de-DE" baseline="0" dirty="0" smtClean="0"/>
-              <a:t> </a:t>
-            </a:r>
-            <a:r>
-              <a:rPr lang="de-DE" baseline="0" dirty="0" err="1" smtClean="0"/>
+              <a:rPr lang="de-DE" baseline="0" dirty="0"/>
+              <a:t> </a:t>
+            </a:r>
+            <a:r>
+              <a:rPr lang="de-DE" baseline="0" dirty="0" err="1"/>
               <a:t>it</a:t>
             </a:r>
             <a:r>
-              <a:rPr lang="de-DE" baseline="0" dirty="0" smtClean="0"/>
-              <a:t> </a:t>
-            </a:r>
-            <a:r>
-              <a:rPr lang="de-DE" baseline="0" dirty="0" err="1" smtClean="0"/>
+              <a:rPr lang="de-DE" baseline="0" dirty="0"/>
+              <a:t> </a:t>
+            </a:r>
+            <a:r>
+              <a:rPr lang="de-DE" baseline="0" dirty="0" err="1"/>
               <a:t>has</a:t>
             </a:r>
             <a:r>
-              <a:rPr lang="de-DE" baseline="0" dirty="0" smtClean="0"/>
-              <a:t> </a:t>
-            </a:r>
-            <a:r>
-              <a:rPr lang="de-DE" baseline="0" dirty="0" err="1" smtClean="0"/>
+              <a:rPr lang="de-DE" baseline="0" dirty="0"/>
+              <a:t> </a:t>
+            </a:r>
+            <a:r>
+              <a:rPr lang="de-DE" baseline="0" dirty="0" err="1"/>
               <a:t>replication</a:t>
             </a:r>
             <a:r>
-              <a:rPr lang="de-DE" baseline="0" dirty="0" smtClean="0"/>
+              <a:rPr lang="de-DE" baseline="0" dirty="0"/>
               <a:t> of </a:t>
             </a:r>
             <a:r>
-              <a:rPr lang="de-DE" baseline="0" dirty="0" err="1" smtClean="0"/>
+              <a:rPr lang="de-DE" baseline="0" dirty="0" err="1"/>
               <a:t>data</a:t>
             </a:r>
             <a:r>
-              <a:rPr lang="de-DE" baseline="0" dirty="0" smtClean="0"/>
-              <a:t> </a:t>
-            </a:r>
-            <a:r>
-              <a:rPr lang="de-DE" baseline="0" dirty="0" err="1" smtClean="0"/>
+              <a:rPr lang="de-DE" baseline="0" dirty="0"/>
+              <a:t> </a:t>
+            </a:r>
+            <a:r>
+              <a:rPr lang="de-DE" baseline="0" dirty="0" err="1"/>
               <a:t>built</a:t>
             </a:r>
             <a:r>
-              <a:rPr lang="de-DE" baseline="0" dirty="0" smtClean="0"/>
+              <a:rPr lang="de-DE" baseline="0" dirty="0"/>
               <a:t> in, </a:t>
             </a:r>
             <a:r>
-              <a:rPr lang="de-DE" baseline="0" dirty="0" err="1" smtClean="0"/>
+              <a:rPr lang="de-DE" baseline="0" dirty="0" err="1"/>
               <a:t>therefore</a:t>
             </a:r>
             <a:r>
-              <a:rPr lang="de-DE" baseline="0" dirty="0" smtClean="0"/>
-              <a:t> </a:t>
-            </a:r>
-            <a:r>
-              <a:rPr lang="de-DE" baseline="0" dirty="0" err="1" smtClean="0"/>
+              <a:rPr lang="de-DE" baseline="0" dirty="0"/>
+              <a:t> </a:t>
+            </a:r>
+            <a:r>
+              <a:rPr lang="de-DE" baseline="0" dirty="0" err="1"/>
               <a:t>no</a:t>
             </a:r>
             <a:r>
-              <a:rPr lang="de-DE" baseline="0" dirty="0" smtClean="0"/>
-              <a:t> </a:t>
-            </a:r>
-            <a:r>
-              <a:rPr lang="de-DE" baseline="0" dirty="0" err="1" smtClean="0"/>
+              <a:rPr lang="de-DE" baseline="0" dirty="0"/>
+              <a:t> </a:t>
+            </a:r>
+            <a:r>
+              <a:rPr lang="de-DE" baseline="0" dirty="0" err="1"/>
               <a:t>data</a:t>
             </a:r>
             <a:r>
-              <a:rPr lang="de-DE" baseline="0" dirty="0" smtClean="0"/>
-              <a:t> </a:t>
-            </a:r>
-            <a:r>
-              <a:rPr lang="de-DE" baseline="0" dirty="0" err="1" smtClean="0"/>
+              <a:rPr lang="de-DE" baseline="0" dirty="0"/>
+              <a:t> </a:t>
+            </a:r>
+            <a:r>
+              <a:rPr lang="de-DE" baseline="0" dirty="0" err="1"/>
               <a:t>loss</a:t>
             </a:r>
             <a:r>
-              <a:rPr lang="de-DE" baseline="0" dirty="0" smtClean="0"/>
-              <a:t> </a:t>
-            </a:r>
-            <a:r>
-              <a:rPr lang="de-DE" baseline="0" dirty="0" err="1" smtClean="0"/>
+              <a:rPr lang="de-DE" baseline="0" dirty="0"/>
+              <a:t> </a:t>
+            </a:r>
+            <a:r>
+              <a:rPr lang="de-DE" baseline="0" dirty="0" err="1"/>
               <a:t>can</a:t>
             </a:r>
             <a:r>
-              <a:rPr lang="de-DE" baseline="0" dirty="0" smtClean="0"/>
-              <a:t> </a:t>
-            </a:r>
-            <a:r>
-              <a:rPr lang="de-DE" baseline="0" dirty="0" err="1" smtClean="0"/>
+              <a:rPr lang="de-DE" baseline="0" dirty="0"/>
+              <a:t> </a:t>
+            </a:r>
+            <a:r>
+              <a:rPr lang="de-DE" baseline="0" dirty="0" err="1"/>
               <a:t>occur</a:t>
             </a:r>
             <a:r>
-              <a:rPr lang="de-DE" baseline="0" dirty="0" smtClean="0"/>
+              <a:rPr lang="de-DE" baseline="0" dirty="0"/>
               <a:t>.</a:t>
             </a:r>
             <a:endParaRPr lang="de-DE" dirty="0"/>
@@ -8736,13 +8736,6 @@
   <p:clrMapOvr>
     <a:masterClrMapping/>
   </p:clrMapOvr>
-  <p:timing>
-    <p:tnLst>
-      <p:par>
-        <p:cTn id="1" dur="indefinite" restart="never" nodeType="tmRoot"/>
-      </p:par>
-    </p:tnLst>
-  </p:timing>
 </p:sld>
 </file>
 
@@ -8858,13 +8851,6 @@
   <p:clrMapOvr>
     <a:masterClrMapping/>
   </p:clrMapOvr>
-  <p:timing>
-    <p:tnLst>
-      <p:par>
-        <p:cTn id="1" dur="indefinite" restart="never" nodeType="tmRoot"/>
-      </p:par>
-    </p:tnLst>
-  </p:timing>
 </p:sld>
 </file>
 
@@ -8994,13 +8980,6 @@
   <p:clrMapOvr>
     <a:masterClrMapping/>
   </p:clrMapOvr>
-  <p:timing>
-    <p:tnLst>
-      <p:par>
-        <p:cTn id="1" dur="indefinite" restart="never" nodeType="tmRoot"/>
-      </p:par>
-    </p:tnLst>
-  </p:timing>
 </p:sld>
 </file>
 
@@ -9140,7 +9119,7 @@
           <p:cNvPr id="6" name="Titel 5">
             <a:extLst>
               <a:ext uri="{FF2B5EF4-FFF2-40B4-BE49-F238E27FC236}">
-                <a16:creationId xmlns="" xmlns:a16="http://schemas.microsoft.com/office/drawing/2014/main" id="{5A007AC0-4974-439A-9262-409267C15A2E}"/>
+                <a16:creationId xmlns:a16="http://schemas.microsoft.com/office/drawing/2014/main" id="{5A007AC0-4974-439A-9262-409267C15A2E}"/>
               </a:ext>
             </a:extLst>
           </p:cNvPr>
@@ -9165,7 +9144,7 @@
           <p:cNvPr id="10" name="Grafik 9">
             <a:extLst>
               <a:ext uri="{FF2B5EF4-FFF2-40B4-BE49-F238E27FC236}">
-                <a16:creationId xmlns="" xmlns:a16="http://schemas.microsoft.com/office/drawing/2014/main" id="{DEE75B64-3D42-4166-B864-477DE835DF70}"/>
+                <a16:creationId xmlns:a16="http://schemas.microsoft.com/office/drawing/2014/main" id="{DEE75B64-3D42-4166-B864-477DE835DF70}"/>
               </a:ext>
             </a:extLst>
           </p:cNvPr>
@@ -9206,13 +9185,6 @@
   <p:clrMapOvr>
     <a:masterClrMapping/>
   </p:clrMapOvr>
-  <p:timing>
-    <p:tnLst>
-      <p:par>
-        <p:cTn id="1" dur="indefinite" restart="never" nodeType="tmRoot"/>
-      </p:par>
-    </p:tnLst>
-  </p:timing>
 </p:sld>
 </file>
 
@@ -9340,7 +9312,7 @@
           <p:cNvPr id="5" name="Inhaltsplatzhalter 5">
             <a:extLst>
               <a:ext uri="{FF2B5EF4-FFF2-40B4-BE49-F238E27FC236}">
-                <a16:creationId xmlns="" xmlns:a16="http://schemas.microsoft.com/office/drawing/2014/main" id="{6839BEF3-E9EB-4513-929E-2BFE84C02FB7}"/>
+                <a16:creationId xmlns:a16="http://schemas.microsoft.com/office/drawing/2014/main" id="{6839BEF3-E9EB-4513-929E-2BFE84C02FB7}"/>
               </a:ext>
             </a:extLst>
           </p:cNvPr>
@@ -9381,13 +9353,6 @@
   <p:clrMapOvr>
     <a:masterClrMapping/>
   </p:clrMapOvr>
-  <p:timing>
-    <p:tnLst>
-      <p:par>
-        <p:cTn id="1" dur="indefinite" restart="never" nodeType="tmRoot"/>
-      </p:par>
-    </p:tnLst>
-  </p:timing>
 </p:sld>
 </file>
 
@@ -9413,7 +9378,7 @@
           <p:cNvPr id="6" name="Inhaltsplatzhalter 5">
             <a:extLst>
               <a:ext uri="{FF2B5EF4-FFF2-40B4-BE49-F238E27FC236}">
-                <a16:creationId xmlns="" xmlns:a16="http://schemas.microsoft.com/office/drawing/2014/main" id="{1DA3D285-5D68-4ABD-BDC6-35DF3A2C2F45}"/>
+                <a16:creationId xmlns:a16="http://schemas.microsoft.com/office/drawing/2014/main" id="{1DA3D285-5D68-4ABD-BDC6-35DF3A2C2F45}"/>
               </a:ext>
             </a:extLst>
           </p:cNvPr>
@@ -9474,7 +9439,7 @@
           <p:cNvPr id="5" name="Inhaltsplatzhalter 5">
             <a:extLst>
               <a:ext uri="{FF2B5EF4-FFF2-40B4-BE49-F238E27FC236}">
-                <a16:creationId xmlns="" xmlns:a16="http://schemas.microsoft.com/office/drawing/2014/main" id="{6839BEF3-E9EB-4513-929E-2BFE84C02FB7}"/>
+                <a16:creationId xmlns:a16="http://schemas.microsoft.com/office/drawing/2014/main" id="{6839BEF3-E9EB-4513-929E-2BFE84C02FB7}"/>
               </a:ext>
             </a:extLst>
           </p:cNvPr>
@@ -9505,6 +9470,41 @@
           </a:prstGeom>
         </p:spPr>
       </p:pic>
+      <p:sp>
+        <p:nvSpPr>
+          <p:cNvPr id="7" name="Textfeld 6">
+            <a:extLst>
+              <a:ext uri="{FF2B5EF4-FFF2-40B4-BE49-F238E27FC236}">
+                <a16:creationId xmlns:a16="http://schemas.microsoft.com/office/drawing/2014/main" id="{90B7F1A0-C379-42CC-9318-23C431CD839A}"/>
+              </a:ext>
+            </a:extLst>
+          </p:cNvPr>
+          <p:cNvSpPr txBox="1"/>
+          <p:nvPr/>
+        </p:nvSpPr>
+        <p:spPr>
+          <a:xfrm>
+            <a:off x="1384300" y="6338857"/>
+            <a:ext cx="6096000" cy="200055"/>
+          </a:xfrm>
+          <a:prstGeom prst="rect">
+            <a:avLst/>
+          </a:prstGeom>
+          <a:noFill/>
+        </p:spPr>
+        <p:txBody>
+          <a:bodyPr wrap="square">
+            <a:spAutoFit/>
+          </a:bodyPr>
+          <a:lstStyle/>
+          <a:p>
+            <a:r>
+              <a:rPr lang="en-GB" sz="700" dirty="0"/>
+              <a:t>https://upload.wikimedia.org/wikipedia/commons/b/be/Kubernetes.png</a:t>
+            </a:r>
+          </a:p>
+        </p:txBody>
+      </p:sp>
     </p:spTree>
     <p:extLst>
       <p:ext uri="{BB962C8B-B14F-4D97-AF65-F5344CB8AC3E}">
@@ -9515,13 +9515,6 @@
   <p:clrMapOvr>
     <a:masterClrMapping/>
   </p:clrMapOvr>
-  <p:timing>
-    <p:tnLst>
-      <p:par>
-        <p:cTn id="1" dur="indefinite" restart="never" nodeType="tmRoot"/>
-      </p:par>
-    </p:tnLst>
-  </p:timing>
 </p:sld>
 </file>
 
@@ -9656,15 +9649,15 @@
           <a:lstStyle/>
           <a:p>
             <a:r>
-              <a:rPr lang="de-DE" sz="2800" dirty="0" smtClean="0"/>
+              <a:rPr lang="de-DE" sz="2800" dirty="0"/>
               <a:t>Base </a:t>
             </a:r>
             <a:r>
-              <a:rPr lang="de-DE" sz="2800" dirty="0" err="1" smtClean="0"/>
+              <a:rPr lang="de-DE" sz="2800" dirty="0" err="1"/>
               <a:t>structure</a:t>
             </a:r>
             <a:r>
-              <a:rPr lang="de-DE" sz="2800" dirty="0" smtClean="0"/>
+              <a:rPr lang="de-DE" sz="2800" dirty="0"/>
               <a:t>:</a:t>
             </a:r>
           </a:p>
@@ -9674,10 +9667,10 @@
               <a:buChar char="•"/>
             </a:pPr>
             <a:r>
-              <a:rPr lang="de-DE" sz="2800" dirty="0" err="1" smtClean="0"/>
+              <a:rPr lang="de-DE" sz="2800" dirty="0" err="1"/>
               <a:t>Apiversion</a:t>
             </a:r>
-            <a:endParaRPr lang="de-DE" sz="2800" dirty="0" smtClean="0"/>
+            <a:endParaRPr lang="de-DE" sz="2800" dirty="0"/>
           </a:p>
           <a:p>
             <a:pPr marL="285750" indent="-285750">
@@ -9685,7 +9678,7 @@
               <a:buChar char="•"/>
             </a:pPr>
             <a:r>
-              <a:rPr lang="de-DE" sz="2800" dirty="0" smtClean="0"/>
+              <a:rPr lang="de-DE" sz="2800" dirty="0"/>
               <a:t>Kind</a:t>
             </a:r>
           </a:p>
@@ -9695,10 +9688,10 @@
               <a:buChar char="•"/>
             </a:pPr>
             <a:r>
-              <a:rPr lang="de-DE" sz="2800" dirty="0" err="1" smtClean="0"/>
+              <a:rPr lang="de-DE" sz="2800" dirty="0" err="1"/>
               <a:t>Metadata</a:t>
             </a:r>
-            <a:endParaRPr lang="de-DE" sz="2800" dirty="0" smtClean="0"/>
+            <a:endParaRPr lang="de-DE" sz="2800" dirty="0"/>
           </a:p>
           <a:p>
             <a:pPr marL="285750" indent="-285750">
@@ -9706,10 +9699,10 @@
               <a:buChar char="•"/>
             </a:pPr>
             <a:r>
-              <a:rPr lang="de-DE" sz="2800" dirty="0" err="1" smtClean="0"/>
+              <a:rPr lang="de-DE" sz="2800" dirty="0" err="1"/>
               <a:t>Spec</a:t>
             </a:r>
-            <a:endParaRPr lang="de-DE" sz="2800" dirty="0" smtClean="0"/>
+            <a:endParaRPr lang="de-DE" sz="2800" dirty="0"/>
           </a:p>
         </p:txBody>
       </p:sp>
@@ -9752,13 +9745,6 @@
   <p:clrMapOvr>
     <a:masterClrMapping/>
   </p:clrMapOvr>
-  <p:timing>
-    <p:tnLst>
-      <p:par>
-        <p:cTn id="1" dur="indefinite" restart="never" nodeType="tmRoot"/>
-      </p:par>
-    </p:tnLst>
-  </p:timing>
 </p:sld>
 </file>
 
@@ -9900,43 +9886,42 @@
           <a:lstStyle/>
           <a:p>
             <a:r>
-              <a:rPr lang="de-DE" dirty="0" smtClean="0"/>
+              <a:rPr lang="de-DE" dirty="0"/>
               <a:t>Main </a:t>
             </a:r>
             <a:r>
-              <a:rPr lang="en-US" dirty="0" smtClean="0"/>
+              <a:rPr lang="en-US" dirty="0"/>
               <a:t>objectives</a:t>
             </a:r>
             <a:r>
-              <a:rPr lang="de-DE" dirty="0" smtClean="0"/>
+              <a:rPr lang="de-DE" dirty="0"/>
               <a:t>:</a:t>
             </a:r>
           </a:p>
           <a:p>
             <a:pPr lvl="1"/>
             <a:r>
-              <a:rPr lang="en-US" dirty="0" smtClean="0"/>
+              <a:rPr lang="en-US" dirty="0"/>
               <a:t>Scalability</a:t>
             </a:r>
           </a:p>
           <a:p>
             <a:pPr lvl="1"/>
             <a:r>
-              <a:rPr lang="en-US" dirty="0" smtClean="0"/>
+              <a:rPr lang="en-US" dirty="0"/>
               <a:t>Storage distribution</a:t>
             </a:r>
           </a:p>
           <a:p>
             <a:pPr lvl="1"/>
             <a:r>
-              <a:rPr lang="de-DE" dirty="0" smtClean="0"/>
+              <a:rPr lang="de-DE" dirty="0"/>
               <a:t>High </a:t>
             </a:r>
             <a:r>
-              <a:rPr lang="en-US" dirty="0" smtClean="0"/>
+              <a:rPr lang="en-US" dirty="0"/>
               <a:t>availability</a:t>
             </a:r>
-            <a:endParaRPr lang="en-US" dirty="0"/>
           </a:p>
         </p:txBody>
       </p:sp>
@@ -9950,13 +9935,6 @@
   <p:clrMapOvr>
     <a:masterClrMapping/>
   </p:clrMapOvr>
-  <p:timing>
-    <p:tnLst>
-      <p:par>
-        <p:cTn id="1" dur="indefinite" restart="never" nodeType="tmRoot"/>
-      </p:par>
-    </p:tnLst>
-  </p:timing>
 </p:sld>
 </file>
 
@@ -10048,7 +10026,7 @@
               </a:lnSpc>
             </a:pPr>
             <a:r>
-              <a:rPr lang="en-US" dirty="0" smtClean="0"/>
+              <a:rPr lang="en-US" dirty="0"/>
               <a:t>Cluster setup</a:t>
             </a:r>
           </a:p>
@@ -10059,7 +10037,7 @@
               </a:lnSpc>
             </a:pPr>
             <a:r>
-              <a:rPr lang="en-US" dirty="0" smtClean="0"/>
+              <a:rPr lang="en-US" dirty="0"/>
               <a:t>4 node cluster</a:t>
             </a:r>
           </a:p>
@@ -10070,7 +10048,7 @@
               </a:lnSpc>
             </a:pPr>
             <a:r>
-              <a:rPr lang="en-US" dirty="0" smtClean="0"/>
+              <a:rPr lang="en-US" dirty="0"/>
               <a:t>Working deployment</a:t>
             </a:r>
           </a:p>
@@ -10089,13 +10067,6 @@
   <p:clrMapOvr>
     <a:masterClrMapping/>
   </p:clrMapOvr>
-  <p:timing>
-    <p:tnLst>
-      <p:par>
-        <p:cTn id="1" dur="indefinite" restart="never" nodeType="tmRoot"/>
-      </p:par>
-    </p:tnLst>
-  </p:timing>
 </p:sld>
 </file>
 
@@ -10157,64 +10128,63 @@
           <a:lstStyle/>
           <a:p>
             <a:r>
-              <a:rPr lang="en-US" dirty="0" smtClean="0"/>
+              <a:rPr lang="en-US" dirty="0"/>
               <a:t>Kubernetes</a:t>
             </a:r>
           </a:p>
           <a:p>
             <a:pPr lvl="1"/>
             <a:r>
-              <a:rPr lang="en-US" dirty="0" smtClean="0"/>
+              <a:rPr lang="en-US" dirty="0"/>
               <a:t>Powerful</a:t>
             </a:r>
           </a:p>
           <a:p>
             <a:pPr lvl="1"/>
             <a:r>
-              <a:rPr lang="en-US" dirty="0" smtClean="0"/>
+              <a:rPr lang="en-US" dirty="0"/>
               <a:t>Easy to set up</a:t>
             </a:r>
           </a:p>
           <a:p>
             <a:r>
-              <a:rPr lang="en-US" dirty="0" smtClean="0"/>
+              <a:rPr lang="en-US" dirty="0"/>
               <a:t>Nextcloud</a:t>
             </a:r>
           </a:p>
           <a:p>
             <a:pPr lvl="1"/>
             <a:r>
-              <a:rPr lang="en-US" dirty="0" smtClean="0"/>
+              <a:rPr lang="en-US" dirty="0"/>
               <a:t>Useful application</a:t>
             </a:r>
           </a:p>
           <a:p>
             <a:pPr lvl="1"/>
             <a:r>
-              <a:rPr lang="en-US" dirty="0" smtClean="0"/>
+              <a:rPr lang="en-US" dirty="0"/>
               <a:t>Many different features</a:t>
             </a:r>
           </a:p>
           <a:p>
             <a:r>
-              <a:rPr lang="en-US" dirty="0" smtClean="0"/>
+              <a:rPr lang="en-US" dirty="0"/>
               <a:t>Future outlook</a:t>
             </a:r>
           </a:p>
           <a:p>
             <a:pPr lvl="1"/>
             <a:r>
-              <a:rPr lang="en-US" dirty="0" smtClean="0"/>
+              <a:rPr lang="en-US" dirty="0"/>
               <a:t>Expansion of pods</a:t>
             </a:r>
           </a:p>
           <a:p>
             <a:pPr lvl="1"/>
             <a:r>
-              <a:rPr lang="en-US" dirty="0" smtClean="0"/>
+              <a:rPr lang="en-US" dirty="0"/>
               <a:t>Adding of features</a:t>
             </a:r>
-            <a:endParaRPr lang="en-US" dirty="0"/>
           </a:p>
         </p:txBody>
       </p:sp>
@@ -10251,13 +10221,6 @@
   <p:clrMapOvr>
     <a:masterClrMapping/>
   </p:clrMapOvr>
-  <p:timing>
-    <p:tnLst>
-      <p:par>
-        <p:cTn id="1" dur="indefinite" restart="never" nodeType="tmRoot"/>
-      </p:par>
-    </p:tnLst>
-  </p:timing>
 </p:sld>
 </file>
 
@@ -10516,7 +10479,7 @@
   <a:extraClrSchemeLst/>
   <a:extLst>
     <a:ext uri="{05A4C25C-085E-4340-85A3-A5531E510DB2}">
-      <thm15:themeFamily xmlns:thm15="http://schemas.microsoft.com/office/thememl/2012/main" xmlns="" name="Office Theme" id="{62F939B6-93AF-4DB8-9C6B-D6C7DFDC589F}" vid="{4A3C46E8-61CC-4603-A589-7422A47A8E4A}"/>
+      <thm15:themeFamily xmlns:thm15="http://schemas.microsoft.com/office/thememl/2012/main" name="Office Theme" id="{62F939B6-93AF-4DB8-9C6B-D6C7DFDC589F}" vid="{4A3C46E8-61CC-4603-A589-7422A47A8E4A}"/>
     </a:ext>
   </a:extLst>
 </a:theme>
@@ -10777,7 +10740,7 @@
   <a:extraClrSchemeLst/>
   <a:extLst>
     <a:ext uri="{05A4C25C-085E-4340-85A3-A5531E510DB2}">
-      <thm15:themeFamily xmlns:thm15="http://schemas.microsoft.com/office/thememl/2012/main" xmlns="" name="Office Theme" id="{62F939B6-93AF-4DB8-9C6B-D6C7DFDC589F}" vid="{4A3C46E8-61CC-4603-A589-7422A47A8E4A}"/>
+      <thm15:themeFamily xmlns:thm15="http://schemas.microsoft.com/office/thememl/2012/main" name="Office Theme" id="{62F939B6-93AF-4DB8-9C6B-D6C7DFDC589F}" vid="{4A3C46E8-61CC-4603-A589-7422A47A8E4A}"/>
     </a:ext>
   </a:extLst>
 </a:theme>
